--- a/poster.pptx
+++ b/poster.pptx
@@ -192,7 +192,7 @@
           <a:p>
             <a:fld id="{444624E0-9A66-4D44-B307-289A2C88DCD3}" type="datetimeFigureOut">
               <a:rPr lang="en-US" smtClean="0"/>
-              <a:t>5/12/2013</a:t>
+              <a:t>5/13/2013</a:t>
             </a:fld>
             <a:endParaRPr lang="en-US"/>
           </a:p>
@@ -456,7 +456,7 @@
           <a:p>
             <a:fld id="{26B2CB66-D8CA-45D3-A759-098C2835DC5E}" type="datetimeFigureOut">
               <a:rPr lang="he-IL" smtClean="0"/>
-              <a:t>ג'/סיון/תשע"ג</a:t>
+              <a:t>ד'/סיון/תשע"ג</a:t>
             </a:fld>
             <a:endParaRPr lang="he-IL"/>
           </a:p>
@@ -626,7 +626,7 @@
           <a:p>
             <a:fld id="{26B2CB66-D8CA-45D3-A759-098C2835DC5E}" type="datetimeFigureOut">
               <a:rPr lang="he-IL" smtClean="0"/>
-              <a:t>ג'/סיון/תשע"ג</a:t>
+              <a:t>ד'/סיון/תשע"ג</a:t>
             </a:fld>
             <a:endParaRPr lang="he-IL"/>
           </a:p>
@@ -806,7 +806,7 @@
           <a:p>
             <a:fld id="{26B2CB66-D8CA-45D3-A759-098C2835DC5E}" type="datetimeFigureOut">
               <a:rPr lang="he-IL" smtClean="0"/>
-              <a:t>ג'/סיון/תשע"ג</a:t>
+              <a:t>ד'/סיון/תשע"ג</a:t>
             </a:fld>
             <a:endParaRPr lang="he-IL"/>
           </a:p>
@@ -976,7 +976,7 @@
           <a:p>
             <a:fld id="{26B2CB66-D8CA-45D3-A759-098C2835DC5E}" type="datetimeFigureOut">
               <a:rPr lang="he-IL" smtClean="0"/>
-              <a:t>ג'/סיון/תשע"ג</a:t>
+              <a:t>ד'/סיון/תשע"ג</a:t>
             </a:fld>
             <a:endParaRPr lang="he-IL"/>
           </a:p>
@@ -1222,7 +1222,7 @@
           <a:p>
             <a:fld id="{26B2CB66-D8CA-45D3-A759-098C2835DC5E}" type="datetimeFigureOut">
               <a:rPr lang="he-IL" smtClean="0"/>
-              <a:t>ג'/סיון/תשע"ג</a:t>
+              <a:t>ד'/סיון/תשע"ג</a:t>
             </a:fld>
             <a:endParaRPr lang="he-IL"/>
           </a:p>
@@ -1510,7 +1510,7 @@
           <a:p>
             <a:fld id="{26B2CB66-D8CA-45D3-A759-098C2835DC5E}" type="datetimeFigureOut">
               <a:rPr lang="he-IL" smtClean="0"/>
-              <a:t>ג'/סיון/תשע"ג</a:t>
+              <a:t>ד'/סיון/תשע"ג</a:t>
             </a:fld>
             <a:endParaRPr lang="he-IL"/>
           </a:p>
@@ -1937,7 +1937,7 @@
           <a:p>
             <a:fld id="{26B2CB66-D8CA-45D3-A759-098C2835DC5E}" type="datetimeFigureOut">
               <a:rPr lang="he-IL" smtClean="0"/>
-              <a:t>ג'/סיון/תשע"ג</a:t>
+              <a:t>ד'/סיון/תשע"ג</a:t>
             </a:fld>
             <a:endParaRPr lang="he-IL"/>
           </a:p>
@@ -2055,7 +2055,7 @@
           <a:p>
             <a:fld id="{26B2CB66-D8CA-45D3-A759-098C2835DC5E}" type="datetimeFigureOut">
               <a:rPr lang="he-IL" smtClean="0"/>
-              <a:t>ג'/סיון/תשע"ג</a:t>
+              <a:t>ד'/סיון/תשע"ג</a:t>
             </a:fld>
             <a:endParaRPr lang="he-IL"/>
           </a:p>
@@ -2150,7 +2150,7 @@
           <a:p>
             <a:fld id="{26B2CB66-D8CA-45D3-A759-098C2835DC5E}" type="datetimeFigureOut">
               <a:rPr lang="he-IL" smtClean="0"/>
-              <a:t>ג'/סיון/תשע"ג</a:t>
+              <a:t>ד'/סיון/תשע"ג</a:t>
             </a:fld>
             <a:endParaRPr lang="he-IL"/>
           </a:p>
@@ -2427,7 +2427,7 @@
           <a:p>
             <a:fld id="{26B2CB66-D8CA-45D3-A759-098C2835DC5E}" type="datetimeFigureOut">
               <a:rPr lang="he-IL" smtClean="0"/>
-              <a:t>ג'/סיון/תשע"ג</a:t>
+              <a:t>ד'/סיון/תשע"ג</a:t>
             </a:fld>
             <a:endParaRPr lang="he-IL"/>
           </a:p>
@@ -2680,7 +2680,7 @@
           <a:p>
             <a:fld id="{26B2CB66-D8CA-45D3-A759-098C2835DC5E}" type="datetimeFigureOut">
               <a:rPr lang="he-IL" smtClean="0"/>
-              <a:t>ג'/סיון/תשע"ג</a:t>
+              <a:t>ד'/סיון/תשע"ג</a:t>
             </a:fld>
             <a:endParaRPr lang="he-IL"/>
           </a:p>
@@ -2893,7 +2893,7 @@
           <a:p>
             <a:fld id="{26B2CB66-D8CA-45D3-A759-098C2835DC5E}" type="datetimeFigureOut">
               <a:rPr lang="he-IL" smtClean="0"/>
-              <a:t>ג'/סיון/תשע"ג</a:t>
+              <a:t>ד'/סיון/תשע"ג</a:t>
             </a:fld>
             <a:endParaRPr lang="he-IL"/>
           </a:p>
@@ -5251,14 +5251,20 @@
               <a:defRPr/>
             </a:pPr>
             <a:r>
-              <a:rPr lang="en-US" sz="4400" b="1" kern="0" dirty="0">
+              <a:rPr lang="en-US" sz="4400" b="1" kern="0" dirty="0" smtClean="0">
                 <a:solidFill>
                   <a:schemeClr val="accent2"/>
                 </a:solidFill>
                 <a:latin typeface="+mn-lt"/>
               </a:rPr>
-              <a:t>Introduction</a:t>
-            </a:r>
+              <a:t>Background</a:t>
+            </a:r>
+            <a:endParaRPr lang="en-US" sz="4400" b="1" kern="0" dirty="0">
+              <a:solidFill>
+                <a:schemeClr val="accent2"/>
+              </a:solidFill>
+              <a:latin typeface="+mn-lt"/>
+            </a:endParaRPr>
           </a:p>
           <a:p>
             <a:pPr indent="205704" algn="l" defTabSz="908920" rtl="0">
@@ -5351,13 +5357,13 @@
               <a:defRPr/>
             </a:pPr>
             <a:r>
-              <a:rPr lang="en-US" sz="2800" kern="0" dirty="0">
+              <a:rPr lang="en-US" sz="2800" kern="0" dirty="0" smtClean="0">
                 <a:solidFill>
                   <a:srgbClr val="000000"/>
                 </a:solidFill>
                 <a:latin typeface="+mn-lt"/>
               </a:rPr>
-              <a:t>Fig. </a:t>
+              <a:t>Figure </a:t>
             </a:r>
             <a:r>
               <a:rPr lang="en-US" sz="2800" kern="0" dirty="0">
@@ -5375,16 +5381,16 @@
                 </a:solidFill>
                 <a:latin typeface="+mn-lt"/>
               </a:rPr>
-              <a:t>s this problem using the fitness </a:t>
-            </a:r>
-            <a:r>
-              <a:rPr lang="en-US" sz="2800" kern="0" smtClean="0">
+              <a:t>s this problem using the </a:t>
+            </a:r>
+            <a:r>
+              <a:rPr lang="en-US" sz="2800" i="1" kern="0" dirty="0" smtClean="0">
                 <a:solidFill>
                   <a:srgbClr val="000000"/>
                 </a:solidFill>
                 <a:latin typeface="+mn-lt"/>
               </a:rPr>
-              <a:t>landscape metaphor: </a:t>
+              <a:t>fitness landscape </a:t>
             </a:r>
             <a:r>
               <a:rPr lang="en-US" sz="2800" kern="0" dirty="0" smtClean="0">
@@ -5393,17 +5399,325 @@
                 </a:solidFill>
                 <a:latin typeface="+mn-lt"/>
               </a:rPr>
-              <a:t>consider a single -peak  (top panel) and a multi-peak (bottom panel) landscape. Height represents fitness and  different geographic coordinates </a:t>
-            </a:r>
-            <a:r>
-              <a:rPr lang="en-US" sz="2800" kern="0" dirty="0">
+              <a:t>metaphor.</a:t>
+            </a:r>
+          </a:p>
+          <a:p>
+            <a:pPr indent="205704" algn="l" defTabSz="908920" rtl="0">
+              <a:defRPr/>
+            </a:pPr>
+            <a:endParaRPr lang="en-US" sz="2800" kern="0" dirty="0">
+              <a:solidFill>
+                <a:srgbClr val="000000"/>
+              </a:solidFill>
+              <a:latin typeface="+mn-lt"/>
+            </a:endParaRPr>
+          </a:p>
+          <a:p>
+            <a:pPr indent="205704" algn="l" defTabSz="908920" rtl="0">
+              <a:defRPr/>
+            </a:pPr>
+            <a:endParaRPr lang="en-US" sz="2800" kern="0" dirty="0" smtClean="0">
+              <a:solidFill>
+                <a:srgbClr val="000000"/>
+              </a:solidFill>
+              <a:latin typeface="+mn-lt"/>
+            </a:endParaRPr>
+          </a:p>
+          <a:p>
+            <a:pPr indent="205704" algn="l" defTabSz="908920" rtl="0">
+              <a:defRPr/>
+            </a:pPr>
+            <a:endParaRPr lang="en-US" sz="2800" kern="0" dirty="0">
+              <a:solidFill>
+                <a:srgbClr val="000000"/>
+              </a:solidFill>
+              <a:latin typeface="+mn-lt"/>
+            </a:endParaRPr>
+          </a:p>
+          <a:p>
+            <a:pPr indent="205704" algn="l" defTabSz="908920" rtl="0">
+              <a:defRPr/>
+            </a:pPr>
+            <a:endParaRPr lang="en-US" sz="2800" kern="0" dirty="0" smtClean="0">
+              <a:solidFill>
+                <a:srgbClr val="000000"/>
+              </a:solidFill>
+              <a:latin typeface="+mn-lt"/>
+            </a:endParaRPr>
+          </a:p>
+          <a:p>
+            <a:pPr indent="205704" algn="l" defTabSz="908920" rtl="0">
+              <a:defRPr/>
+            </a:pPr>
+            <a:endParaRPr lang="en-US" sz="2800" kern="0" dirty="0">
+              <a:solidFill>
+                <a:srgbClr val="000000"/>
+              </a:solidFill>
+              <a:latin typeface="+mn-lt"/>
+            </a:endParaRPr>
+          </a:p>
+          <a:p>
+            <a:pPr indent="205704" algn="l" defTabSz="908920" rtl="0">
+              <a:defRPr/>
+            </a:pPr>
+            <a:endParaRPr lang="en-US" sz="2800" kern="0" dirty="0" smtClean="0">
+              <a:solidFill>
+                <a:srgbClr val="000000"/>
+              </a:solidFill>
+              <a:latin typeface="+mn-lt"/>
+            </a:endParaRPr>
+          </a:p>
+          <a:p>
+            <a:pPr indent="205704" algn="l" defTabSz="908920" rtl="0">
+              <a:defRPr/>
+            </a:pPr>
+            <a:endParaRPr lang="en-US" sz="2800" kern="0" dirty="0">
+              <a:solidFill>
+                <a:srgbClr val="000000"/>
+              </a:solidFill>
+              <a:latin typeface="+mn-lt"/>
+            </a:endParaRPr>
+          </a:p>
+          <a:p>
+            <a:pPr indent="205704" algn="l" defTabSz="908920" rtl="0">
+              <a:defRPr/>
+            </a:pPr>
+            <a:endParaRPr lang="en-US" sz="2800" kern="0" dirty="0" smtClean="0">
+              <a:solidFill>
+                <a:srgbClr val="000000"/>
+              </a:solidFill>
+              <a:latin typeface="+mn-lt"/>
+            </a:endParaRPr>
+          </a:p>
+          <a:p>
+            <a:pPr indent="205704" algn="l" defTabSz="908920" rtl="0">
+              <a:defRPr/>
+            </a:pPr>
+            <a:endParaRPr lang="en-US" sz="2800" kern="0" dirty="0">
+              <a:solidFill>
+                <a:srgbClr val="000000"/>
+              </a:solidFill>
+              <a:latin typeface="+mn-lt"/>
+            </a:endParaRPr>
+          </a:p>
+          <a:p>
+            <a:pPr indent="205704" algn="l" defTabSz="908920" rtl="0">
+              <a:defRPr/>
+            </a:pPr>
+            <a:endParaRPr lang="en-US" sz="2800" kern="0" dirty="0" smtClean="0">
+              <a:solidFill>
+                <a:srgbClr val="000000"/>
+              </a:solidFill>
+              <a:latin typeface="+mn-lt"/>
+            </a:endParaRPr>
+          </a:p>
+          <a:p>
+            <a:pPr indent="205704" algn="l" defTabSz="908920" rtl="0">
+              <a:defRPr/>
+            </a:pPr>
+            <a:endParaRPr lang="en-US" sz="2800" kern="0" dirty="0">
+              <a:solidFill>
+                <a:srgbClr val="000000"/>
+              </a:solidFill>
+              <a:latin typeface="+mn-lt"/>
+            </a:endParaRPr>
+          </a:p>
+          <a:p>
+            <a:pPr indent="205704" algn="l" defTabSz="908920" rtl="0">
+              <a:defRPr/>
+            </a:pPr>
+            <a:endParaRPr lang="en-US" sz="2800" kern="0" dirty="0" smtClean="0">
+              <a:solidFill>
+                <a:srgbClr val="000000"/>
+              </a:solidFill>
+              <a:latin typeface="+mn-lt"/>
+            </a:endParaRPr>
+          </a:p>
+          <a:p>
+            <a:pPr indent="205704" algn="l" defTabSz="908920" rtl="0">
+              <a:defRPr/>
+            </a:pPr>
+            <a:endParaRPr lang="en-US" sz="2800" kern="0" dirty="0">
+              <a:solidFill>
+                <a:srgbClr val="000000"/>
+              </a:solidFill>
+              <a:latin typeface="+mn-lt"/>
+            </a:endParaRPr>
+          </a:p>
+          <a:p>
+            <a:pPr indent="205704" algn="l" defTabSz="908920" rtl="0">
+              <a:defRPr/>
+            </a:pPr>
+            <a:endParaRPr lang="en-US" sz="2800" kern="0" dirty="0" smtClean="0">
+              <a:solidFill>
+                <a:srgbClr val="000000"/>
+              </a:solidFill>
+              <a:latin typeface="+mn-lt"/>
+            </a:endParaRPr>
+          </a:p>
+          <a:p>
+            <a:pPr indent="205704" algn="l" defTabSz="908920" rtl="0">
+              <a:defRPr/>
+            </a:pPr>
+            <a:endParaRPr lang="en-US" sz="2800" kern="0" dirty="0">
+              <a:solidFill>
+                <a:srgbClr val="000000"/>
+              </a:solidFill>
+              <a:latin typeface="+mn-lt"/>
+            </a:endParaRPr>
+          </a:p>
+          <a:p>
+            <a:pPr indent="205704" algn="l" defTabSz="908920" rtl="0">
+              <a:defRPr/>
+            </a:pPr>
+            <a:endParaRPr lang="en-US" sz="2800" kern="0" dirty="0" smtClean="0">
+              <a:solidFill>
+                <a:srgbClr val="000000"/>
+              </a:solidFill>
+              <a:latin typeface="+mn-lt"/>
+            </a:endParaRPr>
+          </a:p>
+          <a:p>
+            <a:pPr indent="205704" algn="l" defTabSz="908920" rtl="0">
+              <a:defRPr/>
+            </a:pPr>
+            <a:endParaRPr lang="en-US" sz="2800" kern="0" dirty="0">
+              <a:solidFill>
+                <a:srgbClr val="000000"/>
+              </a:solidFill>
+              <a:latin typeface="+mn-lt"/>
+            </a:endParaRPr>
+          </a:p>
+          <a:p>
+            <a:pPr indent="205704" algn="l" defTabSz="908920" rtl="0">
+              <a:defRPr/>
+            </a:pPr>
+            <a:endParaRPr lang="en-US" sz="2800" kern="0" dirty="0" smtClean="0">
+              <a:solidFill>
+                <a:srgbClr val="000000"/>
+              </a:solidFill>
+              <a:latin typeface="+mn-lt"/>
+            </a:endParaRPr>
+          </a:p>
+          <a:p>
+            <a:pPr indent="205704" algn="l" defTabSz="908920" rtl="0">
+              <a:defRPr/>
+            </a:pPr>
+            <a:endParaRPr lang="en-US" sz="2800" kern="0" dirty="0">
+              <a:solidFill>
+                <a:srgbClr val="000000"/>
+              </a:solidFill>
+              <a:latin typeface="+mn-lt"/>
+            </a:endParaRPr>
+          </a:p>
+          <a:p>
+            <a:pPr indent="205704" algn="l" defTabSz="908920" rtl="0">
+              <a:defRPr/>
+            </a:pPr>
+            <a:endParaRPr lang="en-US" sz="2800" kern="0" dirty="0" smtClean="0">
+              <a:solidFill>
+                <a:srgbClr val="000000"/>
+              </a:solidFill>
+              <a:latin typeface="+mn-lt"/>
+            </a:endParaRPr>
+          </a:p>
+          <a:p>
+            <a:pPr indent="205704" algn="l" defTabSz="908920" rtl="0">
+              <a:defRPr/>
+            </a:pPr>
+            <a:endParaRPr lang="en-US" sz="2800" kern="0" dirty="0">
+              <a:solidFill>
+                <a:srgbClr val="000000"/>
+              </a:solidFill>
+              <a:latin typeface="+mn-lt"/>
+            </a:endParaRPr>
+          </a:p>
+          <a:p>
+            <a:pPr indent="205704" algn="l" defTabSz="908920" rtl="0">
+              <a:defRPr/>
+            </a:pPr>
+            <a:endParaRPr lang="en-US" sz="2800" kern="0" dirty="0" smtClean="0">
+              <a:solidFill>
+                <a:srgbClr val="000000"/>
+              </a:solidFill>
+              <a:latin typeface="+mn-lt"/>
+            </a:endParaRPr>
+          </a:p>
+          <a:p>
+            <a:pPr indent="205704" algn="l" defTabSz="908920" rtl="0">
+              <a:defRPr/>
+            </a:pPr>
+            <a:endParaRPr lang="en-US" sz="2800" kern="0" dirty="0">
+              <a:solidFill>
+                <a:srgbClr val="000000"/>
+              </a:solidFill>
+              <a:latin typeface="+mn-lt"/>
+            </a:endParaRPr>
+          </a:p>
+          <a:p>
+            <a:pPr indent="205704" algn="l" defTabSz="908920" rtl="0">
+              <a:defRPr/>
+            </a:pPr>
+            <a:endParaRPr lang="en-US" sz="2800" kern="0" dirty="0" smtClean="0">
+              <a:solidFill>
+                <a:srgbClr val="000000"/>
+              </a:solidFill>
+              <a:latin typeface="+mn-lt"/>
+            </a:endParaRPr>
+          </a:p>
+          <a:p>
+            <a:pPr indent="205704" algn="l" defTabSz="908920" rtl="0">
+              <a:defRPr/>
+            </a:pPr>
+            <a:endParaRPr lang="en-US" sz="2800" kern="0" dirty="0">
+              <a:solidFill>
+                <a:srgbClr val="000000"/>
+              </a:solidFill>
+              <a:latin typeface="+mn-lt"/>
+            </a:endParaRPr>
+          </a:p>
+          <a:p>
+            <a:pPr indent="205704" algn="l" defTabSz="908920" rtl="0">
+              <a:defRPr/>
+            </a:pPr>
+            <a:endParaRPr lang="en-US" sz="2800" b="1" kern="0" dirty="0" smtClean="0">
+              <a:solidFill>
+                <a:schemeClr val="accent2"/>
+              </a:solidFill>
+            </a:endParaRPr>
+          </a:p>
+          <a:p>
+            <a:pPr indent="205704" algn="l" defTabSz="908920" rtl="0">
+              <a:defRPr/>
+            </a:pPr>
+            <a:r>
+              <a:rPr lang="en-US" b="1" kern="0" dirty="0" smtClean="0">
+                <a:solidFill>
+                  <a:schemeClr val="accent2"/>
+                </a:solidFill>
+              </a:rPr>
+              <a:t>Stress-Induced Mutagenesis</a:t>
+            </a:r>
+          </a:p>
+          <a:p>
+            <a:pPr indent="205704" algn="l" defTabSz="908920" rtl="0">
+              <a:defRPr/>
+            </a:pPr>
+            <a:r>
+              <a:rPr lang="en-US" sz="2800" kern="0" dirty="0" smtClean="0">
                 <a:solidFill>
                   <a:srgbClr val="000000"/>
                 </a:solidFill>
                 <a:latin typeface="+mn-lt"/>
               </a:rPr>
-              <a:t>represent different genotypes</a:t>
-            </a:r>
+              <a:t>In various species of bacteria (2) as well as yeast, algae, flies and human cancer cells (3), the mutation rate is induced by stress responses. </a:t>
+            </a:r>
+          </a:p>
+          <a:p>
+            <a:pPr indent="205704" algn="l" defTabSz="908920" rtl="0">
+              <a:defRPr/>
+            </a:pPr>
             <a:r>
               <a:rPr lang="en-US" sz="2800" kern="0" dirty="0" smtClean="0">
                 <a:solidFill>
@@ -5411,39 +5725,35 @@
                 </a:solidFill>
                 <a:latin typeface="+mn-lt"/>
               </a:rPr>
-              <a:t>. Mutation moves the population in all directions whereas selection drives the population uphill.</a:t>
-            </a:r>
-          </a:p>
-          <a:p>
-            <a:pPr indent="205704" algn="l" defTabSz="908920" rtl="0">
-              <a:defRPr/>
-            </a:pPr>
-            <a:r>
-              <a:rPr lang="en-US" sz="2800" kern="0" dirty="0" smtClean="0">
+              <a:t>In a previous work (4) we modeled the evolution of stress-induced mutagenesis in asexual population in constant and changing environments. Our results showed that </a:t>
+            </a:r>
+            <a:r>
+              <a:rPr lang="en-US" sz="2800" b="1" kern="0" dirty="0" smtClean="0">
                 <a:solidFill>
                   <a:srgbClr val="000000"/>
                 </a:solidFill>
                 <a:latin typeface="+mn-lt"/>
               </a:rPr>
-              <a:t>In the single-peak landscape a population of bacteria evolves, for example, antibiotic resistance in a stepwise manner. In the multi-peak landscape, however, the population can get stuck on the lower peak because selection will prevent it from descending to the valley between the peaks.</a:t>
-            </a:r>
-            <a:endParaRPr lang="en-US" sz="2800" kern="0" dirty="0">
-              <a:solidFill>
-                <a:srgbClr val="000000"/>
-              </a:solidFill>
-              <a:latin typeface="+mn-lt"/>
-            </a:endParaRPr>
-          </a:p>
-          <a:p>
-            <a:pPr indent="205704" algn="l" defTabSz="908920" rtl="0">
-              <a:defRPr/>
-            </a:pPr>
-            <a:endParaRPr lang="en-US" sz="2800" kern="0" dirty="0">
-              <a:solidFill>
-                <a:srgbClr val="000000"/>
-              </a:solidFill>
-              <a:latin typeface="+mn-lt"/>
-            </a:endParaRPr>
+              <a:t>stress-induced mutagenesis is favored by selection</a:t>
+            </a:r>
+            <a:r>
+              <a:rPr lang="en-US" sz="2800" kern="0" dirty="0" smtClean="0">
+                <a:solidFill>
+                  <a:srgbClr val="000000"/>
+                </a:solidFill>
+                <a:latin typeface="+mn-lt"/>
+              </a:rPr>
+              <a:t> over constant rate mutagenesis  because of the beneficial mutations it generates </a:t>
+            </a:r>
+            <a:r>
+              <a:rPr lang="en-US" sz="2800" kern="0" dirty="0" smtClean="0">
+                <a:solidFill>
+                  <a:srgbClr val="000000"/>
+                </a:solidFill>
+                <a:latin typeface="+mn-lt"/>
+              </a:rPr>
+              <a:t>when they are most needed.</a:t>
+            </a:r>
           </a:p>
           <a:p>
             <a:pPr indent="205704" algn="l" defTabSz="908920" rtl="0">
@@ -6147,224 +6457,1320 @@
           </a:p>
         </p:txBody>
       </p:sp>
-      <p:sp>
-        <p:nvSpPr>
-          <p:cNvPr id="101" name="Text Box 13"/>
-          <p:cNvSpPr txBox="1">
-            <a:spLocks noChangeArrowheads="1"/>
-          </p:cNvSpPr>
-          <p:nvPr/>
-        </p:nvSpPr>
-        <p:spPr bwMode="auto">
-          <a:xfrm>
-            <a:off x="2399473" y="28060047"/>
-            <a:ext cx="11520000" cy="13368416"/>
-          </a:xfrm>
-          <a:prstGeom prst="rect">
-            <a:avLst/>
-          </a:prstGeom>
-          <a:solidFill>
-            <a:srgbClr val="FFFFFF"/>
-          </a:solidFill>
-          <a:ln w="12700">
-            <a:solidFill>
-              <a:srgbClr val="4D4D4D"/>
-            </a:solidFill>
-            <a:miter lim="800000"/>
-            <a:headEnd/>
-            <a:tailEnd/>
-          </a:ln>
-        </p:spPr>
-        <p:txBody>
-          <a:bodyPr lIns="908920" tIns="454461" rIns="908920" bIns="908920"/>
-          <a:lstStyle>
-            <a:lvl1pPr eaLnBrk="0" hangingPunct="0">
-              <a:tabLst>
-                <a:tab pos="635000" algn="l"/>
-              </a:tabLst>
-              <a:defRPr sz="3200">
-                <a:solidFill>
-                  <a:schemeClr val="tx1"/>
-                </a:solidFill>
-                <a:latin typeface="Helvetica" pitchFamily="-111" charset="0"/>
-                <a:ea typeface="ＭＳ Ｐゴシック" pitchFamily="-111" charset="-128"/>
-              </a:defRPr>
-            </a:lvl1pPr>
-            <a:lvl2pPr marL="37931725" indent="-37474525" eaLnBrk="0" hangingPunct="0">
-              <a:tabLst>
-                <a:tab pos="635000" algn="l"/>
-              </a:tabLst>
-              <a:defRPr sz="3200">
-                <a:solidFill>
-                  <a:schemeClr val="tx1"/>
-                </a:solidFill>
-                <a:latin typeface="Helvetica" pitchFamily="-111" charset="0"/>
-                <a:ea typeface="ＭＳ Ｐゴシック" pitchFamily="-111" charset="-128"/>
-              </a:defRPr>
-            </a:lvl2pPr>
-            <a:lvl3pPr eaLnBrk="0" hangingPunct="0">
-              <a:tabLst>
-                <a:tab pos="635000" algn="l"/>
-              </a:tabLst>
-              <a:defRPr sz="3200">
-                <a:solidFill>
-                  <a:schemeClr val="tx1"/>
-                </a:solidFill>
-                <a:latin typeface="Helvetica" pitchFamily="-111" charset="0"/>
-                <a:ea typeface="ＭＳ Ｐゴシック" pitchFamily="-111" charset="-128"/>
-              </a:defRPr>
-            </a:lvl3pPr>
-            <a:lvl4pPr eaLnBrk="0" hangingPunct="0">
-              <a:tabLst>
-                <a:tab pos="635000" algn="l"/>
-              </a:tabLst>
-              <a:defRPr sz="3200">
-                <a:solidFill>
-                  <a:schemeClr val="tx1"/>
-                </a:solidFill>
-                <a:latin typeface="Helvetica" pitchFamily="-111" charset="0"/>
-                <a:ea typeface="ＭＳ Ｐゴシック" pitchFamily="-111" charset="-128"/>
-              </a:defRPr>
-            </a:lvl4pPr>
-            <a:lvl5pPr eaLnBrk="0" hangingPunct="0">
-              <a:tabLst>
-                <a:tab pos="635000" algn="l"/>
-              </a:tabLst>
-              <a:defRPr sz="3200">
-                <a:solidFill>
-                  <a:schemeClr val="tx1"/>
-                </a:solidFill>
-                <a:latin typeface="Helvetica" pitchFamily="-111" charset="0"/>
-                <a:ea typeface="ＭＳ Ｐゴシック" pitchFamily="-111" charset="-128"/>
-              </a:defRPr>
-            </a:lvl5pPr>
-            <a:lvl6pPr marL="457200" eaLnBrk="0" fontAlgn="base" hangingPunct="0">
-              <a:spcBef>
-                <a:spcPct val="0"/>
-              </a:spcBef>
-              <a:spcAft>
-                <a:spcPct val="0"/>
-              </a:spcAft>
-              <a:tabLst>
-                <a:tab pos="635000" algn="l"/>
-              </a:tabLst>
-              <a:defRPr sz="3200">
-                <a:solidFill>
-                  <a:schemeClr val="tx1"/>
-                </a:solidFill>
-                <a:latin typeface="Helvetica" pitchFamily="-111" charset="0"/>
-                <a:ea typeface="ＭＳ Ｐゴシック" pitchFamily="-111" charset="-128"/>
-              </a:defRPr>
-            </a:lvl6pPr>
-            <a:lvl7pPr marL="914400" eaLnBrk="0" fontAlgn="base" hangingPunct="0">
-              <a:spcBef>
-                <a:spcPct val="0"/>
-              </a:spcBef>
-              <a:spcAft>
-                <a:spcPct val="0"/>
-              </a:spcAft>
-              <a:tabLst>
-                <a:tab pos="635000" algn="l"/>
-              </a:tabLst>
-              <a:defRPr sz="3200">
-                <a:solidFill>
-                  <a:schemeClr val="tx1"/>
-                </a:solidFill>
-                <a:latin typeface="Helvetica" pitchFamily="-111" charset="0"/>
-                <a:ea typeface="ＭＳ Ｐゴシック" pitchFamily="-111" charset="-128"/>
-              </a:defRPr>
-            </a:lvl7pPr>
-            <a:lvl8pPr marL="1371600" eaLnBrk="0" fontAlgn="base" hangingPunct="0">
-              <a:spcBef>
-                <a:spcPct val="0"/>
-              </a:spcBef>
-              <a:spcAft>
-                <a:spcPct val="0"/>
-              </a:spcAft>
-              <a:tabLst>
-                <a:tab pos="635000" algn="l"/>
-              </a:tabLst>
-              <a:defRPr sz="3200">
-                <a:solidFill>
-                  <a:schemeClr val="tx1"/>
-                </a:solidFill>
-                <a:latin typeface="Helvetica" pitchFamily="-111" charset="0"/>
-                <a:ea typeface="ＭＳ Ｐゴシック" pitchFamily="-111" charset="-128"/>
-              </a:defRPr>
-            </a:lvl8pPr>
-            <a:lvl9pPr marL="1828800" eaLnBrk="0" fontAlgn="base" hangingPunct="0">
-              <a:spcBef>
-                <a:spcPct val="0"/>
-              </a:spcBef>
-              <a:spcAft>
-                <a:spcPct val="0"/>
-              </a:spcAft>
-              <a:tabLst>
-                <a:tab pos="635000" algn="l"/>
-              </a:tabLst>
-              <a:defRPr sz="3200">
-                <a:solidFill>
-                  <a:schemeClr val="tx1"/>
-                </a:solidFill>
-                <a:latin typeface="Helvetica" pitchFamily="-111" charset="0"/>
-                <a:ea typeface="ＭＳ Ｐゴシック" pitchFamily="-111" charset="-128"/>
-              </a:defRPr>
-            </a:lvl9pPr>
-          </a:lstStyle>
-          <a:p>
-            <a:pPr indent="205704" algn="just" defTabSz="908920" rtl="0" eaLnBrk="1" hangingPunct="1">
-              <a:tabLst>
-                <a:tab pos="631195" algn="l"/>
-              </a:tabLst>
-              <a:defRPr/>
-            </a:pPr>
-            <a:r>
-              <a:rPr lang="en-US" sz="4400" b="1" kern="0" dirty="0">
-                <a:solidFill>
-                  <a:schemeClr val="accent2"/>
-                </a:solidFill>
-              </a:rPr>
-              <a:t>Deterministic results</a:t>
-            </a:r>
-          </a:p>
-          <a:p>
-            <a:pPr indent="205704" algn="l" defTabSz="908920" rtl="0">
-              <a:defRPr/>
-            </a:pPr>
-            <a:endParaRPr lang="en-US" sz="2800" kern="0" dirty="0">
-              <a:solidFill>
-                <a:srgbClr val="000000"/>
-              </a:solidFill>
-              <a:latin typeface="Times New Roman"/>
-            </a:endParaRPr>
-          </a:p>
-          <a:p>
-            <a:pPr indent="205704" algn="l" defTabSz="908920" rtl="0">
-              <a:defRPr/>
-            </a:pPr>
-            <a:endParaRPr lang="en-US" sz="2800" kern="0" dirty="0">
-              <a:solidFill>
-                <a:srgbClr val="000000"/>
-              </a:solidFill>
-              <a:latin typeface="Times New Roman"/>
-            </a:endParaRPr>
-          </a:p>
-          <a:p>
-            <a:pPr indent="205704" algn="l" defTabSz="908920" rtl="0">
-              <a:tabLst>
-                <a:tab pos="631195" algn="l"/>
-              </a:tabLst>
-              <a:defRPr/>
-            </a:pPr>
-            <a:endParaRPr lang="en-US" sz="3600" kern="0" dirty="0">
-              <a:solidFill>
-                <a:srgbClr val="000000"/>
-              </a:solidFill>
-              <a:latin typeface="Times New Roman"/>
-            </a:endParaRPr>
-          </a:p>
-        </p:txBody>
-      </p:sp>
+      <mc:AlternateContent xmlns:mc="http://schemas.openxmlformats.org/markup-compatibility/2006">
+        <mc:Choice xmlns:a14="http://schemas.microsoft.com/office/drawing/2010/main" Requires="a14">
+          <p:sp>
+            <p:nvSpPr>
+              <p:cNvPr id="101" name="Text Box 13"/>
+              <p:cNvSpPr txBox="1">
+                <a:spLocks noChangeArrowheads="1"/>
+              </p:cNvSpPr>
+              <p:nvPr/>
+            </p:nvSpPr>
+            <p:spPr bwMode="auto">
+              <a:xfrm>
+                <a:off x="2399473" y="28060047"/>
+                <a:ext cx="11520000" cy="13368416"/>
+              </a:xfrm>
+              <a:prstGeom prst="rect">
+                <a:avLst/>
+              </a:prstGeom>
+              <a:solidFill>
+                <a:srgbClr val="FFFFFF"/>
+              </a:solidFill>
+              <a:ln w="12700">
+                <a:solidFill>
+                  <a:srgbClr val="4D4D4D"/>
+                </a:solidFill>
+                <a:miter lim="800000"/>
+                <a:headEnd/>
+                <a:tailEnd/>
+              </a:ln>
+            </p:spPr>
+            <p:txBody>
+              <a:bodyPr lIns="908920" tIns="454461" rIns="908920" bIns="908920"/>
+              <a:lstStyle>
+                <a:lvl1pPr eaLnBrk="0" hangingPunct="0">
+                  <a:tabLst>
+                    <a:tab pos="635000" algn="l"/>
+                  </a:tabLst>
+                  <a:defRPr sz="3200">
+                    <a:solidFill>
+                      <a:schemeClr val="tx1"/>
+                    </a:solidFill>
+                    <a:latin typeface="Helvetica" pitchFamily="-111" charset="0"/>
+                    <a:ea typeface="ＭＳ Ｐゴシック" pitchFamily="-111" charset="-128"/>
+                  </a:defRPr>
+                </a:lvl1pPr>
+                <a:lvl2pPr marL="37931725" indent="-37474525" eaLnBrk="0" hangingPunct="0">
+                  <a:tabLst>
+                    <a:tab pos="635000" algn="l"/>
+                  </a:tabLst>
+                  <a:defRPr sz="3200">
+                    <a:solidFill>
+                      <a:schemeClr val="tx1"/>
+                    </a:solidFill>
+                    <a:latin typeface="Helvetica" pitchFamily="-111" charset="0"/>
+                    <a:ea typeface="ＭＳ Ｐゴシック" pitchFamily="-111" charset="-128"/>
+                  </a:defRPr>
+                </a:lvl2pPr>
+                <a:lvl3pPr eaLnBrk="0" hangingPunct="0">
+                  <a:tabLst>
+                    <a:tab pos="635000" algn="l"/>
+                  </a:tabLst>
+                  <a:defRPr sz="3200">
+                    <a:solidFill>
+                      <a:schemeClr val="tx1"/>
+                    </a:solidFill>
+                    <a:latin typeface="Helvetica" pitchFamily="-111" charset="0"/>
+                    <a:ea typeface="ＭＳ Ｐゴシック" pitchFamily="-111" charset="-128"/>
+                  </a:defRPr>
+                </a:lvl3pPr>
+                <a:lvl4pPr eaLnBrk="0" hangingPunct="0">
+                  <a:tabLst>
+                    <a:tab pos="635000" algn="l"/>
+                  </a:tabLst>
+                  <a:defRPr sz="3200">
+                    <a:solidFill>
+                      <a:schemeClr val="tx1"/>
+                    </a:solidFill>
+                    <a:latin typeface="Helvetica" pitchFamily="-111" charset="0"/>
+                    <a:ea typeface="ＭＳ Ｐゴシック" pitchFamily="-111" charset="-128"/>
+                  </a:defRPr>
+                </a:lvl4pPr>
+                <a:lvl5pPr eaLnBrk="0" hangingPunct="0">
+                  <a:tabLst>
+                    <a:tab pos="635000" algn="l"/>
+                  </a:tabLst>
+                  <a:defRPr sz="3200">
+                    <a:solidFill>
+                      <a:schemeClr val="tx1"/>
+                    </a:solidFill>
+                    <a:latin typeface="Helvetica" pitchFamily="-111" charset="0"/>
+                    <a:ea typeface="ＭＳ Ｐゴシック" pitchFamily="-111" charset="-128"/>
+                  </a:defRPr>
+                </a:lvl5pPr>
+                <a:lvl6pPr marL="457200" eaLnBrk="0" fontAlgn="base" hangingPunct="0">
+                  <a:spcBef>
+                    <a:spcPct val="0"/>
+                  </a:spcBef>
+                  <a:spcAft>
+                    <a:spcPct val="0"/>
+                  </a:spcAft>
+                  <a:tabLst>
+                    <a:tab pos="635000" algn="l"/>
+                  </a:tabLst>
+                  <a:defRPr sz="3200">
+                    <a:solidFill>
+                      <a:schemeClr val="tx1"/>
+                    </a:solidFill>
+                    <a:latin typeface="Helvetica" pitchFamily="-111" charset="0"/>
+                    <a:ea typeface="ＭＳ Ｐゴシック" pitchFamily="-111" charset="-128"/>
+                  </a:defRPr>
+                </a:lvl6pPr>
+                <a:lvl7pPr marL="914400" eaLnBrk="0" fontAlgn="base" hangingPunct="0">
+                  <a:spcBef>
+                    <a:spcPct val="0"/>
+                  </a:spcBef>
+                  <a:spcAft>
+                    <a:spcPct val="0"/>
+                  </a:spcAft>
+                  <a:tabLst>
+                    <a:tab pos="635000" algn="l"/>
+                  </a:tabLst>
+                  <a:defRPr sz="3200">
+                    <a:solidFill>
+                      <a:schemeClr val="tx1"/>
+                    </a:solidFill>
+                    <a:latin typeface="Helvetica" pitchFamily="-111" charset="0"/>
+                    <a:ea typeface="ＭＳ Ｐゴシック" pitchFamily="-111" charset="-128"/>
+                  </a:defRPr>
+                </a:lvl7pPr>
+                <a:lvl8pPr marL="1371600" eaLnBrk="0" fontAlgn="base" hangingPunct="0">
+                  <a:spcBef>
+                    <a:spcPct val="0"/>
+                  </a:spcBef>
+                  <a:spcAft>
+                    <a:spcPct val="0"/>
+                  </a:spcAft>
+                  <a:tabLst>
+                    <a:tab pos="635000" algn="l"/>
+                  </a:tabLst>
+                  <a:defRPr sz="3200">
+                    <a:solidFill>
+                      <a:schemeClr val="tx1"/>
+                    </a:solidFill>
+                    <a:latin typeface="Helvetica" pitchFamily="-111" charset="0"/>
+                    <a:ea typeface="ＭＳ Ｐゴシック" pitchFamily="-111" charset="-128"/>
+                  </a:defRPr>
+                </a:lvl8pPr>
+                <a:lvl9pPr marL="1828800" eaLnBrk="0" fontAlgn="base" hangingPunct="0">
+                  <a:spcBef>
+                    <a:spcPct val="0"/>
+                  </a:spcBef>
+                  <a:spcAft>
+                    <a:spcPct val="0"/>
+                  </a:spcAft>
+                  <a:tabLst>
+                    <a:tab pos="635000" algn="l"/>
+                  </a:tabLst>
+                  <a:defRPr sz="3200">
+                    <a:solidFill>
+                      <a:schemeClr val="tx1"/>
+                    </a:solidFill>
+                    <a:latin typeface="Helvetica" pitchFamily="-111" charset="0"/>
+                    <a:ea typeface="ＭＳ Ｐゴシック" pitchFamily="-111" charset="-128"/>
+                  </a:defRPr>
+                </a:lvl9pPr>
+              </a:lstStyle>
+              <a:p>
+                <a:pPr indent="205704" algn="just" defTabSz="908920" rtl="0" eaLnBrk="1" hangingPunct="1">
+                  <a:tabLst>
+                    <a:tab pos="631195" algn="l"/>
+                  </a:tabLst>
+                  <a:defRPr/>
+                </a:pPr>
+                <a:r>
+                  <a:rPr lang="en-US" sz="4400" b="1" kern="0" dirty="0" smtClean="0">
+                    <a:solidFill>
+                      <a:schemeClr val="accent2"/>
+                    </a:solidFill>
+                  </a:rPr>
+                  <a:t>Model</a:t>
+                </a:r>
+              </a:p>
+              <a:p>
+                <a:pPr indent="205704" algn="l" defTabSz="908920" rtl="0">
+                  <a:defRPr/>
+                </a:pPr>
+                <a:r>
+                  <a:rPr lang="en-US" sz="2800" kern="0" dirty="0" smtClean="0">
+                    <a:solidFill>
+                      <a:srgbClr val="000000"/>
+                    </a:solidFill>
+                    <a:latin typeface="+mn-lt"/>
+                  </a:rPr>
+                  <a:t>Consider an asexual population with two bi-allelic loci, </a:t>
+                </a:r>
+                <a:r>
+                  <a:rPr lang="en-US" sz="2800" i="1" kern="0" dirty="0" smtClean="0">
+                    <a:solidFill>
+                      <a:srgbClr val="000000"/>
+                    </a:solidFill>
+                    <a:latin typeface="+mn-lt"/>
+                  </a:rPr>
+                  <a:t>a/A</a:t>
+                </a:r>
+                <a:r>
+                  <a:rPr lang="en-US" sz="2800" kern="0" dirty="0" smtClean="0">
+                    <a:solidFill>
+                      <a:srgbClr val="000000"/>
+                    </a:solidFill>
+                    <a:latin typeface="+mn-lt"/>
+                  </a:rPr>
+                  <a:t> and </a:t>
+                </a:r>
+                <a:r>
+                  <a:rPr lang="en-US" sz="2800" i="1" kern="0" dirty="0" smtClean="0">
+                    <a:solidFill>
+                      <a:srgbClr val="000000"/>
+                    </a:solidFill>
+                    <a:latin typeface="+mn-lt"/>
+                  </a:rPr>
+                  <a:t>b/B</a:t>
+                </a:r>
+                <a:r>
+                  <a:rPr lang="en-US" sz="2800" kern="0" dirty="0" smtClean="0">
+                    <a:solidFill>
+                      <a:srgbClr val="000000"/>
+                    </a:solidFill>
+                    <a:latin typeface="+mn-lt"/>
+                  </a:rPr>
+                  <a:t> at a mutation-selection balance. An environmental change causes the previously deleterious combination </a:t>
+                </a:r>
+                <a:r>
+                  <a:rPr lang="en-US" sz="2800" i="1" kern="0" dirty="0" smtClean="0">
+                    <a:solidFill>
+                      <a:srgbClr val="000000"/>
+                    </a:solidFill>
+                    <a:latin typeface="+mn-lt"/>
+                  </a:rPr>
+                  <a:t>AB</a:t>
+                </a:r>
+                <a:r>
+                  <a:rPr lang="en-US" sz="2800" kern="0" dirty="0" smtClean="0">
+                    <a:solidFill>
+                      <a:srgbClr val="000000"/>
+                    </a:solidFill>
+                    <a:latin typeface="+mn-lt"/>
+                  </a:rPr>
+                  <a:t> to be favorable, but the intermediate types </a:t>
+                </a:r>
+                <a:r>
+                  <a:rPr lang="en-US" sz="2800" i="1" kern="0" dirty="0" err="1" smtClean="0">
+                    <a:solidFill>
+                      <a:srgbClr val="000000"/>
+                    </a:solidFill>
+                    <a:latin typeface="+mn-lt"/>
+                  </a:rPr>
+                  <a:t>Ab</a:t>
+                </a:r>
+                <a:r>
+                  <a:rPr lang="en-US" sz="2800" kern="0" dirty="0" smtClean="0">
+                    <a:solidFill>
+                      <a:srgbClr val="000000"/>
+                    </a:solidFill>
+                    <a:latin typeface="+mn-lt"/>
+                  </a:rPr>
+                  <a:t> and </a:t>
+                </a:r>
+                <a:r>
+                  <a:rPr lang="en-US" sz="2800" i="1" kern="0" dirty="0" err="1" smtClean="0">
+                    <a:solidFill>
+                      <a:srgbClr val="000000"/>
+                    </a:solidFill>
+                    <a:latin typeface="+mn-lt"/>
+                  </a:rPr>
+                  <a:t>aB</a:t>
+                </a:r>
+                <a:r>
+                  <a:rPr lang="en-US" sz="2800" kern="0" dirty="0" smtClean="0">
+                    <a:solidFill>
+                      <a:srgbClr val="000000"/>
+                    </a:solidFill>
+                    <a:latin typeface="+mn-lt"/>
+                  </a:rPr>
+                  <a:t> are still deleterious. </a:t>
+                </a:r>
+              </a:p>
+              <a:p>
+                <a:pPr indent="205704" algn="l" defTabSz="908920" rtl="0">
+                  <a:defRPr/>
+                </a:pPr>
+                <a:r>
+                  <a:rPr lang="en-US" sz="2800" kern="0" dirty="0" smtClean="0">
+                    <a:solidFill>
+                      <a:srgbClr val="000000"/>
+                    </a:solidFill>
+                    <a:latin typeface="+mn-lt"/>
+                  </a:rPr>
+                  <a:t>How much time does it for the favorable </a:t>
+                </a:r>
+                <a:r>
+                  <a:rPr lang="en-US" sz="2800" i="1" kern="0" dirty="0" smtClean="0">
+                    <a:solidFill>
+                      <a:srgbClr val="000000"/>
+                    </a:solidFill>
+                    <a:latin typeface="+mn-lt"/>
+                  </a:rPr>
+                  <a:t>AB </a:t>
+                </a:r>
+                <a:r>
+                  <a:rPr lang="en-US" sz="2800" kern="0" dirty="0" smtClean="0">
+                    <a:solidFill>
+                      <a:srgbClr val="000000"/>
+                    </a:solidFill>
+                    <a:latin typeface="+mn-lt"/>
+                  </a:rPr>
+                  <a:t>genotype to appear and fixate in the population? </a:t>
+                </a:r>
+              </a:p>
+              <a:p>
+                <a:pPr indent="205704" algn="l" defTabSz="908920" rtl="0">
+                  <a:defRPr/>
+                </a:pPr>
+                <a:r>
+                  <a:rPr lang="en-US" sz="2800" b="1" kern="0" dirty="0" smtClean="0">
+                    <a:solidFill>
+                      <a:srgbClr val="000000"/>
+                    </a:solidFill>
+                    <a:latin typeface="+mn-lt"/>
+                  </a:rPr>
+                  <a:t>The time for appearance </a:t>
+                </a:r>
+                <a:r>
+                  <a:rPr lang="en-US" sz="2800" b="1" i="1" kern="0" dirty="0" smtClean="0">
+                    <a:solidFill>
+                      <a:srgbClr val="000000"/>
+                    </a:solidFill>
+                    <a:latin typeface="+mn-lt"/>
+                  </a:rPr>
+                  <a:t>q</a:t>
+                </a:r>
+                <a:r>
+                  <a:rPr lang="en-US" sz="2800" b="1" kern="0" dirty="0" smtClean="0">
+                    <a:solidFill>
+                      <a:srgbClr val="000000"/>
+                    </a:solidFill>
+                    <a:latin typeface="+mn-lt"/>
+                  </a:rPr>
+                  <a:t> of the double mutant </a:t>
+                </a:r>
+                <a:r>
+                  <a:rPr lang="en-US" sz="2800" b="1" i="1" kern="0" dirty="0" smtClean="0">
+                    <a:solidFill>
+                      <a:srgbClr val="000000"/>
+                    </a:solidFill>
+                    <a:latin typeface="+mn-lt"/>
+                  </a:rPr>
+                  <a:t>AB</a:t>
+                </a:r>
+                <a:r>
+                  <a:rPr lang="en-US" sz="2800" kern="0" dirty="0" smtClean="0">
+                    <a:solidFill>
+                      <a:srgbClr val="000000"/>
+                    </a:solidFill>
+                    <a:latin typeface="+mn-lt"/>
+                  </a:rPr>
+                  <a:t> can be approximated with or without stress-induced mutagenesis (SIM):</a:t>
+                </a:r>
+              </a:p>
+              <a:p>
+                <a:pPr indent="205704" algn="l" defTabSz="908920" rtl="0">
+                  <a:defRPr/>
+                </a:pPr>
+                <a14:m>
+                  <m:oMathPara xmlns:m="http://schemas.openxmlformats.org/officeDocument/2006/math">
+                    <m:oMathParaPr>
+                      <m:jc m:val="centerGroup"/>
+                    </m:oMathParaPr>
+                    <m:oMath xmlns:m="http://schemas.openxmlformats.org/officeDocument/2006/math">
+                      <m:r>
+                        <a:rPr lang="en-US" sz="2800" b="0" i="1" kern="0" smtClean="0">
+                          <a:solidFill>
+                            <a:srgbClr val="000000"/>
+                          </a:solidFill>
+                          <a:latin typeface="Cambria Math"/>
+                        </a:rPr>
+                        <m:t>𝑞</m:t>
+                      </m:r>
+                      <m:r>
+                        <a:rPr lang="en-US" sz="2800" b="0" i="1" kern="0" smtClean="0">
+                          <a:solidFill>
+                            <a:srgbClr val="000000"/>
+                          </a:solidFill>
+                          <a:latin typeface="Cambria Math"/>
+                        </a:rPr>
+                        <m:t>≈</m:t>
+                      </m:r>
+                      <m:d>
+                        <m:dPr>
+                          <m:ctrlPr>
+                            <a:rPr lang="en-US" sz="2800" b="0" i="1" kern="0" smtClean="0">
+                              <a:solidFill>
+                                <a:srgbClr val="000000"/>
+                              </a:solidFill>
+                              <a:latin typeface="Cambria Math"/>
+                            </a:rPr>
+                          </m:ctrlPr>
+                        </m:dPr>
+                        <m:e>
+                          <m:r>
+                            <a:rPr lang="en-US" sz="2800" b="0" i="1" kern="0" smtClean="0">
+                              <a:solidFill>
+                                <a:srgbClr val="000000"/>
+                              </a:solidFill>
+                              <a:latin typeface="Cambria Math"/>
+                            </a:rPr>
+                            <m:t>1</m:t>
+                          </m:r>
+                          <m:r>
+                            <a:rPr lang="en-US" sz="2800" b="0" i="1" kern="0" smtClean="0">
+                              <a:solidFill>
+                                <a:srgbClr val="000000"/>
+                              </a:solidFill>
+                              <a:latin typeface="Cambria Math"/>
+                            </a:rPr>
+                            <m:t>−</m:t>
+                          </m:r>
+                          <m:r>
+                            <a:rPr lang="en-US" sz="2800" b="0" i="1" kern="0" smtClean="0">
+                              <a:solidFill>
+                                <a:schemeClr val="accent2"/>
+                              </a:solidFill>
+                              <a:latin typeface="Cambria Math"/>
+                            </a:rPr>
+                            <m:t>𝑈</m:t>
+                          </m:r>
+                        </m:e>
+                      </m:d>
+                      <m:d>
+                        <m:dPr>
+                          <m:ctrlPr>
+                            <a:rPr lang="en-US" sz="2800" b="0" i="1" kern="0" smtClean="0">
+                              <a:solidFill>
+                                <a:srgbClr val="000000"/>
+                              </a:solidFill>
+                              <a:latin typeface="Cambria Math"/>
+                            </a:rPr>
+                          </m:ctrlPr>
+                        </m:dPr>
+                        <m:e>
+                          <m:r>
+                            <a:rPr lang="en-US" sz="2800" b="0" i="1" kern="0" smtClean="0">
+                              <a:solidFill>
+                                <a:srgbClr val="000000"/>
+                              </a:solidFill>
+                              <a:latin typeface="Cambria Math"/>
+                            </a:rPr>
+                            <m:t>2</m:t>
+                          </m:r>
+                          <m:r>
+                            <a:rPr lang="en-US" sz="2800" b="0" i="1" kern="0" smtClean="0">
+                              <a:solidFill>
+                                <a:srgbClr val="000000"/>
+                              </a:solidFill>
+                              <a:latin typeface="Cambria Math"/>
+                            </a:rPr>
+                            <m:t>−</m:t>
+                          </m:r>
+                          <m:r>
+                            <a:rPr lang="en-US" sz="2800" b="0" i="1" kern="0" smtClean="0">
+                              <a:solidFill>
+                                <a:schemeClr val="accent2"/>
+                              </a:solidFill>
+                              <a:latin typeface="Cambria Math"/>
+                            </a:rPr>
+                            <m:t>𝑈</m:t>
+                          </m:r>
+                        </m:e>
+                      </m:d>
+                      <m:f>
+                        <m:fPr>
+                          <m:ctrlPr>
+                            <a:rPr lang="en-US" sz="2800" b="0" i="1" kern="0" smtClean="0">
+                              <a:solidFill>
+                                <a:srgbClr val="000000"/>
+                              </a:solidFill>
+                              <a:latin typeface="Cambria Math"/>
+                            </a:rPr>
+                          </m:ctrlPr>
+                        </m:fPr>
+                        <m:num>
+                          <m:sSup>
+                            <m:sSupPr>
+                              <m:ctrlPr>
+                                <a:rPr lang="en-US" sz="2800" b="0" i="1" kern="0" smtClean="0">
+                                  <a:solidFill>
+                                    <a:srgbClr val="000000"/>
+                                  </a:solidFill>
+                                  <a:latin typeface="Cambria Math"/>
+                                </a:rPr>
+                              </m:ctrlPr>
+                            </m:sSupPr>
+                            <m:e>
+                              <m:r>
+                                <a:rPr lang="en-US" sz="2800" b="0" i="1" kern="0" smtClean="0">
+                                  <a:solidFill>
+                                    <a:schemeClr val="accent1"/>
+                                  </a:solidFill>
+                                  <a:latin typeface="Cambria Math"/>
+                                </a:rPr>
+                                <m:t>𝜇</m:t>
+                              </m:r>
+                            </m:e>
+                            <m:sup>
+                              <m:r>
+                                <a:rPr lang="en-US" sz="2800" b="0" i="1" kern="0" smtClean="0">
+                                  <a:solidFill>
+                                    <a:srgbClr val="000000"/>
+                                  </a:solidFill>
+                                  <a:latin typeface="Cambria Math"/>
+                                </a:rPr>
+                                <m:t>2</m:t>
+                              </m:r>
+                            </m:sup>
+                          </m:sSup>
+                        </m:num>
+                        <m:den>
+                          <m:r>
+                            <a:rPr lang="en-US" sz="2800" i="1" kern="0">
+                              <a:solidFill>
+                                <a:schemeClr val="accent3"/>
+                              </a:solidFill>
+                              <a:latin typeface="Cambria Math"/>
+                            </a:rPr>
+                            <m:t>𝑠</m:t>
+                          </m:r>
+                        </m:den>
+                      </m:f>
+                    </m:oMath>
+                  </m:oMathPara>
+                </a14:m>
+                <a:endParaRPr lang="en-US" sz="2800" b="0" kern="0" dirty="0" smtClean="0">
+                  <a:solidFill>
+                    <a:srgbClr val="000000"/>
+                  </a:solidFill>
+                  <a:latin typeface="+mn-lt"/>
+                </a:endParaRPr>
+              </a:p>
+              <a:p>
+                <a:pPr indent="205704" algn="l" defTabSz="908920" rtl="0">
+                  <a:defRPr/>
+                </a:pPr>
+                <a14:m>
+                  <m:oMathPara xmlns:m="http://schemas.openxmlformats.org/officeDocument/2006/math">
+                    <m:oMathParaPr>
+                      <m:jc m:val="centerGroup"/>
+                    </m:oMathParaPr>
+                    <m:oMath xmlns:m="http://schemas.openxmlformats.org/officeDocument/2006/math">
+                      <m:sSub>
+                        <m:sSubPr>
+                          <m:ctrlPr>
+                            <a:rPr lang="en-US" sz="2800" b="0" i="1" kern="0" smtClean="0">
+                              <a:solidFill>
+                                <a:srgbClr val="000000"/>
+                              </a:solidFill>
+                              <a:latin typeface="Cambria Math"/>
+                            </a:rPr>
+                          </m:ctrlPr>
+                        </m:sSubPr>
+                        <m:e>
+                          <m:r>
+                            <a:rPr lang="en-US" sz="2800" b="0" i="1" kern="0" smtClean="0">
+                              <a:solidFill>
+                                <a:srgbClr val="000000"/>
+                              </a:solidFill>
+                              <a:latin typeface="Cambria Math"/>
+                            </a:rPr>
+                            <m:t>𝑞</m:t>
+                          </m:r>
+                        </m:e>
+                        <m:sub>
+                          <m:r>
+                            <a:rPr lang="en-US" sz="2800" b="0" i="1" kern="0" smtClean="0">
+                              <a:solidFill>
+                                <a:srgbClr val="000000"/>
+                              </a:solidFill>
+                              <a:latin typeface="Cambria Math"/>
+                            </a:rPr>
+                            <m:t>𝑠𝑖𝑚</m:t>
+                          </m:r>
+                        </m:sub>
+                      </m:sSub>
+                      <m:r>
+                        <a:rPr lang="en-US" sz="2800" b="0" i="1" kern="0" smtClean="0">
+                          <a:solidFill>
+                            <a:srgbClr val="000000"/>
+                          </a:solidFill>
+                          <a:latin typeface="Cambria Math"/>
+                        </a:rPr>
+                        <m:t>≈</m:t>
+                      </m:r>
+                      <m:d>
+                        <m:dPr>
+                          <m:ctrlPr>
+                            <a:rPr lang="en-US" sz="2800" b="0" i="1" kern="0" smtClean="0">
+                              <a:solidFill>
+                                <a:srgbClr val="000000"/>
+                              </a:solidFill>
+                              <a:latin typeface="Cambria Math"/>
+                            </a:rPr>
+                          </m:ctrlPr>
+                        </m:dPr>
+                        <m:e>
+                          <m:r>
+                            <a:rPr lang="en-US" sz="2800" b="0" i="1" kern="0" smtClean="0">
+                              <a:solidFill>
+                                <a:srgbClr val="000000"/>
+                              </a:solidFill>
+                              <a:latin typeface="Cambria Math"/>
+                            </a:rPr>
+                            <m:t>1</m:t>
+                          </m:r>
+                          <m:r>
+                            <a:rPr lang="en-US" sz="2800" b="0" i="1" kern="0" smtClean="0">
+                              <a:solidFill>
+                                <a:srgbClr val="000000"/>
+                              </a:solidFill>
+                              <a:latin typeface="Cambria Math"/>
+                            </a:rPr>
+                            <m:t>−</m:t>
+                          </m:r>
+                          <m:r>
+                            <a:rPr lang="en-US" sz="2800" b="0" i="1" kern="0" smtClean="0">
+                              <a:solidFill>
+                                <a:schemeClr val="accent6"/>
+                              </a:solidFill>
+                              <a:latin typeface="Cambria Math"/>
+                            </a:rPr>
+                            <m:t>𝜏</m:t>
+                          </m:r>
+                          <m:r>
+                            <a:rPr lang="en-US" sz="2800" b="0" i="1" kern="0" smtClean="0">
+                              <a:solidFill>
+                                <a:schemeClr val="accent2"/>
+                              </a:solidFill>
+                              <a:latin typeface="Cambria Math"/>
+                            </a:rPr>
+                            <m:t>𝑈</m:t>
+                          </m:r>
+                        </m:e>
+                      </m:d>
+                      <m:r>
+                        <a:rPr lang="en-US" sz="2800" b="0" i="1" kern="0" smtClean="0">
+                          <a:solidFill>
+                            <a:srgbClr val="000000"/>
+                          </a:solidFill>
+                          <a:latin typeface="Cambria Math"/>
+                        </a:rPr>
+                        <m:t>2</m:t>
+                      </m:r>
+                      <m:r>
+                        <a:rPr lang="en-US" sz="2800" b="0" i="1" kern="0" smtClean="0">
+                          <a:solidFill>
+                            <a:schemeClr val="accent6"/>
+                          </a:solidFill>
+                          <a:latin typeface="Cambria Math"/>
+                        </a:rPr>
+                        <m:t>𝜏</m:t>
+                      </m:r>
+                      <m:f>
+                        <m:fPr>
+                          <m:ctrlPr>
+                            <a:rPr lang="en-US" sz="2800" b="0" i="1" kern="0" smtClean="0">
+                              <a:solidFill>
+                                <a:srgbClr val="000000"/>
+                              </a:solidFill>
+                              <a:latin typeface="Cambria Math"/>
+                            </a:rPr>
+                          </m:ctrlPr>
+                        </m:fPr>
+                        <m:num>
+                          <m:sSup>
+                            <m:sSupPr>
+                              <m:ctrlPr>
+                                <a:rPr lang="en-US" sz="2800" b="0" i="1" kern="0" smtClean="0">
+                                  <a:solidFill>
+                                    <a:srgbClr val="000000"/>
+                                  </a:solidFill>
+                                  <a:latin typeface="Cambria Math"/>
+                                </a:rPr>
+                              </m:ctrlPr>
+                            </m:sSupPr>
+                            <m:e>
+                              <m:r>
+                                <a:rPr lang="en-US" sz="2800" b="0" i="1" kern="0" smtClean="0">
+                                  <a:solidFill>
+                                    <a:schemeClr val="accent1"/>
+                                  </a:solidFill>
+                                  <a:latin typeface="Cambria Math"/>
+                                </a:rPr>
+                                <m:t>𝜇</m:t>
+                              </m:r>
+                            </m:e>
+                            <m:sup>
+                              <m:r>
+                                <a:rPr lang="en-US" sz="2800" b="0" i="1" kern="0" smtClean="0">
+                                  <a:solidFill>
+                                    <a:srgbClr val="000000"/>
+                                  </a:solidFill>
+                                  <a:latin typeface="Cambria Math"/>
+                                </a:rPr>
+                                <m:t>2</m:t>
+                              </m:r>
+                            </m:sup>
+                          </m:sSup>
+                        </m:num>
+                        <m:den>
+                          <m:r>
+                            <a:rPr lang="en-US" sz="2800" b="0" i="1" kern="0" smtClean="0">
+                              <a:solidFill>
+                                <a:schemeClr val="accent3"/>
+                              </a:solidFill>
+                              <a:latin typeface="Cambria Math"/>
+                            </a:rPr>
+                            <m:t>𝑠</m:t>
+                          </m:r>
+                        </m:den>
+                      </m:f>
+                    </m:oMath>
+                  </m:oMathPara>
+                </a14:m>
+                <a:endParaRPr lang="en-US" sz="2800" kern="0" dirty="0" smtClean="0">
+                  <a:solidFill>
+                    <a:srgbClr val="000000"/>
+                  </a:solidFill>
+                  <a:latin typeface="+mn-lt"/>
+                </a:endParaRPr>
+              </a:p>
+              <a:p>
+                <a:pPr indent="205704" algn="l" defTabSz="908920" rtl="0">
+                  <a:defRPr/>
+                </a:pPr>
+                <a:r>
+                  <a:rPr lang="en-US" sz="2800" kern="0" dirty="0" smtClean="0">
+                    <a:solidFill>
+                      <a:srgbClr val="000000"/>
+                    </a:solidFill>
+                    <a:latin typeface="+mn-lt"/>
+                  </a:rPr>
+                  <a:t>where </a:t>
+                </a:r>
+                <a:r>
+                  <a:rPr lang="en-US" sz="2800" b="1" i="1" kern="0" dirty="0" smtClean="0">
+                    <a:solidFill>
+                      <a:schemeClr val="accent2"/>
+                    </a:solidFill>
+                    <a:latin typeface="+mn-lt"/>
+                  </a:rPr>
+                  <a:t>U</a:t>
+                </a:r>
+                <a:r>
+                  <a:rPr lang="en-US" sz="2800" kern="0" dirty="0" smtClean="0">
+                    <a:solidFill>
+                      <a:srgbClr val="000000"/>
+                    </a:solidFill>
+                    <a:latin typeface="+mn-lt"/>
+                  </a:rPr>
+                  <a:t> is the genomic deleterious mutation rate, </a:t>
+                </a:r>
+                <a:r>
+                  <a:rPr lang="en-US" sz="2800" b="1" i="1" kern="0" dirty="0" smtClean="0">
+                    <a:solidFill>
+                      <a:schemeClr val="accent1"/>
+                    </a:solidFill>
+                    <a:latin typeface="+mn-lt"/>
+                  </a:rPr>
+                  <a:t>µ</a:t>
+                </a:r>
+                <a:r>
+                  <a:rPr lang="en-US" sz="2800" kern="0" dirty="0" smtClean="0">
+                    <a:solidFill>
+                      <a:srgbClr val="000000"/>
+                    </a:solidFill>
+                    <a:latin typeface="+mn-lt"/>
+                  </a:rPr>
+                  <a:t> is the beneficial mutation rate in the </a:t>
+                </a:r>
+                <a:r>
+                  <a:rPr lang="en-US" sz="2800" i="1" kern="0" dirty="0" smtClean="0">
+                    <a:solidFill>
+                      <a:srgbClr val="000000"/>
+                    </a:solidFill>
+                    <a:latin typeface="+mn-lt"/>
+                  </a:rPr>
+                  <a:t>a/A</a:t>
+                </a:r>
+                <a:r>
+                  <a:rPr lang="en-US" sz="2800" kern="0" dirty="0" smtClean="0">
+                    <a:solidFill>
+                      <a:srgbClr val="000000"/>
+                    </a:solidFill>
+                    <a:latin typeface="+mn-lt"/>
+                  </a:rPr>
+                  <a:t> and </a:t>
+                </a:r>
+                <a:r>
+                  <a:rPr lang="en-US" sz="2800" i="1" kern="0" dirty="0" smtClean="0">
+                    <a:solidFill>
+                      <a:srgbClr val="000000"/>
+                    </a:solidFill>
+                    <a:latin typeface="+mn-lt"/>
+                  </a:rPr>
+                  <a:t>b/B </a:t>
+                </a:r>
+                <a:r>
+                  <a:rPr lang="en-US" sz="2800" kern="0" dirty="0" smtClean="0">
+                    <a:solidFill>
+                      <a:srgbClr val="000000"/>
+                    </a:solidFill>
+                    <a:latin typeface="+mn-lt"/>
+                  </a:rPr>
+                  <a:t>loci, </a:t>
+                </a:r>
+                <a:r>
+                  <a:rPr lang="el-GR" sz="2800" b="1" i="1" kern="0" dirty="0" smtClean="0">
+                    <a:solidFill>
+                      <a:schemeClr val="accent6"/>
+                    </a:solidFill>
+                    <a:latin typeface="+mn-lt"/>
+                  </a:rPr>
+                  <a:t>τ</a:t>
+                </a:r>
+                <a:r>
+                  <a:rPr lang="en-US" sz="2800" kern="0" dirty="0" smtClean="0">
+                    <a:solidFill>
+                      <a:srgbClr val="000000"/>
+                    </a:solidFill>
+                    <a:latin typeface="+mn-lt"/>
+                  </a:rPr>
+                  <a:t> is the mutation rate fold increase and </a:t>
+                </a:r>
+                <a:r>
+                  <a:rPr lang="en-US" sz="2800" b="1" i="1" kern="0" dirty="0" smtClean="0">
+                    <a:solidFill>
+                      <a:schemeClr val="accent3"/>
+                    </a:solidFill>
+                    <a:latin typeface="+mn-lt"/>
+                  </a:rPr>
+                  <a:t>s</a:t>
+                </a:r>
+                <a:r>
+                  <a:rPr lang="en-US" sz="2800" kern="0" dirty="0" smtClean="0">
+                    <a:solidFill>
+                      <a:srgbClr val="000000"/>
+                    </a:solidFill>
+                    <a:latin typeface="+mn-lt"/>
+                  </a:rPr>
+                  <a:t> is the selection coefficient (the average effect of a deleterious mutation on fitness).</a:t>
+                </a:r>
+              </a:p>
+              <a:p>
+                <a:pPr indent="205704" algn="l" defTabSz="908920" rtl="0">
+                  <a:defRPr/>
+                </a:pPr>
+                <a:r>
+                  <a:rPr lang="en-US" sz="2800" b="1" kern="0" dirty="0" smtClean="0">
+                    <a:solidFill>
+                      <a:srgbClr val="000000"/>
+                    </a:solidFill>
+                    <a:latin typeface="+mn-lt"/>
+                  </a:rPr>
+                  <a:t>The fixation time </a:t>
+                </a:r>
+                <a:r>
+                  <a:rPr lang="el-GR" sz="2800" b="1" i="1" kern="0" dirty="0" smtClean="0">
+                    <a:solidFill>
+                      <a:srgbClr val="000000"/>
+                    </a:solidFill>
+                    <a:latin typeface="+mn-lt"/>
+                  </a:rPr>
+                  <a:t>ρ</a:t>
+                </a:r>
+                <a:r>
+                  <a:rPr lang="en-US" sz="2800" b="1" kern="0" dirty="0" smtClean="0">
+                    <a:solidFill>
+                      <a:srgbClr val="000000"/>
+                    </a:solidFill>
+                    <a:latin typeface="+mn-lt"/>
+                  </a:rPr>
+                  <a:t> of the double mutant </a:t>
+                </a:r>
+                <a:r>
+                  <a:rPr lang="en-US" sz="2800" b="1" i="1" kern="0" dirty="0" smtClean="0">
+                    <a:solidFill>
+                      <a:srgbClr val="000000"/>
+                    </a:solidFill>
+                    <a:latin typeface="+mn-lt"/>
+                  </a:rPr>
+                  <a:t>AB</a:t>
+                </a:r>
+                <a:r>
+                  <a:rPr lang="en-US" sz="2800" b="1" kern="0" dirty="0" smtClean="0">
+                    <a:solidFill>
+                      <a:srgbClr val="000000"/>
+                    </a:solidFill>
+                    <a:latin typeface="+mn-lt"/>
+                  </a:rPr>
+                  <a:t> </a:t>
+                </a:r>
+                <a:r>
+                  <a:rPr lang="en-US" sz="2800" kern="0" dirty="0" smtClean="0">
+                    <a:solidFill>
+                      <a:srgbClr val="000000"/>
+                    </a:solidFill>
+                    <a:latin typeface="+mn-lt"/>
+                  </a:rPr>
+                  <a:t>can be approximated as well:</a:t>
+                </a:r>
+              </a:p>
+              <a:p>
+                <a:pPr indent="205704" algn="l" defTabSz="908920" rtl="0">
+                  <a:defRPr/>
+                </a:pPr>
+                <a14:m>
+                  <m:oMathPara xmlns:m="http://schemas.openxmlformats.org/officeDocument/2006/math">
+                    <m:oMathParaPr>
+                      <m:jc m:val="centerGroup"/>
+                    </m:oMathParaPr>
+                    <m:oMath xmlns:m="http://schemas.openxmlformats.org/officeDocument/2006/math">
+                      <m:r>
+                        <a:rPr lang="en-US" sz="2800" b="0" i="1" kern="0" smtClean="0">
+                          <a:solidFill>
+                            <a:srgbClr val="000000"/>
+                          </a:solidFill>
+                          <a:latin typeface="Cambria Math"/>
+                        </a:rPr>
+                        <m:t>𝜌</m:t>
+                      </m:r>
+                      <m:r>
+                        <a:rPr lang="en-US" sz="2800" b="0" i="1" kern="0" smtClean="0">
+                          <a:solidFill>
+                            <a:srgbClr val="000000"/>
+                          </a:solidFill>
+                          <a:latin typeface="Cambria Math"/>
+                        </a:rPr>
+                        <m:t>≈</m:t>
+                      </m:r>
+                      <m:r>
+                        <a:rPr lang="en-US" sz="2800" b="0" i="1" kern="0" smtClean="0">
+                          <a:solidFill>
+                            <a:srgbClr val="000000"/>
+                          </a:solidFill>
+                          <a:latin typeface="Cambria Math"/>
+                        </a:rPr>
+                        <m:t>2</m:t>
+                      </m:r>
+                      <m:r>
+                        <a:rPr lang="en-US" sz="2800" b="0" i="1" kern="0" smtClean="0">
+                          <a:solidFill>
+                            <a:schemeClr val="accent3"/>
+                          </a:solidFill>
+                          <a:latin typeface="Cambria Math"/>
+                        </a:rPr>
+                        <m:t>𝑠</m:t>
+                      </m:r>
+                      <m:r>
+                        <a:rPr lang="en-US" sz="2800" b="0" i="1" kern="0" smtClean="0">
+                          <a:solidFill>
+                            <a:schemeClr val="accent4"/>
+                          </a:solidFill>
+                          <a:latin typeface="Cambria Math"/>
+                        </a:rPr>
+                        <m:t>𝐻</m:t>
+                      </m:r>
+                    </m:oMath>
+                  </m:oMathPara>
+                </a14:m>
+                <a:endParaRPr lang="en-US" sz="2800" b="0" kern="0" dirty="0" smtClean="0">
+                  <a:solidFill>
+                    <a:srgbClr val="000000"/>
+                  </a:solidFill>
+                  <a:latin typeface="+mn-lt"/>
+                </a:endParaRPr>
+              </a:p>
+              <a:p>
+                <a:pPr indent="205704" algn="l" defTabSz="908920" rtl="0">
+                  <a:defRPr/>
+                </a:pPr>
+                <a14:m>
+                  <m:oMathPara xmlns:m="http://schemas.openxmlformats.org/officeDocument/2006/math">
+                    <m:oMathParaPr>
+                      <m:jc m:val="centerGroup"/>
+                    </m:oMathParaPr>
+                    <m:oMath xmlns:m="http://schemas.openxmlformats.org/officeDocument/2006/math">
+                      <m:sSub>
+                        <m:sSubPr>
+                          <m:ctrlPr>
+                            <a:rPr lang="en-US" sz="2800" b="0" i="1" kern="0" smtClean="0">
+                              <a:solidFill>
+                                <a:srgbClr val="000000"/>
+                              </a:solidFill>
+                              <a:latin typeface="Cambria Math"/>
+                            </a:rPr>
+                          </m:ctrlPr>
+                        </m:sSubPr>
+                        <m:e>
+                          <m:r>
+                            <a:rPr lang="en-US" sz="2800" b="0" i="1" kern="0" smtClean="0">
+                              <a:solidFill>
+                                <a:srgbClr val="000000"/>
+                              </a:solidFill>
+                              <a:latin typeface="Cambria Math"/>
+                            </a:rPr>
+                            <m:t>𝜌</m:t>
+                          </m:r>
+                        </m:e>
+                        <m:sub>
+                          <m:r>
+                            <a:rPr lang="en-US" sz="2800" b="0" i="1" kern="0" smtClean="0">
+                              <a:solidFill>
+                                <a:srgbClr val="000000"/>
+                              </a:solidFill>
+                              <a:latin typeface="Cambria Math"/>
+                            </a:rPr>
+                            <m:t>𝑠𝑖𝑚</m:t>
+                          </m:r>
+                        </m:sub>
+                      </m:sSub>
+                      <m:r>
+                        <a:rPr lang="en-US" sz="2800" b="0" i="1" kern="0" smtClean="0">
+                          <a:solidFill>
+                            <a:srgbClr val="000000"/>
+                          </a:solidFill>
+                          <a:latin typeface="Cambria Math"/>
+                        </a:rPr>
+                        <m:t>≈</m:t>
+                      </m:r>
+                      <m:r>
+                        <a:rPr lang="en-US" sz="2800" b="0" i="1" kern="0" smtClean="0">
+                          <a:solidFill>
+                            <a:srgbClr val="000000"/>
+                          </a:solidFill>
+                          <a:latin typeface="Cambria Math"/>
+                        </a:rPr>
+                        <m:t>2</m:t>
+                      </m:r>
+                      <m:r>
+                        <a:rPr lang="en-US" sz="2800" b="0" i="1" kern="0" smtClean="0">
+                          <a:solidFill>
+                            <a:schemeClr val="accent3"/>
+                          </a:solidFill>
+                          <a:latin typeface="Cambria Math"/>
+                        </a:rPr>
+                        <m:t>𝑠</m:t>
+                      </m:r>
+                      <m:r>
+                        <a:rPr lang="en-US" sz="2800" b="0" i="1" kern="0" smtClean="0">
+                          <a:solidFill>
+                            <a:schemeClr val="accent4"/>
+                          </a:solidFill>
+                          <a:latin typeface="Cambria Math"/>
+                        </a:rPr>
+                        <m:t>𝐻</m:t>
+                      </m:r>
+                      <m:r>
+                        <a:rPr lang="en-US" sz="2800" b="0" i="1" kern="0" smtClean="0">
+                          <a:solidFill>
+                            <a:srgbClr val="000000"/>
+                          </a:solidFill>
+                          <a:latin typeface="Cambria Math"/>
+                        </a:rPr>
+                        <m:t>+</m:t>
+                      </m:r>
+                      <m:r>
+                        <a:rPr lang="en-US" sz="2800" b="0" i="1" kern="0" smtClean="0">
+                          <a:solidFill>
+                            <a:srgbClr val="000000"/>
+                          </a:solidFill>
+                          <a:latin typeface="Cambria Math"/>
+                        </a:rPr>
+                        <m:t>2</m:t>
+                      </m:r>
+                      <m:f>
+                        <m:fPr>
+                          <m:ctrlPr>
+                            <a:rPr lang="en-US" sz="2800" b="0" i="1" kern="0" smtClean="0">
+                              <a:solidFill>
+                                <a:srgbClr val="000000"/>
+                              </a:solidFill>
+                              <a:latin typeface="Cambria Math"/>
+                            </a:rPr>
+                          </m:ctrlPr>
+                        </m:fPr>
+                        <m:num>
+                          <m:sSup>
+                            <m:sSupPr>
+                              <m:ctrlPr>
+                                <a:rPr lang="en-US" sz="2800" b="0" i="1" kern="0" smtClean="0">
+                                  <a:solidFill>
+                                    <a:srgbClr val="000000"/>
+                                  </a:solidFill>
+                                  <a:latin typeface="Cambria Math"/>
+                                </a:rPr>
+                              </m:ctrlPr>
+                            </m:sSupPr>
+                            <m:e>
+                              <m:r>
+                                <a:rPr lang="en-US" sz="2800" b="0" i="1" kern="0" smtClean="0">
+                                  <a:solidFill>
+                                    <a:schemeClr val="accent2"/>
+                                  </a:solidFill>
+                                  <a:latin typeface="Cambria Math"/>
+                                </a:rPr>
+                                <m:t>𝑈</m:t>
+                              </m:r>
+                            </m:e>
+                            <m:sup>
+                              <m:r>
+                                <a:rPr lang="en-US" sz="2800" b="0" i="1" kern="0" smtClean="0">
+                                  <a:solidFill>
+                                    <a:srgbClr val="000000"/>
+                                  </a:solidFill>
+                                  <a:latin typeface="Cambria Math"/>
+                                </a:rPr>
+                                <m:t>2</m:t>
+                              </m:r>
+                            </m:sup>
+                          </m:sSup>
+                        </m:num>
+                        <m:den>
+                          <m:r>
+                            <a:rPr lang="en-US" sz="2800" b="0" i="1" kern="0" smtClean="0">
+                              <a:solidFill>
+                                <a:schemeClr val="accent3"/>
+                              </a:solidFill>
+                              <a:latin typeface="Cambria Math"/>
+                            </a:rPr>
+                            <m:t>𝑠</m:t>
+                          </m:r>
+                        </m:den>
+                      </m:f>
+                      <m:d>
+                        <m:dPr>
+                          <m:ctrlPr>
+                            <a:rPr lang="en-US" sz="2800" b="0" i="1" kern="0" smtClean="0">
+                              <a:solidFill>
+                                <a:srgbClr val="000000"/>
+                              </a:solidFill>
+                              <a:latin typeface="Cambria Math"/>
+                            </a:rPr>
+                          </m:ctrlPr>
+                        </m:dPr>
+                        <m:e>
+                          <m:r>
+                            <a:rPr lang="en-US" sz="2800" b="0" i="1" kern="0" smtClean="0">
+                              <a:solidFill>
+                                <a:srgbClr val="000000"/>
+                              </a:solidFill>
+                              <a:latin typeface="Cambria Math"/>
+                            </a:rPr>
+                            <m:t>1</m:t>
+                          </m:r>
+                          <m:r>
+                            <a:rPr lang="en-US" sz="2800" b="0" i="1" kern="0" smtClean="0">
+                              <a:solidFill>
+                                <a:srgbClr val="000000"/>
+                              </a:solidFill>
+                              <a:latin typeface="Cambria Math"/>
+                            </a:rPr>
+                            <m:t>−</m:t>
+                          </m:r>
+                          <m:r>
+                            <a:rPr lang="en-US" sz="2800" b="0" i="1" kern="0" smtClean="0">
+                              <a:solidFill>
+                                <a:schemeClr val="accent3"/>
+                              </a:solidFill>
+                              <a:latin typeface="Cambria Math"/>
+                            </a:rPr>
+                            <m:t>𝑠</m:t>
+                          </m:r>
+                        </m:e>
+                      </m:d>
+                      <m:d>
+                        <m:dPr>
+                          <m:ctrlPr>
+                            <a:rPr lang="en-US" sz="2800" b="0" i="1" kern="0" smtClean="0">
+                              <a:solidFill>
+                                <a:srgbClr val="000000"/>
+                              </a:solidFill>
+                              <a:latin typeface="Cambria Math"/>
+                            </a:rPr>
+                          </m:ctrlPr>
+                        </m:dPr>
+                        <m:e>
+                          <m:r>
+                            <a:rPr lang="en-US" sz="2800" b="0" i="1" kern="0" smtClean="0">
+                              <a:solidFill>
+                                <a:schemeClr val="accent6"/>
+                              </a:solidFill>
+                              <a:latin typeface="Cambria Math"/>
+                            </a:rPr>
+                            <m:t>𝜏</m:t>
+                          </m:r>
+                          <m:r>
+                            <a:rPr lang="en-US" sz="2800" b="0" i="1" kern="0" smtClean="0">
+                              <a:solidFill>
+                                <a:srgbClr val="000000"/>
+                              </a:solidFill>
+                              <a:latin typeface="Cambria Math"/>
+                            </a:rPr>
+                            <m:t>−</m:t>
+                          </m:r>
+                          <m:r>
+                            <a:rPr lang="en-US" sz="2800" b="0" i="1" kern="0" smtClean="0">
+                              <a:solidFill>
+                                <a:srgbClr val="000000"/>
+                              </a:solidFill>
+                              <a:latin typeface="Cambria Math"/>
+                            </a:rPr>
+                            <m:t>1</m:t>
+                          </m:r>
+                        </m:e>
+                      </m:d>
+                    </m:oMath>
+                  </m:oMathPara>
+                </a14:m>
+                <a:endParaRPr lang="en-US" sz="2800" kern="0" dirty="0" smtClean="0">
+                  <a:solidFill>
+                    <a:srgbClr val="000000"/>
+                  </a:solidFill>
+                  <a:latin typeface="+mn-lt"/>
+                </a:endParaRPr>
+              </a:p>
+              <a:p>
+                <a:pPr indent="205704" algn="l" defTabSz="908920" rtl="0">
+                  <a:defRPr/>
+                </a:pPr>
+                <a:r>
+                  <a:rPr lang="en-US" sz="2800" kern="0" dirty="0" smtClean="0">
+                    <a:solidFill>
+                      <a:srgbClr val="000000"/>
+                    </a:solidFill>
+                    <a:latin typeface="+mn-lt"/>
+                  </a:rPr>
+                  <a:t>where </a:t>
+                </a:r>
+                <a:r>
+                  <a:rPr lang="en-US" sz="2800" i="1" kern="0" dirty="0" smtClean="0">
+                    <a:solidFill>
+                      <a:schemeClr val="accent4"/>
+                    </a:solidFill>
+                    <a:latin typeface="+mn-lt"/>
+                  </a:rPr>
+                  <a:t>H</a:t>
+                </a:r>
+                <a:r>
+                  <a:rPr lang="en-US" sz="2800" kern="0" dirty="0" smtClean="0">
+                    <a:solidFill>
+                      <a:srgbClr val="000000"/>
+                    </a:solidFill>
+                    <a:latin typeface="+mn-lt"/>
+                  </a:rPr>
+                  <a:t> is the relative selective advantage of the double mutant.</a:t>
+                </a:r>
+              </a:p>
+            </p:txBody>
+          </p:sp>
+        </mc:Choice>
+        <mc:Fallback>
+          <p:sp>
+            <p:nvSpPr>
+              <p:cNvPr id="101" name="Text Box 13"/>
+              <p:cNvSpPr txBox="1">
+                <a:spLocks noRot="1" noChangeAspect="1" noMove="1" noResize="1" noEditPoints="1" noAdjustHandles="1" noChangeArrowheads="1" noChangeShapeType="1" noTextEdit="1"/>
+              </p:cNvSpPr>
+              <p:nvPr/>
+            </p:nvSpPr>
+            <p:spPr bwMode="auto">
+              <a:xfrm>
+                <a:off x="2399473" y="28060047"/>
+                <a:ext cx="11520000" cy="13368416"/>
+              </a:xfrm>
+              <a:prstGeom prst="rect">
+                <a:avLst/>
+              </a:prstGeom>
+              <a:blipFill rotWithShape="1">
+                <a:blip r:embed="rId2"/>
+                <a:stretch>
+                  <a:fillRect/>
+                </a:stretch>
+              </a:blipFill>
+              <a:ln w="12700">
+                <a:solidFill>
+                  <a:srgbClr val="4D4D4D"/>
+                </a:solidFill>
+                <a:miter lim="800000"/>
+                <a:headEnd/>
+                <a:tailEnd/>
+              </a:ln>
+            </p:spPr>
+            <p:txBody>
+              <a:bodyPr/>
+              <a:lstStyle/>
+              <a:p>
+                <a:r>
+                  <a:rPr lang="he-IL">
+                    <a:noFill/>
+                  </a:rPr>
+                  <a:t> </a:t>
+                </a:r>
+              </a:p>
+            </p:txBody>
+          </p:sp>
+        </mc:Fallback>
+      </mc:AlternateContent>
       <p:sp>
         <p:nvSpPr>
           <p:cNvPr id="149" name="Text Box 12"/>
@@ -6814,11 +8220,11 @@
             <p:nvPr/>
           </p:nvPicPr>
           <p:blipFill>
-            <a:blip r:embed="rId2" cstate="print">
+            <a:blip r:embed="rId3" cstate="print">
               <a:extLst>
                 <a:ext uri="{BEBA8EAE-BF5A-486C-A8C5-ECC9F3942E4B}">
                   <a14:imgProps xmlns:a14="http://schemas.microsoft.com/office/drawing/2010/main">
-                    <a14:imgLayer r:embed="rId3">
+                    <a14:imgLayer r:embed="rId4">
                       <a14:imgEffect>
                         <a14:backgroundRemoval t="0" b="100000" l="0" r="100000">
                           <a14:backgroundMark x1="2774" y1="60000" x2="43574" y2="51667"/>
@@ -6859,7 +8265,7 @@
           <p:nvPr/>
         </p:nvPicPr>
         <p:blipFill rotWithShape="1">
-          <a:blip r:embed="rId4" cstate="print">
+          <a:blip r:embed="rId5" cstate="print">
             <a:extLst>
               <a:ext uri="{28A0092B-C50C-407E-A947-70E740481C1C}">
                 <a14:useLocalDpi xmlns:a14="http://schemas.microsoft.com/office/drawing/2010/main" val="0"/>
@@ -6904,7 +8310,7 @@
         </p:nvSpPr>
         <p:spPr>
           <a:xfrm>
-            <a:off x="2954543" y="25655289"/>
+            <a:off x="3027946" y="19750633"/>
             <a:ext cx="10409860" cy="2140099"/>
           </a:xfrm>
           <a:prstGeom prst="rect">
@@ -6942,17 +8348,7 @@
                 <a:latin typeface="Helvetica" pitchFamily="34" charset="0"/>
                 <a:cs typeface="Helvetica" pitchFamily="34" charset="0"/>
               </a:rPr>
-              <a:t>Fitness landscape </a:t>
-            </a:r>
-            <a:r>
-              <a:rPr lang="en-US" sz="2000" b="1" kern="0" dirty="0" smtClean="0">
-                <a:solidFill>
-                  <a:sysClr val="windowText" lastClr="000000"/>
-                </a:solidFill>
-                <a:latin typeface="Helvetica" pitchFamily="34" charset="0"/>
-                <a:cs typeface="Helvetica" pitchFamily="34" charset="0"/>
-              </a:rPr>
-              <a:t>metaphor.</a:t>
+              <a:t>Fitness landscape metaphor.</a:t>
             </a:r>
             <a:r>
               <a:rPr lang="en-US" sz="2000" kern="0" dirty="0" smtClean="0">
@@ -6965,14 +8361,14 @@
               <a:t> </a:t>
             </a:r>
             <a:r>
-              <a:rPr lang="en-US" sz="2000" kern="0" dirty="0" smtClean="0">
+              <a:rPr lang="en-US" sz="2000" kern="0" dirty="0">
                 <a:solidFill>
                   <a:sysClr val="windowText" lastClr="000000"/>
                 </a:solidFill>
                 <a:latin typeface="Helvetica" pitchFamily="34" charset="0"/>
                 <a:cs typeface="Helvetica" pitchFamily="34" charset="0"/>
               </a:rPr>
-              <a:t>(A) A </a:t>
+              <a:t>Height represents fitness and  different geographic coordinates represent different genotypes. Mutation and drift move the population in all directions whereas selection drives the population uphill</a:t>
             </a:r>
             <a:r>
               <a:rPr lang="en-US" sz="2000" kern="0" dirty="0" smtClean="0">
@@ -6982,7 +8378,7 @@
                 <a:latin typeface="Helvetica" pitchFamily="34" charset="0"/>
                 <a:cs typeface="Helvetica" pitchFamily="34" charset="0"/>
               </a:rPr>
-              <a:t>single-peak fitness </a:t>
+              <a:t>. (</a:t>
             </a:r>
             <a:r>
               <a:rPr lang="en-US" sz="2000" kern="0" dirty="0" smtClean="0">
@@ -6992,77 +8388,7 @@
                 <a:latin typeface="Helvetica" pitchFamily="34" charset="0"/>
                 <a:cs typeface="Helvetica" pitchFamily="34" charset="0"/>
               </a:rPr>
-              <a:t>landscape. </a:t>
-            </a:r>
-            <a:r>
-              <a:rPr lang="en-US" sz="2000" kern="0" dirty="0" smtClean="0">
-                <a:solidFill>
-                  <a:sysClr val="windowText" lastClr="000000"/>
-                </a:solidFill>
-                <a:latin typeface="Helvetica" pitchFamily="34" charset="0"/>
-                <a:cs typeface="Helvetica" pitchFamily="34" charset="0"/>
-              </a:rPr>
-              <a:t>Selection </a:t>
-            </a:r>
-            <a:r>
-              <a:rPr lang="en-US" sz="2000" kern="0" dirty="0" smtClean="0">
-                <a:solidFill>
-                  <a:sysClr val="windowText" lastClr="000000"/>
-                </a:solidFill>
-                <a:latin typeface="Helvetica" pitchFamily="34" charset="0"/>
-                <a:cs typeface="Helvetica" pitchFamily="34" charset="0"/>
-              </a:rPr>
-              <a:t>drives the population uphill towards the </a:t>
-            </a:r>
-            <a:r>
-              <a:rPr lang="en-US" sz="2000" kern="0" dirty="0" smtClean="0">
-                <a:solidFill>
-                  <a:sysClr val="windowText" lastClr="000000"/>
-                </a:solidFill>
-                <a:latin typeface="Helvetica" pitchFamily="34" charset="0"/>
-                <a:cs typeface="Helvetica" pitchFamily="34" charset="0"/>
-              </a:rPr>
-              <a:t>global maximum. </a:t>
-            </a:r>
-            <a:r>
-              <a:rPr lang="en-US" sz="2000" kern="0" dirty="0" smtClean="0">
-                <a:solidFill>
-                  <a:sysClr val="windowText" lastClr="000000"/>
-                </a:solidFill>
-                <a:latin typeface="Helvetica" pitchFamily="34" charset="0"/>
-                <a:cs typeface="Helvetica" pitchFamily="34" charset="0"/>
-              </a:rPr>
-              <a:t>(B) A </a:t>
-            </a:r>
-            <a:r>
-              <a:rPr lang="en-US" sz="2000" kern="0" dirty="0" smtClean="0">
-                <a:solidFill>
-                  <a:sysClr val="windowText" lastClr="000000"/>
-                </a:solidFill>
-                <a:latin typeface="Helvetica" pitchFamily="34" charset="0"/>
-                <a:cs typeface="Helvetica" pitchFamily="34" charset="0"/>
-              </a:rPr>
-              <a:t>multi-peak fitness </a:t>
-            </a:r>
-            <a:r>
-              <a:rPr lang="en-US" sz="2000" kern="0" dirty="0" smtClean="0">
-                <a:solidFill>
-                  <a:sysClr val="windowText" lastClr="000000"/>
-                </a:solidFill>
-                <a:latin typeface="Helvetica" pitchFamily="34" charset="0"/>
-                <a:cs typeface="Helvetica" pitchFamily="34" charset="0"/>
-              </a:rPr>
-              <a:t>landscape. Selection drives the population </a:t>
-            </a:r>
-            <a:r>
-              <a:rPr lang="en-US" sz="2000" kern="0" dirty="0" smtClean="0">
-                <a:solidFill>
-                  <a:sysClr val="windowText" lastClr="000000"/>
-                </a:solidFill>
-                <a:latin typeface="Helvetica" pitchFamily="34" charset="0"/>
-                <a:cs typeface="Helvetica" pitchFamily="34" charset="0"/>
-              </a:rPr>
-              <a:t>uphill towards the closest peak – the global or local maximum.</a:t>
+              <a:t>A) A single-peak fitness landscape. Selection drives the population uphill towards the global maximum. (B) A multi-peak fitness landscape. Selection drives the population uphill towards the closest peak – the global or local maximum.</a:t>
             </a:r>
             <a:endParaRPr lang="en-US" sz="2000" b="1" kern="0" dirty="0">
               <a:solidFill>
@@ -7286,7 +8612,7 @@
         </p:nvGrpSpPr>
         <p:grpSpPr>
           <a:xfrm>
-            <a:off x="4311258" y="17714268"/>
+            <a:off x="4384661" y="11809612"/>
             <a:ext cx="7687277" cy="3114674"/>
             <a:chOff x="4296747" y="14687552"/>
             <a:chExt cx="7687277" cy="3114674"/>
@@ -7301,7 +8627,7 @@
             <p:nvPr/>
           </p:nvPicPr>
           <p:blipFill rotWithShape="1">
-            <a:blip r:embed="rId5">
+            <a:blip r:embed="rId6">
               <a:extLst>
                 <a:ext uri="{28A0092B-C50C-407E-A947-70E740481C1C}">
                   <a14:useLocalDpi xmlns:a14="http://schemas.microsoft.com/office/drawing/2010/main" val="0"/>
@@ -7617,7 +8943,7 @@
         </p:nvGrpSpPr>
         <p:grpSpPr>
           <a:xfrm>
-            <a:off x="4320411" y="21427225"/>
+            <a:off x="4393814" y="15522569"/>
             <a:ext cx="7678124" cy="3132413"/>
             <a:chOff x="12139982" y="22166642"/>
             <a:chExt cx="7678124" cy="3132413"/>
@@ -7653,7 +8979,7 @@
               <p:nvPr/>
             </p:nvPicPr>
             <p:blipFill rotWithShape="1">
-              <a:blip r:embed="rId6">
+              <a:blip r:embed="rId7">
                 <a:extLst>
                   <a:ext uri="{28A0092B-C50C-407E-A947-70E740481C1C}">
                     <a14:useLocalDpi xmlns:a14="http://schemas.microsoft.com/office/drawing/2010/main" val="0"/>
@@ -8126,7 +9452,7 @@
         </p:nvGrpSpPr>
         <p:grpSpPr>
           <a:xfrm>
-            <a:off x="3199646" y="18681707"/>
+            <a:off x="3273049" y="12777051"/>
             <a:ext cx="689086" cy="4863401"/>
             <a:chOff x="3199646" y="19239441"/>
             <a:chExt cx="689086" cy="4863401"/>
@@ -8197,71 +9523,86 @@
           </p:txBody>
         </p:sp>
       </p:grpSp>
-      <p:cxnSp>
-        <p:nvCxnSpPr>
-          <p:cNvPr id="50" name="Straight Arrow Connector 49"/>
-          <p:cNvCxnSpPr/>
+      <p:grpSp>
+        <p:nvGrpSpPr>
+          <p:cNvPr id="8" name="Group 7"/>
+          <p:cNvGrpSpPr/>
           <p:nvPr/>
-        </p:nvCxnSpPr>
-        <p:spPr>
-          <a:xfrm rot="5400000" flipV="1">
-            <a:off x="8264677" y="22483368"/>
-            <a:ext cx="0" cy="4863401"/>
+        </p:nvGrpSpPr>
+        <p:grpSpPr>
+          <a:xfrm>
+            <a:off x="5906379" y="19010412"/>
+            <a:ext cx="4863401" cy="646331"/>
+            <a:chOff x="5832976" y="24915068"/>
+            <a:chExt cx="4863401" cy="646331"/>
           </a:xfrm>
-          <a:prstGeom prst="straightConnector1">
-            <a:avLst/>
-          </a:prstGeom>
-          <a:ln w="76200">
-            <a:headEnd type="arrow" w="med" len="med"/>
-            <a:tailEnd type="arrow" w="med" len="med"/>
-          </a:ln>
-        </p:spPr>
-        <p:style>
-          <a:lnRef idx="3">
-            <a:schemeClr val="dk1"/>
-          </a:lnRef>
-          <a:fillRef idx="0">
-            <a:schemeClr val="dk1"/>
-          </a:fillRef>
-          <a:effectRef idx="2">
-            <a:schemeClr val="dk1"/>
-          </a:effectRef>
-          <a:fontRef idx="minor">
-            <a:schemeClr val="tx1"/>
-          </a:fontRef>
-        </p:style>
-      </p:cxnSp>
-      <p:sp>
-        <p:nvSpPr>
-          <p:cNvPr id="51" name="TextBox 50"/>
-          <p:cNvSpPr txBox="1"/>
-          <p:nvPr/>
-        </p:nvSpPr>
-        <p:spPr>
-          <a:xfrm>
-            <a:off x="6532919" y="24915068"/>
-            <a:ext cx="3269978" cy="646331"/>
-          </a:xfrm>
-          <a:prstGeom prst="rect">
-            <a:avLst/>
-          </a:prstGeom>
-          <a:noFill/>
-        </p:spPr>
-        <p:txBody>
-          <a:bodyPr wrap="square" rtlCol="1">
-            <a:spAutoFit/>
-          </a:bodyPr>
-          <a:lstStyle/>
-          <a:p>
-            <a:pPr algn="ctr"/>
-            <a:r>
-              <a:rPr lang="en-US" sz="3600" dirty="0" smtClean="0"/>
-              <a:t>genotype</a:t>
-            </a:r>
-            <a:endParaRPr lang="he-IL" sz="3600" dirty="0"/>
-          </a:p>
-        </p:txBody>
-      </p:sp>
+        </p:grpSpPr>
+        <p:cxnSp>
+          <p:nvCxnSpPr>
+            <p:cNvPr id="50" name="Straight Arrow Connector 49"/>
+            <p:cNvCxnSpPr/>
+            <p:nvPr/>
+          </p:nvCxnSpPr>
+          <p:spPr>
+            <a:xfrm rot="5400000" flipV="1">
+              <a:off x="8264677" y="22483368"/>
+              <a:ext cx="0" cy="4863401"/>
+            </a:xfrm>
+            <a:prstGeom prst="straightConnector1">
+              <a:avLst/>
+            </a:prstGeom>
+            <a:ln w="76200">
+              <a:headEnd type="arrow" w="med" len="med"/>
+              <a:tailEnd type="arrow" w="med" len="med"/>
+            </a:ln>
+          </p:spPr>
+          <p:style>
+            <a:lnRef idx="3">
+              <a:schemeClr val="dk1"/>
+            </a:lnRef>
+            <a:fillRef idx="0">
+              <a:schemeClr val="dk1"/>
+            </a:fillRef>
+            <a:effectRef idx="2">
+              <a:schemeClr val="dk1"/>
+            </a:effectRef>
+            <a:fontRef idx="minor">
+              <a:schemeClr val="tx1"/>
+            </a:fontRef>
+          </p:style>
+        </p:cxnSp>
+        <p:sp>
+          <p:nvSpPr>
+            <p:cNvPr id="51" name="TextBox 50"/>
+            <p:cNvSpPr txBox="1"/>
+            <p:nvPr/>
+          </p:nvSpPr>
+          <p:spPr>
+            <a:xfrm>
+              <a:off x="6532919" y="24915068"/>
+              <a:ext cx="3269978" cy="646331"/>
+            </a:xfrm>
+            <a:prstGeom prst="rect">
+              <a:avLst/>
+            </a:prstGeom>
+            <a:noFill/>
+          </p:spPr>
+          <p:txBody>
+            <a:bodyPr wrap="square" rtlCol="1">
+              <a:spAutoFit/>
+            </a:bodyPr>
+            <a:lstStyle/>
+            <a:p>
+              <a:pPr algn="ctr"/>
+              <a:r>
+                <a:rPr lang="en-US" sz="3600" dirty="0" smtClean="0"/>
+                <a:t>genotype</a:t>
+              </a:r>
+              <a:endParaRPr lang="he-IL" sz="3600" dirty="0"/>
+            </a:p>
+          </p:txBody>
+        </p:sp>
+      </p:grpSp>
     </p:spTree>
     <p:extLst>
       <p:ext uri="{BB962C8B-B14F-4D97-AF65-F5344CB8AC3E}">

--- a/poster.pptx
+++ b/poster.pptx
@@ -3319,7 +3319,7 @@
         <p:spPr bwMode="auto">
           <a:xfrm>
             <a:off x="29307712" y="6748834"/>
-            <a:ext cx="11520000" cy="20555177"/>
+            <a:ext cx="11520000" cy="19894425"/>
           </a:xfrm>
           <a:prstGeom prst="rect">
             <a:avLst/>
@@ -4478,7 +4478,7 @@
         </p:nvSpPr>
         <p:spPr bwMode="auto">
           <a:xfrm>
-            <a:off x="15914893" y="28060050"/>
+            <a:off x="14257884" y="28299444"/>
             <a:ext cx="11520000" cy="13368417"/>
           </a:xfrm>
           <a:prstGeom prst="rect">
@@ -4628,454 +4628,6 @@
       </p:sp>
       <p:sp>
         <p:nvSpPr>
-          <p:cNvPr id="46" name="Text Box 13"/>
-          <p:cNvSpPr txBox="1">
-            <a:spLocks noChangeArrowheads="1"/>
-          </p:cNvSpPr>
-          <p:nvPr/>
-        </p:nvSpPr>
-        <p:spPr bwMode="auto">
-          <a:xfrm>
-            <a:off x="15914068" y="6748834"/>
-            <a:ext cx="11520000" cy="6866365"/>
-          </a:xfrm>
-          <a:prstGeom prst="rect">
-            <a:avLst/>
-          </a:prstGeom>
-          <a:solidFill>
-            <a:srgbClr val="FFFFFF"/>
-          </a:solidFill>
-          <a:ln w="12700">
-            <a:solidFill>
-              <a:srgbClr val="4D4D4D"/>
-            </a:solidFill>
-            <a:miter lim="800000"/>
-            <a:headEnd/>
-            <a:tailEnd/>
-          </a:ln>
-        </p:spPr>
-        <p:txBody>
-          <a:bodyPr lIns="908920" tIns="454461" rIns="908920" bIns="908920"/>
-          <a:lstStyle>
-            <a:lvl1pPr eaLnBrk="0" hangingPunct="0">
-              <a:tabLst>
-                <a:tab pos="635000" algn="l"/>
-              </a:tabLst>
-              <a:defRPr sz="3200">
-                <a:solidFill>
-                  <a:schemeClr val="tx1"/>
-                </a:solidFill>
-                <a:latin typeface="Helvetica" pitchFamily="-111" charset="0"/>
-                <a:ea typeface="ＭＳ Ｐゴシック" pitchFamily="-111" charset="-128"/>
-              </a:defRPr>
-            </a:lvl1pPr>
-            <a:lvl2pPr marL="37931725" indent="-37474525" eaLnBrk="0" hangingPunct="0">
-              <a:tabLst>
-                <a:tab pos="635000" algn="l"/>
-              </a:tabLst>
-              <a:defRPr sz="3200">
-                <a:solidFill>
-                  <a:schemeClr val="tx1"/>
-                </a:solidFill>
-                <a:latin typeface="Helvetica" pitchFamily="-111" charset="0"/>
-                <a:ea typeface="ＭＳ Ｐゴシック" pitchFamily="-111" charset="-128"/>
-              </a:defRPr>
-            </a:lvl2pPr>
-            <a:lvl3pPr eaLnBrk="0" hangingPunct="0">
-              <a:tabLst>
-                <a:tab pos="635000" algn="l"/>
-              </a:tabLst>
-              <a:defRPr sz="3200">
-                <a:solidFill>
-                  <a:schemeClr val="tx1"/>
-                </a:solidFill>
-                <a:latin typeface="Helvetica" pitchFamily="-111" charset="0"/>
-                <a:ea typeface="ＭＳ Ｐゴシック" pitchFamily="-111" charset="-128"/>
-              </a:defRPr>
-            </a:lvl3pPr>
-            <a:lvl4pPr eaLnBrk="0" hangingPunct="0">
-              <a:tabLst>
-                <a:tab pos="635000" algn="l"/>
-              </a:tabLst>
-              <a:defRPr sz="3200">
-                <a:solidFill>
-                  <a:schemeClr val="tx1"/>
-                </a:solidFill>
-                <a:latin typeface="Helvetica" pitchFamily="-111" charset="0"/>
-                <a:ea typeface="ＭＳ Ｐゴシック" pitchFamily="-111" charset="-128"/>
-              </a:defRPr>
-            </a:lvl4pPr>
-            <a:lvl5pPr eaLnBrk="0" hangingPunct="0">
-              <a:tabLst>
-                <a:tab pos="635000" algn="l"/>
-              </a:tabLst>
-              <a:defRPr sz="3200">
-                <a:solidFill>
-                  <a:schemeClr val="tx1"/>
-                </a:solidFill>
-                <a:latin typeface="Helvetica" pitchFamily="-111" charset="0"/>
-                <a:ea typeface="ＭＳ Ｐゴシック" pitchFamily="-111" charset="-128"/>
-              </a:defRPr>
-            </a:lvl5pPr>
-            <a:lvl6pPr marL="457200" eaLnBrk="0" fontAlgn="base" hangingPunct="0">
-              <a:spcBef>
-                <a:spcPct val="0"/>
-              </a:spcBef>
-              <a:spcAft>
-                <a:spcPct val="0"/>
-              </a:spcAft>
-              <a:tabLst>
-                <a:tab pos="635000" algn="l"/>
-              </a:tabLst>
-              <a:defRPr sz="3200">
-                <a:solidFill>
-                  <a:schemeClr val="tx1"/>
-                </a:solidFill>
-                <a:latin typeface="Helvetica" pitchFamily="-111" charset="0"/>
-                <a:ea typeface="ＭＳ Ｐゴシック" pitchFamily="-111" charset="-128"/>
-              </a:defRPr>
-            </a:lvl6pPr>
-            <a:lvl7pPr marL="914400" eaLnBrk="0" fontAlgn="base" hangingPunct="0">
-              <a:spcBef>
-                <a:spcPct val="0"/>
-              </a:spcBef>
-              <a:spcAft>
-                <a:spcPct val="0"/>
-              </a:spcAft>
-              <a:tabLst>
-                <a:tab pos="635000" algn="l"/>
-              </a:tabLst>
-              <a:defRPr sz="3200">
-                <a:solidFill>
-                  <a:schemeClr val="tx1"/>
-                </a:solidFill>
-                <a:latin typeface="Helvetica" pitchFamily="-111" charset="0"/>
-                <a:ea typeface="ＭＳ Ｐゴシック" pitchFamily="-111" charset="-128"/>
-              </a:defRPr>
-            </a:lvl7pPr>
-            <a:lvl8pPr marL="1371600" eaLnBrk="0" fontAlgn="base" hangingPunct="0">
-              <a:spcBef>
-                <a:spcPct val="0"/>
-              </a:spcBef>
-              <a:spcAft>
-                <a:spcPct val="0"/>
-              </a:spcAft>
-              <a:tabLst>
-                <a:tab pos="635000" algn="l"/>
-              </a:tabLst>
-              <a:defRPr sz="3200">
-                <a:solidFill>
-                  <a:schemeClr val="tx1"/>
-                </a:solidFill>
-                <a:latin typeface="Helvetica" pitchFamily="-111" charset="0"/>
-                <a:ea typeface="ＭＳ Ｐゴシック" pitchFamily="-111" charset="-128"/>
-              </a:defRPr>
-            </a:lvl8pPr>
-            <a:lvl9pPr marL="1828800" eaLnBrk="0" fontAlgn="base" hangingPunct="0">
-              <a:spcBef>
-                <a:spcPct val="0"/>
-              </a:spcBef>
-              <a:spcAft>
-                <a:spcPct val="0"/>
-              </a:spcAft>
-              <a:tabLst>
-                <a:tab pos="635000" algn="l"/>
-              </a:tabLst>
-              <a:defRPr sz="3200">
-                <a:solidFill>
-                  <a:schemeClr val="tx1"/>
-                </a:solidFill>
-                <a:latin typeface="Helvetica" pitchFamily="-111" charset="0"/>
-                <a:ea typeface="ＭＳ Ｐゴシック" pitchFamily="-111" charset="-128"/>
-              </a:defRPr>
-            </a:lvl9pPr>
-          </a:lstStyle>
-          <a:p>
-            <a:pPr indent="205704" algn="just" defTabSz="908920" rtl="0" eaLnBrk="1" hangingPunct="1">
-              <a:spcBef>
-                <a:spcPct val="50000"/>
-              </a:spcBef>
-              <a:tabLst>
-                <a:tab pos="497067" algn="l"/>
-              </a:tabLst>
-              <a:defRPr/>
-            </a:pPr>
-            <a:r>
-              <a:rPr lang="en-US" sz="4400" b="1" kern="0" dirty="0" err="1">
-                <a:solidFill>
-                  <a:schemeClr val="accent2"/>
-                </a:solidFill>
-              </a:rPr>
-              <a:t>Bla</a:t>
-            </a:r>
-            <a:r>
-              <a:rPr lang="en-US" sz="4400" b="1" kern="0" dirty="0">
-                <a:solidFill>
-                  <a:schemeClr val="accent2"/>
-                </a:solidFill>
-              </a:rPr>
-              <a:t> </a:t>
-            </a:r>
-            <a:r>
-              <a:rPr lang="en-US" sz="4400" b="1" kern="0" dirty="0" err="1">
-                <a:solidFill>
-                  <a:schemeClr val="accent2"/>
-                </a:solidFill>
-              </a:rPr>
-              <a:t>bla</a:t>
-            </a:r>
-            <a:r>
-              <a:rPr lang="en-US" sz="4400" b="1" kern="0" dirty="0">
-                <a:solidFill>
-                  <a:schemeClr val="accent2"/>
-                </a:solidFill>
-              </a:rPr>
-              <a:t> </a:t>
-            </a:r>
-            <a:r>
-              <a:rPr lang="en-US" sz="4400" b="1" kern="0" dirty="0" err="1">
-                <a:solidFill>
-                  <a:schemeClr val="accent2"/>
-                </a:solidFill>
-              </a:rPr>
-              <a:t>bla</a:t>
-            </a:r>
-            <a:endParaRPr lang="en-US" sz="4400" b="1" kern="0" dirty="0">
-              <a:solidFill>
-                <a:schemeClr val="accent2"/>
-              </a:solidFill>
-            </a:endParaRPr>
-          </a:p>
-          <a:p>
-            <a:pPr algn="l" defTabSz="908920" rtl="0">
-              <a:tabLst>
-                <a:tab pos="631195" algn="l"/>
-              </a:tabLst>
-              <a:defRPr/>
-            </a:pPr>
-            <a:endParaRPr lang="en-US" sz="2800" kern="0" dirty="0">
-              <a:solidFill>
-                <a:srgbClr val="000000"/>
-              </a:solidFill>
-              <a:latin typeface="Times New Roman" pitchFamily="-111" charset="0"/>
-            </a:endParaRPr>
-          </a:p>
-          <a:p>
-            <a:pPr algn="l" defTabSz="908920" rtl="0">
-              <a:tabLst>
-                <a:tab pos="631195" algn="l"/>
-              </a:tabLst>
-              <a:defRPr/>
-            </a:pPr>
-            <a:endParaRPr lang="en-US" sz="2800" kern="0" dirty="0">
-              <a:solidFill>
-                <a:srgbClr val="000000"/>
-              </a:solidFill>
-              <a:latin typeface="Times New Roman"/>
-            </a:endParaRPr>
-          </a:p>
-          <a:p>
-            <a:pPr indent="205704" algn="l" defTabSz="908920" rtl="0">
-              <a:tabLst>
-                <a:tab pos="631195" algn="l"/>
-              </a:tabLst>
-              <a:defRPr/>
-            </a:pPr>
-            <a:endParaRPr lang="en-US" sz="2800" kern="0" dirty="0">
-              <a:solidFill>
-                <a:srgbClr val="000000"/>
-              </a:solidFill>
-              <a:latin typeface="Times New Roman"/>
-            </a:endParaRPr>
-          </a:p>
-          <a:p>
-            <a:pPr indent="205704" algn="l" defTabSz="908920" rtl="0">
-              <a:tabLst>
-                <a:tab pos="631195" algn="l"/>
-              </a:tabLst>
-              <a:defRPr/>
-            </a:pPr>
-            <a:endParaRPr lang="en-US" sz="2800" kern="0" dirty="0">
-              <a:solidFill>
-                <a:srgbClr val="000000"/>
-              </a:solidFill>
-              <a:latin typeface="Times New Roman"/>
-            </a:endParaRPr>
-          </a:p>
-          <a:p>
-            <a:pPr indent="205704" algn="l" defTabSz="908920" rtl="0">
-              <a:tabLst>
-                <a:tab pos="631195" algn="l"/>
-              </a:tabLst>
-              <a:defRPr/>
-            </a:pPr>
-            <a:endParaRPr lang="en-US" sz="2800" kern="0" dirty="0">
-              <a:solidFill>
-                <a:srgbClr val="000000"/>
-              </a:solidFill>
-              <a:latin typeface="Times New Roman"/>
-            </a:endParaRPr>
-          </a:p>
-          <a:p>
-            <a:pPr indent="205704" algn="l" defTabSz="908920" rtl="0">
-              <a:tabLst>
-                <a:tab pos="631195" algn="l"/>
-              </a:tabLst>
-              <a:defRPr/>
-            </a:pPr>
-            <a:endParaRPr lang="en-US" sz="2800" kern="0" dirty="0">
-              <a:solidFill>
-                <a:srgbClr val="000000"/>
-              </a:solidFill>
-              <a:latin typeface="Times New Roman"/>
-            </a:endParaRPr>
-          </a:p>
-          <a:p>
-            <a:pPr indent="205704" algn="l" defTabSz="908920" rtl="0">
-              <a:tabLst>
-                <a:tab pos="631195" algn="l"/>
-              </a:tabLst>
-              <a:defRPr/>
-            </a:pPr>
-            <a:endParaRPr lang="en-US" sz="2800" kern="0" dirty="0">
-              <a:solidFill>
-                <a:srgbClr val="000000"/>
-              </a:solidFill>
-              <a:latin typeface="Times New Roman"/>
-            </a:endParaRPr>
-          </a:p>
-          <a:p>
-            <a:pPr indent="205704" algn="l" defTabSz="908920" rtl="0">
-              <a:tabLst>
-                <a:tab pos="631195" algn="l"/>
-              </a:tabLst>
-              <a:defRPr/>
-            </a:pPr>
-            <a:endParaRPr lang="en-US" sz="2800" kern="0" dirty="0">
-              <a:solidFill>
-                <a:srgbClr val="000000"/>
-              </a:solidFill>
-              <a:latin typeface="Times New Roman"/>
-            </a:endParaRPr>
-          </a:p>
-          <a:p>
-            <a:pPr indent="205704" algn="l" defTabSz="908920" rtl="0">
-              <a:tabLst>
-                <a:tab pos="631195" algn="l"/>
-              </a:tabLst>
-              <a:defRPr/>
-            </a:pPr>
-            <a:endParaRPr lang="en-US" sz="2800" kern="0" dirty="0">
-              <a:solidFill>
-                <a:srgbClr val="000000"/>
-              </a:solidFill>
-              <a:latin typeface="Times New Roman"/>
-            </a:endParaRPr>
-          </a:p>
-          <a:p>
-            <a:pPr indent="205704" algn="l" defTabSz="908920" rtl="0">
-              <a:tabLst>
-                <a:tab pos="631195" algn="l"/>
-              </a:tabLst>
-              <a:defRPr/>
-            </a:pPr>
-            <a:endParaRPr lang="en-US" sz="2800" kern="0" dirty="0">
-              <a:solidFill>
-                <a:srgbClr val="000000"/>
-              </a:solidFill>
-              <a:latin typeface="Times New Roman"/>
-            </a:endParaRPr>
-          </a:p>
-          <a:p>
-            <a:pPr indent="205704" algn="l" defTabSz="908920" rtl="0">
-              <a:tabLst>
-                <a:tab pos="631195" algn="l"/>
-              </a:tabLst>
-              <a:defRPr/>
-            </a:pPr>
-            <a:endParaRPr lang="en-US" sz="2800" kern="0" dirty="0">
-              <a:solidFill>
-                <a:srgbClr val="000000"/>
-              </a:solidFill>
-              <a:latin typeface="Times New Roman"/>
-            </a:endParaRPr>
-          </a:p>
-          <a:p>
-            <a:pPr indent="205704" algn="l" defTabSz="908920" rtl="0">
-              <a:tabLst>
-                <a:tab pos="631195" algn="l"/>
-              </a:tabLst>
-              <a:defRPr/>
-            </a:pPr>
-            <a:endParaRPr lang="en-US" sz="2800" kern="0" dirty="0">
-              <a:solidFill>
-                <a:srgbClr val="000000"/>
-              </a:solidFill>
-              <a:latin typeface="Times New Roman"/>
-            </a:endParaRPr>
-          </a:p>
-          <a:p>
-            <a:pPr indent="205704" algn="l" defTabSz="908920" rtl="0">
-              <a:tabLst>
-                <a:tab pos="631195" algn="l"/>
-              </a:tabLst>
-              <a:defRPr/>
-            </a:pPr>
-            <a:endParaRPr lang="en-US" sz="2800" kern="0" dirty="0">
-              <a:solidFill>
-                <a:srgbClr val="000000"/>
-              </a:solidFill>
-              <a:latin typeface="Times New Roman"/>
-            </a:endParaRPr>
-          </a:p>
-          <a:p>
-            <a:pPr indent="205704" algn="l" defTabSz="908920" rtl="0">
-              <a:tabLst>
-                <a:tab pos="631195" algn="l"/>
-              </a:tabLst>
-              <a:defRPr/>
-            </a:pPr>
-            <a:r>
-              <a:rPr lang="en-US" sz="2800" kern="0" dirty="0">
-                <a:solidFill>
-                  <a:srgbClr val="000000"/>
-                </a:solidFill>
-                <a:latin typeface="Times New Roman"/>
-              </a:rPr>
-              <a:t>	</a:t>
-            </a:r>
-          </a:p>
-          <a:p>
-            <a:pPr indent="205704" algn="l" defTabSz="908920" rtl="0">
-              <a:tabLst>
-                <a:tab pos="631195" algn="l"/>
-              </a:tabLst>
-              <a:defRPr/>
-            </a:pPr>
-            <a:endParaRPr lang="en-US" sz="2800" i="1" kern="0" dirty="0">
-              <a:solidFill>
-                <a:srgbClr val="FF0000"/>
-              </a:solidFill>
-            </a:endParaRPr>
-          </a:p>
-          <a:p>
-            <a:pPr indent="205704" algn="l" defTabSz="908920" rtl="0">
-              <a:tabLst>
-                <a:tab pos="631195" algn="l"/>
-              </a:tabLst>
-              <a:defRPr/>
-            </a:pPr>
-            <a:endParaRPr lang="en-US" sz="2800" kern="0" dirty="0">
-              <a:solidFill>
-                <a:srgbClr val="000000"/>
-              </a:solidFill>
-              <a:latin typeface="Times New Roman"/>
-            </a:endParaRPr>
-          </a:p>
-        </p:txBody>
-      </p:sp>
-      <p:sp>
-        <p:nvSpPr>
           <p:cNvPr id="23" name="Text Box 7"/>
           <p:cNvSpPr txBox="1">
             <a:spLocks noChangeArrowheads="1"/>
@@ -5084,8 +4636,8 @@
         </p:nvSpPr>
         <p:spPr bwMode="auto">
           <a:xfrm>
-            <a:off x="2400000" y="6748833"/>
-            <a:ext cx="11520000" cy="20555177"/>
+            <a:off x="2400000" y="6748834"/>
+            <a:ext cx="11520000" cy="19894426"/>
           </a:xfrm>
           <a:prstGeom prst="rect">
             <a:avLst/>
@@ -6250,8 +5802,8 @@
         </p:nvSpPr>
         <p:spPr bwMode="auto">
           <a:xfrm>
-            <a:off x="15914068" y="14437162"/>
-            <a:ext cx="11520000" cy="12866851"/>
+            <a:off x="2400000" y="28060049"/>
+            <a:ext cx="11520000" cy="13607811"/>
           </a:xfrm>
           <a:prstGeom prst="rect">
             <a:avLst/>
@@ -6415,45 +5967,125 @@
               <a:defRPr/>
             </a:pPr>
             <a:r>
-              <a:rPr lang="en-US" sz="4400" b="1" kern="0" dirty="0">
+              <a:rPr lang="en-US" sz="4400" b="1" kern="0" dirty="0" smtClean="0">
                 <a:solidFill>
                   <a:schemeClr val="accent2"/>
                 </a:solidFill>
               </a:rPr>
-              <a:t>Stochastic model</a:t>
-            </a:r>
+              <a:t>Model</a:t>
+            </a:r>
+            <a:endParaRPr lang="en-US" sz="2800" kern="0" dirty="0">
+              <a:solidFill>
+                <a:srgbClr val="000000"/>
+              </a:solidFill>
+              <a:latin typeface="Times New Roman" pitchFamily="-111" charset="0"/>
+            </a:endParaRPr>
+          </a:p>
+          <a:p>
+            <a:pPr indent="205704" algn="l" defTabSz="908920" rtl="0">
+              <a:defRPr/>
+            </a:pPr>
             <a:r>
               <a:rPr lang="en-US" sz="2800" kern="0" dirty="0">
                 <a:solidFill>
-                  <a:srgbClr val="FF8000"/>
-                </a:solidFill>
-                <a:latin typeface="Times New Roman" pitchFamily="-111" charset="0"/>
+                  <a:srgbClr val="000000"/>
+                </a:solidFill>
               </a:rPr>
-              <a:t>	</a:t>
+              <a:t>Consider an asexual population with two bi-allelic loci, </a:t>
+            </a:r>
+            <a:r>
+              <a:rPr lang="en-US" sz="2800" i="1" kern="0" dirty="0">
+                <a:solidFill>
+                  <a:srgbClr val="000000"/>
+                </a:solidFill>
+              </a:rPr>
+              <a:t>a/A</a:t>
+            </a:r>
+            <a:r>
+              <a:rPr lang="en-US" sz="2800" kern="0" dirty="0">
+                <a:solidFill>
+                  <a:srgbClr val="000000"/>
+                </a:solidFill>
+              </a:rPr>
+              <a:t> and </a:t>
+            </a:r>
+            <a:r>
+              <a:rPr lang="en-US" sz="2800" i="1" kern="0" dirty="0">
+                <a:solidFill>
+                  <a:srgbClr val="000000"/>
+                </a:solidFill>
+              </a:rPr>
+              <a:t>b/B</a:t>
+            </a:r>
+            <a:r>
+              <a:rPr lang="en-US" sz="2800" kern="0" dirty="0">
+                <a:solidFill>
+                  <a:srgbClr val="000000"/>
+                </a:solidFill>
+              </a:rPr>
+              <a:t> at a mutation-selection balance. An environmental change causes the previously deleterious combination </a:t>
+            </a:r>
+            <a:r>
+              <a:rPr lang="en-US" sz="2800" i="1" kern="0" dirty="0">
+                <a:solidFill>
+                  <a:srgbClr val="000000"/>
+                </a:solidFill>
+              </a:rPr>
+              <a:t>AB</a:t>
+            </a:r>
+            <a:r>
+              <a:rPr lang="en-US" sz="2800" kern="0" dirty="0">
+                <a:solidFill>
+                  <a:srgbClr val="000000"/>
+                </a:solidFill>
+              </a:rPr>
+              <a:t> to be favorable, but the intermediate types </a:t>
+            </a:r>
+            <a:r>
+              <a:rPr lang="en-US" sz="2800" i="1" kern="0" dirty="0" err="1">
+                <a:solidFill>
+                  <a:srgbClr val="000000"/>
+                </a:solidFill>
+              </a:rPr>
+              <a:t>Ab</a:t>
+            </a:r>
+            <a:r>
+              <a:rPr lang="en-US" sz="2800" kern="0" dirty="0">
+                <a:solidFill>
+                  <a:srgbClr val="000000"/>
+                </a:solidFill>
+              </a:rPr>
+              <a:t> and </a:t>
+            </a:r>
+            <a:r>
+              <a:rPr lang="en-US" sz="2800" i="1" kern="0" dirty="0" err="1">
+                <a:solidFill>
+                  <a:srgbClr val="000000"/>
+                </a:solidFill>
+              </a:rPr>
+              <a:t>aB</a:t>
+            </a:r>
+            <a:r>
+              <a:rPr lang="en-US" sz="2800" kern="0" dirty="0">
+                <a:solidFill>
+                  <a:srgbClr val="000000"/>
+                </a:solidFill>
+              </a:rPr>
+              <a:t> are still deleterious</a:t>
+            </a:r>
+            <a:r>
+              <a:rPr lang="en-US" sz="2800" kern="0" dirty="0" smtClean="0">
+                <a:solidFill>
+                  <a:srgbClr val="000000"/>
+                </a:solidFill>
+              </a:rPr>
+              <a:t>. In addition to adaptation, the population must also cope with deleterious mutations.</a:t>
             </a:r>
             <a:endParaRPr lang="en-US" sz="2800" kern="0" dirty="0">
               <a:solidFill>
                 <a:srgbClr val="000000"/>
               </a:solidFill>
-              <a:latin typeface="Times New Roman" pitchFamily="-111" charset="0"/>
-            </a:endParaRPr>
-          </a:p>
-          <a:p>
-            <a:pPr indent="205704" algn="l" defTabSz="908920" rtl="0">
-              <a:tabLst>
-                <a:tab pos="504955" algn="l"/>
-              </a:tabLst>
-              <a:defRPr/>
-            </a:pPr>
-            <a:r>
-              <a:rPr lang="en-US" sz="2800" kern="0" dirty="0">
-                <a:solidFill>
-                  <a:srgbClr val="000000"/>
-                </a:solidFill>
-                <a:latin typeface="+mn-lt"/>
-              </a:rPr>
-              <a:t>We modeled a population</a:t>
-            </a:r>
+            </a:endParaRPr>
           </a:p>
         </p:txBody>
       </p:sp>
@@ -6469,8 +6101,8 @@
             </p:nvSpPr>
             <p:spPr bwMode="auto">
               <a:xfrm>
-                <a:off x="2399473" y="28060047"/>
-                <a:ext cx="11520000" cy="13368416"/>
+                <a:off x="15762877" y="6722078"/>
+                <a:ext cx="11520000" cy="19921181"/>
               </a:xfrm>
               <a:prstGeom prst="rect">
                 <a:avLst/>
@@ -6636,143 +6268,7 @@
                       <a:schemeClr val="accent2"/>
                     </a:solidFill>
                   </a:rPr>
-                  <a:t>Model</a:t>
-                </a:r>
-              </a:p>
-              <a:p>
-                <a:pPr indent="205704" algn="l" defTabSz="908920" rtl="0">
-                  <a:defRPr/>
-                </a:pPr>
-                <a:r>
-                  <a:rPr lang="en-US" sz="2800" kern="0" dirty="0" smtClean="0">
-                    <a:solidFill>
-                      <a:srgbClr val="000000"/>
-                    </a:solidFill>
-                    <a:latin typeface="+mn-lt"/>
-                  </a:rPr>
-                  <a:t>Consider an asexual population with two bi-allelic loci, </a:t>
-                </a:r>
-                <a:r>
-                  <a:rPr lang="en-US" sz="2800" i="1" kern="0" dirty="0" smtClean="0">
-                    <a:solidFill>
-                      <a:srgbClr val="000000"/>
-                    </a:solidFill>
-                    <a:latin typeface="+mn-lt"/>
-                  </a:rPr>
-                  <a:t>a/A</a:t>
-                </a:r>
-                <a:r>
-                  <a:rPr lang="en-US" sz="2800" kern="0" dirty="0" smtClean="0">
-                    <a:solidFill>
-                      <a:srgbClr val="000000"/>
-                    </a:solidFill>
-                    <a:latin typeface="+mn-lt"/>
-                  </a:rPr>
-                  <a:t> and </a:t>
-                </a:r>
-                <a:r>
-                  <a:rPr lang="en-US" sz="2800" i="1" kern="0" dirty="0" smtClean="0">
-                    <a:solidFill>
-                      <a:srgbClr val="000000"/>
-                    </a:solidFill>
-                    <a:latin typeface="+mn-lt"/>
-                  </a:rPr>
-                  <a:t>b/B</a:t>
-                </a:r>
-                <a:r>
-                  <a:rPr lang="en-US" sz="2800" kern="0" dirty="0" smtClean="0">
-                    <a:solidFill>
-                      <a:srgbClr val="000000"/>
-                    </a:solidFill>
-                    <a:latin typeface="+mn-lt"/>
-                  </a:rPr>
-                  <a:t> at a mutation-selection balance. An environmental change causes the previously deleterious combination </a:t>
-                </a:r>
-                <a:r>
-                  <a:rPr lang="en-US" sz="2800" i="1" kern="0" dirty="0" smtClean="0">
-                    <a:solidFill>
-                      <a:srgbClr val="000000"/>
-                    </a:solidFill>
-                    <a:latin typeface="+mn-lt"/>
-                  </a:rPr>
-                  <a:t>AB</a:t>
-                </a:r>
-                <a:r>
-                  <a:rPr lang="en-US" sz="2800" kern="0" dirty="0" smtClean="0">
-                    <a:solidFill>
-                      <a:srgbClr val="000000"/>
-                    </a:solidFill>
-                    <a:latin typeface="+mn-lt"/>
-                  </a:rPr>
-                  <a:t> to be favorable, but the intermediate types </a:t>
-                </a:r>
-                <a:r>
-                  <a:rPr lang="en-US" sz="2800" i="1" kern="0" dirty="0" err="1" smtClean="0">
-                    <a:solidFill>
-                      <a:srgbClr val="000000"/>
-                    </a:solidFill>
-                    <a:latin typeface="+mn-lt"/>
-                  </a:rPr>
-                  <a:t>Ab</a:t>
-                </a:r>
-                <a:r>
-                  <a:rPr lang="en-US" sz="2800" kern="0" dirty="0" smtClean="0">
-                    <a:solidFill>
-                      <a:srgbClr val="000000"/>
-                    </a:solidFill>
-                    <a:latin typeface="+mn-lt"/>
-                  </a:rPr>
-                  <a:t> and </a:t>
-                </a:r>
-                <a:r>
-                  <a:rPr lang="en-US" sz="2800" i="1" kern="0" dirty="0" err="1" smtClean="0">
-                    <a:solidFill>
-                      <a:srgbClr val="000000"/>
-                    </a:solidFill>
-                    <a:latin typeface="+mn-lt"/>
-                  </a:rPr>
-                  <a:t>aB</a:t>
-                </a:r>
-                <a:r>
-                  <a:rPr lang="en-US" sz="2800" kern="0" dirty="0" smtClean="0">
-                    <a:solidFill>
-                      <a:srgbClr val="000000"/>
-                    </a:solidFill>
-                    <a:latin typeface="+mn-lt"/>
-                  </a:rPr>
-                  <a:t> are still deleterious. </a:t>
-                </a:r>
-              </a:p>
-              <a:p>
-                <a:pPr indent="205704" algn="l" defTabSz="908920" rtl="0">
-                  <a:defRPr/>
-                </a:pPr>
-                <a:r>
-                  <a:rPr lang="en-US" sz="2800" kern="0" dirty="0" smtClean="0">
-                    <a:solidFill>
-                      <a:srgbClr val="000000"/>
-                    </a:solidFill>
-                    <a:latin typeface="+mn-lt"/>
-                  </a:rPr>
-                  <a:t>How much time does it for the favorable </a:t>
-                </a:r>
-                <a:r>
-                  <a:rPr lang="en-US" sz="2800" i="1" kern="0" dirty="0" smtClean="0">
-                    <a:solidFill>
-                      <a:srgbClr val="000000"/>
-                    </a:solidFill>
-                    <a:latin typeface="+mn-lt"/>
-                  </a:rPr>
-                  <a:t>AB </a:t>
-                </a:r>
-                <a:r>
-                  <a:rPr lang="en-US" sz="2800" kern="0" dirty="0" smtClean="0">
-                    <a:solidFill>
-                      <a:srgbClr val="000000"/>
-                    </a:solidFill>
-                    <a:latin typeface="+mn-lt"/>
-                  </a:rPr>
-                  <a:t>genotype to appear and fixate in the population? </a:t>
+                  <a:t>Results</a:t>
                 </a:r>
               </a:p>
               <a:p>
@@ -7735,8 +7231,8 @@
             </p:nvSpPr>
             <p:spPr bwMode="auto">
               <a:xfrm>
-                <a:off x="2399473" y="28060047"/>
-                <a:ext cx="11520000" cy="13368416"/>
+                <a:off x="15762877" y="6722078"/>
+                <a:ext cx="11520000" cy="19921181"/>
               </a:xfrm>
               <a:prstGeom prst="rect">
                 <a:avLst/>
@@ -8558,52 +8054,6 @@
           </a:p>
         </p:txBody>
       </p:sp>
-      <p:sp>
-        <p:nvSpPr>
-          <p:cNvPr id="9" name="Oval 8"/>
-          <p:cNvSpPr/>
-          <p:nvPr/>
-        </p:nvSpPr>
-        <p:spPr>
-          <a:xfrm>
-            <a:off x="4348097" y="32712589"/>
-            <a:ext cx="492868" cy="217841"/>
-          </a:xfrm>
-          <a:prstGeom prst="ellipse">
-            <a:avLst/>
-          </a:prstGeom>
-          <a:solidFill>
-            <a:schemeClr val="bg1"/>
-          </a:solidFill>
-          <a:ln>
-            <a:noFill/>
-          </a:ln>
-        </p:spPr>
-        <p:style>
-          <a:lnRef idx="2">
-            <a:schemeClr val="accent1">
-              <a:shade val="50000"/>
-            </a:schemeClr>
-          </a:lnRef>
-          <a:fillRef idx="1">
-            <a:schemeClr val="accent1"/>
-          </a:fillRef>
-          <a:effectRef idx="0">
-            <a:schemeClr val="accent1"/>
-          </a:effectRef>
-          <a:fontRef idx="minor">
-            <a:schemeClr val="lt1"/>
-          </a:fontRef>
-        </p:style>
-        <p:txBody>
-          <a:bodyPr lIns="104498" tIns="52249" rIns="104498" bIns="52249" rtlCol="0" anchor="ctr"/>
-          <a:lstStyle/>
-          <a:p>
-            <a:pPr algn="ctr"/>
-            <a:endParaRPr lang="en-US" sz="9600"/>
-          </a:p>
-        </p:txBody>
-      </p:sp>
       <p:grpSp>
         <p:nvGrpSpPr>
           <p:cNvPr id="3" name="Group 2"/>
@@ -9603,6 +9053,374 @@
           </p:txBody>
         </p:sp>
       </p:grpSp>
+      <p:sp>
+        <p:nvSpPr>
+          <p:cNvPr id="15" name="Rectangle 14"/>
+          <p:cNvSpPr/>
+          <p:nvPr/>
+        </p:nvSpPr>
+        <p:spPr>
+          <a:xfrm>
+            <a:off x="3368480" y="39086123"/>
+            <a:ext cx="9584690" cy="2246769"/>
+          </a:xfrm>
+          <a:prstGeom prst="rect">
+            <a:avLst/>
+          </a:prstGeom>
+        </p:spPr>
+        <p:txBody>
+          <a:bodyPr wrap="square">
+            <a:spAutoFit/>
+          </a:bodyPr>
+          <a:lstStyle/>
+          <a:p>
+            <a:pPr algn="l" rtl="0"/>
+            <a:r>
+              <a:rPr lang="en-GB" sz="2000" b="1" kern="0" dirty="0">
+                <a:solidFill>
+                  <a:sysClr val="windowText" lastClr="000000"/>
+                </a:solidFill>
+                <a:latin typeface="Helvetica" pitchFamily="34" charset="0"/>
+                <a:cs typeface="Helvetica" pitchFamily="34" charset="0"/>
+              </a:rPr>
+              <a:t>Figure </a:t>
+            </a:r>
+            <a:r>
+              <a:rPr lang="en-GB" sz="2000" b="1" kern="0" dirty="0" smtClean="0">
+                <a:solidFill>
+                  <a:sysClr val="windowText" lastClr="000000"/>
+                </a:solidFill>
+                <a:latin typeface="Helvetica" pitchFamily="34" charset="0"/>
+                <a:cs typeface="Helvetica" pitchFamily="34" charset="0"/>
+              </a:rPr>
+              <a:t>2 </a:t>
+            </a:r>
+            <a:r>
+              <a:rPr lang="en-GB" sz="2000" b="1" kern="0" dirty="0">
+                <a:solidFill>
+                  <a:sysClr val="windowText" lastClr="000000"/>
+                </a:solidFill>
+                <a:latin typeface="Helvetica" pitchFamily="34" charset="0"/>
+                <a:cs typeface="Helvetica" pitchFamily="34" charset="0"/>
+              </a:rPr>
+              <a:t>– Fitness landscape illustration.</a:t>
+            </a:r>
+            <a:r>
+              <a:rPr lang="en-GB" sz="2000" kern="0" dirty="0">
+                <a:solidFill>
+                  <a:sysClr val="windowText" lastClr="000000"/>
+                </a:solidFill>
+                <a:latin typeface="Helvetica" pitchFamily="34" charset="0"/>
+                <a:cs typeface="Helvetica" pitchFamily="34" charset="0"/>
+              </a:rPr>
+              <a:t> </a:t>
+            </a:r>
+            <a:r>
+              <a:rPr lang="en-GB" sz="2000" kern="0" dirty="0">
+                <a:solidFill>
+                  <a:sysClr val="windowText" lastClr="000000"/>
+                </a:solidFill>
+                <a:latin typeface="Helvetica" pitchFamily="34" charset="0"/>
+                <a:cs typeface="Helvetica" pitchFamily="34" charset="0"/>
+              </a:rPr>
+              <a:t>Each node represent a specific genotype. Node labels specify the alleles at the</a:t>
+            </a:r>
+            <a:r>
+              <a:rPr lang="en-GB" sz="2000" i="1" kern="0" dirty="0">
+                <a:solidFill>
+                  <a:sysClr val="windowText" lastClr="000000"/>
+                </a:solidFill>
+                <a:latin typeface="Helvetica" pitchFamily="34" charset="0"/>
+                <a:cs typeface="Helvetica" pitchFamily="34" charset="0"/>
+              </a:rPr>
+              <a:t> A/a </a:t>
+            </a:r>
+            <a:r>
+              <a:rPr lang="en-GB" sz="2000" kern="0" dirty="0">
+                <a:solidFill>
+                  <a:sysClr val="windowText" lastClr="000000"/>
+                </a:solidFill>
+                <a:latin typeface="Helvetica" pitchFamily="34" charset="0"/>
+                <a:cs typeface="Helvetica" pitchFamily="34" charset="0"/>
+              </a:rPr>
+              <a:t>and </a:t>
+            </a:r>
+            <a:r>
+              <a:rPr lang="en-GB" sz="2000" i="1" kern="0" dirty="0">
+                <a:solidFill>
+                  <a:sysClr val="windowText" lastClr="000000"/>
+                </a:solidFill>
+                <a:latin typeface="Helvetica" pitchFamily="34" charset="0"/>
+                <a:cs typeface="Helvetica" pitchFamily="34" charset="0"/>
+              </a:rPr>
+              <a:t>B/b</a:t>
+            </a:r>
+            <a:r>
+              <a:rPr lang="en-GB" sz="2000" kern="0" dirty="0">
+                <a:solidFill>
+                  <a:sysClr val="windowText" lastClr="000000"/>
+                </a:solidFill>
+                <a:latin typeface="Helvetica" pitchFamily="34" charset="0"/>
+                <a:cs typeface="Helvetica" pitchFamily="34" charset="0"/>
+              </a:rPr>
+              <a:t> loci and the number of additional deleterious alleles after the forward slash, but only as much as 3 deleterious mutations are shown to keep the figure simple. Arrows define the direction of mutation and their labels denote the relevant mutation rate. Node </a:t>
+            </a:r>
+            <a:r>
+              <a:rPr lang="en-GB" sz="2000" kern="0" dirty="0" err="1">
+                <a:solidFill>
+                  <a:sysClr val="windowText" lastClr="000000"/>
+                </a:solidFill>
+                <a:latin typeface="Helvetica" pitchFamily="34" charset="0"/>
+                <a:cs typeface="Helvetica" pitchFamily="34" charset="0"/>
+              </a:rPr>
+              <a:t>color</a:t>
+            </a:r>
+            <a:r>
+              <a:rPr lang="en-GB" sz="2000" kern="0" dirty="0">
+                <a:solidFill>
+                  <a:sysClr val="windowText" lastClr="000000"/>
+                </a:solidFill>
+                <a:latin typeface="Helvetica" pitchFamily="34" charset="0"/>
+                <a:cs typeface="Helvetica" pitchFamily="34" charset="0"/>
+              </a:rPr>
+              <a:t> indicates the fitness of a genotype, from pale brown for optimal fitness (</a:t>
+            </a:r>
+            <a:r>
+              <a:rPr lang="en-GB" sz="2000" i="1" kern="0" dirty="0">
+                <a:solidFill>
+                  <a:sysClr val="windowText" lastClr="000000"/>
+                </a:solidFill>
+                <a:latin typeface="Helvetica" pitchFamily="34" charset="0"/>
+                <a:cs typeface="Helvetica" pitchFamily="34" charset="0"/>
+              </a:rPr>
+              <a:t>1+sH</a:t>
+            </a:r>
+            <a:r>
+              <a:rPr lang="en-GB" sz="2000" kern="0" dirty="0">
+                <a:solidFill>
+                  <a:sysClr val="windowText" lastClr="000000"/>
+                </a:solidFill>
+                <a:latin typeface="Helvetica" pitchFamily="34" charset="0"/>
+                <a:cs typeface="Helvetica" pitchFamily="34" charset="0"/>
+              </a:rPr>
+              <a:t>) to dark brown for lower fitness (</a:t>
+            </a:r>
+            <a:r>
+              <a:rPr lang="en-GB" sz="2000" i="1" kern="0" dirty="0">
+                <a:solidFill>
+                  <a:sysClr val="windowText" lastClr="000000"/>
+                </a:solidFill>
+                <a:latin typeface="Helvetica" pitchFamily="34" charset="0"/>
+                <a:cs typeface="Helvetica" pitchFamily="34" charset="0"/>
+              </a:rPr>
+              <a:t>(1-s)</a:t>
+            </a:r>
+            <a:r>
+              <a:rPr lang="en-GB" sz="2000" i="1" kern="0" baseline="30000" dirty="0">
+                <a:solidFill>
+                  <a:sysClr val="windowText" lastClr="000000"/>
+                </a:solidFill>
+                <a:latin typeface="Helvetica" pitchFamily="34" charset="0"/>
+                <a:cs typeface="Helvetica" pitchFamily="34" charset="0"/>
+              </a:rPr>
+              <a:t>3</a:t>
+            </a:r>
+            <a:r>
+              <a:rPr lang="en-GB" sz="2000" i="1" kern="0" dirty="0">
+                <a:solidFill>
+                  <a:sysClr val="windowText" lastClr="000000"/>
+                </a:solidFill>
+                <a:latin typeface="Helvetica" pitchFamily="34" charset="0"/>
+                <a:cs typeface="Helvetica" pitchFamily="34" charset="0"/>
+              </a:rPr>
+              <a:t>)</a:t>
+            </a:r>
+            <a:r>
+              <a:rPr lang="en-GB" sz="2000" kern="0" dirty="0">
+                <a:solidFill>
+                  <a:sysClr val="windowText" lastClr="000000"/>
+                </a:solidFill>
+                <a:latin typeface="Helvetica" pitchFamily="34" charset="0"/>
+                <a:cs typeface="Helvetica" pitchFamily="34" charset="0"/>
+              </a:rPr>
+              <a:t> – see the </a:t>
+            </a:r>
+            <a:r>
+              <a:rPr lang="en-GB" sz="2000" kern="0" dirty="0" err="1">
+                <a:solidFill>
+                  <a:sysClr val="windowText" lastClr="000000"/>
+                </a:solidFill>
+                <a:latin typeface="Helvetica" pitchFamily="34" charset="0"/>
+                <a:cs typeface="Helvetica" pitchFamily="34" charset="0"/>
+              </a:rPr>
+              <a:t>colorbar</a:t>
+            </a:r>
+            <a:r>
+              <a:rPr lang="en-GB" sz="2000" kern="0" dirty="0">
+                <a:solidFill>
+                  <a:sysClr val="windowText" lastClr="000000"/>
+                </a:solidFill>
+                <a:latin typeface="Helvetica" pitchFamily="34" charset="0"/>
+                <a:cs typeface="Helvetica" pitchFamily="34" charset="0"/>
+              </a:rPr>
+              <a:t>. </a:t>
+            </a:r>
+            <a:r>
+              <a:rPr lang="en-GB" sz="2000" kern="0" dirty="0" smtClean="0">
+                <a:solidFill>
+                  <a:sysClr val="windowText" lastClr="000000"/>
+                </a:solidFill>
+                <a:latin typeface="Helvetica" pitchFamily="34" charset="0"/>
+                <a:cs typeface="Helvetica" pitchFamily="34" charset="0"/>
+              </a:rPr>
+              <a:t>Parameters: </a:t>
+            </a:r>
+            <a:r>
+              <a:rPr lang="en-GB" sz="2000" kern="0" dirty="0">
+                <a:solidFill>
+                  <a:sysClr val="windowText" lastClr="000000"/>
+                </a:solidFill>
+                <a:latin typeface="Helvetica" pitchFamily="34" charset="0"/>
+                <a:cs typeface="Helvetica" pitchFamily="34" charset="0"/>
+              </a:rPr>
+              <a:t>s=0.01, H=2.</a:t>
+            </a:r>
+            <a:endParaRPr lang="he-IL" sz="2000" kern="0" dirty="0">
+              <a:solidFill>
+                <a:sysClr val="windowText" lastClr="000000"/>
+              </a:solidFill>
+              <a:latin typeface="Helvetica" pitchFamily="34" charset="0"/>
+              <a:cs typeface="Helvetica" pitchFamily="34" charset="0"/>
+            </a:endParaRPr>
+          </a:p>
+        </p:txBody>
+      </p:sp>
+      <p:grpSp>
+        <p:nvGrpSpPr>
+          <p:cNvPr id="17" name="Group 16"/>
+          <p:cNvGrpSpPr/>
+          <p:nvPr/>
+        </p:nvGrpSpPr>
+        <p:grpSpPr>
+          <a:xfrm>
+            <a:off x="5328892" y="32043498"/>
+            <a:ext cx="5661117" cy="6986478"/>
+            <a:chOff x="18137188" y="16166796"/>
+            <a:chExt cx="5303858" cy="6300000"/>
+          </a:xfrm>
+        </p:grpSpPr>
+        <p:pic>
+          <p:nvPicPr>
+            <p:cNvPr id="1025" name="Picture 1" descr="D:\workspace\ruggedsim\manuscript\fitness_landscape.png"/>
+            <p:cNvPicPr>
+              <a:picLocks noChangeAspect="1" noChangeArrowheads="1"/>
+            </p:cNvPicPr>
+            <p:nvPr/>
+          </p:nvPicPr>
+          <p:blipFill>
+            <a:blip r:embed="rId8">
+              <a:extLst>
+                <a:ext uri="{28A0092B-C50C-407E-A947-70E740481C1C}">
+                  <a14:useLocalDpi xmlns:a14="http://schemas.microsoft.com/office/drawing/2010/main" val="0"/>
+                </a:ext>
+              </a:extLst>
+            </a:blip>
+            <a:srcRect/>
+            <a:stretch>
+              <a:fillRect/>
+            </a:stretch>
+          </p:blipFill>
+          <p:spPr bwMode="auto">
+            <a:xfrm>
+              <a:off x="18137188" y="16202025"/>
+              <a:ext cx="4152900" cy="6143625"/>
+            </a:xfrm>
+            <a:prstGeom prst="rect">
+              <a:avLst/>
+            </a:prstGeom>
+            <a:noFill/>
+            <a:extLst>
+              <a:ext uri="{909E8E84-426E-40DD-AFC4-6F175D3DCCD1}">
+                <a14:hiddenFill xmlns:a14="http://schemas.microsoft.com/office/drawing/2010/main">
+                  <a:solidFill>
+                    <a:srgbClr val="FFFFFF"/>
+                  </a:solidFill>
+                </a14:hiddenFill>
+              </a:ext>
+            </a:extLst>
+          </p:spPr>
+        </p:pic>
+        <p:pic>
+          <p:nvPicPr>
+            <p:cNvPr id="16" name="Picture 2" descr="D:\workspace\ruggedsim\manuscript\fitness_landscape_colorbar.png"/>
+            <p:cNvPicPr>
+              <a:picLocks noChangeAspect="1" noChangeArrowheads="1"/>
+            </p:cNvPicPr>
+            <p:nvPr/>
+          </p:nvPicPr>
+          <p:blipFill rotWithShape="1">
+            <a:blip r:embed="rId9">
+              <a:extLst>
+                <a:ext uri="{28A0092B-C50C-407E-A947-70E740481C1C}">
+                  <a14:useLocalDpi xmlns:a14="http://schemas.microsoft.com/office/drawing/2010/main" val="0"/>
+                </a:ext>
+              </a:extLst>
+            </a:blip>
+            <a:srcRect l="77619" t="5537" r="16198" b="8115"/>
+            <a:stretch/>
+          </p:blipFill>
+          <p:spPr bwMode="auto">
+            <a:xfrm>
+              <a:off x="22538804" y="16166796"/>
+              <a:ext cx="902242" cy="6300000"/>
+            </a:xfrm>
+            <a:prstGeom prst="rect">
+              <a:avLst/>
+            </a:prstGeom>
+            <a:noFill/>
+            <a:extLst>
+              <a:ext uri="{909E8E84-426E-40DD-AFC4-6F175D3DCCD1}">
+                <a14:hiddenFill xmlns:a14="http://schemas.microsoft.com/office/drawing/2010/main">
+                  <a:solidFill>
+                    <a:srgbClr val="FFFFFF"/>
+                  </a:solidFill>
+                </a14:hiddenFill>
+              </a:ext>
+            </a:extLst>
+          </p:spPr>
+        </p:pic>
+      </p:grpSp>
+      <p:sp>
+        <p:nvSpPr>
+          <p:cNvPr id="56" name="TextBox 55"/>
+          <p:cNvSpPr txBox="1"/>
+          <p:nvPr/>
+        </p:nvSpPr>
+        <p:spPr>
+          <a:xfrm>
+            <a:off x="8755658" y="31870227"/>
+            <a:ext cx="3269978" cy="461665"/>
+          </a:xfrm>
+          <a:prstGeom prst="rect">
+            <a:avLst/>
+          </a:prstGeom>
+          <a:noFill/>
+        </p:spPr>
+        <p:txBody>
+          <a:bodyPr wrap="square" rtlCol="1">
+            <a:spAutoFit/>
+          </a:bodyPr>
+          <a:lstStyle/>
+          <a:p>
+            <a:pPr algn="ctr"/>
+            <a:r>
+              <a:rPr lang="en-US" sz="2400" dirty="0" smtClean="0"/>
+              <a:t>fitness</a:t>
+            </a:r>
+            <a:endParaRPr lang="he-IL" sz="2400" dirty="0"/>
+          </a:p>
+        </p:txBody>
+      </p:sp>
     </p:spTree>
     <p:extLst>
       <p:ext uri="{BB962C8B-B14F-4D97-AF65-F5344CB8AC3E}">

--- a/poster.pptx
+++ b/poster.pptx
@@ -3278,7 +3278,7 @@
         </p:nvSpPr>
         <p:spPr bwMode="auto">
           <a:xfrm>
-            <a:off x="1200001" y="759375"/>
+            <a:off x="792388" y="759375"/>
             <a:ext cx="40800000" cy="41680575"/>
           </a:xfrm>
           <a:prstGeom prst="rect">
@@ -4478,7 +4478,7 @@
         </p:nvSpPr>
         <p:spPr bwMode="auto">
           <a:xfrm>
-            <a:off x="14257884" y="28299444"/>
+            <a:off x="15721157" y="28060045"/>
             <a:ext cx="11520000" cy="13368417"/>
           </a:xfrm>
           <a:prstGeom prst="rect">
@@ -4616,13 +4616,18 @@
               <a:defRPr/>
             </a:pPr>
             <a:r>
-              <a:rPr lang="en-US" sz="4400" b="1" kern="0" dirty="0">
+              <a:rPr lang="en-US" sz="4400" b="1" kern="0" smtClean="0">
                 <a:solidFill>
                   <a:schemeClr val="accent2"/>
                 </a:solidFill>
               </a:rPr>
-              <a:t>Stochastic results</a:t>
-            </a:r>
+              <a:t>Simulations</a:t>
+            </a:r>
+            <a:endParaRPr lang="en-US" sz="4400" b="1" kern="0" dirty="0">
+              <a:solidFill>
+                <a:schemeClr val="accent2"/>
+              </a:solidFill>
+            </a:endParaRPr>
           </a:p>
         </p:txBody>
       </p:sp>
@@ -4803,11 +4808,10 @@
               <a:defRPr/>
             </a:pPr>
             <a:r>
-              <a:rPr lang="en-US" sz="4400" b="1" kern="0" dirty="0" smtClean="0">
+              <a:rPr lang="en-US" sz="4400" b="1" kern="0" dirty="0">
                 <a:solidFill>
                   <a:schemeClr val="accent2"/>
                 </a:solidFill>
-                <a:latin typeface="+mn-lt"/>
               </a:rPr>
               <a:t>Background</a:t>
             </a:r>
@@ -4815,7 +4819,6 @@
               <a:solidFill>
                 <a:schemeClr val="accent2"/>
               </a:solidFill>
-              <a:latin typeface="+mn-lt"/>
             </a:endParaRPr>
           </a:p>
           <a:p>
@@ -5803,7 +5806,7 @@
         <p:spPr bwMode="auto">
           <a:xfrm>
             <a:off x="2400000" y="28060049"/>
-            <a:ext cx="11520000" cy="13607811"/>
+            <a:ext cx="11520000" cy="13368413"/>
           </a:xfrm>
           <a:prstGeom prst="rect">
             <a:avLst/>
@@ -6268,7 +6271,7 @@
                       <a:schemeClr val="accent2"/>
                     </a:solidFill>
                   </a:rPr>
-                  <a:t>Results</a:t>
+                  <a:t>Analytic Results</a:t>
                 </a:r>
               </a:p>
               <a:p>
@@ -6276,34 +6279,48 @@
                   <a:defRPr/>
                 </a:pPr>
                 <a:r>
-                  <a:rPr lang="en-US" sz="2800" b="1" kern="0" dirty="0" smtClean="0">
+                  <a:rPr lang="en-US" b="1" kern="0" dirty="0">
+                    <a:solidFill>
+                      <a:schemeClr val="accent2"/>
+                    </a:solidFill>
+                  </a:rPr>
+                  <a:t>The appearance </a:t>
+                </a:r>
+                <a:r>
+                  <a:rPr lang="en-US" b="1" kern="0" dirty="0">
+                    <a:solidFill>
+                      <a:schemeClr val="accent2"/>
+                    </a:solidFill>
+                  </a:rPr>
+                  <a:t>probability </a:t>
+                </a:r>
+                <a:r>
+                  <a:rPr lang="en-US" b="1" i="1" kern="0" dirty="0">
+                    <a:solidFill>
+                      <a:schemeClr val="accent2"/>
+                    </a:solidFill>
+                  </a:rPr>
+                  <a:t>q</a:t>
+                </a:r>
+                <a:r>
+                  <a:rPr lang="en-US" b="1" kern="0" dirty="0">
+                    <a:solidFill>
+                      <a:schemeClr val="accent2"/>
+                    </a:solidFill>
+                  </a:rPr>
+                  <a:t> </a:t>
+                </a:r>
+                <a:r>
+                  <a:rPr lang="en-US" sz="2800" kern="0" dirty="0" smtClean="0">
                     <a:solidFill>
                       <a:srgbClr val="000000"/>
                     </a:solidFill>
                     <a:latin typeface="+mn-lt"/>
                   </a:rPr>
-                  <a:t>The time for appearance </a:t>
+                  <a:t>of the double mutant </a:t>
                 </a:r>
                 <a:r>
-                  <a:rPr lang="en-US" sz="2800" b="1" i="1" kern="0" dirty="0" smtClean="0">
-                    <a:solidFill>
-                      <a:srgbClr val="000000"/>
-                    </a:solidFill>
-                    <a:latin typeface="+mn-lt"/>
-                  </a:rPr>
-                  <a:t>q</a:t>
-                </a:r>
-                <a:r>
-                  <a:rPr lang="en-US" sz="2800" b="1" kern="0" dirty="0" smtClean="0">
-                    <a:solidFill>
-                      <a:srgbClr val="000000"/>
-                    </a:solidFill>
-                    <a:latin typeface="+mn-lt"/>
-                  </a:rPr>
-                  <a:t> of the double mutant </a:t>
-                </a:r>
-                <a:r>
-                  <a:rPr lang="en-US" sz="2800" b="1" i="1" kern="0" dirty="0" smtClean="0">
+                  <a:rPr lang="en-US" sz="2800" i="1" kern="0" dirty="0" smtClean="0">
                     <a:solidFill>
                       <a:srgbClr val="000000"/>
                     </a:solidFill>
@@ -6803,13 +6820,22 @@
                   <a:t>s</a:t>
                 </a:r>
                 <a:r>
+                  <a:rPr lang="en-US" sz="2800" kern="0" dirty="0">
+                    <a:solidFill>
+                      <a:srgbClr val="000000"/>
+                    </a:solidFill>
+                    <a:latin typeface="+mn-lt"/>
+                  </a:rPr>
+                  <a:t> is the </a:t>
+                </a:r>
+                <a:r>
                   <a:rPr lang="en-US" sz="2800" kern="0" dirty="0" smtClean="0">
                     <a:solidFill>
                       <a:srgbClr val="000000"/>
                     </a:solidFill>
                     <a:latin typeface="+mn-lt"/>
                   </a:rPr>
-                  <a:t> is the selection coefficient (the average effect of a deleterious mutation on fitness).</a:t>
+                  <a:t>selection.</a:t>
                 </a:r>
               </a:p>
               <a:p>
@@ -6817,47 +6843,75 @@
                   <a:defRPr/>
                 </a:pPr>
                 <a:r>
-                  <a:rPr lang="en-US" sz="2800" b="1" kern="0" dirty="0" smtClean="0">
+                  <a:rPr lang="en-US" sz="2800" kern="0" dirty="0" smtClean="0">
                     <a:solidFill>
                       <a:srgbClr val="000000"/>
                     </a:solidFill>
                     <a:latin typeface="+mn-lt"/>
                   </a:rPr>
-                  <a:t>The fixation time </a:t>
+                  <a:t>It can be shown that </a:t>
                 </a:r>
+                <a14:m>
+                  <m:oMath xmlns:m="http://schemas.openxmlformats.org/officeDocument/2006/math">
+                    <m:sSub>
+                      <m:sSubPr>
+                        <m:ctrlPr>
+                          <a:rPr lang="en-US" sz="2800" i="1" kern="0">
+                            <a:solidFill>
+                              <a:srgbClr val="000000"/>
+                            </a:solidFill>
+                            <a:latin typeface="Cambria Math"/>
+                          </a:rPr>
+                        </m:ctrlPr>
+                      </m:sSubPr>
+                      <m:e>
+                        <m:r>
+                          <a:rPr lang="en-US" sz="2800" i="1" kern="0">
+                            <a:solidFill>
+                              <a:srgbClr val="000000"/>
+                            </a:solidFill>
+                            <a:latin typeface="Cambria Math"/>
+                          </a:rPr>
+                          <m:t>𝑞</m:t>
+                        </m:r>
+                      </m:e>
+                      <m:sub>
+                        <m:r>
+                          <a:rPr lang="en-US" sz="2800" i="1" kern="0">
+                            <a:solidFill>
+                              <a:srgbClr val="000000"/>
+                            </a:solidFill>
+                            <a:latin typeface="Cambria Math"/>
+                          </a:rPr>
+                          <m:t>𝑠𝑖𝑚</m:t>
+                        </m:r>
+                      </m:sub>
+                    </m:sSub>
+                    <m:r>
+                      <a:rPr lang="en-US" sz="2800" b="0" i="1" kern="0" smtClean="0">
+                        <a:solidFill>
+                          <a:srgbClr val="000000"/>
+                        </a:solidFill>
+                        <a:latin typeface="Cambria Math"/>
+                      </a:rPr>
+                      <m:t>&gt;</m:t>
+                    </m:r>
+                    <m:r>
+                      <a:rPr lang="en-US" sz="2800" b="0" i="1" kern="0" smtClean="0">
+                        <a:solidFill>
+                          <a:srgbClr val="000000"/>
+                        </a:solidFill>
+                        <a:latin typeface="Cambria Math"/>
+                      </a:rPr>
+                      <m:t>𝑞</m:t>
+                    </m:r>
+                  </m:oMath>
+                </a14:m>
                 <a:r>
-                  <a:rPr lang="el-GR" sz="2800" b="1" i="1" kern="0" dirty="0" smtClean="0">
+                  <a:rPr lang="en-US" sz="2800" kern="0" dirty="0">
                     <a:solidFill>
                       <a:srgbClr val="000000"/>
                     </a:solidFill>
-                    <a:latin typeface="+mn-lt"/>
-                  </a:rPr>
-                  <a:t>ρ</a:t>
-                </a:r>
-                <a:r>
-                  <a:rPr lang="en-US" sz="2800" b="1" kern="0" dirty="0" smtClean="0">
-                    <a:solidFill>
-                      <a:srgbClr val="000000"/>
-                    </a:solidFill>
-                    <a:latin typeface="+mn-lt"/>
-                  </a:rPr>
-                  <a:t> of the double mutant </a:t>
-                </a:r>
-                <a:r>
-                  <a:rPr lang="en-US" sz="2800" b="1" i="1" kern="0" dirty="0" smtClean="0">
-                    <a:solidFill>
-                      <a:srgbClr val="000000"/>
-                    </a:solidFill>
-                    <a:latin typeface="+mn-lt"/>
-                  </a:rPr>
-                  <a:t>AB</a:t>
-                </a:r>
-                <a:r>
-                  <a:rPr lang="en-US" sz="2800" b="1" kern="0" dirty="0" smtClean="0">
-                    <a:solidFill>
-                      <a:srgbClr val="000000"/>
-                    </a:solidFill>
-                    <a:latin typeface="+mn-lt"/>
                   </a:rPr>
                   <a:t> </a:t>
                 </a:r>
@@ -6868,7 +6922,190 @@
                     </a:solidFill>
                     <a:latin typeface="+mn-lt"/>
                   </a:rPr>
-                  <a:t>can be approximated as well:</a:t>
+                  <a:t>if </a:t>
+                </a:r>
+                <a14:m>
+                  <m:oMath xmlns:m="http://schemas.openxmlformats.org/officeDocument/2006/math">
+                    <m:sSup>
+                      <m:sSupPr>
+                        <m:ctrlPr>
+                          <a:rPr lang="en-US" sz="2800" b="0" i="1" kern="0" smtClean="0">
+                            <a:solidFill>
+                              <a:schemeClr val="accent2"/>
+                            </a:solidFill>
+                            <a:latin typeface="Cambria Math"/>
+                          </a:rPr>
+                        </m:ctrlPr>
+                      </m:sSupPr>
+                      <m:e>
+                        <m:r>
+                          <a:rPr lang="en-US" sz="2800" i="1" kern="0">
+                            <a:solidFill>
+                              <a:schemeClr val="accent2"/>
+                            </a:solidFill>
+                            <a:latin typeface="Cambria Math"/>
+                          </a:rPr>
+                          <m:t>𝑈</m:t>
+                        </m:r>
+                      </m:e>
+                      <m:sup>
+                        <m:r>
+                          <a:rPr lang="en-US" sz="2800" b="0" i="1" kern="0" smtClean="0">
+                            <a:solidFill>
+                              <a:schemeClr val="tx1"/>
+                            </a:solidFill>
+                            <a:latin typeface="Cambria Math"/>
+                          </a:rPr>
+                          <m:t>−</m:t>
+                        </m:r>
+                        <m:r>
+                          <a:rPr lang="en-US" sz="2800" b="0" i="1" kern="0" smtClean="0">
+                            <a:solidFill>
+                              <a:schemeClr val="tx1"/>
+                            </a:solidFill>
+                            <a:latin typeface="Cambria Math"/>
+                          </a:rPr>
+                          <m:t>1</m:t>
+                        </m:r>
+                      </m:sup>
+                    </m:sSup>
+                    <m:r>
+                      <a:rPr lang="en-US" sz="2800" b="0" i="1" kern="0" smtClean="0">
+                        <a:solidFill>
+                          <a:schemeClr val="tx1"/>
+                        </a:solidFill>
+                        <a:latin typeface="Cambria Math"/>
+                      </a:rPr>
+                      <m:t>/</m:t>
+                    </m:r>
+                    <m:r>
+                      <a:rPr lang="en-US" sz="2800" b="0" i="1" kern="0" smtClean="0">
+                        <a:solidFill>
+                          <a:schemeClr val="tx1"/>
+                        </a:solidFill>
+                        <a:latin typeface="Cambria Math"/>
+                      </a:rPr>
+                      <m:t>2</m:t>
+                    </m:r>
+                    <m:r>
+                      <a:rPr lang="en-US" sz="2800" b="0" i="1" kern="0" smtClean="0">
+                        <a:solidFill>
+                          <a:schemeClr val="tx1"/>
+                        </a:solidFill>
+                        <a:latin typeface="Cambria Math"/>
+                      </a:rPr>
+                      <m:t>&gt;</m:t>
+                    </m:r>
+                    <m:r>
+                      <a:rPr lang="en-US" sz="2800" b="0" i="1" kern="0" smtClean="0">
+                        <a:solidFill>
+                          <a:schemeClr val="accent6"/>
+                        </a:solidFill>
+                        <a:latin typeface="Cambria Math"/>
+                      </a:rPr>
+                      <m:t>𝜏</m:t>
+                    </m:r>
+                    <m:r>
+                      <a:rPr lang="en-US" sz="2800" b="0" i="1" kern="0" smtClean="0">
+                        <a:solidFill>
+                          <a:schemeClr val="tx1"/>
+                        </a:solidFill>
+                        <a:latin typeface="Cambria Math"/>
+                      </a:rPr>
+                      <m:t>&gt;</m:t>
+                    </m:r>
+                    <m:r>
+                      <a:rPr lang="en-US" sz="2800" b="0" i="1" kern="0" smtClean="0">
+                        <a:solidFill>
+                          <a:schemeClr val="tx1"/>
+                        </a:solidFill>
+                        <a:latin typeface="Cambria Math"/>
+                      </a:rPr>
+                      <m:t>1</m:t>
+                    </m:r>
+                    <m:r>
+                      <a:rPr lang="en-US" sz="2800" b="0" i="1" kern="0" smtClean="0">
+                        <a:solidFill>
+                          <a:schemeClr val="tx1"/>
+                        </a:solidFill>
+                        <a:latin typeface="Cambria Math"/>
+                      </a:rPr>
+                      <m:t>.</m:t>
+                    </m:r>
+                  </m:oMath>
+                </a14:m>
+                <a:endParaRPr lang="en-US" sz="2800" kern="0" dirty="0">
+                  <a:solidFill>
+                    <a:srgbClr val="000000"/>
+                  </a:solidFill>
+                  <a:latin typeface="+mn-lt"/>
+                </a:endParaRPr>
+              </a:p>
+              <a:p>
+                <a:pPr indent="205704" algn="l" defTabSz="908920" rtl="0">
+                  <a:defRPr/>
+                </a:pPr>
+                <a:endParaRPr lang="en-US" sz="2800" kern="0" dirty="0" smtClean="0">
+                  <a:solidFill>
+                    <a:srgbClr val="000000"/>
+                  </a:solidFill>
+                  <a:latin typeface="+mn-lt"/>
+                </a:endParaRPr>
+              </a:p>
+              <a:p>
+                <a:pPr indent="205704" algn="l" defTabSz="908920" rtl="0">
+                  <a:defRPr/>
+                </a:pPr>
+                <a:r>
+                  <a:rPr lang="en-US" b="1" kern="0" dirty="0">
+                    <a:solidFill>
+                      <a:schemeClr val="accent2"/>
+                    </a:solidFill>
+                  </a:rPr>
+                  <a:t>The fixation probability </a:t>
+                </a:r>
+                <a:r>
+                  <a:rPr lang="el-GR" b="1" i="1" kern="0" dirty="0">
+                    <a:solidFill>
+                      <a:schemeClr val="accent2"/>
+                    </a:solidFill>
+                  </a:rPr>
+                  <a:t>ρ</a:t>
+                </a:r>
+                <a:r>
+                  <a:rPr lang="en-US" b="1" kern="0" dirty="0">
+                    <a:solidFill>
+                      <a:schemeClr val="accent2"/>
+                    </a:solidFill>
+                  </a:rPr>
+                  <a:t> </a:t>
+                </a:r>
+                <a:r>
+                  <a:rPr lang="en-US" sz="2800" kern="0" dirty="0" smtClean="0">
+                    <a:solidFill>
+                      <a:srgbClr val="000000"/>
+                    </a:solidFill>
+                    <a:latin typeface="+mn-lt"/>
+                  </a:rPr>
+                  <a:t>of the double mutant </a:t>
+                </a:r>
+                <a:r>
+                  <a:rPr lang="en-US" sz="2800" i="1" kern="0" dirty="0" smtClean="0">
+                    <a:solidFill>
+                      <a:srgbClr val="000000"/>
+                    </a:solidFill>
+                    <a:latin typeface="+mn-lt"/>
+                  </a:rPr>
+                  <a:t>AB</a:t>
+                </a:r>
+                <a:r>
+                  <a:rPr lang="en-US" sz="2800" kern="0" dirty="0" smtClean="0">
+                    <a:solidFill>
+                      <a:srgbClr val="000000"/>
+                    </a:solidFill>
+                    <a:latin typeface="+mn-lt"/>
+                  </a:rPr>
+                  <a:t> can be approximated as well:</a:t>
                 </a:r>
               </a:p>
               <a:p>
@@ -7214,8 +7451,1110 @@
                     </a:solidFill>
                     <a:latin typeface="+mn-lt"/>
                   </a:rPr>
-                  <a:t> is the relative selective advantage of the double mutant.</a:t>
+                  <a:t> is the relative selective advantage of the double mutant. </a:t>
                 </a:r>
+              </a:p>
+              <a:p>
+                <a:pPr indent="205704" algn="l" defTabSz="908920" rtl="0">
+                  <a:defRPr/>
+                </a:pPr>
+                <a:r>
+                  <a:rPr lang="en-US" sz="2800" kern="0" dirty="0" smtClean="0">
+                    <a:solidFill>
+                      <a:srgbClr val="000000"/>
+                    </a:solidFill>
+                    <a:latin typeface="+mn-lt"/>
+                  </a:rPr>
+                  <a:t>It is easy to see that </a:t>
+                </a:r>
+                <a14:m>
+                  <m:oMath xmlns:m="http://schemas.openxmlformats.org/officeDocument/2006/math">
+                    <m:sSub>
+                      <m:sSubPr>
+                        <m:ctrlPr>
+                          <a:rPr lang="en-US" sz="2800" i="1" kern="0">
+                            <a:solidFill>
+                              <a:srgbClr val="000000"/>
+                            </a:solidFill>
+                            <a:latin typeface="Cambria Math"/>
+                          </a:rPr>
+                        </m:ctrlPr>
+                      </m:sSubPr>
+                      <m:e>
+                        <m:r>
+                          <a:rPr lang="en-US" sz="2800" i="1" kern="0">
+                            <a:solidFill>
+                              <a:srgbClr val="000000"/>
+                            </a:solidFill>
+                            <a:latin typeface="Cambria Math"/>
+                          </a:rPr>
+                          <m:t>𝜌</m:t>
+                        </m:r>
+                      </m:e>
+                      <m:sub>
+                        <m:r>
+                          <a:rPr lang="en-US" sz="2800" i="1" kern="0">
+                            <a:solidFill>
+                              <a:srgbClr val="000000"/>
+                            </a:solidFill>
+                            <a:latin typeface="Cambria Math"/>
+                          </a:rPr>
+                          <m:t>𝑠𝑖𝑚</m:t>
+                        </m:r>
+                      </m:sub>
+                    </m:sSub>
+                    <m:r>
+                      <a:rPr lang="en-US" sz="2800" b="0" i="1" kern="0" smtClean="0">
+                        <a:solidFill>
+                          <a:srgbClr val="000000"/>
+                        </a:solidFill>
+                        <a:latin typeface="Cambria Math"/>
+                      </a:rPr>
+                      <m:t>&gt;</m:t>
+                    </m:r>
+                    <m:r>
+                      <a:rPr lang="en-US" sz="2800" b="0" i="1" kern="0" smtClean="0">
+                        <a:solidFill>
+                          <a:srgbClr val="000000"/>
+                        </a:solidFill>
+                        <a:latin typeface="Cambria Math"/>
+                      </a:rPr>
+                      <m:t>𝜌</m:t>
+                    </m:r>
+                  </m:oMath>
+                </a14:m>
+                <a:r>
+                  <a:rPr lang="en-US" sz="2800" kern="0" dirty="0" smtClean="0">
+                    <a:solidFill>
+                      <a:srgbClr val="000000"/>
+                    </a:solidFill>
+                    <a:latin typeface="+mn-lt"/>
+                  </a:rPr>
+                  <a:t> if </a:t>
+                </a:r>
+                <a14:m>
+                  <m:oMath xmlns:m="http://schemas.openxmlformats.org/officeDocument/2006/math">
+                    <m:r>
+                      <a:rPr lang="en-US" sz="2800" i="1" kern="0">
+                        <a:solidFill>
+                          <a:schemeClr val="accent6"/>
+                        </a:solidFill>
+                        <a:latin typeface="Cambria Math"/>
+                      </a:rPr>
+                      <m:t>𝜏</m:t>
+                    </m:r>
+                    <m:r>
+                      <a:rPr lang="en-US" sz="2800" b="0" i="1" kern="0" smtClean="0">
+                        <a:solidFill>
+                          <a:srgbClr val="000000"/>
+                        </a:solidFill>
+                        <a:latin typeface="Cambria Math"/>
+                      </a:rPr>
+                      <m:t>&gt;</m:t>
+                    </m:r>
+                    <m:r>
+                      <a:rPr lang="en-US" sz="2800" b="0" i="1" kern="0" smtClean="0">
+                        <a:solidFill>
+                          <a:srgbClr val="000000"/>
+                        </a:solidFill>
+                        <a:latin typeface="Cambria Math"/>
+                      </a:rPr>
+                      <m:t>1</m:t>
+                    </m:r>
+                  </m:oMath>
+                </a14:m>
+                <a:r>
+                  <a:rPr lang="en-US" sz="2800" kern="0" dirty="0" smtClean="0">
+                    <a:solidFill>
+                      <a:srgbClr val="000000"/>
+                    </a:solidFill>
+                    <a:latin typeface="+mn-lt"/>
+                  </a:rPr>
+                  <a:t>.</a:t>
+                </a:r>
+              </a:p>
+              <a:p>
+                <a:pPr indent="205704" algn="l" defTabSz="908920" rtl="0">
+                  <a:defRPr/>
+                </a:pPr>
+                <a:endParaRPr lang="en-US" sz="2800" kern="0" dirty="0" smtClean="0">
+                  <a:solidFill>
+                    <a:srgbClr val="000000"/>
+                  </a:solidFill>
+                  <a:latin typeface="+mn-lt"/>
+                </a:endParaRPr>
+              </a:p>
+              <a:p>
+                <a:pPr indent="205704" algn="l" defTabSz="908920" rtl="0">
+                  <a:defRPr/>
+                </a:pPr>
+                <a:r>
+                  <a:rPr lang="en-US" b="1" kern="0" dirty="0" smtClean="0">
+                    <a:solidFill>
+                      <a:schemeClr val="accent2"/>
+                    </a:solidFill>
+                  </a:rPr>
+                  <a:t>The population </a:t>
+                </a:r>
+                <a:r>
+                  <a:rPr lang="en-US" b="1" kern="0" dirty="0">
+                    <a:solidFill>
+                      <a:schemeClr val="accent2"/>
+                    </a:solidFill>
+                  </a:rPr>
+                  <a:t>adaptation rate </a:t>
+                </a:r>
+                <a:r>
+                  <a:rPr lang="el-GR" b="1" i="1" kern="0" dirty="0">
+                    <a:solidFill>
+                      <a:schemeClr val="accent2"/>
+                    </a:solidFill>
+                  </a:rPr>
+                  <a:t>ν</a:t>
+                </a:r>
+                <a:r>
+                  <a:rPr lang="en-US" b="1" kern="0" dirty="0">
+                    <a:solidFill>
+                      <a:schemeClr val="accent2"/>
+                    </a:solidFill>
+                  </a:rPr>
+                  <a:t> </a:t>
+                </a:r>
+                <a:r>
+                  <a:rPr lang="en-US" sz="2800" kern="0" dirty="0" smtClean="0">
+                    <a:solidFill>
+                      <a:srgbClr val="000000"/>
+                    </a:solidFill>
+                    <a:latin typeface="+mn-lt"/>
+                  </a:rPr>
+                  <a:t>can be approximated by a geometric distribution with </a:t>
+                </a:r>
+                <a:r>
+                  <a:rPr lang="en-US" sz="2800" i="1" kern="0" dirty="0" smtClean="0">
+                    <a:solidFill>
+                      <a:srgbClr val="000000"/>
+                    </a:solidFill>
+                    <a:latin typeface="+mn-lt"/>
+                  </a:rPr>
+                  <a:t>1/</a:t>
+                </a:r>
+                <a:r>
+                  <a:rPr lang="en-US" sz="2800" i="1" kern="0" dirty="0" err="1" smtClean="0">
+                    <a:solidFill>
+                      <a:schemeClr val="accent6">
+                        <a:lumMod val="50000"/>
+                      </a:schemeClr>
+                    </a:solidFill>
+                    <a:latin typeface="+mn-lt"/>
+                  </a:rPr>
+                  <a:t>N</a:t>
+                </a:r>
+                <a:r>
+                  <a:rPr lang="en-US" sz="2800" i="1" kern="0" dirty="0" err="1" smtClean="0">
+                    <a:solidFill>
+                      <a:srgbClr val="000000"/>
+                    </a:solidFill>
+                    <a:latin typeface="+mn-lt"/>
+                  </a:rPr>
+                  <a:t>q</a:t>
+                </a:r>
+                <a:r>
+                  <a:rPr lang="el-GR" sz="2800" i="1" kern="0" dirty="0" smtClean="0">
+                    <a:solidFill>
+                      <a:srgbClr val="000000"/>
+                    </a:solidFill>
+                    <a:latin typeface="+mn-lt"/>
+                  </a:rPr>
+                  <a:t>ρ</a:t>
+                </a:r>
+                <a:r>
+                  <a:rPr lang="en-US" sz="2800" kern="0" dirty="0" smtClean="0">
+                    <a:solidFill>
+                      <a:srgbClr val="000000"/>
+                    </a:solidFill>
+                    <a:latin typeface="+mn-lt"/>
+                  </a:rPr>
+                  <a:t> as the probability, with </a:t>
+                </a:r>
+                <a:r>
+                  <a:rPr lang="en-US" sz="2800" i="1" kern="0" dirty="0" smtClean="0">
+                    <a:solidFill>
+                      <a:schemeClr val="accent6">
+                        <a:lumMod val="50000"/>
+                      </a:schemeClr>
+                    </a:solidFill>
+                    <a:latin typeface="+mn-lt"/>
+                  </a:rPr>
+                  <a:t>N </a:t>
+                </a:r>
+                <a:r>
+                  <a:rPr lang="en-US" sz="2800" kern="0" dirty="0" smtClean="0">
+                    <a:solidFill>
+                      <a:srgbClr val="000000"/>
+                    </a:solidFill>
+                    <a:latin typeface="+mn-lt"/>
+                  </a:rPr>
+                  <a:t>as the population size:</a:t>
+                </a:r>
+              </a:p>
+              <a:p>
+                <a:pPr indent="205704" algn="l" defTabSz="908920" rtl="0">
+                  <a:defRPr/>
+                </a:pPr>
+                <a14:m>
+                  <m:oMathPara xmlns:m="http://schemas.openxmlformats.org/officeDocument/2006/math">
+                    <m:oMathParaPr>
+                      <m:jc m:val="centerGroup"/>
+                    </m:oMathParaPr>
+                    <m:oMath xmlns:m="http://schemas.openxmlformats.org/officeDocument/2006/math">
+                      <m:r>
+                        <a:rPr lang="en-US" sz="2800" b="0" i="1" kern="0" smtClean="0">
+                          <a:solidFill>
+                            <a:srgbClr val="000000"/>
+                          </a:solidFill>
+                          <a:latin typeface="Cambria Math"/>
+                        </a:rPr>
+                        <m:t>𝜈</m:t>
+                      </m:r>
+                      <m:r>
+                        <a:rPr lang="en-US" sz="2800" b="0" i="1" kern="0" smtClean="0">
+                          <a:solidFill>
+                            <a:srgbClr val="000000"/>
+                          </a:solidFill>
+                          <a:latin typeface="Cambria Math"/>
+                        </a:rPr>
+                        <m:t>≈</m:t>
+                      </m:r>
+                      <m:r>
+                        <a:rPr lang="en-US" sz="2800" b="0" i="1" kern="0" smtClean="0">
+                          <a:solidFill>
+                            <a:srgbClr val="000000"/>
+                          </a:solidFill>
+                          <a:latin typeface="Cambria Math"/>
+                        </a:rPr>
+                        <m:t>2</m:t>
+                      </m:r>
+                      <m:r>
+                        <a:rPr lang="en-US" sz="2800" b="0" i="1" kern="0" smtClean="0">
+                          <a:solidFill>
+                            <a:schemeClr val="accent6">
+                              <a:lumMod val="50000"/>
+                            </a:schemeClr>
+                          </a:solidFill>
+                          <a:latin typeface="Cambria Math"/>
+                        </a:rPr>
+                        <m:t>𝑁</m:t>
+                      </m:r>
+                      <m:r>
+                        <a:rPr lang="en-US" sz="2800" b="0" i="1" kern="0" smtClean="0">
+                          <a:solidFill>
+                            <a:schemeClr val="accent4"/>
+                          </a:solidFill>
+                          <a:latin typeface="Cambria Math"/>
+                        </a:rPr>
+                        <m:t>𝐻</m:t>
+                      </m:r>
+                      <m:sSup>
+                        <m:sSupPr>
+                          <m:ctrlPr>
+                            <a:rPr lang="en-US" sz="2800" b="0" i="1" kern="0" smtClean="0">
+                              <a:solidFill>
+                                <a:srgbClr val="000000"/>
+                              </a:solidFill>
+                              <a:latin typeface="Cambria Math"/>
+                            </a:rPr>
+                          </m:ctrlPr>
+                        </m:sSupPr>
+                        <m:e>
+                          <m:r>
+                            <a:rPr lang="en-US" sz="2800" b="0" i="1" kern="0" smtClean="0">
+                              <a:solidFill>
+                                <a:schemeClr val="accent1"/>
+                              </a:solidFill>
+                              <a:latin typeface="Cambria Math"/>
+                            </a:rPr>
+                            <m:t>𝜇</m:t>
+                          </m:r>
+                        </m:e>
+                        <m:sup>
+                          <m:r>
+                            <a:rPr lang="en-US" sz="2800" b="0" i="1" kern="0" smtClean="0">
+                              <a:solidFill>
+                                <a:srgbClr val="000000"/>
+                              </a:solidFill>
+                              <a:latin typeface="Cambria Math"/>
+                            </a:rPr>
+                            <m:t>2</m:t>
+                          </m:r>
+                        </m:sup>
+                      </m:sSup>
+                      <m:d>
+                        <m:dPr>
+                          <m:ctrlPr>
+                            <a:rPr lang="en-US" sz="2800" b="0" i="1" kern="0" smtClean="0">
+                              <a:solidFill>
+                                <a:srgbClr val="000000"/>
+                              </a:solidFill>
+                              <a:latin typeface="Cambria Math"/>
+                            </a:rPr>
+                          </m:ctrlPr>
+                        </m:dPr>
+                        <m:e>
+                          <m:r>
+                            <a:rPr lang="en-US" sz="2800" b="0" i="1" kern="0" smtClean="0">
+                              <a:solidFill>
+                                <a:srgbClr val="000000"/>
+                              </a:solidFill>
+                              <a:latin typeface="Cambria Math"/>
+                            </a:rPr>
+                            <m:t>1</m:t>
+                          </m:r>
+                          <m:r>
+                            <a:rPr lang="en-US" sz="2800" b="0" i="1" kern="0" smtClean="0">
+                              <a:solidFill>
+                                <a:srgbClr val="000000"/>
+                              </a:solidFill>
+                              <a:latin typeface="Cambria Math"/>
+                            </a:rPr>
+                            <m:t>−</m:t>
+                          </m:r>
+                          <m:r>
+                            <a:rPr lang="en-US" sz="2800" b="0" i="1" kern="0" smtClean="0">
+                              <a:solidFill>
+                                <a:schemeClr val="accent2"/>
+                              </a:solidFill>
+                              <a:latin typeface="Cambria Math"/>
+                            </a:rPr>
+                            <m:t>𝑈</m:t>
+                          </m:r>
+                        </m:e>
+                      </m:d>
+                      <m:d>
+                        <m:dPr>
+                          <m:ctrlPr>
+                            <a:rPr lang="en-US" sz="2800" b="0" i="1" kern="0" smtClean="0">
+                              <a:solidFill>
+                                <a:srgbClr val="000000"/>
+                              </a:solidFill>
+                              <a:latin typeface="Cambria Math"/>
+                            </a:rPr>
+                          </m:ctrlPr>
+                        </m:dPr>
+                        <m:e>
+                          <m:r>
+                            <a:rPr lang="en-US" sz="2800" b="0" i="1" kern="0" smtClean="0">
+                              <a:solidFill>
+                                <a:srgbClr val="000000"/>
+                              </a:solidFill>
+                              <a:latin typeface="Cambria Math"/>
+                            </a:rPr>
+                            <m:t>2</m:t>
+                          </m:r>
+                          <m:r>
+                            <a:rPr lang="en-US" sz="2800" b="0" i="1" kern="0" smtClean="0">
+                              <a:solidFill>
+                                <a:srgbClr val="000000"/>
+                              </a:solidFill>
+                              <a:latin typeface="Cambria Math"/>
+                            </a:rPr>
+                            <m:t>−</m:t>
+                          </m:r>
+                          <m:r>
+                            <a:rPr lang="en-US" sz="2800" b="0" i="1" kern="0" smtClean="0">
+                              <a:solidFill>
+                                <a:schemeClr val="accent2"/>
+                              </a:solidFill>
+                              <a:latin typeface="Cambria Math"/>
+                            </a:rPr>
+                            <m:t>𝑈</m:t>
+                          </m:r>
+                        </m:e>
+                      </m:d>
+                    </m:oMath>
+                  </m:oMathPara>
+                </a14:m>
+                <a:endParaRPr lang="en-US" sz="2800" b="0" kern="0" dirty="0" smtClean="0">
+                  <a:solidFill>
+                    <a:srgbClr val="000000"/>
+                  </a:solidFill>
+                  <a:latin typeface="+mn-lt"/>
+                </a:endParaRPr>
+              </a:p>
+              <a:p>
+                <a:pPr indent="205704" algn="l" defTabSz="908920" rtl="0">
+                  <a:defRPr/>
+                </a:pPr>
+                <a14:m>
+                  <m:oMathPara xmlns:m="http://schemas.openxmlformats.org/officeDocument/2006/math">
+                    <m:oMathParaPr>
+                      <m:jc m:val="centerGroup"/>
+                    </m:oMathParaPr>
+                    <m:oMath xmlns:m="http://schemas.openxmlformats.org/officeDocument/2006/math">
+                      <m:sSub>
+                        <m:sSubPr>
+                          <m:ctrlPr>
+                            <a:rPr lang="en-US" sz="2800" b="0" i="1" kern="0" smtClean="0">
+                              <a:solidFill>
+                                <a:srgbClr val="000000"/>
+                              </a:solidFill>
+                              <a:latin typeface="Cambria Math"/>
+                            </a:rPr>
+                          </m:ctrlPr>
+                        </m:sSubPr>
+                        <m:e>
+                          <m:r>
+                            <a:rPr lang="en-US" sz="2800" b="0" i="1" kern="0" smtClean="0">
+                              <a:solidFill>
+                                <a:srgbClr val="000000"/>
+                              </a:solidFill>
+                              <a:latin typeface="Cambria Math"/>
+                            </a:rPr>
+                            <m:t>𝜈</m:t>
+                          </m:r>
+                        </m:e>
+                        <m:sub>
+                          <m:r>
+                            <a:rPr lang="en-US" sz="2800" b="0" i="1" kern="0" smtClean="0">
+                              <a:solidFill>
+                                <a:srgbClr val="000000"/>
+                              </a:solidFill>
+                              <a:latin typeface="Cambria Math"/>
+                            </a:rPr>
+                            <m:t>𝑠𝑖𝑚</m:t>
+                          </m:r>
+                        </m:sub>
+                      </m:sSub>
+                      <m:r>
+                        <a:rPr lang="en-US" sz="2800" b="0" i="1" kern="0" smtClean="0">
+                          <a:solidFill>
+                            <a:srgbClr val="000000"/>
+                          </a:solidFill>
+                          <a:latin typeface="Cambria Math"/>
+                        </a:rPr>
+                        <m:t>≈</m:t>
+                      </m:r>
+                      <m:r>
+                        <a:rPr lang="en-US" sz="2800" b="0" i="1" kern="0" smtClean="0">
+                          <a:solidFill>
+                            <a:srgbClr val="000000"/>
+                          </a:solidFill>
+                          <a:latin typeface="Cambria Math"/>
+                        </a:rPr>
+                        <m:t>4</m:t>
+                      </m:r>
+                      <m:r>
+                        <a:rPr lang="en-US" sz="2800" b="0" i="1" kern="0" smtClean="0">
+                          <a:solidFill>
+                            <a:schemeClr val="accent6">
+                              <a:lumMod val="50000"/>
+                            </a:schemeClr>
+                          </a:solidFill>
+                          <a:latin typeface="Cambria Math"/>
+                        </a:rPr>
+                        <m:t>𝑁</m:t>
+                      </m:r>
+                      <m:r>
+                        <a:rPr lang="en-US" sz="2800" b="0" i="1" kern="0" smtClean="0">
+                          <a:solidFill>
+                            <a:schemeClr val="accent6"/>
+                          </a:solidFill>
+                          <a:latin typeface="Cambria Math"/>
+                        </a:rPr>
+                        <m:t>𝜏</m:t>
+                      </m:r>
+                      <m:sSup>
+                        <m:sSupPr>
+                          <m:ctrlPr>
+                            <a:rPr lang="en-US" sz="2800" b="0" i="1" kern="0" smtClean="0">
+                              <a:solidFill>
+                                <a:srgbClr val="000000"/>
+                              </a:solidFill>
+                              <a:latin typeface="Cambria Math"/>
+                            </a:rPr>
+                          </m:ctrlPr>
+                        </m:sSupPr>
+                        <m:e>
+                          <m:r>
+                            <a:rPr lang="en-US" sz="2800" b="0" i="1" kern="0" smtClean="0">
+                              <a:solidFill>
+                                <a:schemeClr val="accent1"/>
+                              </a:solidFill>
+                              <a:latin typeface="Cambria Math"/>
+                            </a:rPr>
+                            <m:t>𝜇</m:t>
+                          </m:r>
+                        </m:e>
+                        <m:sup>
+                          <m:r>
+                            <a:rPr lang="en-US" sz="2800" b="0" i="1" kern="0" smtClean="0">
+                              <a:solidFill>
+                                <a:srgbClr val="000000"/>
+                              </a:solidFill>
+                              <a:latin typeface="Cambria Math"/>
+                            </a:rPr>
+                            <m:t>2</m:t>
+                          </m:r>
+                        </m:sup>
+                      </m:sSup>
+                      <m:d>
+                        <m:dPr>
+                          <m:ctrlPr>
+                            <a:rPr lang="en-US" sz="2800" b="0" i="1" kern="0" smtClean="0">
+                              <a:solidFill>
+                                <a:srgbClr val="000000"/>
+                              </a:solidFill>
+                              <a:latin typeface="Cambria Math"/>
+                            </a:rPr>
+                          </m:ctrlPr>
+                        </m:dPr>
+                        <m:e>
+                          <m:r>
+                            <a:rPr lang="en-US" sz="2800" b="0" i="1" kern="0" smtClean="0">
+                              <a:solidFill>
+                                <a:srgbClr val="000000"/>
+                              </a:solidFill>
+                              <a:latin typeface="Cambria Math"/>
+                            </a:rPr>
+                            <m:t>1</m:t>
+                          </m:r>
+                          <m:r>
+                            <a:rPr lang="en-US" sz="2800" b="0" i="1" kern="0" smtClean="0">
+                              <a:solidFill>
+                                <a:srgbClr val="000000"/>
+                              </a:solidFill>
+                              <a:latin typeface="Cambria Math"/>
+                            </a:rPr>
+                            <m:t>−</m:t>
+                          </m:r>
+                          <m:r>
+                            <a:rPr lang="en-US" sz="2800" b="0" i="1" kern="0" smtClean="0">
+                              <a:solidFill>
+                                <a:schemeClr val="accent6"/>
+                              </a:solidFill>
+                              <a:latin typeface="Cambria Math"/>
+                            </a:rPr>
+                            <m:t>𝜏</m:t>
+                          </m:r>
+                          <m:r>
+                            <a:rPr lang="en-US" sz="2800" b="0" i="1" kern="0" smtClean="0">
+                              <a:solidFill>
+                                <a:schemeClr val="accent2"/>
+                              </a:solidFill>
+                              <a:latin typeface="Cambria Math"/>
+                            </a:rPr>
+                            <m:t>𝑈</m:t>
+                          </m:r>
+                        </m:e>
+                      </m:d>
+                      <m:d>
+                        <m:dPr>
+                          <m:ctrlPr>
+                            <a:rPr lang="en-US" sz="2800" b="0" i="1" kern="0" smtClean="0">
+                              <a:solidFill>
+                                <a:srgbClr val="000000"/>
+                              </a:solidFill>
+                              <a:latin typeface="Cambria Math"/>
+                            </a:rPr>
+                          </m:ctrlPr>
+                        </m:dPr>
+                        <m:e>
+                          <m:r>
+                            <a:rPr lang="en-US" sz="2800" b="0" i="1" kern="0" smtClean="0">
+                              <a:solidFill>
+                                <a:schemeClr val="accent4"/>
+                              </a:solidFill>
+                              <a:latin typeface="Cambria Math"/>
+                            </a:rPr>
+                            <m:t>𝐻</m:t>
+                          </m:r>
+                          <m:r>
+                            <a:rPr lang="en-US" sz="2800" b="0" i="1" kern="0" smtClean="0">
+                              <a:solidFill>
+                                <a:srgbClr val="000000"/>
+                              </a:solidFill>
+                              <a:latin typeface="Cambria Math"/>
+                            </a:rPr>
+                            <m:t>+</m:t>
+                          </m:r>
+                          <m:f>
+                            <m:fPr>
+                              <m:ctrlPr>
+                                <a:rPr lang="en-US" sz="2800" b="0" i="1" kern="0" smtClean="0">
+                                  <a:solidFill>
+                                    <a:srgbClr val="000000"/>
+                                  </a:solidFill>
+                                  <a:latin typeface="Cambria Math"/>
+                                </a:rPr>
+                              </m:ctrlPr>
+                            </m:fPr>
+                            <m:num>
+                              <m:sSup>
+                                <m:sSupPr>
+                                  <m:ctrlPr>
+                                    <a:rPr lang="en-US" sz="2800" b="0" i="1" kern="0" smtClean="0">
+                                      <a:solidFill>
+                                        <a:srgbClr val="000000"/>
+                                      </a:solidFill>
+                                      <a:latin typeface="Cambria Math"/>
+                                    </a:rPr>
+                                  </m:ctrlPr>
+                                </m:sSupPr>
+                                <m:e>
+                                  <m:r>
+                                    <a:rPr lang="en-US" sz="2800" b="0" i="1" kern="0" smtClean="0">
+                                      <a:solidFill>
+                                        <a:schemeClr val="accent2"/>
+                                      </a:solidFill>
+                                      <a:latin typeface="Cambria Math"/>
+                                    </a:rPr>
+                                    <m:t>𝑈</m:t>
+                                  </m:r>
+                                </m:e>
+                                <m:sup>
+                                  <m:r>
+                                    <a:rPr lang="en-US" sz="2800" b="0" i="1" kern="0" smtClean="0">
+                                      <a:solidFill>
+                                        <a:srgbClr val="000000"/>
+                                      </a:solidFill>
+                                      <a:latin typeface="Cambria Math"/>
+                                    </a:rPr>
+                                    <m:t>2</m:t>
+                                  </m:r>
+                                </m:sup>
+                              </m:sSup>
+                            </m:num>
+                            <m:den>
+                              <m:sSup>
+                                <m:sSupPr>
+                                  <m:ctrlPr>
+                                    <a:rPr lang="en-US" sz="2800" b="0" i="1" kern="0" smtClean="0">
+                                      <a:solidFill>
+                                        <a:srgbClr val="000000"/>
+                                      </a:solidFill>
+                                      <a:latin typeface="Cambria Math"/>
+                                    </a:rPr>
+                                  </m:ctrlPr>
+                                </m:sSupPr>
+                                <m:e>
+                                  <m:r>
+                                    <a:rPr lang="en-US" sz="2800" b="0" i="1" kern="0" smtClean="0">
+                                      <a:solidFill>
+                                        <a:schemeClr val="accent3"/>
+                                      </a:solidFill>
+                                      <a:latin typeface="Cambria Math"/>
+                                    </a:rPr>
+                                    <m:t>𝑠</m:t>
+                                  </m:r>
+                                </m:e>
+                                <m:sup>
+                                  <m:r>
+                                    <a:rPr lang="en-US" sz="2800" b="0" i="1" kern="0" smtClean="0">
+                                      <a:solidFill>
+                                        <a:srgbClr val="000000"/>
+                                      </a:solidFill>
+                                      <a:latin typeface="Cambria Math"/>
+                                    </a:rPr>
+                                    <m:t>2</m:t>
+                                  </m:r>
+                                </m:sup>
+                              </m:sSup>
+                            </m:den>
+                          </m:f>
+                          <m:d>
+                            <m:dPr>
+                              <m:ctrlPr>
+                                <a:rPr lang="en-US" sz="2800" b="0" i="1" kern="0" smtClean="0">
+                                  <a:solidFill>
+                                    <a:srgbClr val="000000"/>
+                                  </a:solidFill>
+                                  <a:latin typeface="Cambria Math"/>
+                                </a:rPr>
+                              </m:ctrlPr>
+                            </m:dPr>
+                            <m:e>
+                              <m:r>
+                                <a:rPr lang="en-US" sz="2800" b="0" i="1" kern="0" smtClean="0">
+                                  <a:solidFill>
+                                    <a:srgbClr val="000000"/>
+                                  </a:solidFill>
+                                  <a:latin typeface="Cambria Math"/>
+                                </a:rPr>
+                                <m:t>1</m:t>
+                              </m:r>
+                              <m:r>
+                                <a:rPr lang="en-US" sz="2800" b="0" i="1" kern="0" smtClean="0">
+                                  <a:solidFill>
+                                    <a:srgbClr val="000000"/>
+                                  </a:solidFill>
+                                  <a:latin typeface="Cambria Math"/>
+                                </a:rPr>
+                                <m:t>−</m:t>
+                              </m:r>
+                              <m:r>
+                                <a:rPr lang="en-US" sz="2800" b="0" i="1" kern="0" smtClean="0">
+                                  <a:solidFill>
+                                    <a:schemeClr val="accent3"/>
+                                  </a:solidFill>
+                                  <a:latin typeface="Cambria Math"/>
+                                </a:rPr>
+                                <m:t>𝑠</m:t>
+                              </m:r>
+                            </m:e>
+                          </m:d>
+                          <m:d>
+                            <m:dPr>
+                              <m:ctrlPr>
+                                <a:rPr lang="en-US" sz="2800" b="0" i="1" kern="0" smtClean="0">
+                                  <a:solidFill>
+                                    <a:srgbClr val="000000"/>
+                                  </a:solidFill>
+                                  <a:latin typeface="Cambria Math"/>
+                                </a:rPr>
+                              </m:ctrlPr>
+                            </m:dPr>
+                            <m:e>
+                              <m:r>
+                                <a:rPr lang="en-US" sz="2800" b="0" i="1" kern="0" smtClean="0">
+                                  <a:solidFill>
+                                    <a:schemeClr val="accent6"/>
+                                  </a:solidFill>
+                                  <a:latin typeface="Cambria Math"/>
+                                </a:rPr>
+                                <m:t>𝜏</m:t>
+                              </m:r>
+                              <m:r>
+                                <a:rPr lang="en-US" sz="2800" b="0" i="1" kern="0" smtClean="0">
+                                  <a:solidFill>
+                                    <a:srgbClr val="000000"/>
+                                  </a:solidFill>
+                                  <a:latin typeface="Cambria Math"/>
+                                </a:rPr>
+                                <m:t>−</m:t>
+                              </m:r>
+                              <m:r>
+                                <a:rPr lang="en-US" sz="2800" b="0" i="1" kern="0" smtClean="0">
+                                  <a:solidFill>
+                                    <a:srgbClr val="000000"/>
+                                  </a:solidFill>
+                                  <a:latin typeface="Cambria Math"/>
+                                </a:rPr>
+                                <m:t>1</m:t>
+                              </m:r>
+                            </m:e>
+                          </m:d>
+                        </m:e>
+                      </m:d>
+                    </m:oMath>
+                  </m:oMathPara>
+                </a14:m>
+                <a:endParaRPr lang="en-US" sz="2800" kern="0" dirty="0" smtClean="0">
+                  <a:solidFill>
+                    <a:srgbClr val="000000"/>
+                  </a:solidFill>
+                  <a:latin typeface="+mn-lt"/>
+                </a:endParaRPr>
+              </a:p>
+              <a:p>
+                <a:pPr indent="205704" algn="l" defTabSz="908920" rtl="0">
+                  <a:defRPr/>
+                </a:pPr>
+                <a:r>
+                  <a:rPr lang="en-US" sz="2800" kern="0" dirty="0" smtClean="0">
+                    <a:solidFill>
+                      <a:srgbClr val="000000"/>
+                    </a:solidFill>
+                    <a:latin typeface="+mn-lt"/>
+                  </a:rPr>
+                  <a:t>Now </a:t>
+                </a:r>
+                <a14:m>
+                  <m:oMath xmlns:m="http://schemas.openxmlformats.org/officeDocument/2006/math">
+                    <m:sSub>
+                      <m:sSubPr>
+                        <m:ctrlPr>
+                          <a:rPr lang="en-US" sz="2800" i="1" kern="0">
+                            <a:solidFill>
+                              <a:srgbClr val="000000"/>
+                            </a:solidFill>
+                            <a:latin typeface="Cambria Math"/>
+                          </a:rPr>
+                        </m:ctrlPr>
+                      </m:sSubPr>
+                      <m:e>
+                        <m:r>
+                          <a:rPr lang="en-US" sz="2800" i="1" kern="0">
+                            <a:solidFill>
+                              <a:srgbClr val="000000"/>
+                            </a:solidFill>
+                            <a:latin typeface="Cambria Math"/>
+                          </a:rPr>
+                          <m:t>𝜈</m:t>
+                        </m:r>
+                      </m:e>
+                      <m:sub>
+                        <m:r>
+                          <a:rPr lang="en-US" sz="2800" i="1" kern="0">
+                            <a:solidFill>
+                              <a:srgbClr val="000000"/>
+                            </a:solidFill>
+                            <a:latin typeface="Cambria Math"/>
+                          </a:rPr>
+                          <m:t>𝑠𝑖𝑚</m:t>
+                        </m:r>
+                      </m:sub>
+                    </m:sSub>
+                    <m:r>
+                      <a:rPr lang="en-US" sz="2800" b="0" i="1" kern="0" smtClean="0">
+                        <a:solidFill>
+                          <a:srgbClr val="000000"/>
+                        </a:solidFill>
+                        <a:latin typeface="Cambria Math"/>
+                      </a:rPr>
+                      <m:t>&gt;</m:t>
+                    </m:r>
+                    <m:r>
+                      <a:rPr lang="en-US" sz="2800" b="0" i="1" kern="0" smtClean="0">
+                        <a:solidFill>
+                          <a:srgbClr val="000000"/>
+                        </a:solidFill>
+                        <a:latin typeface="Cambria Math"/>
+                      </a:rPr>
+                      <m:t>𝜈</m:t>
+                    </m:r>
+                  </m:oMath>
+                </a14:m>
+                <a:r>
+                  <a:rPr lang="en-US" sz="2800" kern="0" dirty="0" smtClean="0">
+                    <a:solidFill>
+                      <a:srgbClr val="000000"/>
+                    </a:solidFill>
+                    <a:latin typeface="+mn-lt"/>
+                  </a:rPr>
+                  <a:t> if </a:t>
+                </a:r>
+                <a14:m>
+                  <m:oMath xmlns:m="http://schemas.openxmlformats.org/officeDocument/2006/math">
+                    <m:sSup>
+                      <m:sSupPr>
+                        <m:ctrlPr>
+                          <a:rPr lang="en-US" sz="2800" b="0" i="1" kern="0" smtClean="0">
+                            <a:solidFill>
+                              <a:srgbClr val="000000"/>
+                            </a:solidFill>
+                            <a:latin typeface="Cambria Math"/>
+                          </a:rPr>
+                        </m:ctrlPr>
+                      </m:sSupPr>
+                      <m:e>
+                        <m:r>
+                          <a:rPr lang="en-US" sz="2800" b="0" i="1" kern="0" smtClean="0">
+                            <a:solidFill>
+                              <a:schemeClr val="accent2"/>
+                            </a:solidFill>
+                            <a:latin typeface="Cambria Math"/>
+                          </a:rPr>
+                          <m:t>𝑈</m:t>
+                        </m:r>
+                      </m:e>
+                      <m:sup>
+                        <m:r>
+                          <a:rPr lang="en-US" sz="2800" b="0" i="1" kern="0" smtClean="0">
+                            <a:solidFill>
+                              <a:srgbClr val="000000"/>
+                            </a:solidFill>
+                            <a:latin typeface="Cambria Math"/>
+                          </a:rPr>
+                          <m:t>−</m:t>
+                        </m:r>
+                        <m:r>
+                          <a:rPr lang="en-US" sz="2800" b="0" i="1" kern="0" smtClean="0">
+                            <a:solidFill>
+                              <a:srgbClr val="000000"/>
+                            </a:solidFill>
+                            <a:latin typeface="Cambria Math"/>
+                          </a:rPr>
+                          <m:t>1</m:t>
+                        </m:r>
+                      </m:sup>
+                    </m:sSup>
+                    <m:r>
+                      <a:rPr lang="en-US" sz="2800" b="0" i="1" kern="0" smtClean="0">
+                        <a:solidFill>
+                          <a:srgbClr val="000000"/>
+                        </a:solidFill>
+                        <a:latin typeface="Cambria Math"/>
+                      </a:rPr>
+                      <m:t>&gt;</m:t>
+                    </m:r>
+                    <m:r>
+                      <a:rPr lang="en-US" sz="2800" b="0" i="1" kern="0" smtClean="0">
+                        <a:solidFill>
+                          <a:schemeClr val="accent6"/>
+                        </a:solidFill>
+                        <a:latin typeface="Cambria Math"/>
+                      </a:rPr>
+                      <m:t>𝜏</m:t>
+                    </m:r>
+                    <m:r>
+                      <a:rPr lang="en-US" sz="2800" b="0" i="1" kern="0" smtClean="0">
+                        <a:solidFill>
+                          <a:srgbClr val="000000"/>
+                        </a:solidFill>
+                        <a:latin typeface="Cambria Math"/>
+                      </a:rPr>
+                      <m:t>&gt;</m:t>
+                    </m:r>
+                    <m:r>
+                      <a:rPr lang="en-US" sz="2800" b="0" i="1" kern="0" smtClean="0">
+                        <a:solidFill>
+                          <a:srgbClr val="000000"/>
+                        </a:solidFill>
+                        <a:latin typeface="Cambria Math"/>
+                      </a:rPr>
+                      <m:t>1</m:t>
+                    </m:r>
+                  </m:oMath>
+                </a14:m>
+                <a:r>
+                  <a:rPr lang="en-US" sz="2800" kern="0" dirty="0" smtClean="0">
+                    <a:solidFill>
+                      <a:srgbClr val="000000"/>
+                    </a:solidFill>
+                    <a:latin typeface="+mn-lt"/>
+                  </a:rPr>
+                  <a:t>.</a:t>
+                </a:r>
+              </a:p>
+              <a:p>
+                <a:pPr indent="205704" algn="l" defTabSz="908920" rtl="0">
+                  <a:defRPr/>
+                </a:pPr>
+                <a:endParaRPr lang="en-US" sz="2800" kern="0" dirty="0">
+                  <a:solidFill>
+                    <a:srgbClr val="000000"/>
+                  </a:solidFill>
+                  <a:latin typeface="+mn-lt"/>
+                </a:endParaRPr>
+              </a:p>
+              <a:p>
+                <a:pPr indent="205704" algn="l" defTabSz="908920" rtl="0">
+                  <a:defRPr/>
+                </a:pPr>
+                <a:r>
+                  <a:rPr lang="en-US" sz="2800" b="1" kern="0" dirty="0" smtClean="0">
+                    <a:solidFill>
+                      <a:schemeClr val="accent2"/>
+                    </a:solidFill>
+                  </a:rPr>
+                  <a:t>Example - </a:t>
+                </a:r>
+                <a:r>
+                  <a:rPr lang="en-US" sz="2800" b="1" i="1" kern="0" dirty="0" smtClean="0">
+                    <a:solidFill>
+                      <a:schemeClr val="accent2"/>
+                    </a:solidFill>
+                  </a:rPr>
+                  <a:t>E. coli</a:t>
+                </a:r>
+                <a:r>
+                  <a:rPr lang="en-US" sz="2800" b="1" kern="0" dirty="0" smtClean="0">
+                    <a:solidFill>
+                      <a:schemeClr val="accent2"/>
+                    </a:solidFill>
+                  </a:rPr>
+                  <a:t> parameters</a:t>
+                </a:r>
+              </a:p>
+              <a:p>
+                <a:pPr indent="205704" algn="l" defTabSz="908920" rtl="0">
+                  <a:defRPr/>
+                </a:pPr>
+                <a:r>
+                  <a:rPr lang="en-US" sz="2800" kern="0" dirty="0" smtClean="0">
+                    <a:solidFill>
+                      <a:srgbClr val="000000"/>
+                    </a:solidFill>
+                    <a:latin typeface="+mn-lt"/>
+                  </a:rPr>
+                  <a:t>Estimates of the deleterious mutation rate in </a:t>
+                </a:r>
+                <a:r>
+                  <a:rPr lang="en-US" sz="2800" i="1" kern="0" dirty="0" smtClean="0">
+                    <a:solidFill>
+                      <a:srgbClr val="000000"/>
+                    </a:solidFill>
+                    <a:latin typeface="+mn-lt"/>
+                  </a:rPr>
+                  <a:t>E. coli </a:t>
+                </a:r>
+                <a:r>
+                  <a:rPr lang="en-US" sz="2800" kern="0" dirty="0" smtClean="0">
+                    <a:solidFill>
+                      <a:srgbClr val="000000"/>
+                    </a:solidFill>
+                    <a:latin typeface="+mn-lt"/>
+                  </a:rPr>
+                  <a:t>range between 0.003 (5) and 0.0004 (6), which sets the boundary on the mutation rate increase </a:t>
+                </a:r>
+                <a:r>
+                  <a:rPr lang="el-GR" sz="2800" i="1" kern="0" dirty="0" smtClean="0">
+                    <a:solidFill>
+                      <a:schemeClr val="accent6"/>
+                    </a:solidFill>
+                    <a:latin typeface="+mn-lt"/>
+                  </a:rPr>
+                  <a:t>τ</a:t>
+                </a:r>
+                <a:r>
+                  <a:rPr lang="en-US" sz="2800" b="1" i="1" kern="0" dirty="0" smtClean="0">
+                    <a:solidFill>
+                      <a:schemeClr val="accent6"/>
+                    </a:solidFill>
+                  </a:rPr>
+                  <a:t> </a:t>
+                </a:r>
+                <a:r>
+                  <a:rPr lang="en-US" sz="2800" kern="0" dirty="0" smtClean="0">
+                    <a:solidFill>
+                      <a:srgbClr val="000000"/>
+                    </a:solidFill>
+                    <a:latin typeface="+mn-lt"/>
+                  </a:rPr>
+                  <a:t>to between 150 and 1,2500. </a:t>
+                </a:r>
+              </a:p>
+              <a:p>
+                <a:pPr indent="205704" algn="l" defTabSz="908920" rtl="0">
+                  <a:defRPr/>
+                </a:pPr>
+                <a:endParaRPr lang="en-US" sz="2800" kern="0" dirty="0">
+                  <a:solidFill>
+                    <a:srgbClr val="000000"/>
+                  </a:solidFill>
+                  <a:latin typeface="+mn-lt"/>
+                </a:endParaRPr>
+              </a:p>
+              <a:p>
+                <a:pPr indent="205704" algn="l" defTabSz="908920" rtl="0">
+                  <a:defRPr/>
+                </a:pPr>
+                <a:endParaRPr lang="en-US" sz="2800" kern="0" dirty="0" smtClean="0">
+                  <a:solidFill>
+                    <a:srgbClr val="000000"/>
+                  </a:solidFill>
+                  <a:latin typeface="+mn-lt"/>
+                </a:endParaRPr>
+              </a:p>
+              <a:p>
+                <a:pPr indent="205704" algn="l" defTabSz="908920" rtl="0">
+                  <a:defRPr/>
+                </a:pPr>
+                <a:endParaRPr lang="en-US" sz="2800" kern="0" dirty="0" smtClean="0">
+                  <a:solidFill>
+                    <a:srgbClr val="000000"/>
+                  </a:solidFill>
+                  <a:latin typeface="+mn-lt"/>
+                </a:endParaRPr>
               </a:p>
             </p:txBody>
           </p:sp>
@@ -7823,7 +9162,7 @@
           </a:bodyPr>
           <a:lstStyle/>
           <a:p>
-            <a:pPr algn="l" defTabSz="1044976" rtl="0">
+            <a:pPr algn="ctr" defTabSz="1044976" rtl="0">
               <a:defRPr/>
             </a:pPr>
             <a:r>
@@ -9061,7 +10400,7 @@
         </p:nvSpPr>
         <p:spPr>
           <a:xfrm>
-            <a:off x="3368480" y="39086123"/>
+            <a:off x="3368480" y="38827708"/>
             <a:ext cx="9584690" cy="2246769"/>
           </a:xfrm>
           <a:prstGeom prst="rect">
@@ -9074,7 +10413,7 @@
           </a:bodyPr>
           <a:lstStyle/>
           <a:p>
-            <a:pPr algn="l" rtl="0"/>
+            <a:pPr algn="ctr" rtl="0"/>
             <a:r>
               <a:rPr lang="en-GB" sz="2000" b="1" kern="0" dirty="0">
                 <a:solidFill>
@@ -9297,127 +10636,736 @@
       </p:sp>
       <p:grpSp>
         <p:nvGrpSpPr>
-          <p:cNvPr id="17" name="Group 16"/>
+          <p:cNvPr id="18" name="Group 17"/>
           <p:cNvGrpSpPr/>
           <p:nvPr/>
         </p:nvGrpSpPr>
         <p:grpSpPr>
           <a:xfrm>
-            <a:off x="5328892" y="32043498"/>
-            <a:ext cx="5661117" cy="6986478"/>
-            <a:chOff x="18137188" y="16166796"/>
-            <a:chExt cx="5303858" cy="6300000"/>
+            <a:off x="5328892" y="31611812"/>
+            <a:ext cx="6696744" cy="7159749"/>
+            <a:chOff x="5328892" y="31870227"/>
+            <a:chExt cx="6696744" cy="7159749"/>
           </a:xfrm>
         </p:grpSpPr>
-        <p:pic>
-          <p:nvPicPr>
-            <p:cNvPr id="1025" name="Picture 1" descr="D:\workspace\ruggedsim\manuscript\fitness_landscape.png"/>
-            <p:cNvPicPr>
-              <a:picLocks noChangeAspect="1" noChangeArrowheads="1"/>
-            </p:cNvPicPr>
+        <p:grpSp>
+          <p:nvGrpSpPr>
+            <p:cNvPr id="17" name="Group 16"/>
+            <p:cNvGrpSpPr/>
             <p:nvPr/>
-          </p:nvPicPr>
-          <p:blipFill>
-            <a:blip r:embed="rId8">
+          </p:nvGrpSpPr>
+          <p:grpSpPr>
+            <a:xfrm>
+              <a:off x="5328892" y="32043498"/>
+              <a:ext cx="5661117" cy="6986478"/>
+              <a:chOff x="18137188" y="16166796"/>
+              <a:chExt cx="5303858" cy="6300000"/>
+            </a:xfrm>
+          </p:grpSpPr>
+          <p:pic>
+            <p:nvPicPr>
+              <p:cNvPr id="1025" name="Picture 1" descr="D:\workspace\ruggedsim\manuscript\fitness_landscape.png"/>
+              <p:cNvPicPr>
+                <a:picLocks noChangeAspect="1" noChangeArrowheads="1"/>
+              </p:cNvPicPr>
+              <p:nvPr/>
+            </p:nvPicPr>
+            <p:blipFill>
+              <a:blip r:embed="rId8">
+                <a:extLst>
+                  <a:ext uri="{28A0092B-C50C-407E-A947-70E740481C1C}">
+                    <a14:useLocalDpi xmlns:a14="http://schemas.microsoft.com/office/drawing/2010/main" val="0"/>
+                  </a:ext>
+                </a:extLst>
+              </a:blip>
+              <a:srcRect/>
+              <a:stretch>
+                <a:fillRect/>
+              </a:stretch>
+            </p:blipFill>
+            <p:spPr bwMode="auto">
+              <a:xfrm>
+                <a:off x="18137188" y="16202025"/>
+                <a:ext cx="4152900" cy="6143625"/>
+              </a:xfrm>
+              <a:prstGeom prst="rect">
+                <a:avLst/>
+              </a:prstGeom>
+              <a:noFill/>
               <a:extLst>
-                <a:ext uri="{28A0092B-C50C-407E-A947-70E740481C1C}">
-                  <a14:useLocalDpi xmlns:a14="http://schemas.microsoft.com/office/drawing/2010/main" val="0"/>
+                <a:ext uri="{909E8E84-426E-40DD-AFC4-6F175D3DCCD1}">
+                  <a14:hiddenFill xmlns:a14="http://schemas.microsoft.com/office/drawing/2010/main">
+                    <a:solidFill>
+                      <a:srgbClr val="FFFFFF"/>
+                    </a:solidFill>
+                  </a14:hiddenFill>
                 </a:ext>
               </a:extLst>
-            </a:blip>
-            <a:srcRect/>
-            <a:stretch>
-              <a:fillRect/>
-            </a:stretch>
-          </p:blipFill>
-          <p:spPr bwMode="auto">
+            </p:spPr>
+          </p:pic>
+          <p:pic>
+            <p:nvPicPr>
+              <p:cNvPr id="16" name="Picture 2" descr="D:\workspace\ruggedsim\manuscript\fitness_landscape_colorbar.png"/>
+              <p:cNvPicPr>
+                <a:picLocks noChangeAspect="1" noChangeArrowheads="1"/>
+              </p:cNvPicPr>
+              <p:nvPr/>
+            </p:nvPicPr>
+            <p:blipFill rotWithShape="1">
+              <a:blip r:embed="rId9">
+                <a:extLst>
+                  <a:ext uri="{28A0092B-C50C-407E-A947-70E740481C1C}">
+                    <a14:useLocalDpi xmlns:a14="http://schemas.microsoft.com/office/drawing/2010/main" val="0"/>
+                  </a:ext>
+                </a:extLst>
+              </a:blip>
+              <a:srcRect l="77619" t="5537" r="16198" b="8115"/>
+              <a:stretch/>
+            </p:blipFill>
+            <p:spPr bwMode="auto">
+              <a:xfrm>
+                <a:off x="22538804" y="16166796"/>
+                <a:ext cx="902242" cy="6300000"/>
+              </a:xfrm>
+              <a:prstGeom prst="rect">
+                <a:avLst/>
+              </a:prstGeom>
+              <a:noFill/>
+              <a:extLst>
+                <a:ext uri="{909E8E84-426E-40DD-AFC4-6F175D3DCCD1}">
+                  <a14:hiddenFill xmlns:a14="http://schemas.microsoft.com/office/drawing/2010/main">
+                    <a:solidFill>
+                      <a:srgbClr val="FFFFFF"/>
+                    </a:solidFill>
+                  </a14:hiddenFill>
+                </a:ext>
+              </a:extLst>
+            </p:spPr>
+          </p:pic>
+        </p:grpSp>
+        <p:sp>
+          <p:nvSpPr>
+            <p:cNvPr id="56" name="TextBox 55"/>
+            <p:cNvSpPr txBox="1"/>
+            <p:nvPr/>
+          </p:nvSpPr>
+          <p:spPr>
             <a:xfrm>
-              <a:off x="18137188" y="16202025"/>
-              <a:ext cx="4152900" cy="6143625"/>
+              <a:off x="8755658" y="31870227"/>
+              <a:ext cx="3269978" cy="461665"/>
             </a:xfrm>
             <a:prstGeom prst="rect">
               <a:avLst/>
             </a:prstGeom>
             <a:noFill/>
-            <a:extLst>
-              <a:ext uri="{909E8E84-426E-40DD-AFC4-6F175D3DCCD1}">
-                <a14:hiddenFill xmlns:a14="http://schemas.microsoft.com/office/drawing/2010/main">
-                  <a:solidFill>
-                    <a:srgbClr val="FFFFFF"/>
-                  </a:solidFill>
-                </a14:hiddenFill>
-              </a:ext>
-            </a:extLst>
           </p:spPr>
-        </p:pic>
-        <p:pic>
-          <p:nvPicPr>
-            <p:cNvPr id="16" name="Picture 2" descr="D:\workspace\ruggedsim\manuscript\fitness_landscape_colorbar.png"/>
-            <p:cNvPicPr>
-              <a:picLocks noChangeAspect="1" noChangeArrowheads="1"/>
-            </p:cNvPicPr>
-            <p:nvPr/>
-          </p:nvPicPr>
-          <p:blipFill rotWithShape="1">
-            <a:blip r:embed="rId9">
-              <a:extLst>
-                <a:ext uri="{28A0092B-C50C-407E-A947-70E740481C1C}">
-                  <a14:useLocalDpi xmlns:a14="http://schemas.microsoft.com/office/drawing/2010/main" val="0"/>
-                </a:ext>
-              </a:extLst>
-            </a:blip>
-            <a:srcRect l="77619" t="5537" r="16198" b="8115"/>
-            <a:stretch/>
-          </p:blipFill>
-          <p:spPr bwMode="auto">
-            <a:xfrm>
-              <a:off x="22538804" y="16166796"/>
-              <a:ext cx="902242" cy="6300000"/>
-            </a:xfrm>
-            <a:prstGeom prst="rect">
-              <a:avLst/>
-            </a:prstGeom>
-            <a:noFill/>
-            <a:extLst>
-              <a:ext uri="{909E8E84-426E-40DD-AFC4-6F175D3DCCD1}">
-                <a14:hiddenFill xmlns:a14="http://schemas.microsoft.com/office/drawing/2010/main">
-                  <a:solidFill>
-                    <a:srgbClr val="FFFFFF"/>
-                  </a:solidFill>
-                </a14:hiddenFill>
-              </a:ext>
-            </a:extLst>
-          </p:spPr>
-        </p:pic>
+          <p:txBody>
+            <a:bodyPr wrap="square" rtlCol="1">
+              <a:spAutoFit/>
+            </a:bodyPr>
+            <a:lstStyle/>
+            <a:p>
+              <a:pPr algn="ctr"/>
+              <a:r>
+                <a:rPr lang="en-US" sz="2400" dirty="0" smtClean="0"/>
+                <a:t>fitness</a:t>
+              </a:r>
+              <a:endParaRPr lang="he-IL" sz="2400" dirty="0"/>
+            </a:p>
+          </p:txBody>
+        </p:sp>
       </p:grpSp>
+      <p:graphicFrame>
+        <p:nvGraphicFramePr>
+          <p:cNvPr id="19" name="Table 18"/>
+          <p:cNvGraphicFramePr>
+            <a:graphicFrameLocks noGrp="1"/>
+          </p:cNvGraphicFramePr>
+          <p:nvPr>
+            <p:extLst>
+              <p:ext uri="{D42A27DB-BD31-4B8C-83A1-F6EECF244321}">
+                <p14:modId xmlns:p14="http://schemas.microsoft.com/office/powerpoint/2010/main" val="1476703479"/>
+              </p:ext>
+            </p:extLst>
+          </p:nvPr>
+        </p:nvGraphicFramePr>
+        <p:xfrm>
+          <a:off x="17881157" y="22250772"/>
+          <a:ext cx="7200000" cy="3150000"/>
+        </p:xfrm>
+        <a:graphic>
+          <a:graphicData uri="http://schemas.openxmlformats.org/drawingml/2006/table">
+            <a:tbl>
+              <a:tblPr rtl="1" firstRow="1" bandRow="1">
+                <a:tableStyleId>{5C22544A-7EE6-4342-B048-85BDC9FD1C3A}</a:tableStyleId>
+              </a:tblPr>
+              <a:tblGrid>
+                <a:gridCol w="2400000"/>
+                <a:gridCol w="3399771"/>
+                <a:gridCol w="1400229"/>
+              </a:tblGrid>
+              <a:tr h="450000">
+                <a:tc>
+                  <a:txBody>
+                    <a:bodyPr/>
+                    <a:lstStyle/>
+                    <a:p>
+                      <a:pPr algn="ctr" rtl="0"/>
+                      <a:r>
+                        <a:rPr lang="en-US" sz="2000" dirty="0" smtClean="0">
+                          <a:latin typeface="Helvetica" pitchFamily="34" charset="0"/>
+                          <a:cs typeface="Helvetica" pitchFamily="34" charset="0"/>
+                        </a:rPr>
+                        <a:t>Estimate</a:t>
+                      </a:r>
+                      <a:endParaRPr lang="he-IL" sz="2000" dirty="0">
+                        <a:latin typeface="Helvetica" pitchFamily="34" charset="0"/>
+                        <a:cs typeface="Helvetica" pitchFamily="34" charset="0"/>
+                      </a:endParaRPr>
+                    </a:p>
+                  </a:txBody>
+                  <a:tcPr/>
+                </a:tc>
+                <a:tc>
+                  <a:txBody>
+                    <a:bodyPr/>
+                    <a:lstStyle/>
+                    <a:p>
+                      <a:pPr algn="ctr" rtl="0"/>
+                      <a:r>
+                        <a:rPr lang="en-US" sz="2000" dirty="0" smtClean="0">
+                          <a:latin typeface="Helvetica" pitchFamily="34" charset="0"/>
+                          <a:cs typeface="Helvetica" pitchFamily="34" charset="0"/>
+                        </a:rPr>
+                        <a:t>Name</a:t>
+                      </a:r>
+                      <a:endParaRPr lang="he-IL" sz="2000" dirty="0">
+                        <a:latin typeface="Helvetica" pitchFamily="34" charset="0"/>
+                        <a:cs typeface="Helvetica" pitchFamily="34" charset="0"/>
+                      </a:endParaRPr>
+                    </a:p>
+                  </a:txBody>
+                  <a:tcPr/>
+                </a:tc>
+                <a:tc>
+                  <a:txBody>
+                    <a:bodyPr/>
+                    <a:lstStyle/>
+                    <a:p>
+                      <a:pPr algn="ctr" rtl="0"/>
+                      <a:r>
+                        <a:rPr lang="en-US" sz="2000" dirty="0" smtClean="0">
+                          <a:latin typeface="Helvetica" pitchFamily="34" charset="0"/>
+                          <a:cs typeface="Helvetica" pitchFamily="34" charset="0"/>
+                        </a:rPr>
+                        <a:t>Symbol</a:t>
+                      </a:r>
+                      <a:endParaRPr lang="he-IL" sz="2000" dirty="0">
+                        <a:latin typeface="Helvetica" pitchFamily="34" charset="0"/>
+                        <a:cs typeface="Helvetica" pitchFamily="34" charset="0"/>
+                      </a:endParaRPr>
+                    </a:p>
+                  </a:txBody>
+                  <a:tcPr/>
+                </a:tc>
+              </a:tr>
+              <a:tr h="450000">
+                <a:tc>
+                  <a:txBody>
+                    <a:bodyPr/>
+                    <a:lstStyle/>
+                    <a:p>
+                      <a:pPr algn="ctr" rtl="0"/>
+                      <a:r>
+                        <a:rPr lang="en-US" sz="2000" dirty="0" smtClean="0">
+                          <a:latin typeface="Helvetica" pitchFamily="34" charset="0"/>
+                          <a:cs typeface="Helvetica" pitchFamily="34" charset="0"/>
+                        </a:rPr>
+                        <a:t>0.001-0.01</a:t>
+                      </a:r>
+                      <a:endParaRPr lang="he-IL" sz="2000" dirty="0">
+                        <a:latin typeface="Helvetica" pitchFamily="34" charset="0"/>
+                        <a:cs typeface="Helvetica" pitchFamily="34" charset="0"/>
+                      </a:endParaRPr>
+                    </a:p>
+                  </a:txBody>
+                  <a:tcPr/>
+                </a:tc>
+                <a:tc>
+                  <a:txBody>
+                    <a:bodyPr/>
+                    <a:lstStyle/>
+                    <a:p>
+                      <a:pPr algn="ctr" rtl="0"/>
+                      <a:r>
+                        <a:rPr lang="en-US" sz="2000" dirty="0" smtClean="0">
+                          <a:latin typeface="Helvetica" pitchFamily="34" charset="0"/>
+                          <a:cs typeface="Helvetica" pitchFamily="34" charset="0"/>
+                        </a:rPr>
+                        <a:t>Selection coefficient</a:t>
+                      </a:r>
+                      <a:endParaRPr lang="he-IL" sz="2000" dirty="0">
+                        <a:latin typeface="Helvetica" pitchFamily="34" charset="0"/>
+                        <a:cs typeface="Helvetica" pitchFamily="34" charset="0"/>
+                      </a:endParaRPr>
+                    </a:p>
+                  </a:txBody>
+                  <a:tcPr/>
+                </a:tc>
+                <a:tc>
+                  <a:txBody>
+                    <a:bodyPr/>
+                    <a:lstStyle/>
+                    <a:p>
+                      <a:pPr algn="ctr" rtl="0"/>
+                      <a:r>
+                        <a:rPr lang="en-US" sz="2000" i="1" dirty="0" smtClean="0">
+                          <a:latin typeface="Helvetica" pitchFamily="34" charset="0"/>
+                          <a:cs typeface="Helvetica" pitchFamily="34" charset="0"/>
+                        </a:rPr>
+                        <a:t>s</a:t>
+                      </a:r>
+                      <a:endParaRPr lang="he-IL" sz="2000" i="1" dirty="0">
+                        <a:latin typeface="Helvetica" pitchFamily="34" charset="0"/>
+                        <a:cs typeface="Helvetica" pitchFamily="34" charset="0"/>
+                      </a:endParaRPr>
+                    </a:p>
+                  </a:txBody>
+                  <a:tcPr/>
+                </a:tc>
+              </a:tr>
+              <a:tr h="450000">
+                <a:tc>
+                  <a:txBody>
+                    <a:bodyPr/>
+                    <a:lstStyle/>
+                    <a:p>
+                      <a:pPr algn="ctr" rtl="0"/>
+                      <a:r>
+                        <a:rPr lang="en-US" sz="2000" dirty="0" smtClean="0">
+                          <a:latin typeface="Helvetica" pitchFamily="34" charset="0"/>
+                          <a:cs typeface="Helvetica" pitchFamily="34" charset="0"/>
+                        </a:rPr>
+                        <a:t>1-10</a:t>
+                      </a:r>
+                      <a:endParaRPr lang="he-IL" sz="2000" dirty="0">
+                        <a:latin typeface="Helvetica" pitchFamily="34" charset="0"/>
+                        <a:cs typeface="Helvetica" pitchFamily="34" charset="0"/>
+                      </a:endParaRPr>
+                    </a:p>
+                  </a:txBody>
+                  <a:tcPr/>
+                </a:tc>
+                <a:tc>
+                  <a:txBody>
+                    <a:bodyPr/>
+                    <a:lstStyle/>
+                    <a:p>
+                      <a:pPr algn="ctr" rtl="0"/>
+                      <a:r>
+                        <a:rPr lang="en-US" sz="2000" dirty="0" smtClean="0">
+                          <a:latin typeface="Helvetica" pitchFamily="34" charset="0"/>
+                          <a:cs typeface="Helvetica" pitchFamily="34" charset="0"/>
+                        </a:rPr>
+                        <a:t>Double mutant advantage</a:t>
+                      </a:r>
+                      <a:endParaRPr lang="he-IL" sz="2000" dirty="0">
+                        <a:latin typeface="Helvetica" pitchFamily="34" charset="0"/>
+                        <a:cs typeface="Helvetica" pitchFamily="34" charset="0"/>
+                      </a:endParaRPr>
+                    </a:p>
+                  </a:txBody>
+                  <a:tcPr/>
+                </a:tc>
+                <a:tc>
+                  <a:txBody>
+                    <a:bodyPr/>
+                    <a:lstStyle/>
+                    <a:p>
+                      <a:pPr algn="ctr" rtl="0"/>
+                      <a:r>
+                        <a:rPr lang="en-US" sz="2000" i="1" dirty="0" smtClean="0">
+                          <a:latin typeface="Helvetica" pitchFamily="34" charset="0"/>
+                          <a:cs typeface="Helvetica" pitchFamily="34" charset="0"/>
+                        </a:rPr>
+                        <a:t>H</a:t>
+                      </a:r>
+                      <a:endParaRPr lang="he-IL" sz="2000" i="1" dirty="0">
+                        <a:latin typeface="Helvetica" pitchFamily="34" charset="0"/>
+                        <a:cs typeface="Helvetica" pitchFamily="34" charset="0"/>
+                      </a:endParaRPr>
+                    </a:p>
+                  </a:txBody>
+                  <a:tcPr/>
+                </a:tc>
+              </a:tr>
+              <a:tr h="450000">
+                <a:tc>
+                  <a:txBody>
+                    <a:bodyPr/>
+                    <a:lstStyle/>
+                    <a:p>
+                      <a:pPr algn="ctr" rtl="0"/>
+                      <a:r>
+                        <a:rPr lang="en-US" sz="2000" dirty="0" smtClean="0">
+                          <a:latin typeface="Helvetica" pitchFamily="34" charset="0"/>
+                          <a:cs typeface="Helvetica" pitchFamily="34" charset="0"/>
+                        </a:rPr>
+                        <a:t>0.003-0.0004</a:t>
+                      </a:r>
+                      <a:endParaRPr lang="he-IL" sz="2000" dirty="0">
+                        <a:latin typeface="Helvetica" pitchFamily="34" charset="0"/>
+                        <a:cs typeface="Helvetica" pitchFamily="34" charset="0"/>
+                      </a:endParaRPr>
+                    </a:p>
+                  </a:txBody>
+                  <a:tcPr/>
+                </a:tc>
+                <a:tc>
+                  <a:txBody>
+                    <a:bodyPr/>
+                    <a:lstStyle/>
+                    <a:p>
+                      <a:pPr algn="ctr" rtl="0"/>
+                      <a:r>
+                        <a:rPr lang="en-US" sz="2000" dirty="0" smtClean="0">
+                          <a:latin typeface="Helvetica" pitchFamily="34" charset="0"/>
+                          <a:cs typeface="Helvetica" pitchFamily="34" charset="0"/>
+                        </a:rPr>
+                        <a:t>Genomic mutation rate</a:t>
+                      </a:r>
+                      <a:endParaRPr lang="he-IL" sz="2000" dirty="0">
+                        <a:latin typeface="Helvetica" pitchFamily="34" charset="0"/>
+                        <a:cs typeface="Helvetica" pitchFamily="34" charset="0"/>
+                      </a:endParaRPr>
+                    </a:p>
+                  </a:txBody>
+                  <a:tcPr/>
+                </a:tc>
+                <a:tc>
+                  <a:txBody>
+                    <a:bodyPr/>
+                    <a:lstStyle/>
+                    <a:p>
+                      <a:pPr algn="ctr" rtl="0"/>
+                      <a:r>
+                        <a:rPr lang="en-US" sz="2000" i="1" dirty="0" smtClean="0">
+                          <a:latin typeface="Helvetica" pitchFamily="34" charset="0"/>
+                          <a:cs typeface="Helvetica" pitchFamily="34" charset="0"/>
+                        </a:rPr>
+                        <a:t>U</a:t>
+                      </a:r>
+                      <a:endParaRPr lang="he-IL" sz="2000" i="1" dirty="0">
+                        <a:latin typeface="Helvetica" pitchFamily="34" charset="0"/>
+                        <a:cs typeface="Helvetica" pitchFamily="34" charset="0"/>
+                      </a:endParaRPr>
+                    </a:p>
+                  </a:txBody>
+                  <a:tcPr/>
+                </a:tc>
+              </a:tr>
+              <a:tr h="450000">
+                <a:tc>
+                  <a:txBody>
+                    <a:bodyPr/>
+                    <a:lstStyle/>
+                    <a:p>
+                      <a:pPr algn="ctr" rtl="0"/>
+                      <a:r>
+                        <a:rPr lang="en-US" sz="2000" i="1" dirty="0" smtClean="0">
+                          <a:latin typeface="Helvetica" pitchFamily="34" charset="0"/>
+                          <a:cs typeface="Helvetica" pitchFamily="34" charset="0"/>
+                        </a:rPr>
+                        <a:t>U</a:t>
+                      </a:r>
+                      <a:r>
+                        <a:rPr lang="en-US" sz="2000" dirty="0" smtClean="0">
+                          <a:latin typeface="Helvetica" pitchFamily="34" charset="0"/>
+                          <a:cs typeface="Helvetica" pitchFamily="34" charset="0"/>
+                        </a:rPr>
+                        <a:t>/5000</a:t>
+                      </a:r>
+                      <a:endParaRPr lang="he-IL" sz="2000" dirty="0">
+                        <a:latin typeface="Helvetica" pitchFamily="34" charset="0"/>
+                        <a:cs typeface="Helvetica" pitchFamily="34" charset="0"/>
+                      </a:endParaRPr>
+                    </a:p>
+                  </a:txBody>
+                  <a:tcPr/>
+                </a:tc>
+                <a:tc>
+                  <a:txBody>
+                    <a:bodyPr/>
+                    <a:lstStyle/>
+                    <a:p>
+                      <a:pPr algn="ctr" rtl="0"/>
+                      <a:r>
+                        <a:rPr lang="en-US" sz="2000" dirty="0" smtClean="0">
+                          <a:latin typeface="Helvetica" pitchFamily="34" charset="0"/>
+                          <a:cs typeface="Helvetica" pitchFamily="34" charset="0"/>
+                        </a:rPr>
+                        <a:t>Beneficial site mutation rate</a:t>
+                      </a:r>
+                      <a:endParaRPr lang="he-IL" sz="2000" dirty="0">
+                        <a:latin typeface="Helvetica" pitchFamily="34" charset="0"/>
+                        <a:cs typeface="Helvetica" pitchFamily="34" charset="0"/>
+                      </a:endParaRPr>
+                    </a:p>
+                  </a:txBody>
+                  <a:tcPr/>
+                </a:tc>
+                <a:tc>
+                  <a:txBody>
+                    <a:bodyPr/>
+                    <a:lstStyle/>
+                    <a:p>
+                      <a:pPr algn="ctr" rtl="0"/>
+                      <a:r>
+                        <a:rPr lang="he-IL" sz="2000" i="1" dirty="0" smtClean="0">
+                          <a:latin typeface="Helvetica" pitchFamily="34" charset="0"/>
+                          <a:cs typeface="Helvetica" pitchFamily="34" charset="0"/>
+                        </a:rPr>
+                        <a:t>µ</a:t>
+                      </a:r>
+                      <a:endParaRPr lang="he-IL" sz="2000" i="1" dirty="0">
+                        <a:latin typeface="Helvetica" pitchFamily="34" charset="0"/>
+                        <a:cs typeface="Helvetica" pitchFamily="34" charset="0"/>
+                      </a:endParaRPr>
+                    </a:p>
+                  </a:txBody>
+                  <a:tcPr/>
+                </a:tc>
+              </a:tr>
+              <a:tr h="450000">
+                <a:tc>
+                  <a:txBody>
+                    <a:bodyPr/>
+                    <a:lstStyle/>
+                    <a:p>
+                      <a:pPr algn="ctr" rtl="0"/>
+                      <a:r>
+                        <a:rPr lang="en-US" sz="2000" dirty="0" smtClean="0">
+                          <a:latin typeface="Helvetica" pitchFamily="34" charset="0"/>
+                          <a:cs typeface="Helvetica" pitchFamily="34" charset="0"/>
+                        </a:rPr>
+                        <a:t>1-1,000</a:t>
+                      </a:r>
+                      <a:endParaRPr lang="he-IL" sz="2000" dirty="0">
+                        <a:latin typeface="Helvetica" pitchFamily="34" charset="0"/>
+                        <a:cs typeface="Helvetica" pitchFamily="34" charset="0"/>
+                      </a:endParaRPr>
+                    </a:p>
+                  </a:txBody>
+                  <a:tcPr/>
+                </a:tc>
+                <a:tc>
+                  <a:txBody>
+                    <a:bodyPr/>
+                    <a:lstStyle/>
+                    <a:p>
+                      <a:pPr algn="ctr" rtl="0"/>
+                      <a:r>
+                        <a:rPr lang="en-US" sz="2000" dirty="0" smtClean="0">
+                          <a:latin typeface="Helvetica" pitchFamily="34" charset="0"/>
+                          <a:cs typeface="Helvetica" pitchFamily="34" charset="0"/>
+                        </a:rPr>
+                        <a:t>Mutation rate increase</a:t>
+                      </a:r>
+                      <a:endParaRPr lang="he-IL" sz="2000" dirty="0">
+                        <a:latin typeface="Helvetica" pitchFamily="34" charset="0"/>
+                        <a:cs typeface="Helvetica" pitchFamily="34" charset="0"/>
+                      </a:endParaRPr>
+                    </a:p>
+                  </a:txBody>
+                  <a:tcPr/>
+                </a:tc>
+                <a:tc>
+                  <a:txBody>
+                    <a:bodyPr/>
+                    <a:lstStyle/>
+                    <a:p>
+                      <a:pPr algn="ctr" rtl="0"/>
+                      <a:r>
+                        <a:rPr lang="el-GR" sz="2000" i="1" dirty="0" smtClean="0">
+                          <a:latin typeface="Helvetica" pitchFamily="34" charset="0"/>
+                          <a:cs typeface="Helvetica" pitchFamily="34" charset="0"/>
+                        </a:rPr>
+                        <a:t>τ</a:t>
+                      </a:r>
+                      <a:endParaRPr lang="he-IL" sz="2000" i="1" dirty="0">
+                        <a:latin typeface="Helvetica" pitchFamily="34" charset="0"/>
+                        <a:cs typeface="Helvetica" pitchFamily="34" charset="0"/>
+                      </a:endParaRPr>
+                    </a:p>
+                  </a:txBody>
+                  <a:tcPr/>
+                </a:tc>
+              </a:tr>
+              <a:tr h="450000">
+                <a:tc>
+                  <a:txBody>
+                    <a:bodyPr/>
+                    <a:lstStyle/>
+                    <a:p>
+                      <a:pPr algn="ctr" rtl="0"/>
+                      <a:r>
+                        <a:rPr lang="en-US" sz="2000" dirty="0" smtClean="0">
+                          <a:latin typeface="Helvetica" pitchFamily="34" charset="0"/>
+                          <a:cs typeface="Helvetica" pitchFamily="34" charset="0"/>
+                        </a:rPr>
+                        <a:t>10</a:t>
+                      </a:r>
+                      <a:r>
+                        <a:rPr lang="en-US" sz="2000" baseline="30000" dirty="0" smtClean="0">
+                          <a:latin typeface="Helvetica" pitchFamily="34" charset="0"/>
+                          <a:cs typeface="Helvetica" pitchFamily="34" charset="0"/>
+                        </a:rPr>
+                        <a:t>4</a:t>
+                      </a:r>
+                      <a:r>
+                        <a:rPr lang="en-US" sz="2000" baseline="0" dirty="0" smtClean="0">
+                          <a:latin typeface="Helvetica" pitchFamily="34" charset="0"/>
+                          <a:cs typeface="Helvetica" pitchFamily="34" charset="0"/>
+                        </a:rPr>
+                        <a:t>-10</a:t>
+                      </a:r>
+                      <a:r>
+                        <a:rPr lang="en-US" sz="2000" baseline="30000" dirty="0" smtClean="0">
+                          <a:latin typeface="Helvetica" pitchFamily="34" charset="0"/>
+                          <a:cs typeface="Helvetica" pitchFamily="34" charset="0"/>
+                        </a:rPr>
+                        <a:t>10</a:t>
+                      </a:r>
+                      <a:endParaRPr lang="he-IL" sz="2000" dirty="0">
+                        <a:latin typeface="Helvetica" pitchFamily="34" charset="0"/>
+                        <a:cs typeface="Helvetica" pitchFamily="34" charset="0"/>
+                      </a:endParaRPr>
+                    </a:p>
+                  </a:txBody>
+                  <a:tcPr/>
+                </a:tc>
+                <a:tc>
+                  <a:txBody>
+                    <a:bodyPr/>
+                    <a:lstStyle/>
+                    <a:p>
+                      <a:pPr algn="ctr" rtl="0"/>
+                      <a:r>
+                        <a:rPr lang="en-US" sz="2000" dirty="0" smtClean="0">
+                          <a:latin typeface="Helvetica" pitchFamily="34" charset="0"/>
+                          <a:cs typeface="Helvetica" pitchFamily="34" charset="0"/>
+                        </a:rPr>
+                        <a:t>Population size</a:t>
+                      </a:r>
+                      <a:endParaRPr lang="he-IL" sz="2000" dirty="0">
+                        <a:latin typeface="Helvetica" pitchFamily="34" charset="0"/>
+                        <a:cs typeface="Helvetica" pitchFamily="34" charset="0"/>
+                      </a:endParaRPr>
+                    </a:p>
+                  </a:txBody>
+                  <a:tcPr/>
+                </a:tc>
+                <a:tc>
+                  <a:txBody>
+                    <a:bodyPr/>
+                    <a:lstStyle/>
+                    <a:p>
+                      <a:pPr algn="ctr" rtl="0"/>
+                      <a:r>
+                        <a:rPr lang="en-US" sz="2000" i="1" dirty="0" smtClean="0">
+                          <a:latin typeface="Helvetica" pitchFamily="34" charset="0"/>
+                          <a:cs typeface="Helvetica" pitchFamily="34" charset="0"/>
+                        </a:rPr>
+                        <a:t>N</a:t>
+                      </a:r>
+                      <a:endParaRPr lang="he-IL" sz="2000" i="1" dirty="0">
+                        <a:latin typeface="Helvetica" pitchFamily="34" charset="0"/>
+                        <a:cs typeface="Helvetica" pitchFamily="34" charset="0"/>
+                      </a:endParaRPr>
+                    </a:p>
+                  </a:txBody>
+                  <a:tcPr/>
+                </a:tc>
+              </a:tr>
+            </a:tbl>
+          </a:graphicData>
+        </a:graphic>
+      </p:graphicFrame>
       <p:sp>
         <p:nvSpPr>
-          <p:cNvPr id="56" name="TextBox 55"/>
+          <p:cNvPr id="60" name="TextBox 59"/>
           <p:cNvSpPr txBox="1"/>
           <p:nvPr/>
         </p:nvSpPr>
         <p:spPr>
           <a:xfrm>
-            <a:off x="8755658" y="31870227"/>
-            <a:ext cx="3269978" cy="461665"/>
+            <a:off x="16330079" y="25645217"/>
+            <a:ext cx="10409860" cy="1070051"/>
           </a:xfrm>
           <a:prstGeom prst="rect">
             <a:avLst/>
           </a:prstGeom>
           <a:noFill/>
+          <a:ln>
+            <a:noFill/>
+          </a:ln>
         </p:spPr>
         <p:txBody>
-          <a:bodyPr wrap="square" rtlCol="1">
-            <a:spAutoFit/>
+          <a:bodyPr wrap="square" lIns="104498" tIns="52249" rIns="104498" bIns="52249" rtlCol="0">
+            <a:noAutofit/>
           </a:bodyPr>
           <a:lstStyle/>
           <a:p>
-            <a:pPr algn="ctr"/>
-            <a:r>
-              <a:rPr lang="en-US" sz="2400" dirty="0" smtClean="0"/>
-              <a:t>fitness</a:t>
-            </a:r>
-            <a:endParaRPr lang="he-IL" sz="2400" dirty="0"/>
+            <a:pPr algn="ctr" defTabSz="1044976" rtl="0">
+              <a:defRPr/>
+            </a:pPr>
+            <a:r>
+              <a:rPr lang="en-US" sz="2000" b="1" kern="0" dirty="0" smtClean="0">
+                <a:solidFill>
+                  <a:sysClr val="windowText" lastClr="000000"/>
+                </a:solidFill>
+                <a:latin typeface="Helvetica" pitchFamily="34" charset="0"/>
+                <a:cs typeface="Helvetica" pitchFamily="34" charset="0"/>
+              </a:rPr>
+              <a:t>Table 1</a:t>
+            </a:r>
+            <a:r>
+              <a:rPr lang="en-US" sz="2000" b="1" kern="0" dirty="0">
+                <a:solidFill>
+                  <a:sysClr val="windowText" lastClr="000000"/>
+                </a:solidFill>
+                <a:latin typeface="Helvetica" pitchFamily="34" charset="0"/>
+                <a:cs typeface="Helvetica" pitchFamily="34" charset="0"/>
+              </a:rPr>
+              <a:t>. </a:t>
+            </a:r>
+            <a:r>
+              <a:rPr lang="en-US" sz="2000" b="1" kern="0" dirty="0" smtClean="0">
+                <a:solidFill>
+                  <a:sysClr val="windowText" lastClr="000000"/>
+                </a:solidFill>
+                <a:latin typeface="Helvetica" pitchFamily="34" charset="0"/>
+                <a:cs typeface="Helvetica" pitchFamily="34" charset="0"/>
+              </a:rPr>
+              <a:t>Model parameters and estimated values for </a:t>
+            </a:r>
+            <a:r>
+              <a:rPr lang="en-US" sz="2000" b="1" i="1" kern="0" dirty="0" smtClean="0">
+                <a:solidFill>
+                  <a:sysClr val="windowText" lastClr="000000"/>
+                </a:solidFill>
+                <a:latin typeface="Helvetica" pitchFamily="34" charset="0"/>
+                <a:cs typeface="Helvetica" pitchFamily="34" charset="0"/>
+              </a:rPr>
+              <a:t>E. coli.</a:t>
+            </a:r>
+            <a:endParaRPr lang="en-US" sz="2000" b="1" kern="0" dirty="0">
+              <a:solidFill>
+                <a:sysClr val="windowText" lastClr="000000"/>
+              </a:solidFill>
+              <a:latin typeface="Helvetica" pitchFamily="34" charset="0"/>
+              <a:cs typeface="Helvetica" pitchFamily="34" charset="0"/>
+            </a:endParaRPr>
           </a:p>
         </p:txBody>
       </p:sp>

--- a/poster.pptx
+++ b/poster.pptx
@@ -4616,16 +4616,107 @@
               <a:defRPr/>
             </a:pPr>
             <a:r>
-              <a:rPr lang="en-US" sz="4400" b="1" kern="0" smtClean="0">
+              <a:rPr lang="en-US" sz="4400" b="1" kern="0" dirty="0" smtClean="0">
                 <a:solidFill>
                   <a:schemeClr val="accent2"/>
                 </a:solidFill>
               </a:rPr>
               <a:t>Simulations</a:t>
             </a:r>
-            <a:endParaRPr lang="en-US" sz="4400" b="1" kern="0" dirty="0">
+          </a:p>
+          <a:p>
+            <a:pPr marL="0" indent="205704" algn="just" defTabSz="908920" rtl="0" eaLnBrk="1" hangingPunct="1">
+              <a:spcBef>
+                <a:spcPct val="10000"/>
+              </a:spcBef>
+              <a:tabLst>
+                <a:tab pos="631195" algn="l"/>
+              </a:tabLst>
+              <a:defRPr/>
+            </a:pPr>
+            <a:r>
+              <a:rPr lang="en-US" sz="2800" kern="0" dirty="0" smtClean="0">
+                <a:solidFill>
+                  <a:srgbClr val="000000"/>
+                </a:solidFill>
+              </a:rPr>
+              <a:t>We performed Wright-Fisher simulations without recombination. We tracked the frequency of </a:t>
+            </a:r>
+            <a:r>
+              <a:rPr lang="en-US" sz="2800" i="1" kern="0" dirty="0" err="1" smtClean="0">
+                <a:solidFill>
+                  <a:srgbClr val="000000"/>
+                </a:solidFill>
+              </a:rPr>
+              <a:t>ab</a:t>
+            </a:r>
+            <a:r>
+              <a:rPr lang="en-US" sz="2800" kern="0" dirty="0" smtClean="0">
+                <a:solidFill>
+                  <a:srgbClr val="000000"/>
+                </a:solidFill>
+              </a:rPr>
+              <a:t>, </a:t>
+            </a:r>
+            <a:r>
+              <a:rPr lang="en-US" sz="2800" i="1" kern="0" dirty="0" err="1" smtClean="0">
+                <a:solidFill>
+                  <a:srgbClr val="000000"/>
+                </a:solidFill>
+              </a:rPr>
+              <a:t>Ab</a:t>
+            </a:r>
+            <a:r>
+              <a:rPr lang="en-US" sz="2800" kern="0" dirty="0" smtClean="0">
+                <a:solidFill>
+                  <a:srgbClr val="000000"/>
+                </a:solidFill>
+              </a:rPr>
+              <a:t>, </a:t>
+            </a:r>
+            <a:r>
+              <a:rPr lang="en-US" sz="2800" i="1" kern="0" dirty="0" err="1" smtClean="0">
+                <a:solidFill>
+                  <a:srgbClr val="000000"/>
+                </a:solidFill>
+              </a:rPr>
+              <a:t>aB</a:t>
+            </a:r>
+            <a:r>
+              <a:rPr lang="en-US" sz="2800" kern="0" dirty="0">
+                <a:solidFill>
+                  <a:srgbClr val="000000"/>
+                </a:solidFill>
+              </a:rPr>
+              <a:t> </a:t>
+            </a:r>
+            <a:r>
+              <a:rPr lang="en-US" sz="2800" kern="0" dirty="0" smtClean="0">
+                <a:solidFill>
+                  <a:srgbClr val="000000"/>
+                </a:solidFill>
+              </a:rPr>
+              <a:t>and </a:t>
+            </a:r>
+            <a:r>
+              <a:rPr lang="en-US" sz="2800" i="1" kern="0" dirty="0" smtClean="0">
+                <a:solidFill>
+                  <a:srgbClr val="000000"/>
+                </a:solidFill>
+              </a:rPr>
+              <a:t>AB</a:t>
+            </a:r>
+            <a:r>
+              <a:rPr lang="en-US" sz="2800" kern="0" dirty="0" smtClean="0">
+                <a:solidFill>
+                  <a:srgbClr val="000000"/>
+                </a:solidFill>
+              </a:rPr>
+              <a:t> and the number of deleterious mutations in each type – see Figure 2.</a:t>
+            </a:r>
+            <a:endParaRPr lang="en-US" sz="2800" i="1" kern="0" dirty="0">
               <a:solidFill>
-                <a:schemeClr val="accent2"/>
+                <a:srgbClr val="000000"/>
               </a:solidFill>
             </a:endParaRPr>
           </a:p>
@@ -6082,9 +6173,27 @@
                   <a:srgbClr val="000000"/>
                 </a:solidFill>
               </a:rPr>
-              <a:t>. In addition to adaptation, the population must also cope with deleterious mutations.</a:t>
-            </a:r>
-            <a:endParaRPr lang="en-US" sz="2800" kern="0" dirty="0">
+              <a:t>. </a:t>
+            </a:r>
+          </a:p>
+          <a:p>
+            <a:pPr indent="205704" algn="l" defTabSz="908920" rtl="0">
+              <a:defRPr/>
+            </a:pPr>
+            <a:r>
+              <a:rPr lang="en-US" sz="2800" kern="0" dirty="0" smtClean="0">
+                <a:solidFill>
+                  <a:srgbClr val="000000"/>
+                </a:solidFill>
+              </a:rPr>
+              <a:t>In addition to adaptation, the population must also cope with deleterious mutations, so we assumed that individuals with deleterious mutations will not contribute to the adaptation process.</a:t>
+            </a:r>
+          </a:p>
+          <a:p>
+            <a:pPr indent="205704" algn="l" defTabSz="908920" rtl="0">
+              <a:defRPr/>
+            </a:pPr>
+            <a:endParaRPr lang="en-US" sz="2800" kern="0" dirty="0" smtClean="0">
               <a:solidFill>
                 <a:srgbClr val="000000"/>
               </a:solidFill>
@@ -8422,105 +8531,7 @@
                     </a:solidFill>
                     <a:latin typeface="+mn-lt"/>
                   </a:rPr>
-                  <a:t>.</a:t>
-                </a:r>
-              </a:p>
-              <a:p>
-                <a:pPr indent="205704" algn="l" defTabSz="908920" rtl="0">
-                  <a:defRPr/>
-                </a:pPr>
-                <a:endParaRPr lang="en-US" sz="2800" kern="0" dirty="0">
-                  <a:solidFill>
-                    <a:srgbClr val="000000"/>
-                  </a:solidFill>
-                  <a:latin typeface="+mn-lt"/>
-                </a:endParaRPr>
-              </a:p>
-              <a:p>
-                <a:pPr indent="205704" algn="l" defTabSz="908920" rtl="0">
-                  <a:defRPr/>
-                </a:pPr>
-                <a:r>
-                  <a:rPr lang="en-US" sz="2800" b="1" kern="0" dirty="0" smtClean="0">
-                    <a:solidFill>
-                      <a:schemeClr val="accent2"/>
-                    </a:solidFill>
-                  </a:rPr>
-                  <a:t>Example - </a:t>
-                </a:r>
-                <a:r>
-                  <a:rPr lang="en-US" sz="2800" b="1" i="1" kern="0" dirty="0" smtClean="0">
-                    <a:solidFill>
-                      <a:schemeClr val="accent2"/>
-                    </a:solidFill>
-                  </a:rPr>
-                  <a:t>E. coli</a:t>
-                </a:r>
-                <a:r>
-                  <a:rPr lang="en-US" sz="2800" b="1" kern="0" dirty="0" smtClean="0">
-                    <a:solidFill>
-                      <a:schemeClr val="accent2"/>
-                    </a:solidFill>
-                  </a:rPr>
-                  <a:t> parameters</a:t>
-                </a:r>
-              </a:p>
-              <a:p>
-                <a:pPr indent="205704" algn="l" defTabSz="908920" rtl="0">
-                  <a:defRPr/>
-                </a:pPr>
-                <a:r>
-                  <a:rPr lang="en-US" sz="2800" kern="0" dirty="0" smtClean="0">
-                    <a:solidFill>
-                      <a:srgbClr val="000000"/>
-                    </a:solidFill>
-                    <a:latin typeface="+mn-lt"/>
-                  </a:rPr>
-                  <a:t>Estimates of the deleterious mutation rate in </a:t>
-                </a:r>
-                <a:r>
-                  <a:rPr lang="en-US" sz="2800" i="1" kern="0" dirty="0" smtClean="0">
-                    <a:solidFill>
-                      <a:srgbClr val="000000"/>
-                    </a:solidFill>
-                    <a:latin typeface="+mn-lt"/>
-                  </a:rPr>
-                  <a:t>E. coli </a:t>
-                </a:r>
-                <a:r>
-                  <a:rPr lang="en-US" sz="2800" kern="0" dirty="0" smtClean="0">
-                    <a:solidFill>
-                      <a:srgbClr val="000000"/>
-                    </a:solidFill>
-                    <a:latin typeface="+mn-lt"/>
-                  </a:rPr>
-                  <a:t>range between 0.003 (5) and 0.0004 (6), which sets the boundary on the mutation rate increase </a:t>
-                </a:r>
-                <a:r>
-                  <a:rPr lang="el-GR" sz="2800" i="1" kern="0" dirty="0" smtClean="0">
-                    <a:solidFill>
-                      <a:schemeClr val="accent6"/>
-                    </a:solidFill>
-                    <a:latin typeface="+mn-lt"/>
-                  </a:rPr>
-                  <a:t>τ</a:t>
-                </a:r>
-                <a:r>
-                  <a:rPr lang="en-US" sz="2800" b="1" i="1" kern="0" dirty="0" smtClean="0">
-                    <a:solidFill>
-                      <a:schemeClr val="accent6"/>
-                    </a:solidFill>
-                  </a:rPr>
-                  <a:t> </a:t>
-                </a:r>
-                <a:r>
-                  <a:rPr lang="en-US" sz="2800" kern="0" dirty="0" smtClean="0">
-                    <a:solidFill>
-                      <a:srgbClr val="000000"/>
-                    </a:solidFill>
-                    <a:latin typeface="+mn-lt"/>
-                  </a:rPr>
-                  <a:t>to between 150 and 1,2500. </a:t>
+                  <a:t>. </a:t>
                 </a:r>
               </a:p>
               <a:p>
@@ -8791,352 +8802,247 @@
           </a:p>
         </p:txBody>
       </p:sp>
-      <p:grpSp>
-        <p:nvGrpSpPr>
-          <p:cNvPr id="161" name="Group 160"/>
-          <p:cNvGrpSpPr/>
+      <p:sp>
+        <p:nvSpPr>
+          <p:cNvPr id="156" name="Text Box 70"/>
+          <p:cNvSpPr txBox="1">
+            <a:spLocks noChangeArrowheads="1"/>
+          </p:cNvSpPr>
           <p:nvPr/>
-        </p:nvGrpSpPr>
-        <p:grpSpPr>
+        </p:nvSpPr>
+        <p:spPr bwMode="auto">
           <a:xfrm>
             <a:off x="29308836" y="39029975"/>
             <a:ext cx="11520000" cy="2398487"/>
-            <a:chOff x="21600000" y="45981464"/>
-            <a:chExt cx="9000000" cy="3115857"/>
-          </a:xfrm>
-        </p:grpSpPr>
-        <p:sp>
-          <p:nvSpPr>
-            <p:cNvPr id="156" name="Text Box 70"/>
-            <p:cNvSpPr txBox="1">
-              <a:spLocks noChangeArrowheads="1"/>
-            </p:cNvSpPr>
-            <p:nvPr/>
-          </p:nvSpPr>
-          <p:spPr bwMode="auto">
-            <a:xfrm>
-              <a:off x="21600000" y="45981464"/>
-              <a:ext cx="9000000" cy="3115857"/>
-            </a:xfrm>
-            <a:prstGeom prst="rect">
-              <a:avLst/>
-            </a:prstGeom>
-            <a:solidFill>
-              <a:srgbClr val="FFFFFF"/>
-            </a:solidFill>
-            <a:ln w="12700">
-              <a:solidFill>
-                <a:srgbClr val="4D4D4D"/>
-              </a:solidFill>
-              <a:miter lim="800000"/>
-              <a:headEnd/>
-              <a:tailEnd/>
-            </a:ln>
-          </p:spPr>
-          <p:txBody>
-            <a:bodyPr lIns="795600" tIns="252000" rIns="795600" bIns="795600"/>
-            <a:lstStyle>
-              <a:lvl1pPr eaLnBrk="0" hangingPunct="0">
-                <a:defRPr sz="3200">
-                  <a:solidFill>
-                    <a:schemeClr val="tx1"/>
-                  </a:solidFill>
-                  <a:latin typeface="Helvetica" pitchFamily="-111" charset="0"/>
-                  <a:ea typeface="ＭＳ Ｐゴシック" pitchFamily="-111" charset="-128"/>
-                </a:defRPr>
-              </a:lvl1pPr>
-              <a:lvl2pPr marL="37931725" indent="-37474525" eaLnBrk="0" hangingPunct="0">
-                <a:defRPr sz="3200">
-                  <a:solidFill>
-                    <a:schemeClr val="tx1"/>
-                  </a:solidFill>
-                  <a:latin typeface="Helvetica" pitchFamily="-111" charset="0"/>
-                  <a:ea typeface="ＭＳ Ｐゴシック" pitchFamily="-111" charset="-128"/>
-                </a:defRPr>
-              </a:lvl2pPr>
-              <a:lvl3pPr eaLnBrk="0" hangingPunct="0">
-                <a:defRPr sz="3200">
-                  <a:solidFill>
-                    <a:schemeClr val="tx1"/>
-                  </a:solidFill>
-                  <a:latin typeface="Helvetica" pitchFamily="-111" charset="0"/>
-                  <a:ea typeface="ＭＳ Ｐゴシック" pitchFamily="-111" charset="-128"/>
-                </a:defRPr>
-              </a:lvl3pPr>
-              <a:lvl4pPr eaLnBrk="0" hangingPunct="0">
-                <a:defRPr sz="3200">
-                  <a:solidFill>
-                    <a:schemeClr val="tx1"/>
-                  </a:solidFill>
-                  <a:latin typeface="Helvetica" pitchFamily="-111" charset="0"/>
-                  <a:ea typeface="ＭＳ Ｐゴシック" pitchFamily="-111" charset="-128"/>
-                </a:defRPr>
-              </a:lvl4pPr>
-              <a:lvl5pPr eaLnBrk="0" hangingPunct="0">
-                <a:defRPr sz="3200">
-                  <a:solidFill>
-                    <a:schemeClr val="tx1"/>
-                  </a:solidFill>
-                  <a:latin typeface="Helvetica" pitchFamily="-111" charset="0"/>
-                  <a:ea typeface="ＭＳ Ｐゴシック" pitchFamily="-111" charset="-128"/>
-                </a:defRPr>
-              </a:lvl5pPr>
-              <a:lvl6pPr marL="457200" eaLnBrk="0" fontAlgn="base" hangingPunct="0">
-                <a:spcBef>
-                  <a:spcPct val="0"/>
-                </a:spcBef>
-                <a:spcAft>
-                  <a:spcPct val="0"/>
-                </a:spcAft>
-                <a:defRPr sz="3200">
-                  <a:solidFill>
-                    <a:schemeClr val="tx1"/>
-                  </a:solidFill>
-                  <a:latin typeface="Helvetica" pitchFamily="-111" charset="0"/>
-                  <a:ea typeface="ＭＳ Ｐゴシック" pitchFamily="-111" charset="-128"/>
-                </a:defRPr>
-              </a:lvl6pPr>
-              <a:lvl7pPr marL="914400" eaLnBrk="0" fontAlgn="base" hangingPunct="0">
-                <a:spcBef>
-                  <a:spcPct val="0"/>
-                </a:spcBef>
-                <a:spcAft>
-                  <a:spcPct val="0"/>
-                </a:spcAft>
-                <a:defRPr sz="3200">
-                  <a:solidFill>
-                    <a:schemeClr val="tx1"/>
-                  </a:solidFill>
-                  <a:latin typeface="Helvetica" pitchFamily="-111" charset="0"/>
-                  <a:ea typeface="ＭＳ Ｐゴシック" pitchFamily="-111" charset="-128"/>
-                </a:defRPr>
-              </a:lvl7pPr>
-              <a:lvl8pPr marL="1371600" eaLnBrk="0" fontAlgn="base" hangingPunct="0">
-                <a:spcBef>
-                  <a:spcPct val="0"/>
-                </a:spcBef>
-                <a:spcAft>
-                  <a:spcPct val="0"/>
-                </a:spcAft>
-                <a:defRPr sz="3200">
-                  <a:solidFill>
-                    <a:schemeClr val="tx1"/>
-                  </a:solidFill>
-                  <a:latin typeface="Helvetica" pitchFamily="-111" charset="0"/>
-                  <a:ea typeface="ＭＳ Ｐゴシック" pitchFamily="-111" charset="-128"/>
-                </a:defRPr>
-              </a:lvl8pPr>
-              <a:lvl9pPr marL="1828800" eaLnBrk="0" fontAlgn="base" hangingPunct="0">
-                <a:spcBef>
-                  <a:spcPct val="0"/>
-                </a:spcBef>
-                <a:spcAft>
-                  <a:spcPct val="0"/>
-                </a:spcAft>
-                <a:defRPr sz="3200">
-                  <a:solidFill>
-                    <a:schemeClr val="tx1"/>
-                  </a:solidFill>
-                  <a:latin typeface="Helvetica" pitchFamily="-111" charset="0"/>
-                  <a:ea typeface="ＭＳ Ｐゴシック" pitchFamily="-111" charset="-128"/>
-                </a:defRPr>
-              </a:lvl9pPr>
-            </a:lstStyle>
-            <a:p>
-              <a:pPr indent="205704" algn="just" defTabSz="908920" rtl="0" eaLnBrk="1" hangingPunct="1">
-                <a:spcBef>
-                  <a:spcPct val="10000"/>
-                </a:spcBef>
-                <a:tabLst>
-                  <a:tab pos="631195" algn="l"/>
-                </a:tabLst>
-                <a:defRPr/>
-              </a:pPr>
-              <a:r>
-                <a:rPr lang="en-US" sz="4400" b="1" kern="0" dirty="0">
-                  <a:solidFill>
-                    <a:schemeClr val="accent2"/>
-                  </a:solidFill>
-                </a:rPr>
-                <a:t>For more information</a:t>
-              </a:r>
-            </a:p>
-            <a:p>
-              <a:pPr indent="205704" algn="l" defTabSz="908920" rtl="0" eaLnBrk="1" fontAlgn="base" hangingPunct="1">
-                <a:spcBef>
-                  <a:spcPct val="10000"/>
-                </a:spcBef>
-                <a:spcAft>
-                  <a:spcPct val="0"/>
-                </a:spcAft>
-              </a:pPr>
-              <a:r>
-                <a:rPr lang="en-US" sz="2800" dirty="0">
-                  <a:solidFill>
-                    <a:srgbClr val="000000"/>
-                  </a:solidFill>
-                  <a:latin typeface="+mn-lt"/>
-                </a:rPr>
-                <a:t>Please contact Yoav Ram at </a:t>
-              </a:r>
-              <a:r>
-                <a:rPr lang="en-US" sz="2800" i="1" dirty="0">
-                  <a:solidFill>
-                    <a:srgbClr val="000000"/>
-                  </a:solidFill>
-                  <a:latin typeface="+mn-lt"/>
-                </a:rPr>
-                <a:t>yoavram@post.tau.ac.il</a:t>
-              </a:r>
-              <a:r>
-                <a:rPr lang="en-US" sz="2800" dirty="0">
-                  <a:solidFill>
-                    <a:srgbClr val="000000"/>
-                  </a:solidFill>
-                  <a:latin typeface="+mn-lt"/>
-                </a:rPr>
-                <a:t> </a:t>
-              </a:r>
-            </a:p>
-            <a:p>
-              <a:pPr indent="205704" algn="l" defTabSz="908920" rtl="0" eaLnBrk="1" fontAlgn="base" hangingPunct="1">
-                <a:spcBef>
-                  <a:spcPct val="10000"/>
-                </a:spcBef>
-                <a:spcAft>
-                  <a:spcPct val="0"/>
-                </a:spcAft>
-              </a:pPr>
-              <a:r>
-                <a:rPr lang="en-US" sz="2800" dirty="0">
-                  <a:solidFill>
-                    <a:srgbClr val="000000"/>
-                  </a:solidFill>
-                  <a:latin typeface="+mn-lt"/>
-                </a:rPr>
-                <a:t>or </a:t>
-              </a:r>
-              <a:r>
-                <a:rPr lang="en-US" sz="2800" i="1" dirty="0">
-                  <a:solidFill>
-                    <a:srgbClr val="000000"/>
-                  </a:solidFill>
-                  <a:latin typeface="+mn-lt"/>
-                </a:rPr>
-                <a:t>+972-545-383136 </a:t>
-              </a:r>
-              <a:r>
-                <a:rPr lang="en-US" sz="2800" dirty="0">
-                  <a:solidFill>
-                    <a:srgbClr val="000000"/>
-                  </a:solidFill>
-                  <a:latin typeface="+mn-lt"/>
-                </a:rPr>
-                <a:t>or visit </a:t>
-              </a:r>
-              <a:r>
-                <a:rPr lang="en-US" sz="2800" i="1" dirty="0">
-                  <a:solidFill>
-                    <a:srgbClr val="000000"/>
-                  </a:solidFill>
-                  <a:latin typeface="+mn-lt"/>
-                </a:rPr>
-                <a:t>www.yoavram.com</a:t>
-              </a:r>
-            </a:p>
-          </p:txBody>
-        </p:sp>
-        <p:pic>
-          <p:nvPicPr>
-            <p:cNvPr id="157" name="Picture 156"/>
-            <p:cNvPicPr>
-              <a:picLocks noChangeAspect="1"/>
-            </p:cNvPicPr>
-            <p:nvPr/>
-          </p:nvPicPr>
-          <p:blipFill>
-            <a:blip r:embed="rId3" cstate="print">
-              <a:extLst>
-                <a:ext uri="{BEBA8EAE-BF5A-486C-A8C5-ECC9F3942E4B}">
-                  <a14:imgProps xmlns:a14="http://schemas.microsoft.com/office/drawing/2010/main">
-                    <a14:imgLayer r:embed="rId4">
-                      <a14:imgEffect>
-                        <a14:backgroundRemoval t="0" b="100000" l="0" r="100000">
-                          <a14:backgroundMark x1="2774" y1="60000" x2="43574" y2="51667"/>
-                          <a14:backgroundMark x1="43574" y1="51667" x2="43941" y2="8611"/>
-                          <a14:backgroundMark x1="55773" y1="11389" x2="57691" y2="48611"/>
-                          <a14:backgroundMark x1="57691" y1="48611" x2="98490" y2="54444"/>
-                        </a14:backgroundRemoval>
-                      </a14:imgEffect>
-                    </a14:imgLayer>
-                  </a14:imgProps>
-                </a:ext>
-                <a:ext uri="{28A0092B-C50C-407E-A947-70E740481C1C}">
-                  <a14:useLocalDpi xmlns:a14="http://schemas.microsoft.com/office/drawing/2010/main" val="0"/>
-                </a:ext>
-              </a:extLst>
-            </a:blip>
-            <a:stretch>
-              <a:fillRect/>
-            </a:stretch>
-          </p:blipFill>
-          <p:spPr>
-            <a:xfrm>
-              <a:off x="23858807" y="48275917"/>
-              <a:ext cx="4482389" cy="658368"/>
-            </a:xfrm>
-            <a:prstGeom prst="rect">
-              <a:avLst/>
-            </a:prstGeom>
-          </p:spPr>
-        </p:pic>
-      </p:grpSp>
-      <p:pic>
-        <p:nvPicPr>
-          <p:cNvPr id="1026" name="Picture 2" descr="C:\Users\user\Desktop\Yoav\2011-07-29 18.51.12.jpg"/>
-          <p:cNvPicPr>
-            <a:picLocks noChangeAspect="1" noChangeArrowheads="1"/>
-          </p:cNvPicPr>
-          <p:nvPr/>
-        </p:nvPicPr>
-        <p:blipFill rotWithShape="1">
-          <a:blip r:embed="rId5" cstate="print">
-            <a:extLst>
-              <a:ext uri="{28A0092B-C50C-407E-A947-70E740481C1C}">
-                <a14:useLocalDpi xmlns:a14="http://schemas.microsoft.com/office/drawing/2010/main" val="0"/>
-              </a:ext>
-            </a:extLst>
-          </a:blip>
-          <a:srcRect l="26713" t="8258" r="17093" b="25219"/>
-          <a:stretch/>
-        </p:blipFill>
-        <p:spPr bwMode="auto">
-          <a:xfrm>
-            <a:off x="38677754" y="39124797"/>
-            <a:ext cx="1978512" cy="2178167"/>
           </a:xfrm>
           <a:prstGeom prst="rect">
             <a:avLst/>
           </a:prstGeom>
           <a:solidFill>
-            <a:srgbClr val="FFFFFF">
-              <a:shade val="85000"/>
-            </a:srgbClr>
+            <a:srgbClr val="FFFFFF"/>
           </a:solidFill>
-          <a:ln w="88900" cap="sq">
-            <a:noFill/>
+          <a:ln w="12700">
+            <a:solidFill>
+              <a:srgbClr val="4D4D4D"/>
+            </a:solidFill>
             <a:miter lim="800000"/>
+            <a:headEnd/>
+            <a:tailEnd/>
           </a:ln>
-          <a:effectLst>
-            <a:outerShdw blurRad="50800" dist="38100" dir="2700000" algn="tl" rotWithShape="0">
-              <a:prstClr val="black">
-                <a:alpha val="40000"/>
-              </a:prstClr>
-            </a:outerShdw>
-          </a:effectLst>
-          <a:extLst/>
         </p:spPr>
-      </p:pic>
+        <p:txBody>
+          <a:bodyPr lIns="795600" tIns="252000" rIns="795600" bIns="795600"/>
+          <a:lstStyle>
+            <a:lvl1pPr eaLnBrk="0" hangingPunct="0">
+              <a:defRPr sz="3200">
+                <a:solidFill>
+                  <a:schemeClr val="tx1"/>
+                </a:solidFill>
+                <a:latin typeface="Helvetica" pitchFamily="-111" charset="0"/>
+                <a:ea typeface="ＭＳ Ｐゴシック" pitchFamily="-111" charset="-128"/>
+              </a:defRPr>
+            </a:lvl1pPr>
+            <a:lvl2pPr marL="37931725" indent="-37474525" eaLnBrk="0" hangingPunct="0">
+              <a:defRPr sz="3200">
+                <a:solidFill>
+                  <a:schemeClr val="tx1"/>
+                </a:solidFill>
+                <a:latin typeface="Helvetica" pitchFamily="-111" charset="0"/>
+                <a:ea typeface="ＭＳ Ｐゴシック" pitchFamily="-111" charset="-128"/>
+              </a:defRPr>
+            </a:lvl2pPr>
+            <a:lvl3pPr eaLnBrk="0" hangingPunct="0">
+              <a:defRPr sz="3200">
+                <a:solidFill>
+                  <a:schemeClr val="tx1"/>
+                </a:solidFill>
+                <a:latin typeface="Helvetica" pitchFamily="-111" charset="0"/>
+                <a:ea typeface="ＭＳ Ｐゴシック" pitchFamily="-111" charset="-128"/>
+              </a:defRPr>
+            </a:lvl3pPr>
+            <a:lvl4pPr eaLnBrk="0" hangingPunct="0">
+              <a:defRPr sz="3200">
+                <a:solidFill>
+                  <a:schemeClr val="tx1"/>
+                </a:solidFill>
+                <a:latin typeface="Helvetica" pitchFamily="-111" charset="0"/>
+                <a:ea typeface="ＭＳ Ｐゴシック" pitchFamily="-111" charset="-128"/>
+              </a:defRPr>
+            </a:lvl4pPr>
+            <a:lvl5pPr eaLnBrk="0" hangingPunct="0">
+              <a:defRPr sz="3200">
+                <a:solidFill>
+                  <a:schemeClr val="tx1"/>
+                </a:solidFill>
+                <a:latin typeface="Helvetica" pitchFamily="-111" charset="0"/>
+                <a:ea typeface="ＭＳ Ｐゴシック" pitchFamily="-111" charset="-128"/>
+              </a:defRPr>
+            </a:lvl5pPr>
+            <a:lvl6pPr marL="457200" eaLnBrk="0" fontAlgn="base" hangingPunct="0">
+              <a:spcBef>
+                <a:spcPct val="0"/>
+              </a:spcBef>
+              <a:spcAft>
+                <a:spcPct val="0"/>
+              </a:spcAft>
+              <a:defRPr sz="3200">
+                <a:solidFill>
+                  <a:schemeClr val="tx1"/>
+                </a:solidFill>
+                <a:latin typeface="Helvetica" pitchFamily="-111" charset="0"/>
+                <a:ea typeface="ＭＳ Ｐゴシック" pitchFamily="-111" charset="-128"/>
+              </a:defRPr>
+            </a:lvl6pPr>
+            <a:lvl7pPr marL="914400" eaLnBrk="0" fontAlgn="base" hangingPunct="0">
+              <a:spcBef>
+                <a:spcPct val="0"/>
+              </a:spcBef>
+              <a:spcAft>
+                <a:spcPct val="0"/>
+              </a:spcAft>
+              <a:defRPr sz="3200">
+                <a:solidFill>
+                  <a:schemeClr val="tx1"/>
+                </a:solidFill>
+                <a:latin typeface="Helvetica" pitchFamily="-111" charset="0"/>
+                <a:ea typeface="ＭＳ Ｐゴシック" pitchFamily="-111" charset="-128"/>
+              </a:defRPr>
+            </a:lvl7pPr>
+            <a:lvl8pPr marL="1371600" eaLnBrk="0" fontAlgn="base" hangingPunct="0">
+              <a:spcBef>
+                <a:spcPct val="0"/>
+              </a:spcBef>
+              <a:spcAft>
+                <a:spcPct val="0"/>
+              </a:spcAft>
+              <a:defRPr sz="3200">
+                <a:solidFill>
+                  <a:schemeClr val="tx1"/>
+                </a:solidFill>
+                <a:latin typeface="Helvetica" pitchFamily="-111" charset="0"/>
+                <a:ea typeface="ＭＳ Ｐゴシック" pitchFamily="-111" charset="-128"/>
+              </a:defRPr>
+            </a:lvl8pPr>
+            <a:lvl9pPr marL="1828800" eaLnBrk="0" fontAlgn="base" hangingPunct="0">
+              <a:spcBef>
+                <a:spcPct val="0"/>
+              </a:spcBef>
+              <a:spcAft>
+                <a:spcPct val="0"/>
+              </a:spcAft>
+              <a:defRPr sz="3200">
+                <a:solidFill>
+                  <a:schemeClr val="tx1"/>
+                </a:solidFill>
+                <a:latin typeface="Helvetica" pitchFamily="-111" charset="0"/>
+                <a:ea typeface="ＭＳ Ｐゴシック" pitchFamily="-111" charset="-128"/>
+              </a:defRPr>
+            </a:lvl9pPr>
+          </a:lstStyle>
+          <a:p>
+            <a:pPr indent="205704" algn="just" defTabSz="908920" rtl="0" eaLnBrk="1" hangingPunct="1">
+              <a:spcBef>
+                <a:spcPct val="10000"/>
+              </a:spcBef>
+              <a:tabLst>
+                <a:tab pos="631195" algn="l"/>
+              </a:tabLst>
+              <a:defRPr/>
+            </a:pPr>
+            <a:r>
+              <a:rPr lang="en-US" sz="4400" b="1" kern="0" dirty="0">
+                <a:solidFill>
+                  <a:schemeClr val="accent2"/>
+                </a:solidFill>
+              </a:rPr>
+              <a:t>For more information</a:t>
+            </a:r>
+          </a:p>
+          <a:p>
+            <a:pPr indent="205704" algn="l" defTabSz="908920" rtl="0" eaLnBrk="1" fontAlgn="base" hangingPunct="1">
+              <a:spcBef>
+                <a:spcPct val="10000"/>
+              </a:spcBef>
+              <a:spcAft>
+                <a:spcPct val="0"/>
+              </a:spcAft>
+            </a:pPr>
+            <a:r>
+              <a:rPr lang="en-US" sz="2800" dirty="0">
+                <a:solidFill>
+                  <a:srgbClr val="000000"/>
+                </a:solidFill>
+                <a:latin typeface="+mn-lt"/>
+              </a:rPr>
+              <a:t>Please contact Yoav Ram at </a:t>
+            </a:r>
+            <a:r>
+              <a:rPr lang="en-US" sz="2800" i="1" dirty="0">
+                <a:solidFill>
+                  <a:srgbClr val="000000"/>
+                </a:solidFill>
+                <a:latin typeface="+mn-lt"/>
+              </a:rPr>
+              <a:t>yoavram@post.tau.ac.il</a:t>
+            </a:r>
+            <a:r>
+              <a:rPr lang="en-US" sz="2800" dirty="0">
+                <a:solidFill>
+                  <a:srgbClr val="000000"/>
+                </a:solidFill>
+                <a:latin typeface="+mn-lt"/>
+              </a:rPr>
+              <a:t> </a:t>
+            </a:r>
+          </a:p>
+          <a:p>
+            <a:pPr indent="205704" algn="l" defTabSz="908920" rtl="0" eaLnBrk="1" fontAlgn="base" hangingPunct="1">
+              <a:spcBef>
+                <a:spcPct val="10000"/>
+              </a:spcBef>
+              <a:spcAft>
+                <a:spcPct val="0"/>
+              </a:spcAft>
+            </a:pPr>
+            <a:r>
+              <a:rPr lang="en-US" sz="2800" dirty="0">
+                <a:solidFill>
+                  <a:srgbClr val="000000"/>
+                </a:solidFill>
+                <a:latin typeface="+mn-lt"/>
+              </a:rPr>
+              <a:t>or </a:t>
+            </a:r>
+            <a:r>
+              <a:rPr lang="en-US" sz="2800" i="1" dirty="0">
+                <a:solidFill>
+                  <a:srgbClr val="000000"/>
+                </a:solidFill>
+                <a:latin typeface="+mn-lt"/>
+              </a:rPr>
+              <a:t>+972-545-383136 </a:t>
+            </a:r>
+            <a:r>
+              <a:rPr lang="en-US" sz="2800" dirty="0">
+                <a:solidFill>
+                  <a:srgbClr val="000000"/>
+                </a:solidFill>
+                <a:latin typeface="+mn-lt"/>
+              </a:rPr>
+              <a:t>or visit </a:t>
+            </a:r>
+            <a:r>
+              <a:rPr lang="en-US" sz="2800" i="1" dirty="0">
+                <a:solidFill>
+                  <a:srgbClr val="000000"/>
+                </a:solidFill>
+                <a:latin typeface="+mn-lt"/>
+              </a:rPr>
+              <a:t>www.yoavram.com</a:t>
+            </a:r>
+          </a:p>
+        </p:txBody>
+      </p:sp>
       <p:sp>
         <p:nvSpPr>
           <p:cNvPr id="59" name="TextBox 58"/>
@@ -9416,7 +9322,7 @@
             <p:nvPr/>
           </p:nvPicPr>
           <p:blipFill rotWithShape="1">
-            <a:blip r:embed="rId6">
+            <a:blip r:embed="rId3">
               <a:extLst>
                 <a:ext uri="{28A0092B-C50C-407E-A947-70E740481C1C}">
                   <a14:useLocalDpi xmlns:a14="http://schemas.microsoft.com/office/drawing/2010/main" val="0"/>
@@ -9768,7 +9674,7 @@
               <p:nvPr/>
             </p:nvPicPr>
             <p:blipFill rotWithShape="1">
-              <a:blip r:embed="rId7">
+              <a:blip r:embed="rId4">
                 <a:extLst>
                   <a:ext uri="{28A0092B-C50C-407E-A947-70E740481C1C}">
                     <a14:useLocalDpi xmlns:a14="http://schemas.microsoft.com/office/drawing/2010/main" val="0"/>
@@ -10400,7 +10306,7 @@
         </p:nvSpPr>
         <p:spPr>
           <a:xfrm>
-            <a:off x="3368480" y="38827708"/>
+            <a:off x="16742664" y="38878990"/>
             <a:ext cx="9584690" cy="2246769"/>
           </a:xfrm>
           <a:prstGeom prst="rect">
@@ -10432,7 +10338,7 @@
                 <a:latin typeface="Helvetica" pitchFamily="34" charset="0"/>
                 <a:cs typeface="Helvetica" pitchFamily="34" charset="0"/>
               </a:rPr>
-              <a:t>2 </a:t>
+              <a:t>3 </a:t>
             </a:r>
             <a:r>
               <a:rPr lang="en-GB" sz="2000" b="1" kern="0" dirty="0">
@@ -10442,10 +10348,20 @@
                 <a:latin typeface="Helvetica" pitchFamily="34" charset="0"/>
                 <a:cs typeface="Helvetica" pitchFamily="34" charset="0"/>
               </a:rPr>
-              <a:t>– Fitness landscape illustration.</a:t>
-            </a:r>
-            <a:r>
-              <a:rPr lang="en-GB" sz="2000" kern="0" dirty="0">
+              <a:t>– Fitness landscape </a:t>
+            </a:r>
+            <a:r>
+              <a:rPr lang="en-GB" sz="2000" b="1" kern="0" dirty="0" smtClean="0">
+                <a:solidFill>
+                  <a:sysClr val="windowText" lastClr="000000"/>
+                </a:solidFill>
+                <a:latin typeface="Helvetica" pitchFamily="34" charset="0"/>
+                <a:cs typeface="Helvetica" pitchFamily="34" charset="0"/>
+              </a:rPr>
+              <a:t>illustration for simulations.</a:t>
+            </a:r>
+            <a:r>
+              <a:rPr lang="en-GB" sz="2000" kern="0" dirty="0" smtClean="0">
                 <a:solidFill>
                   <a:sysClr val="windowText" lastClr="000000"/>
                 </a:solidFill>
@@ -10502,27 +10418,37 @@
                 <a:latin typeface="Helvetica" pitchFamily="34" charset="0"/>
                 <a:cs typeface="Helvetica" pitchFamily="34" charset="0"/>
               </a:rPr>
-              <a:t> loci and the number of additional deleterious alleles after the forward slash, but only as much as 3 deleterious mutations are shown to keep the figure simple. Arrows define the direction of mutation and their labels denote the relevant mutation rate. Node </a:t>
-            </a:r>
-            <a:r>
-              <a:rPr lang="en-GB" sz="2000" kern="0" dirty="0" err="1">
+              <a:t> loci and the number of additional deleterious alleles after the forward slash, but only as much as 3 deleterious mutations are shown to keep the figure simple. Arrows define the direction of mutation and their labels denote the relevant mutation rate. </a:t>
+            </a:r>
+            <a:r>
+              <a:rPr lang="en-GB" sz="2000" kern="0" dirty="0">
                 <a:solidFill>
                   <a:sysClr val="windowText" lastClr="000000"/>
                 </a:solidFill>
                 <a:latin typeface="Helvetica" pitchFamily="34" charset="0"/>
                 <a:cs typeface="Helvetica" pitchFamily="34" charset="0"/>
               </a:rPr>
-              <a:t>color</a:t>
-            </a:r>
-            <a:r>
-              <a:rPr lang="en-GB" sz="2000" kern="0" dirty="0">
+              <a:t>Node </a:t>
+            </a:r>
+            <a:r>
+              <a:rPr lang="en-GB" sz="2000" kern="0" dirty="0" smtClean="0">
                 <a:solidFill>
                   <a:sysClr val="windowText" lastClr="000000"/>
                 </a:solidFill>
                 <a:latin typeface="Helvetica" pitchFamily="34" charset="0"/>
                 <a:cs typeface="Helvetica" pitchFamily="34" charset="0"/>
               </a:rPr>
-              <a:t> indicates the fitness of a genotype, from pale brown for optimal fitness (</a:t>
+              <a:t>colour </a:t>
+            </a:r>
+            <a:r>
+              <a:rPr lang="en-GB" sz="2000" kern="0" dirty="0">
+                <a:solidFill>
+                  <a:sysClr val="windowText" lastClr="000000"/>
+                </a:solidFill>
+                <a:latin typeface="Helvetica" pitchFamily="34" charset="0"/>
+                <a:cs typeface="Helvetica" pitchFamily="34" charset="0"/>
+              </a:rPr>
+              <a:t>indicates the fitness of a genotype, from pale brown for optimal fitness (</a:t>
             </a:r>
             <a:r>
               <a:rPr lang="en-GB" sz="2000" i="1" kern="0" dirty="0">
@@ -10585,14 +10511,14 @@
               <a:t> – see the </a:t>
             </a:r>
             <a:r>
-              <a:rPr lang="en-GB" sz="2000" kern="0" dirty="0" err="1">
+              <a:rPr lang="en-GB" sz="2000" kern="0" dirty="0" err="1" smtClean="0">
                 <a:solidFill>
                   <a:sysClr val="windowText" lastClr="000000"/>
                 </a:solidFill>
                 <a:latin typeface="Helvetica" pitchFamily="34" charset="0"/>
                 <a:cs typeface="Helvetica" pitchFamily="34" charset="0"/>
               </a:rPr>
-              <a:t>colorbar</a:t>
+              <a:t>colourbar</a:t>
             </a:r>
             <a:r>
               <a:rPr lang="en-GB" sz="2000" kern="0" dirty="0">
@@ -10634,147 +10560,6 @@
           </a:p>
         </p:txBody>
       </p:sp>
-      <p:grpSp>
-        <p:nvGrpSpPr>
-          <p:cNvPr id="18" name="Group 17"/>
-          <p:cNvGrpSpPr/>
-          <p:nvPr/>
-        </p:nvGrpSpPr>
-        <p:grpSpPr>
-          <a:xfrm>
-            <a:off x="5328892" y="31611812"/>
-            <a:ext cx="6696744" cy="7159749"/>
-            <a:chOff x="5328892" y="31870227"/>
-            <a:chExt cx="6696744" cy="7159749"/>
-          </a:xfrm>
-        </p:grpSpPr>
-        <p:grpSp>
-          <p:nvGrpSpPr>
-            <p:cNvPr id="17" name="Group 16"/>
-            <p:cNvGrpSpPr/>
-            <p:nvPr/>
-          </p:nvGrpSpPr>
-          <p:grpSpPr>
-            <a:xfrm>
-              <a:off x="5328892" y="32043498"/>
-              <a:ext cx="5661117" cy="6986478"/>
-              <a:chOff x="18137188" y="16166796"/>
-              <a:chExt cx="5303858" cy="6300000"/>
-            </a:xfrm>
-          </p:grpSpPr>
-          <p:pic>
-            <p:nvPicPr>
-              <p:cNvPr id="1025" name="Picture 1" descr="D:\workspace\ruggedsim\manuscript\fitness_landscape.png"/>
-              <p:cNvPicPr>
-                <a:picLocks noChangeAspect="1" noChangeArrowheads="1"/>
-              </p:cNvPicPr>
-              <p:nvPr/>
-            </p:nvPicPr>
-            <p:blipFill>
-              <a:blip r:embed="rId8">
-                <a:extLst>
-                  <a:ext uri="{28A0092B-C50C-407E-A947-70E740481C1C}">
-                    <a14:useLocalDpi xmlns:a14="http://schemas.microsoft.com/office/drawing/2010/main" val="0"/>
-                  </a:ext>
-                </a:extLst>
-              </a:blip>
-              <a:srcRect/>
-              <a:stretch>
-                <a:fillRect/>
-              </a:stretch>
-            </p:blipFill>
-            <p:spPr bwMode="auto">
-              <a:xfrm>
-                <a:off x="18137188" y="16202025"/>
-                <a:ext cx="4152900" cy="6143625"/>
-              </a:xfrm>
-              <a:prstGeom prst="rect">
-                <a:avLst/>
-              </a:prstGeom>
-              <a:noFill/>
-              <a:extLst>
-                <a:ext uri="{909E8E84-426E-40DD-AFC4-6F175D3DCCD1}">
-                  <a14:hiddenFill xmlns:a14="http://schemas.microsoft.com/office/drawing/2010/main">
-                    <a:solidFill>
-                      <a:srgbClr val="FFFFFF"/>
-                    </a:solidFill>
-                  </a14:hiddenFill>
-                </a:ext>
-              </a:extLst>
-            </p:spPr>
-          </p:pic>
-          <p:pic>
-            <p:nvPicPr>
-              <p:cNvPr id="16" name="Picture 2" descr="D:\workspace\ruggedsim\manuscript\fitness_landscape_colorbar.png"/>
-              <p:cNvPicPr>
-                <a:picLocks noChangeAspect="1" noChangeArrowheads="1"/>
-              </p:cNvPicPr>
-              <p:nvPr/>
-            </p:nvPicPr>
-            <p:blipFill rotWithShape="1">
-              <a:blip r:embed="rId9">
-                <a:extLst>
-                  <a:ext uri="{28A0092B-C50C-407E-A947-70E740481C1C}">
-                    <a14:useLocalDpi xmlns:a14="http://schemas.microsoft.com/office/drawing/2010/main" val="0"/>
-                  </a:ext>
-                </a:extLst>
-              </a:blip>
-              <a:srcRect l="77619" t="5537" r="16198" b="8115"/>
-              <a:stretch/>
-            </p:blipFill>
-            <p:spPr bwMode="auto">
-              <a:xfrm>
-                <a:off x="22538804" y="16166796"/>
-                <a:ext cx="902242" cy="6300000"/>
-              </a:xfrm>
-              <a:prstGeom prst="rect">
-                <a:avLst/>
-              </a:prstGeom>
-              <a:noFill/>
-              <a:extLst>
-                <a:ext uri="{909E8E84-426E-40DD-AFC4-6F175D3DCCD1}">
-                  <a14:hiddenFill xmlns:a14="http://schemas.microsoft.com/office/drawing/2010/main">
-                    <a:solidFill>
-                      <a:srgbClr val="FFFFFF"/>
-                    </a:solidFill>
-                  </a14:hiddenFill>
-                </a:ext>
-              </a:extLst>
-            </p:spPr>
-          </p:pic>
-        </p:grpSp>
-        <p:sp>
-          <p:nvSpPr>
-            <p:cNvPr id="56" name="TextBox 55"/>
-            <p:cNvSpPr txBox="1"/>
-            <p:nvPr/>
-          </p:nvSpPr>
-          <p:spPr>
-            <a:xfrm>
-              <a:off x="8755658" y="31870227"/>
-              <a:ext cx="3269978" cy="461665"/>
-            </a:xfrm>
-            <a:prstGeom prst="rect">
-              <a:avLst/>
-            </a:prstGeom>
-            <a:noFill/>
-          </p:spPr>
-          <p:txBody>
-            <a:bodyPr wrap="square" rtlCol="1">
-              <a:spAutoFit/>
-            </a:bodyPr>
-            <a:lstStyle/>
-            <a:p>
-              <a:pPr algn="ctr"/>
-              <a:r>
-                <a:rPr lang="en-US" sz="2400" dirty="0" smtClean="0"/>
-                <a:t>fitness</a:t>
-              </a:r>
-              <a:endParaRPr lang="he-IL" sz="2400" dirty="0"/>
-            </a:p>
-          </p:txBody>
-        </p:sp>
-      </p:grpSp>
       <p:graphicFrame>
         <p:nvGraphicFramePr>
           <p:cNvPr id="19" name="Table 18"/>
@@ -10784,14 +10569,14 @@
           <p:nvPr>
             <p:extLst>
               <p:ext uri="{D42A27DB-BD31-4B8C-83A1-F6EECF244321}">
-                <p14:modId xmlns:p14="http://schemas.microsoft.com/office/powerpoint/2010/main" val="1476703479"/>
+                <p14:modId xmlns:p14="http://schemas.microsoft.com/office/powerpoint/2010/main" val="2788547446"/>
               </p:ext>
             </p:extLst>
           </p:nvPr>
         </p:nvGraphicFramePr>
         <p:xfrm>
-          <a:off x="17881157" y="22250772"/>
-          <a:ext cx="7200000" cy="3150000"/>
+          <a:off x="16131292" y="20738604"/>
+          <a:ext cx="10800000" cy="3903120"/>
         </p:xfrm>
         <a:graphic>
           <a:graphicData uri="http://schemas.openxmlformats.org/drawingml/2006/table">
@@ -10800,11 +10585,33 @@
                 <a:tableStyleId>{5C22544A-7EE6-4342-B048-85BDC9FD1C3A}</a:tableStyleId>
               </a:tblPr>
               <a:tblGrid>
-                <a:gridCol w="2400000"/>
-                <a:gridCol w="3399771"/>
-                <a:gridCol w="1400229"/>
+                <a:gridCol w="2700000"/>
+                <a:gridCol w="2700000"/>
+                <a:gridCol w="3824742"/>
+                <a:gridCol w="1575258"/>
               </a:tblGrid>
               <a:tr h="450000">
+                <a:tc>
+                  <a:txBody>
+                    <a:bodyPr/>
+                    <a:lstStyle/>
+                    <a:p>
+                      <a:pPr algn="ctr" rtl="0"/>
+                      <a:r>
+                        <a:rPr lang="en-US" sz="2000" dirty="0" smtClean="0">
+                          <a:latin typeface="Helvetica" pitchFamily="34" charset="0"/>
+                          <a:cs typeface="Helvetica" pitchFamily="34" charset="0"/>
+                        </a:rPr>
+                        <a:t>Reference</a:t>
+                      </a:r>
+                      <a:endParaRPr lang="he-IL" sz="2000" dirty="0">
+                        <a:latin typeface="Helvetica" pitchFamily="34" charset="0"/>
+                        <a:cs typeface="Helvetica" pitchFamily="34" charset="0"/>
+                      </a:endParaRPr>
+                    </a:p>
+                  </a:txBody>
+                  <a:tcPr/>
+                </a:tc>
                 <a:tc>
                   <a:txBody>
                     <a:bodyPr/>
@@ -10877,6 +10684,44 @@
                     <a:p>
                       <a:pPr algn="ctr" rtl="0"/>
                       <a:r>
+                        <a:rPr lang="en-US" sz="2000" dirty="0" err="1" smtClean="0">
+                          <a:latin typeface="Helvetica" pitchFamily="34" charset="0"/>
+                          <a:cs typeface="Helvetica" pitchFamily="34" charset="0"/>
+                        </a:rPr>
+                        <a:t>Kibota</a:t>
+                      </a:r>
+                      <a:r>
+                        <a:rPr lang="en-US" sz="2000" baseline="0" dirty="0" smtClean="0">
+                          <a:latin typeface="Helvetica" pitchFamily="34" charset="0"/>
+                          <a:cs typeface="Helvetica" pitchFamily="34" charset="0"/>
+                        </a:rPr>
+                        <a:t> &amp; Lynch  1996</a:t>
+                      </a:r>
+                    </a:p>
+                    <a:p>
+                      <a:pPr algn="ctr" rtl="0"/>
+                      <a:r>
+                        <a:rPr lang="en-US" sz="2000" baseline="0" dirty="0" smtClean="0">
+                          <a:latin typeface="Helvetica" pitchFamily="34" charset="0"/>
+                          <a:cs typeface="Helvetica" pitchFamily="34" charset="0"/>
+                        </a:rPr>
+                        <a:t>Gordo et al. 2011</a:t>
+                      </a:r>
+                      <a:endParaRPr lang="he-IL" sz="2000" dirty="0">
+                        <a:latin typeface="Helvetica" pitchFamily="34" charset="0"/>
+                        <a:cs typeface="Helvetica" pitchFamily="34" charset="0"/>
+                      </a:endParaRPr>
+                    </a:p>
+                  </a:txBody>
+                  <a:tcPr/>
+                </a:tc>
+                <a:tc>
+                  <a:txBody>
+                    <a:bodyPr/>
+                    <a:lstStyle/>
+                    <a:p>
+                      <a:pPr algn="ctr" rtl="0"/>
+                      <a:r>
                         <a:rPr lang="en-US" sz="2000" dirty="0" smtClean="0">
                           <a:latin typeface="Helvetica" pitchFamily="34" charset="0"/>
                           <a:cs typeface="Helvetica" pitchFamily="34" charset="0"/>
@@ -10935,6 +10780,43 @@
                 </a:tc>
               </a:tr>
               <a:tr h="450000">
+                <a:tc>
+                  <a:txBody>
+                    <a:bodyPr/>
+                    <a:lstStyle/>
+                    <a:p>
+                      <a:pPr marL="0" marR="0" indent="0" algn="ctr" defTabSz="4703663" rtl="0" eaLnBrk="1" fontAlgn="auto" latinLnBrk="0" hangingPunct="1">
+                        <a:lnSpc>
+                          <a:spcPct val="100000"/>
+                        </a:lnSpc>
+                        <a:spcBef>
+                          <a:spcPts val="0"/>
+                        </a:spcBef>
+                        <a:spcAft>
+                          <a:spcPts val="0"/>
+                        </a:spcAft>
+                        <a:buClrTx/>
+                        <a:buSzTx/>
+                        <a:buFontTx/>
+                        <a:buNone/>
+                        <a:tabLst/>
+                        <a:defRPr/>
+                      </a:pPr>
+                      <a:r>
+                        <a:rPr lang="en-US" sz="2000" baseline="0" dirty="0" smtClean="0">
+                          <a:latin typeface="Helvetica" pitchFamily="34" charset="0"/>
+                          <a:cs typeface="Helvetica" pitchFamily="34" charset="0"/>
+                        </a:rPr>
+                        <a:t>Gordo et al. 2011</a:t>
+                      </a:r>
+                      <a:endParaRPr lang="he-IL" sz="2000" dirty="0" smtClean="0">
+                        <a:latin typeface="Helvetica" pitchFamily="34" charset="0"/>
+                        <a:cs typeface="Helvetica" pitchFamily="34" charset="0"/>
+                      </a:endParaRPr>
+                    </a:p>
+                  </a:txBody>
+                  <a:tcPr/>
+                </a:tc>
                 <a:tc>
                   <a:txBody>
                     <a:bodyPr/>
@@ -11011,6 +10893,51 @@
                           <a:latin typeface="Helvetica" pitchFamily="34" charset="0"/>
                           <a:cs typeface="Helvetica" pitchFamily="34" charset="0"/>
                         </a:rPr>
+                        <a:t>Drake et al. 1998</a:t>
+                      </a:r>
+                    </a:p>
+                    <a:p>
+                      <a:pPr algn="ctr" rtl="0"/>
+                      <a:r>
+                        <a:rPr lang="en-US" sz="2000" dirty="0" err="1" smtClean="0">
+                          <a:latin typeface="Helvetica" pitchFamily="34" charset="0"/>
+                          <a:cs typeface="Helvetica" pitchFamily="34" charset="0"/>
+                        </a:rPr>
+                        <a:t>Wielgoss</a:t>
+                      </a:r>
+                      <a:r>
+                        <a:rPr lang="en-US" sz="2000" dirty="0" smtClean="0">
+                          <a:latin typeface="Helvetica" pitchFamily="34" charset="0"/>
+                          <a:cs typeface="Helvetica" pitchFamily="34" charset="0"/>
+                        </a:rPr>
+                        <a:t> et</a:t>
+                      </a:r>
+                      <a:r>
+                        <a:rPr lang="en-US" sz="2000" baseline="0" dirty="0" smtClean="0">
+                          <a:latin typeface="Helvetica" pitchFamily="34" charset="0"/>
+                          <a:cs typeface="Helvetica" pitchFamily="34" charset="0"/>
+                        </a:rPr>
+                        <a:t> al. 2011</a:t>
+                      </a:r>
+                      <a:endParaRPr lang="he-IL" sz="2000" dirty="0">
+                        <a:latin typeface="Helvetica" pitchFamily="34" charset="0"/>
+                        <a:cs typeface="Helvetica" pitchFamily="34" charset="0"/>
+                      </a:endParaRPr>
+                    </a:p>
+                  </a:txBody>
+                  <a:tcPr/>
+                </a:tc>
+                <a:tc>
+                  <a:txBody>
+                    <a:bodyPr/>
+                    <a:lstStyle/>
+                    <a:p>
+                      <a:pPr algn="ctr" rtl="0"/>
+                      <a:r>
+                        <a:rPr lang="en-US" sz="2000" dirty="0" smtClean="0">
+                          <a:latin typeface="Helvetica" pitchFamily="34" charset="0"/>
+                          <a:cs typeface="Helvetica" pitchFamily="34" charset="0"/>
+                        </a:rPr>
                         <a:t>0.003-0.0004</a:t>
                       </a:r>
                       <a:endParaRPr lang="he-IL" sz="2000" dirty="0">
@@ -11065,6 +10992,27 @@
                 </a:tc>
               </a:tr>
               <a:tr h="450000">
+                <a:tc>
+                  <a:txBody>
+                    <a:bodyPr/>
+                    <a:lstStyle/>
+                    <a:p>
+                      <a:pPr algn="ctr" rtl="0"/>
+                      <a:r>
+                        <a:rPr lang="en-US" sz="2000" dirty="0" smtClean="0">
+                          <a:latin typeface="Helvetica" pitchFamily="34" charset="0"/>
+                          <a:cs typeface="Helvetica" pitchFamily="34" charset="0"/>
+                        </a:rPr>
+                        <a:t>Gordo et al. 2011</a:t>
+                      </a:r>
+                      <a:endParaRPr lang="he-IL" sz="2000" dirty="0">
+                        <a:latin typeface="Helvetica" pitchFamily="34" charset="0"/>
+                        <a:cs typeface="Helvetica" pitchFamily="34" charset="0"/>
+                      </a:endParaRPr>
+                    </a:p>
+                  </a:txBody>
+                  <a:tcPr/>
+                </a:tc>
                 <a:tc>
                   <a:txBody>
                     <a:bodyPr/>
@@ -11148,6 +11096,41 @@
                           <a:latin typeface="Helvetica" pitchFamily="34" charset="0"/>
                           <a:cs typeface="Helvetica" pitchFamily="34" charset="0"/>
                         </a:rPr>
+                        <a:t>Hall &amp; Henderson-</a:t>
+                      </a:r>
+                      <a:r>
+                        <a:rPr lang="en-US" sz="2000" dirty="0" err="1" smtClean="0">
+                          <a:latin typeface="Helvetica" pitchFamily="34" charset="0"/>
+                          <a:cs typeface="Helvetica" pitchFamily="34" charset="0"/>
+                        </a:rPr>
+                        <a:t>Begg</a:t>
+                      </a:r>
+                      <a:r>
+                        <a:rPr lang="en-US" sz="2000" dirty="0" smtClean="0">
+                          <a:latin typeface="Helvetica" pitchFamily="34" charset="0"/>
+                          <a:cs typeface="Helvetica" pitchFamily="34" charset="0"/>
+                        </a:rPr>
+                        <a:t> 2006</a:t>
+                      </a:r>
+                      <a:endParaRPr lang="he-IL" sz="2000" dirty="0">
+                        <a:latin typeface="Helvetica" pitchFamily="34" charset="0"/>
+                        <a:cs typeface="Helvetica" pitchFamily="34" charset="0"/>
+                      </a:endParaRPr>
+                    </a:p>
+                  </a:txBody>
+                  <a:tcPr/>
+                </a:tc>
+                <a:tc>
+                  <a:txBody>
+                    <a:bodyPr/>
+                    <a:lstStyle/>
+                    <a:p>
+                      <a:pPr algn="ctr" rtl="0"/>
+                      <a:r>
+                        <a:rPr lang="en-US" sz="2000" dirty="0" smtClean="0">
+                          <a:latin typeface="Helvetica" pitchFamily="34" charset="0"/>
+                          <a:cs typeface="Helvetica" pitchFamily="34" charset="0"/>
+                        </a:rPr>
                         <a:t>1-1,000</a:t>
                       </a:r>
                       <a:endParaRPr lang="he-IL" sz="2000" dirty="0">
@@ -11202,6 +11185,27 @@
                 </a:tc>
               </a:tr>
               <a:tr h="450000">
+                <a:tc>
+                  <a:txBody>
+                    <a:bodyPr/>
+                    <a:lstStyle/>
+                    <a:p>
+                      <a:pPr algn="ctr" rtl="0"/>
+                      <a:r>
+                        <a:rPr lang="en-US" sz="2000" dirty="0" smtClean="0">
+                          <a:latin typeface="Helvetica" pitchFamily="34" charset="0"/>
+                          <a:cs typeface="Helvetica" pitchFamily="34" charset="0"/>
+                        </a:rPr>
+                        <a:t>-</a:t>
+                      </a:r>
+                      <a:endParaRPr lang="he-IL" sz="2000" dirty="0">
+                        <a:latin typeface="Helvetica" pitchFamily="34" charset="0"/>
+                        <a:cs typeface="Helvetica" pitchFamily="34" charset="0"/>
+                      </a:endParaRPr>
+                    </a:p>
+                  </a:txBody>
+                  <a:tcPr/>
+                </a:tc>
                 <a:tc>
                   <a:txBody>
                     <a:bodyPr/>
@@ -11299,7 +11303,7 @@
         </p:nvSpPr>
         <p:spPr>
           <a:xfrm>
-            <a:off x="16330079" y="25645217"/>
+            <a:off x="16330079" y="25203100"/>
             <a:ext cx="10409860" cy="1070051"/>
           </a:xfrm>
           <a:prstGeom prst="rect">
@@ -11347,17 +11351,7 @@
                 <a:latin typeface="Helvetica" pitchFamily="34" charset="0"/>
                 <a:cs typeface="Helvetica" pitchFamily="34" charset="0"/>
               </a:rPr>
-              <a:t>Model parameters and estimated values for </a:t>
-            </a:r>
-            <a:r>
-              <a:rPr lang="en-US" sz="2000" b="1" i="1" kern="0" dirty="0" smtClean="0">
-                <a:solidFill>
-                  <a:sysClr val="windowText" lastClr="000000"/>
-                </a:solidFill>
-                <a:latin typeface="Helvetica" pitchFamily="34" charset="0"/>
-                <a:cs typeface="Helvetica" pitchFamily="34" charset="0"/>
-              </a:rPr>
-              <a:t>E. coli.</a:t>
+              <a:t>Model parameters and estimated values for bacteria.</a:t>
             </a:r>
             <a:endParaRPr lang="en-US" sz="2000" b="1" kern="0" dirty="0">
               <a:solidFill>
@@ -11369,6 +11363,581 @@
           </a:p>
         </p:txBody>
       </p:sp>
+      <p:sp>
+        <p:nvSpPr>
+          <p:cNvPr id="64" name="Rectangle 63"/>
+          <p:cNvSpPr/>
+          <p:nvPr/>
+        </p:nvSpPr>
+        <p:spPr>
+          <a:xfrm>
+            <a:off x="3384676" y="38980108"/>
+            <a:ext cx="9584690" cy="2246769"/>
+          </a:xfrm>
+          <a:prstGeom prst="rect">
+            <a:avLst/>
+          </a:prstGeom>
+        </p:spPr>
+        <p:txBody>
+          <a:bodyPr wrap="square">
+            <a:spAutoFit/>
+          </a:bodyPr>
+          <a:lstStyle/>
+          <a:p>
+            <a:pPr algn="ctr" rtl="0"/>
+            <a:r>
+              <a:rPr lang="en-GB" sz="2000" b="1" kern="0" dirty="0">
+                <a:solidFill>
+                  <a:sysClr val="windowText" lastClr="000000"/>
+                </a:solidFill>
+                <a:latin typeface="Helvetica" pitchFamily="34" charset="0"/>
+                <a:cs typeface="Helvetica" pitchFamily="34" charset="0"/>
+              </a:rPr>
+              <a:t>Figure </a:t>
+            </a:r>
+            <a:r>
+              <a:rPr lang="en-GB" sz="2000" b="1" kern="0" dirty="0" smtClean="0">
+                <a:solidFill>
+                  <a:sysClr val="windowText" lastClr="000000"/>
+                </a:solidFill>
+                <a:latin typeface="Helvetica" pitchFamily="34" charset="0"/>
+                <a:cs typeface="Helvetica" pitchFamily="34" charset="0"/>
+              </a:rPr>
+              <a:t>2 </a:t>
+            </a:r>
+            <a:r>
+              <a:rPr lang="en-GB" sz="2000" b="1" kern="0" dirty="0">
+                <a:solidFill>
+                  <a:sysClr val="windowText" lastClr="000000"/>
+                </a:solidFill>
+                <a:latin typeface="Helvetica" pitchFamily="34" charset="0"/>
+                <a:cs typeface="Helvetica" pitchFamily="34" charset="0"/>
+              </a:rPr>
+              <a:t>– Fitness landscape </a:t>
+            </a:r>
+            <a:r>
+              <a:rPr lang="en-GB" sz="2000" b="1" kern="0" dirty="0" smtClean="0">
+                <a:solidFill>
+                  <a:sysClr val="windowText" lastClr="000000"/>
+                </a:solidFill>
+                <a:latin typeface="Helvetica" pitchFamily="34" charset="0"/>
+                <a:cs typeface="Helvetica" pitchFamily="34" charset="0"/>
+              </a:rPr>
+              <a:t>illustration for analytical model.</a:t>
+            </a:r>
+            <a:r>
+              <a:rPr lang="en-GB" sz="2000" kern="0" dirty="0" smtClean="0">
+                <a:solidFill>
+                  <a:sysClr val="windowText" lastClr="000000"/>
+                </a:solidFill>
+                <a:latin typeface="Helvetica" pitchFamily="34" charset="0"/>
+                <a:cs typeface="Helvetica" pitchFamily="34" charset="0"/>
+              </a:rPr>
+              <a:t> </a:t>
+            </a:r>
+            <a:r>
+              <a:rPr lang="en-GB" sz="2000" kern="0" dirty="0">
+                <a:solidFill>
+                  <a:sysClr val="windowText" lastClr="000000"/>
+                </a:solidFill>
+                <a:latin typeface="Helvetica" pitchFamily="34" charset="0"/>
+                <a:cs typeface="Helvetica" pitchFamily="34" charset="0"/>
+              </a:rPr>
+              <a:t>Each node represent a specific genotype. </a:t>
+            </a:r>
+            <a:r>
+              <a:rPr lang="en-GB" sz="2000" kern="0" dirty="0">
+                <a:solidFill>
+                  <a:sysClr val="windowText" lastClr="000000"/>
+                </a:solidFill>
+                <a:latin typeface="Helvetica" pitchFamily="34" charset="0"/>
+                <a:cs typeface="Helvetica" pitchFamily="34" charset="0"/>
+              </a:rPr>
+              <a:t>Node labels specify the alleles at the</a:t>
+            </a:r>
+            <a:r>
+              <a:rPr lang="en-GB" sz="2000" i="1" kern="0" dirty="0">
+                <a:solidFill>
+                  <a:sysClr val="windowText" lastClr="000000"/>
+                </a:solidFill>
+                <a:latin typeface="Helvetica" pitchFamily="34" charset="0"/>
+                <a:cs typeface="Helvetica" pitchFamily="34" charset="0"/>
+              </a:rPr>
+              <a:t> A/a </a:t>
+            </a:r>
+            <a:r>
+              <a:rPr lang="en-GB" sz="2000" kern="0" dirty="0">
+                <a:solidFill>
+                  <a:sysClr val="windowText" lastClr="000000"/>
+                </a:solidFill>
+                <a:latin typeface="Helvetica" pitchFamily="34" charset="0"/>
+                <a:cs typeface="Helvetica" pitchFamily="34" charset="0"/>
+              </a:rPr>
+              <a:t>and </a:t>
+            </a:r>
+            <a:r>
+              <a:rPr lang="en-GB" sz="2000" i="1" kern="0" dirty="0">
+                <a:solidFill>
+                  <a:sysClr val="windowText" lastClr="000000"/>
+                </a:solidFill>
+                <a:latin typeface="Helvetica" pitchFamily="34" charset="0"/>
+                <a:cs typeface="Helvetica" pitchFamily="34" charset="0"/>
+              </a:rPr>
+              <a:t>B/b</a:t>
+            </a:r>
+            <a:r>
+              <a:rPr lang="en-GB" sz="2000" kern="0" dirty="0">
+                <a:solidFill>
+                  <a:sysClr val="windowText" lastClr="000000"/>
+                </a:solidFill>
+                <a:latin typeface="Helvetica" pitchFamily="34" charset="0"/>
+                <a:cs typeface="Helvetica" pitchFamily="34" charset="0"/>
+              </a:rPr>
+              <a:t> </a:t>
+            </a:r>
+            <a:r>
+              <a:rPr lang="en-GB" sz="2000" kern="0" dirty="0" smtClean="0">
+                <a:solidFill>
+                  <a:sysClr val="windowText" lastClr="000000"/>
+                </a:solidFill>
+                <a:latin typeface="Helvetica" pitchFamily="34" charset="0"/>
+                <a:cs typeface="Helvetica" pitchFamily="34" charset="0"/>
+              </a:rPr>
+              <a:t>loci. The “RIP” node represents genotypes with deleterious mutations that will not contribute to adaptation. Arrows </a:t>
+            </a:r>
+            <a:r>
+              <a:rPr lang="en-GB" sz="2000" kern="0" dirty="0">
+                <a:solidFill>
+                  <a:sysClr val="windowText" lastClr="000000"/>
+                </a:solidFill>
+                <a:latin typeface="Helvetica" pitchFamily="34" charset="0"/>
+                <a:cs typeface="Helvetica" pitchFamily="34" charset="0"/>
+              </a:rPr>
+              <a:t>define the direction of mutation and their labels denote the relevant mutation rate. Node </a:t>
+            </a:r>
+            <a:r>
+              <a:rPr lang="en-GB" sz="2000" kern="0" dirty="0" smtClean="0">
+                <a:solidFill>
+                  <a:sysClr val="windowText" lastClr="000000"/>
+                </a:solidFill>
+                <a:latin typeface="Helvetica" pitchFamily="34" charset="0"/>
+                <a:cs typeface="Helvetica" pitchFamily="34" charset="0"/>
+              </a:rPr>
+              <a:t>colour </a:t>
+            </a:r>
+            <a:r>
+              <a:rPr lang="en-GB" sz="2000" kern="0" dirty="0">
+                <a:solidFill>
+                  <a:sysClr val="windowText" lastClr="000000"/>
+                </a:solidFill>
+                <a:latin typeface="Helvetica" pitchFamily="34" charset="0"/>
+                <a:cs typeface="Helvetica" pitchFamily="34" charset="0"/>
+              </a:rPr>
+              <a:t>indicates the fitness of a genotype, from pale brown for optimal fitness (</a:t>
+            </a:r>
+            <a:r>
+              <a:rPr lang="en-GB" sz="2000" i="1" kern="0" dirty="0">
+                <a:solidFill>
+                  <a:sysClr val="windowText" lastClr="000000"/>
+                </a:solidFill>
+                <a:latin typeface="Helvetica" pitchFamily="34" charset="0"/>
+                <a:cs typeface="Helvetica" pitchFamily="34" charset="0"/>
+              </a:rPr>
+              <a:t>1+sH</a:t>
+            </a:r>
+            <a:r>
+              <a:rPr lang="en-GB" sz="2000" kern="0" dirty="0">
+                <a:solidFill>
+                  <a:sysClr val="windowText" lastClr="000000"/>
+                </a:solidFill>
+                <a:latin typeface="Helvetica" pitchFamily="34" charset="0"/>
+                <a:cs typeface="Helvetica" pitchFamily="34" charset="0"/>
+              </a:rPr>
+              <a:t>) to dark brown for lower fitness </a:t>
+            </a:r>
+            <a:r>
+              <a:rPr lang="en-GB" sz="2000" kern="0" dirty="0" smtClean="0">
+                <a:solidFill>
+                  <a:sysClr val="windowText" lastClr="000000"/>
+                </a:solidFill>
+                <a:latin typeface="Helvetica" pitchFamily="34" charset="0"/>
+                <a:cs typeface="Helvetica" pitchFamily="34" charset="0"/>
+              </a:rPr>
+              <a:t>(</a:t>
+            </a:r>
+            <a:r>
+              <a:rPr lang="en-GB" sz="2000" i="1" kern="0" dirty="0" smtClean="0">
+                <a:solidFill>
+                  <a:sysClr val="windowText" lastClr="000000"/>
+                </a:solidFill>
+                <a:latin typeface="Helvetica" pitchFamily="34" charset="0"/>
+                <a:cs typeface="Helvetica" pitchFamily="34" charset="0"/>
+              </a:rPr>
+              <a:t>1-s)</a:t>
+            </a:r>
+            <a:r>
+              <a:rPr lang="en-GB" sz="2000" kern="0" dirty="0" smtClean="0">
+                <a:solidFill>
+                  <a:sysClr val="windowText" lastClr="000000"/>
+                </a:solidFill>
+                <a:latin typeface="Helvetica" pitchFamily="34" charset="0"/>
+                <a:cs typeface="Helvetica" pitchFamily="34" charset="0"/>
+              </a:rPr>
+              <a:t>. Parameters: </a:t>
+            </a:r>
+            <a:r>
+              <a:rPr lang="en-GB" sz="2000" kern="0" dirty="0">
+                <a:solidFill>
+                  <a:sysClr val="windowText" lastClr="000000"/>
+                </a:solidFill>
+                <a:latin typeface="Helvetica" pitchFamily="34" charset="0"/>
+                <a:cs typeface="Helvetica" pitchFamily="34" charset="0"/>
+              </a:rPr>
+              <a:t>s=0.01, H=2.</a:t>
+            </a:r>
+            <a:endParaRPr lang="he-IL" sz="2000" kern="0" dirty="0">
+              <a:solidFill>
+                <a:sysClr val="windowText" lastClr="000000"/>
+              </a:solidFill>
+              <a:latin typeface="Helvetica" pitchFamily="34" charset="0"/>
+              <a:cs typeface="Helvetica" pitchFamily="34" charset="0"/>
+            </a:endParaRPr>
+          </a:p>
+        </p:txBody>
+      </p:sp>
+      <p:pic>
+        <p:nvPicPr>
+          <p:cNvPr id="1030" name="Picture 6" descr="D:\workspace\ruggedsim\manuscript\fitness_landscape_4_types.png"/>
+          <p:cNvPicPr>
+            <a:picLocks noChangeAspect="1" noChangeArrowheads="1"/>
+          </p:cNvPicPr>
+          <p:nvPr/>
+        </p:nvPicPr>
+        <p:blipFill rotWithShape="1">
+          <a:blip r:embed="rId5">
+            <a:extLst>
+              <a:ext uri="{28A0092B-C50C-407E-A947-70E740481C1C}">
+                <a14:useLocalDpi xmlns:a14="http://schemas.microsoft.com/office/drawing/2010/main" val="0"/>
+              </a:ext>
+            </a:extLst>
+          </a:blip>
+          <a:srcRect l="12196"/>
+          <a:stretch/>
+        </p:blipFill>
+        <p:spPr bwMode="auto">
+          <a:xfrm>
+            <a:off x="4752828" y="32763940"/>
+            <a:ext cx="7108839" cy="6115050"/>
+          </a:xfrm>
+          <a:prstGeom prst="rect">
+            <a:avLst/>
+          </a:prstGeom>
+          <a:noFill/>
+          <a:extLst>
+            <a:ext uri="{909E8E84-426E-40DD-AFC4-6F175D3DCCD1}">
+              <a14:hiddenFill xmlns:a14="http://schemas.microsoft.com/office/drawing/2010/main">
+                <a:solidFill>
+                  <a:srgbClr val="FFFFFF"/>
+                </a:solidFill>
+              </a14:hiddenFill>
+            </a:ext>
+          </a:extLst>
+        </p:spPr>
+      </p:pic>
+      <p:pic>
+        <p:nvPicPr>
+          <p:cNvPr id="1032" name="Picture 8" descr="D:\workspace\ruggedsim\manuscript\fitness_landscape.png"/>
+          <p:cNvPicPr>
+            <a:picLocks noChangeAspect="1" noChangeArrowheads="1"/>
+          </p:cNvPicPr>
+          <p:nvPr/>
+        </p:nvPicPr>
+        <p:blipFill>
+          <a:blip r:embed="rId6">
+            <a:extLst>
+              <a:ext uri="{28A0092B-C50C-407E-A947-70E740481C1C}">
+                <a14:useLocalDpi xmlns:a14="http://schemas.microsoft.com/office/drawing/2010/main" val="0"/>
+              </a:ext>
+            </a:extLst>
+          </a:blip>
+          <a:srcRect/>
+          <a:stretch>
+            <a:fillRect/>
+          </a:stretch>
+        </p:blipFill>
+        <p:spPr bwMode="auto">
+          <a:xfrm>
+            <a:off x="16850172" y="31118677"/>
+            <a:ext cx="7621927" cy="7621927"/>
+          </a:xfrm>
+          <a:prstGeom prst="rect">
+            <a:avLst/>
+          </a:prstGeom>
+          <a:noFill/>
+          <a:extLst>
+            <a:ext uri="{909E8E84-426E-40DD-AFC4-6F175D3DCCD1}">
+              <a14:hiddenFill xmlns:a14="http://schemas.microsoft.com/office/drawing/2010/main">
+                <a:solidFill>
+                  <a:srgbClr val="FFFFFF"/>
+                </a:solidFill>
+              </a14:hiddenFill>
+            </a:ext>
+          </a:extLst>
+        </p:spPr>
+      </p:pic>
+      <p:grpSp>
+        <p:nvGrpSpPr>
+          <p:cNvPr id="18" name="Group 17"/>
+          <p:cNvGrpSpPr/>
+          <p:nvPr/>
+        </p:nvGrpSpPr>
+        <p:grpSpPr>
+          <a:xfrm>
+            <a:off x="23013763" y="30824632"/>
+            <a:ext cx="3629497" cy="7946930"/>
+            <a:chOff x="8755658" y="31870227"/>
+            <a:chExt cx="3269978" cy="7159749"/>
+          </a:xfrm>
+        </p:grpSpPr>
+        <p:pic>
+          <p:nvPicPr>
+            <p:cNvPr id="16" name="Picture 2" descr="D:\workspace\ruggedsim\manuscript\fitness_landscape_colorbar.png"/>
+            <p:cNvPicPr>
+              <a:picLocks noChangeAspect="1" noChangeArrowheads="1"/>
+            </p:cNvPicPr>
+            <p:nvPr/>
+          </p:nvPicPr>
+          <p:blipFill rotWithShape="1">
+            <a:blip r:embed="rId7">
+              <a:extLst>
+                <a:ext uri="{28A0092B-C50C-407E-A947-70E740481C1C}">
+                  <a14:useLocalDpi xmlns:a14="http://schemas.microsoft.com/office/drawing/2010/main" val="0"/>
+                </a:ext>
+              </a:extLst>
+            </a:blip>
+            <a:srcRect l="77619" t="5537" r="16198" b="8115"/>
+            <a:stretch/>
+          </p:blipFill>
+          <p:spPr bwMode="auto">
+            <a:xfrm>
+              <a:off x="10027006" y="32043498"/>
+              <a:ext cx="963016" cy="6986478"/>
+            </a:xfrm>
+            <a:prstGeom prst="rect">
+              <a:avLst/>
+            </a:prstGeom>
+            <a:noFill/>
+            <a:extLst>
+              <a:ext uri="{909E8E84-426E-40DD-AFC4-6F175D3DCCD1}">
+                <a14:hiddenFill xmlns:a14="http://schemas.microsoft.com/office/drawing/2010/main">
+                  <a:solidFill>
+                    <a:srgbClr val="FFFFFF"/>
+                  </a:solidFill>
+                </a14:hiddenFill>
+              </a:ext>
+            </a:extLst>
+          </p:spPr>
+        </p:pic>
+        <p:sp>
+          <p:nvSpPr>
+            <p:cNvPr id="56" name="TextBox 55"/>
+            <p:cNvSpPr txBox="1"/>
+            <p:nvPr/>
+          </p:nvSpPr>
+          <p:spPr>
+            <a:xfrm>
+              <a:off x="8755658" y="31870227"/>
+              <a:ext cx="3269978" cy="461665"/>
+            </a:xfrm>
+            <a:prstGeom prst="rect">
+              <a:avLst/>
+            </a:prstGeom>
+            <a:noFill/>
+          </p:spPr>
+          <p:txBody>
+            <a:bodyPr wrap="square" rtlCol="1">
+              <a:spAutoFit/>
+            </a:bodyPr>
+            <a:lstStyle/>
+            <a:p>
+              <a:pPr algn="ctr"/>
+              <a:r>
+                <a:rPr lang="en-US" sz="2400" dirty="0" smtClean="0"/>
+                <a:t>fitness</a:t>
+              </a:r>
+              <a:endParaRPr lang="he-IL" sz="2400" dirty="0"/>
+            </a:p>
+          </p:txBody>
+        </p:sp>
+      </p:grpSp>
+      <p:pic>
+        <p:nvPicPr>
+          <p:cNvPr id="1033" name="Picture 9" descr="C:\Users\yoavram\Pictures\yoav_mypictr_Facebook.jpg"/>
+          <p:cNvPicPr>
+            <a:picLocks noChangeAspect="1" noChangeArrowheads="1"/>
+          </p:cNvPicPr>
+          <p:nvPr/>
+        </p:nvPicPr>
+        <p:blipFill>
+          <a:blip r:embed="rId8">
+            <a:extLst>
+              <a:ext uri="{28A0092B-C50C-407E-A947-70E740481C1C}">
+                <a14:useLocalDpi xmlns:a14="http://schemas.microsoft.com/office/drawing/2010/main" val="0"/>
+              </a:ext>
+            </a:extLst>
+          </a:blip>
+          <a:srcRect/>
+          <a:stretch>
+            <a:fillRect/>
+          </a:stretch>
+        </p:blipFill>
+        <p:spPr bwMode="auto">
+          <a:xfrm>
+            <a:off x="38956628" y="39172652"/>
+            <a:ext cx="1679338" cy="2099173"/>
+          </a:xfrm>
+          <a:prstGeom prst="rect">
+            <a:avLst/>
+          </a:prstGeom>
+          <a:noFill/>
+          <a:extLst>
+            <a:ext uri="{909E8E84-426E-40DD-AFC4-6F175D3DCCD1}">
+              <a14:hiddenFill xmlns:a14="http://schemas.microsoft.com/office/drawing/2010/main">
+                <a:solidFill>
+                  <a:srgbClr val="FFFFFF"/>
+                </a:solidFill>
+              </a14:hiddenFill>
+            </a:ext>
+          </a:extLst>
+        </p:spPr>
+      </p:pic>
+      <p:sp>
+        <p:nvSpPr>
+          <p:cNvPr id="44" name="Rectangle 11"/>
+          <p:cNvSpPr>
+            <a:spLocks noChangeArrowheads="1"/>
+          </p:cNvSpPr>
+          <p:nvPr/>
+        </p:nvSpPr>
+        <p:spPr bwMode="auto">
+          <a:xfrm>
+            <a:off x="0" y="0"/>
+            <a:ext cx="43205400" cy="0"/>
+          </a:xfrm>
+          <a:prstGeom prst="rect">
+            <a:avLst/>
+          </a:prstGeom>
+          <a:noFill/>
+          <a:ln>
+            <a:noFill/>
+          </a:ln>
+          <a:effectLst/>
+          <a:extLst>
+            <a:ext uri="{909E8E84-426E-40DD-AFC4-6F175D3DCCD1}">
+              <a14:hiddenFill xmlns:a14="http://schemas.microsoft.com/office/drawing/2010/main">
+                <a:solidFill>
+                  <a:schemeClr val="accent1"/>
+                </a:solidFill>
+              </a14:hiddenFill>
+            </a:ext>
+            <a:ext uri="{91240B29-F687-4F45-9708-019B960494DF}">
+              <a14:hiddenLine xmlns:a14="http://schemas.microsoft.com/office/drawing/2010/main" w="9525">
+                <a:solidFill>
+                  <a:schemeClr val="tx1"/>
+                </a:solidFill>
+                <a:miter lim="800000"/>
+                <a:headEnd/>
+                <a:tailEnd/>
+              </a14:hiddenLine>
+            </a:ext>
+            <a:ext uri="{AF507438-7753-43E0-B8FC-AC1667EBCBE1}">
+              <a14:hiddenEffects xmlns:a14="http://schemas.microsoft.com/office/drawing/2010/main">
+                <a:effectLst>
+                  <a:outerShdw dist="35921" dir="2700000" algn="ctr" rotWithShape="0">
+                    <a:schemeClr val="bg2"/>
+                  </a:outerShdw>
+                </a:effectLst>
+              </a14:hiddenEffects>
+            </a:ext>
+          </a:extLst>
+        </p:spPr>
+        <p:txBody>
+          <a:bodyPr vert="horz" wrap="none" lIns="91440" tIns="45720" rIns="91440" bIns="45720" numCol="1" anchor="ctr" anchorCtr="0" compatLnSpc="1">
+            <a:prstTxWarp prst="textNoShape">
+              <a:avLst/>
+            </a:prstTxWarp>
+            <a:spAutoFit/>
+          </a:bodyPr>
+          <a:lstStyle/>
+          <a:p>
+            <a:endParaRPr lang="he-IL"/>
+          </a:p>
+        </p:txBody>
+      </p:sp>
+      <p:pic>
+        <p:nvPicPr>
+          <p:cNvPr id="1036" name="Picture 12"/>
+          <p:cNvPicPr>
+            <a:picLocks noChangeAspect="1" noChangeArrowheads="1"/>
+          </p:cNvPicPr>
+          <p:nvPr/>
+        </p:nvPicPr>
+        <p:blipFill>
+          <a:blip r:embed="rId9">
+            <a:extLst>
+              <a:ext uri="{28A0092B-C50C-407E-A947-70E740481C1C}">
+                <a14:useLocalDpi xmlns:a14="http://schemas.microsoft.com/office/drawing/2010/main" val="0"/>
+              </a:ext>
+            </a:extLst>
+          </a:blip>
+          <a:srcRect/>
+          <a:stretch>
+            <a:fillRect/>
+          </a:stretch>
+        </p:blipFill>
+        <p:spPr bwMode="auto">
+          <a:xfrm>
+            <a:off x="33110324" y="40756828"/>
+            <a:ext cx="3914775" cy="619125"/>
+          </a:xfrm>
+          <a:prstGeom prst="rect">
+            <a:avLst/>
+          </a:prstGeom>
+          <a:noFill/>
+          <a:ln>
+            <a:noFill/>
+          </a:ln>
+          <a:effectLst/>
+          <a:extLst>
+            <a:ext uri="{909E8E84-426E-40DD-AFC4-6F175D3DCCD1}">
+              <a14:hiddenFill xmlns:a14="http://schemas.microsoft.com/office/drawing/2010/main">
+                <a:solidFill>
+                  <a:schemeClr val="accent1"/>
+                </a:solidFill>
+              </a14:hiddenFill>
+            </a:ext>
+            <a:ext uri="{91240B29-F687-4F45-9708-019B960494DF}">
+              <a14:hiddenLine xmlns:a14="http://schemas.microsoft.com/office/drawing/2010/main" w="9525">
+                <a:solidFill>
+                  <a:schemeClr val="tx1"/>
+                </a:solidFill>
+                <a:miter lim="800000"/>
+                <a:headEnd/>
+                <a:tailEnd/>
+              </a14:hiddenLine>
+            </a:ext>
+            <a:ext uri="{AF507438-7753-43E0-B8FC-AC1667EBCBE1}">
+              <a14:hiddenEffects xmlns:a14="http://schemas.microsoft.com/office/drawing/2010/main">
+                <a:effectLst>
+                  <a:outerShdw dist="35921" dir="2700000" algn="ctr" rotWithShape="0">
+                    <a:schemeClr val="bg2"/>
+                  </a:outerShdw>
+                </a:effectLst>
+              </a14:hiddenEffects>
+            </a:ext>
+          </a:extLst>
+        </p:spPr>
+      </p:pic>
     </p:spTree>
     <p:extLst>
       <p:ext uri="{BB962C8B-B14F-4D97-AF65-F5344CB8AC3E}">

--- a/poster.pptx
+++ b/poster.pptx
@@ -3483,151 +3483,28 @@
               <a:defRPr/>
             </a:pPr>
             <a:r>
-              <a:rPr lang="en-US" sz="4400" b="1" kern="0" dirty="0" err="1">
+              <a:rPr lang="en-US" sz="4400" b="1" kern="0" dirty="0" smtClean="0">
                 <a:solidFill>
                   <a:schemeClr val="accent2"/>
                 </a:solidFill>
               </a:rPr>
-              <a:t>Bla</a:t>
-            </a:r>
-            <a:r>
-              <a:rPr lang="en-US" sz="4400" b="1" kern="0" dirty="0">
-                <a:solidFill>
-                  <a:schemeClr val="accent2"/>
-                </a:solidFill>
-              </a:rPr>
-              <a:t> </a:t>
-            </a:r>
-            <a:r>
-              <a:rPr lang="en-US" sz="4400" b="1" kern="0" dirty="0" err="1">
-                <a:solidFill>
-                  <a:schemeClr val="accent2"/>
-                </a:solidFill>
-              </a:rPr>
-              <a:t>bla</a:t>
-            </a:r>
-            <a:r>
-              <a:rPr lang="en-US" sz="4400" b="1" kern="0" dirty="0">
-                <a:solidFill>
-                  <a:schemeClr val="accent2"/>
-                </a:solidFill>
-              </a:rPr>
-              <a:t> </a:t>
-            </a:r>
-            <a:r>
-              <a:rPr lang="en-US" sz="4400" b="1" kern="0" dirty="0" err="1">
-                <a:solidFill>
-                  <a:schemeClr val="accent2"/>
-                </a:solidFill>
-              </a:rPr>
-              <a:t>bla</a:t>
-            </a:r>
-            <a:endParaRPr lang="en-US" sz="4400" b="1" kern="0" dirty="0">
-              <a:solidFill>
-                <a:schemeClr val="accent2"/>
-              </a:solidFill>
-            </a:endParaRPr>
-          </a:p>
-          <a:p>
-            <a:pPr indent="205704" algn="l" defTabSz="908920" rtl="0" eaLnBrk="1" hangingPunct="1">
+              <a:t>Results</a:t>
+            </a:r>
+          </a:p>
+          <a:p>
+            <a:pPr indent="205704" algn="just" defTabSz="908920" rtl="0" eaLnBrk="1" hangingPunct="1">
               <a:spcBef>
-                <a:spcPct val="10000"/>
+                <a:spcPct val="50000"/>
               </a:spcBef>
               <a:tabLst>
                 <a:tab pos="497067" algn="l"/>
               </a:tabLst>
               <a:defRPr/>
             </a:pPr>
-            <a:endParaRPr lang="en-US" sz="2800" kern="0" dirty="0">
+            <a:endParaRPr lang="en-US" sz="4400" b="1" kern="0" dirty="0">
               <a:solidFill>
-                <a:srgbClr val="000000"/>
+                <a:schemeClr val="accent2"/>
               </a:solidFill>
-              <a:latin typeface="Times New Roman" pitchFamily="-111" charset="0"/>
-            </a:endParaRPr>
-          </a:p>
-          <a:p>
-            <a:pPr indent="205704" algn="l" defTabSz="908920" rtl="0" eaLnBrk="1" hangingPunct="1">
-              <a:spcBef>
-                <a:spcPct val="10000"/>
-              </a:spcBef>
-              <a:tabLst>
-                <a:tab pos="497067" algn="l"/>
-              </a:tabLst>
-              <a:defRPr/>
-            </a:pPr>
-            <a:endParaRPr lang="en-US" sz="2800" kern="0" dirty="0">
-              <a:solidFill>
-                <a:srgbClr val="000000"/>
-              </a:solidFill>
-              <a:latin typeface="Times New Roman" pitchFamily="-111" charset="0"/>
-            </a:endParaRPr>
-          </a:p>
-          <a:p>
-            <a:pPr indent="205704" algn="l" defTabSz="908920" rtl="0" eaLnBrk="1" hangingPunct="1">
-              <a:spcBef>
-                <a:spcPct val="10000"/>
-              </a:spcBef>
-              <a:tabLst>
-                <a:tab pos="497067" algn="l"/>
-              </a:tabLst>
-              <a:defRPr/>
-            </a:pPr>
-            <a:endParaRPr lang="en-US" sz="2800" kern="0" dirty="0">
-              <a:solidFill>
-                <a:srgbClr val="000000"/>
-              </a:solidFill>
-              <a:latin typeface="Times New Roman" pitchFamily="-111" charset="0"/>
-            </a:endParaRPr>
-          </a:p>
-          <a:p>
-            <a:pPr indent="205704" algn="l" defTabSz="908920" rtl="0" eaLnBrk="1" hangingPunct="1">
-              <a:spcBef>
-                <a:spcPct val="10000"/>
-              </a:spcBef>
-              <a:tabLst>
-                <a:tab pos="497067" algn="l"/>
-              </a:tabLst>
-              <a:defRPr/>
-            </a:pPr>
-            <a:endParaRPr lang="en-US" sz="2800" kern="0" dirty="0">
-              <a:solidFill>
-                <a:srgbClr val="000000"/>
-              </a:solidFill>
-              <a:latin typeface="Times New Roman" pitchFamily="-111" charset="0"/>
-            </a:endParaRPr>
-          </a:p>
-          <a:p>
-            <a:pPr indent="205704" algn="l" defTabSz="908920" rtl="0" eaLnBrk="1" hangingPunct="1">
-              <a:spcBef>
-                <a:spcPct val="10000"/>
-              </a:spcBef>
-              <a:tabLst>
-                <a:tab pos="497067" algn="l"/>
-              </a:tabLst>
-              <a:defRPr/>
-            </a:pPr>
-            <a:endParaRPr lang="en-US" sz="2800" kern="0" dirty="0">
-              <a:solidFill>
-                <a:srgbClr val="000000"/>
-              </a:solidFill>
-              <a:latin typeface="Times New Roman" pitchFamily="-111" charset="0"/>
-            </a:endParaRPr>
-          </a:p>
-          <a:p>
-            <a:pPr indent="205704" algn="l" defTabSz="908920" rtl="0" eaLnBrk="1" hangingPunct="1">
-              <a:spcBef>
-                <a:spcPct val="10000"/>
-              </a:spcBef>
-              <a:tabLst>
-                <a:tab pos="497067" algn="l"/>
-              </a:tabLst>
-              <a:defRPr/>
-            </a:pPr>
-            <a:endParaRPr lang="en-US" sz="2800" kern="0" dirty="0">
-              <a:solidFill>
-                <a:srgbClr val="000000"/>
-              </a:solidFill>
-              <a:latin typeface="Times New Roman" pitchFamily="-111" charset="0"/>
             </a:endParaRPr>
           </a:p>
           <a:p>
@@ -5018,7 +4895,7 @@
                 </a:solidFill>
                 <a:latin typeface="+mn-lt"/>
               </a:rPr>
-              <a:t>1 below illustrate </a:t>
+              <a:t>1 below </a:t>
             </a:r>
             <a:r>
               <a:rPr lang="en-US" sz="2800" kern="0" dirty="0" smtClean="0">
@@ -5027,7 +4904,16 @@
                 </a:solidFill>
                 <a:latin typeface="+mn-lt"/>
               </a:rPr>
-              <a:t>s this problem using the </a:t>
+              <a:t>illustrates </a:t>
+            </a:r>
+            <a:r>
+              <a:rPr lang="en-US" sz="2800" kern="0" dirty="0" smtClean="0">
+                <a:solidFill>
+                  <a:srgbClr val="000000"/>
+                </a:solidFill>
+                <a:latin typeface="+mn-lt"/>
+              </a:rPr>
+              <a:t>this problem using the </a:t>
             </a:r>
             <a:r>
               <a:rPr lang="en-US" sz="2800" i="1" kern="0" dirty="0" smtClean="0">
@@ -5357,7 +5243,7 @@
                 </a:solidFill>
                 <a:latin typeface="+mn-lt"/>
               </a:rPr>
-              <a:t>In various species of bacteria (2) as well as yeast, algae, flies and human cancer cells (3), the mutation rate is induced by stress responses. </a:t>
+              <a:t>In various species of bacteria as well as yeast, algae, flies and human cancer cells (2-3), the mutation rate is induced by stress responses. </a:t>
             </a:r>
           </a:p>
           <a:p>
@@ -6066,7 +5952,7 @@
                   <a:schemeClr val="accent2"/>
                 </a:solidFill>
               </a:rPr>
-              <a:t>Model</a:t>
+              <a:t>Analytic Model</a:t>
             </a:r>
             <a:endParaRPr lang="en-US" sz="2800" kern="0" dirty="0">
               <a:solidFill>
@@ -6380,7 +6266,7 @@
                       <a:schemeClr val="accent2"/>
                     </a:solidFill>
                   </a:rPr>
-                  <a:t>Analytic Results</a:t>
+                  <a:t>Analytic approximations</a:t>
                 </a:r>
               </a:p>
               <a:p>
@@ -8792,13 +8678,104 @@
               <a:defRPr/>
             </a:pPr>
             <a:r>
-              <a:rPr lang="en-US" sz="4400" b="1" kern="0" dirty="0">
+              <a:rPr lang="en-US" sz="4400" b="1" kern="0" dirty="0" smtClean="0">
                 <a:solidFill>
                   <a:schemeClr val="accent2"/>
                 </a:solidFill>
               </a:rPr>
               <a:t>Summary</a:t>
             </a:r>
+          </a:p>
+          <a:p>
+            <a:pPr indent="205704" algn="just" defTabSz="908920" rtl="0" eaLnBrk="1" hangingPunct="1">
+              <a:spcBef>
+                <a:spcPct val="10000"/>
+              </a:spcBef>
+              <a:tabLst>
+                <a:tab pos="631195" algn="l"/>
+              </a:tabLst>
+              <a:defRPr/>
+            </a:pPr>
+            <a:r>
+              <a:rPr lang="en-US" sz="2800" kern="0" dirty="0" smtClean="0">
+                <a:solidFill>
+                  <a:srgbClr val="000000"/>
+                </a:solidFill>
+              </a:rPr>
+              <a:t>We analyzed  the adaption time on a rugged fitness landscape with and without stress-induced mutagenesis. </a:t>
+            </a:r>
+          </a:p>
+          <a:p>
+            <a:pPr indent="205704" algn="just" defTabSz="908920" rtl="0" eaLnBrk="1" hangingPunct="1">
+              <a:spcBef>
+                <a:spcPct val="10000"/>
+              </a:spcBef>
+              <a:tabLst>
+                <a:tab pos="631195" algn="l"/>
+              </a:tabLst>
+              <a:defRPr/>
+            </a:pPr>
+            <a:r>
+              <a:rPr lang="en-US" sz="2800" kern="0" dirty="0" smtClean="0">
+                <a:solidFill>
+                  <a:srgbClr val="000000"/>
+                </a:solidFill>
+              </a:rPr>
+              <a:t>Our results </a:t>
+            </a:r>
+            <a:r>
+              <a:rPr lang="en-US" sz="2800" kern="0" dirty="0">
+                <a:solidFill>
+                  <a:srgbClr val="000000"/>
+                </a:solidFill>
+              </a:rPr>
+              <a:t>suggest that </a:t>
+            </a:r>
+            <a:r>
+              <a:rPr lang="en-US" sz="2800" kern="0" dirty="0" smtClean="0">
+                <a:solidFill>
+                  <a:srgbClr val="000000"/>
+                </a:solidFill>
+              </a:rPr>
+              <a:t>stress-induced </a:t>
+            </a:r>
+            <a:r>
+              <a:rPr lang="en-US" sz="2800" kern="0" dirty="0">
+                <a:solidFill>
+                  <a:srgbClr val="000000"/>
+                </a:solidFill>
+              </a:rPr>
+              <a:t>mutagenesis can resolve the problem of adaptive peak shifts by increasing the capacity </a:t>
+            </a:r>
+            <a:r>
+              <a:rPr lang="en-US" sz="2800" kern="0" dirty="0" smtClean="0">
+                <a:solidFill>
+                  <a:srgbClr val="000000"/>
+                </a:solidFill>
+              </a:rPr>
+              <a:t>of populations </a:t>
+            </a:r>
+            <a:r>
+              <a:rPr lang="en-US" sz="2800" kern="0" dirty="0">
+                <a:solidFill>
+                  <a:srgbClr val="000000"/>
+                </a:solidFill>
+              </a:rPr>
+              <a:t>to adapt, in particular in the case of complex </a:t>
+            </a:r>
+            <a:r>
+              <a:rPr lang="en-US" sz="2800" kern="0" dirty="0" smtClean="0">
+                <a:solidFill>
+                  <a:srgbClr val="000000"/>
+                </a:solidFill>
+              </a:rPr>
+              <a:t>adaptation, without the burden of deleterious mutations that is created by constitutive mutagenesis in asexual populations.</a:t>
+            </a:r>
+            <a:endParaRPr lang="en-US" sz="2800" kern="0" dirty="0">
+              <a:solidFill>
+                <a:srgbClr val="000000"/>
+              </a:solidFill>
+            </a:endParaRPr>
           </a:p>
         </p:txBody>
       </p:sp>
@@ -9129,7 +9106,27 @@
                 <a:latin typeface="Helvetica" pitchFamily="34" charset="0"/>
                 <a:cs typeface="Helvetica" pitchFamily="34" charset="0"/>
               </a:rPr>
-              <a:t>A) A single-peak fitness landscape. Selection drives the population uphill towards the global maximum. (B) A multi-peak fitness landscape. Selection drives the population uphill towards the closest peak – the global or local maximum.</a:t>
+              <a:t>A) A single-peak fitness landscape. Selection drives the population uphill towards the global maximum. (B) A </a:t>
+            </a:r>
+            <a:r>
+              <a:rPr lang="en-US" sz="2000" kern="0" dirty="0" smtClean="0">
+                <a:solidFill>
+                  <a:sysClr val="windowText" lastClr="000000"/>
+                </a:solidFill>
+                <a:latin typeface="Helvetica" pitchFamily="34" charset="0"/>
+                <a:cs typeface="Helvetica" pitchFamily="34" charset="0"/>
+              </a:rPr>
+              <a:t>multi-peak rugged </a:t>
+            </a:r>
+            <a:r>
+              <a:rPr lang="en-US" sz="2000" kern="0" dirty="0" smtClean="0">
+                <a:solidFill>
+                  <a:sysClr val="windowText" lastClr="000000"/>
+                </a:solidFill>
+                <a:latin typeface="Helvetica" pitchFamily="34" charset="0"/>
+                <a:cs typeface="Helvetica" pitchFamily="34" charset="0"/>
+              </a:rPr>
+              <a:t>fitness landscape. Selection drives the population uphill towards the closest peak – the global or local maximum.</a:t>
             </a:r>
             <a:endParaRPr lang="en-US" sz="2000" b="1" kern="0" dirty="0">
               <a:solidFill>
@@ -9294,8 +9291,319 @@
                   <a:schemeClr val="accent2"/>
                 </a:solidFill>
               </a:rPr>
-              <a:t>Literature cited</a:t>
-            </a:r>
+              <a:t>Literature </a:t>
+            </a:r>
+            <a:r>
+              <a:rPr lang="en-US" sz="4400" b="1" kern="0" dirty="0">
+                <a:solidFill>
+                  <a:schemeClr val="accent2"/>
+                </a:solidFill>
+              </a:rPr>
+              <a:t>cited</a:t>
+            </a:r>
+          </a:p>
+          <a:p>
+            <a:pPr lvl="0" algn="l" rtl="0">
+              <a:buFont typeface="+mj-lt"/>
+              <a:buAutoNum type="arabicPeriod"/>
+            </a:pPr>
+            <a:r>
+              <a:rPr lang="en-US" sz="2400" dirty="0"/>
+              <a:t>Wright </a:t>
+            </a:r>
+            <a:r>
+              <a:rPr lang="en-US" sz="2400" dirty="0" smtClean="0"/>
+              <a:t>S. </a:t>
+            </a:r>
+            <a:r>
+              <a:rPr lang="en-US" sz="2400" i="1" dirty="0"/>
+              <a:t>Am Nat</a:t>
+            </a:r>
+            <a:r>
+              <a:rPr lang="en-US" sz="2400" dirty="0"/>
+              <a:t> 1988, 131:115–123.</a:t>
+            </a:r>
+          </a:p>
+          <a:p>
+            <a:pPr lvl="0" algn="l" rtl="0">
+              <a:buFont typeface="+mj-lt"/>
+              <a:buAutoNum type="arabicPeriod"/>
+            </a:pPr>
+            <a:r>
+              <a:rPr lang="en-US" sz="2400" dirty="0" err="1"/>
+              <a:t>Galhardo</a:t>
+            </a:r>
+            <a:r>
+              <a:rPr lang="en-US" sz="2400" dirty="0"/>
+              <a:t> RS, </a:t>
+            </a:r>
+            <a:r>
+              <a:rPr lang="en-US" sz="2400" dirty="0" smtClean="0"/>
+              <a:t>et al. </a:t>
+            </a:r>
+            <a:r>
+              <a:rPr lang="en-US" sz="2400" i="1" dirty="0" err="1" smtClean="0"/>
+              <a:t>Crit</a:t>
+            </a:r>
+            <a:r>
+              <a:rPr lang="en-US" sz="2400" i="1" dirty="0" smtClean="0"/>
+              <a:t> </a:t>
+            </a:r>
+            <a:r>
+              <a:rPr lang="en-US" sz="2400" i="1" dirty="0"/>
+              <a:t>Rev </a:t>
+            </a:r>
+            <a:r>
+              <a:rPr lang="en-US" sz="2400" i="1" dirty="0" err="1"/>
+              <a:t>Biochem</a:t>
+            </a:r>
+            <a:r>
+              <a:rPr lang="en-US" sz="2400" i="1" dirty="0"/>
+              <a:t> </a:t>
+            </a:r>
+            <a:r>
+              <a:rPr lang="en-US" sz="2400" i="1" dirty="0" err="1"/>
+              <a:t>Mol</a:t>
+            </a:r>
+            <a:r>
+              <a:rPr lang="en-US" sz="2400" i="1" dirty="0"/>
+              <a:t> </a:t>
+            </a:r>
+            <a:r>
+              <a:rPr lang="en-US" sz="2400" i="1" dirty="0" err="1"/>
+              <a:t>Biol</a:t>
+            </a:r>
+            <a:r>
+              <a:rPr lang="en-US" sz="2400" dirty="0"/>
+              <a:t> 2007, 42:399–435.</a:t>
+            </a:r>
+          </a:p>
+          <a:p>
+            <a:pPr lvl="0" algn="l" rtl="0">
+              <a:buFont typeface="+mj-lt"/>
+              <a:buAutoNum type="arabicPeriod"/>
+            </a:pPr>
+            <a:r>
+              <a:rPr lang="en-US" sz="2400" dirty="0" err="1"/>
+              <a:t>Bjedov</a:t>
+            </a:r>
+            <a:r>
+              <a:rPr lang="en-US" sz="2400" dirty="0"/>
+              <a:t> I, </a:t>
+            </a:r>
+            <a:r>
+              <a:rPr lang="en-US" sz="2400" i="1" dirty="0"/>
+              <a:t>et al</a:t>
+            </a:r>
+            <a:r>
+              <a:rPr lang="en-US" sz="2400" i="1" dirty="0" smtClean="0"/>
+              <a:t>.</a:t>
+            </a:r>
+            <a:r>
+              <a:rPr lang="en-US" sz="2400" dirty="0" smtClean="0"/>
+              <a:t>. </a:t>
+            </a:r>
+            <a:r>
+              <a:rPr lang="en-US" sz="2400" i="1" dirty="0"/>
+              <a:t>Science</a:t>
+            </a:r>
+            <a:r>
+              <a:rPr lang="en-US" sz="2400" dirty="0"/>
+              <a:t> 2003, 300:1404–9.</a:t>
+            </a:r>
+          </a:p>
+          <a:p>
+            <a:pPr lvl="0" algn="l" rtl="0">
+              <a:buFont typeface="+mj-lt"/>
+              <a:buAutoNum type="arabicPeriod"/>
+            </a:pPr>
+            <a:r>
+              <a:rPr lang="en-US" sz="2400" dirty="0"/>
+              <a:t>Ram Y, </a:t>
+            </a:r>
+            <a:r>
+              <a:rPr lang="en-US" sz="2400" dirty="0" err="1"/>
+              <a:t>Hadany</a:t>
+            </a:r>
+            <a:r>
+              <a:rPr lang="en-US" sz="2400" dirty="0"/>
+              <a:t> </a:t>
+            </a:r>
+            <a:r>
+              <a:rPr lang="en-US" sz="2400" dirty="0" smtClean="0"/>
+              <a:t>L. </a:t>
+            </a:r>
+            <a:r>
+              <a:rPr lang="en-US" sz="2400" i="1" dirty="0" smtClean="0"/>
+              <a:t>Evolution</a:t>
+            </a:r>
+            <a:r>
+              <a:rPr lang="en-US" sz="2400" dirty="0" smtClean="0"/>
+              <a:t> </a:t>
+            </a:r>
+            <a:r>
+              <a:rPr lang="en-US" sz="2400" dirty="0"/>
+              <a:t>2012, 66:2315–28.</a:t>
+            </a:r>
+          </a:p>
+          <a:p>
+            <a:pPr lvl="0" algn="l" rtl="0">
+              <a:buFont typeface="+mj-lt"/>
+              <a:buAutoNum type="arabicPeriod"/>
+            </a:pPr>
+            <a:r>
+              <a:rPr lang="en-US" sz="2400" dirty="0" err="1"/>
+              <a:t>Kibota</a:t>
+            </a:r>
+            <a:r>
+              <a:rPr lang="en-US" sz="2400" dirty="0"/>
+              <a:t> TT, Lynch </a:t>
+            </a:r>
+            <a:r>
+              <a:rPr lang="en-US" sz="2400" dirty="0" smtClean="0"/>
+              <a:t>M. </a:t>
+            </a:r>
+            <a:r>
+              <a:rPr lang="en-US" sz="2400" i="1" dirty="0"/>
+              <a:t>Nature</a:t>
+            </a:r>
+            <a:r>
+              <a:rPr lang="en-US" sz="2400" dirty="0"/>
+              <a:t> 1996, 381:694–6.</a:t>
+            </a:r>
+          </a:p>
+          <a:p>
+            <a:pPr lvl="0" algn="l" rtl="0">
+              <a:buFont typeface="+mj-lt"/>
+              <a:buAutoNum type="arabicPeriod"/>
+            </a:pPr>
+            <a:r>
+              <a:rPr lang="en-US" sz="2400" dirty="0"/>
+              <a:t>Gordo </a:t>
+            </a:r>
+            <a:r>
+              <a:rPr lang="en-US" sz="2400" dirty="0" smtClean="0"/>
+              <a:t>I, et al. </a:t>
+            </a:r>
+            <a:r>
+              <a:rPr lang="en-US" sz="2400" i="1" dirty="0"/>
+              <a:t>J </a:t>
+            </a:r>
+            <a:r>
+              <a:rPr lang="en-US" sz="2400" i="1" dirty="0" err="1"/>
+              <a:t>Mol</a:t>
+            </a:r>
+            <a:r>
+              <a:rPr lang="en-US" sz="2400" i="1" dirty="0"/>
+              <a:t> </a:t>
+            </a:r>
+            <a:r>
+              <a:rPr lang="en-US" sz="2400" i="1" dirty="0" err="1"/>
+              <a:t>Microbiol</a:t>
+            </a:r>
+            <a:r>
+              <a:rPr lang="en-US" sz="2400" i="1" dirty="0"/>
+              <a:t> Biotech</a:t>
+            </a:r>
+            <a:r>
+              <a:rPr lang="en-US" sz="2400" dirty="0"/>
+              <a:t> 2011, 21:20–35.</a:t>
+            </a:r>
+          </a:p>
+          <a:p>
+            <a:pPr lvl="0" algn="l" rtl="0">
+              <a:buFont typeface="+mj-lt"/>
+              <a:buAutoNum type="arabicPeriod"/>
+            </a:pPr>
+            <a:r>
+              <a:rPr lang="en-US" sz="2400" dirty="0"/>
+              <a:t>Drake JW, et al</a:t>
+            </a:r>
+            <a:r>
+              <a:rPr lang="en-US" sz="2400" dirty="0" smtClean="0"/>
+              <a:t>. </a:t>
+            </a:r>
+            <a:r>
+              <a:rPr lang="en-US" sz="2400" i="1" dirty="0"/>
+              <a:t>Genetics</a:t>
+            </a:r>
+            <a:r>
+              <a:rPr lang="en-US" sz="2400" dirty="0"/>
+              <a:t> 1998, 148:1667–86.</a:t>
+            </a:r>
+          </a:p>
+          <a:p>
+            <a:pPr lvl="0" algn="l" rtl="0">
+              <a:buFont typeface="+mj-lt"/>
+              <a:buAutoNum type="arabicPeriod"/>
+            </a:pPr>
+            <a:r>
+              <a:rPr lang="en-US" sz="2400" dirty="0" err="1"/>
+              <a:t>Wielgoss</a:t>
+            </a:r>
+            <a:r>
+              <a:rPr lang="en-US" sz="2400" dirty="0"/>
+              <a:t> S, et </a:t>
+            </a:r>
+            <a:r>
+              <a:rPr lang="en-US" sz="2400" dirty="0" smtClean="0"/>
+              <a:t>al. </a:t>
+            </a:r>
+            <a:r>
+              <a:rPr lang="en-US" sz="2400" i="1" dirty="0"/>
+              <a:t>G3</a:t>
+            </a:r>
+            <a:r>
+              <a:rPr lang="en-US" sz="2400" dirty="0"/>
+              <a:t> 2011, 1:183.</a:t>
+            </a:r>
+          </a:p>
+          <a:p>
+            <a:pPr lvl="0" algn="l" rtl="0">
+              <a:buFont typeface="+mj-lt"/>
+              <a:buAutoNum type="arabicPeriod"/>
+            </a:pPr>
+            <a:r>
+              <a:rPr lang="en-US" sz="2400" dirty="0"/>
+              <a:t>Hall LMC, Henderson-</a:t>
+            </a:r>
+            <a:r>
+              <a:rPr lang="en-US" sz="2400" dirty="0" err="1"/>
+              <a:t>Begg</a:t>
+            </a:r>
+            <a:r>
+              <a:rPr lang="en-US" sz="2400" dirty="0"/>
+              <a:t> </a:t>
+            </a:r>
+            <a:r>
+              <a:rPr lang="en-US" sz="2400" dirty="0" smtClean="0"/>
+              <a:t>SK. </a:t>
+            </a:r>
+            <a:r>
+              <a:rPr lang="en-US" sz="2400" i="1" dirty="0" smtClean="0"/>
+              <a:t>Microbiology </a:t>
+            </a:r>
+            <a:r>
+              <a:rPr lang="en-US" sz="2400" i="1" dirty="0"/>
+              <a:t>(UK)</a:t>
+            </a:r>
+            <a:r>
+              <a:rPr lang="en-US" sz="2400" dirty="0"/>
+              <a:t> 2006, 152(</a:t>
+            </a:r>
+            <a:r>
+              <a:rPr lang="en-US" sz="2400" dirty="0" err="1"/>
+              <a:t>Pt</a:t>
+            </a:r>
+            <a:r>
+              <a:rPr lang="en-US" sz="2400" dirty="0"/>
+              <a:t> 9):2505–14</a:t>
+            </a:r>
+            <a:r>
+              <a:rPr lang="en-US" sz="2400" dirty="0" smtClean="0"/>
+              <a:t>.</a:t>
+            </a:r>
+            <a:endParaRPr lang="en-US" sz="2400" dirty="0"/>
           </a:p>
         </p:txBody>
       </p:sp>
@@ -10569,14 +10877,14 @@
           <p:nvPr>
             <p:extLst>
               <p:ext uri="{D42A27DB-BD31-4B8C-83A1-F6EECF244321}">
-                <p14:modId xmlns:p14="http://schemas.microsoft.com/office/powerpoint/2010/main" val="2788547446"/>
+                <p14:modId xmlns:p14="http://schemas.microsoft.com/office/powerpoint/2010/main" val="1396030944"/>
               </p:ext>
             </p:extLst>
           </p:nvPr>
         </p:nvGraphicFramePr>
         <p:xfrm>
-          <a:off x="16131292" y="20738604"/>
-          <a:ext cx="10800000" cy="3903120"/>
+          <a:off x="16995188" y="21642660"/>
+          <a:ext cx="9000000" cy="3200400"/>
         </p:xfrm>
         <a:graphic>
           <a:graphicData uri="http://schemas.openxmlformats.org/drawingml/2006/table">
@@ -10585,10 +10893,10 @@
                 <a:tableStyleId>{5C22544A-7EE6-4342-B048-85BDC9FD1C3A}</a:tableStyleId>
               </a:tblPr>
               <a:tblGrid>
-                <a:gridCol w="2700000"/>
-                <a:gridCol w="2700000"/>
-                <a:gridCol w="3824742"/>
-                <a:gridCol w="1575258"/>
+                <a:gridCol w="1481608"/>
+                <a:gridCol w="2263552"/>
+                <a:gridCol w="3942125"/>
+                <a:gridCol w="1312715"/>
               </a:tblGrid>
               <a:tr h="450000">
                 <a:tc>
@@ -10598,13 +10906,13 @@
                     <a:p>
                       <a:pPr algn="ctr" rtl="0"/>
                       <a:r>
-                        <a:rPr lang="en-US" sz="2000" dirty="0" smtClean="0">
+                        <a:rPr lang="en-US" sz="2400" dirty="0" smtClean="0">
                           <a:latin typeface="Helvetica" pitchFamily="34" charset="0"/>
                           <a:cs typeface="Helvetica" pitchFamily="34" charset="0"/>
                         </a:rPr>
-                        <a:t>Reference</a:t>
+                        <a:t>Citation</a:t>
                       </a:r>
-                      <a:endParaRPr lang="he-IL" sz="2000" dirty="0">
+                      <a:endParaRPr lang="he-IL" sz="2400" dirty="0">
                         <a:latin typeface="Helvetica" pitchFamily="34" charset="0"/>
                         <a:cs typeface="Helvetica" pitchFamily="34" charset="0"/>
                       </a:endParaRPr>
@@ -10619,13 +10927,13 @@
                     <a:p>
                       <a:pPr algn="ctr" rtl="0"/>
                       <a:r>
-                        <a:rPr lang="en-US" sz="2000" dirty="0" smtClean="0">
+                        <a:rPr lang="en-US" sz="2400" dirty="0" smtClean="0">
                           <a:latin typeface="Helvetica" pitchFamily="34" charset="0"/>
                           <a:cs typeface="Helvetica" pitchFamily="34" charset="0"/>
                         </a:rPr>
                         <a:t>Estimate</a:t>
                       </a:r>
-                      <a:endParaRPr lang="he-IL" sz="2000" dirty="0">
+                      <a:endParaRPr lang="he-IL" sz="2400" dirty="0">
                         <a:latin typeface="Helvetica" pitchFamily="34" charset="0"/>
                         <a:cs typeface="Helvetica" pitchFamily="34" charset="0"/>
                       </a:endParaRPr>
@@ -10640,13 +10948,13 @@
                     <a:p>
                       <a:pPr algn="ctr" rtl="0"/>
                       <a:r>
-                        <a:rPr lang="en-US" sz="2000" dirty="0" smtClean="0">
+                        <a:rPr lang="en-US" sz="2400" dirty="0" smtClean="0">
                           <a:latin typeface="Helvetica" pitchFamily="34" charset="0"/>
                           <a:cs typeface="Helvetica" pitchFamily="34" charset="0"/>
                         </a:rPr>
                         <a:t>Name</a:t>
                       </a:r>
-                      <a:endParaRPr lang="he-IL" sz="2000" dirty="0">
+                      <a:endParaRPr lang="he-IL" sz="2400" dirty="0">
                         <a:latin typeface="Helvetica" pitchFamily="34" charset="0"/>
                         <a:cs typeface="Helvetica" pitchFamily="34" charset="0"/>
                       </a:endParaRPr>
@@ -10661,13 +10969,13 @@
                     <a:p>
                       <a:pPr algn="ctr" rtl="0"/>
                       <a:r>
-                        <a:rPr lang="en-US" sz="2000" dirty="0" smtClean="0">
+                        <a:rPr lang="en-US" sz="2400" dirty="0" smtClean="0">
                           <a:latin typeface="Helvetica" pitchFamily="34" charset="0"/>
                           <a:cs typeface="Helvetica" pitchFamily="34" charset="0"/>
                         </a:rPr>
                         <a:t>Symbol</a:t>
                       </a:r>
-                      <a:endParaRPr lang="he-IL" sz="2000" dirty="0">
+                      <a:endParaRPr lang="he-IL" sz="2400" dirty="0">
                         <a:latin typeface="Helvetica" pitchFamily="34" charset="0"/>
                         <a:cs typeface="Helvetica" pitchFamily="34" charset="0"/>
                       </a:endParaRPr>
@@ -10684,30 +10992,13 @@
                     <a:p>
                       <a:pPr algn="ctr" rtl="0"/>
                       <a:r>
-                        <a:rPr lang="en-US" sz="2000" dirty="0" err="1" smtClean="0">
+                        <a:rPr lang="en-US" sz="2400" dirty="0" smtClean="0">
                           <a:latin typeface="Helvetica" pitchFamily="34" charset="0"/>
                           <a:cs typeface="Helvetica" pitchFamily="34" charset="0"/>
                         </a:rPr>
-                        <a:t>Kibota</a:t>
+                        <a:t>5, 6</a:t>
                       </a:r>
-                      <a:r>
-                        <a:rPr lang="en-US" sz="2000" baseline="0" dirty="0" smtClean="0">
-                          <a:latin typeface="Helvetica" pitchFamily="34" charset="0"/>
-                          <a:cs typeface="Helvetica" pitchFamily="34" charset="0"/>
-                        </a:rPr>
-                        <a:t> &amp; Lynch  1996</a:t>
-                      </a:r>
-                    </a:p>
-                    <a:p>
-                      <a:pPr algn="ctr" rtl="0"/>
-                      <a:r>
-                        <a:rPr lang="en-US" sz="2000" baseline="0" dirty="0" smtClean="0">
-                          <a:latin typeface="Helvetica" pitchFamily="34" charset="0"/>
-                          <a:cs typeface="Helvetica" pitchFamily="34" charset="0"/>
-                        </a:rPr>
-                        <a:t>Gordo et al. 2011</a:t>
-                      </a:r>
-                      <a:endParaRPr lang="he-IL" sz="2000" dirty="0">
+                      <a:endParaRPr lang="he-IL" sz="2400" dirty="0">
                         <a:latin typeface="Helvetica" pitchFamily="34" charset="0"/>
                         <a:cs typeface="Helvetica" pitchFamily="34" charset="0"/>
                       </a:endParaRPr>
@@ -10722,13 +11013,13 @@
                     <a:p>
                       <a:pPr algn="ctr" rtl="0"/>
                       <a:r>
-                        <a:rPr lang="en-US" sz="2000" dirty="0" smtClean="0">
+                        <a:rPr lang="en-US" sz="2400" dirty="0" smtClean="0">
                           <a:latin typeface="Helvetica" pitchFamily="34" charset="0"/>
                           <a:cs typeface="Helvetica" pitchFamily="34" charset="0"/>
                         </a:rPr>
                         <a:t>0.001-0.01</a:t>
                       </a:r>
-                      <a:endParaRPr lang="he-IL" sz="2000" dirty="0">
+                      <a:endParaRPr lang="he-IL" sz="2400" dirty="0">
                         <a:latin typeface="Helvetica" pitchFamily="34" charset="0"/>
                         <a:cs typeface="Helvetica" pitchFamily="34" charset="0"/>
                       </a:endParaRPr>
@@ -10743,13 +11034,13 @@
                     <a:p>
                       <a:pPr algn="ctr" rtl="0"/>
                       <a:r>
-                        <a:rPr lang="en-US" sz="2000" dirty="0" smtClean="0">
+                        <a:rPr lang="en-US" sz="2400" dirty="0" smtClean="0">
                           <a:latin typeface="Helvetica" pitchFamily="34" charset="0"/>
                           <a:cs typeface="Helvetica" pitchFamily="34" charset="0"/>
                         </a:rPr>
                         <a:t>Selection coefficient</a:t>
                       </a:r>
-                      <a:endParaRPr lang="he-IL" sz="2000" dirty="0">
+                      <a:endParaRPr lang="he-IL" sz="2400" dirty="0">
                         <a:latin typeface="Helvetica" pitchFamily="34" charset="0"/>
                         <a:cs typeface="Helvetica" pitchFamily="34" charset="0"/>
                       </a:endParaRPr>
@@ -10764,13 +11055,13 @@
                     <a:p>
                       <a:pPr algn="ctr" rtl="0"/>
                       <a:r>
-                        <a:rPr lang="en-US" sz="2000" i="1" dirty="0" smtClean="0">
+                        <a:rPr lang="en-US" sz="2400" i="1" dirty="0" smtClean="0">
                           <a:latin typeface="Helvetica" pitchFamily="34" charset="0"/>
                           <a:cs typeface="Helvetica" pitchFamily="34" charset="0"/>
                         </a:rPr>
                         <a:t>s</a:t>
                       </a:r>
-                      <a:endParaRPr lang="he-IL" sz="2000" i="1" dirty="0">
+                      <a:endParaRPr lang="he-IL" sz="2400" i="1" dirty="0">
                         <a:latin typeface="Helvetica" pitchFamily="34" charset="0"/>
                         <a:cs typeface="Helvetica" pitchFamily="34" charset="0"/>
                       </a:endParaRPr>
@@ -10803,13 +11094,13 @@
                         <a:defRPr/>
                       </a:pPr>
                       <a:r>
-                        <a:rPr lang="en-US" sz="2000" baseline="0" dirty="0" smtClean="0">
+                        <a:rPr lang="en-US" sz="2400" baseline="0" dirty="0" smtClean="0">
                           <a:latin typeface="Helvetica" pitchFamily="34" charset="0"/>
                           <a:cs typeface="Helvetica" pitchFamily="34" charset="0"/>
                         </a:rPr>
-                        <a:t>Gordo et al. 2011</a:t>
+                        <a:t>6</a:t>
                       </a:r>
-                      <a:endParaRPr lang="he-IL" sz="2000" dirty="0" smtClean="0">
+                      <a:endParaRPr lang="he-IL" sz="2400" dirty="0" smtClean="0">
                         <a:latin typeface="Helvetica" pitchFamily="34" charset="0"/>
                         <a:cs typeface="Helvetica" pitchFamily="34" charset="0"/>
                       </a:endParaRPr>
@@ -10824,13 +11115,13 @@
                     <a:p>
                       <a:pPr algn="ctr" rtl="0"/>
                       <a:r>
-                        <a:rPr lang="en-US" sz="2000" dirty="0" smtClean="0">
+                        <a:rPr lang="en-US" sz="2400" dirty="0" smtClean="0">
                           <a:latin typeface="Helvetica" pitchFamily="34" charset="0"/>
                           <a:cs typeface="Helvetica" pitchFamily="34" charset="0"/>
                         </a:rPr>
                         <a:t>1-10</a:t>
                       </a:r>
-                      <a:endParaRPr lang="he-IL" sz="2000" dirty="0">
+                      <a:endParaRPr lang="he-IL" sz="2400" dirty="0">
                         <a:latin typeface="Helvetica" pitchFamily="34" charset="0"/>
                         <a:cs typeface="Helvetica" pitchFamily="34" charset="0"/>
                       </a:endParaRPr>
@@ -10845,13 +11136,13 @@
                     <a:p>
                       <a:pPr algn="ctr" rtl="0"/>
                       <a:r>
-                        <a:rPr lang="en-US" sz="2000" dirty="0" smtClean="0">
+                        <a:rPr lang="en-US" sz="2400" dirty="0" smtClean="0">
                           <a:latin typeface="Helvetica" pitchFamily="34" charset="0"/>
                           <a:cs typeface="Helvetica" pitchFamily="34" charset="0"/>
                         </a:rPr>
                         <a:t>Double mutant advantage</a:t>
                       </a:r>
-                      <a:endParaRPr lang="he-IL" sz="2000" dirty="0">
+                      <a:endParaRPr lang="he-IL" sz="2400" dirty="0">
                         <a:latin typeface="Helvetica" pitchFamily="34" charset="0"/>
                         <a:cs typeface="Helvetica" pitchFamily="34" charset="0"/>
                       </a:endParaRPr>
@@ -10866,13 +11157,13 @@
                     <a:p>
                       <a:pPr algn="ctr" rtl="0"/>
                       <a:r>
-                        <a:rPr lang="en-US" sz="2000" i="1" dirty="0" smtClean="0">
+                        <a:rPr lang="en-US" sz="2400" i="1" dirty="0" smtClean="0">
                           <a:latin typeface="Helvetica" pitchFamily="34" charset="0"/>
                           <a:cs typeface="Helvetica" pitchFamily="34" charset="0"/>
                         </a:rPr>
                         <a:t>H</a:t>
                       </a:r>
-                      <a:endParaRPr lang="he-IL" sz="2000" i="1" dirty="0">
+                      <a:endParaRPr lang="he-IL" sz="2400" i="1" dirty="0">
                         <a:latin typeface="Helvetica" pitchFamily="34" charset="0"/>
                         <a:cs typeface="Helvetica" pitchFamily="34" charset="0"/>
                       </a:endParaRPr>
@@ -10889,37 +11180,30 @@
                     <a:p>
                       <a:pPr algn="ctr" rtl="0"/>
                       <a:r>
-                        <a:rPr lang="en-US" sz="2000" dirty="0" smtClean="0">
+                        <a:rPr lang="en-US" sz="2400" dirty="0" smtClean="0">
                           <a:latin typeface="Helvetica" pitchFamily="34" charset="0"/>
                           <a:cs typeface="Helvetica" pitchFamily="34" charset="0"/>
                         </a:rPr>
-                        <a:t>Drake et al. 1998</a:t>
+                        <a:t>7, 8</a:t>
                       </a:r>
                     </a:p>
+                  </a:txBody>
+                  <a:tcPr/>
+                </a:tc>
+                <a:tc>
+                  <a:txBody>
+                    <a:bodyPr/>
+                    <a:lstStyle/>
                     <a:p>
                       <a:pPr algn="ctr" rtl="0"/>
                       <a:r>
-                        <a:rPr lang="en-US" sz="2000" dirty="0" err="1" smtClean="0">
+                        <a:rPr lang="en-US" sz="2400" dirty="0" smtClean="0">
                           <a:latin typeface="Helvetica" pitchFamily="34" charset="0"/>
                           <a:cs typeface="Helvetica" pitchFamily="34" charset="0"/>
                         </a:rPr>
-                        <a:t>Wielgoss</a:t>
+                        <a:t>0.003-0.0004</a:t>
                       </a:r>
-                      <a:r>
-                        <a:rPr lang="en-US" sz="2000" dirty="0" smtClean="0">
-                          <a:latin typeface="Helvetica" pitchFamily="34" charset="0"/>
-                          <a:cs typeface="Helvetica" pitchFamily="34" charset="0"/>
-                        </a:rPr>
-                        <a:t> et</a:t>
-                      </a:r>
-                      <a:r>
-                        <a:rPr lang="en-US" sz="2000" baseline="0" dirty="0" smtClean="0">
-                          <a:latin typeface="Helvetica" pitchFamily="34" charset="0"/>
-                          <a:cs typeface="Helvetica" pitchFamily="34" charset="0"/>
-                        </a:rPr>
-                        <a:t> al. 2011</a:t>
-                      </a:r>
-                      <a:endParaRPr lang="he-IL" sz="2000" dirty="0">
+                      <a:endParaRPr lang="he-IL" sz="2400" dirty="0">
                         <a:latin typeface="Helvetica" pitchFamily="34" charset="0"/>
                         <a:cs typeface="Helvetica" pitchFamily="34" charset="0"/>
                       </a:endParaRPr>
@@ -10934,13 +11218,13 @@
                     <a:p>
                       <a:pPr algn="ctr" rtl="0"/>
                       <a:r>
-                        <a:rPr lang="en-US" sz="2000" dirty="0" smtClean="0">
+                        <a:rPr lang="en-US" sz="2400" dirty="0" smtClean="0">
                           <a:latin typeface="Helvetica" pitchFamily="34" charset="0"/>
                           <a:cs typeface="Helvetica" pitchFamily="34" charset="0"/>
                         </a:rPr>
-                        <a:t>0.003-0.0004</a:t>
+                        <a:t>Genomic mutation rate</a:t>
                       </a:r>
-                      <a:endParaRPr lang="he-IL" sz="2000" dirty="0">
+                      <a:endParaRPr lang="he-IL" sz="2400" dirty="0">
                         <a:latin typeface="Helvetica" pitchFamily="34" charset="0"/>
                         <a:cs typeface="Helvetica" pitchFamily="34" charset="0"/>
                       </a:endParaRPr>
@@ -10955,34 +11239,13 @@
                     <a:p>
                       <a:pPr algn="ctr" rtl="0"/>
                       <a:r>
-                        <a:rPr lang="en-US" sz="2000" dirty="0" smtClean="0">
-                          <a:latin typeface="Helvetica" pitchFamily="34" charset="0"/>
-                          <a:cs typeface="Helvetica" pitchFamily="34" charset="0"/>
-                        </a:rPr>
-                        <a:t>Genomic mutation rate</a:t>
-                      </a:r>
-                      <a:endParaRPr lang="he-IL" sz="2000" dirty="0">
-                        <a:latin typeface="Helvetica" pitchFamily="34" charset="0"/>
-                        <a:cs typeface="Helvetica" pitchFamily="34" charset="0"/>
-                      </a:endParaRPr>
-                    </a:p>
-                  </a:txBody>
-                  <a:tcPr/>
-                </a:tc>
-                <a:tc>
-                  <a:txBody>
-                    <a:bodyPr/>
-                    <a:lstStyle/>
-                    <a:p>
-                      <a:pPr algn="ctr" rtl="0"/>
-                      <a:r>
-                        <a:rPr lang="en-US" sz="2000" i="1" dirty="0" smtClean="0">
+                        <a:rPr lang="en-US" sz="2400" i="1" dirty="0" smtClean="0">
                           <a:latin typeface="Helvetica" pitchFamily="34" charset="0"/>
                           <a:cs typeface="Helvetica" pitchFamily="34" charset="0"/>
                         </a:rPr>
                         <a:t>U</a:t>
                       </a:r>
-                      <a:endParaRPr lang="he-IL" sz="2000" i="1" dirty="0">
+                      <a:endParaRPr lang="he-IL" sz="2400" i="1" dirty="0">
                         <a:latin typeface="Helvetica" pitchFamily="34" charset="0"/>
                         <a:cs typeface="Helvetica" pitchFamily="34" charset="0"/>
                       </a:endParaRPr>
@@ -10999,13 +11262,13 @@
                     <a:p>
                       <a:pPr algn="ctr" rtl="0"/>
                       <a:r>
-                        <a:rPr lang="en-US" sz="2000" dirty="0" smtClean="0">
+                        <a:rPr lang="en-US" sz="2400" dirty="0" smtClean="0">
                           <a:latin typeface="Helvetica" pitchFamily="34" charset="0"/>
                           <a:cs typeface="Helvetica" pitchFamily="34" charset="0"/>
                         </a:rPr>
-                        <a:t>Gordo et al. 2011</a:t>
+                        <a:t>6</a:t>
                       </a:r>
-                      <a:endParaRPr lang="he-IL" sz="2000" dirty="0">
+                      <a:endParaRPr lang="he-IL" sz="2400" dirty="0">
                         <a:latin typeface="Helvetica" pitchFamily="34" charset="0"/>
                         <a:cs typeface="Helvetica" pitchFamily="34" charset="0"/>
                       </a:endParaRPr>
@@ -11020,20 +11283,20 @@
                     <a:p>
                       <a:pPr algn="ctr" rtl="0"/>
                       <a:r>
-                        <a:rPr lang="en-US" sz="2000" i="1" dirty="0" smtClean="0">
+                        <a:rPr lang="en-US" sz="2400" i="1" dirty="0" smtClean="0">
                           <a:latin typeface="Helvetica" pitchFamily="34" charset="0"/>
                           <a:cs typeface="Helvetica" pitchFamily="34" charset="0"/>
                         </a:rPr>
                         <a:t>U</a:t>
                       </a:r>
                       <a:r>
-                        <a:rPr lang="en-US" sz="2000" dirty="0" smtClean="0">
+                        <a:rPr lang="en-US" sz="2400" dirty="0" smtClean="0">
                           <a:latin typeface="Helvetica" pitchFamily="34" charset="0"/>
                           <a:cs typeface="Helvetica" pitchFamily="34" charset="0"/>
                         </a:rPr>
                         <a:t>/5000</a:t>
                       </a:r>
-                      <a:endParaRPr lang="he-IL" sz="2000" dirty="0">
+                      <a:endParaRPr lang="he-IL" sz="2400" dirty="0">
                         <a:latin typeface="Helvetica" pitchFamily="34" charset="0"/>
                         <a:cs typeface="Helvetica" pitchFamily="34" charset="0"/>
                       </a:endParaRPr>
@@ -11048,13 +11311,13 @@
                     <a:p>
                       <a:pPr algn="ctr" rtl="0"/>
                       <a:r>
-                        <a:rPr lang="en-US" sz="2000" dirty="0" smtClean="0">
+                        <a:rPr lang="en-US" sz="2400" dirty="0" smtClean="0">
                           <a:latin typeface="Helvetica" pitchFamily="34" charset="0"/>
                           <a:cs typeface="Helvetica" pitchFamily="34" charset="0"/>
                         </a:rPr>
                         <a:t>Beneficial site mutation rate</a:t>
                       </a:r>
-                      <a:endParaRPr lang="he-IL" sz="2000" dirty="0">
+                      <a:endParaRPr lang="he-IL" sz="2400" dirty="0">
                         <a:latin typeface="Helvetica" pitchFamily="34" charset="0"/>
                         <a:cs typeface="Helvetica" pitchFamily="34" charset="0"/>
                       </a:endParaRPr>
@@ -11069,13 +11332,13 @@
                     <a:p>
                       <a:pPr algn="ctr" rtl="0"/>
                       <a:r>
-                        <a:rPr lang="he-IL" sz="2000" i="1" dirty="0" smtClean="0">
+                        <a:rPr lang="he-IL" sz="2400" i="1" dirty="0" smtClean="0">
                           <a:latin typeface="Helvetica" pitchFamily="34" charset="0"/>
                           <a:cs typeface="Helvetica" pitchFamily="34" charset="0"/>
                         </a:rPr>
                         <a:t>µ</a:t>
                       </a:r>
-                      <a:endParaRPr lang="he-IL" sz="2000" i="1" dirty="0">
+                      <a:endParaRPr lang="he-IL" sz="2400" i="1" dirty="0">
                         <a:latin typeface="Helvetica" pitchFamily="34" charset="0"/>
                         <a:cs typeface="Helvetica" pitchFamily="34" charset="0"/>
                       </a:endParaRPr>
@@ -11092,27 +11355,13 @@
                     <a:p>
                       <a:pPr algn="ctr" rtl="0"/>
                       <a:r>
-                        <a:rPr lang="en-US" sz="2000" dirty="0" smtClean="0">
+                        <a:rPr lang="en-US" sz="2400" dirty="0" smtClean="0">
                           <a:latin typeface="Helvetica" pitchFamily="34" charset="0"/>
                           <a:cs typeface="Helvetica" pitchFamily="34" charset="0"/>
                         </a:rPr>
-                        <a:t>Hall &amp; Henderson-</a:t>
+                        <a:t>9</a:t>
                       </a:r>
-                      <a:r>
-                        <a:rPr lang="en-US" sz="2000" dirty="0" err="1" smtClean="0">
-                          <a:latin typeface="Helvetica" pitchFamily="34" charset="0"/>
-                          <a:cs typeface="Helvetica" pitchFamily="34" charset="0"/>
-                        </a:rPr>
-                        <a:t>Begg</a:t>
-                      </a:r>
-                      <a:r>
-                        <a:rPr lang="en-US" sz="2000" dirty="0" smtClean="0">
-                          <a:latin typeface="Helvetica" pitchFamily="34" charset="0"/>
-                          <a:cs typeface="Helvetica" pitchFamily="34" charset="0"/>
-                        </a:rPr>
-                        <a:t> 2006</a:t>
-                      </a:r>
-                      <a:endParaRPr lang="he-IL" sz="2000" dirty="0">
+                      <a:endParaRPr lang="he-IL" sz="2400" dirty="0">
                         <a:latin typeface="Helvetica" pitchFamily="34" charset="0"/>
                         <a:cs typeface="Helvetica" pitchFamily="34" charset="0"/>
                       </a:endParaRPr>
@@ -11127,13 +11376,13 @@
                     <a:p>
                       <a:pPr algn="ctr" rtl="0"/>
                       <a:r>
-                        <a:rPr lang="en-US" sz="2000" dirty="0" smtClean="0">
+                        <a:rPr lang="en-US" sz="2400" dirty="0" smtClean="0">
                           <a:latin typeface="Helvetica" pitchFamily="34" charset="0"/>
                           <a:cs typeface="Helvetica" pitchFamily="34" charset="0"/>
                         </a:rPr>
-                        <a:t>1-1,000</a:t>
+                        <a:t>1-100</a:t>
                       </a:r>
-                      <a:endParaRPr lang="he-IL" sz="2000" dirty="0">
+                      <a:endParaRPr lang="he-IL" sz="2400" dirty="0">
                         <a:latin typeface="Helvetica" pitchFamily="34" charset="0"/>
                         <a:cs typeface="Helvetica" pitchFamily="34" charset="0"/>
                       </a:endParaRPr>
@@ -11148,13 +11397,13 @@
                     <a:p>
                       <a:pPr algn="ctr" rtl="0"/>
                       <a:r>
-                        <a:rPr lang="en-US" sz="2000" dirty="0" smtClean="0">
+                        <a:rPr lang="en-US" sz="2400" dirty="0" smtClean="0">
                           <a:latin typeface="Helvetica" pitchFamily="34" charset="0"/>
                           <a:cs typeface="Helvetica" pitchFamily="34" charset="0"/>
                         </a:rPr>
                         <a:t>Mutation rate increase</a:t>
                       </a:r>
-                      <a:endParaRPr lang="he-IL" sz="2000" dirty="0">
+                      <a:endParaRPr lang="he-IL" sz="2400" dirty="0">
                         <a:latin typeface="Helvetica" pitchFamily="34" charset="0"/>
                         <a:cs typeface="Helvetica" pitchFamily="34" charset="0"/>
                       </a:endParaRPr>
@@ -11169,13 +11418,13 @@
                     <a:p>
                       <a:pPr algn="ctr" rtl="0"/>
                       <a:r>
-                        <a:rPr lang="el-GR" sz="2000" i="1" dirty="0" smtClean="0">
+                        <a:rPr lang="el-GR" sz="2400" i="1" dirty="0" smtClean="0">
                           <a:latin typeface="Helvetica" pitchFamily="34" charset="0"/>
                           <a:cs typeface="Helvetica" pitchFamily="34" charset="0"/>
                         </a:rPr>
                         <a:t>τ</a:t>
                       </a:r>
-                      <a:endParaRPr lang="he-IL" sz="2000" i="1" dirty="0">
+                      <a:endParaRPr lang="he-IL" sz="2400" i="1" dirty="0">
                         <a:latin typeface="Helvetica" pitchFamily="34" charset="0"/>
                         <a:cs typeface="Helvetica" pitchFamily="34" charset="0"/>
                       </a:endParaRPr>
@@ -11192,13 +11441,13 @@
                     <a:p>
                       <a:pPr algn="ctr" rtl="0"/>
                       <a:r>
-                        <a:rPr lang="en-US" sz="2000" dirty="0" smtClean="0">
+                        <a:rPr lang="en-US" sz="2400" dirty="0" smtClean="0">
                           <a:latin typeface="Helvetica" pitchFamily="34" charset="0"/>
                           <a:cs typeface="Helvetica" pitchFamily="34" charset="0"/>
                         </a:rPr>
                         <a:t>-</a:t>
                       </a:r>
-                      <a:endParaRPr lang="he-IL" sz="2000" dirty="0">
+                      <a:endParaRPr lang="he-IL" sz="2400" dirty="0">
                         <a:latin typeface="Helvetica" pitchFamily="34" charset="0"/>
                         <a:cs typeface="Helvetica" pitchFamily="34" charset="0"/>
                       </a:endParaRPr>
@@ -11213,34 +11462,34 @@
                     <a:p>
                       <a:pPr algn="ctr" rtl="0"/>
                       <a:r>
-                        <a:rPr lang="en-US" sz="2000" dirty="0" smtClean="0">
+                        <a:rPr lang="en-US" sz="2400" dirty="0" smtClean="0">
                           <a:latin typeface="Helvetica" pitchFamily="34" charset="0"/>
                           <a:cs typeface="Helvetica" pitchFamily="34" charset="0"/>
                         </a:rPr>
                         <a:t>10</a:t>
                       </a:r>
                       <a:r>
-                        <a:rPr lang="en-US" sz="2000" baseline="30000" dirty="0" smtClean="0">
+                        <a:rPr lang="en-US" sz="2400" baseline="30000" dirty="0" smtClean="0">
                           <a:latin typeface="Helvetica" pitchFamily="34" charset="0"/>
                           <a:cs typeface="Helvetica" pitchFamily="34" charset="0"/>
                         </a:rPr>
                         <a:t>4</a:t>
                       </a:r>
                       <a:r>
-                        <a:rPr lang="en-US" sz="2000" baseline="0" dirty="0" smtClean="0">
+                        <a:rPr lang="en-US" sz="2400" baseline="0" dirty="0" smtClean="0">
                           <a:latin typeface="Helvetica" pitchFamily="34" charset="0"/>
                           <a:cs typeface="Helvetica" pitchFamily="34" charset="0"/>
                         </a:rPr>
                         <a:t>-10</a:t>
                       </a:r>
                       <a:r>
-                        <a:rPr lang="en-US" sz="2000" baseline="30000" dirty="0" smtClean="0">
+                        <a:rPr lang="en-US" sz="2400" baseline="30000" dirty="0" smtClean="0">
                           <a:latin typeface="Helvetica" pitchFamily="34" charset="0"/>
                           <a:cs typeface="Helvetica" pitchFamily="34" charset="0"/>
                         </a:rPr>
                         <a:t>10</a:t>
                       </a:r>
-                      <a:endParaRPr lang="he-IL" sz="2000" dirty="0">
+                      <a:endParaRPr lang="he-IL" sz="2400" dirty="0">
                         <a:latin typeface="Helvetica" pitchFamily="34" charset="0"/>
                         <a:cs typeface="Helvetica" pitchFamily="34" charset="0"/>
                       </a:endParaRPr>
@@ -11255,13 +11504,13 @@
                     <a:p>
                       <a:pPr algn="ctr" rtl="0"/>
                       <a:r>
-                        <a:rPr lang="en-US" sz="2000" dirty="0" smtClean="0">
+                        <a:rPr lang="en-US" sz="2400" dirty="0" smtClean="0">
                           <a:latin typeface="Helvetica" pitchFamily="34" charset="0"/>
                           <a:cs typeface="Helvetica" pitchFamily="34" charset="0"/>
                         </a:rPr>
                         <a:t>Population size</a:t>
                       </a:r>
-                      <a:endParaRPr lang="he-IL" sz="2000" dirty="0">
+                      <a:endParaRPr lang="he-IL" sz="2400" dirty="0">
                         <a:latin typeface="Helvetica" pitchFamily="34" charset="0"/>
                         <a:cs typeface="Helvetica" pitchFamily="34" charset="0"/>
                       </a:endParaRPr>
@@ -11276,13 +11525,13 @@
                     <a:p>
                       <a:pPr algn="ctr" rtl="0"/>
                       <a:r>
-                        <a:rPr lang="en-US" sz="2000" i="1" dirty="0" smtClean="0">
+                        <a:rPr lang="en-US" sz="2400" i="1" dirty="0" smtClean="0">
                           <a:latin typeface="Helvetica" pitchFamily="34" charset="0"/>
                           <a:cs typeface="Helvetica" pitchFamily="34" charset="0"/>
                         </a:rPr>
                         <a:t>N</a:t>
                       </a:r>
-                      <a:endParaRPr lang="he-IL" sz="2000" i="1" dirty="0">
+                      <a:endParaRPr lang="he-IL" sz="2400" i="1" dirty="0">
                         <a:latin typeface="Helvetica" pitchFamily="34" charset="0"/>
                         <a:cs typeface="Helvetica" pitchFamily="34" charset="0"/>
                       </a:endParaRPr>
@@ -11938,6 +12187,893 @@
           </a:extLst>
         </p:spPr>
       </p:pic>
+      <p:pic>
+        <p:nvPicPr>
+          <p:cNvPr id="1037" name="Picture 13" descr="D:\workspace\ruggedsim\manuscript\analytic_simulation_comparison_SIM_U_0.0004_s_0.05_logN_8.png"/>
+          <p:cNvPicPr>
+            <a:picLocks noChangeAspect="1" noChangeArrowheads="1"/>
+          </p:cNvPicPr>
+          <p:nvPr/>
+        </p:nvPicPr>
+        <p:blipFill>
+          <a:blip r:embed="rId10">
+            <a:extLst>
+              <a:ext uri="{28A0092B-C50C-407E-A947-70E740481C1C}">
+                <a14:useLocalDpi xmlns:a14="http://schemas.microsoft.com/office/drawing/2010/main" val="0"/>
+              </a:ext>
+            </a:extLst>
+          </a:blip>
+          <a:srcRect/>
+          <a:stretch>
+            <a:fillRect/>
+          </a:stretch>
+        </p:blipFill>
+        <p:spPr bwMode="auto">
+          <a:xfrm>
+            <a:off x="30689237" y="16618690"/>
+            <a:ext cx="8756948" cy="6568186"/>
+          </a:xfrm>
+          <a:prstGeom prst="rect">
+            <a:avLst/>
+          </a:prstGeom>
+          <a:noFill/>
+          <a:extLst>
+            <a:ext uri="{909E8E84-426E-40DD-AFC4-6F175D3DCCD1}">
+              <a14:hiddenFill xmlns:a14="http://schemas.microsoft.com/office/drawing/2010/main">
+                <a:solidFill>
+                  <a:srgbClr val="FFFFFF"/>
+                </a:solidFill>
+              </a14:hiddenFill>
+            </a:ext>
+          </a:extLst>
+        </p:spPr>
+      </p:pic>
+      <p:pic>
+        <p:nvPicPr>
+          <p:cNvPr id="1038" name="Picture 14" descr="D:\workspace\ruggedsim\manuscript\analytic_simulation_comparison_appearance_SIM_U_0.0004_s_0.05_logN_8.png"/>
+          <p:cNvPicPr>
+            <a:picLocks noChangeAspect="1" noChangeArrowheads="1"/>
+          </p:cNvPicPr>
+          <p:nvPr/>
+        </p:nvPicPr>
+        <p:blipFill>
+          <a:blip r:embed="rId11">
+            <a:extLst>
+              <a:ext uri="{28A0092B-C50C-407E-A947-70E740481C1C}">
+                <a14:useLocalDpi xmlns:a14="http://schemas.microsoft.com/office/drawing/2010/main" val="0"/>
+              </a:ext>
+            </a:extLst>
+          </a:blip>
+          <a:srcRect/>
+          <a:stretch>
+            <a:fillRect/>
+          </a:stretch>
+        </p:blipFill>
+        <p:spPr bwMode="auto">
+          <a:xfrm>
+            <a:off x="29523580" y="7833793"/>
+            <a:ext cx="6120000" cy="4590333"/>
+          </a:xfrm>
+          <a:prstGeom prst="rect">
+            <a:avLst/>
+          </a:prstGeom>
+          <a:noFill/>
+          <a:extLst>
+            <a:ext uri="{909E8E84-426E-40DD-AFC4-6F175D3DCCD1}">
+              <a14:hiddenFill xmlns:a14="http://schemas.microsoft.com/office/drawing/2010/main">
+                <a:solidFill>
+                  <a:srgbClr val="FFFFFF"/>
+                </a:solidFill>
+              </a14:hiddenFill>
+            </a:ext>
+          </a:extLst>
+        </p:spPr>
+      </p:pic>
+      <p:pic>
+        <p:nvPicPr>
+          <p:cNvPr id="1039" name="Picture 15" descr="D:\workspace\ruggedsim\manuscript\analytic_simulation_comparison_fixation_SIM_U_0.0004_s_0.05_logN_8.png"/>
+          <p:cNvPicPr>
+            <a:picLocks noChangeAspect="1" noChangeArrowheads="1"/>
+          </p:cNvPicPr>
+          <p:nvPr/>
+        </p:nvPicPr>
+        <p:blipFill>
+          <a:blip r:embed="rId12">
+            <a:extLst>
+              <a:ext uri="{28A0092B-C50C-407E-A947-70E740481C1C}">
+                <a14:useLocalDpi xmlns:a14="http://schemas.microsoft.com/office/drawing/2010/main" val="0"/>
+              </a:ext>
+            </a:extLst>
+          </a:blip>
+          <a:srcRect/>
+          <a:stretch>
+            <a:fillRect/>
+          </a:stretch>
+        </p:blipFill>
+        <p:spPr bwMode="auto">
+          <a:xfrm>
+            <a:off x="34564820" y="12331849"/>
+            <a:ext cx="6120000" cy="4590331"/>
+          </a:xfrm>
+          <a:prstGeom prst="rect">
+            <a:avLst/>
+          </a:prstGeom>
+          <a:noFill/>
+          <a:extLst>
+            <a:ext uri="{909E8E84-426E-40DD-AFC4-6F175D3DCCD1}">
+              <a14:hiddenFill xmlns:a14="http://schemas.microsoft.com/office/drawing/2010/main">
+                <a:solidFill>
+                  <a:srgbClr val="FFFFFF"/>
+                </a:solidFill>
+              </a14:hiddenFill>
+            </a:ext>
+          </a:extLst>
+        </p:spPr>
+      </p:pic>
+      <p:sp>
+        <p:nvSpPr>
+          <p:cNvPr id="77" name="TextBox 76"/>
+          <p:cNvSpPr txBox="1"/>
+          <p:nvPr/>
+        </p:nvSpPr>
+        <p:spPr>
+          <a:xfrm>
+            <a:off x="29862781" y="23598026"/>
+            <a:ext cx="10409860" cy="2140099"/>
+          </a:xfrm>
+          <a:prstGeom prst="rect">
+            <a:avLst/>
+          </a:prstGeom>
+          <a:noFill/>
+          <a:ln>
+            <a:noFill/>
+          </a:ln>
+        </p:spPr>
+        <p:txBody>
+          <a:bodyPr wrap="square" lIns="104498" tIns="52249" rIns="104498" bIns="52249" rtlCol="0">
+            <a:noAutofit/>
+          </a:bodyPr>
+          <a:lstStyle/>
+          <a:p>
+            <a:pPr algn="ctr" defTabSz="1044976" rtl="0">
+              <a:defRPr/>
+            </a:pPr>
+            <a:r>
+              <a:rPr lang="en-US" sz="2000" b="1" kern="0" dirty="0">
+                <a:solidFill>
+                  <a:sysClr val="windowText" lastClr="000000"/>
+                </a:solidFill>
+                <a:latin typeface="Helvetica" pitchFamily="34" charset="0"/>
+                <a:cs typeface="Helvetica" pitchFamily="34" charset="0"/>
+              </a:rPr>
+              <a:t>Figure </a:t>
+            </a:r>
+            <a:r>
+              <a:rPr lang="en-US" sz="2000" b="1" kern="0" dirty="0">
+                <a:solidFill>
+                  <a:sysClr val="windowText" lastClr="000000"/>
+                </a:solidFill>
+                <a:latin typeface="Helvetica" pitchFamily="34" charset="0"/>
+                <a:cs typeface="Helvetica" pitchFamily="34" charset="0"/>
+              </a:rPr>
+              <a:t>6</a:t>
+            </a:r>
+            <a:r>
+              <a:rPr lang="en-US" sz="2000" b="1" kern="0" dirty="0" smtClean="0">
+                <a:solidFill>
+                  <a:sysClr val="windowText" lastClr="000000"/>
+                </a:solidFill>
+                <a:latin typeface="Helvetica" pitchFamily="34" charset="0"/>
+                <a:cs typeface="Helvetica" pitchFamily="34" charset="0"/>
+              </a:rPr>
+              <a:t>. Adaptation time</a:t>
+            </a:r>
+            <a:r>
+              <a:rPr lang="en-US" sz="2000" b="1" kern="0" dirty="0" smtClean="0">
+                <a:solidFill>
+                  <a:sysClr val="windowText" lastClr="000000"/>
+                </a:solidFill>
+                <a:latin typeface="Helvetica" pitchFamily="34" charset="0"/>
+                <a:cs typeface="Helvetica" pitchFamily="34" charset="0"/>
+              </a:rPr>
+              <a:t>. </a:t>
+            </a:r>
+            <a:r>
+              <a:rPr lang="en-US" sz="2000" kern="0" dirty="0" smtClean="0">
+                <a:solidFill>
+                  <a:sysClr val="windowText" lastClr="000000"/>
+                </a:solidFill>
+                <a:latin typeface="Helvetica" pitchFamily="34" charset="0"/>
+                <a:cs typeface="Helvetica" pitchFamily="34" charset="0"/>
+              </a:rPr>
+              <a:t>The number of generations before fixation of a double mutant. The simulation results verify the analytical results: </a:t>
+            </a:r>
+            <a:r>
+              <a:rPr lang="en-US" sz="2000" b="1" i="1" kern="0" dirty="0" smtClean="0">
+                <a:solidFill>
+                  <a:sysClr val="windowText" lastClr="000000"/>
+                </a:solidFill>
+                <a:latin typeface="Helvetica" pitchFamily="34" charset="0"/>
+                <a:cs typeface="Helvetica" pitchFamily="34" charset="0"/>
+              </a:rPr>
+              <a:t>stress-induced </a:t>
+            </a:r>
+            <a:r>
+              <a:rPr lang="en-US" sz="2000" b="1" i="1" kern="0" dirty="0">
+                <a:solidFill>
+                  <a:sysClr val="windowText" lastClr="000000"/>
+                </a:solidFill>
+                <a:latin typeface="Helvetica" pitchFamily="34" charset="0"/>
+                <a:cs typeface="Helvetica" pitchFamily="34" charset="0"/>
+              </a:rPr>
+              <a:t>mutagenesis increases the adaptation </a:t>
+            </a:r>
+            <a:r>
+              <a:rPr lang="en-US" sz="2000" b="1" i="1" kern="0" dirty="0" smtClean="0">
+                <a:solidFill>
+                  <a:sysClr val="windowText" lastClr="000000"/>
+                </a:solidFill>
+                <a:latin typeface="Helvetica" pitchFamily="34" charset="0"/>
+                <a:cs typeface="Helvetica" pitchFamily="34" charset="0"/>
+              </a:rPr>
+              <a:t>rate</a:t>
+            </a:r>
+            <a:r>
+              <a:rPr lang="en-US" sz="2000" kern="0" dirty="0" smtClean="0">
+                <a:solidFill>
+                  <a:sysClr val="windowText" lastClr="000000"/>
+                </a:solidFill>
+                <a:latin typeface="Helvetica" pitchFamily="34" charset="0"/>
+                <a:cs typeface="Helvetica" pitchFamily="34" charset="0"/>
+              </a:rPr>
+              <a:t>. Parameters used: </a:t>
+            </a:r>
+            <a:r>
+              <a:rPr lang="en-US" sz="2000" i="1" kern="0" dirty="0" smtClean="0">
+                <a:solidFill>
+                  <a:sysClr val="windowText" lastClr="000000"/>
+                </a:solidFill>
+                <a:latin typeface="Helvetica" pitchFamily="34" charset="0"/>
+                <a:cs typeface="Helvetica" pitchFamily="34" charset="0"/>
+              </a:rPr>
+              <a:t>U</a:t>
+            </a:r>
+            <a:r>
+              <a:rPr lang="en-US" sz="2000" kern="0" dirty="0" smtClean="0">
+                <a:solidFill>
+                  <a:sysClr val="windowText" lastClr="000000"/>
+                </a:solidFill>
+                <a:latin typeface="Helvetica" pitchFamily="34" charset="0"/>
+                <a:cs typeface="Helvetica" pitchFamily="34" charset="0"/>
+              </a:rPr>
+              <a:t>=0.0004, </a:t>
+            </a:r>
+            <a:r>
+              <a:rPr lang="en-US" sz="2000" i="1" kern="0" dirty="0" smtClean="0">
+                <a:solidFill>
+                  <a:sysClr val="windowText" lastClr="000000"/>
+                </a:solidFill>
+                <a:latin typeface="Helvetica" pitchFamily="34" charset="0"/>
+                <a:cs typeface="Helvetica" pitchFamily="34" charset="0"/>
+              </a:rPr>
+              <a:t>µ</a:t>
+            </a:r>
+            <a:r>
+              <a:rPr lang="en-US" sz="2000" kern="0" dirty="0" smtClean="0">
+                <a:solidFill>
+                  <a:sysClr val="windowText" lastClr="000000"/>
+                </a:solidFill>
+                <a:latin typeface="Helvetica" pitchFamily="34" charset="0"/>
+                <a:cs typeface="Helvetica" pitchFamily="34" charset="0"/>
+              </a:rPr>
+              <a:t>=</a:t>
+            </a:r>
+            <a:r>
+              <a:rPr lang="en-US" sz="2000" i="1" kern="0" dirty="0" smtClean="0">
+                <a:solidFill>
+                  <a:sysClr val="windowText" lastClr="000000"/>
+                </a:solidFill>
+                <a:latin typeface="Helvetica" pitchFamily="34" charset="0"/>
+                <a:cs typeface="Helvetica" pitchFamily="34" charset="0"/>
+              </a:rPr>
+              <a:t>U</a:t>
+            </a:r>
+            <a:r>
+              <a:rPr lang="en-US" sz="2000" kern="0" dirty="0" smtClean="0">
+                <a:solidFill>
+                  <a:sysClr val="windowText" lastClr="000000"/>
+                </a:solidFill>
+                <a:latin typeface="Helvetica" pitchFamily="34" charset="0"/>
+                <a:cs typeface="Helvetica" pitchFamily="34" charset="0"/>
+              </a:rPr>
+              <a:t>/5000, </a:t>
+            </a:r>
+            <a:r>
+              <a:rPr lang="en-US" sz="2000" i="1" kern="0" dirty="0" smtClean="0">
+                <a:solidFill>
+                  <a:sysClr val="windowText" lastClr="000000"/>
+                </a:solidFill>
+                <a:latin typeface="Helvetica" pitchFamily="34" charset="0"/>
+                <a:cs typeface="Helvetica" pitchFamily="34" charset="0"/>
+              </a:rPr>
+              <a:t>s</a:t>
+            </a:r>
+            <a:r>
+              <a:rPr lang="en-US" sz="2000" kern="0" dirty="0" smtClean="0">
+                <a:solidFill>
+                  <a:sysClr val="windowText" lastClr="000000"/>
+                </a:solidFill>
+                <a:latin typeface="Helvetica" pitchFamily="34" charset="0"/>
+                <a:cs typeface="Helvetica" pitchFamily="34" charset="0"/>
+              </a:rPr>
+              <a:t>=0.05, </a:t>
+            </a:r>
+            <a:r>
+              <a:rPr lang="en-US" sz="2000" i="1" kern="0" dirty="0">
+                <a:solidFill>
+                  <a:sysClr val="windowText" lastClr="000000"/>
+                </a:solidFill>
+                <a:latin typeface="Helvetica" pitchFamily="34" charset="0"/>
+                <a:cs typeface="Helvetica" pitchFamily="34" charset="0"/>
+              </a:rPr>
+              <a:t>H</a:t>
+            </a:r>
+            <a:r>
+              <a:rPr lang="en-US" sz="2000" kern="0" dirty="0">
+                <a:solidFill>
+                  <a:sysClr val="windowText" lastClr="000000"/>
+                </a:solidFill>
+                <a:latin typeface="Helvetica" pitchFamily="34" charset="0"/>
+                <a:cs typeface="Helvetica" pitchFamily="34" charset="0"/>
+              </a:rPr>
+              <a:t>=2</a:t>
+            </a:r>
+            <a:r>
+              <a:rPr lang="en-US" sz="2000" kern="0" dirty="0" smtClean="0">
+                <a:solidFill>
+                  <a:sysClr val="windowText" lastClr="000000"/>
+                </a:solidFill>
+                <a:latin typeface="Helvetica" pitchFamily="34" charset="0"/>
+                <a:cs typeface="Helvetica" pitchFamily="34" charset="0"/>
+              </a:rPr>
+              <a:t>, </a:t>
+            </a:r>
+            <a:r>
+              <a:rPr lang="en-US" sz="2000" i="1" kern="0" dirty="0" smtClean="0">
+                <a:solidFill>
+                  <a:sysClr val="windowText" lastClr="000000"/>
+                </a:solidFill>
+                <a:latin typeface="Helvetica" pitchFamily="34" charset="0"/>
+                <a:cs typeface="Helvetica" pitchFamily="34" charset="0"/>
+              </a:rPr>
+              <a:t>N</a:t>
+            </a:r>
+            <a:r>
+              <a:rPr lang="en-US" sz="2000" kern="0" dirty="0" smtClean="0">
+                <a:solidFill>
+                  <a:sysClr val="windowText" lastClr="000000"/>
+                </a:solidFill>
+                <a:latin typeface="Helvetica" pitchFamily="34" charset="0"/>
+                <a:cs typeface="Helvetica" pitchFamily="34" charset="0"/>
+              </a:rPr>
+              <a:t>=10</a:t>
+            </a:r>
+            <a:r>
+              <a:rPr lang="en-US" sz="2000" kern="0" baseline="30000" dirty="0" smtClean="0">
+                <a:solidFill>
+                  <a:sysClr val="windowText" lastClr="000000"/>
+                </a:solidFill>
+                <a:latin typeface="Helvetica" pitchFamily="34" charset="0"/>
+                <a:cs typeface="Helvetica" pitchFamily="34" charset="0"/>
+              </a:rPr>
+              <a:t>8</a:t>
+            </a:r>
+            <a:r>
+              <a:rPr lang="en-US" sz="2000" kern="0" dirty="0" smtClean="0">
+                <a:solidFill>
+                  <a:sysClr val="windowText" lastClr="000000"/>
+                </a:solidFill>
+                <a:latin typeface="Helvetica" pitchFamily="34" charset="0"/>
+                <a:cs typeface="Helvetica" pitchFamily="34" charset="0"/>
+              </a:rPr>
+              <a:t>, see Table 1 for refs.</a:t>
+            </a:r>
+            <a:endParaRPr lang="en-US" sz="2000" kern="0" dirty="0">
+              <a:solidFill>
+                <a:sysClr val="windowText" lastClr="000000"/>
+              </a:solidFill>
+              <a:latin typeface="Helvetica" pitchFamily="34" charset="0"/>
+              <a:cs typeface="Helvetica" pitchFamily="34" charset="0"/>
+            </a:endParaRPr>
+          </a:p>
+        </p:txBody>
+      </p:sp>
+      <p:sp>
+        <p:nvSpPr>
+          <p:cNvPr id="78" name="TextBox 77"/>
+          <p:cNvSpPr txBox="1"/>
+          <p:nvPr/>
+        </p:nvSpPr>
+        <p:spPr>
+          <a:xfrm>
+            <a:off x="35068836" y="7988860"/>
+            <a:ext cx="5203805" cy="4054957"/>
+          </a:xfrm>
+          <a:prstGeom prst="rect">
+            <a:avLst/>
+          </a:prstGeom>
+          <a:noFill/>
+          <a:ln>
+            <a:noFill/>
+          </a:ln>
+        </p:spPr>
+        <p:txBody>
+          <a:bodyPr wrap="square" lIns="104498" tIns="52249" rIns="104498" bIns="52249" rtlCol="0" anchor="ctr">
+            <a:noAutofit/>
+          </a:bodyPr>
+          <a:lstStyle/>
+          <a:p>
+            <a:pPr algn="ctr" defTabSz="1044976" rtl="0">
+              <a:defRPr/>
+            </a:pPr>
+            <a:r>
+              <a:rPr lang="en-US" sz="2000" b="1" kern="0" dirty="0">
+                <a:solidFill>
+                  <a:sysClr val="windowText" lastClr="000000"/>
+                </a:solidFill>
+                <a:latin typeface="Helvetica" pitchFamily="34" charset="0"/>
+                <a:cs typeface="Helvetica" pitchFamily="34" charset="0"/>
+              </a:rPr>
+              <a:t>Figure 5. </a:t>
+            </a:r>
+            <a:r>
+              <a:rPr lang="en-US" sz="2000" b="1" kern="0" dirty="0" smtClean="0">
+                <a:solidFill>
+                  <a:sysClr val="windowText" lastClr="000000"/>
+                </a:solidFill>
+                <a:latin typeface="Helvetica" pitchFamily="34" charset="0"/>
+                <a:cs typeface="Helvetica" pitchFamily="34" charset="0"/>
+              </a:rPr>
+              <a:t>Waiting time for appearance of double mutant. </a:t>
+            </a:r>
+            <a:r>
+              <a:rPr lang="en-US" sz="2000" kern="0" dirty="0">
+                <a:solidFill>
+                  <a:sysClr val="windowText" lastClr="000000"/>
+                </a:solidFill>
+                <a:latin typeface="Helvetica" pitchFamily="34" charset="0"/>
+                <a:cs typeface="Helvetica" pitchFamily="34" charset="0"/>
+              </a:rPr>
+              <a:t>The number of </a:t>
+            </a:r>
+            <a:r>
+              <a:rPr lang="en-US" sz="2000" kern="0" dirty="0" smtClean="0">
+                <a:solidFill>
+                  <a:sysClr val="windowText" lastClr="000000"/>
+                </a:solidFill>
+                <a:latin typeface="Helvetica" pitchFamily="34" charset="0"/>
+                <a:cs typeface="Helvetica" pitchFamily="34" charset="0"/>
+              </a:rPr>
+              <a:t> generations before the appearance of a double mutant. Approximated by </a:t>
+            </a:r>
+            <a:r>
+              <a:rPr lang="en-US" sz="2000" i="1" kern="0" dirty="0" smtClean="0">
+                <a:solidFill>
+                  <a:sysClr val="windowText" lastClr="000000"/>
+                </a:solidFill>
+                <a:latin typeface="Helvetica" pitchFamily="34" charset="0"/>
+                <a:cs typeface="Helvetica" pitchFamily="34" charset="0"/>
+              </a:rPr>
+              <a:t>1/</a:t>
+            </a:r>
+            <a:r>
+              <a:rPr lang="en-US" sz="2000" i="1" kern="0" dirty="0" err="1" smtClean="0">
+                <a:solidFill>
+                  <a:sysClr val="windowText" lastClr="000000"/>
+                </a:solidFill>
+                <a:latin typeface="Helvetica" pitchFamily="34" charset="0"/>
+                <a:cs typeface="Helvetica" pitchFamily="34" charset="0"/>
+              </a:rPr>
+              <a:t>Nq</a:t>
+            </a:r>
+            <a:r>
+              <a:rPr lang="en-US" sz="2000" kern="0" dirty="0" smtClean="0">
+                <a:solidFill>
+                  <a:sysClr val="windowText" lastClr="000000"/>
+                </a:solidFill>
+                <a:latin typeface="Helvetica" pitchFamily="34" charset="0"/>
+                <a:cs typeface="Helvetica" pitchFamily="34" charset="0"/>
+              </a:rPr>
+              <a:t>. </a:t>
+            </a:r>
+            <a:r>
+              <a:rPr lang="en-US" sz="2000" kern="0" dirty="0">
+                <a:solidFill>
+                  <a:sysClr val="windowText" lastClr="000000"/>
+                </a:solidFill>
+                <a:latin typeface="Helvetica" pitchFamily="34" charset="0"/>
+                <a:cs typeface="Helvetica" pitchFamily="34" charset="0"/>
+              </a:rPr>
+              <a:t>Parameters used: </a:t>
+            </a:r>
+            <a:r>
+              <a:rPr lang="en-US" sz="2000" i="1" kern="0" dirty="0">
+                <a:solidFill>
+                  <a:sysClr val="windowText" lastClr="000000"/>
+                </a:solidFill>
+                <a:latin typeface="Helvetica" pitchFamily="34" charset="0"/>
+                <a:cs typeface="Helvetica" pitchFamily="34" charset="0"/>
+              </a:rPr>
+              <a:t>U</a:t>
+            </a:r>
+            <a:r>
+              <a:rPr lang="en-US" sz="2000" kern="0" dirty="0">
+                <a:solidFill>
+                  <a:sysClr val="windowText" lastClr="000000"/>
+                </a:solidFill>
+                <a:latin typeface="Helvetica" pitchFamily="34" charset="0"/>
+                <a:cs typeface="Helvetica" pitchFamily="34" charset="0"/>
+              </a:rPr>
+              <a:t>=0.0004, </a:t>
+            </a:r>
+            <a:r>
+              <a:rPr lang="en-US" sz="2000" i="1" kern="0" dirty="0">
+                <a:solidFill>
+                  <a:sysClr val="windowText" lastClr="000000"/>
+                </a:solidFill>
+                <a:latin typeface="Helvetica" pitchFamily="34" charset="0"/>
+                <a:cs typeface="Helvetica" pitchFamily="34" charset="0"/>
+              </a:rPr>
+              <a:t>µ</a:t>
+            </a:r>
+            <a:r>
+              <a:rPr lang="en-US" sz="2000" kern="0" dirty="0">
+                <a:solidFill>
+                  <a:sysClr val="windowText" lastClr="000000"/>
+                </a:solidFill>
+                <a:latin typeface="Helvetica" pitchFamily="34" charset="0"/>
+                <a:cs typeface="Helvetica" pitchFamily="34" charset="0"/>
+              </a:rPr>
+              <a:t>=</a:t>
+            </a:r>
+            <a:r>
+              <a:rPr lang="en-US" sz="2000" i="1" kern="0" dirty="0">
+                <a:solidFill>
+                  <a:sysClr val="windowText" lastClr="000000"/>
+                </a:solidFill>
+                <a:latin typeface="Helvetica" pitchFamily="34" charset="0"/>
+                <a:cs typeface="Helvetica" pitchFamily="34" charset="0"/>
+              </a:rPr>
+              <a:t>U</a:t>
+            </a:r>
+            <a:r>
+              <a:rPr lang="en-US" sz="2000" kern="0" dirty="0">
+                <a:solidFill>
+                  <a:sysClr val="windowText" lastClr="000000"/>
+                </a:solidFill>
+                <a:latin typeface="Helvetica" pitchFamily="34" charset="0"/>
+                <a:cs typeface="Helvetica" pitchFamily="34" charset="0"/>
+              </a:rPr>
+              <a:t>/5000, </a:t>
+            </a:r>
+            <a:r>
+              <a:rPr lang="en-US" sz="2000" i="1" kern="0" dirty="0">
+                <a:solidFill>
+                  <a:sysClr val="windowText" lastClr="000000"/>
+                </a:solidFill>
+                <a:latin typeface="Helvetica" pitchFamily="34" charset="0"/>
+                <a:cs typeface="Helvetica" pitchFamily="34" charset="0"/>
+              </a:rPr>
+              <a:t>s</a:t>
+            </a:r>
+            <a:r>
+              <a:rPr lang="en-US" sz="2000" kern="0" dirty="0">
+                <a:solidFill>
+                  <a:sysClr val="windowText" lastClr="000000"/>
+                </a:solidFill>
+                <a:latin typeface="Helvetica" pitchFamily="34" charset="0"/>
+                <a:cs typeface="Helvetica" pitchFamily="34" charset="0"/>
+              </a:rPr>
+              <a:t>=0.05, </a:t>
+            </a:r>
+            <a:r>
+              <a:rPr lang="en-US" sz="2000" i="1" kern="0" dirty="0" smtClean="0">
+                <a:solidFill>
+                  <a:sysClr val="windowText" lastClr="000000"/>
+                </a:solidFill>
+                <a:latin typeface="Helvetica" pitchFamily="34" charset="0"/>
+                <a:cs typeface="Helvetica" pitchFamily="34" charset="0"/>
+              </a:rPr>
+              <a:t>N</a:t>
+            </a:r>
+            <a:r>
+              <a:rPr lang="en-US" sz="2000" kern="0" dirty="0" smtClean="0">
+                <a:solidFill>
+                  <a:sysClr val="windowText" lastClr="000000"/>
+                </a:solidFill>
+                <a:latin typeface="Helvetica" pitchFamily="34" charset="0"/>
+                <a:cs typeface="Helvetica" pitchFamily="34" charset="0"/>
+              </a:rPr>
+              <a:t>=10</a:t>
+            </a:r>
+            <a:r>
+              <a:rPr lang="en-US" sz="2000" kern="0" baseline="30000" dirty="0" smtClean="0">
+                <a:solidFill>
+                  <a:sysClr val="windowText" lastClr="000000"/>
+                </a:solidFill>
+                <a:latin typeface="Helvetica" pitchFamily="34" charset="0"/>
+                <a:cs typeface="Helvetica" pitchFamily="34" charset="0"/>
+              </a:rPr>
+              <a:t>8</a:t>
+            </a:r>
+            <a:r>
+              <a:rPr lang="en-US" sz="2000" kern="0" dirty="0">
+                <a:solidFill>
+                  <a:sysClr val="windowText" lastClr="000000"/>
+                </a:solidFill>
+                <a:latin typeface="Helvetica" pitchFamily="34" charset="0"/>
+                <a:cs typeface="Helvetica" pitchFamily="34" charset="0"/>
+              </a:rPr>
+              <a:t>, see Table 1 for refs.</a:t>
+            </a:r>
+            <a:endParaRPr lang="en-US" sz="2000" b="1" kern="0" dirty="0">
+              <a:solidFill>
+                <a:sysClr val="windowText" lastClr="000000"/>
+              </a:solidFill>
+              <a:latin typeface="Helvetica" pitchFamily="34" charset="0"/>
+              <a:cs typeface="Helvetica" pitchFamily="34" charset="0"/>
+            </a:endParaRPr>
+          </a:p>
+        </p:txBody>
+      </p:sp>
+      <p:sp>
+        <p:nvSpPr>
+          <p:cNvPr id="79" name="TextBox 78"/>
+          <p:cNvSpPr txBox="1"/>
+          <p:nvPr/>
+        </p:nvSpPr>
+        <p:spPr>
+          <a:xfrm>
+            <a:off x="29361015" y="12661349"/>
+            <a:ext cx="5203805" cy="4054957"/>
+          </a:xfrm>
+          <a:prstGeom prst="rect">
+            <a:avLst/>
+          </a:prstGeom>
+          <a:noFill/>
+          <a:ln>
+            <a:noFill/>
+          </a:ln>
+        </p:spPr>
+        <p:txBody>
+          <a:bodyPr wrap="square" lIns="104498" tIns="52249" rIns="104498" bIns="52249" rtlCol="0" anchor="ctr">
+            <a:noAutofit/>
+          </a:bodyPr>
+          <a:lstStyle/>
+          <a:p>
+            <a:pPr algn="ctr" defTabSz="1044976" rtl="0">
+              <a:defRPr/>
+            </a:pPr>
+            <a:r>
+              <a:rPr lang="en-US" sz="2000" b="1" kern="0" dirty="0">
+                <a:solidFill>
+                  <a:sysClr val="windowText" lastClr="000000"/>
+                </a:solidFill>
+                <a:latin typeface="Helvetica" pitchFamily="34" charset="0"/>
+                <a:cs typeface="Helvetica" pitchFamily="34" charset="0"/>
+              </a:rPr>
+              <a:t>Figure </a:t>
+            </a:r>
+            <a:r>
+              <a:rPr lang="en-US" sz="2000" b="1" kern="0" dirty="0" smtClean="0">
+                <a:solidFill>
+                  <a:sysClr val="windowText" lastClr="000000"/>
+                </a:solidFill>
+                <a:latin typeface="Helvetica" pitchFamily="34" charset="0"/>
+                <a:cs typeface="Helvetica" pitchFamily="34" charset="0"/>
+              </a:rPr>
+              <a:t>5. Fixation attempts. </a:t>
+            </a:r>
+            <a:r>
+              <a:rPr lang="en-US" sz="2000" kern="0" dirty="0" smtClean="0">
+                <a:solidFill>
+                  <a:sysClr val="windowText" lastClr="000000"/>
+                </a:solidFill>
+                <a:latin typeface="Helvetica" pitchFamily="34" charset="0"/>
+                <a:cs typeface="Helvetica" pitchFamily="34" charset="0"/>
+              </a:rPr>
+              <a:t>The number of double mutants extinctions before fixation. Approximated by </a:t>
+            </a:r>
+            <a:r>
+              <a:rPr lang="en-US" sz="2000" i="1" kern="0" dirty="0" smtClean="0">
+                <a:solidFill>
+                  <a:sysClr val="windowText" lastClr="000000"/>
+                </a:solidFill>
+                <a:latin typeface="Helvetica" pitchFamily="34" charset="0"/>
+                <a:cs typeface="Helvetica" pitchFamily="34" charset="0"/>
+              </a:rPr>
+              <a:t>1/</a:t>
+            </a:r>
+            <a:r>
+              <a:rPr lang="el-GR" sz="2000" i="1" kern="0" dirty="0" smtClean="0">
+                <a:solidFill>
+                  <a:sysClr val="windowText" lastClr="000000"/>
+                </a:solidFill>
+                <a:latin typeface="Helvetica" pitchFamily="34" charset="0"/>
+                <a:cs typeface="Helvetica" pitchFamily="34" charset="0"/>
+              </a:rPr>
+              <a:t>ρ</a:t>
+            </a:r>
+            <a:r>
+              <a:rPr lang="en-US" sz="2000" kern="0" dirty="0" smtClean="0">
+                <a:solidFill>
+                  <a:sysClr val="windowText" lastClr="000000"/>
+                </a:solidFill>
+                <a:latin typeface="Helvetica" pitchFamily="34" charset="0"/>
+                <a:cs typeface="Helvetica" pitchFamily="34" charset="0"/>
+              </a:rPr>
+              <a:t>. </a:t>
+            </a:r>
+            <a:r>
+              <a:rPr lang="en-US" sz="2000" kern="0" dirty="0">
+                <a:solidFill>
+                  <a:sysClr val="windowText" lastClr="000000"/>
+                </a:solidFill>
+                <a:latin typeface="Helvetica" pitchFamily="34" charset="0"/>
+                <a:cs typeface="Helvetica" pitchFamily="34" charset="0"/>
+              </a:rPr>
+              <a:t>Parameters used: </a:t>
+            </a:r>
+            <a:r>
+              <a:rPr lang="en-US" sz="2000" i="1" kern="0" dirty="0">
+                <a:solidFill>
+                  <a:sysClr val="windowText" lastClr="000000"/>
+                </a:solidFill>
+                <a:latin typeface="Helvetica" pitchFamily="34" charset="0"/>
+                <a:cs typeface="Helvetica" pitchFamily="34" charset="0"/>
+              </a:rPr>
+              <a:t>U</a:t>
+            </a:r>
+            <a:r>
+              <a:rPr lang="en-US" sz="2000" kern="0" dirty="0">
+                <a:solidFill>
+                  <a:sysClr val="windowText" lastClr="000000"/>
+                </a:solidFill>
+                <a:latin typeface="Helvetica" pitchFamily="34" charset="0"/>
+                <a:cs typeface="Helvetica" pitchFamily="34" charset="0"/>
+              </a:rPr>
+              <a:t>=0.0004, </a:t>
+            </a:r>
+            <a:r>
+              <a:rPr lang="en-US" sz="2000" i="1" kern="0" dirty="0">
+                <a:solidFill>
+                  <a:sysClr val="windowText" lastClr="000000"/>
+                </a:solidFill>
+                <a:latin typeface="Helvetica" pitchFamily="34" charset="0"/>
+                <a:cs typeface="Helvetica" pitchFamily="34" charset="0"/>
+              </a:rPr>
+              <a:t>µ</a:t>
+            </a:r>
+            <a:r>
+              <a:rPr lang="en-US" sz="2000" kern="0" dirty="0">
+                <a:solidFill>
+                  <a:sysClr val="windowText" lastClr="000000"/>
+                </a:solidFill>
+                <a:latin typeface="Helvetica" pitchFamily="34" charset="0"/>
+                <a:cs typeface="Helvetica" pitchFamily="34" charset="0"/>
+              </a:rPr>
+              <a:t>=</a:t>
+            </a:r>
+            <a:r>
+              <a:rPr lang="en-US" sz="2000" i="1" kern="0" dirty="0">
+                <a:solidFill>
+                  <a:sysClr val="windowText" lastClr="000000"/>
+                </a:solidFill>
+                <a:latin typeface="Helvetica" pitchFamily="34" charset="0"/>
+                <a:cs typeface="Helvetica" pitchFamily="34" charset="0"/>
+              </a:rPr>
+              <a:t>U</a:t>
+            </a:r>
+            <a:r>
+              <a:rPr lang="en-US" sz="2000" kern="0" dirty="0">
+                <a:solidFill>
+                  <a:sysClr val="windowText" lastClr="000000"/>
+                </a:solidFill>
+                <a:latin typeface="Helvetica" pitchFamily="34" charset="0"/>
+                <a:cs typeface="Helvetica" pitchFamily="34" charset="0"/>
+              </a:rPr>
+              <a:t>/5000, </a:t>
+            </a:r>
+            <a:r>
+              <a:rPr lang="en-US" sz="2000" i="1" kern="0" dirty="0">
+                <a:solidFill>
+                  <a:sysClr val="windowText" lastClr="000000"/>
+                </a:solidFill>
+                <a:latin typeface="Helvetica" pitchFamily="34" charset="0"/>
+                <a:cs typeface="Helvetica" pitchFamily="34" charset="0"/>
+              </a:rPr>
+              <a:t>s</a:t>
+            </a:r>
+            <a:r>
+              <a:rPr lang="en-US" sz="2000" kern="0" dirty="0">
+                <a:solidFill>
+                  <a:sysClr val="windowText" lastClr="000000"/>
+                </a:solidFill>
+                <a:latin typeface="Helvetica" pitchFamily="34" charset="0"/>
+                <a:cs typeface="Helvetica" pitchFamily="34" charset="0"/>
+              </a:rPr>
+              <a:t>=0.05, </a:t>
+            </a:r>
+            <a:r>
+              <a:rPr lang="en-US" sz="2000" i="1" kern="0" dirty="0">
+                <a:solidFill>
+                  <a:sysClr val="windowText" lastClr="000000"/>
+                </a:solidFill>
+                <a:latin typeface="Helvetica" pitchFamily="34" charset="0"/>
+                <a:cs typeface="Helvetica" pitchFamily="34" charset="0"/>
+              </a:rPr>
+              <a:t>H</a:t>
+            </a:r>
+            <a:r>
+              <a:rPr lang="en-US" sz="2000" kern="0" dirty="0">
+                <a:solidFill>
+                  <a:sysClr val="windowText" lastClr="000000"/>
+                </a:solidFill>
+                <a:latin typeface="Helvetica" pitchFamily="34" charset="0"/>
+                <a:cs typeface="Helvetica" pitchFamily="34" charset="0"/>
+              </a:rPr>
+              <a:t>=2, </a:t>
+            </a:r>
+            <a:r>
+              <a:rPr lang="en-US" sz="2000" i="1" kern="0" dirty="0">
+                <a:solidFill>
+                  <a:sysClr val="windowText" lastClr="000000"/>
+                </a:solidFill>
+                <a:latin typeface="Helvetica" pitchFamily="34" charset="0"/>
+                <a:cs typeface="Helvetica" pitchFamily="34" charset="0"/>
+              </a:rPr>
+              <a:t>N</a:t>
+            </a:r>
+            <a:r>
+              <a:rPr lang="en-US" sz="2000" kern="0" dirty="0">
+                <a:solidFill>
+                  <a:sysClr val="windowText" lastClr="000000"/>
+                </a:solidFill>
+                <a:latin typeface="Helvetica" pitchFamily="34" charset="0"/>
+                <a:cs typeface="Helvetica" pitchFamily="34" charset="0"/>
+              </a:rPr>
+              <a:t>=10</a:t>
+            </a:r>
+            <a:r>
+              <a:rPr lang="en-US" sz="2000" kern="0" baseline="30000" dirty="0">
+                <a:solidFill>
+                  <a:sysClr val="windowText" lastClr="000000"/>
+                </a:solidFill>
+                <a:latin typeface="Helvetica" pitchFamily="34" charset="0"/>
+                <a:cs typeface="Helvetica" pitchFamily="34" charset="0"/>
+              </a:rPr>
+              <a:t>8</a:t>
+            </a:r>
+            <a:r>
+              <a:rPr lang="en-US" sz="2000" kern="0" dirty="0">
+                <a:solidFill>
+                  <a:sysClr val="windowText" lastClr="000000"/>
+                </a:solidFill>
+                <a:latin typeface="Helvetica" pitchFamily="34" charset="0"/>
+                <a:cs typeface="Helvetica" pitchFamily="34" charset="0"/>
+              </a:rPr>
+              <a:t>, see Table 1 for refs.</a:t>
+            </a:r>
+            <a:endParaRPr lang="en-US" sz="2000" b="1" kern="0" dirty="0">
+              <a:solidFill>
+                <a:sysClr val="windowText" lastClr="000000"/>
+              </a:solidFill>
+              <a:latin typeface="Helvetica" pitchFamily="34" charset="0"/>
+              <a:cs typeface="Helvetica" pitchFamily="34" charset="0"/>
+            </a:endParaRPr>
+          </a:p>
+        </p:txBody>
+      </p:sp>
     </p:spTree>
     <p:extLst>
       <p:ext uri="{BB962C8B-B14F-4D97-AF65-F5344CB8AC3E}">

--- a/poster.pptx
+++ b/poster.pptx
@@ -192,7 +192,7 @@
           <a:p>
             <a:fld id="{444624E0-9A66-4D44-B307-289A2C88DCD3}" type="datetimeFigureOut">
               <a:rPr lang="en-US" smtClean="0"/>
-              <a:t>5/13/2013</a:t>
+              <a:t>5/19/2013</a:t>
             </a:fld>
             <a:endParaRPr lang="en-US"/>
           </a:p>
@@ -456,7 +456,7 @@
           <a:p>
             <a:fld id="{26B2CB66-D8CA-45D3-A759-098C2835DC5E}" type="datetimeFigureOut">
               <a:rPr lang="he-IL" smtClean="0"/>
-              <a:t>ד'/סיון/תשע"ג</a:t>
+              <a:t>י'/סיון/תשע"ג</a:t>
             </a:fld>
             <a:endParaRPr lang="he-IL"/>
           </a:p>
@@ -626,7 +626,7 @@
           <a:p>
             <a:fld id="{26B2CB66-D8CA-45D3-A759-098C2835DC5E}" type="datetimeFigureOut">
               <a:rPr lang="he-IL" smtClean="0"/>
-              <a:t>ד'/סיון/תשע"ג</a:t>
+              <a:t>י'/סיון/תשע"ג</a:t>
             </a:fld>
             <a:endParaRPr lang="he-IL"/>
           </a:p>
@@ -806,7 +806,7 @@
           <a:p>
             <a:fld id="{26B2CB66-D8CA-45D3-A759-098C2835DC5E}" type="datetimeFigureOut">
               <a:rPr lang="he-IL" smtClean="0"/>
-              <a:t>ד'/סיון/תשע"ג</a:t>
+              <a:t>י'/סיון/תשע"ג</a:t>
             </a:fld>
             <a:endParaRPr lang="he-IL"/>
           </a:p>
@@ -976,7 +976,7 @@
           <a:p>
             <a:fld id="{26B2CB66-D8CA-45D3-A759-098C2835DC5E}" type="datetimeFigureOut">
               <a:rPr lang="he-IL" smtClean="0"/>
-              <a:t>ד'/סיון/תשע"ג</a:t>
+              <a:t>י'/סיון/תשע"ג</a:t>
             </a:fld>
             <a:endParaRPr lang="he-IL"/>
           </a:p>
@@ -1222,7 +1222,7 @@
           <a:p>
             <a:fld id="{26B2CB66-D8CA-45D3-A759-098C2835DC5E}" type="datetimeFigureOut">
               <a:rPr lang="he-IL" smtClean="0"/>
-              <a:t>ד'/סיון/תשע"ג</a:t>
+              <a:t>י'/סיון/תשע"ג</a:t>
             </a:fld>
             <a:endParaRPr lang="he-IL"/>
           </a:p>
@@ -1510,7 +1510,7 @@
           <a:p>
             <a:fld id="{26B2CB66-D8CA-45D3-A759-098C2835DC5E}" type="datetimeFigureOut">
               <a:rPr lang="he-IL" smtClean="0"/>
-              <a:t>ד'/סיון/תשע"ג</a:t>
+              <a:t>י'/סיון/תשע"ג</a:t>
             </a:fld>
             <a:endParaRPr lang="he-IL"/>
           </a:p>
@@ -1937,7 +1937,7 @@
           <a:p>
             <a:fld id="{26B2CB66-D8CA-45D3-A759-098C2835DC5E}" type="datetimeFigureOut">
               <a:rPr lang="he-IL" smtClean="0"/>
-              <a:t>ד'/סיון/תשע"ג</a:t>
+              <a:t>י'/סיון/תשע"ג</a:t>
             </a:fld>
             <a:endParaRPr lang="he-IL"/>
           </a:p>
@@ -2055,7 +2055,7 @@
           <a:p>
             <a:fld id="{26B2CB66-D8CA-45D3-A759-098C2835DC5E}" type="datetimeFigureOut">
               <a:rPr lang="he-IL" smtClean="0"/>
-              <a:t>ד'/סיון/תשע"ג</a:t>
+              <a:t>י'/סיון/תשע"ג</a:t>
             </a:fld>
             <a:endParaRPr lang="he-IL"/>
           </a:p>
@@ -2150,7 +2150,7 @@
           <a:p>
             <a:fld id="{26B2CB66-D8CA-45D3-A759-098C2835DC5E}" type="datetimeFigureOut">
               <a:rPr lang="he-IL" smtClean="0"/>
-              <a:t>ד'/סיון/תשע"ג</a:t>
+              <a:t>י'/סיון/תשע"ג</a:t>
             </a:fld>
             <a:endParaRPr lang="he-IL"/>
           </a:p>
@@ -2427,7 +2427,7 @@
           <a:p>
             <a:fld id="{26B2CB66-D8CA-45D3-A759-098C2835DC5E}" type="datetimeFigureOut">
               <a:rPr lang="he-IL" smtClean="0"/>
-              <a:t>ד'/סיון/תשע"ג</a:t>
+              <a:t>י'/סיון/תשע"ג</a:t>
             </a:fld>
             <a:endParaRPr lang="he-IL"/>
           </a:p>
@@ -2680,7 +2680,7 @@
           <a:p>
             <a:fld id="{26B2CB66-D8CA-45D3-A759-098C2835DC5E}" type="datetimeFigureOut">
               <a:rPr lang="he-IL" smtClean="0"/>
-              <a:t>ד'/סיון/תשע"ג</a:t>
+              <a:t>י'/סיון/תשע"ג</a:t>
             </a:fld>
             <a:endParaRPr lang="he-IL"/>
           </a:p>
@@ -2893,7 +2893,7 @@
           <a:p>
             <a:fld id="{26B2CB66-D8CA-45D3-A759-098C2835DC5E}" type="datetimeFigureOut">
               <a:rPr lang="he-IL" smtClean="0"/>
-              <a:t>ד'/סיון/תשע"ג</a:t>
+              <a:t>י'/סיון/תשע"ג</a:t>
             </a:fld>
             <a:endParaRPr lang="he-IL"/>
           </a:p>
@@ -3487,6 +3487,7 @@
                 <a:solidFill>
                   <a:schemeClr val="accent2"/>
                 </a:solidFill>
+                <a:latin typeface="+mj-lt"/>
               </a:rPr>
               <a:t>Results</a:t>
             </a:r>
@@ -4497,6 +4498,7 @@
                 <a:solidFill>
                   <a:schemeClr val="accent2"/>
                 </a:solidFill>
+                <a:latin typeface="+mj-lt"/>
               </a:rPr>
               <a:t>Simulations</a:t>
             </a:r>
@@ -4516,6 +4518,7 @@
                 <a:solidFill>
                   <a:srgbClr val="000000"/>
                 </a:solidFill>
+                <a:latin typeface="+mn-lt"/>
               </a:rPr>
               <a:t>We performed Wright-Fisher simulations without recombination. We tracked the frequency of </a:t>
             </a:r>
@@ -4524,6 +4527,7 @@
                 <a:solidFill>
                   <a:srgbClr val="000000"/>
                 </a:solidFill>
+                <a:latin typeface="+mn-lt"/>
               </a:rPr>
               <a:t>ab</a:t>
             </a:r>
@@ -4532,6 +4536,7 @@
                 <a:solidFill>
                   <a:srgbClr val="000000"/>
                 </a:solidFill>
+                <a:latin typeface="+mn-lt"/>
               </a:rPr>
               <a:t>, </a:t>
             </a:r>
@@ -4540,6 +4545,7 @@
                 <a:solidFill>
                   <a:srgbClr val="000000"/>
                 </a:solidFill>
+                <a:latin typeface="+mn-lt"/>
               </a:rPr>
               <a:t>Ab</a:t>
             </a:r>
@@ -4548,6 +4554,7 @@
                 <a:solidFill>
                   <a:srgbClr val="000000"/>
                 </a:solidFill>
+                <a:latin typeface="+mn-lt"/>
               </a:rPr>
               <a:t>, </a:t>
             </a:r>
@@ -4556,6 +4563,7 @@
                 <a:solidFill>
                   <a:srgbClr val="000000"/>
                 </a:solidFill>
+                <a:latin typeface="+mn-lt"/>
               </a:rPr>
               <a:t>aB</a:t>
             </a:r>
@@ -4564,6 +4572,7 @@
                 <a:solidFill>
                   <a:srgbClr val="000000"/>
                 </a:solidFill>
+                <a:latin typeface="+mn-lt"/>
               </a:rPr>
               <a:t> </a:t>
             </a:r>
@@ -4572,6 +4581,7 @@
                 <a:solidFill>
                   <a:srgbClr val="000000"/>
                 </a:solidFill>
+                <a:latin typeface="+mn-lt"/>
               </a:rPr>
               <a:t>and </a:t>
             </a:r>
@@ -4580,6 +4590,7 @@
                 <a:solidFill>
                   <a:srgbClr val="000000"/>
                 </a:solidFill>
+                <a:latin typeface="+mn-lt"/>
               </a:rPr>
               <a:t>AB</a:t>
             </a:r>
@@ -4588,6 +4599,7 @@
                 <a:solidFill>
                   <a:srgbClr val="000000"/>
                 </a:solidFill>
+                <a:latin typeface="+mn-lt"/>
               </a:rPr>
               <a:t> and the number of deleterious mutations in each type – see Figure 2.</a:t>
             </a:r>
@@ -4595,6 +4607,7 @@
               <a:solidFill>
                 <a:srgbClr val="000000"/>
               </a:solidFill>
+              <a:latin typeface="+mn-lt"/>
             </a:endParaRPr>
           </a:p>
         </p:txBody>
@@ -4780,14 +4793,10 @@
                 <a:solidFill>
                   <a:schemeClr val="accent2"/>
                 </a:solidFill>
+                <a:latin typeface="+mj-lt"/>
               </a:rPr>
               <a:t>Background</a:t>
             </a:r>
-            <a:endParaRPr lang="en-US" sz="4400" b="1" kern="0" dirty="0">
-              <a:solidFill>
-                <a:schemeClr val="accent2"/>
-              </a:solidFill>
-            </a:endParaRPr>
           </a:p>
           <a:p>
             <a:pPr indent="205704" algn="l" defTabSz="908920" rtl="0">
@@ -4904,16 +4913,7 @@
                 </a:solidFill>
                 <a:latin typeface="+mn-lt"/>
               </a:rPr>
-              <a:t>illustrates </a:t>
-            </a:r>
-            <a:r>
-              <a:rPr lang="en-US" sz="2800" kern="0" dirty="0" smtClean="0">
-                <a:solidFill>
-                  <a:srgbClr val="000000"/>
-                </a:solidFill>
-                <a:latin typeface="+mn-lt"/>
-              </a:rPr>
-              <a:t>this problem using the </a:t>
+              <a:t>illustrates this problem using the </a:t>
             </a:r>
             <a:r>
               <a:rPr lang="en-US" sz="2800" i="1" kern="0" dirty="0" smtClean="0">
@@ -5228,6 +5228,7 @@
                 <a:solidFill>
                   <a:schemeClr val="accent2"/>
                 </a:solidFill>
+                <a:latin typeface="+mj-lt"/>
               </a:rPr>
               <a:t>Stress-Induced Mutagenesis</a:t>
             </a:r>
@@ -5275,16 +5276,7 @@
                 </a:solidFill>
                 <a:latin typeface="+mn-lt"/>
               </a:rPr>
-              <a:t> over constant rate mutagenesis  because of the beneficial mutations it generates </a:t>
-            </a:r>
-            <a:r>
-              <a:rPr lang="en-US" sz="2800" kern="0" dirty="0" smtClean="0">
-                <a:solidFill>
-                  <a:srgbClr val="000000"/>
-                </a:solidFill>
-                <a:latin typeface="+mn-lt"/>
-              </a:rPr>
-              <a:t>when they are most needed.</a:t>
+              <a:t> over constant rate mutagenesis  because of the beneficial mutations it generates when they are most needed.</a:t>
             </a:r>
           </a:p>
           <a:p>
@@ -5579,15 +5571,21 @@
           <a:p>
             <a:pPr indent="205704" algn="ctr" rtl="0"/>
             <a:r>
-              <a:rPr lang="en-US" sz="12600" b="1" dirty="0"/>
+              <a:rPr lang="en-US" sz="12600" b="1" dirty="0">
+                <a:latin typeface="+mj-lt"/>
+              </a:rPr>
               <a:t>Stress-Induced Mutagenesis </a:t>
             </a:r>
             <a:r>
-              <a:rPr lang="en-US" sz="12600" b="1" dirty="0" smtClean="0"/>
+              <a:rPr lang="en-US" sz="12600" b="1" dirty="0" smtClean="0">
+                <a:latin typeface="+mj-lt"/>
+              </a:rPr>
               <a:t>&amp; Evolution </a:t>
             </a:r>
             <a:r>
-              <a:rPr lang="en-US" sz="12600" b="1" dirty="0"/>
+              <a:rPr lang="en-US" sz="12600" b="1" dirty="0">
+                <a:latin typeface="+mj-lt"/>
+              </a:rPr>
               <a:t>of Complex Traits</a:t>
             </a:r>
           </a:p>
@@ -5751,22 +5749,32 @@
               </a:spcBef>
             </a:pPr>
             <a:r>
-              <a:rPr lang="en-US" sz="8000" b="1" dirty="0" err="1"/>
+              <a:rPr lang="en-US" sz="8000" b="1" dirty="0" err="1">
+                <a:latin typeface="+mj-lt"/>
+              </a:rPr>
               <a:t>Yoav</a:t>
             </a:r>
             <a:r>
-              <a:rPr lang="en-US" sz="8000" b="1" dirty="0"/>
+              <a:rPr lang="en-US" sz="8000" b="1" dirty="0">
+                <a:latin typeface="+mj-lt"/>
+              </a:rPr>
               <a:t> Ram, Lilach Hadany</a:t>
             </a:r>
             <a:r>
-              <a:rPr lang="en-US" sz="6000" b="1" dirty="0"/>
+              <a:rPr lang="en-US" sz="6000" b="1" dirty="0">
+                <a:latin typeface="+mj-lt"/>
+              </a:rPr>
               <a:t/>
             </a:r>
             <a:br>
-              <a:rPr lang="en-US" sz="6000" b="1" dirty="0"/>
+              <a:rPr lang="en-US" sz="6000" b="1" dirty="0">
+                <a:latin typeface="+mj-lt"/>
+              </a:rPr>
             </a:br>
             <a:r>
-              <a:rPr lang="en-US" sz="5400" dirty="0"/>
+              <a:rPr lang="en-US" sz="5400" dirty="0">
+                <a:latin typeface="+mj-lt"/>
+              </a:rPr>
               <a:t>Department of Molecular Biology and Ecology of Plants, Life Science Faculty, Tel-Aviv University, Israel</a:t>
             </a:r>
           </a:p>
@@ -5951,6 +5959,7 @@
                 <a:solidFill>
                   <a:schemeClr val="accent2"/>
                 </a:solidFill>
+                <a:latin typeface="+mj-lt"/>
               </a:rPr>
               <a:t>Analytic Model</a:t>
             </a:r>
@@ -5958,7 +5967,7 @@
               <a:solidFill>
                 <a:srgbClr val="000000"/>
               </a:solidFill>
-              <a:latin typeface="Times New Roman" pitchFamily="-111" charset="0"/>
+              <a:latin typeface="+mj-lt"/>
             </a:endParaRPr>
           </a:p>
           <a:p>
@@ -5970,6 +5979,7 @@
                 <a:solidFill>
                   <a:srgbClr val="000000"/>
                 </a:solidFill>
+                <a:latin typeface="+mn-lt"/>
               </a:rPr>
               <a:t>Consider an asexual population with two bi-allelic loci, </a:t>
             </a:r>
@@ -5978,6 +5988,7 @@
                 <a:solidFill>
                   <a:srgbClr val="000000"/>
                 </a:solidFill>
+                <a:latin typeface="+mn-lt"/>
               </a:rPr>
               <a:t>a/A</a:t>
             </a:r>
@@ -5986,6 +5997,7 @@
                 <a:solidFill>
                   <a:srgbClr val="000000"/>
                 </a:solidFill>
+                <a:latin typeface="+mn-lt"/>
               </a:rPr>
               <a:t> and </a:t>
             </a:r>
@@ -5994,6 +6006,7 @@
                 <a:solidFill>
                   <a:srgbClr val="000000"/>
                 </a:solidFill>
+                <a:latin typeface="+mn-lt"/>
               </a:rPr>
               <a:t>b/B</a:t>
             </a:r>
@@ -6002,6 +6015,7 @@
                 <a:solidFill>
                   <a:srgbClr val="000000"/>
                 </a:solidFill>
+                <a:latin typeface="+mn-lt"/>
               </a:rPr>
               <a:t> at a mutation-selection balance. An environmental change causes the previously deleterious combination </a:t>
             </a:r>
@@ -6010,6 +6024,7 @@
                 <a:solidFill>
                   <a:srgbClr val="000000"/>
                 </a:solidFill>
+                <a:latin typeface="+mn-lt"/>
               </a:rPr>
               <a:t>AB</a:t>
             </a:r>
@@ -6018,6 +6033,7 @@
                 <a:solidFill>
                   <a:srgbClr val="000000"/>
                 </a:solidFill>
+                <a:latin typeface="+mn-lt"/>
               </a:rPr>
               <a:t> to be favorable, but the intermediate types </a:t>
             </a:r>
@@ -6026,6 +6042,7 @@
                 <a:solidFill>
                   <a:srgbClr val="000000"/>
                 </a:solidFill>
+                <a:latin typeface="+mn-lt"/>
               </a:rPr>
               <a:t>Ab</a:t>
             </a:r>
@@ -6034,6 +6051,7 @@
                 <a:solidFill>
                   <a:srgbClr val="000000"/>
                 </a:solidFill>
+                <a:latin typeface="+mn-lt"/>
               </a:rPr>
               <a:t> and </a:t>
             </a:r>
@@ -6042,6 +6060,7 @@
                 <a:solidFill>
                   <a:srgbClr val="000000"/>
                 </a:solidFill>
+                <a:latin typeface="+mn-lt"/>
               </a:rPr>
               <a:t>aB</a:t>
             </a:r>
@@ -6050,6 +6069,7 @@
                 <a:solidFill>
                   <a:srgbClr val="000000"/>
                 </a:solidFill>
+                <a:latin typeface="+mn-lt"/>
               </a:rPr>
               <a:t> are still deleterious</a:t>
             </a:r>
@@ -6058,6 +6078,7 @@
                 <a:solidFill>
                   <a:srgbClr val="000000"/>
                 </a:solidFill>
+                <a:latin typeface="+mn-lt"/>
               </a:rPr>
               <a:t>. </a:t>
             </a:r>
@@ -6071,6 +6092,7 @@
                 <a:solidFill>
                   <a:srgbClr val="000000"/>
                 </a:solidFill>
+                <a:latin typeface="+mn-lt"/>
               </a:rPr>
               <a:t>In addition to adaptation, the population must also cope with deleterious mutations, so we assumed that individuals with deleterious mutations will not contribute to the adaptation process.</a:t>
             </a:r>
@@ -6083,6 +6105,7 @@
               <a:solidFill>
                 <a:srgbClr val="000000"/>
               </a:solidFill>
+              <a:latin typeface="+mn-lt"/>
             </a:endParaRPr>
           </a:p>
         </p:txBody>
@@ -6265,6 +6288,7 @@
                     <a:solidFill>
                       <a:schemeClr val="accent2"/>
                     </a:solidFill>
+                    <a:latin typeface="+mj-lt"/>
                   </a:rPr>
                   <a:t>Analytic approximations</a:t>
                 </a:r>
@@ -6278,22 +6302,16 @@
                     <a:solidFill>
                       <a:schemeClr val="accent2"/>
                     </a:solidFill>
+                    <a:latin typeface="+mj-lt"/>
                   </a:rPr>
-                  <a:t>The appearance </a:t>
-                </a:r>
-                <a:r>
-                  <a:rPr lang="en-US" b="1" kern="0" dirty="0">
-                    <a:solidFill>
-                      <a:schemeClr val="accent2"/>
-                    </a:solidFill>
-                  </a:rPr>
-                  <a:t>probability </a:t>
+                  <a:t>The appearance probability </a:t>
                 </a:r>
                 <a:r>
                   <a:rPr lang="en-US" b="1" i="1" kern="0" dirty="0">
                     <a:solidFill>
                       <a:schemeClr val="accent2"/>
                     </a:solidFill>
+                    <a:latin typeface="+mj-lt"/>
                   </a:rPr>
                   <a:t>q</a:t>
                 </a:r>
@@ -6302,6 +6320,7 @@
                     <a:solidFill>
                       <a:schemeClr val="accent2"/>
                     </a:solidFill>
+                    <a:latin typeface="+mn-lt"/>
                   </a:rPr>
                   <a:t> </a:t>
                 </a:r>
@@ -6348,7 +6367,7 @@
                           <a:solidFill>
                             <a:srgbClr val="000000"/>
                           </a:solidFill>
-                          <a:latin typeface="Cambria Math"/>
+                          <a:latin typeface="+mn-lt"/>
                         </a:rPr>
                         <m:t>𝑞</m:t>
                       </m:r>
@@ -6357,7 +6376,7 @@
                           <a:solidFill>
                             <a:srgbClr val="000000"/>
                           </a:solidFill>
-                          <a:latin typeface="Cambria Math"/>
+                          <a:latin typeface="+mn-lt"/>
                         </a:rPr>
                         <m:t>≈</m:t>
                       </m:r>
@@ -6368,7 +6387,7 @@
                               <a:solidFill>
                                 <a:srgbClr val="000000"/>
                               </a:solidFill>
-                              <a:latin typeface="Cambria Math"/>
+                              <a:latin typeface="+mn-lt"/>
                             </a:rPr>
                           </m:ctrlPr>
                         </m:dPr>
@@ -6378,7 +6397,7 @@
                               <a:solidFill>
                                 <a:srgbClr val="000000"/>
                               </a:solidFill>
-                              <a:latin typeface="Cambria Math"/>
+                              <a:latin typeface="+mn-lt"/>
                             </a:rPr>
                             <m:t>1</m:t>
                           </m:r>
@@ -6387,7 +6406,7 @@
                               <a:solidFill>
                                 <a:srgbClr val="000000"/>
                               </a:solidFill>
-                              <a:latin typeface="Cambria Math"/>
+                              <a:latin typeface="+mn-lt"/>
                             </a:rPr>
                             <m:t>−</m:t>
                           </m:r>
@@ -6396,7 +6415,7 @@
                               <a:solidFill>
                                 <a:schemeClr val="accent2"/>
                               </a:solidFill>
-                              <a:latin typeface="Cambria Math"/>
+                              <a:latin typeface="+mn-lt"/>
                             </a:rPr>
                             <m:t>𝑈</m:t>
                           </m:r>
@@ -6409,7 +6428,7 @@
                               <a:solidFill>
                                 <a:srgbClr val="000000"/>
                               </a:solidFill>
-                              <a:latin typeface="Cambria Math"/>
+                              <a:latin typeface="+mn-lt"/>
                             </a:rPr>
                           </m:ctrlPr>
                         </m:dPr>
@@ -6419,7 +6438,7 @@
                               <a:solidFill>
                                 <a:srgbClr val="000000"/>
                               </a:solidFill>
-                              <a:latin typeface="Cambria Math"/>
+                              <a:latin typeface="+mn-lt"/>
                             </a:rPr>
                             <m:t>2</m:t>
                           </m:r>
@@ -6428,7 +6447,7 @@
                               <a:solidFill>
                                 <a:srgbClr val="000000"/>
                               </a:solidFill>
-                              <a:latin typeface="Cambria Math"/>
+                              <a:latin typeface="+mn-lt"/>
                             </a:rPr>
                             <m:t>−</m:t>
                           </m:r>
@@ -6437,7 +6456,7 @@
                               <a:solidFill>
                                 <a:schemeClr val="accent2"/>
                               </a:solidFill>
-                              <a:latin typeface="Cambria Math"/>
+                              <a:latin typeface="+mn-lt"/>
                             </a:rPr>
                             <m:t>𝑈</m:t>
                           </m:r>
@@ -6450,7 +6469,7 @@
                               <a:solidFill>
                                 <a:srgbClr val="000000"/>
                               </a:solidFill>
-                              <a:latin typeface="Cambria Math"/>
+                              <a:latin typeface="+mn-lt"/>
                             </a:rPr>
                           </m:ctrlPr>
                         </m:fPr>
@@ -6462,7 +6481,7 @@
                                   <a:solidFill>
                                     <a:srgbClr val="000000"/>
                                   </a:solidFill>
-                                  <a:latin typeface="Cambria Math"/>
+                                  <a:latin typeface="+mn-lt"/>
                                 </a:rPr>
                               </m:ctrlPr>
                             </m:sSupPr>
@@ -6472,7 +6491,7 @@
                                   <a:solidFill>
                                     <a:schemeClr val="accent1"/>
                                   </a:solidFill>
-                                  <a:latin typeface="Cambria Math"/>
+                                  <a:latin typeface="+mn-lt"/>
                                 </a:rPr>
                                 <m:t>𝜇</m:t>
                               </m:r>
@@ -6483,7 +6502,7 @@
                                   <a:solidFill>
                                     <a:srgbClr val="000000"/>
                                   </a:solidFill>
-                                  <a:latin typeface="Cambria Math"/>
+                                  <a:latin typeface="+mn-lt"/>
                                 </a:rPr>
                                 <m:t>2</m:t>
                               </m:r>
@@ -6496,7 +6515,7 @@
                               <a:solidFill>
                                 <a:schemeClr val="accent3"/>
                               </a:solidFill>
-                              <a:latin typeface="Cambria Math"/>
+                              <a:latin typeface="+mn-lt"/>
                             </a:rPr>
                             <m:t>𝑠</m:t>
                           </m:r>
@@ -6529,7 +6548,7 @@
                               <a:solidFill>
                                 <a:srgbClr val="000000"/>
                               </a:solidFill>
-                              <a:latin typeface="Cambria Math"/>
+                              <a:latin typeface="+mn-lt"/>
                             </a:rPr>
                           </m:ctrlPr>
                         </m:sSubPr>
@@ -6539,7 +6558,7 @@
                               <a:solidFill>
                                 <a:srgbClr val="000000"/>
                               </a:solidFill>
-                              <a:latin typeface="Cambria Math"/>
+                              <a:latin typeface="+mn-lt"/>
                             </a:rPr>
                             <m:t>𝑞</m:t>
                           </m:r>
@@ -6550,7 +6569,7 @@
                               <a:solidFill>
                                 <a:srgbClr val="000000"/>
                               </a:solidFill>
-                              <a:latin typeface="Cambria Math"/>
+                              <a:latin typeface="+mn-lt"/>
                             </a:rPr>
                             <m:t>𝑠𝑖𝑚</m:t>
                           </m:r>
@@ -6561,7 +6580,7 @@
                           <a:solidFill>
                             <a:srgbClr val="000000"/>
                           </a:solidFill>
-                          <a:latin typeface="Cambria Math"/>
+                          <a:latin typeface="+mn-lt"/>
                         </a:rPr>
                         <m:t>≈</m:t>
                       </m:r>
@@ -6572,7 +6591,7 @@
                               <a:solidFill>
                                 <a:srgbClr val="000000"/>
                               </a:solidFill>
-                              <a:latin typeface="Cambria Math"/>
+                              <a:latin typeface="+mn-lt"/>
                             </a:rPr>
                           </m:ctrlPr>
                         </m:dPr>
@@ -6582,7 +6601,7 @@
                               <a:solidFill>
                                 <a:srgbClr val="000000"/>
                               </a:solidFill>
-                              <a:latin typeface="Cambria Math"/>
+                              <a:latin typeface="+mn-lt"/>
                             </a:rPr>
                             <m:t>1</m:t>
                           </m:r>
@@ -6591,7 +6610,7 @@
                               <a:solidFill>
                                 <a:srgbClr val="000000"/>
                               </a:solidFill>
-                              <a:latin typeface="Cambria Math"/>
+                              <a:latin typeface="+mn-lt"/>
                             </a:rPr>
                             <m:t>−</m:t>
                           </m:r>
@@ -6600,7 +6619,7 @@
                               <a:solidFill>
                                 <a:schemeClr val="accent6"/>
                               </a:solidFill>
-                              <a:latin typeface="Cambria Math"/>
+                              <a:latin typeface="+mn-lt"/>
                             </a:rPr>
                             <m:t>𝜏</m:t>
                           </m:r>
@@ -6609,7 +6628,7 @@
                               <a:solidFill>
                                 <a:schemeClr val="accent2"/>
                               </a:solidFill>
-                              <a:latin typeface="Cambria Math"/>
+                              <a:latin typeface="+mn-lt"/>
                             </a:rPr>
                             <m:t>𝑈</m:t>
                           </m:r>
@@ -6620,7 +6639,7 @@
                           <a:solidFill>
                             <a:srgbClr val="000000"/>
                           </a:solidFill>
-                          <a:latin typeface="Cambria Math"/>
+                          <a:latin typeface="+mn-lt"/>
                         </a:rPr>
                         <m:t>2</m:t>
                       </m:r>
@@ -6629,7 +6648,7 @@
                           <a:solidFill>
                             <a:schemeClr val="accent6"/>
                           </a:solidFill>
-                          <a:latin typeface="Cambria Math"/>
+                          <a:latin typeface="+mn-lt"/>
                         </a:rPr>
                         <m:t>𝜏</m:t>
                       </m:r>
@@ -6640,7 +6659,7 @@
                               <a:solidFill>
                                 <a:srgbClr val="000000"/>
                               </a:solidFill>
-                              <a:latin typeface="Cambria Math"/>
+                              <a:latin typeface="+mn-lt"/>
                             </a:rPr>
                           </m:ctrlPr>
                         </m:fPr>
@@ -6652,7 +6671,7 @@
                                   <a:solidFill>
                                     <a:srgbClr val="000000"/>
                                   </a:solidFill>
-                                  <a:latin typeface="Cambria Math"/>
+                                  <a:latin typeface="+mn-lt"/>
                                 </a:rPr>
                               </m:ctrlPr>
                             </m:sSupPr>
@@ -6662,7 +6681,7 @@
                                   <a:solidFill>
                                     <a:schemeClr val="accent1"/>
                                   </a:solidFill>
-                                  <a:latin typeface="Cambria Math"/>
+                                  <a:latin typeface="+mn-lt"/>
                                 </a:rPr>
                                 <m:t>𝜇</m:t>
                               </m:r>
@@ -6673,7 +6692,7 @@
                                   <a:solidFill>
                                     <a:srgbClr val="000000"/>
                                   </a:solidFill>
-                                  <a:latin typeface="Cambria Math"/>
+                                  <a:latin typeface="+mn-lt"/>
                                 </a:rPr>
                                 <m:t>2</m:t>
                               </m:r>
@@ -6686,7 +6705,7 @@
                               <a:solidFill>
                                 <a:schemeClr val="accent3"/>
                               </a:solidFill>
-                              <a:latin typeface="Cambria Math"/>
+                              <a:latin typeface="+mn-lt"/>
                             </a:rPr>
                             <m:t>𝑠</m:t>
                           </m:r>
@@ -6855,7 +6874,7 @@
                             <a:solidFill>
                               <a:srgbClr val="000000"/>
                             </a:solidFill>
-                            <a:latin typeface="Cambria Math"/>
+                            <a:latin typeface="+mn-lt"/>
                           </a:rPr>
                         </m:ctrlPr>
                       </m:sSubPr>
@@ -6865,7 +6884,7 @@
                             <a:solidFill>
                               <a:srgbClr val="000000"/>
                             </a:solidFill>
-                            <a:latin typeface="Cambria Math"/>
+                            <a:latin typeface="+mn-lt"/>
                           </a:rPr>
                           <m:t>𝑞</m:t>
                         </m:r>
@@ -6876,7 +6895,7 @@
                             <a:solidFill>
                               <a:srgbClr val="000000"/>
                             </a:solidFill>
-                            <a:latin typeface="Cambria Math"/>
+                            <a:latin typeface="+mn-lt"/>
                           </a:rPr>
                           <m:t>𝑠𝑖𝑚</m:t>
                         </m:r>
@@ -6887,7 +6906,7 @@
                         <a:solidFill>
                           <a:srgbClr val="000000"/>
                         </a:solidFill>
-                        <a:latin typeface="Cambria Math"/>
+                        <a:latin typeface="+mn-lt"/>
                       </a:rPr>
                       <m:t>&gt;</m:t>
                     </m:r>
@@ -6896,7 +6915,7 @@
                         <a:solidFill>
                           <a:srgbClr val="000000"/>
                         </a:solidFill>
-                        <a:latin typeface="Cambria Math"/>
+                        <a:latin typeface="+mn-lt"/>
                       </a:rPr>
                       <m:t>𝑞</m:t>
                     </m:r>
@@ -6907,6 +6926,7 @@
                     <a:solidFill>
                       <a:srgbClr val="000000"/>
                     </a:solidFill>
+                    <a:latin typeface="+mn-lt"/>
                   </a:rPr>
                   <a:t> </a:t>
                 </a:r>
@@ -6928,7 +6948,7 @@
                             <a:solidFill>
                               <a:schemeClr val="accent2"/>
                             </a:solidFill>
-                            <a:latin typeface="Cambria Math"/>
+                            <a:latin typeface="+mn-lt"/>
                           </a:rPr>
                         </m:ctrlPr>
                       </m:sSupPr>
@@ -6938,7 +6958,7 @@
                             <a:solidFill>
                               <a:schemeClr val="accent2"/>
                             </a:solidFill>
-                            <a:latin typeface="Cambria Math"/>
+                            <a:latin typeface="+mn-lt"/>
                           </a:rPr>
                           <m:t>𝑈</m:t>
                         </m:r>
@@ -6949,7 +6969,7 @@
                             <a:solidFill>
                               <a:schemeClr val="tx1"/>
                             </a:solidFill>
-                            <a:latin typeface="Cambria Math"/>
+                            <a:latin typeface="+mn-lt"/>
                           </a:rPr>
                           <m:t>−</m:t>
                         </m:r>
@@ -6958,7 +6978,7 @@
                             <a:solidFill>
                               <a:schemeClr val="tx1"/>
                             </a:solidFill>
-                            <a:latin typeface="Cambria Math"/>
+                            <a:latin typeface="+mn-lt"/>
                           </a:rPr>
                           <m:t>1</m:t>
                         </m:r>
@@ -6969,7 +6989,7 @@
                         <a:solidFill>
                           <a:schemeClr val="tx1"/>
                         </a:solidFill>
-                        <a:latin typeface="Cambria Math"/>
+                        <a:latin typeface="+mn-lt"/>
                       </a:rPr>
                       <m:t>/</m:t>
                     </m:r>
@@ -6978,7 +6998,7 @@
                         <a:solidFill>
                           <a:schemeClr val="tx1"/>
                         </a:solidFill>
-                        <a:latin typeface="Cambria Math"/>
+                        <a:latin typeface="+mn-lt"/>
                       </a:rPr>
                       <m:t>2</m:t>
                     </m:r>
@@ -6987,7 +7007,7 @@
                         <a:solidFill>
                           <a:schemeClr val="tx1"/>
                         </a:solidFill>
-                        <a:latin typeface="Cambria Math"/>
+                        <a:latin typeface="+mn-lt"/>
                       </a:rPr>
                       <m:t>&gt;</m:t>
                     </m:r>
@@ -6996,7 +7016,7 @@
                         <a:solidFill>
                           <a:schemeClr val="accent6"/>
                         </a:solidFill>
-                        <a:latin typeface="Cambria Math"/>
+                        <a:latin typeface="+mn-lt"/>
                       </a:rPr>
                       <m:t>𝜏</m:t>
                     </m:r>
@@ -7005,7 +7025,7 @@
                         <a:solidFill>
                           <a:schemeClr val="tx1"/>
                         </a:solidFill>
-                        <a:latin typeface="Cambria Math"/>
+                        <a:latin typeface="+mn-lt"/>
                       </a:rPr>
                       <m:t>&gt;</m:t>
                     </m:r>
@@ -7014,7 +7034,7 @@
                         <a:solidFill>
                           <a:schemeClr val="tx1"/>
                         </a:solidFill>
-                        <a:latin typeface="Cambria Math"/>
+                        <a:latin typeface="+mn-lt"/>
                       </a:rPr>
                       <m:t>1</m:t>
                     </m:r>
@@ -7023,7 +7043,7 @@
                         <a:solidFill>
                           <a:schemeClr val="tx1"/>
                         </a:solidFill>
-                        <a:latin typeface="Cambria Math"/>
+                        <a:latin typeface="+mn-lt"/>
                       </a:rPr>
                       <m:t>.</m:t>
                     </m:r>
@@ -7056,6 +7076,7 @@
                     <a:solidFill>
                       <a:schemeClr val="accent2"/>
                     </a:solidFill>
+                    <a:latin typeface="+mj-lt"/>
                   </a:rPr>
                   <a:t>The fixation probability </a:t>
                 </a:r>
@@ -7064,6 +7085,7 @@
                     <a:solidFill>
                       <a:schemeClr val="accent2"/>
                     </a:solidFill>
+                    <a:latin typeface="+mj-lt"/>
                   </a:rPr>
                   <a:t>ρ</a:t>
                 </a:r>
@@ -7072,6 +7094,7 @@
                     <a:solidFill>
                       <a:schemeClr val="accent2"/>
                     </a:solidFill>
+                    <a:latin typeface="+mn-lt"/>
                   </a:rPr>
                   <a:t> </a:t>
                 </a:r>
@@ -7118,7 +7141,7 @@
                           <a:solidFill>
                             <a:srgbClr val="000000"/>
                           </a:solidFill>
-                          <a:latin typeface="Cambria Math"/>
+                          <a:latin typeface="+mn-lt"/>
                         </a:rPr>
                         <m:t>𝜌</m:t>
                       </m:r>
@@ -7127,7 +7150,7 @@
                           <a:solidFill>
                             <a:srgbClr val="000000"/>
                           </a:solidFill>
-                          <a:latin typeface="Cambria Math"/>
+                          <a:latin typeface="+mn-lt"/>
                         </a:rPr>
                         <m:t>≈</m:t>
                       </m:r>
@@ -7136,7 +7159,7 @@
                           <a:solidFill>
                             <a:srgbClr val="000000"/>
                           </a:solidFill>
-                          <a:latin typeface="Cambria Math"/>
+                          <a:latin typeface="+mn-lt"/>
                         </a:rPr>
                         <m:t>2</m:t>
                       </m:r>
@@ -7145,7 +7168,7 @@
                           <a:solidFill>
                             <a:schemeClr val="accent3"/>
                           </a:solidFill>
-                          <a:latin typeface="Cambria Math"/>
+                          <a:latin typeface="+mn-lt"/>
                         </a:rPr>
                         <m:t>𝑠</m:t>
                       </m:r>
@@ -7154,7 +7177,7 @@
                           <a:solidFill>
                             <a:schemeClr val="accent4"/>
                           </a:solidFill>
-                          <a:latin typeface="Cambria Math"/>
+                          <a:latin typeface="+mn-lt"/>
                         </a:rPr>
                         <m:t>𝐻</m:t>
                       </m:r>
@@ -7185,7 +7208,7 @@
                               <a:solidFill>
                                 <a:srgbClr val="000000"/>
                               </a:solidFill>
-                              <a:latin typeface="Cambria Math"/>
+                              <a:latin typeface="+mn-lt"/>
                             </a:rPr>
                           </m:ctrlPr>
                         </m:sSubPr>
@@ -7195,7 +7218,7 @@
                               <a:solidFill>
                                 <a:srgbClr val="000000"/>
                               </a:solidFill>
-                              <a:latin typeface="Cambria Math"/>
+                              <a:latin typeface="+mn-lt"/>
                             </a:rPr>
                             <m:t>𝜌</m:t>
                           </m:r>
@@ -7206,7 +7229,7 @@
                               <a:solidFill>
                                 <a:srgbClr val="000000"/>
                               </a:solidFill>
-                              <a:latin typeface="Cambria Math"/>
+                              <a:latin typeface="+mn-lt"/>
                             </a:rPr>
                             <m:t>𝑠𝑖𝑚</m:t>
                           </m:r>
@@ -7217,7 +7240,7 @@
                           <a:solidFill>
                             <a:srgbClr val="000000"/>
                           </a:solidFill>
-                          <a:latin typeface="Cambria Math"/>
+                          <a:latin typeface="+mn-lt"/>
                         </a:rPr>
                         <m:t>≈</m:t>
                       </m:r>
@@ -7226,7 +7249,7 @@
                           <a:solidFill>
                             <a:srgbClr val="000000"/>
                           </a:solidFill>
-                          <a:latin typeface="Cambria Math"/>
+                          <a:latin typeface="+mn-lt"/>
                         </a:rPr>
                         <m:t>2</m:t>
                       </m:r>
@@ -7235,7 +7258,7 @@
                           <a:solidFill>
                             <a:schemeClr val="accent3"/>
                           </a:solidFill>
-                          <a:latin typeface="Cambria Math"/>
+                          <a:latin typeface="+mn-lt"/>
                         </a:rPr>
                         <m:t>𝑠</m:t>
                       </m:r>
@@ -7244,7 +7267,7 @@
                           <a:solidFill>
                             <a:schemeClr val="accent4"/>
                           </a:solidFill>
-                          <a:latin typeface="Cambria Math"/>
+                          <a:latin typeface="+mn-lt"/>
                         </a:rPr>
                         <m:t>𝐻</m:t>
                       </m:r>
@@ -7253,7 +7276,7 @@
                           <a:solidFill>
                             <a:srgbClr val="000000"/>
                           </a:solidFill>
-                          <a:latin typeface="Cambria Math"/>
+                          <a:latin typeface="+mn-lt"/>
                         </a:rPr>
                         <m:t>+</m:t>
                       </m:r>
@@ -7262,7 +7285,7 @@
                           <a:solidFill>
                             <a:srgbClr val="000000"/>
                           </a:solidFill>
-                          <a:latin typeface="Cambria Math"/>
+                          <a:latin typeface="+mn-lt"/>
                         </a:rPr>
                         <m:t>2</m:t>
                       </m:r>
@@ -7273,7 +7296,7 @@
                               <a:solidFill>
                                 <a:srgbClr val="000000"/>
                               </a:solidFill>
-                              <a:latin typeface="Cambria Math"/>
+                              <a:latin typeface="+mn-lt"/>
                             </a:rPr>
                           </m:ctrlPr>
                         </m:fPr>
@@ -7285,7 +7308,7 @@
                                   <a:solidFill>
                                     <a:srgbClr val="000000"/>
                                   </a:solidFill>
-                                  <a:latin typeface="Cambria Math"/>
+                                  <a:latin typeface="+mn-lt"/>
                                 </a:rPr>
                               </m:ctrlPr>
                             </m:sSupPr>
@@ -7295,7 +7318,7 @@
                                   <a:solidFill>
                                     <a:schemeClr val="accent2"/>
                                   </a:solidFill>
-                                  <a:latin typeface="Cambria Math"/>
+                                  <a:latin typeface="+mn-lt"/>
                                 </a:rPr>
                                 <m:t>𝑈</m:t>
                               </m:r>
@@ -7306,7 +7329,7 @@
                                   <a:solidFill>
                                     <a:srgbClr val="000000"/>
                                   </a:solidFill>
-                                  <a:latin typeface="Cambria Math"/>
+                                  <a:latin typeface="+mn-lt"/>
                                 </a:rPr>
                                 <m:t>2</m:t>
                               </m:r>
@@ -7319,7 +7342,7 @@
                               <a:solidFill>
                                 <a:schemeClr val="accent3"/>
                               </a:solidFill>
-                              <a:latin typeface="Cambria Math"/>
+                              <a:latin typeface="+mn-lt"/>
                             </a:rPr>
                             <m:t>𝑠</m:t>
                           </m:r>
@@ -7332,7 +7355,7 @@
                               <a:solidFill>
                                 <a:srgbClr val="000000"/>
                               </a:solidFill>
-                              <a:latin typeface="Cambria Math"/>
+                              <a:latin typeface="+mn-lt"/>
                             </a:rPr>
                           </m:ctrlPr>
                         </m:dPr>
@@ -7342,7 +7365,7 @@
                               <a:solidFill>
                                 <a:srgbClr val="000000"/>
                               </a:solidFill>
-                              <a:latin typeface="Cambria Math"/>
+                              <a:latin typeface="+mn-lt"/>
                             </a:rPr>
                             <m:t>1</m:t>
                           </m:r>
@@ -7351,7 +7374,7 @@
                               <a:solidFill>
                                 <a:srgbClr val="000000"/>
                               </a:solidFill>
-                              <a:latin typeface="Cambria Math"/>
+                              <a:latin typeface="+mn-lt"/>
                             </a:rPr>
                             <m:t>−</m:t>
                           </m:r>
@@ -7360,7 +7383,7 @@
                               <a:solidFill>
                                 <a:schemeClr val="accent3"/>
                               </a:solidFill>
-                              <a:latin typeface="Cambria Math"/>
+                              <a:latin typeface="+mn-lt"/>
                             </a:rPr>
                             <m:t>𝑠</m:t>
                           </m:r>
@@ -7373,7 +7396,7 @@
                               <a:solidFill>
                                 <a:srgbClr val="000000"/>
                               </a:solidFill>
-                              <a:latin typeface="Cambria Math"/>
+                              <a:latin typeface="+mn-lt"/>
                             </a:rPr>
                           </m:ctrlPr>
                         </m:dPr>
@@ -7383,7 +7406,7 @@
                               <a:solidFill>
                                 <a:schemeClr val="accent6"/>
                               </a:solidFill>
-                              <a:latin typeface="Cambria Math"/>
+                              <a:latin typeface="+mn-lt"/>
                             </a:rPr>
                             <m:t>𝜏</m:t>
                           </m:r>
@@ -7392,7 +7415,7 @@
                               <a:solidFill>
                                 <a:srgbClr val="000000"/>
                               </a:solidFill>
-                              <a:latin typeface="Cambria Math"/>
+                              <a:latin typeface="+mn-lt"/>
                             </a:rPr>
                             <m:t>−</m:t>
                           </m:r>
@@ -7401,7 +7424,7 @@
                               <a:solidFill>
                                 <a:srgbClr val="000000"/>
                               </a:solidFill>
-                              <a:latin typeface="Cambria Math"/>
+                              <a:latin typeface="+mn-lt"/>
                             </a:rPr>
                             <m:t>1</m:t>
                           </m:r>
@@ -7471,7 +7494,7 @@
                             <a:solidFill>
                               <a:srgbClr val="000000"/>
                             </a:solidFill>
-                            <a:latin typeface="Cambria Math"/>
+                            <a:latin typeface="+mn-lt"/>
                           </a:rPr>
                         </m:ctrlPr>
                       </m:sSubPr>
@@ -7481,7 +7504,7 @@
                             <a:solidFill>
                               <a:srgbClr val="000000"/>
                             </a:solidFill>
-                            <a:latin typeface="Cambria Math"/>
+                            <a:latin typeface="+mn-lt"/>
                           </a:rPr>
                           <m:t>𝜌</m:t>
                         </m:r>
@@ -7492,7 +7515,7 @@
                             <a:solidFill>
                               <a:srgbClr val="000000"/>
                             </a:solidFill>
-                            <a:latin typeface="Cambria Math"/>
+                            <a:latin typeface="+mn-lt"/>
                           </a:rPr>
                           <m:t>𝑠𝑖𝑚</m:t>
                         </m:r>
@@ -7503,7 +7526,7 @@
                         <a:solidFill>
                           <a:srgbClr val="000000"/>
                         </a:solidFill>
-                        <a:latin typeface="Cambria Math"/>
+                        <a:latin typeface="+mn-lt"/>
                       </a:rPr>
                       <m:t>&gt;</m:t>
                     </m:r>
@@ -7512,7 +7535,7 @@
                         <a:solidFill>
                           <a:srgbClr val="000000"/>
                         </a:solidFill>
-                        <a:latin typeface="Cambria Math"/>
+                        <a:latin typeface="+mn-lt"/>
                       </a:rPr>
                       <m:t>𝜌</m:t>
                     </m:r>
@@ -7534,7 +7557,7 @@
                         <a:solidFill>
                           <a:schemeClr val="accent6"/>
                         </a:solidFill>
-                        <a:latin typeface="Cambria Math"/>
+                        <a:latin typeface="+mn-lt"/>
                       </a:rPr>
                       <m:t>𝜏</m:t>
                     </m:r>
@@ -7543,7 +7566,7 @@
                         <a:solidFill>
                           <a:srgbClr val="000000"/>
                         </a:solidFill>
-                        <a:latin typeface="Cambria Math"/>
+                        <a:latin typeface="+mn-lt"/>
                       </a:rPr>
                       <m:t>&gt;</m:t>
                     </m:r>
@@ -7552,7 +7575,7 @@
                         <a:solidFill>
                           <a:srgbClr val="000000"/>
                         </a:solidFill>
-                        <a:latin typeface="Cambria Math"/>
+                        <a:latin typeface="+mn-lt"/>
                       </a:rPr>
                       <m:t>1</m:t>
                     </m:r>
@@ -7588,6 +7611,7 @@
                     <a:solidFill>
                       <a:schemeClr val="accent2"/>
                     </a:solidFill>
+                    <a:latin typeface="+mj-lt"/>
                   </a:rPr>
                   <a:t>The population </a:t>
                 </a:r>
@@ -7596,6 +7620,7 @@
                     <a:solidFill>
                       <a:schemeClr val="accent2"/>
                     </a:solidFill>
+                    <a:latin typeface="+mj-lt"/>
                   </a:rPr>
                   <a:t>adaptation rate </a:t>
                 </a:r>
@@ -7604,6 +7629,7 @@
                     <a:solidFill>
                       <a:schemeClr val="accent2"/>
                     </a:solidFill>
+                    <a:latin typeface="+mj-lt"/>
                   </a:rPr>
                   <a:t>ν</a:t>
                 </a:r>
@@ -7612,6 +7638,7 @@
                     <a:solidFill>
                       <a:schemeClr val="accent2"/>
                     </a:solidFill>
+                    <a:latin typeface="+mn-lt"/>
                   </a:rPr>
                   <a:t> </a:t>
                 </a:r>
@@ -7707,7 +7734,7 @@
                           <a:solidFill>
                             <a:srgbClr val="000000"/>
                           </a:solidFill>
-                          <a:latin typeface="Cambria Math"/>
+                          <a:latin typeface="+mn-lt"/>
                         </a:rPr>
                         <m:t>𝜈</m:t>
                       </m:r>
@@ -7716,7 +7743,7 @@
                           <a:solidFill>
                             <a:srgbClr val="000000"/>
                           </a:solidFill>
-                          <a:latin typeface="Cambria Math"/>
+                          <a:latin typeface="+mn-lt"/>
                         </a:rPr>
                         <m:t>≈</m:t>
                       </m:r>
@@ -7725,7 +7752,7 @@
                           <a:solidFill>
                             <a:srgbClr val="000000"/>
                           </a:solidFill>
-                          <a:latin typeface="Cambria Math"/>
+                          <a:latin typeface="+mn-lt"/>
                         </a:rPr>
                         <m:t>2</m:t>
                       </m:r>
@@ -7736,7 +7763,7 @@
                               <a:lumMod val="50000"/>
                             </a:schemeClr>
                           </a:solidFill>
-                          <a:latin typeface="Cambria Math"/>
+                          <a:latin typeface="+mn-lt"/>
                         </a:rPr>
                         <m:t>𝑁</m:t>
                       </m:r>
@@ -7745,7 +7772,7 @@
                           <a:solidFill>
                             <a:schemeClr val="accent4"/>
                           </a:solidFill>
-                          <a:latin typeface="Cambria Math"/>
+                          <a:latin typeface="+mn-lt"/>
                         </a:rPr>
                         <m:t>𝐻</m:t>
                       </m:r>
@@ -7756,7 +7783,7 @@
                               <a:solidFill>
                                 <a:srgbClr val="000000"/>
                               </a:solidFill>
-                              <a:latin typeface="Cambria Math"/>
+                              <a:latin typeface="+mn-lt"/>
                             </a:rPr>
                           </m:ctrlPr>
                         </m:sSupPr>
@@ -7766,7 +7793,7 @@
                               <a:solidFill>
                                 <a:schemeClr val="accent1"/>
                               </a:solidFill>
-                              <a:latin typeface="Cambria Math"/>
+                              <a:latin typeface="+mn-lt"/>
                             </a:rPr>
                             <m:t>𝜇</m:t>
                           </m:r>
@@ -7777,7 +7804,7 @@
                               <a:solidFill>
                                 <a:srgbClr val="000000"/>
                               </a:solidFill>
-                              <a:latin typeface="Cambria Math"/>
+                              <a:latin typeface="+mn-lt"/>
                             </a:rPr>
                             <m:t>2</m:t>
                           </m:r>
@@ -7790,7 +7817,7 @@
                               <a:solidFill>
                                 <a:srgbClr val="000000"/>
                               </a:solidFill>
-                              <a:latin typeface="Cambria Math"/>
+                              <a:latin typeface="+mn-lt"/>
                             </a:rPr>
                           </m:ctrlPr>
                         </m:dPr>
@@ -7800,7 +7827,7 @@
                               <a:solidFill>
                                 <a:srgbClr val="000000"/>
                               </a:solidFill>
-                              <a:latin typeface="Cambria Math"/>
+                              <a:latin typeface="+mn-lt"/>
                             </a:rPr>
                             <m:t>1</m:t>
                           </m:r>
@@ -7809,7 +7836,7 @@
                               <a:solidFill>
                                 <a:srgbClr val="000000"/>
                               </a:solidFill>
-                              <a:latin typeface="Cambria Math"/>
+                              <a:latin typeface="+mn-lt"/>
                             </a:rPr>
                             <m:t>−</m:t>
                           </m:r>
@@ -7818,7 +7845,7 @@
                               <a:solidFill>
                                 <a:schemeClr val="accent2"/>
                               </a:solidFill>
-                              <a:latin typeface="Cambria Math"/>
+                              <a:latin typeface="+mn-lt"/>
                             </a:rPr>
                             <m:t>𝑈</m:t>
                           </m:r>
@@ -7831,7 +7858,7 @@
                               <a:solidFill>
                                 <a:srgbClr val="000000"/>
                               </a:solidFill>
-                              <a:latin typeface="Cambria Math"/>
+                              <a:latin typeface="+mn-lt"/>
                             </a:rPr>
                           </m:ctrlPr>
                         </m:dPr>
@@ -7841,7 +7868,7 @@
                               <a:solidFill>
                                 <a:srgbClr val="000000"/>
                               </a:solidFill>
-                              <a:latin typeface="Cambria Math"/>
+                              <a:latin typeface="+mn-lt"/>
                             </a:rPr>
                             <m:t>2</m:t>
                           </m:r>
@@ -7850,7 +7877,7 @@
                               <a:solidFill>
                                 <a:srgbClr val="000000"/>
                               </a:solidFill>
-                              <a:latin typeface="Cambria Math"/>
+                              <a:latin typeface="+mn-lt"/>
                             </a:rPr>
                             <m:t>−</m:t>
                           </m:r>
@@ -7859,7 +7886,7 @@
                               <a:solidFill>
                                 <a:schemeClr val="accent2"/>
                               </a:solidFill>
-                              <a:latin typeface="Cambria Math"/>
+                              <a:latin typeface="+mn-lt"/>
                             </a:rPr>
                             <m:t>𝑈</m:t>
                           </m:r>
@@ -7892,7 +7919,7 @@
                               <a:solidFill>
                                 <a:srgbClr val="000000"/>
                               </a:solidFill>
-                              <a:latin typeface="Cambria Math"/>
+                              <a:latin typeface="+mn-lt"/>
                             </a:rPr>
                           </m:ctrlPr>
                         </m:sSubPr>
@@ -7902,7 +7929,7 @@
                               <a:solidFill>
                                 <a:srgbClr val="000000"/>
                               </a:solidFill>
-                              <a:latin typeface="Cambria Math"/>
+                              <a:latin typeface="+mn-lt"/>
                             </a:rPr>
                             <m:t>𝜈</m:t>
                           </m:r>
@@ -7913,7 +7940,7 @@
                               <a:solidFill>
                                 <a:srgbClr val="000000"/>
                               </a:solidFill>
-                              <a:latin typeface="Cambria Math"/>
+                              <a:latin typeface="+mn-lt"/>
                             </a:rPr>
                             <m:t>𝑠𝑖𝑚</m:t>
                           </m:r>
@@ -7924,7 +7951,7 @@
                           <a:solidFill>
                             <a:srgbClr val="000000"/>
                           </a:solidFill>
-                          <a:latin typeface="Cambria Math"/>
+                          <a:latin typeface="+mn-lt"/>
                         </a:rPr>
                         <m:t>≈</m:t>
                       </m:r>
@@ -7933,7 +7960,7 @@
                           <a:solidFill>
                             <a:srgbClr val="000000"/>
                           </a:solidFill>
-                          <a:latin typeface="Cambria Math"/>
+                          <a:latin typeface="+mn-lt"/>
                         </a:rPr>
                         <m:t>4</m:t>
                       </m:r>
@@ -7944,7 +7971,7 @@
                               <a:lumMod val="50000"/>
                             </a:schemeClr>
                           </a:solidFill>
-                          <a:latin typeface="Cambria Math"/>
+                          <a:latin typeface="+mn-lt"/>
                         </a:rPr>
                         <m:t>𝑁</m:t>
                       </m:r>
@@ -7953,7 +7980,7 @@
                           <a:solidFill>
                             <a:schemeClr val="accent6"/>
                           </a:solidFill>
-                          <a:latin typeface="Cambria Math"/>
+                          <a:latin typeface="+mn-lt"/>
                         </a:rPr>
                         <m:t>𝜏</m:t>
                       </m:r>
@@ -7964,7 +7991,7 @@
                               <a:solidFill>
                                 <a:srgbClr val="000000"/>
                               </a:solidFill>
-                              <a:latin typeface="Cambria Math"/>
+                              <a:latin typeface="+mn-lt"/>
                             </a:rPr>
                           </m:ctrlPr>
                         </m:sSupPr>
@@ -7974,7 +8001,7 @@
                               <a:solidFill>
                                 <a:schemeClr val="accent1"/>
                               </a:solidFill>
-                              <a:latin typeface="Cambria Math"/>
+                              <a:latin typeface="+mn-lt"/>
                             </a:rPr>
                             <m:t>𝜇</m:t>
                           </m:r>
@@ -7985,7 +8012,7 @@
                               <a:solidFill>
                                 <a:srgbClr val="000000"/>
                               </a:solidFill>
-                              <a:latin typeface="Cambria Math"/>
+                              <a:latin typeface="+mn-lt"/>
                             </a:rPr>
                             <m:t>2</m:t>
                           </m:r>
@@ -7998,7 +8025,7 @@
                               <a:solidFill>
                                 <a:srgbClr val="000000"/>
                               </a:solidFill>
-                              <a:latin typeface="Cambria Math"/>
+                              <a:latin typeface="+mn-lt"/>
                             </a:rPr>
                           </m:ctrlPr>
                         </m:dPr>
@@ -8008,7 +8035,7 @@
                               <a:solidFill>
                                 <a:srgbClr val="000000"/>
                               </a:solidFill>
-                              <a:latin typeface="Cambria Math"/>
+                              <a:latin typeface="+mn-lt"/>
                             </a:rPr>
                             <m:t>1</m:t>
                           </m:r>
@@ -8017,7 +8044,7 @@
                               <a:solidFill>
                                 <a:srgbClr val="000000"/>
                               </a:solidFill>
-                              <a:latin typeface="Cambria Math"/>
+                              <a:latin typeface="+mn-lt"/>
                             </a:rPr>
                             <m:t>−</m:t>
                           </m:r>
@@ -8026,7 +8053,7 @@
                               <a:solidFill>
                                 <a:schemeClr val="accent6"/>
                               </a:solidFill>
-                              <a:latin typeface="Cambria Math"/>
+                              <a:latin typeface="+mn-lt"/>
                             </a:rPr>
                             <m:t>𝜏</m:t>
                           </m:r>
@@ -8035,7 +8062,7 @@
                               <a:solidFill>
                                 <a:schemeClr val="accent2"/>
                               </a:solidFill>
-                              <a:latin typeface="Cambria Math"/>
+                              <a:latin typeface="+mn-lt"/>
                             </a:rPr>
                             <m:t>𝑈</m:t>
                           </m:r>
@@ -8048,7 +8075,7 @@
                               <a:solidFill>
                                 <a:srgbClr val="000000"/>
                               </a:solidFill>
-                              <a:latin typeface="Cambria Math"/>
+                              <a:latin typeface="+mn-lt"/>
                             </a:rPr>
                           </m:ctrlPr>
                         </m:dPr>
@@ -8058,7 +8085,7 @@
                               <a:solidFill>
                                 <a:schemeClr val="accent4"/>
                               </a:solidFill>
-                              <a:latin typeface="Cambria Math"/>
+                              <a:latin typeface="+mn-lt"/>
                             </a:rPr>
                             <m:t>𝐻</m:t>
                           </m:r>
@@ -8067,7 +8094,7 @@
                               <a:solidFill>
                                 <a:srgbClr val="000000"/>
                               </a:solidFill>
-                              <a:latin typeface="Cambria Math"/>
+                              <a:latin typeface="+mn-lt"/>
                             </a:rPr>
                             <m:t>+</m:t>
                           </m:r>
@@ -8078,7 +8105,7 @@
                                   <a:solidFill>
                                     <a:srgbClr val="000000"/>
                                   </a:solidFill>
-                                  <a:latin typeface="Cambria Math"/>
+                                  <a:latin typeface="+mn-lt"/>
                                 </a:rPr>
                               </m:ctrlPr>
                             </m:fPr>
@@ -8090,7 +8117,7 @@
                                       <a:solidFill>
                                         <a:srgbClr val="000000"/>
                                       </a:solidFill>
-                                      <a:latin typeface="Cambria Math"/>
+                                      <a:latin typeface="+mn-lt"/>
                                     </a:rPr>
                                   </m:ctrlPr>
                                 </m:sSupPr>
@@ -8100,7 +8127,7 @@
                                       <a:solidFill>
                                         <a:schemeClr val="accent2"/>
                                       </a:solidFill>
-                                      <a:latin typeface="Cambria Math"/>
+                                      <a:latin typeface="+mn-lt"/>
                                     </a:rPr>
                                     <m:t>𝑈</m:t>
                                   </m:r>
@@ -8111,7 +8138,7 @@
                                       <a:solidFill>
                                         <a:srgbClr val="000000"/>
                                       </a:solidFill>
-                                      <a:latin typeface="Cambria Math"/>
+                                      <a:latin typeface="+mn-lt"/>
                                     </a:rPr>
                                     <m:t>2</m:t>
                                   </m:r>
@@ -8126,7 +8153,7 @@
                                       <a:solidFill>
                                         <a:srgbClr val="000000"/>
                                       </a:solidFill>
-                                      <a:latin typeface="Cambria Math"/>
+                                      <a:latin typeface="+mn-lt"/>
                                     </a:rPr>
                                   </m:ctrlPr>
                                 </m:sSupPr>
@@ -8136,7 +8163,7 @@
                                       <a:solidFill>
                                         <a:schemeClr val="accent3"/>
                                       </a:solidFill>
-                                      <a:latin typeface="Cambria Math"/>
+                                      <a:latin typeface="+mn-lt"/>
                                     </a:rPr>
                                     <m:t>𝑠</m:t>
                                   </m:r>
@@ -8147,7 +8174,7 @@
                                       <a:solidFill>
                                         <a:srgbClr val="000000"/>
                                       </a:solidFill>
-                                      <a:latin typeface="Cambria Math"/>
+                                      <a:latin typeface="+mn-lt"/>
                                     </a:rPr>
                                     <m:t>2</m:t>
                                   </m:r>
@@ -8162,7 +8189,7 @@
                                   <a:solidFill>
                                     <a:srgbClr val="000000"/>
                                   </a:solidFill>
-                                  <a:latin typeface="Cambria Math"/>
+                                  <a:latin typeface="+mn-lt"/>
                                 </a:rPr>
                               </m:ctrlPr>
                             </m:dPr>
@@ -8172,7 +8199,7 @@
                                   <a:solidFill>
                                     <a:srgbClr val="000000"/>
                                   </a:solidFill>
-                                  <a:latin typeface="Cambria Math"/>
+                                  <a:latin typeface="+mn-lt"/>
                                 </a:rPr>
                                 <m:t>1</m:t>
                               </m:r>
@@ -8181,7 +8208,7 @@
                                   <a:solidFill>
                                     <a:srgbClr val="000000"/>
                                   </a:solidFill>
-                                  <a:latin typeface="Cambria Math"/>
+                                  <a:latin typeface="+mn-lt"/>
                                 </a:rPr>
                                 <m:t>−</m:t>
                               </m:r>
@@ -8190,7 +8217,7 @@
                                   <a:solidFill>
                                     <a:schemeClr val="accent3"/>
                                   </a:solidFill>
-                                  <a:latin typeface="Cambria Math"/>
+                                  <a:latin typeface="+mn-lt"/>
                                 </a:rPr>
                                 <m:t>𝑠</m:t>
                               </m:r>
@@ -8203,7 +8230,7 @@
                                   <a:solidFill>
                                     <a:srgbClr val="000000"/>
                                   </a:solidFill>
-                                  <a:latin typeface="Cambria Math"/>
+                                  <a:latin typeface="+mn-lt"/>
                                 </a:rPr>
                               </m:ctrlPr>
                             </m:dPr>
@@ -8213,7 +8240,7 @@
                                   <a:solidFill>
                                     <a:schemeClr val="accent6"/>
                                   </a:solidFill>
-                                  <a:latin typeface="Cambria Math"/>
+                                  <a:latin typeface="+mn-lt"/>
                                 </a:rPr>
                                 <m:t>𝜏</m:t>
                               </m:r>
@@ -8222,7 +8249,7 @@
                                   <a:solidFill>
                                     <a:srgbClr val="000000"/>
                                   </a:solidFill>
-                                  <a:latin typeface="Cambria Math"/>
+                                  <a:latin typeface="+mn-lt"/>
                                 </a:rPr>
                                 <m:t>−</m:t>
                               </m:r>
@@ -8231,7 +8258,7 @@
                                   <a:solidFill>
                                     <a:srgbClr val="000000"/>
                                   </a:solidFill>
-                                  <a:latin typeface="Cambria Math"/>
+                                  <a:latin typeface="+mn-lt"/>
                                 </a:rPr>
                                 <m:t>1</m:t>
                               </m:r>
@@ -8271,7 +8298,7 @@
                             <a:solidFill>
                               <a:srgbClr val="000000"/>
                             </a:solidFill>
-                            <a:latin typeface="Cambria Math"/>
+                            <a:latin typeface="+mn-lt"/>
                           </a:rPr>
                         </m:ctrlPr>
                       </m:sSubPr>
@@ -8281,7 +8308,7 @@
                             <a:solidFill>
                               <a:srgbClr val="000000"/>
                             </a:solidFill>
-                            <a:latin typeface="Cambria Math"/>
+                            <a:latin typeface="+mn-lt"/>
                           </a:rPr>
                           <m:t>𝜈</m:t>
                         </m:r>
@@ -8292,7 +8319,7 @@
                             <a:solidFill>
                               <a:srgbClr val="000000"/>
                             </a:solidFill>
-                            <a:latin typeface="Cambria Math"/>
+                            <a:latin typeface="+mn-lt"/>
                           </a:rPr>
                           <m:t>𝑠𝑖𝑚</m:t>
                         </m:r>
@@ -8303,7 +8330,7 @@
                         <a:solidFill>
                           <a:srgbClr val="000000"/>
                         </a:solidFill>
-                        <a:latin typeface="Cambria Math"/>
+                        <a:latin typeface="+mn-lt"/>
                       </a:rPr>
                       <m:t>&gt;</m:t>
                     </m:r>
@@ -8312,7 +8339,7 @@
                         <a:solidFill>
                           <a:srgbClr val="000000"/>
                         </a:solidFill>
-                        <a:latin typeface="Cambria Math"/>
+                        <a:latin typeface="+mn-lt"/>
                       </a:rPr>
                       <m:t>𝜈</m:t>
                     </m:r>
@@ -8336,7 +8363,7 @@
                             <a:solidFill>
                               <a:srgbClr val="000000"/>
                             </a:solidFill>
-                            <a:latin typeface="Cambria Math"/>
+                            <a:latin typeface="+mn-lt"/>
                           </a:rPr>
                         </m:ctrlPr>
                       </m:sSupPr>
@@ -8346,7 +8373,7 @@
                             <a:solidFill>
                               <a:schemeClr val="accent2"/>
                             </a:solidFill>
-                            <a:latin typeface="Cambria Math"/>
+                            <a:latin typeface="+mn-lt"/>
                           </a:rPr>
                           <m:t>𝑈</m:t>
                         </m:r>
@@ -8357,7 +8384,7 @@
                             <a:solidFill>
                               <a:srgbClr val="000000"/>
                             </a:solidFill>
-                            <a:latin typeface="Cambria Math"/>
+                            <a:latin typeface="+mn-lt"/>
                           </a:rPr>
                           <m:t>−</m:t>
                         </m:r>
@@ -8366,7 +8393,7 @@
                             <a:solidFill>
                               <a:srgbClr val="000000"/>
                             </a:solidFill>
-                            <a:latin typeface="Cambria Math"/>
+                            <a:latin typeface="+mn-lt"/>
                           </a:rPr>
                           <m:t>1</m:t>
                         </m:r>
@@ -8377,7 +8404,7 @@
                         <a:solidFill>
                           <a:srgbClr val="000000"/>
                         </a:solidFill>
-                        <a:latin typeface="Cambria Math"/>
+                        <a:latin typeface="+mn-lt"/>
                       </a:rPr>
                       <m:t>&gt;</m:t>
                     </m:r>
@@ -8386,7 +8413,7 @@
                         <a:solidFill>
                           <a:schemeClr val="accent6"/>
                         </a:solidFill>
-                        <a:latin typeface="Cambria Math"/>
+                        <a:latin typeface="+mn-lt"/>
                       </a:rPr>
                       <m:t>𝜏</m:t>
                     </m:r>
@@ -8395,7 +8422,7 @@
                         <a:solidFill>
                           <a:srgbClr val="000000"/>
                         </a:solidFill>
-                        <a:latin typeface="Cambria Math"/>
+                        <a:latin typeface="+mn-lt"/>
                       </a:rPr>
                       <m:t>&gt;</m:t>
                     </m:r>
@@ -8404,7 +8431,7 @@
                         <a:solidFill>
                           <a:srgbClr val="000000"/>
                         </a:solidFill>
-                        <a:latin typeface="Cambria Math"/>
+                        <a:latin typeface="+mn-lt"/>
                       </a:rPr>
                       <m:t>1</m:t>
                     </m:r>
@@ -8682,6 +8709,7 @@
                 <a:solidFill>
                   <a:schemeClr val="accent2"/>
                 </a:solidFill>
+                <a:latin typeface="+mj-lt"/>
               </a:rPr>
               <a:t>Summary</a:t>
             </a:r>
@@ -8701,6 +8729,7 @@
                 <a:solidFill>
                   <a:srgbClr val="000000"/>
                 </a:solidFill>
+                <a:latin typeface="+mn-lt"/>
               </a:rPr>
               <a:t>We analyzed  the adaption time on a rugged fitness landscape with and without stress-induced mutagenesis. </a:t>
             </a:r>
@@ -8720,6 +8749,7 @@
                 <a:solidFill>
                   <a:srgbClr val="000000"/>
                 </a:solidFill>
+                <a:latin typeface="+mn-lt"/>
               </a:rPr>
               <a:t>Our results </a:t>
             </a:r>
@@ -8728,6 +8758,7 @@
                 <a:solidFill>
                   <a:srgbClr val="000000"/>
                 </a:solidFill>
+                <a:latin typeface="+mn-lt"/>
               </a:rPr>
               <a:t>suggest that </a:t>
             </a:r>
@@ -8736,6 +8767,7 @@
                 <a:solidFill>
                   <a:srgbClr val="000000"/>
                 </a:solidFill>
+                <a:latin typeface="+mn-lt"/>
               </a:rPr>
               <a:t>stress-induced </a:t>
             </a:r>
@@ -8744,6 +8776,7 @@
                 <a:solidFill>
                   <a:srgbClr val="000000"/>
                 </a:solidFill>
+                <a:latin typeface="+mn-lt"/>
               </a:rPr>
               <a:t>mutagenesis can resolve the problem of adaptive peak shifts by increasing the capacity </a:t>
             </a:r>
@@ -8752,6 +8785,7 @@
                 <a:solidFill>
                   <a:srgbClr val="000000"/>
                 </a:solidFill>
+                <a:latin typeface="+mn-lt"/>
               </a:rPr>
               <a:t>of populations </a:t>
             </a:r>
@@ -8760,6 +8794,7 @@
                 <a:solidFill>
                   <a:srgbClr val="000000"/>
                 </a:solidFill>
+                <a:latin typeface="+mn-lt"/>
               </a:rPr>
               <a:t>to adapt, in particular in the case of complex </a:t>
             </a:r>
@@ -8768,6 +8803,7 @@
                 <a:solidFill>
                   <a:srgbClr val="000000"/>
                 </a:solidFill>
+                <a:latin typeface="+mn-lt"/>
               </a:rPr>
               <a:t>adaptation, without the burden of deleterious mutations that is created by constitutive mutagenesis in asexual populations.</a:t>
             </a:r>
@@ -8775,6 +8811,7 @@
               <a:solidFill>
                 <a:srgbClr val="000000"/>
               </a:solidFill>
+              <a:latin typeface="+mn-lt"/>
             </a:endParaRPr>
           </a:p>
         </p:txBody>
@@ -8931,6 +8968,7 @@
                 <a:solidFill>
                   <a:schemeClr val="accent2"/>
                 </a:solidFill>
+                <a:latin typeface="+mj-lt"/>
               </a:rPr>
               <a:t>For more information</a:t>
             </a:r>
@@ -9096,37 +9134,7 @@
                 <a:latin typeface="Helvetica" pitchFamily="34" charset="0"/>
                 <a:cs typeface="Helvetica" pitchFamily="34" charset="0"/>
               </a:rPr>
-              <a:t>. (</a:t>
-            </a:r>
-            <a:r>
-              <a:rPr lang="en-US" sz="2000" kern="0" dirty="0" smtClean="0">
-                <a:solidFill>
-                  <a:sysClr val="windowText" lastClr="000000"/>
-                </a:solidFill>
-                <a:latin typeface="Helvetica" pitchFamily="34" charset="0"/>
-                <a:cs typeface="Helvetica" pitchFamily="34" charset="0"/>
-              </a:rPr>
-              <a:t>A) A single-peak fitness landscape. Selection drives the population uphill towards the global maximum. (B) A </a:t>
-            </a:r>
-            <a:r>
-              <a:rPr lang="en-US" sz="2000" kern="0" dirty="0" smtClean="0">
-                <a:solidFill>
-                  <a:sysClr val="windowText" lastClr="000000"/>
-                </a:solidFill>
-                <a:latin typeface="Helvetica" pitchFamily="34" charset="0"/>
-                <a:cs typeface="Helvetica" pitchFamily="34" charset="0"/>
-              </a:rPr>
-              <a:t>multi-peak rugged </a:t>
-            </a:r>
-            <a:r>
-              <a:rPr lang="en-US" sz="2000" kern="0" dirty="0" smtClean="0">
-                <a:solidFill>
-                  <a:sysClr val="windowText" lastClr="000000"/>
-                </a:solidFill>
-                <a:latin typeface="Helvetica" pitchFamily="34" charset="0"/>
-                <a:cs typeface="Helvetica" pitchFamily="34" charset="0"/>
-              </a:rPr>
-              <a:t>fitness landscape. Selection drives the population uphill towards the closest peak – the global or local maximum.</a:t>
+              <a:t>. (A) A single-peak fitness landscape. Selection drives the population uphill towards the global maximum. (B) A multi-peak rugged fitness landscape. Selection drives the population uphill towards the closest peak – the global or local maximum.</a:t>
             </a:r>
             <a:endParaRPr lang="en-US" sz="2000" b="1" kern="0" dirty="0">
               <a:solidFill>
@@ -9290,16 +9298,9 @@
                 <a:solidFill>
                   <a:schemeClr val="accent2"/>
                 </a:solidFill>
-              </a:rPr>
-              <a:t>Literature </a:t>
-            </a:r>
-            <a:r>
-              <a:rPr lang="en-US" sz="4400" b="1" kern="0" dirty="0">
-                <a:solidFill>
-                  <a:schemeClr val="accent2"/>
-                </a:solidFill>
-              </a:rPr>
-              <a:t>cited</a:t>
+                <a:latin typeface="+mj-lt"/>
+              </a:rPr>
+              <a:t>Literature cited</a:t>
             </a:r>
           </a:p>
           <a:p>
@@ -9308,19 +9309,27 @@
               <a:buAutoNum type="arabicPeriod"/>
             </a:pPr>
             <a:r>
-              <a:rPr lang="en-US" sz="2400" dirty="0"/>
+              <a:rPr lang="en-US" sz="2400" dirty="0">
+                <a:latin typeface="+mn-lt"/>
+              </a:rPr>
               <a:t>Wright </a:t>
             </a:r>
             <a:r>
-              <a:rPr lang="en-US" sz="2400" dirty="0" smtClean="0"/>
+              <a:rPr lang="en-US" sz="2400" dirty="0" smtClean="0">
+                <a:latin typeface="+mn-lt"/>
+              </a:rPr>
               <a:t>S. </a:t>
             </a:r>
             <a:r>
-              <a:rPr lang="en-US" sz="2400" i="1" dirty="0"/>
+              <a:rPr lang="en-US" sz="2400" i="1" dirty="0">
+                <a:latin typeface="+mn-lt"/>
+              </a:rPr>
               <a:t>Am Nat</a:t>
             </a:r>
             <a:r>
-              <a:rPr lang="en-US" sz="2400" dirty="0"/>
+              <a:rPr lang="en-US" sz="2400" dirty="0">
+                <a:latin typeface="+mn-lt"/>
+              </a:rPr>
               <a:t> 1988, 131:115–123.</a:t>
             </a:r>
           </a:p>
@@ -9330,51 +9339,75 @@
               <a:buAutoNum type="arabicPeriod"/>
             </a:pPr>
             <a:r>
-              <a:rPr lang="en-US" sz="2400" dirty="0" err="1"/>
+              <a:rPr lang="en-US" sz="2400" dirty="0" err="1">
+                <a:latin typeface="+mn-lt"/>
+              </a:rPr>
               <a:t>Galhardo</a:t>
             </a:r>
             <a:r>
-              <a:rPr lang="en-US" sz="2400" dirty="0"/>
+              <a:rPr lang="en-US" sz="2400" dirty="0">
+                <a:latin typeface="+mn-lt"/>
+              </a:rPr>
               <a:t> RS, </a:t>
             </a:r>
             <a:r>
-              <a:rPr lang="en-US" sz="2400" dirty="0" smtClean="0"/>
+              <a:rPr lang="en-US" sz="2400" dirty="0" smtClean="0">
+                <a:latin typeface="+mn-lt"/>
+              </a:rPr>
               <a:t>et al. </a:t>
             </a:r>
             <a:r>
-              <a:rPr lang="en-US" sz="2400" i="1" dirty="0" err="1" smtClean="0"/>
+              <a:rPr lang="en-US" sz="2400" i="1" dirty="0" err="1" smtClean="0">
+                <a:latin typeface="+mn-lt"/>
+              </a:rPr>
               <a:t>Crit</a:t>
             </a:r>
             <a:r>
-              <a:rPr lang="en-US" sz="2400" i="1" dirty="0" smtClean="0"/>
+              <a:rPr lang="en-US" sz="2400" i="1" dirty="0" smtClean="0">
+                <a:latin typeface="+mn-lt"/>
+              </a:rPr>
               <a:t> </a:t>
             </a:r>
             <a:r>
-              <a:rPr lang="en-US" sz="2400" i="1" dirty="0"/>
+              <a:rPr lang="en-US" sz="2400" i="1" dirty="0">
+                <a:latin typeface="+mn-lt"/>
+              </a:rPr>
               <a:t>Rev </a:t>
             </a:r>
             <a:r>
-              <a:rPr lang="en-US" sz="2400" i="1" dirty="0" err="1"/>
+              <a:rPr lang="en-US" sz="2400" i="1" dirty="0" err="1">
+                <a:latin typeface="+mn-lt"/>
+              </a:rPr>
               <a:t>Biochem</a:t>
             </a:r>
             <a:r>
-              <a:rPr lang="en-US" sz="2400" i="1" dirty="0"/>
+              <a:rPr lang="en-US" sz="2400" i="1" dirty="0">
+                <a:latin typeface="+mn-lt"/>
+              </a:rPr>
               <a:t> </a:t>
             </a:r>
             <a:r>
-              <a:rPr lang="en-US" sz="2400" i="1" dirty="0" err="1"/>
+              <a:rPr lang="en-US" sz="2400" i="1" dirty="0" err="1">
+                <a:latin typeface="+mn-lt"/>
+              </a:rPr>
               <a:t>Mol</a:t>
             </a:r>
             <a:r>
-              <a:rPr lang="en-US" sz="2400" i="1" dirty="0"/>
+              <a:rPr lang="en-US" sz="2400" i="1" dirty="0">
+                <a:latin typeface="+mn-lt"/>
+              </a:rPr>
               <a:t> </a:t>
             </a:r>
             <a:r>
-              <a:rPr lang="en-US" sz="2400" i="1" dirty="0" err="1"/>
+              <a:rPr lang="en-US" sz="2400" i="1" dirty="0" err="1">
+                <a:latin typeface="+mn-lt"/>
+              </a:rPr>
               <a:t>Biol</a:t>
             </a:r>
             <a:r>
-              <a:rPr lang="en-US" sz="2400" dirty="0"/>
+              <a:rPr lang="en-US" sz="2400" dirty="0">
+                <a:latin typeface="+mn-lt"/>
+              </a:rPr>
               <a:t> 2007, 42:399–435.</a:t>
             </a:r>
           </a:p>
@@ -9384,31 +9417,45 @@
               <a:buAutoNum type="arabicPeriod"/>
             </a:pPr>
             <a:r>
-              <a:rPr lang="en-US" sz="2400" dirty="0" err="1"/>
+              <a:rPr lang="en-US" sz="2400" dirty="0" err="1">
+                <a:latin typeface="+mn-lt"/>
+              </a:rPr>
               <a:t>Bjedov</a:t>
             </a:r>
             <a:r>
-              <a:rPr lang="en-US" sz="2400" dirty="0"/>
+              <a:rPr lang="en-US" sz="2400" dirty="0">
+                <a:latin typeface="+mn-lt"/>
+              </a:rPr>
               <a:t> I, </a:t>
             </a:r>
             <a:r>
-              <a:rPr lang="en-US" sz="2400" i="1" dirty="0"/>
+              <a:rPr lang="en-US" sz="2400" i="1" dirty="0">
+                <a:latin typeface="+mn-lt"/>
+              </a:rPr>
               <a:t>et al</a:t>
             </a:r>
             <a:r>
-              <a:rPr lang="en-US" sz="2400" i="1" dirty="0" smtClean="0"/>
+              <a:rPr lang="en-US" sz="2400" i="1" dirty="0" smtClean="0">
+                <a:latin typeface="+mn-lt"/>
+              </a:rPr>
               <a:t>.</a:t>
             </a:r>
             <a:r>
-              <a:rPr lang="en-US" sz="2400" dirty="0" smtClean="0"/>
+              <a:rPr lang="en-US" sz="2400" dirty="0" smtClean="0">
+                <a:latin typeface="+mn-lt"/>
+              </a:rPr>
               <a:t>. </a:t>
             </a:r>
             <a:r>
-              <a:rPr lang="en-US" sz="2400" i="1" dirty="0"/>
+              <a:rPr lang="en-US" sz="2400" i="1" dirty="0">
+                <a:latin typeface="+mn-lt"/>
+              </a:rPr>
               <a:t>Science</a:t>
             </a:r>
             <a:r>
-              <a:rPr lang="en-US" sz="2400" dirty="0"/>
+              <a:rPr lang="en-US" sz="2400" dirty="0">
+                <a:latin typeface="+mn-lt"/>
+              </a:rPr>
               <a:t> 2003, 300:1404–9.</a:t>
             </a:r>
           </a:p>
@@ -9418,31 +9465,45 @@
               <a:buAutoNum type="arabicPeriod"/>
             </a:pPr>
             <a:r>
-              <a:rPr lang="en-US" sz="2400" dirty="0"/>
+              <a:rPr lang="en-US" sz="2400" dirty="0">
+                <a:latin typeface="+mn-lt"/>
+              </a:rPr>
               <a:t>Ram Y, </a:t>
             </a:r>
             <a:r>
-              <a:rPr lang="en-US" sz="2400" dirty="0" err="1"/>
+              <a:rPr lang="en-US" sz="2400" dirty="0" err="1">
+                <a:latin typeface="+mn-lt"/>
+              </a:rPr>
               <a:t>Hadany</a:t>
             </a:r>
             <a:r>
-              <a:rPr lang="en-US" sz="2400" dirty="0"/>
+              <a:rPr lang="en-US" sz="2400" dirty="0">
+                <a:latin typeface="+mn-lt"/>
+              </a:rPr>
               <a:t> </a:t>
             </a:r>
             <a:r>
-              <a:rPr lang="en-US" sz="2400" dirty="0" smtClean="0"/>
+              <a:rPr lang="en-US" sz="2400" dirty="0" smtClean="0">
+                <a:latin typeface="+mn-lt"/>
+              </a:rPr>
               <a:t>L. </a:t>
             </a:r>
             <a:r>
-              <a:rPr lang="en-US" sz="2400" i="1" dirty="0" smtClean="0"/>
+              <a:rPr lang="en-US" sz="2400" i="1" dirty="0" smtClean="0">
+                <a:latin typeface="+mn-lt"/>
+              </a:rPr>
               <a:t>Evolution</a:t>
             </a:r>
             <a:r>
-              <a:rPr lang="en-US" sz="2400" dirty="0" smtClean="0"/>
+              <a:rPr lang="en-US" sz="2400" dirty="0" smtClean="0">
+                <a:latin typeface="+mn-lt"/>
+              </a:rPr>
               <a:t> </a:t>
             </a:r>
             <a:r>
-              <a:rPr lang="en-US" sz="2400" dirty="0"/>
+              <a:rPr lang="en-US" sz="2400" dirty="0">
+                <a:latin typeface="+mn-lt"/>
+              </a:rPr>
               <a:t>2012, 66:2315–28.</a:t>
             </a:r>
           </a:p>
@@ -9452,23 +9513,33 @@
               <a:buAutoNum type="arabicPeriod"/>
             </a:pPr>
             <a:r>
-              <a:rPr lang="en-US" sz="2400" dirty="0" err="1"/>
+              <a:rPr lang="en-US" sz="2400" dirty="0" err="1">
+                <a:latin typeface="+mn-lt"/>
+              </a:rPr>
               <a:t>Kibota</a:t>
             </a:r>
             <a:r>
-              <a:rPr lang="en-US" sz="2400" dirty="0"/>
+              <a:rPr lang="en-US" sz="2400" dirty="0">
+                <a:latin typeface="+mn-lt"/>
+              </a:rPr>
               <a:t> TT, Lynch </a:t>
             </a:r>
             <a:r>
-              <a:rPr lang="en-US" sz="2400" dirty="0" smtClean="0"/>
+              <a:rPr lang="en-US" sz="2400" dirty="0" smtClean="0">
+                <a:latin typeface="+mn-lt"/>
+              </a:rPr>
               <a:t>M. </a:t>
             </a:r>
             <a:r>
-              <a:rPr lang="en-US" sz="2400" i="1" dirty="0"/>
+              <a:rPr lang="en-US" sz="2400" i="1" dirty="0">
+                <a:latin typeface="+mn-lt"/>
+              </a:rPr>
               <a:t>Nature</a:t>
             </a:r>
             <a:r>
-              <a:rPr lang="en-US" sz="2400" dirty="0"/>
+              <a:rPr lang="en-US" sz="2400" dirty="0">
+                <a:latin typeface="+mn-lt"/>
+              </a:rPr>
               <a:t> 1996, 381:694–6.</a:t>
             </a:r>
           </a:p>
@@ -9478,35 +9549,51 @@
               <a:buAutoNum type="arabicPeriod"/>
             </a:pPr>
             <a:r>
-              <a:rPr lang="en-US" sz="2400" dirty="0"/>
+              <a:rPr lang="en-US" sz="2400" dirty="0">
+                <a:latin typeface="+mn-lt"/>
+              </a:rPr>
               <a:t>Gordo </a:t>
             </a:r>
             <a:r>
-              <a:rPr lang="en-US" sz="2400" dirty="0" smtClean="0"/>
+              <a:rPr lang="en-US" sz="2400" dirty="0" smtClean="0">
+                <a:latin typeface="+mn-lt"/>
+              </a:rPr>
               <a:t>I, et al. </a:t>
             </a:r>
             <a:r>
-              <a:rPr lang="en-US" sz="2400" i="1" dirty="0"/>
+              <a:rPr lang="en-US" sz="2400" i="1" dirty="0">
+                <a:latin typeface="+mn-lt"/>
+              </a:rPr>
               <a:t>J </a:t>
             </a:r>
             <a:r>
-              <a:rPr lang="en-US" sz="2400" i="1" dirty="0" err="1"/>
+              <a:rPr lang="en-US" sz="2400" i="1" dirty="0" err="1">
+                <a:latin typeface="+mn-lt"/>
+              </a:rPr>
               <a:t>Mol</a:t>
             </a:r>
             <a:r>
-              <a:rPr lang="en-US" sz="2400" i="1" dirty="0"/>
+              <a:rPr lang="en-US" sz="2400" i="1" dirty="0">
+                <a:latin typeface="+mn-lt"/>
+              </a:rPr>
               <a:t> </a:t>
             </a:r>
             <a:r>
-              <a:rPr lang="en-US" sz="2400" i="1" dirty="0" err="1"/>
+              <a:rPr lang="en-US" sz="2400" i="1" dirty="0" err="1">
+                <a:latin typeface="+mn-lt"/>
+              </a:rPr>
               <a:t>Microbiol</a:t>
             </a:r>
             <a:r>
-              <a:rPr lang="en-US" sz="2400" i="1" dirty="0"/>
+              <a:rPr lang="en-US" sz="2400" i="1" dirty="0">
+                <a:latin typeface="+mn-lt"/>
+              </a:rPr>
               <a:t> Biotech</a:t>
             </a:r>
             <a:r>
-              <a:rPr lang="en-US" sz="2400" dirty="0"/>
+              <a:rPr lang="en-US" sz="2400" dirty="0">
+                <a:latin typeface="+mn-lt"/>
+              </a:rPr>
               <a:t> 2011, 21:20–35.</a:t>
             </a:r>
           </a:p>
@@ -9516,19 +9603,27 @@
               <a:buAutoNum type="arabicPeriod"/>
             </a:pPr>
             <a:r>
-              <a:rPr lang="en-US" sz="2400" dirty="0"/>
+              <a:rPr lang="en-US" sz="2400" dirty="0">
+                <a:latin typeface="+mn-lt"/>
+              </a:rPr>
               <a:t>Drake JW, et al</a:t>
             </a:r>
             <a:r>
-              <a:rPr lang="en-US" sz="2400" dirty="0" smtClean="0"/>
+              <a:rPr lang="en-US" sz="2400" dirty="0" smtClean="0">
+                <a:latin typeface="+mn-lt"/>
+              </a:rPr>
               <a:t>. </a:t>
             </a:r>
             <a:r>
-              <a:rPr lang="en-US" sz="2400" i="1" dirty="0"/>
+              <a:rPr lang="en-US" sz="2400" i="1" dirty="0">
+                <a:latin typeface="+mn-lt"/>
+              </a:rPr>
               <a:t>Genetics</a:t>
             </a:r>
             <a:r>
-              <a:rPr lang="en-US" sz="2400" dirty="0"/>
+              <a:rPr lang="en-US" sz="2400" dirty="0">
+                <a:latin typeface="+mn-lt"/>
+              </a:rPr>
               <a:t> 1998, 148:1667–86.</a:t>
             </a:r>
           </a:p>
@@ -9538,23 +9633,33 @@
               <a:buAutoNum type="arabicPeriod"/>
             </a:pPr>
             <a:r>
-              <a:rPr lang="en-US" sz="2400" dirty="0" err="1"/>
+              <a:rPr lang="en-US" sz="2400" dirty="0" err="1">
+                <a:latin typeface="+mn-lt"/>
+              </a:rPr>
               <a:t>Wielgoss</a:t>
             </a:r>
             <a:r>
-              <a:rPr lang="en-US" sz="2400" dirty="0"/>
+              <a:rPr lang="en-US" sz="2400" dirty="0">
+                <a:latin typeface="+mn-lt"/>
+              </a:rPr>
               <a:t> S, et </a:t>
             </a:r>
             <a:r>
-              <a:rPr lang="en-US" sz="2400" dirty="0" smtClean="0"/>
+              <a:rPr lang="en-US" sz="2400" dirty="0" smtClean="0">
+                <a:latin typeface="+mn-lt"/>
+              </a:rPr>
               <a:t>al. </a:t>
             </a:r>
             <a:r>
-              <a:rPr lang="en-US" sz="2400" i="1" dirty="0"/>
+              <a:rPr lang="en-US" sz="2400" i="1" dirty="0">
+                <a:latin typeface="+mn-lt"/>
+              </a:rPr>
               <a:t>G3</a:t>
             </a:r>
             <a:r>
-              <a:rPr lang="en-US" sz="2400" dirty="0"/>
+              <a:rPr lang="en-US" sz="2400" dirty="0">
+                <a:latin typeface="+mn-lt"/>
+              </a:rPr>
               <a:t> 2011, 1:183.</a:t>
             </a:r>
           </a:p>
@@ -9564,46 +9669,68 @@
               <a:buAutoNum type="arabicPeriod"/>
             </a:pPr>
             <a:r>
-              <a:rPr lang="en-US" sz="2400" dirty="0"/>
+              <a:rPr lang="en-US" sz="2400" dirty="0">
+                <a:latin typeface="+mn-lt"/>
+              </a:rPr>
               <a:t>Hall LMC, Henderson-</a:t>
             </a:r>
             <a:r>
-              <a:rPr lang="en-US" sz="2400" dirty="0" err="1"/>
+              <a:rPr lang="en-US" sz="2400" dirty="0" err="1">
+                <a:latin typeface="+mn-lt"/>
+              </a:rPr>
               <a:t>Begg</a:t>
             </a:r>
             <a:r>
-              <a:rPr lang="en-US" sz="2400" dirty="0"/>
+              <a:rPr lang="en-US" sz="2400" dirty="0">
+                <a:latin typeface="+mn-lt"/>
+              </a:rPr>
               <a:t> </a:t>
             </a:r>
             <a:r>
-              <a:rPr lang="en-US" sz="2400" dirty="0" smtClean="0"/>
+              <a:rPr lang="en-US" sz="2400" dirty="0" smtClean="0">
+                <a:latin typeface="+mn-lt"/>
+              </a:rPr>
               <a:t>SK. </a:t>
             </a:r>
             <a:r>
-              <a:rPr lang="en-US" sz="2400" i="1" dirty="0" smtClean="0"/>
+              <a:rPr lang="en-US" sz="2400" i="1" dirty="0" smtClean="0">
+                <a:latin typeface="+mn-lt"/>
+              </a:rPr>
               <a:t>Microbiology </a:t>
             </a:r>
             <a:r>
-              <a:rPr lang="en-US" sz="2400" i="1" dirty="0"/>
+              <a:rPr lang="en-US" sz="2400" i="1" dirty="0">
+                <a:latin typeface="+mn-lt"/>
+              </a:rPr>
               <a:t>(UK)</a:t>
             </a:r>
             <a:r>
-              <a:rPr lang="en-US" sz="2400" dirty="0"/>
+              <a:rPr lang="en-US" sz="2400" dirty="0">
+                <a:latin typeface="+mn-lt"/>
+              </a:rPr>
               <a:t> 2006, 152(</a:t>
             </a:r>
             <a:r>
-              <a:rPr lang="en-US" sz="2400" dirty="0" err="1"/>
+              <a:rPr lang="en-US" sz="2400" dirty="0" err="1">
+                <a:latin typeface="+mn-lt"/>
+              </a:rPr>
               <a:t>Pt</a:t>
             </a:r>
             <a:r>
-              <a:rPr lang="en-US" sz="2400" dirty="0"/>
+              <a:rPr lang="en-US" sz="2400" dirty="0">
+                <a:latin typeface="+mn-lt"/>
+              </a:rPr>
               <a:t> 9):2505–14</a:t>
             </a:r>
             <a:r>
-              <a:rPr lang="en-US" sz="2400" dirty="0" smtClean="0"/>
+              <a:rPr lang="en-US" sz="2400" dirty="0" smtClean="0">
+                <a:latin typeface="+mn-lt"/>
+              </a:rPr>
               <a:t>.</a:t>
             </a:r>
-            <a:endParaRPr lang="en-US" sz="2400" dirty="0"/>
+            <a:endParaRPr lang="en-US" sz="2400" dirty="0">
+              <a:latin typeface="+mn-lt"/>
+            </a:endParaRPr>
           </a:p>
         </p:txBody>
       </p:sp>
@@ -10518,10 +10645,16 @@
             <a:p>
               <a:pPr algn="ctr"/>
               <a:r>
-                <a:rPr lang="en-US" sz="3600" dirty="0" smtClean="0"/>
+                <a:rPr lang="en-US" sz="3600" dirty="0" smtClean="0">
+                  <a:latin typeface="Helvetica" pitchFamily="34" charset="0"/>
+                  <a:cs typeface="Helvetica" pitchFamily="34" charset="0"/>
+                </a:rPr>
                 <a:t>fitness</a:t>
               </a:r>
-              <a:endParaRPr lang="he-IL" sz="3600" dirty="0"/>
+              <a:endParaRPr lang="he-IL" sz="3600" dirty="0">
+                <a:latin typeface="Helvetica" pitchFamily="34" charset="0"/>
+                <a:cs typeface="Helvetica" pitchFamily="34" charset="0"/>
+              </a:endParaRPr>
             </a:p>
           </p:txBody>
         </p:sp>
@@ -10598,10 +10731,16 @@
             <a:p>
               <a:pPr algn="ctr"/>
               <a:r>
-                <a:rPr lang="en-US" sz="3600" dirty="0" smtClean="0"/>
+                <a:rPr lang="en-US" sz="3600" dirty="0" smtClean="0">
+                  <a:latin typeface="Helvetica" pitchFamily="34" charset="0"/>
+                  <a:cs typeface="Helvetica" pitchFamily="34" charset="0"/>
+                </a:rPr>
                 <a:t>genotype</a:t>
               </a:r>
-              <a:endParaRPr lang="he-IL" sz="3600" dirty="0"/>
+              <a:endParaRPr lang="he-IL" sz="3600" dirty="0">
+                <a:latin typeface="Helvetica" pitchFamily="34" charset="0"/>
+                <a:cs typeface="Helvetica" pitchFamily="34" charset="0"/>
+              </a:endParaRPr>
             </a:p>
           </p:txBody>
         </p:sp>
@@ -10726,17 +10865,7 @@
                 <a:latin typeface="Helvetica" pitchFamily="34" charset="0"/>
                 <a:cs typeface="Helvetica" pitchFamily="34" charset="0"/>
               </a:rPr>
-              <a:t> loci and the number of additional deleterious alleles after the forward slash, but only as much as 3 deleterious mutations are shown to keep the figure simple. Arrows define the direction of mutation and their labels denote the relevant mutation rate. </a:t>
-            </a:r>
-            <a:r>
-              <a:rPr lang="en-GB" sz="2000" kern="0" dirty="0">
-                <a:solidFill>
-                  <a:sysClr val="windowText" lastClr="000000"/>
-                </a:solidFill>
-                <a:latin typeface="Helvetica" pitchFamily="34" charset="0"/>
-                <a:cs typeface="Helvetica" pitchFamily="34" charset="0"/>
-              </a:rPr>
-              <a:t>Node </a:t>
+              <a:t> loci and the number of additional deleterious alleles after the forward slash, but only as much as 3 deleterious mutations are shown to keep the figure simple. Arrows define the direction of mutation and their labels denote the relevant mutation rate. Node </a:t>
             </a:r>
             <a:r>
               <a:rPr lang="en-GB" sz="2000" kern="0" dirty="0" smtClean="0">
@@ -11692,17 +11821,7 @@
                 <a:latin typeface="Helvetica" pitchFamily="34" charset="0"/>
                 <a:cs typeface="Helvetica" pitchFamily="34" charset="0"/>
               </a:rPr>
-              <a:t>Each node represent a specific genotype. </a:t>
-            </a:r>
-            <a:r>
-              <a:rPr lang="en-GB" sz="2000" kern="0" dirty="0">
-                <a:solidFill>
-                  <a:sysClr val="windowText" lastClr="000000"/>
-                </a:solidFill>
-                <a:latin typeface="Helvetica" pitchFamily="34" charset="0"/>
-                <a:cs typeface="Helvetica" pitchFamily="34" charset="0"/>
-              </a:rPr>
-              <a:t>Node labels specify the alleles at the</a:t>
+              <a:t>Each node represent a specific genotype. Node labels specify the alleles at the</a:t>
             </a:r>
             <a:r>
               <a:rPr lang="en-GB" sz="2000" i="1" kern="0" dirty="0">
@@ -12346,37 +12465,17 @@
                 <a:latin typeface="Helvetica" pitchFamily="34" charset="0"/>
                 <a:cs typeface="Helvetica" pitchFamily="34" charset="0"/>
               </a:rPr>
-              <a:t>Figure </a:t>
-            </a:r>
-            <a:r>
-              <a:rPr lang="en-US" sz="2000" b="1" kern="0" dirty="0">
+              <a:t>Figure 6</a:t>
+            </a:r>
+            <a:r>
+              <a:rPr lang="en-US" sz="2000" b="1" kern="0" dirty="0" smtClean="0">
                 <a:solidFill>
                   <a:sysClr val="windowText" lastClr="000000"/>
                 </a:solidFill>
                 <a:latin typeface="Helvetica" pitchFamily="34" charset="0"/>
                 <a:cs typeface="Helvetica" pitchFamily="34" charset="0"/>
               </a:rPr>
-              <a:t>6</a:t>
-            </a:r>
-            <a:r>
-              <a:rPr lang="en-US" sz="2000" b="1" kern="0" dirty="0" smtClean="0">
-                <a:solidFill>
-                  <a:sysClr val="windowText" lastClr="000000"/>
-                </a:solidFill>
-                <a:latin typeface="Helvetica" pitchFamily="34" charset="0"/>
-                <a:cs typeface="Helvetica" pitchFamily="34" charset="0"/>
-              </a:rPr>
-              <a:t>. Adaptation time</a:t>
-            </a:r>
-            <a:r>
-              <a:rPr lang="en-US" sz="2000" b="1" kern="0" dirty="0" smtClean="0">
-                <a:solidFill>
-                  <a:sysClr val="windowText" lastClr="000000"/>
-                </a:solidFill>
-                <a:latin typeface="Helvetica" pitchFamily="34" charset="0"/>
-                <a:cs typeface="Helvetica" pitchFamily="34" charset="0"/>
-              </a:rPr>
-              <a:t>. </a:t>
+              <a:t>. Adaptation time. </a:t>
             </a:r>
             <a:r>
               <a:rPr lang="en-US" sz="2000" kern="0" dirty="0" smtClean="0">

--- a/poster.pptx
+++ b/poster.pptx
@@ -192,7 +192,7 @@
           <a:p>
             <a:fld id="{444624E0-9A66-4D44-B307-289A2C88DCD3}" type="datetimeFigureOut">
               <a:rPr lang="en-US" smtClean="0"/>
-              <a:t>5/19/2013</a:t>
+              <a:t>5/22/2013</a:t>
             </a:fld>
             <a:endParaRPr lang="en-US"/>
           </a:p>
@@ -456,7 +456,7 @@
           <a:p>
             <a:fld id="{26B2CB66-D8CA-45D3-A759-098C2835DC5E}" type="datetimeFigureOut">
               <a:rPr lang="he-IL" smtClean="0"/>
-              <a:t>י'/סיון/תשע"ג</a:t>
+              <a:t>י"ג/סיון/תשע"ג</a:t>
             </a:fld>
             <a:endParaRPr lang="he-IL"/>
           </a:p>
@@ -626,7 +626,7 @@
           <a:p>
             <a:fld id="{26B2CB66-D8CA-45D3-A759-098C2835DC5E}" type="datetimeFigureOut">
               <a:rPr lang="he-IL" smtClean="0"/>
-              <a:t>י'/סיון/תשע"ג</a:t>
+              <a:t>י"ג/סיון/תשע"ג</a:t>
             </a:fld>
             <a:endParaRPr lang="he-IL"/>
           </a:p>
@@ -806,7 +806,7 @@
           <a:p>
             <a:fld id="{26B2CB66-D8CA-45D3-A759-098C2835DC5E}" type="datetimeFigureOut">
               <a:rPr lang="he-IL" smtClean="0"/>
-              <a:t>י'/סיון/תשע"ג</a:t>
+              <a:t>י"ג/סיון/תשע"ג</a:t>
             </a:fld>
             <a:endParaRPr lang="he-IL"/>
           </a:p>
@@ -976,7 +976,7 @@
           <a:p>
             <a:fld id="{26B2CB66-D8CA-45D3-A759-098C2835DC5E}" type="datetimeFigureOut">
               <a:rPr lang="he-IL" smtClean="0"/>
-              <a:t>י'/סיון/תשע"ג</a:t>
+              <a:t>י"ג/סיון/תשע"ג</a:t>
             </a:fld>
             <a:endParaRPr lang="he-IL"/>
           </a:p>
@@ -1222,7 +1222,7 @@
           <a:p>
             <a:fld id="{26B2CB66-D8CA-45D3-A759-098C2835DC5E}" type="datetimeFigureOut">
               <a:rPr lang="he-IL" smtClean="0"/>
-              <a:t>י'/סיון/תשע"ג</a:t>
+              <a:t>י"ג/סיון/תשע"ג</a:t>
             </a:fld>
             <a:endParaRPr lang="he-IL"/>
           </a:p>
@@ -1510,7 +1510,7 @@
           <a:p>
             <a:fld id="{26B2CB66-D8CA-45D3-A759-098C2835DC5E}" type="datetimeFigureOut">
               <a:rPr lang="he-IL" smtClean="0"/>
-              <a:t>י'/סיון/תשע"ג</a:t>
+              <a:t>י"ג/סיון/תשע"ג</a:t>
             </a:fld>
             <a:endParaRPr lang="he-IL"/>
           </a:p>
@@ -1937,7 +1937,7 @@
           <a:p>
             <a:fld id="{26B2CB66-D8CA-45D3-A759-098C2835DC5E}" type="datetimeFigureOut">
               <a:rPr lang="he-IL" smtClean="0"/>
-              <a:t>י'/סיון/תשע"ג</a:t>
+              <a:t>י"ג/סיון/תשע"ג</a:t>
             </a:fld>
             <a:endParaRPr lang="he-IL"/>
           </a:p>
@@ -2055,7 +2055,7 @@
           <a:p>
             <a:fld id="{26B2CB66-D8CA-45D3-A759-098C2835DC5E}" type="datetimeFigureOut">
               <a:rPr lang="he-IL" smtClean="0"/>
-              <a:t>י'/סיון/תשע"ג</a:t>
+              <a:t>י"ג/סיון/תשע"ג</a:t>
             </a:fld>
             <a:endParaRPr lang="he-IL"/>
           </a:p>
@@ -2150,7 +2150,7 @@
           <a:p>
             <a:fld id="{26B2CB66-D8CA-45D3-A759-098C2835DC5E}" type="datetimeFigureOut">
               <a:rPr lang="he-IL" smtClean="0"/>
-              <a:t>י'/סיון/תשע"ג</a:t>
+              <a:t>י"ג/סיון/תשע"ג</a:t>
             </a:fld>
             <a:endParaRPr lang="he-IL"/>
           </a:p>
@@ -2427,7 +2427,7 @@
           <a:p>
             <a:fld id="{26B2CB66-D8CA-45D3-A759-098C2835DC5E}" type="datetimeFigureOut">
               <a:rPr lang="he-IL" smtClean="0"/>
-              <a:t>י'/סיון/תשע"ג</a:t>
+              <a:t>י"ג/סיון/תשע"ג</a:t>
             </a:fld>
             <a:endParaRPr lang="he-IL"/>
           </a:p>
@@ -2680,7 +2680,7 @@
           <a:p>
             <a:fld id="{26B2CB66-D8CA-45D3-A759-098C2835DC5E}" type="datetimeFigureOut">
               <a:rPr lang="he-IL" smtClean="0"/>
-              <a:t>י'/סיון/תשע"ג</a:t>
+              <a:t>י"ג/סיון/תשע"ג</a:t>
             </a:fld>
             <a:endParaRPr lang="he-IL"/>
           </a:p>
@@ -2893,7 +2893,7 @@
           <a:p>
             <a:fld id="{26B2CB66-D8CA-45D3-A759-098C2835DC5E}" type="datetimeFigureOut">
               <a:rPr lang="he-IL" smtClean="0"/>
-              <a:t>י'/סיון/תשע"ג</a:t>
+              <a:t>י"ג/סיון/תשע"ג</a:t>
             </a:fld>
             <a:endParaRPr lang="he-IL"/>
           </a:p>
@@ -3278,7 +3278,7 @@
         </p:nvSpPr>
         <p:spPr bwMode="auto">
           <a:xfrm>
-            <a:off x="792388" y="759375"/>
+            <a:off x="1180964" y="759375"/>
             <a:ext cx="40800000" cy="41680575"/>
           </a:xfrm>
           <a:prstGeom prst="rect">
@@ -3318,7 +3318,7 @@
         </p:nvSpPr>
         <p:spPr bwMode="auto">
           <a:xfrm>
-            <a:off x="29307712" y="6748834"/>
+            <a:off x="29307712" y="6721200"/>
             <a:ext cx="11520000" cy="19894425"/>
           </a:xfrm>
           <a:prstGeom prst="rect">
@@ -4356,7 +4356,7 @@
         </p:nvSpPr>
         <p:spPr bwMode="auto">
           <a:xfrm>
-            <a:off x="15721157" y="28060045"/>
+            <a:off x="15764400" y="28062000"/>
             <a:ext cx="11520000" cy="13368417"/>
           </a:xfrm>
           <a:prstGeom prst="rect">
@@ -4520,7 +4520,25 @@
                 </a:solidFill>
                 <a:latin typeface="+mn-lt"/>
               </a:rPr>
-              <a:t>We performed Wright-Fisher simulations without recombination. We tracked the frequency of </a:t>
+              <a:t>We performed Wright-Fisher simulations without </a:t>
+            </a:r>
+            <a:r>
+              <a:rPr lang="en-US" sz="2800" kern="0" dirty="0" smtClean="0">
+                <a:solidFill>
+                  <a:srgbClr val="000000"/>
+                </a:solidFill>
+                <a:latin typeface="+mn-lt"/>
+              </a:rPr>
+              <a:t>recombination, tracking </a:t>
+            </a:r>
+            <a:r>
+              <a:rPr lang="en-US" sz="2800" kern="0" dirty="0" smtClean="0">
+                <a:solidFill>
+                  <a:srgbClr val="000000"/>
+                </a:solidFill>
+                <a:latin typeface="+mn-lt"/>
+              </a:rPr>
+              <a:t>the frequency of </a:t>
             </a:r>
             <a:r>
               <a:rPr lang="en-US" sz="2800" i="1" kern="0" dirty="0" err="1" smtClean="0">
@@ -4601,7 +4619,16 @@
                 </a:solidFill>
                 <a:latin typeface="+mn-lt"/>
               </a:rPr>
-              <a:t> and the number of deleterious mutations in each type – see Figure 2.</a:t>
+              <a:t> and the number of deleterious mutations in each type – see Figure </a:t>
+            </a:r>
+            <a:r>
+              <a:rPr lang="en-US" sz="2800" kern="0" dirty="0" smtClean="0">
+                <a:solidFill>
+                  <a:srgbClr val="000000"/>
+                </a:solidFill>
+                <a:latin typeface="+mn-lt"/>
+              </a:rPr>
+              <a:t>3.</a:t>
             </a:r>
             <a:endParaRPr lang="en-US" sz="2800" i="1" kern="0" dirty="0">
               <a:solidFill>
@@ -4622,7 +4649,7 @@
         </p:nvSpPr>
         <p:spPr bwMode="auto">
           <a:xfrm>
-            <a:off x="2400000" y="6748834"/>
+            <a:off x="2400000" y="6721200"/>
             <a:ext cx="11520000" cy="19894426"/>
           </a:xfrm>
           <a:prstGeom prst="rect">
@@ -5244,7 +5271,70 @@
                 </a:solidFill>
                 <a:latin typeface="+mn-lt"/>
               </a:rPr>
-              <a:t>In various species of bacteria as well as yeast, algae, flies and human cancer cells (2-3), the mutation rate is induced by stress responses. </a:t>
+              <a:t>The </a:t>
+            </a:r>
+            <a:r>
+              <a:rPr lang="en-US" sz="2800" kern="0" dirty="0">
+                <a:solidFill>
+                  <a:srgbClr val="000000"/>
+                </a:solidFill>
+                <a:latin typeface="+mn-lt"/>
+              </a:rPr>
+              <a:t>mutation rate is induced by stress </a:t>
+            </a:r>
+            <a:r>
+              <a:rPr lang="en-US" sz="2800" kern="0" dirty="0" smtClean="0">
+                <a:solidFill>
+                  <a:srgbClr val="000000"/>
+                </a:solidFill>
+                <a:latin typeface="+mn-lt"/>
+              </a:rPr>
+              <a:t>responses</a:t>
+            </a:r>
+            <a:r>
+              <a:rPr lang="en-US" sz="2800" kern="0" dirty="0">
+                <a:solidFill>
+                  <a:srgbClr val="000000"/>
+                </a:solidFill>
+                <a:latin typeface="+mn-lt"/>
+              </a:rPr>
+              <a:t> </a:t>
+            </a:r>
+            <a:r>
+              <a:rPr lang="en-US" sz="2800" kern="0" dirty="0" smtClean="0">
+                <a:solidFill>
+                  <a:srgbClr val="000000"/>
+                </a:solidFill>
+                <a:latin typeface="+mn-lt"/>
+              </a:rPr>
+              <a:t>in v</a:t>
+            </a:r>
+            <a:r>
+              <a:rPr lang="en-US" sz="2800" kern="0" dirty="0" smtClean="0">
+                <a:solidFill>
+                  <a:srgbClr val="000000"/>
+                </a:solidFill>
+                <a:latin typeface="+mn-lt"/>
+              </a:rPr>
+              <a:t>arious species </a:t>
+            </a:r>
+            <a:r>
+              <a:rPr lang="en-US" sz="2800" kern="0" dirty="0">
+                <a:solidFill>
+                  <a:srgbClr val="000000"/>
+                </a:solidFill>
+                <a:latin typeface="+mn-lt"/>
+              </a:rPr>
+              <a:t>of bacteria (2-3) </a:t>
+            </a:r>
+            <a:r>
+              <a:rPr lang="en-US" sz="2800" kern="0" dirty="0" smtClean="0">
+                <a:solidFill>
+                  <a:srgbClr val="000000"/>
+                </a:solidFill>
+                <a:latin typeface="+mn-lt"/>
+              </a:rPr>
+              <a:t>and yeast, and may also be induced by stress in algae, flies and human cancer cells.</a:t>
             </a:r>
           </a:p>
           <a:p>
@@ -5258,7 +5348,16 @@
                 </a:solidFill>
                 <a:latin typeface="+mn-lt"/>
               </a:rPr>
-              <a:t>In a previous work (4) we modeled the evolution of stress-induced mutagenesis in asexual population in constant and changing environments. Our results showed that </a:t>
+              <a:t>In </a:t>
+            </a:r>
+            <a:r>
+              <a:rPr lang="en-US" sz="2800" kern="0" dirty="0" smtClean="0">
+                <a:solidFill>
+                  <a:srgbClr val="000000"/>
+                </a:solidFill>
+                <a:latin typeface="+mn-lt"/>
+              </a:rPr>
+              <a:t>a previous work (4) we modeled the evolution of stress-induced mutagenesis in asexual population in constant and changing environments. Our results showed that </a:t>
             </a:r>
             <a:r>
               <a:rPr lang="en-US" sz="2800" b="1" kern="0" dirty="0" smtClean="0">
@@ -5533,8 +5632,8 @@
         </p:nvSpPr>
         <p:spPr bwMode="auto">
           <a:xfrm>
-            <a:off x="1200001" y="1043492"/>
-            <a:ext cx="40790494" cy="2030772"/>
+            <a:off x="1180963" y="1043492"/>
+            <a:ext cx="40800001" cy="1938439"/>
           </a:xfrm>
           <a:prstGeom prst="rect">
             <a:avLst/>
@@ -5571,19 +5670,19 @@
           <a:p>
             <a:pPr indent="205704" algn="ctr" rtl="0"/>
             <a:r>
-              <a:rPr lang="en-US" sz="12600" b="1" dirty="0">
+              <a:rPr lang="en-US" sz="11600" b="1" dirty="0">
                 <a:latin typeface="+mj-lt"/>
               </a:rPr>
               <a:t>Stress-Induced Mutagenesis </a:t>
             </a:r>
             <a:r>
-              <a:rPr lang="en-US" sz="12600" b="1" dirty="0" smtClean="0">
+              <a:rPr lang="en-US" sz="11600" b="1" dirty="0" smtClean="0">
                 <a:latin typeface="+mj-lt"/>
               </a:rPr>
-              <a:t>&amp; Evolution </a:t>
-            </a:r>
-            <a:r>
-              <a:rPr lang="en-US" sz="12600" b="1" dirty="0">
+              <a:t>and the Evolution </a:t>
+            </a:r>
+            <a:r>
+              <a:rPr lang="en-US" sz="11600" b="1" dirty="0">
                 <a:latin typeface="+mj-lt"/>
               </a:rPr>
               <a:t>of Complex Traits</a:t>
@@ -5601,8 +5700,8 @@
         </p:nvSpPr>
         <p:spPr bwMode="auto">
           <a:xfrm>
-            <a:off x="1079523" y="3456684"/>
-            <a:ext cx="40910972" cy="2612783"/>
+            <a:off x="1180963" y="3456684"/>
+            <a:ext cx="40809531" cy="2705116"/>
           </a:xfrm>
           <a:prstGeom prst="rect">
             <a:avLst/>
@@ -5758,7 +5857,19 @@
               <a:rPr lang="en-US" sz="8000" b="1" dirty="0">
                 <a:latin typeface="+mj-lt"/>
               </a:rPr>
-              <a:t> Ram, Lilach Hadany</a:t>
+              <a:t> </a:t>
+            </a:r>
+            <a:r>
+              <a:rPr lang="en-US" sz="8000" b="1" dirty="0" smtClean="0">
+                <a:latin typeface="+mj-lt"/>
+              </a:rPr>
+              <a:t>Ram &amp; </a:t>
+            </a:r>
+            <a:r>
+              <a:rPr lang="en-US" sz="8000" b="1" dirty="0">
+                <a:latin typeface="+mj-lt"/>
+              </a:rPr>
+              <a:t>Lilach Hadany</a:t>
             </a:r>
             <a:r>
               <a:rPr lang="en-US" sz="6000" b="1" dirty="0">
@@ -5772,10 +5883,16 @@
               </a:rPr>
             </a:br>
             <a:r>
+              <a:rPr lang="en-US" sz="5400" dirty="0" smtClean="0">
+                <a:latin typeface="+mj-lt"/>
+              </a:rPr>
+              <a:t>Department </a:t>
+            </a:r>
+            <a:r>
               <a:rPr lang="en-US" sz="5400" dirty="0">
                 <a:latin typeface="+mj-lt"/>
               </a:rPr>
-              <a:t>Department of Molecular Biology and Ecology of Plants, Life Science Faculty, Tel-Aviv University, Israel</a:t>
+              <a:t>of Molecular Biology and Ecology of Plants, Life Science Faculty, Tel-Aviv University, Israel</a:t>
             </a:r>
           </a:p>
         </p:txBody>
@@ -6122,7 +6239,7 @@
             </p:nvSpPr>
             <p:spPr bwMode="auto">
               <a:xfrm>
-                <a:off x="15762877" y="6722078"/>
+                <a:off x="15762877" y="6721200"/>
                 <a:ext cx="11520000" cy="19921181"/>
               </a:xfrm>
               <a:prstGeom prst="rect">
@@ -6367,7 +6484,7 @@
                           <a:solidFill>
                             <a:srgbClr val="000000"/>
                           </a:solidFill>
-                          <a:latin typeface="+mn-lt"/>
+                          <a:latin typeface="Cambria Math"/>
                         </a:rPr>
                         <m:t>𝑞</m:t>
                       </m:r>
@@ -6376,7 +6493,7 @@
                           <a:solidFill>
                             <a:srgbClr val="000000"/>
                           </a:solidFill>
-                          <a:latin typeface="+mn-lt"/>
+                          <a:latin typeface="Cambria Math"/>
                         </a:rPr>
                         <m:t>≈</m:t>
                       </m:r>
@@ -6387,7 +6504,7 @@
                               <a:solidFill>
                                 <a:srgbClr val="000000"/>
                               </a:solidFill>
-                              <a:latin typeface="+mn-lt"/>
+                              <a:latin typeface="Cambria Math"/>
                             </a:rPr>
                           </m:ctrlPr>
                         </m:dPr>
@@ -6397,7 +6514,7 @@
                               <a:solidFill>
                                 <a:srgbClr val="000000"/>
                               </a:solidFill>
-                              <a:latin typeface="+mn-lt"/>
+                              <a:latin typeface="Cambria Math"/>
                             </a:rPr>
                             <m:t>1</m:t>
                           </m:r>
@@ -6406,7 +6523,7 @@
                               <a:solidFill>
                                 <a:srgbClr val="000000"/>
                               </a:solidFill>
-                              <a:latin typeface="+mn-lt"/>
+                              <a:latin typeface="Cambria Math"/>
                             </a:rPr>
                             <m:t>−</m:t>
                           </m:r>
@@ -6415,7 +6532,7 @@
                               <a:solidFill>
                                 <a:schemeClr val="accent2"/>
                               </a:solidFill>
-                              <a:latin typeface="+mn-lt"/>
+                              <a:latin typeface="Cambria Math"/>
                             </a:rPr>
                             <m:t>𝑈</m:t>
                           </m:r>
@@ -6428,7 +6545,7 @@
                               <a:solidFill>
                                 <a:srgbClr val="000000"/>
                               </a:solidFill>
-                              <a:latin typeface="+mn-lt"/>
+                              <a:latin typeface="Cambria Math"/>
                             </a:rPr>
                           </m:ctrlPr>
                         </m:dPr>
@@ -6438,7 +6555,7 @@
                               <a:solidFill>
                                 <a:srgbClr val="000000"/>
                               </a:solidFill>
-                              <a:latin typeface="+mn-lt"/>
+                              <a:latin typeface="Cambria Math"/>
                             </a:rPr>
                             <m:t>2</m:t>
                           </m:r>
@@ -6447,7 +6564,7 @@
                               <a:solidFill>
                                 <a:srgbClr val="000000"/>
                               </a:solidFill>
-                              <a:latin typeface="+mn-lt"/>
+                              <a:latin typeface="Cambria Math"/>
                             </a:rPr>
                             <m:t>−</m:t>
                           </m:r>
@@ -6456,7 +6573,7 @@
                               <a:solidFill>
                                 <a:schemeClr val="accent2"/>
                               </a:solidFill>
-                              <a:latin typeface="+mn-lt"/>
+                              <a:latin typeface="Cambria Math"/>
                             </a:rPr>
                             <m:t>𝑈</m:t>
                           </m:r>
@@ -6469,7 +6586,7 @@
                               <a:solidFill>
                                 <a:srgbClr val="000000"/>
                               </a:solidFill>
-                              <a:latin typeface="+mn-lt"/>
+                              <a:latin typeface="Cambria Math"/>
                             </a:rPr>
                           </m:ctrlPr>
                         </m:fPr>
@@ -6481,7 +6598,7 @@
                                   <a:solidFill>
                                     <a:srgbClr val="000000"/>
                                   </a:solidFill>
-                                  <a:latin typeface="+mn-lt"/>
+                                  <a:latin typeface="Cambria Math"/>
                                 </a:rPr>
                               </m:ctrlPr>
                             </m:sSupPr>
@@ -6491,7 +6608,7 @@
                                   <a:solidFill>
                                     <a:schemeClr val="accent1"/>
                                   </a:solidFill>
-                                  <a:latin typeface="+mn-lt"/>
+                                  <a:latin typeface="Cambria Math"/>
                                 </a:rPr>
                                 <m:t>𝜇</m:t>
                               </m:r>
@@ -6502,7 +6619,7 @@
                                   <a:solidFill>
                                     <a:srgbClr val="000000"/>
                                   </a:solidFill>
-                                  <a:latin typeface="+mn-lt"/>
+                                  <a:latin typeface="Cambria Math"/>
                                 </a:rPr>
                                 <m:t>2</m:t>
                               </m:r>
@@ -6515,7 +6632,7 @@
                               <a:solidFill>
                                 <a:schemeClr val="accent3"/>
                               </a:solidFill>
-                              <a:latin typeface="+mn-lt"/>
+                              <a:latin typeface="Cambria Math"/>
                             </a:rPr>
                             <m:t>𝑠</m:t>
                           </m:r>
@@ -6548,7 +6665,7 @@
                               <a:solidFill>
                                 <a:srgbClr val="000000"/>
                               </a:solidFill>
-                              <a:latin typeface="+mn-lt"/>
+                              <a:latin typeface="Cambria Math"/>
                             </a:rPr>
                           </m:ctrlPr>
                         </m:sSubPr>
@@ -6558,7 +6675,7 @@
                               <a:solidFill>
                                 <a:srgbClr val="000000"/>
                               </a:solidFill>
-                              <a:latin typeface="+mn-lt"/>
+                              <a:latin typeface="Cambria Math"/>
                             </a:rPr>
                             <m:t>𝑞</m:t>
                           </m:r>
@@ -6569,7 +6686,7 @@
                               <a:solidFill>
                                 <a:srgbClr val="000000"/>
                               </a:solidFill>
-                              <a:latin typeface="+mn-lt"/>
+                              <a:latin typeface="Cambria Math"/>
                             </a:rPr>
                             <m:t>𝑠𝑖𝑚</m:t>
                           </m:r>
@@ -6580,7 +6697,7 @@
                           <a:solidFill>
                             <a:srgbClr val="000000"/>
                           </a:solidFill>
-                          <a:latin typeface="+mn-lt"/>
+                          <a:latin typeface="Cambria Math"/>
                         </a:rPr>
                         <m:t>≈</m:t>
                       </m:r>
@@ -6591,7 +6708,7 @@
                               <a:solidFill>
                                 <a:srgbClr val="000000"/>
                               </a:solidFill>
-                              <a:latin typeface="+mn-lt"/>
+                              <a:latin typeface="Cambria Math"/>
                             </a:rPr>
                           </m:ctrlPr>
                         </m:dPr>
@@ -6601,7 +6718,7 @@
                               <a:solidFill>
                                 <a:srgbClr val="000000"/>
                               </a:solidFill>
-                              <a:latin typeface="+mn-lt"/>
+                              <a:latin typeface="Cambria Math"/>
                             </a:rPr>
                             <m:t>1</m:t>
                           </m:r>
@@ -6610,7 +6727,7 @@
                               <a:solidFill>
                                 <a:srgbClr val="000000"/>
                               </a:solidFill>
-                              <a:latin typeface="+mn-lt"/>
+                              <a:latin typeface="Cambria Math"/>
                             </a:rPr>
                             <m:t>−</m:t>
                           </m:r>
@@ -6619,7 +6736,7 @@
                               <a:solidFill>
                                 <a:schemeClr val="accent6"/>
                               </a:solidFill>
-                              <a:latin typeface="+mn-lt"/>
+                              <a:latin typeface="Cambria Math"/>
                             </a:rPr>
                             <m:t>𝜏</m:t>
                           </m:r>
@@ -6628,7 +6745,7 @@
                               <a:solidFill>
                                 <a:schemeClr val="accent2"/>
                               </a:solidFill>
-                              <a:latin typeface="+mn-lt"/>
+                              <a:latin typeface="Cambria Math"/>
                             </a:rPr>
                             <m:t>𝑈</m:t>
                           </m:r>
@@ -6639,7 +6756,7 @@
                           <a:solidFill>
                             <a:srgbClr val="000000"/>
                           </a:solidFill>
-                          <a:latin typeface="+mn-lt"/>
+                          <a:latin typeface="Cambria Math"/>
                         </a:rPr>
                         <m:t>2</m:t>
                       </m:r>
@@ -6648,7 +6765,7 @@
                           <a:solidFill>
                             <a:schemeClr val="accent6"/>
                           </a:solidFill>
-                          <a:latin typeface="+mn-lt"/>
+                          <a:latin typeface="Cambria Math"/>
                         </a:rPr>
                         <m:t>𝜏</m:t>
                       </m:r>
@@ -6659,7 +6776,7 @@
                               <a:solidFill>
                                 <a:srgbClr val="000000"/>
                               </a:solidFill>
-                              <a:latin typeface="+mn-lt"/>
+                              <a:latin typeface="Cambria Math"/>
                             </a:rPr>
                           </m:ctrlPr>
                         </m:fPr>
@@ -6671,7 +6788,7 @@
                                   <a:solidFill>
                                     <a:srgbClr val="000000"/>
                                   </a:solidFill>
-                                  <a:latin typeface="+mn-lt"/>
+                                  <a:latin typeface="Cambria Math"/>
                                 </a:rPr>
                               </m:ctrlPr>
                             </m:sSupPr>
@@ -6681,7 +6798,7 @@
                                   <a:solidFill>
                                     <a:schemeClr val="accent1"/>
                                   </a:solidFill>
-                                  <a:latin typeface="+mn-lt"/>
+                                  <a:latin typeface="Cambria Math"/>
                                 </a:rPr>
                                 <m:t>𝜇</m:t>
                               </m:r>
@@ -6692,7 +6809,7 @@
                                   <a:solidFill>
                                     <a:srgbClr val="000000"/>
                                   </a:solidFill>
-                                  <a:latin typeface="+mn-lt"/>
+                                  <a:latin typeface="Cambria Math"/>
                                 </a:rPr>
                                 <m:t>2</m:t>
                               </m:r>
@@ -6705,7 +6822,7 @@
                               <a:solidFill>
                                 <a:schemeClr val="accent3"/>
                               </a:solidFill>
-                              <a:latin typeface="+mn-lt"/>
+                              <a:latin typeface="Cambria Math"/>
                             </a:rPr>
                             <m:t>𝑠</m:t>
                           </m:r>
@@ -6874,7 +6991,7 @@
                             <a:solidFill>
                               <a:srgbClr val="000000"/>
                             </a:solidFill>
-                            <a:latin typeface="+mn-lt"/>
+                            <a:latin typeface="Cambria Math"/>
                           </a:rPr>
                         </m:ctrlPr>
                       </m:sSubPr>
@@ -6884,7 +7001,7 @@
                             <a:solidFill>
                               <a:srgbClr val="000000"/>
                             </a:solidFill>
-                            <a:latin typeface="+mn-lt"/>
+                            <a:latin typeface="Cambria Math"/>
                           </a:rPr>
                           <m:t>𝑞</m:t>
                         </m:r>
@@ -6895,7 +7012,7 @@
                             <a:solidFill>
                               <a:srgbClr val="000000"/>
                             </a:solidFill>
-                            <a:latin typeface="+mn-lt"/>
+                            <a:latin typeface="Cambria Math"/>
                           </a:rPr>
                           <m:t>𝑠𝑖𝑚</m:t>
                         </m:r>
@@ -6906,7 +7023,7 @@
                         <a:solidFill>
                           <a:srgbClr val="000000"/>
                         </a:solidFill>
-                        <a:latin typeface="+mn-lt"/>
+                        <a:latin typeface="Cambria Math"/>
                       </a:rPr>
                       <m:t>&gt;</m:t>
                     </m:r>
@@ -6915,7 +7032,7 @@
                         <a:solidFill>
                           <a:srgbClr val="000000"/>
                         </a:solidFill>
-                        <a:latin typeface="+mn-lt"/>
+                        <a:latin typeface="Cambria Math"/>
                       </a:rPr>
                       <m:t>𝑞</m:t>
                     </m:r>
@@ -6948,7 +7065,7 @@
                             <a:solidFill>
                               <a:schemeClr val="accent2"/>
                             </a:solidFill>
-                            <a:latin typeface="+mn-lt"/>
+                            <a:latin typeface="Cambria Math"/>
                           </a:rPr>
                         </m:ctrlPr>
                       </m:sSupPr>
@@ -6958,7 +7075,7 @@
                             <a:solidFill>
                               <a:schemeClr val="accent2"/>
                             </a:solidFill>
-                            <a:latin typeface="+mn-lt"/>
+                            <a:latin typeface="Cambria Math"/>
                           </a:rPr>
                           <m:t>𝑈</m:t>
                         </m:r>
@@ -6969,7 +7086,7 @@
                             <a:solidFill>
                               <a:schemeClr val="tx1"/>
                             </a:solidFill>
-                            <a:latin typeface="+mn-lt"/>
+                            <a:latin typeface="Cambria Math"/>
                           </a:rPr>
                           <m:t>−</m:t>
                         </m:r>
@@ -6978,7 +7095,7 @@
                             <a:solidFill>
                               <a:schemeClr val="tx1"/>
                             </a:solidFill>
-                            <a:latin typeface="+mn-lt"/>
+                            <a:latin typeface="Cambria Math"/>
                           </a:rPr>
                           <m:t>1</m:t>
                         </m:r>
@@ -6989,7 +7106,7 @@
                         <a:solidFill>
                           <a:schemeClr val="tx1"/>
                         </a:solidFill>
-                        <a:latin typeface="+mn-lt"/>
+                        <a:latin typeface="Cambria Math"/>
                       </a:rPr>
                       <m:t>/</m:t>
                     </m:r>
@@ -6998,7 +7115,7 @@
                         <a:solidFill>
                           <a:schemeClr val="tx1"/>
                         </a:solidFill>
-                        <a:latin typeface="+mn-lt"/>
+                        <a:latin typeface="Cambria Math"/>
                       </a:rPr>
                       <m:t>2</m:t>
                     </m:r>
@@ -7007,7 +7124,7 @@
                         <a:solidFill>
                           <a:schemeClr val="tx1"/>
                         </a:solidFill>
-                        <a:latin typeface="+mn-lt"/>
+                        <a:latin typeface="Cambria Math"/>
                       </a:rPr>
                       <m:t>&gt;</m:t>
                     </m:r>
@@ -7016,7 +7133,7 @@
                         <a:solidFill>
                           <a:schemeClr val="accent6"/>
                         </a:solidFill>
-                        <a:latin typeface="+mn-lt"/>
+                        <a:latin typeface="Cambria Math"/>
                       </a:rPr>
                       <m:t>𝜏</m:t>
                     </m:r>
@@ -7025,7 +7142,7 @@
                         <a:solidFill>
                           <a:schemeClr val="tx1"/>
                         </a:solidFill>
-                        <a:latin typeface="+mn-lt"/>
+                        <a:latin typeface="Cambria Math"/>
                       </a:rPr>
                       <m:t>&gt;</m:t>
                     </m:r>
@@ -7034,7 +7151,7 @@
                         <a:solidFill>
                           <a:schemeClr val="tx1"/>
                         </a:solidFill>
-                        <a:latin typeface="+mn-lt"/>
+                        <a:latin typeface="Cambria Math"/>
                       </a:rPr>
                       <m:t>1</m:t>
                     </m:r>
@@ -7043,7 +7160,7 @@
                         <a:solidFill>
                           <a:schemeClr val="tx1"/>
                         </a:solidFill>
-                        <a:latin typeface="+mn-lt"/>
+                        <a:latin typeface="Cambria Math"/>
                       </a:rPr>
                       <m:t>.</m:t>
                     </m:r>
@@ -7141,7 +7258,7 @@
                           <a:solidFill>
                             <a:srgbClr val="000000"/>
                           </a:solidFill>
-                          <a:latin typeface="+mn-lt"/>
+                          <a:latin typeface="Cambria Math"/>
                         </a:rPr>
                         <m:t>𝜌</m:t>
                       </m:r>
@@ -7150,7 +7267,7 @@
                           <a:solidFill>
                             <a:srgbClr val="000000"/>
                           </a:solidFill>
-                          <a:latin typeface="+mn-lt"/>
+                          <a:latin typeface="Cambria Math"/>
                         </a:rPr>
                         <m:t>≈</m:t>
                       </m:r>
@@ -7159,7 +7276,7 @@
                           <a:solidFill>
                             <a:srgbClr val="000000"/>
                           </a:solidFill>
-                          <a:latin typeface="+mn-lt"/>
+                          <a:latin typeface="Cambria Math"/>
                         </a:rPr>
                         <m:t>2</m:t>
                       </m:r>
@@ -7168,7 +7285,7 @@
                           <a:solidFill>
                             <a:schemeClr val="accent3"/>
                           </a:solidFill>
-                          <a:latin typeface="+mn-lt"/>
+                          <a:latin typeface="Cambria Math"/>
                         </a:rPr>
                         <m:t>𝑠</m:t>
                       </m:r>
@@ -7177,7 +7294,7 @@
                           <a:solidFill>
                             <a:schemeClr val="accent4"/>
                           </a:solidFill>
-                          <a:latin typeface="+mn-lt"/>
+                          <a:latin typeface="Cambria Math"/>
                         </a:rPr>
                         <m:t>𝐻</m:t>
                       </m:r>
@@ -7208,7 +7325,7 @@
                               <a:solidFill>
                                 <a:srgbClr val="000000"/>
                               </a:solidFill>
-                              <a:latin typeface="+mn-lt"/>
+                              <a:latin typeface="Cambria Math"/>
                             </a:rPr>
                           </m:ctrlPr>
                         </m:sSubPr>
@@ -7218,7 +7335,7 @@
                               <a:solidFill>
                                 <a:srgbClr val="000000"/>
                               </a:solidFill>
-                              <a:latin typeface="+mn-lt"/>
+                              <a:latin typeface="Cambria Math"/>
                             </a:rPr>
                             <m:t>𝜌</m:t>
                           </m:r>
@@ -7229,7 +7346,7 @@
                               <a:solidFill>
                                 <a:srgbClr val="000000"/>
                               </a:solidFill>
-                              <a:latin typeface="+mn-lt"/>
+                              <a:latin typeface="Cambria Math"/>
                             </a:rPr>
                             <m:t>𝑠𝑖𝑚</m:t>
                           </m:r>
@@ -7240,7 +7357,7 @@
                           <a:solidFill>
                             <a:srgbClr val="000000"/>
                           </a:solidFill>
-                          <a:latin typeface="+mn-lt"/>
+                          <a:latin typeface="Cambria Math"/>
                         </a:rPr>
                         <m:t>≈</m:t>
                       </m:r>
@@ -7249,7 +7366,7 @@
                           <a:solidFill>
                             <a:srgbClr val="000000"/>
                           </a:solidFill>
-                          <a:latin typeface="+mn-lt"/>
+                          <a:latin typeface="Cambria Math"/>
                         </a:rPr>
                         <m:t>2</m:t>
                       </m:r>
@@ -7258,7 +7375,7 @@
                           <a:solidFill>
                             <a:schemeClr val="accent3"/>
                           </a:solidFill>
-                          <a:latin typeface="+mn-lt"/>
+                          <a:latin typeface="Cambria Math"/>
                         </a:rPr>
                         <m:t>𝑠</m:t>
                       </m:r>
@@ -7267,7 +7384,7 @@
                           <a:solidFill>
                             <a:schemeClr val="accent4"/>
                           </a:solidFill>
-                          <a:latin typeface="+mn-lt"/>
+                          <a:latin typeface="Cambria Math"/>
                         </a:rPr>
                         <m:t>𝐻</m:t>
                       </m:r>
@@ -7276,7 +7393,7 @@
                           <a:solidFill>
                             <a:srgbClr val="000000"/>
                           </a:solidFill>
-                          <a:latin typeface="+mn-lt"/>
+                          <a:latin typeface="Cambria Math"/>
                         </a:rPr>
                         <m:t>+</m:t>
                       </m:r>
@@ -7285,7 +7402,7 @@
                           <a:solidFill>
                             <a:srgbClr val="000000"/>
                           </a:solidFill>
-                          <a:latin typeface="+mn-lt"/>
+                          <a:latin typeface="Cambria Math"/>
                         </a:rPr>
                         <m:t>2</m:t>
                       </m:r>
@@ -7296,7 +7413,7 @@
                               <a:solidFill>
                                 <a:srgbClr val="000000"/>
                               </a:solidFill>
-                              <a:latin typeface="+mn-lt"/>
+                              <a:latin typeface="Cambria Math"/>
                             </a:rPr>
                           </m:ctrlPr>
                         </m:fPr>
@@ -7308,7 +7425,7 @@
                                   <a:solidFill>
                                     <a:srgbClr val="000000"/>
                                   </a:solidFill>
-                                  <a:latin typeface="+mn-lt"/>
+                                  <a:latin typeface="Cambria Math"/>
                                 </a:rPr>
                               </m:ctrlPr>
                             </m:sSupPr>
@@ -7318,7 +7435,7 @@
                                   <a:solidFill>
                                     <a:schemeClr val="accent2"/>
                                   </a:solidFill>
-                                  <a:latin typeface="+mn-lt"/>
+                                  <a:latin typeface="Cambria Math"/>
                                 </a:rPr>
                                 <m:t>𝑈</m:t>
                               </m:r>
@@ -7329,7 +7446,7 @@
                                   <a:solidFill>
                                     <a:srgbClr val="000000"/>
                                   </a:solidFill>
-                                  <a:latin typeface="+mn-lt"/>
+                                  <a:latin typeface="Cambria Math"/>
                                 </a:rPr>
                                 <m:t>2</m:t>
                               </m:r>
@@ -7342,7 +7459,7 @@
                               <a:solidFill>
                                 <a:schemeClr val="accent3"/>
                               </a:solidFill>
-                              <a:latin typeface="+mn-lt"/>
+                              <a:latin typeface="Cambria Math"/>
                             </a:rPr>
                             <m:t>𝑠</m:t>
                           </m:r>
@@ -7355,7 +7472,7 @@
                               <a:solidFill>
                                 <a:srgbClr val="000000"/>
                               </a:solidFill>
-                              <a:latin typeface="+mn-lt"/>
+                              <a:latin typeface="Cambria Math"/>
                             </a:rPr>
                           </m:ctrlPr>
                         </m:dPr>
@@ -7365,7 +7482,7 @@
                               <a:solidFill>
                                 <a:srgbClr val="000000"/>
                               </a:solidFill>
-                              <a:latin typeface="+mn-lt"/>
+                              <a:latin typeface="Cambria Math"/>
                             </a:rPr>
                             <m:t>1</m:t>
                           </m:r>
@@ -7374,7 +7491,7 @@
                               <a:solidFill>
                                 <a:srgbClr val="000000"/>
                               </a:solidFill>
-                              <a:latin typeface="+mn-lt"/>
+                              <a:latin typeface="Cambria Math"/>
                             </a:rPr>
                             <m:t>−</m:t>
                           </m:r>
@@ -7383,7 +7500,7 @@
                               <a:solidFill>
                                 <a:schemeClr val="accent3"/>
                               </a:solidFill>
-                              <a:latin typeface="+mn-lt"/>
+                              <a:latin typeface="Cambria Math"/>
                             </a:rPr>
                             <m:t>𝑠</m:t>
                           </m:r>
@@ -7396,7 +7513,7 @@
                               <a:solidFill>
                                 <a:srgbClr val="000000"/>
                               </a:solidFill>
-                              <a:latin typeface="+mn-lt"/>
+                              <a:latin typeface="Cambria Math"/>
                             </a:rPr>
                           </m:ctrlPr>
                         </m:dPr>
@@ -7406,7 +7523,7 @@
                               <a:solidFill>
                                 <a:schemeClr val="accent6"/>
                               </a:solidFill>
-                              <a:latin typeface="+mn-lt"/>
+                              <a:latin typeface="Cambria Math"/>
                             </a:rPr>
                             <m:t>𝜏</m:t>
                           </m:r>
@@ -7415,7 +7532,7 @@
                               <a:solidFill>
                                 <a:srgbClr val="000000"/>
                               </a:solidFill>
-                              <a:latin typeface="+mn-lt"/>
+                              <a:latin typeface="Cambria Math"/>
                             </a:rPr>
                             <m:t>−</m:t>
                           </m:r>
@@ -7424,7 +7541,7 @@
                               <a:solidFill>
                                 <a:srgbClr val="000000"/>
                               </a:solidFill>
-                              <a:latin typeface="+mn-lt"/>
+                              <a:latin typeface="Cambria Math"/>
                             </a:rPr>
                             <m:t>1</m:t>
                           </m:r>
@@ -7494,7 +7611,7 @@
                             <a:solidFill>
                               <a:srgbClr val="000000"/>
                             </a:solidFill>
-                            <a:latin typeface="+mn-lt"/>
+                            <a:latin typeface="Cambria Math"/>
                           </a:rPr>
                         </m:ctrlPr>
                       </m:sSubPr>
@@ -7504,7 +7621,7 @@
                             <a:solidFill>
                               <a:srgbClr val="000000"/>
                             </a:solidFill>
-                            <a:latin typeface="+mn-lt"/>
+                            <a:latin typeface="Cambria Math"/>
                           </a:rPr>
                           <m:t>𝜌</m:t>
                         </m:r>
@@ -7515,7 +7632,7 @@
                             <a:solidFill>
                               <a:srgbClr val="000000"/>
                             </a:solidFill>
-                            <a:latin typeface="+mn-lt"/>
+                            <a:latin typeface="Cambria Math"/>
                           </a:rPr>
                           <m:t>𝑠𝑖𝑚</m:t>
                         </m:r>
@@ -7526,7 +7643,7 @@
                         <a:solidFill>
                           <a:srgbClr val="000000"/>
                         </a:solidFill>
-                        <a:latin typeface="+mn-lt"/>
+                        <a:latin typeface="Cambria Math"/>
                       </a:rPr>
                       <m:t>&gt;</m:t>
                     </m:r>
@@ -7535,7 +7652,7 @@
                         <a:solidFill>
                           <a:srgbClr val="000000"/>
                         </a:solidFill>
-                        <a:latin typeface="+mn-lt"/>
+                        <a:latin typeface="Cambria Math"/>
                       </a:rPr>
                       <m:t>𝜌</m:t>
                     </m:r>
@@ -7557,7 +7674,7 @@
                         <a:solidFill>
                           <a:schemeClr val="accent6"/>
                         </a:solidFill>
-                        <a:latin typeface="+mn-lt"/>
+                        <a:latin typeface="Cambria Math"/>
                       </a:rPr>
                       <m:t>𝜏</m:t>
                     </m:r>
@@ -7566,7 +7683,7 @@
                         <a:solidFill>
                           <a:srgbClr val="000000"/>
                         </a:solidFill>
-                        <a:latin typeface="+mn-lt"/>
+                        <a:latin typeface="Cambria Math"/>
                       </a:rPr>
                       <m:t>&gt;</m:t>
                     </m:r>
@@ -7575,7 +7692,7 @@
                         <a:solidFill>
                           <a:srgbClr val="000000"/>
                         </a:solidFill>
-                        <a:latin typeface="+mn-lt"/>
+                        <a:latin typeface="Cambria Math"/>
                       </a:rPr>
                       <m:t>1</m:t>
                     </m:r>
@@ -7734,7 +7851,7 @@
                           <a:solidFill>
                             <a:srgbClr val="000000"/>
                           </a:solidFill>
-                          <a:latin typeface="+mn-lt"/>
+                          <a:latin typeface="Cambria Math"/>
                         </a:rPr>
                         <m:t>𝜈</m:t>
                       </m:r>
@@ -7743,7 +7860,7 @@
                           <a:solidFill>
                             <a:srgbClr val="000000"/>
                           </a:solidFill>
-                          <a:latin typeface="+mn-lt"/>
+                          <a:latin typeface="Cambria Math"/>
                         </a:rPr>
                         <m:t>≈</m:t>
                       </m:r>
@@ -7752,7 +7869,7 @@
                           <a:solidFill>
                             <a:srgbClr val="000000"/>
                           </a:solidFill>
-                          <a:latin typeface="+mn-lt"/>
+                          <a:latin typeface="Cambria Math"/>
                         </a:rPr>
                         <m:t>2</m:t>
                       </m:r>
@@ -7763,7 +7880,7 @@
                               <a:lumMod val="50000"/>
                             </a:schemeClr>
                           </a:solidFill>
-                          <a:latin typeface="+mn-lt"/>
+                          <a:latin typeface="Cambria Math"/>
                         </a:rPr>
                         <m:t>𝑁</m:t>
                       </m:r>
@@ -7772,7 +7889,7 @@
                           <a:solidFill>
                             <a:schemeClr val="accent4"/>
                           </a:solidFill>
-                          <a:latin typeface="+mn-lt"/>
+                          <a:latin typeface="Cambria Math"/>
                         </a:rPr>
                         <m:t>𝐻</m:t>
                       </m:r>
@@ -7783,7 +7900,7 @@
                               <a:solidFill>
                                 <a:srgbClr val="000000"/>
                               </a:solidFill>
-                              <a:latin typeface="+mn-lt"/>
+                              <a:latin typeface="Cambria Math"/>
                             </a:rPr>
                           </m:ctrlPr>
                         </m:sSupPr>
@@ -7793,7 +7910,7 @@
                               <a:solidFill>
                                 <a:schemeClr val="accent1"/>
                               </a:solidFill>
-                              <a:latin typeface="+mn-lt"/>
+                              <a:latin typeface="Cambria Math"/>
                             </a:rPr>
                             <m:t>𝜇</m:t>
                           </m:r>
@@ -7804,7 +7921,7 @@
                               <a:solidFill>
                                 <a:srgbClr val="000000"/>
                               </a:solidFill>
-                              <a:latin typeface="+mn-lt"/>
+                              <a:latin typeface="Cambria Math"/>
                             </a:rPr>
                             <m:t>2</m:t>
                           </m:r>
@@ -7817,7 +7934,7 @@
                               <a:solidFill>
                                 <a:srgbClr val="000000"/>
                               </a:solidFill>
-                              <a:latin typeface="+mn-lt"/>
+                              <a:latin typeface="Cambria Math"/>
                             </a:rPr>
                           </m:ctrlPr>
                         </m:dPr>
@@ -7827,7 +7944,7 @@
                               <a:solidFill>
                                 <a:srgbClr val="000000"/>
                               </a:solidFill>
-                              <a:latin typeface="+mn-lt"/>
+                              <a:latin typeface="Cambria Math"/>
                             </a:rPr>
                             <m:t>1</m:t>
                           </m:r>
@@ -7836,7 +7953,7 @@
                               <a:solidFill>
                                 <a:srgbClr val="000000"/>
                               </a:solidFill>
-                              <a:latin typeface="+mn-lt"/>
+                              <a:latin typeface="Cambria Math"/>
                             </a:rPr>
                             <m:t>−</m:t>
                           </m:r>
@@ -7845,7 +7962,7 @@
                               <a:solidFill>
                                 <a:schemeClr val="accent2"/>
                               </a:solidFill>
-                              <a:latin typeface="+mn-lt"/>
+                              <a:latin typeface="Cambria Math"/>
                             </a:rPr>
                             <m:t>𝑈</m:t>
                           </m:r>
@@ -7858,7 +7975,7 @@
                               <a:solidFill>
                                 <a:srgbClr val="000000"/>
                               </a:solidFill>
-                              <a:latin typeface="+mn-lt"/>
+                              <a:latin typeface="Cambria Math"/>
                             </a:rPr>
                           </m:ctrlPr>
                         </m:dPr>
@@ -7868,7 +7985,7 @@
                               <a:solidFill>
                                 <a:srgbClr val="000000"/>
                               </a:solidFill>
-                              <a:latin typeface="+mn-lt"/>
+                              <a:latin typeface="Cambria Math"/>
                             </a:rPr>
                             <m:t>2</m:t>
                           </m:r>
@@ -7877,7 +7994,7 @@
                               <a:solidFill>
                                 <a:srgbClr val="000000"/>
                               </a:solidFill>
-                              <a:latin typeface="+mn-lt"/>
+                              <a:latin typeface="Cambria Math"/>
                             </a:rPr>
                             <m:t>−</m:t>
                           </m:r>
@@ -7886,7 +8003,7 @@
                               <a:solidFill>
                                 <a:schemeClr val="accent2"/>
                               </a:solidFill>
-                              <a:latin typeface="+mn-lt"/>
+                              <a:latin typeface="Cambria Math"/>
                             </a:rPr>
                             <m:t>𝑈</m:t>
                           </m:r>
@@ -7919,7 +8036,7 @@
                               <a:solidFill>
                                 <a:srgbClr val="000000"/>
                               </a:solidFill>
-                              <a:latin typeface="+mn-lt"/>
+                              <a:latin typeface="Cambria Math"/>
                             </a:rPr>
                           </m:ctrlPr>
                         </m:sSubPr>
@@ -7929,7 +8046,7 @@
                               <a:solidFill>
                                 <a:srgbClr val="000000"/>
                               </a:solidFill>
-                              <a:latin typeface="+mn-lt"/>
+                              <a:latin typeface="Cambria Math"/>
                             </a:rPr>
                             <m:t>𝜈</m:t>
                           </m:r>
@@ -7940,7 +8057,7 @@
                               <a:solidFill>
                                 <a:srgbClr val="000000"/>
                               </a:solidFill>
-                              <a:latin typeface="+mn-lt"/>
+                              <a:latin typeface="Cambria Math"/>
                             </a:rPr>
                             <m:t>𝑠𝑖𝑚</m:t>
                           </m:r>
@@ -7951,7 +8068,7 @@
                           <a:solidFill>
                             <a:srgbClr val="000000"/>
                           </a:solidFill>
-                          <a:latin typeface="+mn-lt"/>
+                          <a:latin typeface="Cambria Math"/>
                         </a:rPr>
                         <m:t>≈</m:t>
                       </m:r>
@@ -7960,7 +8077,7 @@
                           <a:solidFill>
                             <a:srgbClr val="000000"/>
                           </a:solidFill>
-                          <a:latin typeface="+mn-lt"/>
+                          <a:latin typeface="Cambria Math"/>
                         </a:rPr>
                         <m:t>4</m:t>
                       </m:r>
@@ -7971,7 +8088,7 @@
                               <a:lumMod val="50000"/>
                             </a:schemeClr>
                           </a:solidFill>
-                          <a:latin typeface="+mn-lt"/>
+                          <a:latin typeface="Cambria Math"/>
                         </a:rPr>
                         <m:t>𝑁</m:t>
                       </m:r>
@@ -7980,7 +8097,7 @@
                           <a:solidFill>
                             <a:schemeClr val="accent6"/>
                           </a:solidFill>
-                          <a:latin typeface="+mn-lt"/>
+                          <a:latin typeface="Cambria Math"/>
                         </a:rPr>
                         <m:t>𝜏</m:t>
                       </m:r>
@@ -7991,7 +8108,7 @@
                               <a:solidFill>
                                 <a:srgbClr val="000000"/>
                               </a:solidFill>
-                              <a:latin typeface="+mn-lt"/>
+                              <a:latin typeface="Cambria Math"/>
                             </a:rPr>
                           </m:ctrlPr>
                         </m:sSupPr>
@@ -8001,7 +8118,7 @@
                               <a:solidFill>
                                 <a:schemeClr val="accent1"/>
                               </a:solidFill>
-                              <a:latin typeface="+mn-lt"/>
+                              <a:latin typeface="Cambria Math"/>
                             </a:rPr>
                             <m:t>𝜇</m:t>
                           </m:r>
@@ -8012,7 +8129,7 @@
                               <a:solidFill>
                                 <a:srgbClr val="000000"/>
                               </a:solidFill>
-                              <a:latin typeface="+mn-lt"/>
+                              <a:latin typeface="Cambria Math"/>
                             </a:rPr>
                             <m:t>2</m:t>
                           </m:r>
@@ -8025,7 +8142,7 @@
                               <a:solidFill>
                                 <a:srgbClr val="000000"/>
                               </a:solidFill>
-                              <a:latin typeface="+mn-lt"/>
+                              <a:latin typeface="Cambria Math"/>
                             </a:rPr>
                           </m:ctrlPr>
                         </m:dPr>
@@ -8035,7 +8152,7 @@
                               <a:solidFill>
                                 <a:srgbClr val="000000"/>
                               </a:solidFill>
-                              <a:latin typeface="+mn-lt"/>
+                              <a:latin typeface="Cambria Math"/>
                             </a:rPr>
                             <m:t>1</m:t>
                           </m:r>
@@ -8044,7 +8161,7 @@
                               <a:solidFill>
                                 <a:srgbClr val="000000"/>
                               </a:solidFill>
-                              <a:latin typeface="+mn-lt"/>
+                              <a:latin typeface="Cambria Math"/>
                             </a:rPr>
                             <m:t>−</m:t>
                           </m:r>
@@ -8053,7 +8170,7 @@
                               <a:solidFill>
                                 <a:schemeClr val="accent6"/>
                               </a:solidFill>
-                              <a:latin typeface="+mn-lt"/>
+                              <a:latin typeface="Cambria Math"/>
                             </a:rPr>
                             <m:t>𝜏</m:t>
                           </m:r>
@@ -8062,7 +8179,7 @@
                               <a:solidFill>
                                 <a:schemeClr val="accent2"/>
                               </a:solidFill>
-                              <a:latin typeface="+mn-lt"/>
+                              <a:latin typeface="Cambria Math"/>
                             </a:rPr>
                             <m:t>𝑈</m:t>
                           </m:r>
@@ -8075,7 +8192,7 @@
                               <a:solidFill>
                                 <a:srgbClr val="000000"/>
                               </a:solidFill>
-                              <a:latin typeface="+mn-lt"/>
+                              <a:latin typeface="Cambria Math"/>
                             </a:rPr>
                           </m:ctrlPr>
                         </m:dPr>
@@ -8085,7 +8202,7 @@
                               <a:solidFill>
                                 <a:schemeClr val="accent4"/>
                               </a:solidFill>
-                              <a:latin typeface="+mn-lt"/>
+                              <a:latin typeface="Cambria Math"/>
                             </a:rPr>
                             <m:t>𝐻</m:t>
                           </m:r>
@@ -8094,7 +8211,7 @@
                               <a:solidFill>
                                 <a:srgbClr val="000000"/>
                               </a:solidFill>
-                              <a:latin typeface="+mn-lt"/>
+                              <a:latin typeface="Cambria Math"/>
                             </a:rPr>
                             <m:t>+</m:t>
                           </m:r>
@@ -8105,7 +8222,7 @@
                                   <a:solidFill>
                                     <a:srgbClr val="000000"/>
                                   </a:solidFill>
-                                  <a:latin typeface="+mn-lt"/>
+                                  <a:latin typeface="Cambria Math"/>
                                 </a:rPr>
                               </m:ctrlPr>
                             </m:fPr>
@@ -8117,7 +8234,7 @@
                                       <a:solidFill>
                                         <a:srgbClr val="000000"/>
                                       </a:solidFill>
-                                      <a:latin typeface="+mn-lt"/>
+                                      <a:latin typeface="Cambria Math"/>
                                     </a:rPr>
                                   </m:ctrlPr>
                                 </m:sSupPr>
@@ -8127,7 +8244,7 @@
                                       <a:solidFill>
                                         <a:schemeClr val="accent2"/>
                                       </a:solidFill>
-                                      <a:latin typeface="+mn-lt"/>
+                                      <a:latin typeface="Cambria Math"/>
                                     </a:rPr>
                                     <m:t>𝑈</m:t>
                                   </m:r>
@@ -8138,7 +8255,7 @@
                                       <a:solidFill>
                                         <a:srgbClr val="000000"/>
                                       </a:solidFill>
-                                      <a:latin typeface="+mn-lt"/>
+                                      <a:latin typeface="Cambria Math"/>
                                     </a:rPr>
                                     <m:t>2</m:t>
                                   </m:r>
@@ -8153,7 +8270,7 @@
                                       <a:solidFill>
                                         <a:srgbClr val="000000"/>
                                       </a:solidFill>
-                                      <a:latin typeface="+mn-lt"/>
+                                      <a:latin typeface="Cambria Math"/>
                                     </a:rPr>
                                   </m:ctrlPr>
                                 </m:sSupPr>
@@ -8163,7 +8280,7 @@
                                       <a:solidFill>
                                         <a:schemeClr val="accent3"/>
                                       </a:solidFill>
-                                      <a:latin typeface="+mn-lt"/>
+                                      <a:latin typeface="Cambria Math"/>
                                     </a:rPr>
                                     <m:t>𝑠</m:t>
                                   </m:r>
@@ -8174,7 +8291,7 @@
                                       <a:solidFill>
                                         <a:srgbClr val="000000"/>
                                       </a:solidFill>
-                                      <a:latin typeface="+mn-lt"/>
+                                      <a:latin typeface="Cambria Math"/>
                                     </a:rPr>
                                     <m:t>2</m:t>
                                   </m:r>
@@ -8189,7 +8306,7 @@
                                   <a:solidFill>
                                     <a:srgbClr val="000000"/>
                                   </a:solidFill>
-                                  <a:latin typeface="+mn-lt"/>
+                                  <a:latin typeface="Cambria Math"/>
                                 </a:rPr>
                               </m:ctrlPr>
                             </m:dPr>
@@ -8199,7 +8316,7 @@
                                   <a:solidFill>
                                     <a:srgbClr val="000000"/>
                                   </a:solidFill>
-                                  <a:latin typeface="+mn-lt"/>
+                                  <a:latin typeface="Cambria Math"/>
                                 </a:rPr>
                                 <m:t>1</m:t>
                               </m:r>
@@ -8208,7 +8325,7 @@
                                   <a:solidFill>
                                     <a:srgbClr val="000000"/>
                                   </a:solidFill>
-                                  <a:latin typeface="+mn-lt"/>
+                                  <a:latin typeface="Cambria Math"/>
                                 </a:rPr>
                                 <m:t>−</m:t>
                               </m:r>
@@ -8217,7 +8334,7 @@
                                   <a:solidFill>
                                     <a:schemeClr val="accent3"/>
                                   </a:solidFill>
-                                  <a:latin typeface="+mn-lt"/>
+                                  <a:latin typeface="Cambria Math"/>
                                 </a:rPr>
                                 <m:t>𝑠</m:t>
                               </m:r>
@@ -8230,7 +8347,7 @@
                                   <a:solidFill>
                                     <a:srgbClr val="000000"/>
                                   </a:solidFill>
-                                  <a:latin typeface="+mn-lt"/>
+                                  <a:latin typeface="Cambria Math"/>
                                 </a:rPr>
                               </m:ctrlPr>
                             </m:dPr>
@@ -8240,7 +8357,7 @@
                                   <a:solidFill>
                                     <a:schemeClr val="accent6"/>
                                   </a:solidFill>
-                                  <a:latin typeface="+mn-lt"/>
+                                  <a:latin typeface="Cambria Math"/>
                                 </a:rPr>
                                 <m:t>𝜏</m:t>
                               </m:r>
@@ -8249,7 +8366,7 @@
                                   <a:solidFill>
                                     <a:srgbClr val="000000"/>
                                   </a:solidFill>
-                                  <a:latin typeface="+mn-lt"/>
+                                  <a:latin typeface="Cambria Math"/>
                                 </a:rPr>
                                 <m:t>−</m:t>
                               </m:r>
@@ -8258,7 +8375,7 @@
                                   <a:solidFill>
                                     <a:srgbClr val="000000"/>
                                   </a:solidFill>
-                                  <a:latin typeface="+mn-lt"/>
+                                  <a:latin typeface="Cambria Math"/>
                                 </a:rPr>
                                 <m:t>1</m:t>
                               </m:r>
@@ -8298,7 +8415,7 @@
                             <a:solidFill>
                               <a:srgbClr val="000000"/>
                             </a:solidFill>
-                            <a:latin typeface="+mn-lt"/>
+                            <a:latin typeface="Cambria Math"/>
                           </a:rPr>
                         </m:ctrlPr>
                       </m:sSubPr>
@@ -8308,7 +8425,7 @@
                             <a:solidFill>
                               <a:srgbClr val="000000"/>
                             </a:solidFill>
-                            <a:latin typeface="+mn-lt"/>
+                            <a:latin typeface="Cambria Math"/>
                           </a:rPr>
                           <m:t>𝜈</m:t>
                         </m:r>
@@ -8319,7 +8436,7 @@
                             <a:solidFill>
                               <a:srgbClr val="000000"/>
                             </a:solidFill>
-                            <a:latin typeface="+mn-lt"/>
+                            <a:latin typeface="Cambria Math"/>
                           </a:rPr>
                           <m:t>𝑠𝑖𝑚</m:t>
                         </m:r>
@@ -8330,7 +8447,7 @@
                         <a:solidFill>
                           <a:srgbClr val="000000"/>
                         </a:solidFill>
-                        <a:latin typeface="+mn-lt"/>
+                        <a:latin typeface="Cambria Math"/>
                       </a:rPr>
                       <m:t>&gt;</m:t>
                     </m:r>
@@ -8339,7 +8456,7 @@
                         <a:solidFill>
                           <a:srgbClr val="000000"/>
                         </a:solidFill>
-                        <a:latin typeface="+mn-lt"/>
+                        <a:latin typeface="Cambria Math"/>
                       </a:rPr>
                       <m:t>𝜈</m:t>
                     </m:r>
@@ -8363,7 +8480,7 @@
                             <a:solidFill>
                               <a:srgbClr val="000000"/>
                             </a:solidFill>
-                            <a:latin typeface="+mn-lt"/>
+                            <a:latin typeface="Cambria Math"/>
                           </a:rPr>
                         </m:ctrlPr>
                       </m:sSupPr>
@@ -8373,7 +8490,7 @@
                             <a:solidFill>
                               <a:schemeClr val="accent2"/>
                             </a:solidFill>
-                            <a:latin typeface="+mn-lt"/>
+                            <a:latin typeface="Cambria Math"/>
                           </a:rPr>
                           <m:t>𝑈</m:t>
                         </m:r>
@@ -8384,7 +8501,7 @@
                             <a:solidFill>
                               <a:srgbClr val="000000"/>
                             </a:solidFill>
-                            <a:latin typeface="+mn-lt"/>
+                            <a:latin typeface="Cambria Math"/>
                           </a:rPr>
                           <m:t>−</m:t>
                         </m:r>
@@ -8393,7 +8510,7 @@
                             <a:solidFill>
                               <a:srgbClr val="000000"/>
                             </a:solidFill>
-                            <a:latin typeface="+mn-lt"/>
+                            <a:latin typeface="Cambria Math"/>
                           </a:rPr>
                           <m:t>1</m:t>
                         </m:r>
@@ -8404,7 +8521,7 @@
                         <a:solidFill>
                           <a:srgbClr val="000000"/>
                         </a:solidFill>
-                        <a:latin typeface="+mn-lt"/>
+                        <a:latin typeface="Cambria Math"/>
                       </a:rPr>
                       <m:t>&gt;</m:t>
                     </m:r>
@@ -8413,7 +8530,7 @@
                         <a:solidFill>
                           <a:schemeClr val="accent6"/>
                         </a:solidFill>
-                        <a:latin typeface="+mn-lt"/>
+                        <a:latin typeface="Cambria Math"/>
                       </a:rPr>
                       <m:t>𝜏</m:t>
                     </m:r>
@@ -8422,7 +8539,7 @@
                         <a:solidFill>
                           <a:srgbClr val="000000"/>
                         </a:solidFill>
-                        <a:latin typeface="+mn-lt"/>
+                        <a:latin typeface="Cambria Math"/>
                       </a:rPr>
                       <m:t>&gt;</m:t>
                     </m:r>
@@ -8431,7 +8548,7 @@
                         <a:solidFill>
                           <a:srgbClr val="000000"/>
                         </a:solidFill>
-                        <a:latin typeface="+mn-lt"/>
+                        <a:latin typeface="Cambria Math"/>
                       </a:rPr>
                       <m:t>1</m:t>
                     </m:r>
@@ -8494,7 +8611,7 @@
             </p:nvSpPr>
             <p:spPr bwMode="auto">
               <a:xfrm>
-                <a:off x="15762877" y="6722078"/>
+                <a:off x="15762877" y="6721200"/>
                 <a:ext cx="11520000" cy="19921181"/>
               </a:xfrm>
               <a:prstGeom prst="rect">
@@ -8540,7 +8657,7 @@
         </p:nvSpPr>
         <p:spPr bwMode="auto">
           <a:xfrm>
-            <a:off x="29308836" y="28060049"/>
+            <a:off x="29308836" y="28062000"/>
             <a:ext cx="11520000" cy="5430861"/>
           </a:xfrm>
           <a:prstGeom prst="rect">
@@ -11006,14 +11123,14 @@
           <p:nvPr>
             <p:extLst>
               <p:ext uri="{D42A27DB-BD31-4B8C-83A1-F6EECF244321}">
-                <p14:modId xmlns:p14="http://schemas.microsoft.com/office/powerpoint/2010/main" val="1396030944"/>
+                <p14:modId xmlns:p14="http://schemas.microsoft.com/office/powerpoint/2010/main" val="379019925"/>
               </p:ext>
             </p:extLst>
           </p:nvPr>
         </p:nvGraphicFramePr>
         <p:xfrm>
-          <a:off x="16995188" y="21642660"/>
-          <a:ext cx="9000000" cy="3200400"/>
+          <a:off x="16572877" y="21215940"/>
+          <a:ext cx="9900000" cy="3627120"/>
         </p:xfrm>
         <a:graphic>
           <a:graphicData uri="http://schemas.openxmlformats.org/drawingml/2006/table">
@@ -11022,10 +11139,10 @@
                 <a:tableStyleId>{5C22544A-7EE6-4342-B048-85BDC9FD1C3A}</a:tableStyleId>
               </a:tblPr>
               <a:tblGrid>
-                <a:gridCol w="1481608"/>
-                <a:gridCol w="2263552"/>
-                <a:gridCol w="3942125"/>
-                <a:gridCol w="1312715"/>
+                <a:gridCol w="1509928"/>
+                <a:gridCol w="2306813"/>
+                <a:gridCol w="4745453"/>
+                <a:gridCol w="1337806"/>
               </a:tblGrid>
               <a:tr h="450000">
                 <a:tc>
@@ -11035,13 +11152,13 @@
                     <a:p>
                       <a:pPr algn="ctr" rtl="0"/>
                       <a:r>
-                        <a:rPr lang="en-US" sz="2400" dirty="0" smtClean="0">
+                        <a:rPr lang="en-US" sz="2800" dirty="0" smtClean="0">
                           <a:latin typeface="Helvetica" pitchFamily="34" charset="0"/>
                           <a:cs typeface="Helvetica" pitchFamily="34" charset="0"/>
                         </a:rPr>
                         <a:t>Citation</a:t>
                       </a:r>
-                      <a:endParaRPr lang="he-IL" sz="2400" dirty="0">
+                      <a:endParaRPr lang="he-IL" sz="2800" dirty="0">
                         <a:latin typeface="Helvetica" pitchFamily="34" charset="0"/>
                         <a:cs typeface="Helvetica" pitchFamily="34" charset="0"/>
                       </a:endParaRPr>
@@ -11056,13 +11173,13 @@
                     <a:p>
                       <a:pPr algn="ctr" rtl="0"/>
                       <a:r>
-                        <a:rPr lang="en-US" sz="2400" dirty="0" smtClean="0">
+                        <a:rPr lang="en-US" sz="2800" dirty="0" smtClean="0">
                           <a:latin typeface="Helvetica" pitchFamily="34" charset="0"/>
                           <a:cs typeface="Helvetica" pitchFamily="34" charset="0"/>
                         </a:rPr>
                         <a:t>Estimate</a:t>
                       </a:r>
-                      <a:endParaRPr lang="he-IL" sz="2400" dirty="0">
+                      <a:endParaRPr lang="he-IL" sz="2800" dirty="0">
                         <a:latin typeface="Helvetica" pitchFamily="34" charset="0"/>
                         <a:cs typeface="Helvetica" pitchFamily="34" charset="0"/>
                       </a:endParaRPr>
@@ -11077,13 +11194,13 @@
                     <a:p>
                       <a:pPr algn="ctr" rtl="0"/>
                       <a:r>
-                        <a:rPr lang="en-US" sz="2400" dirty="0" smtClean="0">
+                        <a:rPr lang="en-US" sz="2800" dirty="0" smtClean="0">
                           <a:latin typeface="Helvetica" pitchFamily="34" charset="0"/>
                           <a:cs typeface="Helvetica" pitchFamily="34" charset="0"/>
                         </a:rPr>
                         <a:t>Name</a:t>
                       </a:r>
-                      <a:endParaRPr lang="he-IL" sz="2400" dirty="0">
+                      <a:endParaRPr lang="he-IL" sz="2800" dirty="0">
                         <a:latin typeface="Helvetica" pitchFamily="34" charset="0"/>
                         <a:cs typeface="Helvetica" pitchFamily="34" charset="0"/>
                       </a:endParaRPr>
@@ -11098,13 +11215,13 @@
                     <a:p>
                       <a:pPr algn="ctr" rtl="0"/>
                       <a:r>
-                        <a:rPr lang="en-US" sz="2400" dirty="0" smtClean="0">
+                        <a:rPr lang="en-US" sz="2800" dirty="0" smtClean="0">
                           <a:latin typeface="Helvetica" pitchFamily="34" charset="0"/>
                           <a:cs typeface="Helvetica" pitchFamily="34" charset="0"/>
                         </a:rPr>
-                        <a:t>Symbol</a:t>
+                        <a:t>Sign</a:t>
                       </a:r>
-                      <a:endParaRPr lang="he-IL" sz="2400" dirty="0">
+                      <a:endParaRPr lang="he-IL" sz="2800" dirty="0">
                         <a:latin typeface="Helvetica" pitchFamily="34" charset="0"/>
                         <a:cs typeface="Helvetica" pitchFamily="34" charset="0"/>
                       </a:endParaRPr>
@@ -11121,13 +11238,13 @@
                     <a:p>
                       <a:pPr algn="ctr" rtl="0"/>
                       <a:r>
-                        <a:rPr lang="en-US" sz="2400" dirty="0" smtClean="0">
+                        <a:rPr lang="en-US" sz="2800" dirty="0" smtClean="0">
                           <a:latin typeface="Helvetica" pitchFamily="34" charset="0"/>
                           <a:cs typeface="Helvetica" pitchFamily="34" charset="0"/>
                         </a:rPr>
                         <a:t>5, 6</a:t>
                       </a:r>
-                      <a:endParaRPr lang="he-IL" sz="2400" dirty="0">
+                      <a:endParaRPr lang="he-IL" sz="2800" dirty="0">
                         <a:latin typeface="Helvetica" pitchFamily="34" charset="0"/>
                         <a:cs typeface="Helvetica" pitchFamily="34" charset="0"/>
                       </a:endParaRPr>
@@ -11142,13 +11259,13 @@
                     <a:p>
                       <a:pPr algn="ctr" rtl="0"/>
                       <a:r>
-                        <a:rPr lang="en-US" sz="2400" dirty="0" smtClean="0">
+                        <a:rPr lang="en-US" sz="2800" dirty="0" smtClean="0">
                           <a:latin typeface="Helvetica" pitchFamily="34" charset="0"/>
                           <a:cs typeface="Helvetica" pitchFamily="34" charset="0"/>
                         </a:rPr>
                         <a:t>0.001-0.01</a:t>
                       </a:r>
-                      <a:endParaRPr lang="he-IL" sz="2400" dirty="0">
+                      <a:endParaRPr lang="he-IL" sz="2800" dirty="0">
                         <a:latin typeface="Helvetica" pitchFamily="34" charset="0"/>
                         <a:cs typeface="Helvetica" pitchFamily="34" charset="0"/>
                       </a:endParaRPr>
@@ -11163,13 +11280,13 @@
                     <a:p>
                       <a:pPr algn="ctr" rtl="0"/>
                       <a:r>
-                        <a:rPr lang="en-US" sz="2400" dirty="0" smtClean="0">
+                        <a:rPr lang="en-US" sz="2800" dirty="0" smtClean="0">
                           <a:latin typeface="Helvetica" pitchFamily="34" charset="0"/>
                           <a:cs typeface="Helvetica" pitchFamily="34" charset="0"/>
                         </a:rPr>
                         <a:t>Selection coefficient</a:t>
                       </a:r>
-                      <a:endParaRPr lang="he-IL" sz="2400" dirty="0">
+                      <a:endParaRPr lang="he-IL" sz="2800" dirty="0">
                         <a:latin typeface="Helvetica" pitchFamily="34" charset="0"/>
                         <a:cs typeface="Helvetica" pitchFamily="34" charset="0"/>
                       </a:endParaRPr>
@@ -11184,13 +11301,13 @@
                     <a:p>
                       <a:pPr algn="ctr" rtl="0"/>
                       <a:r>
-                        <a:rPr lang="en-US" sz="2400" i="1" dirty="0" smtClean="0">
+                        <a:rPr lang="en-US" sz="2800" i="1" dirty="0" smtClean="0">
                           <a:latin typeface="Helvetica" pitchFamily="34" charset="0"/>
                           <a:cs typeface="Helvetica" pitchFamily="34" charset="0"/>
                         </a:rPr>
                         <a:t>s</a:t>
                       </a:r>
-                      <a:endParaRPr lang="he-IL" sz="2400" i="1" dirty="0">
+                      <a:endParaRPr lang="he-IL" sz="2800" i="1" dirty="0">
                         <a:latin typeface="Helvetica" pitchFamily="34" charset="0"/>
                         <a:cs typeface="Helvetica" pitchFamily="34" charset="0"/>
                       </a:endParaRPr>
@@ -11223,13 +11340,13 @@
                         <a:defRPr/>
                       </a:pPr>
                       <a:r>
-                        <a:rPr lang="en-US" sz="2400" baseline="0" dirty="0" smtClean="0">
+                        <a:rPr lang="en-US" sz="2800" baseline="0" dirty="0" smtClean="0">
                           <a:latin typeface="Helvetica" pitchFamily="34" charset="0"/>
                           <a:cs typeface="Helvetica" pitchFamily="34" charset="0"/>
                         </a:rPr>
                         <a:t>6</a:t>
                       </a:r>
-                      <a:endParaRPr lang="he-IL" sz="2400" dirty="0" smtClean="0">
+                      <a:endParaRPr lang="he-IL" sz="2800" dirty="0" smtClean="0">
                         <a:latin typeface="Helvetica" pitchFamily="34" charset="0"/>
                         <a:cs typeface="Helvetica" pitchFamily="34" charset="0"/>
                       </a:endParaRPr>
@@ -11244,13 +11361,13 @@
                     <a:p>
                       <a:pPr algn="ctr" rtl="0"/>
                       <a:r>
-                        <a:rPr lang="en-US" sz="2400" dirty="0" smtClean="0">
+                        <a:rPr lang="en-US" sz="2800" dirty="0" smtClean="0">
                           <a:latin typeface="Helvetica" pitchFamily="34" charset="0"/>
                           <a:cs typeface="Helvetica" pitchFamily="34" charset="0"/>
                         </a:rPr>
                         <a:t>1-10</a:t>
                       </a:r>
-                      <a:endParaRPr lang="he-IL" sz="2400" dirty="0">
+                      <a:endParaRPr lang="he-IL" sz="2800" dirty="0">
                         <a:latin typeface="Helvetica" pitchFamily="34" charset="0"/>
                         <a:cs typeface="Helvetica" pitchFamily="34" charset="0"/>
                       </a:endParaRPr>
@@ -11265,13 +11382,13 @@
                     <a:p>
                       <a:pPr algn="ctr" rtl="0"/>
                       <a:r>
-                        <a:rPr lang="en-US" sz="2400" dirty="0" smtClean="0">
+                        <a:rPr lang="en-US" sz="2800" dirty="0" smtClean="0">
                           <a:latin typeface="Helvetica" pitchFamily="34" charset="0"/>
                           <a:cs typeface="Helvetica" pitchFamily="34" charset="0"/>
                         </a:rPr>
                         <a:t>Double mutant advantage</a:t>
                       </a:r>
-                      <a:endParaRPr lang="he-IL" sz="2400" dirty="0">
+                      <a:endParaRPr lang="he-IL" sz="2800" dirty="0">
                         <a:latin typeface="Helvetica" pitchFamily="34" charset="0"/>
                         <a:cs typeface="Helvetica" pitchFamily="34" charset="0"/>
                       </a:endParaRPr>
@@ -11286,13 +11403,13 @@
                     <a:p>
                       <a:pPr algn="ctr" rtl="0"/>
                       <a:r>
-                        <a:rPr lang="en-US" sz="2400" i="1" dirty="0" smtClean="0">
+                        <a:rPr lang="en-US" sz="2800" i="1" dirty="0" smtClean="0">
                           <a:latin typeface="Helvetica" pitchFamily="34" charset="0"/>
                           <a:cs typeface="Helvetica" pitchFamily="34" charset="0"/>
                         </a:rPr>
                         <a:t>H</a:t>
                       </a:r>
-                      <a:endParaRPr lang="he-IL" sz="2400" i="1" dirty="0">
+                      <a:endParaRPr lang="he-IL" sz="2800" i="1" dirty="0">
                         <a:latin typeface="Helvetica" pitchFamily="34" charset="0"/>
                         <a:cs typeface="Helvetica" pitchFamily="34" charset="0"/>
                       </a:endParaRPr>
@@ -11309,7 +11426,7 @@
                     <a:p>
                       <a:pPr algn="ctr" rtl="0"/>
                       <a:r>
-                        <a:rPr lang="en-US" sz="2400" dirty="0" smtClean="0">
+                        <a:rPr lang="en-US" sz="2800" dirty="0" smtClean="0">
                           <a:latin typeface="Helvetica" pitchFamily="34" charset="0"/>
                           <a:cs typeface="Helvetica" pitchFamily="34" charset="0"/>
                         </a:rPr>
@@ -11326,13 +11443,13 @@
                     <a:p>
                       <a:pPr algn="ctr" rtl="0"/>
                       <a:r>
-                        <a:rPr lang="en-US" sz="2400" dirty="0" smtClean="0">
+                        <a:rPr lang="en-US" sz="2800" dirty="0" smtClean="0">
                           <a:latin typeface="Helvetica" pitchFamily="34" charset="0"/>
                           <a:cs typeface="Helvetica" pitchFamily="34" charset="0"/>
                         </a:rPr>
                         <a:t>0.003-0.0004</a:t>
                       </a:r>
-                      <a:endParaRPr lang="he-IL" sz="2400" dirty="0">
+                      <a:endParaRPr lang="he-IL" sz="2800" dirty="0">
                         <a:latin typeface="Helvetica" pitchFamily="34" charset="0"/>
                         <a:cs typeface="Helvetica" pitchFamily="34" charset="0"/>
                       </a:endParaRPr>
@@ -11347,13 +11464,13 @@
                     <a:p>
                       <a:pPr algn="ctr" rtl="0"/>
                       <a:r>
-                        <a:rPr lang="en-US" sz="2400" dirty="0" smtClean="0">
+                        <a:rPr lang="en-US" sz="2800" dirty="0" smtClean="0">
                           <a:latin typeface="Helvetica" pitchFamily="34" charset="0"/>
                           <a:cs typeface="Helvetica" pitchFamily="34" charset="0"/>
                         </a:rPr>
                         <a:t>Genomic mutation rate</a:t>
                       </a:r>
-                      <a:endParaRPr lang="he-IL" sz="2400" dirty="0">
+                      <a:endParaRPr lang="he-IL" sz="2800" dirty="0">
                         <a:latin typeface="Helvetica" pitchFamily="34" charset="0"/>
                         <a:cs typeface="Helvetica" pitchFamily="34" charset="0"/>
                       </a:endParaRPr>
@@ -11368,13 +11485,13 @@
                     <a:p>
                       <a:pPr algn="ctr" rtl="0"/>
                       <a:r>
-                        <a:rPr lang="en-US" sz="2400" i="1" dirty="0" smtClean="0">
+                        <a:rPr lang="en-US" sz="2800" i="1" dirty="0" smtClean="0">
                           <a:latin typeface="Helvetica" pitchFamily="34" charset="0"/>
                           <a:cs typeface="Helvetica" pitchFamily="34" charset="0"/>
                         </a:rPr>
                         <a:t>U</a:t>
                       </a:r>
-                      <a:endParaRPr lang="he-IL" sz="2400" i="1" dirty="0">
+                      <a:endParaRPr lang="he-IL" sz="2800" i="1" dirty="0">
                         <a:latin typeface="Helvetica" pitchFamily="34" charset="0"/>
                         <a:cs typeface="Helvetica" pitchFamily="34" charset="0"/>
                       </a:endParaRPr>
@@ -11391,13 +11508,13 @@
                     <a:p>
                       <a:pPr algn="ctr" rtl="0"/>
                       <a:r>
-                        <a:rPr lang="en-US" sz="2400" dirty="0" smtClean="0">
+                        <a:rPr lang="en-US" sz="2800" dirty="0" smtClean="0">
                           <a:latin typeface="Helvetica" pitchFamily="34" charset="0"/>
                           <a:cs typeface="Helvetica" pitchFamily="34" charset="0"/>
                         </a:rPr>
                         <a:t>6</a:t>
                       </a:r>
-                      <a:endParaRPr lang="he-IL" sz="2400" dirty="0">
+                      <a:endParaRPr lang="he-IL" sz="2800" dirty="0">
                         <a:latin typeface="Helvetica" pitchFamily="34" charset="0"/>
                         <a:cs typeface="Helvetica" pitchFamily="34" charset="0"/>
                       </a:endParaRPr>
@@ -11412,20 +11529,20 @@
                     <a:p>
                       <a:pPr algn="ctr" rtl="0"/>
                       <a:r>
-                        <a:rPr lang="en-US" sz="2400" i="1" dirty="0" smtClean="0">
+                        <a:rPr lang="en-US" sz="2800" i="1" dirty="0" smtClean="0">
                           <a:latin typeface="Helvetica" pitchFamily="34" charset="0"/>
                           <a:cs typeface="Helvetica" pitchFamily="34" charset="0"/>
                         </a:rPr>
                         <a:t>U</a:t>
                       </a:r>
                       <a:r>
-                        <a:rPr lang="en-US" sz="2400" dirty="0" smtClean="0">
+                        <a:rPr lang="en-US" sz="2800" dirty="0" smtClean="0">
                           <a:latin typeface="Helvetica" pitchFamily="34" charset="0"/>
                           <a:cs typeface="Helvetica" pitchFamily="34" charset="0"/>
                         </a:rPr>
                         <a:t>/5000</a:t>
                       </a:r>
-                      <a:endParaRPr lang="he-IL" sz="2400" dirty="0">
+                      <a:endParaRPr lang="he-IL" sz="2800" dirty="0">
                         <a:latin typeface="Helvetica" pitchFamily="34" charset="0"/>
                         <a:cs typeface="Helvetica" pitchFamily="34" charset="0"/>
                       </a:endParaRPr>
@@ -11440,13 +11557,13 @@
                     <a:p>
                       <a:pPr algn="ctr" rtl="0"/>
                       <a:r>
-                        <a:rPr lang="en-US" sz="2400" dirty="0" smtClean="0">
+                        <a:rPr lang="en-US" sz="2800" dirty="0" smtClean="0">
                           <a:latin typeface="Helvetica" pitchFamily="34" charset="0"/>
                           <a:cs typeface="Helvetica" pitchFamily="34" charset="0"/>
                         </a:rPr>
                         <a:t>Beneficial site mutation rate</a:t>
                       </a:r>
-                      <a:endParaRPr lang="he-IL" sz="2400" dirty="0">
+                      <a:endParaRPr lang="he-IL" sz="2800" dirty="0">
                         <a:latin typeface="Helvetica" pitchFamily="34" charset="0"/>
                         <a:cs typeface="Helvetica" pitchFamily="34" charset="0"/>
                       </a:endParaRPr>
@@ -11461,13 +11578,13 @@
                     <a:p>
                       <a:pPr algn="ctr" rtl="0"/>
                       <a:r>
-                        <a:rPr lang="he-IL" sz="2400" i="1" dirty="0" smtClean="0">
+                        <a:rPr lang="he-IL" sz="2800" i="1" dirty="0" smtClean="0">
                           <a:latin typeface="Helvetica" pitchFamily="34" charset="0"/>
                           <a:cs typeface="Helvetica" pitchFamily="34" charset="0"/>
                         </a:rPr>
                         <a:t>µ</a:t>
                       </a:r>
-                      <a:endParaRPr lang="he-IL" sz="2400" i="1" dirty="0">
+                      <a:endParaRPr lang="he-IL" sz="2800" i="1" dirty="0">
                         <a:latin typeface="Helvetica" pitchFamily="34" charset="0"/>
                         <a:cs typeface="Helvetica" pitchFamily="34" charset="0"/>
                       </a:endParaRPr>
@@ -11484,13 +11601,13 @@
                     <a:p>
                       <a:pPr algn="ctr" rtl="0"/>
                       <a:r>
-                        <a:rPr lang="en-US" sz="2400" dirty="0" smtClean="0">
+                        <a:rPr lang="en-US" sz="2800" dirty="0" smtClean="0">
                           <a:latin typeface="Helvetica" pitchFamily="34" charset="0"/>
                           <a:cs typeface="Helvetica" pitchFamily="34" charset="0"/>
                         </a:rPr>
                         <a:t>9</a:t>
                       </a:r>
-                      <a:endParaRPr lang="he-IL" sz="2400" dirty="0">
+                      <a:endParaRPr lang="he-IL" sz="2800" dirty="0">
                         <a:latin typeface="Helvetica" pitchFamily="34" charset="0"/>
                         <a:cs typeface="Helvetica" pitchFamily="34" charset="0"/>
                       </a:endParaRPr>
@@ -11505,13 +11622,13 @@
                     <a:p>
                       <a:pPr algn="ctr" rtl="0"/>
                       <a:r>
-                        <a:rPr lang="en-US" sz="2400" dirty="0" smtClean="0">
+                        <a:rPr lang="en-US" sz="2800" dirty="0" smtClean="0">
                           <a:latin typeface="Helvetica" pitchFamily="34" charset="0"/>
                           <a:cs typeface="Helvetica" pitchFamily="34" charset="0"/>
                         </a:rPr>
                         <a:t>1-100</a:t>
                       </a:r>
-                      <a:endParaRPr lang="he-IL" sz="2400" dirty="0">
+                      <a:endParaRPr lang="he-IL" sz="2800" dirty="0">
                         <a:latin typeface="Helvetica" pitchFamily="34" charset="0"/>
                         <a:cs typeface="Helvetica" pitchFamily="34" charset="0"/>
                       </a:endParaRPr>
@@ -11526,13 +11643,13 @@
                     <a:p>
                       <a:pPr algn="ctr" rtl="0"/>
                       <a:r>
-                        <a:rPr lang="en-US" sz="2400" dirty="0" smtClean="0">
+                        <a:rPr lang="en-US" sz="2800" dirty="0" smtClean="0">
                           <a:latin typeface="Helvetica" pitchFamily="34" charset="0"/>
                           <a:cs typeface="Helvetica" pitchFamily="34" charset="0"/>
                         </a:rPr>
                         <a:t>Mutation rate increase</a:t>
                       </a:r>
-                      <a:endParaRPr lang="he-IL" sz="2400" dirty="0">
+                      <a:endParaRPr lang="he-IL" sz="2800" dirty="0">
                         <a:latin typeface="Helvetica" pitchFamily="34" charset="0"/>
                         <a:cs typeface="Helvetica" pitchFamily="34" charset="0"/>
                       </a:endParaRPr>
@@ -11547,13 +11664,13 @@
                     <a:p>
                       <a:pPr algn="ctr" rtl="0"/>
                       <a:r>
-                        <a:rPr lang="el-GR" sz="2400" i="1" dirty="0" smtClean="0">
+                        <a:rPr lang="el-GR" sz="2800" i="1" dirty="0" smtClean="0">
                           <a:latin typeface="Helvetica" pitchFamily="34" charset="0"/>
                           <a:cs typeface="Helvetica" pitchFamily="34" charset="0"/>
                         </a:rPr>
                         <a:t>τ</a:t>
                       </a:r>
-                      <a:endParaRPr lang="he-IL" sz="2400" i="1" dirty="0">
+                      <a:endParaRPr lang="he-IL" sz="2800" i="1" dirty="0">
                         <a:latin typeface="Helvetica" pitchFamily="34" charset="0"/>
                         <a:cs typeface="Helvetica" pitchFamily="34" charset="0"/>
                       </a:endParaRPr>
@@ -11570,13 +11687,13 @@
                     <a:p>
                       <a:pPr algn="ctr" rtl="0"/>
                       <a:r>
-                        <a:rPr lang="en-US" sz="2400" dirty="0" smtClean="0">
+                        <a:rPr lang="en-US" sz="2800" dirty="0" smtClean="0">
                           <a:latin typeface="Helvetica" pitchFamily="34" charset="0"/>
                           <a:cs typeface="Helvetica" pitchFamily="34" charset="0"/>
                         </a:rPr>
                         <a:t>-</a:t>
                       </a:r>
-                      <a:endParaRPr lang="he-IL" sz="2400" dirty="0">
+                      <a:endParaRPr lang="he-IL" sz="2800" dirty="0">
                         <a:latin typeface="Helvetica" pitchFamily="34" charset="0"/>
                         <a:cs typeface="Helvetica" pitchFamily="34" charset="0"/>
                       </a:endParaRPr>
@@ -11591,34 +11708,34 @@
                     <a:p>
                       <a:pPr algn="ctr" rtl="0"/>
                       <a:r>
-                        <a:rPr lang="en-US" sz="2400" dirty="0" smtClean="0">
+                        <a:rPr lang="en-US" sz="2800" dirty="0" smtClean="0">
                           <a:latin typeface="Helvetica" pitchFamily="34" charset="0"/>
                           <a:cs typeface="Helvetica" pitchFamily="34" charset="0"/>
                         </a:rPr>
                         <a:t>10</a:t>
                       </a:r>
                       <a:r>
-                        <a:rPr lang="en-US" sz="2400" baseline="30000" dirty="0" smtClean="0">
+                        <a:rPr lang="en-US" sz="2800" baseline="30000" dirty="0" smtClean="0">
                           <a:latin typeface="Helvetica" pitchFamily="34" charset="0"/>
                           <a:cs typeface="Helvetica" pitchFamily="34" charset="0"/>
                         </a:rPr>
                         <a:t>4</a:t>
                       </a:r>
                       <a:r>
-                        <a:rPr lang="en-US" sz="2400" baseline="0" dirty="0" smtClean="0">
+                        <a:rPr lang="en-US" sz="2800" baseline="0" dirty="0" smtClean="0">
                           <a:latin typeface="Helvetica" pitchFamily="34" charset="0"/>
                           <a:cs typeface="Helvetica" pitchFamily="34" charset="0"/>
                         </a:rPr>
                         <a:t>-10</a:t>
                       </a:r>
                       <a:r>
-                        <a:rPr lang="en-US" sz="2400" baseline="30000" dirty="0" smtClean="0">
+                        <a:rPr lang="en-US" sz="2800" baseline="30000" dirty="0" smtClean="0">
                           <a:latin typeface="Helvetica" pitchFamily="34" charset="0"/>
                           <a:cs typeface="Helvetica" pitchFamily="34" charset="0"/>
                         </a:rPr>
                         <a:t>10</a:t>
                       </a:r>
-                      <a:endParaRPr lang="he-IL" sz="2400" dirty="0">
+                      <a:endParaRPr lang="he-IL" sz="2800" dirty="0">
                         <a:latin typeface="Helvetica" pitchFamily="34" charset="0"/>
                         <a:cs typeface="Helvetica" pitchFamily="34" charset="0"/>
                       </a:endParaRPr>
@@ -11633,13 +11750,13 @@
                     <a:p>
                       <a:pPr algn="ctr" rtl="0"/>
                       <a:r>
-                        <a:rPr lang="en-US" sz="2400" dirty="0" smtClean="0">
+                        <a:rPr lang="en-US" sz="2800" dirty="0" smtClean="0">
                           <a:latin typeface="Helvetica" pitchFamily="34" charset="0"/>
                           <a:cs typeface="Helvetica" pitchFamily="34" charset="0"/>
                         </a:rPr>
                         <a:t>Population size</a:t>
                       </a:r>
-                      <a:endParaRPr lang="he-IL" sz="2400" dirty="0">
+                      <a:endParaRPr lang="he-IL" sz="2800" dirty="0">
                         <a:latin typeface="Helvetica" pitchFamily="34" charset="0"/>
                         <a:cs typeface="Helvetica" pitchFamily="34" charset="0"/>
                       </a:endParaRPr>
@@ -11654,13 +11771,13 @@
                     <a:p>
                       <a:pPr algn="ctr" rtl="0"/>
                       <a:r>
-                        <a:rPr lang="en-US" sz="2400" i="1" dirty="0" smtClean="0">
+                        <a:rPr lang="en-US" sz="2800" i="1" dirty="0" smtClean="0">
                           <a:latin typeface="Helvetica" pitchFamily="34" charset="0"/>
                           <a:cs typeface="Helvetica" pitchFamily="34" charset="0"/>
                         </a:rPr>
                         <a:t>N</a:t>
                       </a:r>
-                      <a:endParaRPr lang="he-IL" sz="2400" i="1" dirty="0">
+                      <a:endParaRPr lang="he-IL" sz="2800" i="1" dirty="0">
                         <a:latin typeface="Helvetica" pitchFamily="34" charset="0"/>
                         <a:cs typeface="Helvetica" pitchFamily="34" charset="0"/>
                       </a:endParaRPr>
@@ -11681,7 +11798,7 @@
         </p:nvSpPr>
         <p:spPr>
           <a:xfrm>
-            <a:off x="16330079" y="25203100"/>
+            <a:off x="16377416" y="25213169"/>
             <a:ext cx="10409860" cy="1070051"/>
           </a:xfrm>
           <a:prstGeom prst="rect">
@@ -11994,7 +12111,7 @@
         </p:blipFill>
         <p:spPr bwMode="auto">
           <a:xfrm>
-            <a:off x="4752828" y="32763940"/>
+            <a:off x="4752828" y="32619924"/>
             <a:ext cx="7108839" cy="6115050"/>
           </a:xfrm>
           <a:prstGeom prst="rect">
@@ -12329,7 +12446,7 @@
         </p:blipFill>
         <p:spPr bwMode="auto">
           <a:xfrm>
-            <a:off x="30689237" y="16618690"/>
+            <a:off x="30689237" y="17523825"/>
             <a:ext cx="8756948" cy="6568186"/>
           </a:xfrm>
           <a:prstGeom prst="rect">
@@ -12411,7 +12528,7 @@
         </p:blipFill>
         <p:spPr bwMode="auto">
           <a:xfrm>
-            <a:off x="34564820" y="12331849"/>
+            <a:off x="34564820" y="12691889"/>
             <a:ext cx="6120000" cy="4590331"/>
           </a:xfrm>
           <a:prstGeom prst="rect">
@@ -12437,7 +12554,7 @@
         </p:nvSpPr>
         <p:spPr>
           <a:xfrm>
-            <a:off x="29862781" y="23598026"/>
+            <a:off x="29862781" y="24503161"/>
             <a:ext cx="10409860" cy="2140099"/>
           </a:xfrm>
           <a:prstGeom prst="rect">
@@ -12933,7 +13050,7 @@
         </p:nvSpPr>
         <p:spPr>
           <a:xfrm>
-            <a:off x="29361015" y="12661349"/>
+            <a:off x="29361015" y="13021389"/>
             <a:ext cx="5203805" cy="4054957"/>
           </a:xfrm>
           <a:prstGeom prst="rect">

--- a/poster.pptx
+++ b/poster.pptx
@@ -3278,7 +3278,7 @@
         </p:nvSpPr>
         <p:spPr bwMode="auto">
           <a:xfrm>
-            <a:off x="1180964" y="759375"/>
+            <a:off x="1224436" y="1368452"/>
             <a:ext cx="40800000" cy="41680575"/>
           </a:xfrm>
           <a:prstGeom prst="rect">
@@ -4520,7 +4520,16 @@
                 </a:solidFill>
                 <a:latin typeface="+mn-lt"/>
               </a:rPr>
-              <a:t>We performed Wright-Fisher simulations without </a:t>
+              <a:t>We performed Wright-Fisher simulations without recombination, tracking the frequency of </a:t>
+            </a:r>
+            <a:r>
+              <a:rPr lang="en-US" sz="2800" i="1" kern="0" dirty="0" err="1" smtClean="0">
+                <a:solidFill>
+                  <a:srgbClr val="000000"/>
+                </a:solidFill>
+                <a:latin typeface="+mn-lt"/>
+              </a:rPr>
+              <a:t>ab</a:t>
             </a:r>
             <a:r>
               <a:rPr lang="en-US" sz="2800" kern="0" dirty="0" smtClean="0">
@@ -4529,7 +4538,16 @@
                 </a:solidFill>
                 <a:latin typeface="+mn-lt"/>
               </a:rPr>
-              <a:t>recombination, tracking </a:t>
+              <a:t>, </a:t>
+            </a:r>
+            <a:r>
+              <a:rPr lang="en-US" sz="2800" i="1" kern="0" dirty="0" err="1" smtClean="0">
+                <a:solidFill>
+                  <a:srgbClr val="000000"/>
+                </a:solidFill>
+                <a:latin typeface="+mn-lt"/>
+              </a:rPr>
+              <a:t>Ab</a:t>
             </a:r>
             <a:r>
               <a:rPr lang="en-US" sz="2800" kern="0" dirty="0" smtClean="0">
@@ -4538,7 +4556,7 @@
                 </a:solidFill>
                 <a:latin typeface="+mn-lt"/>
               </a:rPr>
-              <a:t>the frequency of </a:t>
+              <a:t>, </a:t>
             </a:r>
             <a:r>
               <a:rPr lang="en-US" sz="2800" i="1" kern="0" dirty="0" err="1" smtClean="0">
@@ -4547,7 +4565,16 @@
                 </a:solidFill>
                 <a:latin typeface="+mn-lt"/>
               </a:rPr>
-              <a:t>ab</a:t>
+              <a:t>aB</a:t>
+            </a:r>
+            <a:r>
+              <a:rPr lang="en-US" sz="2800" kern="0" dirty="0">
+                <a:solidFill>
+                  <a:srgbClr val="000000"/>
+                </a:solidFill>
+                <a:latin typeface="+mn-lt"/>
+              </a:rPr>
+              <a:t> </a:t>
             </a:r>
             <a:r>
               <a:rPr lang="en-US" sz="2800" kern="0" dirty="0" smtClean="0">
@@ -4556,16 +4583,16 @@
                 </a:solidFill>
                 <a:latin typeface="+mn-lt"/>
               </a:rPr>
-              <a:t>, </a:t>
-            </a:r>
-            <a:r>
-              <a:rPr lang="en-US" sz="2800" i="1" kern="0" dirty="0" err="1" smtClean="0">
+              <a:t>and </a:t>
+            </a:r>
+            <a:r>
+              <a:rPr lang="en-US" sz="2800" i="1" kern="0" dirty="0" smtClean="0">
                 <a:solidFill>
                   <a:srgbClr val="000000"/>
                 </a:solidFill>
                 <a:latin typeface="+mn-lt"/>
               </a:rPr>
-              <a:t>Ab</a:t>
+              <a:t>AB</a:t>
             </a:r>
             <a:r>
               <a:rPr lang="en-US" sz="2800" kern="0" dirty="0" smtClean="0">
@@ -4574,61 +4601,7 @@
                 </a:solidFill>
                 <a:latin typeface="+mn-lt"/>
               </a:rPr>
-              <a:t>, </a:t>
-            </a:r>
-            <a:r>
-              <a:rPr lang="en-US" sz="2800" i="1" kern="0" dirty="0" err="1" smtClean="0">
-                <a:solidFill>
-                  <a:srgbClr val="000000"/>
-                </a:solidFill>
-                <a:latin typeface="+mn-lt"/>
-              </a:rPr>
-              <a:t>aB</a:t>
-            </a:r>
-            <a:r>
-              <a:rPr lang="en-US" sz="2800" kern="0" dirty="0">
-                <a:solidFill>
-                  <a:srgbClr val="000000"/>
-                </a:solidFill>
-                <a:latin typeface="+mn-lt"/>
-              </a:rPr>
-              <a:t> </a:t>
-            </a:r>
-            <a:r>
-              <a:rPr lang="en-US" sz="2800" kern="0" dirty="0" smtClean="0">
-                <a:solidFill>
-                  <a:srgbClr val="000000"/>
-                </a:solidFill>
-                <a:latin typeface="+mn-lt"/>
-              </a:rPr>
-              <a:t>and </a:t>
-            </a:r>
-            <a:r>
-              <a:rPr lang="en-US" sz="2800" i="1" kern="0" dirty="0" smtClean="0">
-                <a:solidFill>
-                  <a:srgbClr val="000000"/>
-                </a:solidFill>
-                <a:latin typeface="+mn-lt"/>
-              </a:rPr>
-              <a:t>AB</a:t>
-            </a:r>
-            <a:r>
-              <a:rPr lang="en-US" sz="2800" kern="0" dirty="0" smtClean="0">
-                <a:solidFill>
-                  <a:srgbClr val="000000"/>
-                </a:solidFill>
-                <a:latin typeface="+mn-lt"/>
-              </a:rPr>
-              <a:t> and the number of deleterious mutations in each type – see Figure </a:t>
-            </a:r>
-            <a:r>
-              <a:rPr lang="en-US" sz="2800" kern="0" dirty="0" smtClean="0">
-                <a:solidFill>
-                  <a:srgbClr val="000000"/>
-                </a:solidFill>
-                <a:latin typeface="+mn-lt"/>
-              </a:rPr>
-              <a:t>3.</a:t>
+              <a:t> and the number of deleterious mutations in each type – see Figure 3.</a:t>
             </a:r>
             <a:endParaRPr lang="en-US" sz="2800" i="1" kern="0" dirty="0">
               <a:solidFill>
@@ -5307,16 +5280,7 @@
                 </a:solidFill>
                 <a:latin typeface="+mn-lt"/>
               </a:rPr>
-              <a:t>in v</a:t>
-            </a:r>
-            <a:r>
-              <a:rPr lang="en-US" sz="2800" kern="0" dirty="0" smtClean="0">
-                <a:solidFill>
-                  <a:srgbClr val="000000"/>
-                </a:solidFill>
-                <a:latin typeface="+mn-lt"/>
-              </a:rPr>
-              <a:t>arious species </a:t>
+              <a:t>in various species </a:t>
             </a:r>
             <a:r>
               <a:rPr lang="en-US" sz="2800" kern="0" dirty="0">
@@ -5348,16 +5312,7 @@
                 </a:solidFill>
                 <a:latin typeface="+mn-lt"/>
               </a:rPr>
-              <a:t>In </a:t>
-            </a:r>
-            <a:r>
-              <a:rPr lang="en-US" sz="2800" kern="0" dirty="0" smtClean="0">
-                <a:solidFill>
-                  <a:srgbClr val="000000"/>
-                </a:solidFill>
-                <a:latin typeface="+mn-lt"/>
-              </a:rPr>
-              <a:t>a previous work (4) we modeled the evolution of stress-induced mutagenesis in asexual population in constant and changing environments. Our results showed that </a:t>
+              <a:t>In a previous work (4) we modeled the evolution of stress-induced mutagenesis in asexual population in constant and changing environments. Our results showed that </a:t>
             </a:r>
             <a:r>
               <a:rPr lang="en-US" sz="2800" b="1" kern="0" dirty="0" smtClean="0">
@@ -6227,8 +6182,8 @@
           </a:p>
         </p:txBody>
       </p:sp>
-      <mc:AlternateContent xmlns:mc="http://schemas.openxmlformats.org/markup-compatibility/2006">
-        <mc:Choice xmlns:a14="http://schemas.microsoft.com/office/drawing/2010/main" Requires="a14">
+      <mc:AlternateContent xmlns:mc="http://schemas.openxmlformats.org/markup-compatibility/2006" xmlns:a14="http://schemas.microsoft.com/office/drawing/2010/main">
+        <mc:Choice Requires="a14">
           <p:sp>
             <p:nvSpPr>
               <p:cNvPr id="101" name="Text Box 13"/>
@@ -8600,7 +8555,7 @@
             </p:txBody>
           </p:sp>
         </mc:Choice>
-        <mc:Fallback>
+        <mc:Fallback xmlns="">
           <p:sp>
             <p:nvSpPr>
               <p:cNvPr id="101" name="Text Box 13"/>
@@ -12092,13 +12047,13 @@
       </p:sp>
       <p:pic>
         <p:nvPicPr>
-          <p:cNvPr id="1030" name="Picture 6" descr="D:\workspace\ruggedsim\manuscript\fitness_landscape_4_types.png"/>
+          <p:cNvPr id="1033" name="Picture 9" descr="C:\Users\yoavram\Pictures\yoav_mypictr_Facebook.jpg"/>
           <p:cNvPicPr>
             <a:picLocks noChangeAspect="1" noChangeArrowheads="1"/>
           </p:cNvPicPr>
           <p:nvPr/>
         </p:nvPicPr>
-        <p:blipFill rotWithShape="1">
+        <p:blipFill>
           <a:blip r:embed="rId5">
             <a:extLst>
               <a:ext uri="{28A0092B-C50C-407E-A947-70E740481C1C}">
@@ -12106,13 +12061,15 @@
               </a:ext>
             </a:extLst>
           </a:blip>
-          <a:srcRect l="12196"/>
-          <a:stretch/>
+          <a:srcRect/>
+          <a:stretch>
+            <a:fillRect/>
+          </a:stretch>
         </p:blipFill>
         <p:spPr bwMode="auto">
           <a:xfrm>
-            <a:off x="4752828" y="32619924"/>
-            <a:ext cx="7108839" cy="6115050"/>
+            <a:off x="38956628" y="39172652"/>
+            <a:ext cx="1679338" cy="2099173"/>
           </a:xfrm>
           <a:prstGeom prst="rect">
             <a:avLst/>
@@ -12129,9 +12086,72 @@
           </a:extLst>
         </p:spPr>
       </p:pic>
+      <p:sp>
+        <p:nvSpPr>
+          <p:cNvPr id="44" name="Rectangle 11"/>
+          <p:cNvSpPr>
+            <a:spLocks noChangeArrowheads="1"/>
+          </p:cNvSpPr>
+          <p:nvPr/>
+        </p:nvSpPr>
+        <p:spPr bwMode="auto">
+          <a:xfrm>
+            <a:off x="0" y="0"/>
+            <a:ext cx="43205400" cy="0"/>
+          </a:xfrm>
+          <a:prstGeom prst="rect">
+            <a:avLst/>
+          </a:prstGeom>
+          <a:noFill/>
+          <a:ln>
+            <a:noFill/>
+          </a:ln>
+          <a:effectLst/>
+          <a:extLst>
+            <a:ext uri="{909E8E84-426E-40DD-AFC4-6F175D3DCCD1}">
+              <a14:hiddenFill xmlns:a14="http://schemas.microsoft.com/office/drawing/2010/main">
+                <a:solidFill>
+                  <a:schemeClr val="accent1"/>
+                </a:solidFill>
+              </a14:hiddenFill>
+            </a:ext>
+            <a:ext uri="{91240B29-F687-4F45-9708-019B960494DF}">
+              <a14:hiddenLine xmlns:a14="http://schemas.microsoft.com/office/drawing/2010/main" w="9525">
+                <a:solidFill>
+                  <a:schemeClr val="tx1"/>
+                </a:solidFill>
+                <a:miter lim="800000"/>
+                <a:headEnd/>
+                <a:tailEnd/>
+              </a14:hiddenLine>
+            </a:ext>
+            <a:ext uri="{AF507438-7753-43E0-B8FC-AC1667EBCBE1}">
+              <a14:hiddenEffects xmlns:a14="http://schemas.microsoft.com/office/drawing/2010/main">
+                <a:effectLst>
+                  <a:outerShdw dist="35921" dir="2700000" algn="ctr" rotWithShape="0">
+                    <a:schemeClr val="bg2"/>
+                  </a:outerShdw>
+                </a:effectLst>
+              </a14:hiddenEffects>
+            </a:ext>
+          </a:extLst>
+        </p:spPr>
+        <p:txBody>
+          <a:bodyPr vert="horz" wrap="none" lIns="91440" tIns="45720" rIns="91440" bIns="45720" numCol="1" anchor="ctr" anchorCtr="0" compatLnSpc="1">
+            <a:prstTxWarp prst="textNoShape">
+              <a:avLst/>
+            </a:prstTxWarp>
+            <a:spAutoFit/>
+          </a:bodyPr>
+          <a:lstStyle/>
+          <a:p>
+            <a:endParaRPr lang="he-IL"/>
+          </a:p>
+        </p:txBody>
+      </p:sp>
       <p:pic>
         <p:nvPicPr>
-          <p:cNvPr id="1032" name="Picture 8" descr="D:\workspace\ruggedsim\manuscript\fitness_landscape.png"/>
+          <p:cNvPr id="1036" name="Picture 12"/>
           <p:cNvPicPr>
             <a:picLocks noChangeAspect="1" noChangeArrowheads="1"/>
           </p:cNvPicPr>
@@ -12152,8 +12172,650 @@
         </p:blipFill>
         <p:spPr bwMode="auto">
           <a:xfrm>
-            <a:off x="16850172" y="31118677"/>
-            <a:ext cx="7621927" cy="7621927"/>
+            <a:off x="33110324" y="40756828"/>
+            <a:ext cx="3914775" cy="619125"/>
+          </a:xfrm>
+          <a:prstGeom prst="rect">
+            <a:avLst/>
+          </a:prstGeom>
+          <a:noFill/>
+          <a:ln>
+            <a:noFill/>
+          </a:ln>
+          <a:effectLst/>
+          <a:extLst>
+            <a:ext uri="{909E8E84-426E-40DD-AFC4-6F175D3DCCD1}">
+              <a14:hiddenFill xmlns:a14="http://schemas.microsoft.com/office/drawing/2010/main">
+                <a:solidFill>
+                  <a:schemeClr val="accent1"/>
+                </a:solidFill>
+              </a14:hiddenFill>
+            </a:ext>
+            <a:ext uri="{91240B29-F687-4F45-9708-019B960494DF}">
+              <a14:hiddenLine xmlns:a14="http://schemas.microsoft.com/office/drawing/2010/main" w="9525">
+                <a:solidFill>
+                  <a:schemeClr val="tx1"/>
+                </a:solidFill>
+                <a:miter lim="800000"/>
+                <a:headEnd/>
+                <a:tailEnd/>
+              </a14:hiddenLine>
+            </a:ext>
+            <a:ext uri="{AF507438-7753-43E0-B8FC-AC1667EBCBE1}">
+              <a14:hiddenEffects xmlns:a14="http://schemas.microsoft.com/office/drawing/2010/main">
+                <a:effectLst>
+                  <a:outerShdw dist="35921" dir="2700000" algn="ctr" rotWithShape="0">
+                    <a:schemeClr val="bg2"/>
+                  </a:outerShdw>
+                </a:effectLst>
+              </a14:hiddenEffects>
+            </a:ext>
+          </a:extLst>
+        </p:spPr>
+      </p:pic>
+      <p:sp>
+        <p:nvSpPr>
+          <p:cNvPr id="78" name="TextBox 77"/>
+          <p:cNvSpPr txBox="1"/>
+          <p:nvPr/>
+        </p:nvSpPr>
+        <p:spPr>
+          <a:xfrm>
+            <a:off x="35481015" y="7988860"/>
+            <a:ext cx="5203805" cy="4054957"/>
+          </a:xfrm>
+          <a:prstGeom prst="rect">
+            <a:avLst/>
+          </a:prstGeom>
+          <a:noFill/>
+          <a:ln>
+            <a:noFill/>
+          </a:ln>
+        </p:spPr>
+        <p:txBody>
+          <a:bodyPr wrap="square" lIns="104498" tIns="52249" rIns="104498" bIns="52249" rtlCol="0" anchor="ctr">
+            <a:noAutofit/>
+          </a:bodyPr>
+          <a:lstStyle/>
+          <a:p>
+            <a:pPr algn="ctr" defTabSz="1044976" rtl="0">
+              <a:defRPr/>
+            </a:pPr>
+            <a:r>
+              <a:rPr lang="en-US" sz="2000" b="1" kern="0" dirty="0">
+                <a:solidFill>
+                  <a:sysClr val="windowText" lastClr="000000"/>
+                </a:solidFill>
+                <a:latin typeface="Helvetica" pitchFamily="34" charset="0"/>
+                <a:cs typeface="Helvetica" pitchFamily="34" charset="0"/>
+              </a:rPr>
+              <a:t>Figure 5. </a:t>
+            </a:r>
+            <a:r>
+              <a:rPr lang="en-US" sz="2000" b="1" kern="0" dirty="0" smtClean="0">
+                <a:solidFill>
+                  <a:sysClr val="windowText" lastClr="000000"/>
+                </a:solidFill>
+                <a:latin typeface="Helvetica" pitchFamily="34" charset="0"/>
+                <a:cs typeface="Helvetica" pitchFamily="34" charset="0"/>
+              </a:rPr>
+              <a:t>Waiting time for appearance of double mutant. </a:t>
+            </a:r>
+            <a:r>
+              <a:rPr lang="en-US" sz="2000" kern="0" dirty="0">
+                <a:solidFill>
+                  <a:sysClr val="windowText" lastClr="000000"/>
+                </a:solidFill>
+                <a:latin typeface="Helvetica" pitchFamily="34" charset="0"/>
+                <a:cs typeface="Helvetica" pitchFamily="34" charset="0"/>
+              </a:rPr>
+              <a:t>The number of </a:t>
+            </a:r>
+            <a:r>
+              <a:rPr lang="en-US" sz="2000" kern="0" dirty="0" smtClean="0">
+                <a:solidFill>
+                  <a:sysClr val="windowText" lastClr="000000"/>
+                </a:solidFill>
+                <a:latin typeface="Helvetica" pitchFamily="34" charset="0"/>
+                <a:cs typeface="Helvetica" pitchFamily="34" charset="0"/>
+              </a:rPr>
+              <a:t> generations before the appearance of a double mutant. Approximated by </a:t>
+            </a:r>
+            <a:r>
+              <a:rPr lang="en-US" sz="2000" i="1" kern="0" dirty="0" smtClean="0">
+                <a:solidFill>
+                  <a:sysClr val="windowText" lastClr="000000"/>
+                </a:solidFill>
+                <a:latin typeface="Helvetica" pitchFamily="34" charset="0"/>
+                <a:cs typeface="Helvetica" pitchFamily="34" charset="0"/>
+              </a:rPr>
+              <a:t>1/</a:t>
+            </a:r>
+            <a:r>
+              <a:rPr lang="en-US" sz="2000" i="1" kern="0" dirty="0" err="1" smtClean="0">
+                <a:solidFill>
+                  <a:sysClr val="windowText" lastClr="000000"/>
+                </a:solidFill>
+                <a:latin typeface="Helvetica" pitchFamily="34" charset="0"/>
+                <a:cs typeface="Helvetica" pitchFamily="34" charset="0"/>
+              </a:rPr>
+              <a:t>Nq</a:t>
+            </a:r>
+            <a:r>
+              <a:rPr lang="en-US" sz="2000" kern="0" dirty="0" smtClean="0">
+                <a:solidFill>
+                  <a:sysClr val="windowText" lastClr="000000"/>
+                </a:solidFill>
+                <a:latin typeface="Helvetica" pitchFamily="34" charset="0"/>
+                <a:cs typeface="Helvetica" pitchFamily="34" charset="0"/>
+              </a:rPr>
+              <a:t>. </a:t>
+            </a:r>
+            <a:r>
+              <a:rPr lang="en-US" sz="2000" kern="0" dirty="0">
+                <a:solidFill>
+                  <a:sysClr val="windowText" lastClr="000000"/>
+                </a:solidFill>
+                <a:latin typeface="Helvetica" pitchFamily="34" charset="0"/>
+                <a:cs typeface="Helvetica" pitchFamily="34" charset="0"/>
+              </a:rPr>
+              <a:t>Parameters used: </a:t>
+            </a:r>
+            <a:r>
+              <a:rPr lang="en-US" sz="2000" i="1" kern="0" dirty="0">
+                <a:solidFill>
+                  <a:sysClr val="windowText" lastClr="000000"/>
+                </a:solidFill>
+                <a:latin typeface="Helvetica" pitchFamily="34" charset="0"/>
+                <a:cs typeface="Helvetica" pitchFamily="34" charset="0"/>
+              </a:rPr>
+              <a:t>U</a:t>
+            </a:r>
+            <a:r>
+              <a:rPr lang="en-US" sz="2000" kern="0" dirty="0">
+                <a:solidFill>
+                  <a:sysClr val="windowText" lastClr="000000"/>
+                </a:solidFill>
+                <a:latin typeface="Helvetica" pitchFamily="34" charset="0"/>
+                <a:cs typeface="Helvetica" pitchFamily="34" charset="0"/>
+              </a:rPr>
+              <a:t>=0.0004, </a:t>
+            </a:r>
+            <a:r>
+              <a:rPr lang="en-US" sz="2000" i="1" kern="0" dirty="0">
+                <a:solidFill>
+                  <a:sysClr val="windowText" lastClr="000000"/>
+                </a:solidFill>
+                <a:latin typeface="Helvetica" pitchFamily="34" charset="0"/>
+                <a:cs typeface="Helvetica" pitchFamily="34" charset="0"/>
+              </a:rPr>
+              <a:t>µ</a:t>
+            </a:r>
+            <a:r>
+              <a:rPr lang="en-US" sz="2000" kern="0" dirty="0">
+                <a:solidFill>
+                  <a:sysClr val="windowText" lastClr="000000"/>
+                </a:solidFill>
+                <a:latin typeface="Helvetica" pitchFamily="34" charset="0"/>
+                <a:cs typeface="Helvetica" pitchFamily="34" charset="0"/>
+              </a:rPr>
+              <a:t>=</a:t>
+            </a:r>
+            <a:r>
+              <a:rPr lang="en-US" sz="2000" i="1" kern="0" dirty="0">
+                <a:solidFill>
+                  <a:sysClr val="windowText" lastClr="000000"/>
+                </a:solidFill>
+                <a:latin typeface="Helvetica" pitchFamily="34" charset="0"/>
+                <a:cs typeface="Helvetica" pitchFamily="34" charset="0"/>
+              </a:rPr>
+              <a:t>U</a:t>
+            </a:r>
+            <a:r>
+              <a:rPr lang="en-US" sz="2000" kern="0" dirty="0">
+                <a:solidFill>
+                  <a:sysClr val="windowText" lastClr="000000"/>
+                </a:solidFill>
+                <a:latin typeface="Helvetica" pitchFamily="34" charset="0"/>
+                <a:cs typeface="Helvetica" pitchFamily="34" charset="0"/>
+              </a:rPr>
+              <a:t>/5000, </a:t>
+            </a:r>
+            <a:r>
+              <a:rPr lang="en-US" sz="2000" i="1" kern="0" dirty="0">
+                <a:solidFill>
+                  <a:sysClr val="windowText" lastClr="000000"/>
+                </a:solidFill>
+                <a:latin typeface="Helvetica" pitchFamily="34" charset="0"/>
+                <a:cs typeface="Helvetica" pitchFamily="34" charset="0"/>
+              </a:rPr>
+              <a:t>s</a:t>
+            </a:r>
+            <a:r>
+              <a:rPr lang="en-US" sz="2000" kern="0" dirty="0">
+                <a:solidFill>
+                  <a:sysClr val="windowText" lastClr="000000"/>
+                </a:solidFill>
+                <a:latin typeface="Helvetica" pitchFamily="34" charset="0"/>
+                <a:cs typeface="Helvetica" pitchFamily="34" charset="0"/>
+              </a:rPr>
+              <a:t>=0.05, </a:t>
+            </a:r>
+            <a:r>
+              <a:rPr lang="en-US" sz="2000" i="1" kern="0" dirty="0" smtClean="0">
+                <a:solidFill>
+                  <a:sysClr val="windowText" lastClr="000000"/>
+                </a:solidFill>
+                <a:latin typeface="Helvetica" pitchFamily="34" charset="0"/>
+                <a:cs typeface="Helvetica" pitchFamily="34" charset="0"/>
+              </a:rPr>
+              <a:t>N</a:t>
+            </a:r>
+            <a:r>
+              <a:rPr lang="en-US" sz="2000" kern="0" dirty="0" smtClean="0">
+                <a:solidFill>
+                  <a:sysClr val="windowText" lastClr="000000"/>
+                </a:solidFill>
+                <a:latin typeface="Helvetica" pitchFamily="34" charset="0"/>
+                <a:cs typeface="Helvetica" pitchFamily="34" charset="0"/>
+              </a:rPr>
+              <a:t>=10</a:t>
+            </a:r>
+            <a:r>
+              <a:rPr lang="en-US" sz="2000" kern="0" baseline="30000" dirty="0" smtClean="0">
+                <a:solidFill>
+                  <a:sysClr val="windowText" lastClr="000000"/>
+                </a:solidFill>
+                <a:latin typeface="Helvetica" pitchFamily="34" charset="0"/>
+                <a:cs typeface="Helvetica" pitchFamily="34" charset="0"/>
+              </a:rPr>
+              <a:t>8</a:t>
+            </a:r>
+            <a:r>
+              <a:rPr lang="en-US" sz="2000" kern="0" dirty="0">
+                <a:solidFill>
+                  <a:sysClr val="windowText" lastClr="000000"/>
+                </a:solidFill>
+                <a:latin typeface="Helvetica" pitchFamily="34" charset="0"/>
+                <a:cs typeface="Helvetica" pitchFamily="34" charset="0"/>
+              </a:rPr>
+              <a:t>, see Table 1 for refs.</a:t>
+            </a:r>
+            <a:endParaRPr lang="en-US" sz="2000" b="1" kern="0" dirty="0">
+              <a:solidFill>
+                <a:sysClr val="windowText" lastClr="000000"/>
+              </a:solidFill>
+              <a:latin typeface="Helvetica" pitchFamily="34" charset="0"/>
+              <a:cs typeface="Helvetica" pitchFamily="34" charset="0"/>
+            </a:endParaRPr>
+          </a:p>
+        </p:txBody>
+      </p:sp>
+      <p:pic>
+        <p:nvPicPr>
+          <p:cNvPr id="1031" name="Picture 7" descr="D:\university\confrences\GRC2013\adaptation_time_s_0.05_logN_6.png"/>
+          <p:cNvPicPr>
+            <a:picLocks noChangeAspect="1" noChangeArrowheads="1"/>
+          </p:cNvPicPr>
+          <p:nvPr/>
+        </p:nvPicPr>
+        <p:blipFill>
+          <a:blip r:embed="rId7">
+            <a:extLst>
+              <a:ext uri="{28A0092B-C50C-407E-A947-70E740481C1C}">
+                <a14:useLocalDpi xmlns:a14="http://schemas.microsoft.com/office/drawing/2010/main" val="0"/>
+              </a:ext>
+            </a:extLst>
+          </a:blip>
+          <a:srcRect/>
+          <a:stretch>
+            <a:fillRect/>
+          </a:stretch>
+        </p:blipFill>
+        <p:spPr bwMode="auto">
+          <a:xfrm>
+            <a:off x="30459112" y="17498244"/>
+            <a:ext cx="9145588" cy="7316788"/>
+          </a:xfrm>
+          <a:prstGeom prst="rect">
+            <a:avLst/>
+          </a:prstGeom>
+          <a:noFill/>
+          <a:extLst>
+            <a:ext uri="{909E8E84-426E-40DD-AFC4-6F175D3DCCD1}">
+              <a14:hiddenFill xmlns:a14="http://schemas.microsoft.com/office/drawing/2010/main">
+                <a:solidFill>
+                  <a:srgbClr val="FFFFFF"/>
+                </a:solidFill>
+              </a14:hiddenFill>
+            </a:ext>
+          </a:extLst>
+        </p:spPr>
+      </p:pic>
+      <p:sp>
+        <p:nvSpPr>
+          <p:cNvPr id="77" name="TextBox 76"/>
+          <p:cNvSpPr txBox="1"/>
+          <p:nvPr/>
+        </p:nvSpPr>
+        <p:spPr>
+          <a:xfrm>
+            <a:off x="29862781" y="24719185"/>
+            <a:ext cx="10409860" cy="2140099"/>
+          </a:xfrm>
+          <a:prstGeom prst="rect">
+            <a:avLst/>
+          </a:prstGeom>
+          <a:noFill/>
+          <a:ln>
+            <a:noFill/>
+          </a:ln>
+        </p:spPr>
+        <p:txBody>
+          <a:bodyPr wrap="square" lIns="104498" tIns="52249" rIns="104498" bIns="52249" rtlCol="0">
+            <a:noAutofit/>
+          </a:bodyPr>
+          <a:lstStyle/>
+          <a:p>
+            <a:pPr algn="ctr" defTabSz="1044976" rtl="0">
+              <a:defRPr/>
+            </a:pPr>
+            <a:r>
+              <a:rPr lang="en-US" sz="2000" b="1" kern="0" dirty="0">
+                <a:solidFill>
+                  <a:sysClr val="windowText" lastClr="000000"/>
+                </a:solidFill>
+                <a:latin typeface="Helvetica" pitchFamily="34" charset="0"/>
+                <a:cs typeface="Helvetica" pitchFamily="34" charset="0"/>
+              </a:rPr>
+              <a:t>Figure 6</a:t>
+            </a:r>
+            <a:r>
+              <a:rPr lang="en-US" sz="2000" b="1" kern="0" dirty="0" smtClean="0">
+                <a:solidFill>
+                  <a:sysClr val="windowText" lastClr="000000"/>
+                </a:solidFill>
+                <a:latin typeface="Helvetica" pitchFamily="34" charset="0"/>
+                <a:cs typeface="Helvetica" pitchFamily="34" charset="0"/>
+              </a:rPr>
+              <a:t>. Adaptation time. </a:t>
+            </a:r>
+            <a:r>
+              <a:rPr lang="en-US" sz="2000" kern="0" dirty="0" smtClean="0">
+                <a:solidFill>
+                  <a:sysClr val="windowText" lastClr="000000"/>
+                </a:solidFill>
+                <a:latin typeface="Helvetica" pitchFamily="34" charset="0"/>
+                <a:cs typeface="Helvetica" pitchFamily="34" charset="0"/>
+              </a:rPr>
+              <a:t>The number of generations before fixation of a double mutant. The simulation results verify the analytical results: </a:t>
+            </a:r>
+            <a:r>
+              <a:rPr lang="en-US" sz="2000" b="1" i="1" kern="0" dirty="0" smtClean="0">
+                <a:solidFill>
+                  <a:sysClr val="windowText" lastClr="000000"/>
+                </a:solidFill>
+                <a:latin typeface="Helvetica" pitchFamily="34" charset="0"/>
+                <a:cs typeface="Helvetica" pitchFamily="34" charset="0"/>
+              </a:rPr>
+              <a:t>stress-induced </a:t>
+            </a:r>
+            <a:r>
+              <a:rPr lang="en-US" sz="2000" b="1" i="1" kern="0" dirty="0">
+                <a:solidFill>
+                  <a:sysClr val="windowText" lastClr="000000"/>
+                </a:solidFill>
+                <a:latin typeface="Helvetica" pitchFamily="34" charset="0"/>
+                <a:cs typeface="Helvetica" pitchFamily="34" charset="0"/>
+              </a:rPr>
+              <a:t>mutagenesis increases the adaptation </a:t>
+            </a:r>
+            <a:r>
+              <a:rPr lang="en-US" sz="2000" b="1" i="1" kern="0" dirty="0" smtClean="0">
+                <a:solidFill>
+                  <a:sysClr val="windowText" lastClr="000000"/>
+                </a:solidFill>
+                <a:latin typeface="Helvetica" pitchFamily="34" charset="0"/>
+                <a:cs typeface="Helvetica" pitchFamily="34" charset="0"/>
+              </a:rPr>
+              <a:t>rate</a:t>
+            </a:r>
+            <a:r>
+              <a:rPr lang="en-US" sz="2000" kern="0" dirty="0" smtClean="0">
+                <a:solidFill>
+                  <a:sysClr val="windowText" lastClr="000000"/>
+                </a:solidFill>
+                <a:latin typeface="Helvetica" pitchFamily="34" charset="0"/>
+                <a:cs typeface="Helvetica" pitchFamily="34" charset="0"/>
+              </a:rPr>
+              <a:t>. Parameters used: </a:t>
+            </a:r>
+            <a:r>
+              <a:rPr lang="en-US" sz="2000" i="1" kern="0" dirty="0" smtClean="0">
+                <a:solidFill>
+                  <a:sysClr val="windowText" lastClr="000000"/>
+                </a:solidFill>
+                <a:latin typeface="Helvetica" pitchFamily="34" charset="0"/>
+                <a:cs typeface="Helvetica" pitchFamily="34" charset="0"/>
+              </a:rPr>
+              <a:t>U</a:t>
+            </a:r>
+            <a:r>
+              <a:rPr lang="en-US" sz="2000" kern="0" dirty="0" smtClean="0">
+                <a:solidFill>
+                  <a:sysClr val="windowText" lastClr="000000"/>
+                </a:solidFill>
+                <a:latin typeface="Helvetica" pitchFamily="34" charset="0"/>
+                <a:cs typeface="Helvetica" pitchFamily="34" charset="0"/>
+              </a:rPr>
+              <a:t>=0.0004, </a:t>
+            </a:r>
+            <a:r>
+              <a:rPr lang="en-US" sz="2000" i="1" kern="0" dirty="0" smtClean="0">
+                <a:solidFill>
+                  <a:sysClr val="windowText" lastClr="000000"/>
+                </a:solidFill>
+                <a:latin typeface="Helvetica" pitchFamily="34" charset="0"/>
+                <a:cs typeface="Helvetica" pitchFamily="34" charset="0"/>
+              </a:rPr>
+              <a:t>µ</a:t>
+            </a:r>
+            <a:r>
+              <a:rPr lang="en-US" sz="2000" kern="0" dirty="0" smtClean="0">
+                <a:solidFill>
+                  <a:sysClr val="windowText" lastClr="000000"/>
+                </a:solidFill>
+                <a:latin typeface="Helvetica" pitchFamily="34" charset="0"/>
+                <a:cs typeface="Helvetica" pitchFamily="34" charset="0"/>
+              </a:rPr>
+              <a:t>=</a:t>
+            </a:r>
+            <a:r>
+              <a:rPr lang="en-US" sz="2000" i="1" kern="0" dirty="0" smtClean="0">
+                <a:solidFill>
+                  <a:sysClr val="windowText" lastClr="000000"/>
+                </a:solidFill>
+                <a:latin typeface="Helvetica" pitchFamily="34" charset="0"/>
+                <a:cs typeface="Helvetica" pitchFamily="34" charset="0"/>
+              </a:rPr>
+              <a:t>U</a:t>
+            </a:r>
+            <a:r>
+              <a:rPr lang="en-US" sz="2000" kern="0" dirty="0" smtClean="0">
+                <a:solidFill>
+                  <a:sysClr val="windowText" lastClr="000000"/>
+                </a:solidFill>
+                <a:latin typeface="Helvetica" pitchFamily="34" charset="0"/>
+                <a:cs typeface="Helvetica" pitchFamily="34" charset="0"/>
+              </a:rPr>
+              <a:t>/5000, </a:t>
+            </a:r>
+            <a:r>
+              <a:rPr lang="en-US" sz="2000" i="1" kern="0" dirty="0" smtClean="0">
+                <a:solidFill>
+                  <a:sysClr val="windowText" lastClr="000000"/>
+                </a:solidFill>
+                <a:latin typeface="Helvetica" pitchFamily="34" charset="0"/>
+                <a:cs typeface="Helvetica" pitchFamily="34" charset="0"/>
+              </a:rPr>
+              <a:t>s</a:t>
+            </a:r>
+            <a:r>
+              <a:rPr lang="en-US" sz="2000" kern="0" dirty="0" smtClean="0">
+                <a:solidFill>
+                  <a:sysClr val="windowText" lastClr="000000"/>
+                </a:solidFill>
+                <a:latin typeface="Helvetica" pitchFamily="34" charset="0"/>
+                <a:cs typeface="Helvetica" pitchFamily="34" charset="0"/>
+              </a:rPr>
+              <a:t>=0.05, </a:t>
+            </a:r>
+            <a:r>
+              <a:rPr lang="en-US" sz="2000" i="1" kern="0" dirty="0">
+                <a:solidFill>
+                  <a:sysClr val="windowText" lastClr="000000"/>
+                </a:solidFill>
+                <a:latin typeface="Helvetica" pitchFamily="34" charset="0"/>
+                <a:cs typeface="Helvetica" pitchFamily="34" charset="0"/>
+              </a:rPr>
+              <a:t>H</a:t>
+            </a:r>
+            <a:r>
+              <a:rPr lang="en-US" sz="2000" kern="0" dirty="0">
+                <a:solidFill>
+                  <a:sysClr val="windowText" lastClr="000000"/>
+                </a:solidFill>
+                <a:latin typeface="Helvetica" pitchFamily="34" charset="0"/>
+                <a:cs typeface="Helvetica" pitchFamily="34" charset="0"/>
+              </a:rPr>
+              <a:t>=2</a:t>
+            </a:r>
+            <a:r>
+              <a:rPr lang="en-US" sz="2000" kern="0" dirty="0" smtClean="0">
+                <a:solidFill>
+                  <a:sysClr val="windowText" lastClr="000000"/>
+                </a:solidFill>
+                <a:latin typeface="Helvetica" pitchFamily="34" charset="0"/>
+                <a:cs typeface="Helvetica" pitchFamily="34" charset="0"/>
+              </a:rPr>
+              <a:t>, </a:t>
+            </a:r>
+            <a:r>
+              <a:rPr lang="en-US" sz="2000" i="1" kern="0" dirty="0" smtClean="0">
+                <a:solidFill>
+                  <a:sysClr val="windowText" lastClr="000000"/>
+                </a:solidFill>
+                <a:latin typeface="Helvetica" pitchFamily="34" charset="0"/>
+                <a:cs typeface="Helvetica" pitchFamily="34" charset="0"/>
+              </a:rPr>
+              <a:t>N</a:t>
+            </a:r>
+            <a:r>
+              <a:rPr lang="en-US" sz="2000" kern="0" dirty="0" smtClean="0">
+                <a:solidFill>
+                  <a:sysClr val="windowText" lastClr="000000"/>
+                </a:solidFill>
+                <a:latin typeface="Helvetica" pitchFamily="34" charset="0"/>
+                <a:cs typeface="Helvetica" pitchFamily="34" charset="0"/>
+              </a:rPr>
+              <a:t>=10</a:t>
+            </a:r>
+            <a:r>
+              <a:rPr lang="en-US" sz="2000" kern="0" baseline="30000" dirty="0" smtClean="0">
+                <a:solidFill>
+                  <a:sysClr val="windowText" lastClr="000000"/>
+                </a:solidFill>
+                <a:latin typeface="Helvetica" pitchFamily="34" charset="0"/>
+                <a:cs typeface="Helvetica" pitchFamily="34" charset="0"/>
+              </a:rPr>
+              <a:t>8</a:t>
+            </a:r>
+            <a:r>
+              <a:rPr lang="en-US" sz="2000" kern="0" dirty="0" smtClean="0">
+                <a:solidFill>
+                  <a:sysClr val="windowText" lastClr="000000"/>
+                </a:solidFill>
+                <a:latin typeface="Helvetica" pitchFamily="34" charset="0"/>
+                <a:cs typeface="Helvetica" pitchFamily="34" charset="0"/>
+              </a:rPr>
+              <a:t>, see Table 1 for refs.</a:t>
+            </a:r>
+            <a:endParaRPr lang="en-US" sz="2000" kern="0" dirty="0">
+              <a:solidFill>
+                <a:sysClr val="windowText" lastClr="000000"/>
+              </a:solidFill>
+              <a:latin typeface="Helvetica" pitchFamily="34" charset="0"/>
+              <a:cs typeface="Helvetica" pitchFamily="34" charset="0"/>
+            </a:endParaRPr>
+          </a:p>
+        </p:txBody>
+      </p:sp>
+      <p:pic>
+        <p:nvPicPr>
+          <p:cNvPr id="9" name="Picture 6" descr="D:\university\confrences\GRC2013\app_fix_probs_s_0.05_logN_6.png"/>
+          <p:cNvPicPr>
+            <a:picLocks noChangeAspect="1" noChangeArrowheads="1"/>
+          </p:cNvPicPr>
+          <p:nvPr/>
+        </p:nvPicPr>
+        <p:blipFill>
+          <a:blip r:embed="rId8">
+            <a:extLst>
+              <a:ext uri="{28A0092B-C50C-407E-A947-70E740481C1C}">
+                <a14:useLocalDpi xmlns:a14="http://schemas.microsoft.com/office/drawing/2010/main" val="0"/>
+              </a:ext>
+            </a:extLst>
+          </a:blip>
+          <a:srcRect/>
+          <a:stretch>
+            <a:fillRect/>
+          </a:stretch>
+        </p:blipFill>
+        <p:spPr bwMode="auto">
+          <a:xfrm>
+            <a:off x="29451572" y="7921180"/>
+            <a:ext cx="6084888" cy="9742487"/>
+          </a:xfrm>
+          <a:prstGeom prst="rect">
+            <a:avLst/>
+          </a:prstGeom>
+          <a:noFill/>
+          <a:extLst>
+            <a:ext uri="{909E8E84-426E-40DD-AFC4-6F175D3DCCD1}">
+              <a14:hiddenFill xmlns:a14="http://schemas.microsoft.com/office/drawing/2010/main">
+                <a:solidFill>
+                  <a:srgbClr val="FFFFFF"/>
+                </a:solidFill>
+              </a14:hiddenFill>
+            </a:ext>
+          </a:extLst>
+        </p:spPr>
+      </p:pic>
+      <p:pic>
+        <p:nvPicPr>
+          <p:cNvPr id="1035" name="Picture 11" descr="D:\university\confrences\GRC2013\fitness_landscape_stochastic_model.png"/>
+          <p:cNvPicPr>
+            <a:picLocks noChangeAspect="1" noChangeArrowheads="1"/>
+          </p:cNvPicPr>
+          <p:nvPr/>
+        </p:nvPicPr>
+        <p:blipFill>
+          <a:blip r:embed="rId9">
+            <a:extLst>
+              <a:ext uri="{28A0092B-C50C-407E-A947-70E740481C1C}">
+                <a14:useLocalDpi xmlns:a14="http://schemas.microsoft.com/office/drawing/2010/main" val="0"/>
+              </a:ext>
+            </a:extLst>
+          </a:blip>
+          <a:srcRect/>
+          <a:stretch>
+            <a:fillRect/>
+          </a:stretch>
+        </p:blipFill>
+        <p:spPr bwMode="auto">
+          <a:xfrm>
+            <a:off x="17426236" y="30937690"/>
+            <a:ext cx="7562850" cy="7562850"/>
           </a:xfrm>
           <a:prstGeom prst="rect">
             <a:avLst/>
@@ -12178,7 +12840,7 @@
         </p:nvGrpSpPr>
         <p:grpSpPr>
           <a:xfrm>
-            <a:off x="23013763" y="30824632"/>
+            <a:off x="23301795" y="30649658"/>
             <a:ext cx="3629497" cy="7946930"/>
             <a:chOff x="8755658" y="31870227"/>
             <a:chExt cx="3269978" cy="7159749"/>
@@ -12193,7 +12855,7 @@
             <p:nvPr/>
           </p:nvPicPr>
           <p:blipFill rotWithShape="1">
-            <a:blip r:embed="rId7">
+            <a:blip r:embed="rId10">
               <a:extLst>
                 <a:ext uri="{28A0092B-C50C-407E-A947-70E740481C1C}">
                   <a14:useLocalDpi xmlns:a14="http://schemas.microsoft.com/office/drawing/2010/main" val="0"/>
@@ -12257,216 +12919,7 @@
       </p:grpSp>
       <p:pic>
         <p:nvPicPr>
-          <p:cNvPr id="1033" name="Picture 9" descr="C:\Users\yoavram\Pictures\yoav_mypictr_Facebook.jpg"/>
-          <p:cNvPicPr>
-            <a:picLocks noChangeAspect="1" noChangeArrowheads="1"/>
-          </p:cNvPicPr>
-          <p:nvPr/>
-        </p:nvPicPr>
-        <p:blipFill>
-          <a:blip r:embed="rId8">
-            <a:extLst>
-              <a:ext uri="{28A0092B-C50C-407E-A947-70E740481C1C}">
-                <a14:useLocalDpi xmlns:a14="http://schemas.microsoft.com/office/drawing/2010/main" val="0"/>
-              </a:ext>
-            </a:extLst>
-          </a:blip>
-          <a:srcRect/>
-          <a:stretch>
-            <a:fillRect/>
-          </a:stretch>
-        </p:blipFill>
-        <p:spPr bwMode="auto">
-          <a:xfrm>
-            <a:off x="38956628" y="39172652"/>
-            <a:ext cx="1679338" cy="2099173"/>
-          </a:xfrm>
-          <a:prstGeom prst="rect">
-            <a:avLst/>
-          </a:prstGeom>
-          <a:noFill/>
-          <a:extLst>
-            <a:ext uri="{909E8E84-426E-40DD-AFC4-6F175D3DCCD1}">
-              <a14:hiddenFill xmlns:a14="http://schemas.microsoft.com/office/drawing/2010/main">
-                <a:solidFill>
-                  <a:srgbClr val="FFFFFF"/>
-                </a:solidFill>
-              </a14:hiddenFill>
-            </a:ext>
-          </a:extLst>
-        </p:spPr>
-      </p:pic>
-      <p:sp>
-        <p:nvSpPr>
-          <p:cNvPr id="44" name="Rectangle 11"/>
-          <p:cNvSpPr>
-            <a:spLocks noChangeArrowheads="1"/>
-          </p:cNvSpPr>
-          <p:nvPr/>
-        </p:nvSpPr>
-        <p:spPr bwMode="auto">
-          <a:xfrm>
-            <a:off x="0" y="0"/>
-            <a:ext cx="43205400" cy="0"/>
-          </a:xfrm>
-          <a:prstGeom prst="rect">
-            <a:avLst/>
-          </a:prstGeom>
-          <a:noFill/>
-          <a:ln>
-            <a:noFill/>
-          </a:ln>
-          <a:effectLst/>
-          <a:extLst>
-            <a:ext uri="{909E8E84-426E-40DD-AFC4-6F175D3DCCD1}">
-              <a14:hiddenFill xmlns:a14="http://schemas.microsoft.com/office/drawing/2010/main">
-                <a:solidFill>
-                  <a:schemeClr val="accent1"/>
-                </a:solidFill>
-              </a14:hiddenFill>
-            </a:ext>
-            <a:ext uri="{91240B29-F687-4F45-9708-019B960494DF}">
-              <a14:hiddenLine xmlns:a14="http://schemas.microsoft.com/office/drawing/2010/main" w="9525">
-                <a:solidFill>
-                  <a:schemeClr val="tx1"/>
-                </a:solidFill>
-                <a:miter lim="800000"/>
-                <a:headEnd/>
-                <a:tailEnd/>
-              </a14:hiddenLine>
-            </a:ext>
-            <a:ext uri="{AF507438-7753-43E0-B8FC-AC1667EBCBE1}">
-              <a14:hiddenEffects xmlns:a14="http://schemas.microsoft.com/office/drawing/2010/main">
-                <a:effectLst>
-                  <a:outerShdw dist="35921" dir="2700000" algn="ctr" rotWithShape="0">
-                    <a:schemeClr val="bg2"/>
-                  </a:outerShdw>
-                </a:effectLst>
-              </a14:hiddenEffects>
-            </a:ext>
-          </a:extLst>
-        </p:spPr>
-        <p:txBody>
-          <a:bodyPr vert="horz" wrap="none" lIns="91440" tIns="45720" rIns="91440" bIns="45720" numCol="1" anchor="ctr" anchorCtr="0" compatLnSpc="1">
-            <a:prstTxWarp prst="textNoShape">
-              <a:avLst/>
-            </a:prstTxWarp>
-            <a:spAutoFit/>
-          </a:bodyPr>
-          <a:lstStyle/>
-          <a:p>
-            <a:endParaRPr lang="he-IL"/>
-          </a:p>
-        </p:txBody>
-      </p:sp>
-      <p:pic>
-        <p:nvPicPr>
-          <p:cNvPr id="1036" name="Picture 12"/>
-          <p:cNvPicPr>
-            <a:picLocks noChangeAspect="1" noChangeArrowheads="1"/>
-          </p:cNvPicPr>
-          <p:nvPr/>
-        </p:nvPicPr>
-        <p:blipFill>
-          <a:blip r:embed="rId9">
-            <a:extLst>
-              <a:ext uri="{28A0092B-C50C-407E-A947-70E740481C1C}">
-                <a14:useLocalDpi xmlns:a14="http://schemas.microsoft.com/office/drawing/2010/main" val="0"/>
-              </a:ext>
-            </a:extLst>
-          </a:blip>
-          <a:srcRect/>
-          <a:stretch>
-            <a:fillRect/>
-          </a:stretch>
-        </p:blipFill>
-        <p:spPr bwMode="auto">
-          <a:xfrm>
-            <a:off x="33110324" y="40756828"/>
-            <a:ext cx="3914775" cy="619125"/>
-          </a:xfrm>
-          <a:prstGeom prst="rect">
-            <a:avLst/>
-          </a:prstGeom>
-          <a:noFill/>
-          <a:ln>
-            <a:noFill/>
-          </a:ln>
-          <a:effectLst/>
-          <a:extLst>
-            <a:ext uri="{909E8E84-426E-40DD-AFC4-6F175D3DCCD1}">
-              <a14:hiddenFill xmlns:a14="http://schemas.microsoft.com/office/drawing/2010/main">
-                <a:solidFill>
-                  <a:schemeClr val="accent1"/>
-                </a:solidFill>
-              </a14:hiddenFill>
-            </a:ext>
-            <a:ext uri="{91240B29-F687-4F45-9708-019B960494DF}">
-              <a14:hiddenLine xmlns:a14="http://schemas.microsoft.com/office/drawing/2010/main" w="9525">
-                <a:solidFill>
-                  <a:schemeClr val="tx1"/>
-                </a:solidFill>
-                <a:miter lim="800000"/>
-                <a:headEnd/>
-                <a:tailEnd/>
-              </a14:hiddenLine>
-            </a:ext>
-            <a:ext uri="{AF507438-7753-43E0-B8FC-AC1667EBCBE1}">
-              <a14:hiddenEffects xmlns:a14="http://schemas.microsoft.com/office/drawing/2010/main">
-                <a:effectLst>
-                  <a:outerShdw dist="35921" dir="2700000" algn="ctr" rotWithShape="0">
-                    <a:schemeClr val="bg2"/>
-                  </a:outerShdw>
-                </a:effectLst>
-              </a14:hiddenEffects>
-            </a:ext>
-          </a:extLst>
-        </p:spPr>
-      </p:pic>
-      <p:pic>
-        <p:nvPicPr>
-          <p:cNvPr id="1037" name="Picture 13" descr="D:\workspace\ruggedsim\manuscript\analytic_simulation_comparison_SIM_U_0.0004_s_0.05_logN_8.png"/>
-          <p:cNvPicPr>
-            <a:picLocks noChangeAspect="1" noChangeArrowheads="1"/>
-          </p:cNvPicPr>
-          <p:nvPr/>
-        </p:nvPicPr>
-        <p:blipFill>
-          <a:blip r:embed="rId10">
-            <a:extLst>
-              <a:ext uri="{28A0092B-C50C-407E-A947-70E740481C1C}">
-                <a14:useLocalDpi xmlns:a14="http://schemas.microsoft.com/office/drawing/2010/main" val="0"/>
-              </a:ext>
-            </a:extLst>
-          </a:blip>
-          <a:srcRect/>
-          <a:stretch>
-            <a:fillRect/>
-          </a:stretch>
-        </p:blipFill>
-        <p:spPr bwMode="auto">
-          <a:xfrm>
-            <a:off x="30689237" y="17523825"/>
-            <a:ext cx="8756948" cy="6568186"/>
-          </a:xfrm>
-          <a:prstGeom prst="rect">
-            <a:avLst/>
-          </a:prstGeom>
-          <a:noFill/>
-          <a:extLst>
-            <a:ext uri="{909E8E84-426E-40DD-AFC4-6F175D3DCCD1}">
-              <a14:hiddenFill xmlns:a14="http://schemas.microsoft.com/office/drawing/2010/main">
-                <a:solidFill>
-                  <a:srgbClr val="FFFFFF"/>
-                </a:solidFill>
-              </a14:hiddenFill>
-            </a:ext>
-          </a:extLst>
-        </p:spPr>
-      </p:pic>
-      <p:pic>
-        <p:nvPicPr>
-          <p:cNvPr id="1038" name="Picture 14" descr="D:\workspace\ruggedsim\manuscript\analytic_simulation_comparison_appearance_SIM_U_0.0004_s_0.05_logN_8.png"/>
+          <p:cNvPr id="17" name="Picture 13" descr="D:\university\confrences\GRC2013\fitness_landscape_analytic_model.png"/>
           <p:cNvPicPr>
             <a:picLocks noChangeAspect="1" noChangeArrowheads="1"/>
           </p:cNvPicPr>
@@ -12487,8 +12940,8 @@
         </p:blipFill>
         <p:spPr bwMode="auto">
           <a:xfrm>
-            <a:off x="29523580" y="7833793"/>
-            <a:ext cx="6120000" cy="4590333"/>
+            <a:off x="4176764" y="32553546"/>
+            <a:ext cx="6115051" cy="6115050"/>
           </a:xfrm>
           <a:prstGeom prst="rect">
             <a:avLst/>
@@ -12505,791 +12958,91 @@
           </a:extLst>
         </p:spPr>
       </p:pic>
-      <p:pic>
-        <p:nvPicPr>
-          <p:cNvPr id="1039" name="Picture 15" descr="D:\workspace\ruggedsim\manuscript\analytic_simulation_comparison_fixation_SIM_U_0.0004_s_0.05_logN_8.png"/>
-          <p:cNvPicPr>
-            <a:picLocks noChangeAspect="1" noChangeArrowheads="1"/>
-          </p:cNvPicPr>
+      <p:grpSp>
+        <p:nvGrpSpPr>
+          <p:cNvPr id="61" name="Group 60"/>
+          <p:cNvGrpSpPr/>
           <p:nvPr/>
-        </p:nvPicPr>
-        <p:blipFill>
-          <a:blip r:embed="rId12">
+        </p:nvGrpSpPr>
+        <p:grpSpPr>
+          <a:xfrm>
+            <a:off x="9321075" y="32344543"/>
+            <a:ext cx="2986964" cy="6540077"/>
+            <a:chOff x="8755658" y="31870227"/>
+            <a:chExt cx="3269978" cy="7159749"/>
+          </a:xfrm>
+        </p:grpSpPr>
+        <p:pic>
+          <p:nvPicPr>
+            <p:cNvPr id="62" name="Picture 2" descr="D:\workspace\ruggedsim\manuscript\fitness_landscape_colorbar.png"/>
+            <p:cNvPicPr>
+              <a:picLocks noChangeAspect="1" noChangeArrowheads="1"/>
+            </p:cNvPicPr>
+            <p:nvPr/>
+          </p:nvPicPr>
+          <p:blipFill rotWithShape="1">
+            <a:blip r:embed="rId10">
+              <a:extLst>
+                <a:ext uri="{28A0092B-C50C-407E-A947-70E740481C1C}">
+                  <a14:useLocalDpi xmlns:a14="http://schemas.microsoft.com/office/drawing/2010/main" val="0"/>
+                </a:ext>
+              </a:extLst>
+            </a:blip>
+            <a:srcRect l="77619" t="5537" r="16198" b="8115"/>
+            <a:stretch/>
+          </p:blipFill>
+          <p:spPr bwMode="auto">
+            <a:xfrm>
+              <a:off x="10027006" y="32043498"/>
+              <a:ext cx="963016" cy="6986478"/>
+            </a:xfrm>
+            <a:prstGeom prst="rect">
+              <a:avLst/>
+            </a:prstGeom>
+            <a:noFill/>
             <a:extLst>
-              <a:ext uri="{28A0092B-C50C-407E-A947-70E740481C1C}">
-                <a14:useLocalDpi xmlns:a14="http://schemas.microsoft.com/office/drawing/2010/main" val="0"/>
+              <a:ext uri="{909E8E84-426E-40DD-AFC4-6F175D3DCCD1}">
+                <a14:hiddenFill xmlns:a14="http://schemas.microsoft.com/office/drawing/2010/main">
+                  <a:solidFill>
+                    <a:srgbClr val="FFFFFF"/>
+                  </a:solidFill>
+                </a14:hiddenFill>
               </a:ext>
             </a:extLst>
-          </a:blip>
-          <a:srcRect/>
-          <a:stretch>
-            <a:fillRect/>
-          </a:stretch>
-        </p:blipFill>
-        <p:spPr bwMode="auto">
-          <a:xfrm>
-            <a:off x="34564820" y="12691889"/>
-            <a:ext cx="6120000" cy="4590331"/>
-          </a:xfrm>
-          <a:prstGeom prst="rect">
-            <a:avLst/>
-          </a:prstGeom>
-          <a:noFill/>
-          <a:extLst>
-            <a:ext uri="{909E8E84-426E-40DD-AFC4-6F175D3DCCD1}">
-              <a14:hiddenFill xmlns:a14="http://schemas.microsoft.com/office/drawing/2010/main">
-                <a:solidFill>
-                  <a:srgbClr val="FFFFFF"/>
-                </a:solidFill>
-              </a14:hiddenFill>
-            </a:ext>
-          </a:extLst>
-        </p:spPr>
-      </p:pic>
-      <p:sp>
-        <p:nvSpPr>
-          <p:cNvPr id="77" name="TextBox 76"/>
-          <p:cNvSpPr txBox="1"/>
-          <p:nvPr/>
-        </p:nvSpPr>
-        <p:spPr>
-          <a:xfrm>
-            <a:off x="29862781" y="24503161"/>
-            <a:ext cx="10409860" cy="2140099"/>
-          </a:xfrm>
-          <a:prstGeom prst="rect">
-            <a:avLst/>
-          </a:prstGeom>
-          <a:noFill/>
-          <a:ln>
+          </p:spPr>
+        </p:pic>
+        <p:sp>
+          <p:nvSpPr>
+            <p:cNvPr id="63" name="TextBox 62"/>
+            <p:cNvSpPr txBox="1"/>
+            <p:nvPr/>
+          </p:nvSpPr>
+          <p:spPr>
+            <a:xfrm>
+              <a:off x="8755658" y="31870227"/>
+              <a:ext cx="3269978" cy="461665"/>
+            </a:xfrm>
+            <a:prstGeom prst="rect">
+              <a:avLst/>
+            </a:prstGeom>
             <a:noFill/>
-          </a:ln>
-        </p:spPr>
-        <p:txBody>
-          <a:bodyPr wrap="square" lIns="104498" tIns="52249" rIns="104498" bIns="52249" rtlCol="0">
-            <a:noAutofit/>
-          </a:bodyPr>
-          <a:lstStyle/>
-          <a:p>
-            <a:pPr algn="ctr" defTabSz="1044976" rtl="0">
-              <a:defRPr/>
-            </a:pPr>
-            <a:r>
-              <a:rPr lang="en-US" sz="2000" b="1" kern="0" dirty="0">
-                <a:solidFill>
-                  <a:sysClr val="windowText" lastClr="000000"/>
-                </a:solidFill>
-                <a:latin typeface="Helvetica" pitchFamily="34" charset="0"/>
-                <a:cs typeface="Helvetica" pitchFamily="34" charset="0"/>
-              </a:rPr>
-              <a:t>Figure 6</a:t>
-            </a:r>
-            <a:r>
-              <a:rPr lang="en-US" sz="2000" b="1" kern="0" dirty="0" smtClean="0">
-                <a:solidFill>
-                  <a:sysClr val="windowText" lastClr="000000"/>
-                </a:solidFill>
-                <a:latin typeface="Helvetica" pitchFamily="34" charset="0"/>
-                <a:cs typeface="Helvetica" pitchFamily="34" charset="0"/>
-              </a:rPr>
-              <a:t>. Adaptation time. </a:t>
-            </a:r>
-            <a:r>
-              <a:rPr lang="en-US" sz="2000" kern="0" dirty="0" smtClean="0">
-                <a:solidFill>
-                  <a:sysClr val="windowText" lastClr="000000"/>
-                </a:solidFill>
-                <a:latin typeface="Helvetica" pitchFamily="34" charset="0"/>
-                <a:cs typeface="Helvetica" pitchFamily="34" charset="0"/>
-              </a:rPr>
-              <a:t>The number of generations before fixation of a double mutant. The simulation results verify the analytical results: </a:t>
-            </a:r>
-            <a:r>
-              <a:rPr lang="en-US" sz="2000" b="1" i="1" kern="0" dirty="0" smtClean="0">
-                <a:solidFill>
-                  <a:sysClr val="windowText" lastClr="000000"/>
-                </a:solidFill>
-                <a:latin typeface="Helvetica" pitchFamily="34" charset="0"/>
-                <a:cs typeface="Helvetica" pitchFamily="34" charset="0"/>
-              </a:rPr>
-              <a:t>stress-induced </a:t>
-            </a:r>
-            <a:r>
-              <a:rPr lang="en-US" sz="2000" b="1" i="1" kern="0" dirty="0">
-                <a:solidFill>
-                  <a:sysClr val="windowText" lastClr="000000"/>
-                </a:solidFill>
-                <a:latin typeface="Helvetica" pitchFamily="34" charset="0"/>
-                <a:cs typeface="Helvetica" pitchFamily="34" charset="0"/>
-              </a:rPr>
-              <a:t>mutagenesis increases the adaptation </a:t>
-            </a:r>
-            <a:r>
-              <a:rPr lang="en-US" sz="2000" b="1" i="1" kern="0" dirty="0" smtClean="0">
-                <a:solidFill>
-                  <a:sysClr val="windowText" lastClr="000000"/>
-                </a:solidFill>
-                <a:latin typeface="Helvetica" pitchFamily="34" charset="0"/>
-                <a:cs typeface="Helvetica" pitchFamily="34" charset="0"/>
-              </a:rPr>
-              <a:t>rate</a:t>
-            </a:r>
-            <a:r>
-              <a:rPr lang="en-US" sz="2000" kern="0" dirty="0" smtClean="0">
-                <a:solidFill>
-                  <a:sysClr val="windowText" lastClr="000000"/>
-                </a:solidFill>
-                <a:latin typeface="Helvetica" pitchFamily="34" charset="0"/>
-                <a:cs typeface="Helvetica" pitchFamily="34" charset="0"/>
-              </a:rPr>
-              <a:t>. Parameters used: </a:t>
-            </a:r>
-            <a:r>
-              <a:rPr lang="en-US" sz="2000" i="1" kern="0" dirty="0" smtClean="0">
-                <a:solidFill>
-                  <a:sysClr val="windowText" lastClr="000000"/>
-                </a:solidFill>
-                <a:latin typeface="Helvetica" pitchFamily="34" charset="0"/>
-                <a:cs typeface="Helvetica" pitchFamily="34" charset="0"/>
-              </a:rPr>
-              <a:t>U</a:t>
-            </a:r>
-            <a:r>
-              <a:rPr lang="en-US" sz="2000" kern="0" dirty="0" smtClean="0">
-                <a:solidFill>
-                  <a:sysClr val="windowText" lastClr="000000"/>
-                </a:solidFill>
-                <a:latin typeface="Helvetica" pitchFamily="34" charset="0"/>
-                <a:cs typeface="Helvetica" pitchFamily="34" charset="0"/>
-              </a:rPr>
-              <a:t>=0.0004, </a:t>
-            </a:r>
-            <a:r>
-              <a:rPr lang="en-US" sz="2000" i="1" kern="0" dirty="0" smtClean="0">
-                <a:solidFill>
-                  <a:sysClr val="windowText" lastClr="000000"/>
-                </a:solidFill>
-                <a:latin typeface="Helvetica" pitchFamily="34" charset="0"/>
-                <a:cs typeface="Helvetica" pitchFamily="34" charset="0"/>
-              </a:rPr>
-              <a:t>µ</a:t>
-            </a:r>
-            <a:r>
-              <a:rPr lang="en-US" sz="2000" kern="0" dirty="0" smtClean="0">
-                <a:solidFill>
-                  <a:sysClr val="windowText" lastClr="000000"/>
-                </a:solidFill>
-                <a:latin typeface="Helvetica" pitchFamily="34" charset="0"/>
-                <a:cs typeface="Helvetica" pitchFamily="34" charset="0"/>
-              </a:rPr>
-              <a:t>=</a:t>
-            </a:r>
-            <a:r>
-              <a:rPr lang="en-US" sz="2000" i="1" kern="0" dirty="0" smtClean="0">
-                <a:solidFill>
-                  <a:sysClr val="windowText" lastClr="000000"/>
-                </a:solidFill>
-                <a:latin typeface="Helvetica" pitchFamily="34" charset="0"/>
-                <a:cs typeface="Helvetica" pitchFamily="34" charset="0"/>
-              </a:rPr>
-              <a:t>U</a:t>
-            </a:r>
-            <a:r>
-              <a:rPr lang="en-US" sz="2000" kern="0" dirty="0" smtClean="0">
-                <a:solidFill>
-                  <a:sysClr val="windowText" lastClr="000000"/>
-                </a:solidFill>
-                <a:latin typeface="Helvetica" pitchFamily="34" charset="0"/>
-                <a:cs typeface="Helvetica" pitchFamily="34" charset="0"/>
-              </a:rPr>
-              <a:t>/5000, </a:t>
-            </a:r>
-            <a:r>
-              <a:rPr lang="en-US" sz="2000" i="1" kern="0" dirty="0" smtClean="0">
-                <a:solidFill>
-                  <a:sysClr val="windowText" lastClr="000000"/>
-                </a:solidFill>
-                <a:latin typeface="Helvetica" pitchFamily="34" charset="0"/>
-                <a:cs typeface="Helvetica" pitchFamily="34" charset="0"/>
-              </a:rPr>
-              <a:t>s</a:t>
-            </a:r>
-            <a:r>
-              <a:rPr lang="en-US" sz="2000" kern="0" dirty="0" smtClean="0">
-                <a:solidFill>
-                  <a:sysClr val="windowText" lastClr="000000"/>
-                </a:solidFill>
-                <a:latin typeface="Helvetica" pitchFamily="34" charset="0"/>
-                <a:cs typeface="Helvetica" pitchFamily="34" charset="0"/>
-              </a:rPr>
-              <a:t>=0.05, </a:t>
-            </a:r>
-            <a:r>
-              <a:rPr lang="en-US" sz="2000" i="1" kern="0" dirty="0">
-                <a:solidFill>
-                  <a:sysClr val="windowText" lastClr="000000"/>
-                </a:solidFill>
-                <a:latin typeface="Helvetica" pitchFamily="34" charset="0"/>
-                <a:cs typeface="Helvetica" pitchFamily="34" charset="0"/>
-              </a:rPr>
-              <a:t>H</a:t>
-            </a:r>
-            <a:r>
-              <a:rPr lang="en-US" sz="2000" kern="0" dirty="0">
-                <a:solidFill>
-                  <a:sysClr val="windowText" lastClr="000000"/>
-                </a:solidFill>
-                <a:latin typeface="Helvetica" pitchFamily="34" charset="0"/>
-                <a:cs typeface="Helvetica" pitchFamily="34" charset="0"/>
-              </a:rPr>
-              <a:t>=2</a:t>
-            </a:r>
-            <a:r>
-              <a:rPr lang="en-US" sz="2000" kern="0" dirty="0" smtClean="0">
-                <a:solidFill>
-                  <a:sysClr val="windowText" lastClr="000000"/>
-                </a:solidFill>
-                <a:latin typeface="Helvetica" pitchFamily="34" charset="0"/>
-                <a:cs typeface="Helvetica" pitchFamily="34" charset="0"/>
-              </a:rPr>
-              <a:t>, </a:t>
-            </a:r>
-            <a:r>
-              <a:rPr lang="en-US" sz="2000" i="1" kern="0" dirty="0" smtClean="0">
-                <a:solidFill>
-                  <a:sysClr val="windowText" lastClr="000000"/>
-                </a:solidFill>
-                <a:latin typeface="Helvetica" pitchFamily="34" charset="0"/>
-                <a:cs typeface="Helvetica" pitchFamily="34" charset="0"/>
-              </a:rPr>
-              <a:t>N</a:t>
-            </a:r>
-            <a:r>
-              <a:rPr lang="en-US" sz="2000" kern="0" dirty="0" smtClean="0">
-                <a:solidFill>
-                  <a:sysClr val="windowText" lastClr="000000"/>
-                </a:solidFill>
-                <a:latin typeface="Helvetica" pitchFamily="34" charset="0"/>
-                <a:cs typeface="Helvetica" pitchFamily="34" charset="0"/>
-              </a:rPr>
-              <a:t>=10</a:t>
-            </a:r>
-            <a:r>
-              <a:rPr lang="en-US" sz="2000" kern="0" baseline="30000" dirty="0" smtClean="0">
-                <a:solidFill>
-                  <a:sysClr val="windowText" lastClr="000000"/>
-                </a:solidFill>
-                <a:latin typeface="Helvetica" pitchFamily="34" charset="0"/>
-                <a:cs typeface="Helvetica" pitchFamily="34" charset="0"/>
-              </a:rPr>
-              <a:t>8</a:t>
-            </a:r>
-            <a:r>
-              <a:rPr lang="en-US" sz="2000" kern="0" dirty="0" smtClean="0">
-                <a:solidFill>
-                  <a:sysClr val="windowText" lastClr="000000"/>
-                </a:solidFill>
-                <a:latin typeface="Helvetica" pitchFamily="34" charset="0"/>
-                <a:cs typeface="Helvetica" pitchFamily="34" charset="0"/>
-              </a:rPr>
-              <a:t>, see Table 1 for refs.</a:t>
-            </a:r>
-            <a:endParaRPr lang="en-US" sz="2000" kern="0" dirty="0">
-              <a:solidFill>
-                <a:sysClr val="windowText" lastClr="000000"/>
-              </a:solidFill>
-              <a:latin typeface="Helvetica" pitchFamily="34" charset="0"/>
-              <a:cs typeface="Helvetica" pitchFamily="34" charset="0"/>
-            </a:endParaRPr>
-          </a:p>
-        </p:txBody>
-      </p:sp>
-      <p:sp>
-        <p:nvSpPr>
-          <p:cNvPr id="78" name="TextBox 77"/>
-          <p:cNvSpPr txBox="1"/>
-          <p:nvPr/>
-        </p:nvSpPr>
-        <p:spPr>
-          <a:xfrm>
-            <a:off x="35068836" y="7988860"/>
-            <a:ext cx="5203805" cy="4054957"/>
-          </a:xfrm>
-          <a:prstGeom prst="rect">
-            <a:avLst/>
-          </a:prstGeom>
-          <a:noFill/>
-          <a:ln>
-            <a:noFill/>
-          </a:ln>
-        </p:spPr>
-        <p:txBody>
-          <a:bodyPr wrap="square" lIns="104498" tIns="52249" rIns="104498" bIns="52249" rtlCol="0" anchor="ctr">
-            <a:noAutofit/>
-          </a:bodyPr>
-          <a:lstStyle/>
-          <a:p>
-            <a:pPr algn="ctr" defTabSz="1044976" rtl="0">
-              <a:defRPr/>
-            </a:pPr>
-            <a:r>
-              <a:rPr lang="en-US" sz="2000" b="1" kern="0" dirty="0">
-                <a:solidFill>
-                  <a:sysClr val="windowText" lastClr="000000"/>
-                </a:solidFill>
-                <a:latin typeface="Helvetica" pitchFamily="34" charset="0"/>
-                <a:cs typeface="Helvetica" pitchFamily="34" charset="0"/>
-              </a:rPr>
-              <a:t>Figure 5. </a:t>
-            </a:r>
-            <a:r>
-              <a:rPr lang="en-US" sz="2000" b="1" kern="0" dirty="0" smtClean="0">
-                <a:solidFill>
-                  <a:sysClr val="windowText" lastClr="000000"/>
-                </a:solidFill>
-                <a:latin typeface="Helvetica" pitchFamily="34" charset="0"/>
-                <a:cs typeface="Helvetica" pitchFamily="34" charset="0"/>
-              </a:rPr>
-              <a:t>Waiting time for appearance of double mutant. </a:t>
-            </a:r>
-            <a:r>
-              <a:rPr lang="en-US" sz="2000" kern="0" dirty="0">
-                <a:solidFill>
-                  <a:sysClr val="windowText" lastClr="000000"/>
-                </a:solidFill>
-                <a:latin typeface="Helvetica" pitchFamily="34" charset="0"/>
-                <a:cs typeface="Helvetica" pitchFamily="34" charset="0"/>
-              </a:rPr>
-              <a:t>The number of </a:t>
-            </a:r>
-            <a:r>
-              <a:rPr lang="en-US" sz="2000" kern="0" dirty="0" smtClean="0">
-                <a:solidFill>
-                  <a:sysClr val="windowText" lastClr="000000"/>
-                </a:solidFill>
-                <a:latin typeface="Helvetica" pitchFamily="34" charset="0"/>
-                <a:cs typeface="Helvetica" pitchFamily="34" charset="0"/>
-              </a:rPr>
-              <a:t> generations before the appearance of a double mutant. Approximated by </a:t>
-            </a:r>
-            <a:r>
-              <a:rPr lang="en-US" sz="2000" i="1" kern="0" dirty="0" smtClean="0">
-                <a:solidFill>
-                  <a:sysClr val="windowText" lastClr="000000"/>
-                </a:solidFill>
-                <a:latin typeface="Helvetica" pitchFamily="34" charset="0"/>
-                <a:cs typeface="Helvetica" pitchFamily="34" charset="0"/>
-              </a:rPr>
-              <a:t>1/</a:t>
-            </a:r>
-            <a:r>
-              <a:rPr lang="en-US" sz="2000" i="1" kern="0" dirty="0" err="1" smtClean="0">
-                <a:solidFill>
-                  <a:sysClr val="windowText" lastClr="000000"/>
-                </a:solidFill>
-                <a:latin typeface="Helvetica" pitchFamily="34" charset="0"/>
-                <a:cs typeface="Helvetica" pitchFamily="34" charset="0"/>
-              </a:rPr>
-              <a:t>Nq</a:t>
-            </a:r>
-            <a:r>
-              <a:rPr lang="en-US" sz="2000" kern="0" dirty="0" smtClean="0">
-                <a:solidFill>
-                  <a:sysClr val="windowText" lastClr="000000"/>
-                </a:solidFill>
-                <a:latin typeface="Helvetica" pitchFamily="34" charset="0"/>
-                <a:cs typeface="Helvetica" pitchFamily="34" charset="0"/>
-              </a:rPr>
-              <a:t>. </a:t>
-            </a:r>
-            <a:r>
-              <a:rPr lang="en-US" sz="2000" kern="0" dirty="0">
-                <a:solidFill>
-                  <a:sysClr val="windowText" lastClr="000000"/>
-                </a:solidFill>
-                <a:latin typeface="Helvetica" pitchFamily="34" charset="0"/>
-                <a:cs typeface="Helvetica" pitchFamily="34" charset="0"/>
-              </a:rPr>
-              <a:t>Parameters used: </a:t>
-            </a:r>
-            <a:r>
-              <a:rPr lang="en-US" sz="2000" i="1" kern="0" dirty="0">
-                <a:solidFill>
-                  <a:sysClr val="windowText" lastClr="000000"/>
-                </a:solidFill>
-                <a:latin typeface="Helvetica" pitchFamily="34" charset="0"/>
-                <a:cs typeface="Helvetica" pitchFamily="34" charset="0"/>
-              </a:rPr>
-              <a:t>U</a:t>
-            </a:r>
-            <a:r>
-              <a:rPr lang="en-US" sz="2000" kern="0" dirty="0">
-                <a:solidFill>
-                  <a:sysClr val="windowText" lastClr="000000"/>
-                </a:solidFill>
-                <a:latin typeface="Helvetica" pitchFamily="34" charset="0"/>
-                <a:cs typeface="Helvetica" pitchFamily="34" charset="0"/>
-              </a:rPr>
-              <a:t>=0.0004, </a:t>
-            </a:r>
-            <a:r>
-              <a:rPr lang="en-US" sz="2000" i="1" kern="0" dirty="0">
-                <a:solidFill>
-                  <a:sysClr val="windowText" lastClr="000000"/>
-                </a:solidFill>
-                <a:latin typeface="Helvetica" pitchFamily="34" charset="0"/>
-                <a:cs typeface="Helvetica" pitchFamily="34" charset="0"/>
-              </a:rPr>
-              <a:t>µ</a:t>
-            </a:r>
-            <a:r>
-              <a:rPr lang="en-US" sz="2000" kern="0" dirty="0">
-                <a:solidFill>
-                  <a:sysClr val="windowText" lastClr="000000"/>
-                </a:solidFill>
-                <a:latin typeface="Helvetica" pitchFamily="34" charset="0"/>
-                <a:cs typeface="Helvetica" pitchFamily="34" charset="0"/>
-              </a:rPr>
-              <a:t>=</a:t>
-            </a:r>
-            <a:r>
-              <a:rPr lang="en-US" sz="2000" i="1" kern="0" dirty="0">
-                <a:solidFill>
-                  <a:sysClr val="windowText" lastClr="000000"/>
-                </a:solidFill>
-                <a:latin typeface="Helvetica" pitchFamily="34" charset="0"/>
-                <a:cs typeface="Helvetica" pitchFamily="34" charset="0"/>
-              </a:rPr>
-              <a:t>U</a:t>
-            </a:r>
-            <a:r>
-              <a:rPr lang="en-US" sz="2000" kern="0" dirty="0">
-                <a:solidFill>
-                  <a:sysClr val="windowText" lastClr="000000"/>
-                </a:solidFill>
-                <a:latin typeface="Helvetica" pitchFamily="34" charset="0"/>
-                <a:cs typeface="Helvetica" pitchFamily="34" charset="0"/>
-              </a:rPr>
-              <a:t>/5000, </a:t>
-            </a:r>
-            <a:r>
-              <a:rPr lang="en-US" sz="2000" i="1" kern="0" dirty="0">
-                <a:solidFill>
-                  <a:sysClr val="windowText" lastClr="000000"/>
-                </a:solidFill>
-                <a:latin typeface="Helvetica" pitchFamily="34" charset="0"/>
-                <a:cs typeface="Helvetica" pitchFamily="34" charset="0"/>
-              </a:rPr>
-              <a:t>s</a:t>
-            </a:r>
-            <a:r>
-              <a:rPr lang="en-US" sz="2000" kern="0" dirty="0">
-                <a:solidFill>
-                  <a:sysClr val="windowText" lastClr="000000"/>
-                </a:solidFill>
-                <a:latin typeface="Helvetica" pitchFamily="34" charset="0"/>
-                <a:cs typeface="Helvetica" pitchFamily="34" charset="0"/>
-              </a:rPr>
-              <a:t>=0.05, </a:t>
-            </a:r>
-            <a:r>
-              <a:rPr lang="en-US" sz="2000" i="1" kern="0" dirty="0" smtClean="0">
-                <a:solidFill>
-                  <a:sysClr val="windowText" lastClr="000000"/>
-                </a:solidFill>
-                <a:latin typeface="Helvetica" pitchFamily="34" charset="0"/>
-                <a:cs typeface="Helvetica" pitchFamily="34" charset="0"/>
-              </a:rPr>
-              <a:t>N</a:t>
-            </a:r>
-            <a:r>
-              <a:rPr lang="en-US" sz="2000" kern="0" dirty="0" smtClean="0">
-                <a:solidFill>
-                  <a:sysClr val="windowText" lastClr="000000"/>
-                </a:solidFill>
-                <a:latin typeface="Helvetica" pitchFamily="34" charset="0"/>
-                <a:cs typeface="Helvetica" pitchFamily="34" charset="0"/>
-              </a:rPr>
-              <a:t>=10</a:t>
-            </a:r>
-            <a:r>
-              <a:rPr lang="en-US" sz="2000" kern="0" baseline="30000" dirty="0" smtClean="0">
-                <a:solidFill>
-                  <a:sysClr val="windowText" lastClr="000000"/>
-                </a:solidFill>
-                <a:latin typeface="Helvetica" pitchFamily="34" charset="0"/>
-                <a:cs typeface="Helvetica" pitchFamily="34" charset="0"/>
-              </a:rPr>
-              <a:t>8</a:t>
-            </a:r>
-            <a:r>
-              <a:rPr lang="en-US" sz="2000" kern="0" dirty="0">
-                <a:solidFill>
-                  <a:sysClr val="windowText" lastClr="000000"/>
-                </a:solidFill>
-                <a:latin typeface="Helvetica" pitchFamily="34" charset="0"/>
-                <a:cs typeface="Helvetica" pitchFamily="34" charset="0"/>
-              </a:rPr>
-              <a:t>, see Table 1 for refs.</a:t>
-            </a:r>
-            <a:endParaRPr lang="en-US" sz="2000" b="1" kern="0" dirty="0">
-              <a:solidFill>
-                <a:sysClr val="windowText" lastClr="000000"/>
-              </a:solidFill>
-              <a:latin typeface="Helvetica" pitchFamily="34" charset="0"/>
-              <a:cs typeface="Helvetica" pitchFamily="34" charset="0"/>
-            </a:endParaRPr>
-          </a:p>
-        </p:txBody>
-      </p:sp>
-      <p:sp>
-        <p:nvSpPr>
-          <p:cNvPr id="79" name="TextBox 78"/>
-          <p:cNvSpPr txBox="1"/>
-          <p:nvPr/>
-        </p:nvSpPr>
-        <p:spPr>
-          <a:xfrm>
-            <a:off x="29361015" y="13021389"/>
-            <a:ext cx="5203805" cy="4054957"/>
-          </a:xfrm>
-          <a:prstGeom prst="rect">
-            <a:avLst/>
-          </a:prstGeom>
-          <a:noFill/>
-          <a:ln>
-            <a:noFill/>
-          </a:ln>
-        </p:spPr>
-        <p:txBody>
-          <a:bodyPr wrap="square" lIns="104498" tIns="52249" rIns="104498" bIns="52249" rtlCol="0" anchor="ctr">
-            <a:noAutofit/>
-          </a:bodyPr>
-          <a:lstStyle/>
-          <a:p>
-            <a:pPr algn="ctr" defTabSz="1044976" rtl="0">
-              <a:defRPr/>
-            </a:pPr>
-            <a:r>
-              <a:rPr lang="en-US" sz="2000" b="1" kern="0" dirty="0">
-                <a:solidFill>
-                  <a:sysClr val="windowText" lastClr="000000"/>
-                </a:solidFill>
-                <a:latin typeface="Helvetica" pitchFamily="34" charset="0"/>
-                <a:cs typeface="Helvetica" pitchFamily="34" charset="0"/>
-              </a:rPr>
-              <a:t>Figure </a:t>
-            </a:r>
-            <a:r>
-              <a:rPr lang="en-US" sz="2000" b="1" kern="0" dirty="0" smtClean="0">
-                <a:solidFill>
-                  <a:sysClr val="windowText" lastClr="000000"/>
-                </a:solidFill>
-                <a:latin typeface="Helvetica" pitchFamily="34" charset="0"/>
-                <a:cs typeface="Helvetica" pitchFamily="34" charset="0"/>
-              </a:rPr>
-              <a:t>5. Fixation attempts. </a:t>
-            </a:r>
-            <a:r>
-              <a:rPr lang="en-US" sz="2000" kern="0" dirty="0" smtClean="0">
-                <a:solidFill>
-                  <a:sysClr val="windowText" lastClr="000000"/>
-                </a:solidFill>
-                <a:latin typeface="Helvetica" pitchFamily="34" charset="0"/>
-                <a:cs typeface="Helvetica" pitchFamily="34" charset="0"/>
-              </a:rPr>
-              <a:t>The number of double mutants extinctions before fixation. Approximated by </a:t>
-            </a:r>
-            <a:r>
-              <a:rPr lang="en-US" sz="2000" i="1" kern="0" dirty="0" smtClean="0">
-                <a:solidFill>
-                  <a:sysClr val="windowText" lastClr="000000"/>
-                </a:solidFill>
-                <a:latin typeface="Helvetica" pitchFamily="34" charset="0"/>
-                <a:cs typeface="Helvetica" pitchFamily="34" charset="0"/>
-              </a:rPr>
-              <a:t>1/</a:t>
-            </a:r>
-            <a:r>
-              <a:rPr lang="el-GR" sz="2000" i="1" kern="0" dirty="0" smtClean="0">
-                <a:solidFill>
-                  <a:sysClr val="windowText" lastClr="000000"/>
-                </a:solidFill>
-                <a:latin typeface="Helvetica" pitchFamily="34" charset="0"/>
-                <a:cs typeface="Helvetica" pitchFamily="34" charset="0"/>
-              </a:rPr>
-              <a:t>ρ</a:t>
-            </a:r>
-            <a:r>
-              <a:rPr lang="en-US" sz="2000" kern="0" dirty="0" smtClean="0">
-                <a:solidFill>
-                  <a:sysClr val="windowText" lastClr="000000"/>
-                </a:solidFill>
-                <a:latin typeface="Helvetica" pitchFamily="34" charset="0"/>
-                <a:cs typeface="Helvetica" pitchFamily="34" charset="0"/>
-              </a:rPr>
-              <a:t>. </a:t>
-            </a:r>
-            <a:r>
-              <a:rPr lang="en-US" sz="2000" kern="0" dirty="0">
-                <a:solidFill>
-                  <a:sysClr val="windowText" lastClr="000000"/>
-                </a:solidFill>
-                <a:latin typeface="Helvetica" pitchFamily="34" charset="0"/>
-                <a:cs typeface="Helvetica" pitchFamily="34" charset="0"/>
-              </a:rPr>
-              <a:t>Parameters used: </a:t>
-            </a:r>
-            <a:r>
-              <a:rPr lang="en-US" sz="2000" i="1" kern="0" dirty="0">
-                <a:solidFill>
-                  <a:sysClr val="windowText" lastClr="000000"/>
-                </a:solidFill>
-                <a:latin typeface="Helvetica" pitchFamily="34" charset="0"/>
-                <a:cs typeface="Helvetica" pitchFamily="34" charset="0"/>
-              </a:rPr>
-              <a:t>U</a:t>
-            </a:r>
-            <a:r>
-              <a:rPr lang="en-US" sz="2000" kern="0" dirty="0">
-                <a:solidFill>
-                  <a:sysClr val="windowText" lastClr="000000"/>
-                </a:solidFill>
-                <a:latin typeface="Helvetica" pitchFamily="34" charset="0"/>
-                <a:cs typeface="Helvetica" pitchFamily="34" charset="0"/>
-              </a:rPr>
-              <a:t>=0.0004, </a:t>
-            </a:r>
-            <a:r>
-              <a:rPr lang="en-US" sz="2000" i="1" kern="0" dirty="0">
-                <a:solidFill>
-                  <a:sysClr val="windowText" lastClr="000000"/>
-                </a:solidFill>
-                <a:latin typeface="Helvetica" pitchFamily="34" charset="0"/>
-                <a:cs typeface="Helvetica" pitchFamily="34" charset="0"/>
-              </a:rPr>
-              <a:t>µ</a:t>
-            </a:r>
-            <a:r>
-              <a:rPr lang="en-US" sz="2000" kern="0" dirty="0">
-                <a:solidFill>
-                  <a:sysClr val="windowText" lastClr="000000"/>
-                </a:solidFill>
-                <a:latin typeface="Helvetica" pitchFamily="34" charset="0"/>
-                <a:cs typeface="Helvetica" pitchFamily="34" charset="0"/>
-              </a:rPr>
-              <a:t>=</a:t>
-            </a:r>
-            <a:r>
-              <a:rPr lang="en-US" sz="2000" i="1" kern="0" dirty="0">
-                <a:solidFill>
-                  <a:sysClr val="windowText" lastClr="000000"/>
-                </a:solidFill>
-                <a:latin typeface="Helvetica" pitchFamily="34" charset="0"/>
-                <a:cs typeface="Helvetica" pitchFamily="34" charset="0"/>
-              </a:rPr>
-              <a:t>U</a:t>
-            </a:r>
-            <a:r>
-              <a:rPr lang="en-US" sz="2000" kern="0" dirty="0">
-                <a:solidFill>
-                  <a:sysClr val="windowText" lastClr="000000"/>
-                </a:solidFill>
-                <a:latin typeface="Helvetica" pitchFamily="34" charset="0"/>
-                <a:cs typeface="Helvetica" pitchFamily="34" charset="0"/>
-              </a:rPr>
-              <a:t>/5000, </a:t>
-            </a:r>
-            <a:r>
-              <a:rPr lang="en-US" sz="2000" i="1" kern="0" dirty="0">
-                <a:solidFill>
-                  <a:sysClr val="windowText" lastClr="000000"/>
-                </a:solidFill>
-                <a:latin typeface="Helvetica" pitchFamily="34" charset="0"/>
-                <a:cs typeface="Helvetica" pitchFamily="34" charset="0"/>
-              </a:rPr>
-              <a:t>s</a:t>
-            </a:r>
-            <a:r>
-              <a:rPr lang="en-US" sz="2000" kern="0" dirty="0">
-                <a:solidFill>
-                  <a:sysClr val="windowText" lastClr="000000"/>
-                </a:solidFill>
-                <a:latin typeface="Helvetica" pitchFamily="34" charset="0"/>
-                <a:cs typeface="Helvetica" pitchFamily="34" charset="0"/>
-              </a:rPr>
-              <a:t>=0.05, </a:t>
-            </a:r>
-            <a:r>
-              <a:rPr lang="en-US" sz="2000" i="1" kern="0" dirty="0">
-                <a:solidFill>
-                  <a:sysClr val="windowText" lastClr="000000"/>
-                </a:solidFill>
-                <a:latin typeface="Helvetica" pitchFamily="34" charset="0"/>
-                <a:cs typeface="Helvetica" pitchFamily="34" charset="0"/>
-              </a:rPr>
-              <a:t>H</a:t>
-            </a:r>
-            <a:r>
-              <a:rPr lang="en-US" sz="2000" kern="0" dirty="0">
-                <a:solidFill>
-                  <a:sysClr val="windowText" lastClr="000000"/>
-                </a:solidFill>
-                <a:latin typeface="Helvetica" pitchFamily="34" charset="0"/>
-                <a:cs typeface="Helvetica" pitchFamily="34" charset="0"/>
-              </a:rPr>
-              <a:t>=2, </a:t>
-            </a:r>
-            <a:r>
-              <a:rPr lang="en-US" sz="2000" i="1" kern="0" dirty="0">
-                <a:solidFill>
-                  <a:sysClr val="windowText" lastClr="000000"/>
-                </a:solidFill>
-                <a:latin typeface="Helvetica" pitchFamily="34" charset="0"/>
-                <a:cs typeface="Helvetica" pitchFamily="34" charset="0"/>
-              </a:rPr>
-              <a:t>N</a:t>
-            </a:r>
-            <a:r>
-              <a:rPr lang="en-US" sz="2000" kern="0" dirty="0">
-                <a:solidFill>
-                  <a:sysClr val="windowText" lastClr="000000"/>
-                </a:solidFill>
-                <a:latin typeface="Helvetica" pitchFamily="34" charset="0"/>
-                <a:cs typeface="Helvetica" pitchFamily="34" charset="0"/>
-              </a:rPr>
-              <a:t>=10</a:t>
-            </a:r>
-            <a:r>
-              <a:rPr lang="en-US" sz="2000" kern="0" baseline="30000" dirty="0">
-                <a:solidFill>
-                  <a:sysClr val="windowText" lastClr="000000"/>
-                </a:solidFill>
-                <a:latin typeface="Helvetica" pitchFamily="34" charset="0"/>
-                <a:cs typeface="Helvetica" pitchFamily="34" charset="0"/>
-              </a:rPr>
-              <a:t>8</a:t>
-            </a:r>
-            <a:r>
-              <a:rPr lang="en-US" sz="2000" kern="0" dirty="0">
-                <a:solidFill>
-                  <a:sysClr val="windowText" lastClr="000000"/>
-                </a:solidFill>
-                <a:latin typeface="Helvetica" pitchFamily="34" charset="0"/>
-                <a:cs typeface="Helvetica" pitchFamily="34" charset="0"/>
-              </a:rPr>
-              <a:t>, see Table 1 for refs.</a:t>
-            </a:r>
-            <a:endParaRPr lang="en-US" sz="2000" b="1" kern="0" dirty="0">
-              <a:solidFill>
-                <a:sysClr val="windowText" lastClr="000000"/>
-              </a:solidFill>
-              <a:latin typeface="Helvetica" pitchFamily="34" charset="0"/>
-              <a:cs typeface="Helvetica" pitchFamily="34" charset="0"/>
-            </a:endParaRPr>
-          </a:p>
-        </p:txBody>
-      </p:sp>
+          </p:spPr>
+          <p:txBody>
+            <a:bodyPr wrap="square" rtlCol="1">
+              <a:spAutoFit/>
+            </a:bodyPr>
+            <a:lstStyle/>
+            <a:p>
+              <a:pPr algn="ctr"/>
+              <a:r>
+                <a:rPr lang="en-US" sz="2400" dirty="0" smtClean="0"/>
+                <a:t>fitness</a:t>
+              </a:r>
+              <a:endParaRPr lang="he-IL" sz="2400" dirty="0"/>
+            </a:p>
+          </p:txBody>
+        </p:sp>
+      </p:grpSp>
     </p:spTree>
     <p:extLst>
       <p:ext uri="{BB962C8B-B14F-4D97-AF65-F5344CB8AC3E}">

--- a/poster.pptx
+++ b/poster.pptx
@@ -3318,7 +3318,7 @@
         </p:nvSpPr>
         <p:spPr bwMode="auto">
           <a:xfrm>
-            <a:off x="29307712" y="6721200"/>
+            <a:off x="29115966" y="6655388"/>
             <a:ext cx="11520000" cy="19894425"/>
           </a:xfrm>
           <a:prstGeom prst="rect">
@@ -3337,7 +3337,7 @@
           </a:ln>
         </p:spPr>
         <p:txBody>
-          <a:bodyPr lIns="908920" tIns="454461" rIns="908920" bIns="908920"/>
+          <a:bodyPr lIns="360000" tIns="454461" rIns="908920" bIns="908920" numCol="2" spcCol="2232000"/>
           <a:lstStyle>
             <a:lvl1pPr eaLnBrk="0" hangingPunct="0">
               <a:tabLst>
@@ -3491,6 +3491,717 @@
               </a:rPr>
               <a:t>Results</a:t>
             </a:r>
+          </a:p>
+          <a:p>
+            <a:pPr indent="205704" algn="just" defTabSz="908920" rtl="0" eaLnBrk="1" hangingPunct="1">
+              <a:spcBef>
+                <a:spcPct val="50000"/>
+              </a:spcBef>
+              <a:tabLst>
+                <a:tab pos="497067" algn="l"/>
+              </a:tabLst>
+              <a:defRPr/>
+            </a:pPr>
+            <a:endParaRPr lang="en-US" sz="4400" b="1" kern="0" dirty="0">
+              <a:solidFill>
+                <a:schemeClr val="accent2"/>
+              </a:solidFill>
+              <a:latin typeface="+mj-lt"/>
+            </a:endParaRPr>
+          </a:p>
+          <a:p>
+            <a:pPr indent="205704" algn="just" defTabSz="908920" rtl="0" eaLnBrk="1" hangingPunct="1">
+              <a:spcBef>
+                <a:spcPct val="50000"/>
+              </a:spcBef>
+              <a:tabLst>
+                <a:tab pos="497067" algn="l"/>
+              </a:tabLst>
+              <a:defRPr/>
+            </a:pPr>
+            <a:endParaRPr lang="en-US" sz="4400" b="1" kern="0" dirty="0" smtClean="0">
+              <a:solidFill>
+                <a:schemeClr val="accent2"/>
+              </a:solidFill>
+              <a:latin typeface="+mj-lt"/>
+            </a:endParaRPr>
+          </a:p>
+          <a:p>
+            <a:pPr indent="205704" algn="just" defTabSz="908920" rtl="0" eaLnBrk="1" hangingPunct="1">
+              <a:spcBef>
+                <a:spcPct val="50000"/>
+              </a:spcBef>
+              <a:tabLst>
+                <a:tab pos="497067" algn="l"/>
+              </a:tabLst>
+              <a:defRPr/>
+            </a:pPr>
+            <a:endParaRPr lang="en-US" sz="4400" b="1" kern="0" dirty="0">
+              <a:solidFill>
+                <a:schemeClr val="accent2"/>
+              </a:solidFill>
+              <a:latin typeface="+mj-lt"/>
+            </a:endParaRPr>
+          </a:p>
+          <a:p>
+            <a:pPr indent="205704" algn="just" defTabSz="908920" rtl="0" eaLnBrk="1" hangingPunct="1">
+              <a:spcBef>
+                <a:spcPct val="50000"/>
+              </a:spcBef>
+              <a:tabLst>
+                <a:tab pos="497067" algn="l"/>
+              </a:tabLst>
+              <a:defRPr/>
+            </a:pPr>
+            <a:endParaRPr lang="en-US" sz="4400" b="1" kern="0" dirty="0" smtClean="0">
+              <a:solidFill>
+                <a:schemeClr val="accent2"/>
+              </a:solidFill>
+              <a:latin typeface="+mj-lt"/>
+            </a:endParaRPr>
+          </a:p>
+          <a:p>
+            <a:pPr indent="205704" algn="just" defTabSz="908920" rtl="0" eaLnBrk="1" hangingPunct="1">
+              <a:spcBef>
+                <a:spcPct val="50000"/>
+              </a:spcBef>
+              <a:tabLst>
+                <a:tab pos="497067" algn="l"/>
+              </a:tabLst>
+              <a:defRPr/>
+            </a:pPr>
+            <a:endParaRPr lang="en-US" sz="4400" b="1" kern="0" dirty="0" smtClean="0">
+              <a:solidFill>
+                <a:schemeClr val="accent2"/>
+              </a:solidFill>
+              <a:latin typeface="+mj-lt"/>
+            </a:endParaRPr>
+          </a:p>
+          <a:p>
+            <a:pPr indent="205704" algn="just" defTabSz="908920" rtl="0" eaLnBrk="1" hangingPunct="1">
+              <a:spcBef>
+                <a:spcPct val="50000"/>
+              </a:spcBef>
+              <a:tabLst>
+                <a:tab pos="497067" algn="l"/>
+              </a:tabLst>
+              <a:defRPr/>
+            </a:pPr>
+            <a:endParaRPr lang="en-US" sz="4400" b="1" kern="0" dirty="0">
+              <a:solidFill>
+                <a:schemeClr val="accent2"/>
+              </a:solidFill>
+              <a:latin typeface="+mj-lt"/>
+            </a:endParaRPr>
+          </a:p>
+          <a:p>
+            <a:pPr indent="205704" algn="just" defTabSz="908920" rtl="0" eaLnBrk="1" hangingPunct="1">
+              <a:spcBef>
+                <a:spcPct val="50000"/>
+              </a:spcBef>
+              <a:tabLst>
+                <a:tab pos="497067" algn="l"/>
+              </a:tabLst>
+              <a:defRPr/>
+            </a:pPr>
+            <a:endParaRPr lang="en-US" sz="4400" b="1" kern="0" dirty="0" smtClean="0">
+              <a:solidFill>
+                <a:schemeClr val="accent2"/>
+              </a:solidFill>
+              <a:latin typeface="+mj-lt"/>
+            </a:endParaRPr>
+          </a:p>
+          <a:p>
+            <a:pPr indent="205704" algn="just" defTabSz="908920" rtl="0" eaLnBrk="1" hangingPunct="1">
+              <a:spcBef>
+                <a:spcPct val="50000"/>
+              </a:spcBef>
+              <a:tabLst>
+                <a:tab pos="497067" algn="l"/>
+              </a:tabLst>
+              <a:defRPr/>
+            </a:pPr>
+            <a:endParaRPr lang="en-US" sz="4400" b="1" kern="0" dirty="0" smtClean="0">
+              <a:solidFill>
+                <a:schemeClr val="accent2"/>
+              </a:solidFill>
+              <a:latin typeface="+mj-lt"/>
+            </a:endParaRPr>
+          </a:p>
+          <a:p>
+            <a:pPr indent="205704" algn="just" defTabSz="908920" rtl="0" eaLnBrk="1" hangingPunct="1">
+              <a:spcBef>
+                <a:spcPct val="50000"/>
+              </a:spcBef>
+              <a:tabLst>
+                <a:tab pos="497067" algn="l"/>
+              </a:tabLst>
+              <a:defRPr/>
+            </a:pPr>
+            <a:endParaRPr lang="en-US" sz="4400" b="1" kern="0" dirty="0">
+              <a:solidFill>
+                <a:schemeClr val="accent2"/>
+              </a:solidFill>
+              <a:latin typeface="+mj-lt"/>
+            </a:endParaRPr>
+          </a:p>
+          <a:p>
+            <a:pPr indent="205704" algn="just" defTabSz="908920" rtl="0" eaLnBrk="1" hangingPunct="1">
+              <a:spcBef>
+                <a:spcPct val="50000"/>
+              </a:spcBef>
+              <a:tabLst>
+                <a:tab pos="497067" algn="l"/>
+              </a:tabLst>
+              <a:defRPr/>
+            </a:pPr>
+            <a:endParaRPr lang="en-US" sz="4400" b="1" kern="0" dirty="0" smtClean="0">
+              <a:solidFill>
+                <a:schemeClr val="accent2"/>
+              </a:solidFill>
+              <a:latin typeface="+mj-lt"/>
+            </a:endParaRPr>
+          </a:p>
+          <a:p>
+            <a:pPr indent="205704" algn="just" defTabSz="908920" rtl="0" eaLnBrk="1" hangingPunct="1">
+              <a:spcBef>
+                <a:spcPct val="50000"/>
+              </a:spcBef>
+              <a:tabLst>
+                <a:tab pos="497067" algn="l"/>
+              </a:tabLst>
+              <a:defRPr/>
+            </a:pPr>
+            <a:endParaRPr lang="en-US" sz="4400" b="1" kern="0" dirty="0">
+              <a:solidFill>
+                <a:schemeClr val="accent2"/>
+              </a:solidFill>
+              <a:latin typeface="+mj-lt"/>
+            </a:endParaRPr>
+          </a:p>
+          <a:p>
+            <a:pPr indent="205704" algn="just" defTabSz="908920" rtl="0" eaLnBrk="1" hangingPunct="1">
+              <a:spcBef>
+                <a:spcPct val="50000"/>
+              </a:spcBef>
+              <a:tabLst>
+                <a:tab pos="497067" algn="l"/>
+              </a:tabLst>
+              <a:defRPr/>
+            </a:pPr>
+            <a:endParaRPr lang="en-US" sz="4400" b="1" kern="0" dirty="0" smtClean="0">
+              <a:solidFill>
+                <a:schemeClr val="accent2"/>
+              </a:solidFill>
+              <a:latin typeface="+mj-lt"/>
+            </a:endParaRPr>
+          </a:p>
+          <a:p>
+            <a:pPr indent="205704" algn="just" defTabSz="908920" rtl="0" eaLnBrk="1" hangingPunct="1">
+              <a:spcBef>
+                <a:spcPct val="50000"/>
+              </a:spcBef>
+              <a:tabLst>
+                <a:tab pos="497067" algn="l"/>
+              </a:tabLst>
+              <a:defRPr/>
+            </a:pPr>
+            <a:endParaRPr lang="en-US" sz="4400" b="1" kern="0" dirty="0">
+              <a:solidFill>
+                <a:schemeClr val="accent2"/>
+              </a:solidFill>
+              <a:latin typeface="+mj-lt"/>
+            </a:endParaRPr>
+          </a:p>
+          <a:p>
+            <a:pPr indent="205704" algn="just" defTabSz="908920" rtl="0" eaLnBrk="1" hangingPunct="1">
+              <a:spcBef>
+                <a:spcPct val="50000"/>
+              </a:spcBef>
+              <a:tabLst>
+                <a:tab pos="497067" algn="l"/>
+              </a:tabLst>
+              <a:defRPr/>
+            </a:pPr>
+            <a:endParaRPr lang="en-US" sz="4400" b="1" kern="0" dirty="0" smtClean="0">
+              <a:solidFill>
+                <a:schemeClr val="accent2"/>
+              </a:solidFill>
+              <a:latin typeface="+mj-lt"/>
+            </a:endParaRPr>
+          </a:p>
+          <a:p>
+            <a:pPr indent="205704" algn="just" defTabSz="908920" rtl="0" eaLnBrk="1" hangingPunct="1">
+              <a:spcBef>
+                <a:spcPct val="50000"/>
+              </a:spcBef>
+              <a:tabLst>
+                <a:tab pos="497067" algn="l"/>
+              </a:tabLst>
+              <a:defRPr/>
+            </a:pPr>
+            <a:endParaRPr lang="en-US" sz="4400" b="1" kern="0" dirty="0">
+              <a:solidFill>
+                <a:schemeClr val="accent2"/>
+              </a:solidFill>
+              <a:latin typeface="+mj-lt"/>
+            </a:endParaRPr>
+          </a:p>
+          <a:p>
+            <a:pPr indent="205704" algn="just" defTabSz="908920" rtl="0" eaLnBrk="1" hangingPunct="1">
+              <a:spcBef>
+                <a:spcPct val="50000"/>
+              </a:spcBef>
+              <a:tabLst>
+                <a:tab pos="497067" algn="l"/>
+              </a:tabLst>
+              <a:defRPr/>
+            </a:pPr>
+            <a:endParaRPr lang="en-US" sz="4400" b="1" kern="0" dirty="0" smtClean="0">
+              <a:solidFill>
+                <a:schemeClr val="accent2"/>
+              </a:solidFill>
+              <a:latin typeface="+mj-lt"/>
+            </a:endParaRPr>
+          </a:p>
+          <a:p>
+            <a:pPr indent="205704" algn="just" defTabSz="908920" rtl="0" eaLnBrk="1" hangingPunct="1">
+              <a:spcBef>
+                <a:spcPct val="50000"/>
+              </a:spcBef>
+              <a:tabLst>
+                <a:tab pos="497067" algn="l"/>
+              </a:tabLst>
+              <a:defRPr/>
+            </a:pPr>
+            <a:endParaRPr lang="en-US" sz="4400" b="1" kern="0" dirty="0">
+              <a:solidFill>
+                <a:schemeClr val="accent2"/>
+              </a:solidFill>
+              <a:latin typeface="+mj-lt"/>
+            </a:endParaRPr>
+          </a:p>
+          <a:p>
+            <a:pPr indent="205704" algn="just" defTabSz="908920" rtl="0" eaLnBrk="1" hangingPunct="1">
+              <a:spcBef>
+                <a:spcPct val="50000"/>
+              </a:spcBef>
+              <a:tabLst>
+                <a:tab pos="497067" algn="l"/>
+              </a:tabLst>
+              <a:defRPr/>
+            </a:pPr>
+            <a:endParaRPr lang="en-US" sz="4400" b="1" kern="0" dirty="0" smtClean="0">
+              <a:solidFill>
+                <a:schemeClr val="accent2"/>
+              </a:solidFill>
+              <a:latin typeface="+mj-lt"/>
+            </a:endParaRPr>
+          </a:p>
+          <a:p>
+            <a:pPr indent="205704" algn="just" defTabSz="908920" rtl="0" eaLnBrk="1" hangingPunct="1">
+              <a:spcBef>
+                <a:spcPct val="50000"/>
+              </a:spcBef>
+              <a:tabLst>
+                <a:tab pos="497067" algn="l"/>
+              </a:tabLst>
+              <a:defRPr/>
+            </a:pPr>
+            <a:endParaRPr lang="en-US" sz="4400" b="1" kern="0" dirty="0">
+              <a:solidFill>
+                <a:schemeClr val="accent2"/>
+              </a:solidFill>
+              <a:latin typeface="+mj-lt"/>
+            </a:endParaRPr>
+          </a:p>
+          <a:p>
+            <a:pPr indent="205704" algn="just" defTabSz="908920" rtl="0" eaLnBrk="1" hangingPunct="1">
+              <a:spcBef>
+                <a:spcPct val="50000"/>
+              </a:spcBef>
+              <a:tabLst>
+                <a:tab pos="497067" algn="l"/>
+              </a:tabLst>
+              <a:defRPr/>
+            </a:pPr>
+            <a:endParaRPr lang="en-US" sz="4400" b="1" kern="0" dirty="0" smtClean="0">
+              <a:solidFill>
+                <a:schemeClr val="accent2"/>
+              </a:solidFill>
+              <a:latin typeface="+mj-lt"/>
+            </a:endParaRPr>
+          </a:p>
+          <a:p>
+            <a:pPr indent="205704" algn="just" defTabSz="908920" rtl="0" eaLnBrk="1" hangingPunct="1">
+              <a:spcBef>
+                <a:spcPct val="50000"/>
+              </a:spcBef>
+              <a:tabLst>
+                <a:tab pos="497067" algn="l"/>
+              </a:tabLst>
+              <a:defRPr/>
+            </a:pPr>
+            <a:endParaRPr lang="en-US" sz="4400" b="1" kern="0" dirty="0">
+              <a:solidFill>
+                <a:schemeClr val="accent2"/>
+              </a:solidFill>
+              <a:latin typeface="+mj-lt"/>
+            </a:endParaRPr>
+          </a:p>
+          <a:p>
+            <a:pPr indent="205704" algn="just" defTabSz="908920" rtl="0" eaLnBrk="1" hangingPunct="1">
+              <a:spcBef>
+                <a:spcPct val="50000"/>
+              </a:spcBef>
+              <a:tabLst>
+                <a:tab pos="497067" algn="l"/>
+              </a:tabLst>
+              <a:defRPr/>
+            </a:pPr>
+            <a:endParaRPr lang="en-US" sz="4400" b="1" kern="0" dirty="0" smtClean="0">
+              <a:solidFill>
+                <a:schemeClr val="accent2"/>
+              </a:solidFill>
+              <a:latin typeface="+mj-lt"/>
+            </a:endParaRPr>
+          </a:p>
+          <a:p>
+            <a:pPr indent="205704" algn="just" defTabSz="908920" rtl="0" eaLnBrk="1" hangingPunct="1">
+              <a:spcBef>
+                <a:spcPct val="50000"/>
+              </a:spcBef>
+              <a:tabLst>
+                <a:tab pos="497067" algn="l"/>
+              </a:tabLst>
+              <a:defRPr/>
+            </a:pPr>
+            <a:endParaRPr lang="en-US" sz="4400" b="1" kern="0" dirty="0">
+              <a:solidFill>
+                <a:schemeClr val="accent2"/>
+              </a:solidFill>
+              <a:latin typeface="+mj-lt"/>
+            </a:endParaRPr>
+          </a:p>
+          <a:p>
+            <a:pPr indent="205704" algn="just" defTabSz="908920" rtl="0" eaLnBrk="1" hangingPunct="1">
+              <a:spcBef>
+                <a:spcPct val="50000"/>
+              </a:spcBef>
+              <a:tabLst>
+                <a:tab pos="497067" algn="l"/>
+              </a:tabLst>
+              <a:defRPr/>
+            </a:pPr>
+            <a:endParaRPr lang="en-US" sz="4400" b="1" kern="0" dirty="0" smtClean="0">
+              <a:solidFill>
+                <a:schemeClr val="accent2"/>
+              </a:solidFill>
+              <a:latin typeface="+mj-lt"/>
+            </a:endParaRPr>
+          </a:p>
+          <a:p>
+            <a:pPr indent="205704" algn="just" defTabSz="908920" rtl="0" eaLnBrk="1" hangingPunct="1">
+              <a:spcBef>
+                <a:spcPct val="50000"/>
+              </a:spcBef>
+              <a:tabLst>
+                <a:tab pos="497067" algn="l"/>
+              </a:tabLst>
+              <a:defRPr/>
+            </a:pPr>
+            <a:endParaRPr lang="en-US" sz="4400" b="1" kern="0" dirty="0">
+              <a:solidFill>
+                <a:schemeClr val="accent2"/>
+              </a:solidFill>
+              <a:latin typeface="+mj-lt"/>
+            </a:endParaRPr>
+          </a:p>
+          <a:p>
+            <a:pPr indent="205704" algn="just" defTabSz="908920" rtl="0" eaLnBrk="1" hangingPunct="1">
+              <a:spcBef>
+                <a:spcPct val="50000"/>
+              </a:spcBef>
+              <a:tabLst>
+                <a:tab pos="497067" algn="l"/>
+              </a:tabLst>
+              <a:defRPr/>
+            </a:pPr>
+            <a:endParaRPr lang="en-US" sz="4400" b="1" kern="0" dirty="0" smtClean="0">
+              <a:solidFill>
+                <a:schemeClr val="accent2"/>
+              </a:solidFill>
+              <a:latin typeface="+mj-lt"/>
+            </a:endParaRPr>
+          </a:p>
+          <a:p>
+            <a:pPr indent="205704" algn="just" defTabSz="908920" rtl="0" eaLnBrk="1" hangingPunct="1">
+              <a:spcBef>
+                <a:spcPct val="50000"/>
+              </a:spcBef>
+              <a:tabLst>
+                <a:tab pos="497067" algn="l"/>
+              </a:tabLst>
+              <a:defRPr/>
+            </a:pPr>
+            <a:endParaRPr lang="en-US" sz="4400" b="1" kern="0" dirty="0">
+              <a:solidFill>
+                <a:schemeClr val="accent2"/>
+              </a:solidFill>
+              <a:latin typeface="+mj-lt"/>
+            </a:endParaRPr>
+          </a:p>
+          <a:p>
+            <a:pPr indent="205704" algn="just" defTabSz="908920" rtl="0" eaLnBrk="1" hangingPunct="1">
+              <a:spcBef>
+                <a:spcPct val="50000"/>
+              </a:spcBef>
+              <a:tabLst>
+                <a:tab pos="497067" algn="l"/>
+              </a:tabLst>
+              <a:defRPr/>
+            </a:pPr>
+            <a:endParaRPr lang="en-US" sz="4400" b="1" kern="0" dirty="0" smtClean="0">
+              <a:solidFill>
+                <a:schemeClr val="accent2"/>
+              </a:solidFill>
+              <a:latin typeface="+mj-lt"/>
+            </a:endParaRPr>
+          </a:p>
+          <a:p>
+            <a:pPr indent="205704" algn="just" defTabSz="908920" rtl="0" eaLnBrk="1" hangingPunct="1">
+              <a:spcBef>
+                <a:spcPct val="50000"/>
+              </a:spcBef>
+              <a:tabLst>
+                <a:tab pos="497067" algn="l"/>
+              </a:tabLst>
+              <a:defRPr/>
+            </a:pPr>
+            <a:endParaRPr lang="en-US" sz="4400" b="1" kern="0" dirty="0">
+              <a:solidFill>
+                <a:schemeClr val="accent2"/>
+              </a:solidFill>
+              <a:latin typeface="+mj-lt"/>
+            </a:endParaRPr>
+          </a:p>
+          <a:p>
+            <a:pPr indent="205704" algn="just" defTabSz="908920" rtl="0" eaLnBrk="1" hangingPunct="1">
+              <a:spcBef>
+                <a:spcPct val="50000"/>
+              </a:spcBef>
+              <a:tabLst>
+                <a:tab pos="497067" algn="l"/>
+              </a:tabLst>
+              <a:defRPr/>
+            </a:pPr>
+            <a:endParaRPr lang="en-US" sz="4400" b="1" kern="0" dirty="0" smtClean="0">
+              <a:solidFill>
+                <a:schemeClr val="accent2"/>
+              </a:solidFill>
+              <a:latin typeface="+mj-lt"/>
+            </a:endParaRPr>
+          </a:p>
+          <a:p>
+            <a:pPr indent="205704" algn="just" defTabSz="908920" rtl="0" eaLnBrk="1" hangingPunct="1">
+              <a:spcBef>
+                <a:spcPct val="50000"/>
+              </a:spcBef>
+              <a:tabLst>
+                <a:tab pos="497067" algn="l"/>
+              </a:tabLst>
+              <a:defRPr/>
+            </a:pPr>
+            <a:endParaRPr lang="en-US" sz="4400" b="1" kern="0" dirty="0">
+              <a:solidFill>
+                <a:schemeClr val="accent2"/>
+              </a:solidFill>
+              <a:latin typeface="+mj-lt"/>
+            </a:endParaRPr>
+          </a:p>
+          <a:p>
+            <a:pPr indent="205704" algn="just" defTabSz="908920" rtl="0" eaLnBrk="1" hangingPunct="1">
+              <a:spcBef>
+                <a:spcPct val="50000"/>
+              </a:spcBef>
+              <a:tabLst>
+                <a:tab pos="497067" algn="l"/>
+              </a:tabLst>
+              <a:defRPr/>
+            </a:pPr>
+            <a:endParaRPr lang="en-US" sz="4400" b="1" kern="0" dirty="0" smtClean="0">
+              <a:solidFill>
+                <a:schemeClr val="accent2"/>
+              </a:solidFill>
+              <a:latin typeface="+mj-lt"/>
+            </a:endParaRPr>
+          </a:p>
+          <a:p>
+            <a:pPr indent="205704" algn="just" defTabSz="908920" rtl="0" eaLnBrk="1" hangingPunct="1">
+              <a:spcBef>
+                <a:spcPct val="50000"/>
+              </a:spcBef>
+              <a:tabLst>
+                <a:tab pos="497067" algn="l"/>
+              </a:tabLst>
+              <a:defRPr/>
+            </a:pPr>
+            <a:endParaRPr lang="en-US" sz="4400" b="1" kern="0" dirty="0">
+              <a:solidFill>
+                <a:schemeClr val="accent2"/>
+              </a:solidFill>
+              <a:latin typeface="+mj-lt"/>
+            </a:endParaRPr>
+          </a:p>
+          <a:p>
+            <a:pPr indent="205704" algn="just" defTabSz="908920" rtl="0" eaLnBrk="1" hangingPunct="1">
+              <a:spcBef>
+                <a:spcPct val="50000"/>
+              </a:spcBef>
+              <a:tabLst>
+                <a:tab pos="497067" algn="l"/>
+              </a:tabLst>
+              <a:defRPr/>
+            </a:pPr>
+            <a:endParaRPr lang="en-US" sz="4400" b="1" kern="0" dirty="0" smtClean="0">
+              <a:solidFill>
+                <a:schemeClr val="accent2"/>
+              </a:solidFill>
+              <a:latin typeface="+mj-lt"/>
+            </a:endParaRPr>
+          </a:p>
+          <a:p>
+            <a:pPr indent="205704" algn="just" defTabSz="908920" rtl="0" eaLnBrk="1" hangingPunct="1">
+              <a:spcBef>
+                <a:spcPct val="50000"/>
+              </a:spcBef>
+              <a:tabLst>
+                <a:tab pos="497067" algn="l"/>
+              </a:tabLst>
+              <a:defRPr/>
+            </a:pPr>
+            <a:endParaRPr lang="en-US" sz="4400" b="1" kern="0" dirty="0">
+              <a:solidFill>
+                <a:schemeClr val="accent2"/>
+              </a:solidFill>
+              <a:latin typeface="+mj-lt"/>
+            </a:endParaRPr>
+          </a:p>
+          <a:p>
+            <a:pPr indent="205704" algn="just" defTabSz="908920" rtl="0" eaLnBrk="1" hangingPunct="1">
+              <a:spcBef>
+                <a:spcPct val="50000"/>
+              </a:spcBef>
+              <a:tabLst>
+                <a:tab pos="497067" algn="l"/>
+              </a:tabLst>
+              <a:defRPr/>
+            </a:pPr>
+            <a:r>
+              <a:rPr lang="en-US" sz="2800" kern="0" dirty="0" smtClean="0">
+                <a:latin typeface="+mn-lt"/>
+              </a:rPr>
+              <a:t>Figs. 6 and 7 show that as the mutation rate of stressed individuals increases, the appearance probability (Fig. 6) and fixation probability (Fig .7) of the double mutant </a:t>
+            </a:r>
+            <a:r>
+              <a:rPr lang="en-US" sz="2800" i="1" kern="0" dirty="0" smtClean="0">
+                <a:latin typeface="+mn-lt"/>
+              </a:rPr>
+              <a:t>AB</a:t>
+            </a:r>
+            <a:r>
+              <a:rPr lang="en-US" sz="2800" kern="0" dirty="0" smtClean="0">
+                <a:latin typeface="+mn-lt"/>
+              </a:rPr>
+              <a:t> increase. Note that the lines begin at X1 increase – equivalent to constant low mutation rate. </a:t>
+            </a:r>
+          </a:p>
+          <a:p>
+            <a:pPr indent="205704" algn="just" defTabSz="908920" rtl="0" eaLnBrk="1" hangingPunct="1">
+              <a:spcBef>
+                <a:spcPct val="50000"/>
+              </a:spcBef>
+              <a:tabLst>
+                <a:tab pos="497067" algn="l"/>
+              </a:tabLst>
+              <a:defRPr/>
+            </a:pPr>
+            <a:r>
+              <a:rPr lang="en-US" sz="2800" kern="0" dirty="0" smtClean="0">
+                <a:latin typeface="+mn-lt"/>
+              </a:rPr>
+              <a:t>Fig. 8 shows that </a:t>
+            </a:r>
+            <a:r>
+              <a:rPr lang="en-US" sz="2800" b="1" kern="0" dirty="0" smtClean="0">
+                <a:solidFill>
+                  <a:schemeClr val="tx2"/>
+                </a:solidFill>
+                <a:latin typeface="+mn-lt"/>
+              </a:rPr>
+              <a:t>the expected adaptation time decreases with the increase in the mutation rate of stressed individuals</a:t>
+            </a:r>
+            <a:r>
+              <a:rPr lang="en-US" sz="2800" kern="0" dirty="0">
+                <a:latin typeface="+mn-lt"/>
+              </a:rPr>
+              <a:t>, </a:t>
+            </a:r>
+            <a:r>
+              <a:rPr lang="en-US" sz="2800" kern="0" dirty="0" smtClean="0">
+                <a:latin typeface="+mn-lt"/>
+              </a:rPr>
+              <a:t>both in the approximation </a:t>
+            </a:r>
+            <a:r>
+              <a:rPr lang="en-US" sz="2800" kern="0" dirty="0">
+                <a:latin typeface="+mn-lt"/>
+              </a:rPr>
+              <a:t>(blue) and </a:t>
+            </a:r>
+            <a:r>
+              <a:rPr lang="en-US" sz="2800" kern="0" dirty="0" smtClean="0">
+                <a:latin typeface="+mn-lt"/>
+              </a:rPr>
+              <a:t>the simulation (black).</a:t>
+            </a:r>
+            <a:endParaRPr lang="en-US" sz="2800" kern="0" dirty="0" smtClean="0">
+              <a:latin typeface="+mn-lt"/>
+            </a:endParaRPr>
+          </a:p>
+          <a:p>
+            <a:pPr indent="205704" algn="just" defTabSz="908920" rtl="0" eaLnBrk="1" hangingPunct="1">
+              <a:spcBef>
+                <a:spcPct val="50000"/>
+              </a:spcBef>
+              <a:tabLst>
+                <a:tab pos="497067" algn="l"/>
+              </a:tabLst>
+              <a:defRPr/>
+            </a:pPr>
+            <a:r>
+              <a:rPr lang="en-US" sz="2800" kern="0" dirty="0" smtClean="0">
+                <a:latin typeface="+mn-lt"/>
+              </a:rPr>
+              <a:t>The difference between the approximation and the simulation estimation can be accounted to co-occurring double mutants.</a:t>
+            </a:r>
+          </a:p>
+          <a:p>
+            <a:pPr indent="205704" algn="just" defTabSz="908920" rtl="0" eaLnBrk="1" hangingPunct="1">
+              <a:spcBef>
+                <a:spcPct val="50000"/>
+              </a:spcBef>
+              <a:tabLst>
+                <a:tab pos="497067" algn="l"/>
+              </a:tabLst>
+              <a:defRPr/>
+            </a:pPr>
+            <a:endParaRPr lang="en-US" sz="4400" b="1" kern="0" dirty="0" smtClean="0">
+              <a:solidFill>
+                <a:schemeClr val="accent2"/>
+              </a:solidFill>
+              <a:latin typeface="+mn-lt"/>
+            </a:endParaRPr>
           </a:p>
           <a:p>
             <a:pPr indent="205704" algn="just" defTabSz="908920" rtl="0" eaLnBrk="1" hangingPunct="1">
@@ -4514,95 +5225,283 @@
               <a:defRPr/>
             </a:pPr>
             <a:r>
-              <a:rPr lang="en-US" sz="2800" kern="0" dirty="0" smtClean="0">
+              <a:rPr lang="en-US" sz="2800" kern="0" dirty="0">
                 <a:solidFill>
                   <a:srgbClr val="000000"/>
                 </a:solidFill>
                 <a:latin typeface="+mn-lt"/>
               </a:rPr>
-              <a:t>We performed Wright-Fisher simulations without recombination, tracking the frequency of </a:t>
-            </a:r>
-            <a:r>
-              <a:rPr lang="en-US" sz="2800" i="1" kern="0" dirty="0" err="1" smtClean="0">
+              <a:t>We used </a:t>
+            </a:r>
+            <a:r>
+              <a:rPr lang="en-US" sz="2800" b="1" kern="0" dirty="0">
                 <a:solidFill>
                   <a:srgbClr val="000000"/>
                 </a:solidFill>
                 <a:latin typeface="+mn-lt"/>
               </a:rPr>
-              <a:t>ab</a:t>
-            </a:r>
-            <a:r>
-              <a:rPr lang="en-US" sz="2800" kern="0" dirty="0" smtClean="0">
+              <a:t>multi-locus Wright-Fisher simulations</a:t>
+            </a:r>
+            <a:r>
+              <a:rPr lang="en-US" sz="2800" kern="0" dirty="0">
                 <a:solidFill>
                   <a:srgbClr val="000000"/>
                 </a:solidFill>
                 <a:latin typeface="+mn-lt"/>
               </a:rPr>
+              <a:t>. </a:t>
+            </a:r>
+            <a:r>
+              <a:rPr lang="en-GB" sz="2800" kern="0" dirty="0">
+                <a:solidFill>
+                  <a:srgbClr val="000000"/>
+                </a:solidFill>
+                <a:latin typeface="+mn-lt"/>
+              </a:rPr>
+              <a:t>Fig. 5 describes the model in a similar way to Fig. 4, only node </a:t>
+            </a:r>
+            <a:r>
+              <a:rPr lang="en-GB" sz="2800" kern="0" dirty="0">
+                <a:solidFill>
+                  <a:srgbClr val="000000"/>
+                </a:solidFill>
+                <a:latin typeface="+mn-lt"/>
+              </a:rPr>
+              <a:t>labels specify </a:t>
+            </a:r>
+            <a:r>
+              <a:rPr lang="en-GB" sz="2800" kern="0" dirty="0">
+                <a:solidFill>
+                  <a:srgbClr val="000000"/>
+                </a:solidFill>
+                <a:latin typeface="+mn-lt"/>
+              </a:rPr>
+              <a:t>both the </a:t>
+            </a:r>
+            <a:r>
+              <a:rPr lang="en-GB" sz="2800" kern="0" dirty="0">
+                <a:solidFill>
+                  <a:srgbClr val="000000"/>
+                </a:solidFill>
+                <a:latin typeface="+mn-lt"/>
+              </a:rPr>
+              <a:t>alleles at the A/a and B/b loci </a:t>
+            </a:r>
+            <a:r>
+              <a:rPr lang="en-GB" sz="2800" b="1" kern="0" dirty="0">
+                <a:solidFill>
+                  <a:srgbClr val="000000"/>
+                </a:solidFill>
+                <a:latin typeface="+mn-lt"/>
+              </a:rPr>
+              <a:t>and the number of deleterious </a:t>
+            </a:r>
+            <a:r>
+              <a:rPr lang="en-GB" sz="2800" b="1" kern="0" dirty="0">
+                <a:solidFill>
+                  <a:srgbClr val="000000"/>
+                </a:solidFill>
+                <a:latin typeface="+mn-lt"/>
+              </a:rPr>
+              <a:t>mutations</a:t>
+            </a:r>
+            <a:r>
+              <a:rPr lang="en-GB" sz="2800" kern="0" dirty="0">
+                <a:solidFill>
+                  <a:srgbClr val="000000"/>
+                </a:solidFill>
+                <a:latin typeface="+mn-lt"/>
+              </a:rPr>
               <a:t>, </a:t>
             </a:r>
             <a:r>
-              <a:rPr lang="en-US" sz="2800" i="1" kern="0" dirty="0" err="1" smtClean="0">
+              <a:rPr lang="en-GB" sz="2800" kern="0" dirty="0">
                 <a:solidFill>
                   <a:srgbClr val="000000"/>
                 </a:solidFill>
                 <a:latin typeface="+mn-lt"/>
               </a:rPr>
-              <a:t>Ab</a:t>
-            </a:r>
-            <a:r>
-              <a:rPr lang="en-US" sz="2800" kern="0" dirty="0" smtClean="0">
+              <a:t>but only as much as 3 deleterious mutations are </a:t>
+            </a:r>
+            <a:r>
+              <a:rPr lang="en-GB" sz="2800" kern="0" dirty="0">
                 <a:solidFill>
                   <a:srgbClr val="000000"/>
                 </a:solidFill>
                 <a:latin typeface="+mn-lt"/>
               </a:rPr>
-              <a:t>, </a:t>
-            </a:r>
-            <a:r>
-              <a:rPr lang="en-US" sz="2800" i="1" kern="0" dirty="0" err="1" smtClean="0">
-                <a:solidFill>
-                  <a:srgbClr val="000000"/>
-                </a:solidFill>
-                <a:latin typeface="+mn-lt"/>
-              </a:rPr>
-              <a:t>aB</a:t>
-            </a:r>
-            <a:r>
-              <a:rPr lang="en-US" sz="2800" kern="0" dirty="0">
-                <a:solidFill>
-                  <a:srgbClr val="000000"/>
-                </a:solidFill>
-                <a:latin typeface="+mn-lt"/>
-              </a:rPr>
-              <a:t> </a:t>
-            </a:r>
-            <a:r>
-              <a:rPr lang="en-US" sz="2800" kern="0" dirty="0" smtClean="0">
-                <a:solidFill>
-                  <a:srgbClr val="000000"/>
-                </a:solidFill>
-                <a:latin typeface="+mn-lt"/>
-              </a:rPr>
-              <a:t>and </a:t>
-            </a:r>
-            <a:r>
-              <a:rPr lang="en-US" sz="2800" i="1" kern="0" dirty="0" smtClean="0">
-                <a:solidFill>
-                  <a:srgbClr val="000000"/>
-                </a:solidFill>
-                <a:latin typeface="+mn-lt"/>
-              </a:rPr>
-              <a:t>AB</a:t>
-            </a:r>
-            <a:r>
-              <a:rPr lang="en-US" sz="2800" kern="0" dirty="0" smtClean="0">
-                <a:solidFill>
-                  <a:srgbClr val="000000"/>
-                </a:solidFill>
-                <a:latin typeface="+mn-lt"/>
-              </a:rPr>
-              <a:t> and the number of deleterious mutations in each type – see Figure 3.</a:t>
-            </a:r>
+              <a:t>shown to keep the figure simple. </a:t>
+            </a:r>
+            <a:endParaRPr lang="en-US" sz="2800" kern="0" dirty="0">
+              <a:solidFill>
+                <a:srgbClr val="000000"/>
+              </a:solidFill>
+              <a:latin typeface="+mn-lt"/>
+            </a:endParaRPr>
+          </a:p>
+          <a:p>
+            <a:pPr marL="0" indent="205704" algn="just" defTabSz="908920" rtl="0" eaLnBrk="1" hangingPunct="1">
+              <a:spcBef>
+                <a:spcPct val="10000"/>
+              </a:spcBef>
+              <a:tabLst>
+                <a:tab pos="631195" algn="l"/>
+              </a:tabLst>
+              <a:defRPr/>
+            </a:pPr>
+            <a:endParaRPr lang="en-US" sz="2800" kern="0" dirty="0">
+              <a:solidFill>
+                <a:srgbClr val="000000"/>
+              </a:solidFill>
+              <a:latin typeface="+mn-lt"/>
+            </a:endParaRPr>
+          </a:p>
+          <a:p>
+            <a:pPr marL="0" indent="205704" algn="just" defTabSz="908920" rtl="0" eaLnBrk="1" hangingPunct="1">
+              <a:spcBef>
+                <a:spcPct val="10000"/>
+              </a:spcBef>
+              <a:tabLst>
+                <a:tab pos="631195" algn="l"/>
+              </a:tabLst>
+              <a:defRPr/>
+            </a:pPr>
+            <a:endParaRPr lang="en-US" sz="2800" kern="0" dirty="0">
+              <a:solidFill>
+                <a:srgbClr val="000000"/>
+              </a:solidFill>
+              <a:latin typeface="+mn-lt"/>
+            </a:endParaRPr>
+          </a:p>
+          <a:p>
+            <a:pPr marL="0" indent="205704" algn="just" defTabSz="908920" rtl="0" eaLnBrk="1" hangingPunct="1">
+              <a:spcBef>
+                <a:spcPct val="10000"/>
+              </a:spcBef>
+              <a:tabLst>
+                <a:tab pos="631195" algn="l"/>
+              </a:tabLst>
+              <a:defRPr/>
+            </a:pPr>
+            <a:endParaRPr lang="en-US" sz="2800" i="1" kern="0" dirty="0" smtClean="0">
+              <a:solidFill>
+                <a:srgbClr val="000000"/>
+              </a:solidFill>
+              <a:latin typeface="+mn-lt"/>
+            </a:endParaRPr>
+          </a:p>
+          <a:p>
+            <a:pPr marL="0" indent="205704" algn="just" defTabSz="908920" rtl="0" eaLnBrk="1" hangingPunct="1">
+              <a:spcBef>
+                <a:spcPct val="10000"/>
+              </a:spcBef>
+              <a:tabLst>
+                <a:tab pos="631195" algn="l"/>
+              </a:tabLst>
+              <a:defRPr/>
+            </a:pPr>
+            <a:endParaRPr lang="en-US" sz="2800" i="1" kern="0" dirty="0">
+              <a:solidFill>
+                <a:srgbClr val="000000"/>
+              </a:solidFill>
+              <a:latin typeface="+mn-lt"/>
+            </a:endParaRPr>
+          </a:p>
+          <a:p>
+            <a:pPr marL="0" indent="205704" algn="just" defTabSz="908920" rtl="0" eaLnBrk="1" hangingPunct="1">
+              <a:spcBef>
+                <a:spcPct val="10000"/>
+              </a:spcBef>
+              <a:tabLst>
+                <a:tab pos="631195" algn="l"/>
+              </a:tabLst>
+              <a:defRPr/>
+            </a:pPr>
+            <a:endParaRPr lang="en-US" sz="2800" i="1" kern="0" dirty="0" smtClean="0">
+              <a:solidFill>
+                <a:srgbClr val="000000"/>
+              </a:solidFill>
+              <a:latin typeface="+mn-lt"/>
+            </a:endParaRPr>
+          </a:p>
+          <a:p>
+            <a:pPr marL="0" indent="205704" algn="just" defTabSz="908920" rtl="0" eaLnBrk="1" hangingPunct="1">
+              <a:spcBef>
+                <a:spcPct val="10000"/>
+              </a:spcBef>
+              <a:tabLst>
+                <a:tab pos="631195" algn="l"/>
+              </a:tabLst>
+              <a:defRPr/>
+            </a:pPr>
+            <a:endParaRPr lang="en-US" sz="2800" i="1" kern="0" dirty="0">
+              <a:solidFill>
+                <a:srgbClr val="000000"/>
+              </a:solidFill>
+              <a:latin typeface="+mn-lt"/>
+            </a:endParaRPr>
+          </a:p>
+          <a:p>
+            <a:pPr marL="0" indent="205704" algn="just" defTabSz="908920" rtl="0" eaLnBrk="1" hangingPunct="1">
+              <a:spcBef>
+                <a:spcPct val="10000"/>
+              </a:spcBef>
+              <a:tabLst>
+                <a:tab pos="631195" algn="l"/>
+              </a:tabLst>
+              <a:defRPr/>
+            </a:pPr>
+            <a:endParaRPr lang="en-US" sz="2800" i="1" kern="0" dirty="0" smtClean="0">
+              <a:solidFill>
+                <a:srgbClr val="000000"/>
+              </a:solidFill>
+              <a:latin typeface="+mn-lt"/>
+            </a:endParaRPr>
+          </a:p>
+          <a:p>
+            <a:pPr marL="0" indent="205704" algn="just" defTabSz="908920" rtl="0" eaLnBrk="1" hangingPunct="1">
+              <a:spcBef>
+                <a:spcPct val="10000"/>
+              </a:spcBef>
+              <a:tabLst>
+                <a:tab pos="631195" algn="l"/>
+              </a:tabLst>
+              <a:defRPr/>
+            </a:pPr>
+            <a:endParaRPr lang="en-US" sz="2800" i="1" kern="0" dirty="0">
+              <a:solidFill>
+                <a:srgbClr val="000000"/>
+              </a:solidFill>
+              <a:latin typeface="+mn-lt"/>
+            </a:endParaRPr>
+          </a:p>
+          <a:p>
+            <a:pPr marL="0" indent="205704" algn="just" defTabSz="908920" rtl="0" eaLnBrk="1" hangingPunct="1">
+              <a:spcBef>
+                <a:spcPct val="10000"/>
+              </a:spcBef>
+              <a:tabLst>
+                <a:tab pos="631195" algn="l"/>
+              </a:tabLst>
+              <a:defRPr/>
+            </a:pPr>
+            <a:endParaRPr lang="en-US" sz="2800" i="1" kern="0" dirty="0" smtClean="0">
+              <a:solidFill>
+                <a:srgbClr val="000000"/>
+              </a:solidFill>
+              <a:latin typeface="+mn-lt"/>
+            </a:endParaRPr>
+          </a:p>
+          <a:p>
+            <a:pPr marL="0" indent="205704" algn="just" defTabSz="908920" rtl="0" eaLnBrk="1" hangingPunct="1">
+              <a:spcBef>
+                <a:spcPct val="10000"/>
+              </a:spcBef>
+              <a:tabLst>
+                <a:tab pos="631195" algn="l"/>
+              </a:tabLst>
+              <a:defRPr/>
+            </a:pPr>
             <a:endParaRPr lang="en-US" sz="2800" i="1" kern="0" dirty="0">
               <a:solidFill>
                 <a:srgbClr val="000000"/>
@@ -4789,7 +5688,7 @@
               <a:defRPr/>
             </a:pPr>
             <a:r>
-              <a:rPr lang="en-US" sz="4400" b="1" kern="0" dirty="0">
+              <a:rPr lang="en-US" sz="4400" b="1" kern="0" dirty="0" smtClean="0">
                 <a:solidFill>
                   <a:schemeClr val="accent2"/>
                 </a:solidFill>
@@ -4799,17 +5698,46 @@
             </a:r>
           </a:p>
           <a:p>
+            <a:pPr indent="205704" algn="just" defTabSz="908920" rtl="0" eaLnBrk="1" hangingPunct="1">
+              <a:spcBef>
+                <a:spcPct val="50000"/>
+              </a:spcBef>
+              <a:tabLst>
+                <a:tab pos="497067" algn="l"/>
+              </a:tabLst>
+              <a:defRPr/>
+            </a:pPr>
+            <a:r>
+              <a:rPr lang="en-US" b="1" kern="0" dirty="0">
+                <a:solidFill>
+                  <a:schemeClr val="accent2"/>
+                </a:solidFill>
+                <a:latin typeface="+mj-lt"/>
+              </a:rPr>
+              <a:t>Adaptive peak shifts </a:t>
+            </a:r>
+          </a:p>
+          <a:p>
             <a:pPr indent="205704" algn="l" defTabSz="908920" rtl="0">
               <a:defRPr/>
             </a:pPr>
             <a:r>
+              <a:rPr lang="en-US" sz="2800" kern="0" dirty="0" smtClean="0">
+                <a:solidFill>
+                  <a:srgbClr val="000000"/>
+                </a:solidFill>
+                <a:latin typeface="+mn-lt"/>
+              </a:rPr>
+              <a:t>The </a:t>
+            </a:r>
+            <a:r>
               <a:rPr lang="en-US" sz="2800" kern="0" dirty="0">
                 <a:solidFill>
                   <a:srgbClr val="000000"/>
                 </a:solidFill>
                 <a:latin typeface="+mn-lt"/>
               </a:rPr>
-              <a:t>The evolution of complex traits, coded by multiple genes, presents an open evolutionary </a:t>
+              <a:t>evolution of complex </a:t>
             </a:r>
             <a:r>
               <a:rPr lang="en-US" sz="2800" kern="0" dirty="0" smtClean="0">
@@ -4818,6 +5746,42 @@
                 </a:solidFill>
                 <a:latin typeface="+mn-lt"/>
               </a:rPr>
+              <a:t>traits </a:t>
+            </a:r>
+            <a:r>
+              <a:rPr lang="en-US" sz="2800" kern="0" dirty="0">
+                <a:solidFill>
+                  <a:srgbClr val="000000"/>
+                </a:solidFill>
+                <a:latin typeface="+mn-lt"/>
+              </a:rPr>
+              <a:t>coded by multiple </a:t>
+            </a:r>
+            <a:r>
+              <a:rPr lang="en-US" sz="2800" kern="0" dirty="0" smtClean="0">
+                <a:solidFill>
+                  <a:srgbClr val="000000"/>
+                </a:solidFill>
+                <a:latin typeface="+mn-lt"/>
+              </a:rPr>
+              <a:t>genes </a:t>
+            </a:r>
+            <a:r>
+              <a:rPr lang="en-US" sz="2800" kern="0" dirty="0">
+                <a:solidFill>
+                  <a:srgbClr val="000000"/>
+                </a:solidFill>
+                <a:latin typeface="+mn-lt"/>
+              </a:rPr>
+              <a:t>presents an open evolutionary </a:t>
+            </a:r>
+            <a:r>
+              <a:rPr lang="en-US" sz="2800" kern="0" dirty="0" smtClean="0">
+                <a:solidFill>
+                  <a:srgbClr val="000000"/>
+                </a:solidFill>
+                <a:latin typeface="+mn-lt"/>
+              </a:rPr>
               <a:t>question, first </a:t>
             </a:r>
             <a:r>
@@ -4841,496 +5805,618 @@
             <a:r>
               <a:rPr lang="en-US" sz="2800" b="1" kern="0" dirty="0">
                 <a:solidFill>
+                  <a:schemeClr val="tx2"/>
+                </a:solidFill>
+                <a:latin typeface="+mn-lt"/>
+              </a:rPr>
+              <a:t>if different alleles are separately deleterious but </a:t>
+            </a:r>
+            <a:r>
+              <a:rPr lang="en-US" sz="2800" b="1" kern="0" dirty="0">
+                <a:solidFill>
+                  <a:schemeClr val="tx2"/>
+                </a:solidFill>
+                <a:latin typeface="+mn-lt"/>
+              </a:rPr>
+              <a:t>jointly advantageous</a:t>
+            </a:r>
+            <a:r>
+              <a:rPr lang="en-US" sz="2800" b="1" kern="0" dirty="0">
+                <a:solidFill>
+                  <a:schemeClr val="tx2"/>
+                </a:solidFill>
+                <a:latin typeface="+mn-lt"/>
+              </a:rPr>
+              <a:t>, how can a population evolve from one co-adapted gene complex to a better one</a:t>
+            </a:r>
+            <a:r>
+              <a:rPr lang="en-US" sz="2800" b="1" kern="0" dirty="0">
+                <a:solidFill>
+                  <a:schemeClr val="tx2"/>
+                </a:solidFill>
+                <a:latin typeface="+mn-lt"/>
+              </a:rPr>
+              <a:t>? </a:t>
+            </a:r>
+          </a:p>
+          <a:p>
+            <a:pPr indent="205704" algn="l" defTabSz="908920" rtl="0">
+              <a:defRPr/>
+            </a:pPr>
+            <a:r>
+              <a:rPr lang="en-US" sz="2800" kern="0" dirty="0" smtClean="0">
+                <a:solidFill>
                   <a:srgbClr val="000000"/>
                 </a:solidFill>
                 <a:latin typeface="+mn-lt"/>
               </a:rPr>
-              <a:t>if different alleles are separately deleterious but </a:t>
+              <a:t>The problem is illustrated using </a:t>
+            </a:r>
+            <a:r>
+              <a:rPr lang="en-US" sz="2800" kern="0" dirty="0" smtClean="0">
+                <a:solidFill>
+                  <a:srgbClr val="000000"/>
+                </a:solidFill>
+                <a:latin typeface="+mn-lt"/>
+              </a:rPr>
+              <a:t>the </a:t>
+            </a:r>
+            <a:r>
+              <a:rPr lang="en-US" sz="2800" i="1" kern="0" dirty="0" smtClean="0">
+                <a:solidFill>
+                  <a:srgbClr val="000000"/>
+                </a:solidFill>
+                <a:latin typeface="+mn-lt"/>
+              </a:rPr>
+              <a:t>fitness landscape </a:t>
+            </a:r>
+            <a:r>
+              <a:rPr lang="en-US" sz="2800" kern="0" dirty="0" smtClean="0">
+                <a:solidFill>
+                  <a:srgbClr val="000000"/>
+                </a:solidFill>
+                <a:latin typeface="+mn-lt"/>
+              </a:rPr>
+              <a:t>metaphor:</a:t>
+            </a:r>
+            <a:endParaRPr lang="en-US" sz="2800" kern="0" dirty="0" smtClean="0">
+              <a:solidFill>
+                <a:srgbClr val="000000"/>
+              </a:solidFill>
+              <a:latin typeface="+mn-lt"/>
+            </a:endParaRPr>
+          </a:p>
+          <a:p>
+            <a:pPr indent="205704" algn="l" defTabSz="908920" rtl="0">
+              <a:defRPr/>
+            </a:pPr>
+            <a:endParaRPr lang="en-US" sz="2800" kern="0" dirty="0" smtClean="0">
+              <a:solidFill>
+                <a:srgbClr val="000000"/>
+              </a:solidFill>
+              <a:latin typeface="+mn-lt"/>
+            </a:endParaRPr>
+          </a:p>
+          <a:p>
+            <a:pPr indent="205704" algn="l" defTabSz="908920" rtl="0">
+              <a:defRPr/>
+            </a:pPr>
+            <a:endParaRPr lang="en-US" sz="2800" kern="0" dirty="0">
+              <a:solidFill>
+                <a:srgbClr val="000000"/>
+              </a:solidFill>
+              <a:latin typeface="+mn-lt"/>
+            </a:endParaRPr>
+          </a:p>
+          <a:p>
+            <a:pPr indent="205704" algn="l" defTabSz="908920" rtl="0">
+              <a:defRPr/>
+            </a:pPr>
+            <a:endParaRPr lang="en-US" sz="2800" kern="0" dirty="0" smtClean="0">
+              <a:solidFill>
+                <a:srgbClr val="000000"/>
+              </a:solidFill>
+              <a:latin typeface="+mn-lt"/>
+            </a:endParaRPr>
+          </a:p>
+          <a:p>
+            <a:pPr indent="205704" algn="l" defTabSz="908920" rtl="0">
+              <a:defRPr/>
+            </a:pPr>
+            <a:endParaRPr lang="en-US" sz="2800" kern="0" dirty="0">
+              <a:solidFill>
+                <a:srgbClr val="000000"/>
+              </a:solidFill>
+              <a:latin typeface="+mn-lt"/>
+            </a:endParaRPr>
+          </a:p>
+          <a:p>
+            <a:pPr indent="205704" algn="l" defTabSz="908920" rtl="0">
+              <a:defRPr/>
+            </a:pPr>
+            <a:endParaRPr lang="en-US" sz="2800" kern="0" dirty="0" smtClean="0">
+              <a:solidFill>
+                <a:srgbClr val="000000"/>
+              </a:solidFill>
+              <a:latin typeface="+mn-lt"/>
+            </a:endParaRPr>
+          </a:p>
+          <a:p>
+            <a:pPr indent="205704" algn="l" defTabSz="908920" rtl="0">
+              <a:defRPr/>
+            </a:pPr>
+            <a:endParaRPr lang="en-US" sz="2800" kern="0" dirty="0">
+              <a:solidFill>
+                <a:srgbClr val="000000"/>
+              </a:solidFill>
+              <a:latin typeface="+mn-lt"/>
+            </a:endParaRPr>
+          </a:p>
+          <a:p>
+            <a:pPr indent="205704" algn="l" defTabSz="908920" rtl="0">
+              <a:defRPr/>
+            </a:pPr>
+            <a:endParaRPr lang="en-US" sz="2800" kern="0" dirty="0" smtClean="0">
+              <a:solidFill>
+                <a:srgbClr val="000000"/>
+              </a:solidFill>
+              <a:latin typeface="+mn-lt"/>
+            </a:endParaRPr>
+          </a:p>
+          <a:p>
+            <a:pPr indent="205704" algn="l" defTabSz="908920" rtl="0">
+              <a:defRPr/>
+            </a:pPr>
+            <a:endParaRPr lang="en-US" sz="2800" kern="0" dirty="0">
+              <a:solidFill>
+                <a:srgbClr val="000000"/>
+              </a:solidFill>
+              <a:latin typeface="+mn-lt"/>
+            </a:endParaRPr>
+          </a:p>
+          <a:p>
+            <a:pPr indent="205704" algn="l" defTabSz="908920" rtl="0">
+              <a:defRPr/>
+            </a:pPr>
+            <a:endParaRPr lang="en-US" sz="2800" kern="0" dirty="0" smtClean="0">
+              <a:solidFill>
+                <a:srgbClr val="000000"/>
+              </a:solidFill>
+              <a:latin typeface="+mn-lt"/>
+            </a:endParaRPr>
+          </a:p>
+          <a:p>
+            <a:pPr indent="205704" algn="l" defTabSz="908920" rtl="0">
+              <a:defRPr/>
+            </a:pPr>
+            <a:endParaRPr lang="en-US" sz="2800" kern="0" dirty="0">
+              <a:solidFill>
+                <a:srgbClr val="000000"/>
+              </a:solidFill>
+              <a:latin typeface="+mn-lt"/>
+            </a:endParaRPr>
+          </a:p>
+          <a:p>
+            <a:pPr indent="205704" algn="l" defTabSz="908920" rtl="0">
+              <a:defRPr/>
+            </a:pPr>
+            <a:endParaRPr lang="en-US" sz="2800" kern="0" dirty="0" smtClean="0">
+              <a:solidFill>
+                <a:srgbClr val="000000"/>
+              </a:solidFill>
+              <a:latin typeface="+mn-lt"/>
+            </a:endParaRPr>
+          </a:p>
+          <a:p>
+            <a:pPr indent="205704" algn="l" defTabSz="908920" rtl="0">
+              <a:defRPr/>
+            </a:pPr>
+            <a:endParaRPr lang="en-US" sz="2800" kern="0" dirty="0">
+              <a:solidFill>
+                <a:srgbClr val="000000"/>
+              </a:solidFill>
+              <a:latin typeface="+mn-lt"/>
+            </a:endParaRPr>
+          </a:p>
+          <a:p>
+            <a:pPr indent="205704" algn="l" defTabSz="908920" rtl="0">
+              <a:defRPr/>
+            </a:pPr>
+            <a:endParaRPr lang="en-US" sz="2800" kern="0" dirty="0" smtClean="0">
+              <a:solidFill>
+                <a:srgbClr val="000000"/>
+              </a:solidFill>
+              <a:latin typeface="+mn-lt"/>
+            </a:endParaRPr>
+          </a:p>
+          <a:p>
+            <a:pPr indent="205704" algn="l" defTabSz="908920" rtl="0">
+              <a:defRPr/>
+            </a:pPr>
+            <a:endParaRPr lang="en-US" sz="2800" kern="0" dirty="0">
+              <a:solidFill>
+                <a:srgbClr val="000000"/>
+              </a:solidFill>
+              <a:latin typeface="+mn-lt"/>
+            </a:endParaRPr>
+          </a:p>
+          <a:p>
+            <a:pPr indent="205704" algn="l" defTabSz="908920" rtl="0">
+              <a:defRPr/>
+            </a:pPr>
+            <a:endParaRPr lang="en-US" sz="2800" kern="0" dirty="0" smtClean="0">
+              <a:solidFill>
+                <a:srgbClr val="000000"/>
+              </a:solidFill>
+              <a:latin typeface="+mn-lt"/>
+            </a:endParaRPr>
+          </a:p>
+          <a:p>
+            <a:pPr indent="205704" algn="l" defTabSz="908920" rtl="0">
+              <a:defRPr/>
+            </a:pPr>
+            <a:endParaRPr lang="en-US" sz="2800" kern="0" dirty="0">
+              <a:solidFill>
+                <a:srgbClr val="000000"/>
+              </a:solidFill>
+              <a:latin typeface="+mn-lt"/>
+            </a:endParaRPr>
+          </a:p>
+          <a:p>
+            <a:pPr indent="205704" algn="l" defTabSz="908920" rtl="0">
+              <a:defRPr/>
+            </a:pPr>
+            <a:endParaRPr lang="en-US" sz="2800" kern="0" dirty="0" smtClean="0">
+              <a:solidFill>
+                <a:srgbClr val="000000"/>
+              </a:solidFill>
+              <a:latin typeface="+mn-lt"/>
+            </a:endParaRPr>
+          </a:p>
+          <a:p>
+            <a:pPr indent="205704" algn="l" defTabSz="908920" rtl="0">
+              <a:defRPr/>
+            </a:pPr>
+            <a:endParaRPr lang="en-US" sz="2800" kern="0" dirty="0">
+              <a:solidFill>
+                <a:srgbClr val="000000"/>
+              </a:solidFill>
+              <a:latin typeface="+mn-lt"/>
+            </a:endParaRPr>
+          </a:p>
+          <a:p>
+            <a:pPr indent="205704" algn="l" defTabSz="908920" rtl="0">
+              <a:defRPr/>
+            </a:pPr>
+            <a:endParaRPr lang="en-US" sz="2800" kern="0" dirty="0" smtClean="0">
+              <a:solidFill>
+                <a:srgbClr val="000000"/>
+              </a:solidFill>
+              <a:latin typeface="+mn-lt"/>
+            </a:endParaRPr>
+          </a:p>
+          <a:p>
+            <a:pPr indent="205704" algn="l" defTabSz="908920" rtl="0">
+              <a:defRPr/>
+            </a:pPr>
+            <a:endParaRPr lang="en-US" sz="2800" kern="0" dirty="0">
+              <a:solidFill>
+                <a:srgbClr val="000000"/>
+              </a:solidFill>
+              <a:latin typeface="+mn-lt"/>
+            </a:endParaRPr>
+          </a:p>
+          <a:p>
+            <a:pPr indent="205704" algn="l" defTabSz="908920" rtl="0">
+              <a:defRPr/>
+            </a:pPr>
+            <a:r>
+              <a:rPr lang="en-US" sz="2800" kern="0" dirty="0" smtClean="0">
+                <a:solidFill>
+                  <a:srgbClr val="000000"/>
+                </a:solidFill>
+                <a:latin typeface="+mn-lt"/>
+              </a:rPr>
+              <a:t>In a </a:t>
+            </a:r>
+            <a:r>
+              <a:rPr lang="en-US" sz="2800" kern="0" dirty="0">
+                <a:solidFill>
+                  <a:srgbClr val="000000"/>
+                </a:solidFill>
+                <a:latin typeface="+mn-lt"/>
+              </a:rPr>
+              <a:t>single-peak fitness </a:t>
+            </a:r>
+            <a:r>
+              <a:rPr lang="en-US" sz="2800" kern="0" dirty="0" smtClean="0">
+                <a:solidFill>
+                  <a:srgbClr val="000000"/>
+                </a:solidFill>
+                <a:latin typeface="+mn-lt"/>
+              </a:rPr>
+              <a:t>landscape selection </a:t>
+            </a:r>
+            <a:r>
+              <a:rPr lang="en-US" sz="2800" kern="0" dirty="0">
+                <a:solidFill>
+                  <a:srgbClr val="000000"/>
+                </a:solidFill>
+                <a:latin typeface="+mn-lt"/>
+              </a:rPr>
+              <a:t>drives the population uphill towards the global </a:t>
+            </a:r>
+            <a:r>
+              <a:rPr lang="en-US" sz="2800" kern="0" dirty="0">
+                <a:solidFill>
+                  <a:srgbClr val="000000"/>
+                </a:solidFill>
+                <a:latin typeface="+mn-lt"/>
+              </a:rPr>
+              <a:t>maximum (</a:t>
+            </a:r>
+            <a:r>
+              <a:rPr lang="en-US" sz="2800" kern="0" dirty="0">
+                <a:solidFill>
+                  <a:srgbClr val="000000"/>
+                </a:solidFill>
+                <a:latin typeface="+mn-lt"/>
+              </a:rPr>
+              <a:t>Fig. 1</a:t>
+            </a:r>
+            <a:r>
+              <a:rPr lang="en-US" sz="2800" kern="0" dirty="0">
+                <a:solidFill>
+                  <a:srgbClr val="000000"/>
+                </a:solidFill>
+                <a:latin typeface="+mn-lt"/>
+              </a:rPr>
+              <a:t>). In </a:t>
+            </a:r>
+            <a:r>
+              <a:rPr lang="en-US" sz="2800" kern="0" dirty="0" smtClean="0">
+                <a:solidFill>
+                  <a:srgbClr val="000000"/>
+                </a:solidFill>
+                <a:latin typeface="+mn-lt"/>
+              </a:rPr>
+              <a:t>a </a:t>
+            </a:r>
+            <a:r>
+              <a:rPr lang="en-US" sz="2800" kern="0" dirty="0">
+                <a:solidFill>
+                  <a:srgbClr val="000000"/>
+                </a:solidFill>
+                <a:latin typeface="+mn-lt"/>
+              </a:rPr>
+              <a:t>multi-peak rugged fitness </a:t>
+            </a:r>
+            <a:r>
+              <a:rPr lang="en-US" sz="2800" kern="0" dirty="0" smtClean="0">
+                <a:solidFill>
+                  <a:srgbClr val="000000"/>
+                </a:solidFill>
+                <a:latin typeface="+mn-lt"/>
+              </a:rPr>
+              <a:t>landscape selection </a:t>
+            </a:r>
+            <a:r>
+              <a:rPr lang="en-US" sz="2800" kern="0" dirty="0">
+                <a:solidFill>
+                  <a:srgbClr val="000000"/>
+                </a:solidFill>
+                <a:latin typeface="+mn-lt"/>
+              </a:rPr>
+              <a:t>drives the population uphill towards the closest peak, </a:t>
+            </a:r>
+            <a:r>
+              <a:rPr lang="en-US" sz="2800" b="1" kern="0" dirty="0">
+                <a:solidFill>
+                  <a:schemeClr val="tx2"/>
+                </a:solidFill>
+                <a:latin typeface="+mn-lt"/>
+              </a:rPr>
+              <a:t>preventing it from shifting to the higher peak </a:t>
+            </a:r>
+            <a:r>
+              <a:rPr lang="en-US" sz="2800" kern="0" dirty="0">
+                <a:solidFill>
+                  <a:srgbClr val="000000"/>
+                </a:solidFill>
+                <a:latin typeface="+mn-lt"/>
+              </a:rPr>
+              <a:t>(</a:t>
+            </a:r>
+            <a:r>
+              <a:rPr lang="en-US" sz="2800" kern="0" dirty="0">
+                <a:solidFill>
+                  <a:srgbClr val="000000"/>
+                </a:solidFill>
+                <a:latin typeface="+mn-lt"/>
+              </a:rPr>
+              <a:t>Fig. 2</a:t>
+            </a:r>
+            <a:r>
+              <a:rPr lang="en-US" sz="2800" kern="0" dirty="0">
+                <a:solidFill>
+                  <a:srgbClr val="000000"/>
+                </a:solidFill>
+                <a:latin typeface="+mn-lt"/>
+              </a:rPr>
+              <a:t>).</a:t>
+            </a:r>
+            <a:endParaRPr lang="en-US" sz="2800" kern="0" dirty="0">
+              <a:solidFill>
+                <a:srgbClr val="000000"/>
+              </a:solidFill>
+              <a:latin typeface="+mn-lt"/>
+            </a:endParaRPr>
+          </a:p>
+          <a:p>
+            <a:pPr indent="205704" algn="l" defTabSz="908920" rtl="0">
+              <a:defRPr/>
+            </a:pPr>
+            <a:endParaRPr lang="en-US" b="1" kern="0" dirty="0" smtClean="0">
+              <a:solidFill>
+                <a:schemeClr val="accent2"/>
+              </a:solidFill>
+              <a:latin typeface="+mj-lt"/>
+            </a:endParaRPr>
+          </a:p>
+          <a:p>
+            <a:pPr indent="205704" algn="l" defTabSz="908920" rtl="0">
+              <a:defRPr/>
+            </a:pPr>
+            <a:r>
+              <a:rPr lang="en-US" b="1" kern="0" dirty="0" smtClean="0">
+                <a:solidFill>
+                  <a:schemeClr val="accent2"/>
+                </a:solidFill>
+                <a:latin typeface="+mj-lt"/>
+              </a:rPr>
+              <a:t>Stress-Induced </a:t>
+            </a:r>
+            <a:r>
+              <a:rPr lang="en-US" b="1" kern="0" dirty="0" smtClean="0">
+                <a:solidFill>
+                  <a:schemeClr val="accent2"/>
+                </a:solidFill>
+                <a:latin typeface="+mj-lt"/>
+              </a:rPr>
+              <a:t>Mutagenesis</a:t>
+            </a:r>
+          </a:p>
+          <a:p>
+            <a:pPr indent="205704" algn="l" defTabSz="908920" rtl="0">
+              <a:defRPr/>
+            </a:pPr>
+            <a:r>
+              <a:rPr lang="en-US" sz="2800" b="1" kern="0" dirty="0">
+                <a:solidFill>
+                  <a:schemeClr val="tx2"/>
+                </a:solidFill>
+                <a:latin typeface="+mn-lt"/>
+              </a:rPr>
+              <a:t>The mutation rate is induced by stress responses in various species </a:t>
+            </a:r>
+            <a:r>
+              <a:rPr lang="en-US" sz="2800" kern="0" dirty="0">
+                <a:solidFill>
+                  <a:srgbClr val="000000"/>
+                </a:solidFill>
+                <a:latin typeface="+mn-lt"/>
+              </a:rPr>
+              <a:t>of bacteria (</a:t>
+            </a:r>
+            <a:r>
+              <a:rPr lang="en-US" sz="2800" kern="0" dirty="0" smtClean="0">
+                <a:solidFill>
+                  <a:srgbClr val="000000"/>
+                </a:solidFill>
+                <a:latin typeface="+mn-lt"/>
+              </a:rPr>
+              <a:t>2-3).</a:t>
+            </a:r>
+            <a:endParaRPr lang="en-US" sz="2800" kern="0" dirty="0" smtClean="0">
+              <a:solidFill>
+                <a:srgbClr val="000000"/>
+              </a:solidFill>
+              <a:latin typeface="+mn-lt"/>
+            </a:endParaRPr>
+          </a:p>
+          <a:p>
+            <a:pPr indent="205704" algn="l" defTabSz="908920" rtl="0">
+              <a:defRPr/>
+            </a:pPr>
+            <a:r>
+              <a:rPr lang="en-US" sz="2800" kern="0" dirty="0" smtClean="0">
+                <a:solidFill>
+                  <a:srgbClr val="000000"/>
+                </a:solidFill>
+                <a:latin typeface="+mn-lt"/>
+              </a:rPr>
+              <a:t>In a previous work (4) we </a:t>
+            </a:r>
+            <a:r>
+              <a:rPr lang="en-US" sz="2800" kern="0" dirty="0" smtClean="0">
+                <a:solidFill>
+                  <a:srgbClr val="000000"/>
+                </a:solidFill>
+                <a:latin typeface="+mn-lt"/>
+              </a:rPr>
+              <a:t>studied the </a:t>
+            </a:r>
+            <a:r>
+              <a:rPr lang="en-US" sz="2800" kern="0" dirty="0" smtClean="0">
+                <a:solidFill>
+                  <a:srgbClr val="000000"/>
+                </a:solidFill>
+                <a:latin typeface="+mn-lt"/>
+              </a:rPr>
+              <a:t>evolution of stress-induced mutagenesis in </a:t>
+            </a:r>
+            <a:r>
+              <a:rPr lang="en-US" sz="2800" kern="0" dirty="0" smtClean="0">
+                <a:solidFill>
+                  <a:srgbClr val="000000"/>
+                </a:solidFill>
+                <a:latin typeface="+mn-lt"/>
+              </a:rPr>
+              <a:t>constant </a:t>
+            </a:r>
+            <a:r>
+              <a:rPr lang="en-US" sz="2800" kern="0" dirty="0" smtClean="0">
+                <a:solidFill>
+                  <a:srgbClr val="000000"/>
+                </a:solidFill>
+                <a:latin typeface="+mn-lt"/>
+              </a:rPr>
+              <a:t>and changing environments. </a:t>
+            </a:r>
+            <a:r>
+              <a:rPr lang="en-US" sz="2800" kern="0" dirty="0" smtClean="0">
+                <a:solidFill>
+                  <a:srgbClr val="000000"/>
+                </a:solidFill>
+                <a:latin typeface="+mn-lt"/>
+              </a:rPr>
+              <a:t>We showed </a:t>
+            </a:r>
+            <a:r>
+              <a:rPr lang="en-US" sz="2800" kern="0" dirty="0" smtClean="0">
+                <a:solidFill>
+                  <a:srgbClr val="000000"/>
+                </a:solidFill>
+                <a:latin typeface="+mn-lt"/>
+              </a:rPr>
+              <a:t>that</a:t>
             </a:r>
             <a:r>
               <a:rPr lang="en-US" sz="2800" b="1" kern="0" dirty="0" smtClean="0">
                 <a:solidFill>
+                  <a:schemeClr val="accent1"/>
+                </a:solidFill>
+                <a:latin typeface="+mn-lt"/>
+              </a:rPr>
+              <a:t> </a:t>
+            </a:r>
+            <a:r>
+              <a:rPr lang="en-US" sz="2800" b="1" kern="0" dirty="0">
+                <a:solidFill>
+                  <a:schemeClr val="tx2"/>
+                </a:solidFill>
+                <a:latin typeface="+mn-lt"/>
+              </a:rPr>
+              <a:t>stress-induced mutagenesis is favored by selection </a:t>
+            </a:r>
+            <a:r>
+              <a:rPr lang="en-US" sz="2800" kern="0" dirty="0" smtClean="0">
+                <a:solidFill>
                   <a:srgbClr val="000000"/>
                 </a:solidFill>
                 <a:latin typeface="+mn-lt"/>
               </a:rPr>
-              <a:t>jointly advantageous</a:t>
-            </a:r>
-            <a:r>
-              <a:rPr lang="en-US" sz="2800" b="1" kern="0" dirty="0">
-                <a:solidFill>
-                  <a:srgbClr val="000000"/>
-                </a:solidFill>
-                <a:latin typeface="+mn-lt"/>
-              </a:rPr>
-              <a:t>, how can a population evolve from one co-adapted gene complex to a better one</a:t>
-            </a:r>
-            <a:r>
-              <a:rPr lang="en-US" sz="2800" b="1" kern="0" dirty="0" smtClean="0">
-                <a:solidFill>
-                  <a:srgbClr val="000000"/>
-                </a:solidFill>
-                <a:latin typeface="+mn-lt"/>
-              </a:rPr>
-              <a:t>?</a:t>
-            </a:r>
-            <a:r>
-              <a:rPr lang="en-US" sz="2800" kern="0" dirty="0" smtClean="0">
-                <a:solidFill>
-                  <a:srgbClr val="000000"/>
-                </a:solidFill>
-                <a:latin typeface="+mn-lt"/>
-              </a:rPr>
-              <a:t> </a:t>
-            </a:r>
-          </a:p>
-          <a:p>
-            <a:pPr indent="205704" algn="l" defTabSz="908920" rtl="0">
-              <a:defRPr/>
-            </a:pPr>
-            <a:r>
-              <a:rPr lang="en-US" sz="2800" kern="0" dirty="0" smtClean="0">
-                <a:solidFill>
-                  <a:srgbClr val="000000"/>
-                </a:solidFill>
-                <a:latin typeface="+mn-lt"/>
-              </a:rPr>
-              <a:t>Figure </a:t>
-            </a:r>
-            <a:r>
-              <a:rPr lang="en-US" sz="2800" kern="0" dirty="0">
-                <a:solidFill>
-                  <a:srgbClr val="000000"/>
-                </a:solidFill>
-                <a:latin typeface="+mn-lt"/>
-              </a:rPr>
-              <a:t>1 below </a:t>
-            </a:r>
-            <a:r>
-              <a:rPr lang="en-US" sz="2800" kern="0" dirty="0" smtClean="0">
-                <a:solidFill>
-                  <a:srgbClr val="000000"/>
-                </a:solidFill>
-                <a:latin typeface="+mn-lt"/>
-              </a:rPr>
-              <a:t>illustrates this problem using the </a:t>
-            </a:r>
-            <a:r>
-              <a:rPr lang="en-US" sz="2800" i="1" kern="0" dirty="0" smtClean="0">
-                <a:solidFill>
-                  <a:srgbClr val="000000"/>
-                </a:solidFill>
-                <a:latin typeface="+mn-lt"/>
-              </a:rPr>
-              <a:t>fitness landscape </a:t>
-            </a:r>
-            <a:r>
-              <a:rPr lang="en-US" sz="2800" kern="0" dirty="0" smtClean="0">
-                <a:solidFill>
-                  <a:srgbClr val="000000"/>
-                </a:solidFill>
-                <a:latin typeface="+mn-lt"/>
-              </a:rPr>
-              <a:t>metaphor.</a:t>
-            </a:r>
-          </a:p>
-          <a:p>
-            <a:pPr indent="205704" algn="l" defTabSz="908920" rtl="0">
-              <a:defRPr/>
-            </a:pPr>
-            <a:endParaRPr lang="en-US" sz="2800" kern="0" dirty="0">
-              <a:solidFill>
-                <a:srgbClr val="000000"/>
-              </a:solidFill>
-              <a:latin typeface="+mn-lt"/>
-            </a:endParaRPr>
-          </a:p>
-          <a:p>
-            <a:pPr indent="205704" algn="l" defTabSz="908920" rtl="0">
-              <a:defRPr/>
-            </a:pPr>
-            <a:endParaRPr lang="en-US" sz="2800" kern="0" dirty="0" smtClean="0">
-              <a:solidFill>
-                <a:srgbClr val="000000"/>
-              </a:solidFill>
-              <a:latin typeface="+mn-lt"/>
-            </a:endParaRPr>
-          </a:p>
-          <a:p>
-            <a:pPr indent="205704" algn="l" defTabSz="908920" rtl="0">
-              <a:defRPr/>
-            </a:pPr>
-            <a:endParaRPr lang="en-US" sz="2800" kern="0" dirty="0">
-              <a:solidFill>
-                <a:srgbClr val="000000"/>
-              </a:solidFill>
-              <a:latin typeface="+mn-lt"/>
-            </a:endParaRPr>
-          </a:p>
-          <a:p>
-            <a:pPr indent="205704" algn="l" defTabSz="908920" rtl="0">
-              <a:defRPr/>
-            </a:pPr>
-            <a:endParaRPr lang="en-US" sz="2800" kern="0" dirty="0" smtClean="0">
-              <a:solidFill>
-                <a:srgbClr val="000000"/>
-              </a:solidFill>
-              <a:latin typeface="+mn-lt"/>
-            </a:endParaRPr>
-          </a:p>
-          <a:p>
-            <a:pPr indent="205704" algn="l" defTabSz="908920" rtl="0">
-              <a:defRPr/>
-            </a:pPr>
-            <a:endParaRPr lang="en-US" sz="2800" kern="0" dirty="0">
-              <a:solidFill>
-                <a:srgbClr val="000000"/>
-              </a:solidFill>
-              <a:latin typeface="+mn-lt"/>
-            </a:endParaRPr>
-          </a:p>
-          <a:p>
-            <a:pPr indent="205704" algn="l" defTabSz="908920" rtl="0">
-              <a:defRPr/>
-            </a:pPr>
-            <a:endParaRPr lang="en-US" sz="2800" kern="0" dirty="0" smtClean="0">
-              <a:solidFill>
-                <a:srgbClr val="000000"/>
-              </a:solidFill>
-              <a:latin typeface="+mn-lt"/>
-            </a:endParaRPr>
-          </a:p>
-          <a:p>
-            <a:pPr indent="205704" algn="l" defTabSz="908920" rtl="0">
-              <a:defRPr/>
-            </a:pPr>
-            <a:endParaRPr lang="en-US" sz="2800" kern="0" dirty="0">
-              <a:solidFill>
-                <a:srgbClr val="000000"/>
-              </a:solidFill>
-              <a:latin typeface="+mn-lt"/>
-            </a:endParaRPr>
-          </a:p>
-          <a:p>
-            <a:pPr indent="205704" algn="l" defTabSz="908920" rtl="0">
-              <a:defRPr/>
-            </a:pPr>
-            <a:endParaRPr lang="en-US" sz="2800" kern="0" dirty="0" smtClean="0">
-              <a:solidFill>
-                <a:srgbClr val="000000"/>
-              </a:solidFill>
-              <a:latin typeface="+mn-lt"/>
-            </a:endParaRPr>
-          </a:p>
-          <a:p>
-            <a:pPr indent="205704" algn="l" defTabSz="908920" rtl="0">
-              <a:defRPr/>
-            </a:pPr>
-            <a:endParaRPr lang="en-US" sz="2800" kern="0" dirty="0">
-              <a:solidFill>
-                <a:srgbClr val="000000"/>
-              </a:solidFill>
-              <a:latin typeface="+mn-lt"/>
-            </a:endParaRPr>
-          </a:p>
-          <a:p>
-            <a:pPr indent="205704" algn="l" defTabSz="908920" rtl="0">
-              <a:defRPr/>
-            </a:pPr>
-            <a:endParaRPr lang="en-US" sz="2800" kern="0" dirty="0" smtClean="0">
-              <a:solidFill>
-                <a:srgbClr val="000000"/>
-              </a:solidFill>
-              <a:latin typeface="+mn-lt"/>
-            </a:endParaRPr>
-          </a:p>
-          <a:p>
-            <a:pPr indent="205704" algn="l" defTabSz="908920" rtl="0">
-              <a:defRPr/>
-            </a:pPr>
-            <a:endParaRPr lang="en-US" sz="2800" kern="0" dirty="0">
-              <a:solidFill>
-                <a:srgbClr val="000000"/>
-              </a:solidFill>
-              <a:latin typeface="+mn-lt"/>
-            </a:endParaRPr>
-          </a:p>
-          <a:p>
-            <a:pPr indent="205704" algn="l" defTabSz="908920" rtl="0">
-              <a:defRPr/>
-            </a:pPr>
-            <a:endParaRPr lang="en-US" sz="2800" kern="0" dirty="0" smtClean="0">
-              <a:solidFill>
-                <a:srgbClr val="000000"/>
-              </a:solidFill>
-              <a:latin typeface="+mn-lt"/>
-            </a:endParaRPr>
-          </a:p>
-          <a:p>
-            <a:pPr indent="205704" algn="l" defTabSz="908920" rtl="0">
-              <a:defRPr/>
-            </a:pPr>
-            <a:endParaRPr lang="en-US" sz="2800" kern="0" dirty="0">
-              <a:solidFill>
-                <a:srgbClr val="000000"/>
-              </a:solidFill>
-              <a:latin typeface="+mn-lt"/>
-            </a:endParaRPr>
-          </a:p>
-          <a:p>
-            <a:pPr indent="205704" algn="l" defTabSz="908920" rtl="0">
-              <a:defRPr/>
-            </a:pPr>
-            <a:endParaRPr lang="en-US" sz="2800" kern="0" dirty="0" smtClean="0">
-              <a:solidFill>
-                <a:srgbClr val="000000"/>
-              </a:solidFill>
-              <a:latin typeface="+mn-lt"/>
-            </a:endParaRPr>
-          </a:p>
-          <a:p>
-            <a:pPr indent="205704" algn="l" defTabSz="908920" rtl="0">
-              <a:defRPr/>
-            </a:pPr>
-            <a:endParaRPr lang="en-US" sz="2800" kern="0" dirty="0">
-              <a:solidFill>
-                <a:srgbClr val="000000"/>
-              </a:solidFill>
-              <a:latin typeface="+mn-lt"/>
-            </a:endParaRPr>
-          </a:p>
-          <a:p>
-            <a:pPr indent="205704" algn="l" defTabSz="908920" rtl="0">
-              <a:defRPr/>
-            </a:pPr>
-            <a:endParaRPr lang="en-US" sz="2800" kern="0" dirty="0" smtClean="0">
-              <a:solidFill>
-                <a:srgbClr val="000000"/>
-              </a:solidFill>
-              <a:latin typeface="+mn-lt"/>
-            </a:endParaRPr>
-          </a:p>
-          <a:p>
-            <a:pPr indent="205704" algn="l" defTabSz="908920" rtl="0">
-              <a:defRPr/>
-            </a:pPr>
-            <a:endParaRPr lang="en-US" sz="2800" kern="0" dirty="0">
-              <a:solidFill>
-                <a:srgbClr val="000000"/>
-              </a:solidFill>
-              <a:latin typeface="+mn-lt"/>
-            </a:endParaRPr>
-          </a:p>
-          <a:p>
-            <a:pPr indent="205704" algn="l" defTabSz="908920" rtl="0">
-              <a:defRPr/>
-            </a:pPr>
-            <a:endParaRPr lang="en-US" sz="2800" kern="0" dirty="0" smtClean="0">
-              <a:solidFill>
-                <a:srgbClr val="000000"/>
-              </a:solidFill>
-              <a:latin typeface="+mn-lt"/>
-            </a:endParaRPr>
-          </a:p>
-          <a:p>
-            <a:pPr indent="205704" algn="l" defTabSz="908920" rtl="0">
-              <a:defRPr/>
-            </a:pPr>
-            <a:endParaRPr lang="en-US" sz="2800" kern="0" dirty="0">
-              <a:solidFill>
-                <a:srgbClr val="000000"/>
-              </a:solidFill>
-              <a:latin typeface="+mn-lt"/>
-            </a:endParaRPr>
-          </a:p>
-          <a:p>
-            <a:pPr indent="205704" algn="l" defTabSz="908920" rtl="0">
-              <a:defRPr/>
-            </a:pPr>
-            <a:endParaRPr lang="en-US" sz="2800" kern="0" dirty="0" smtClean="0">
-              <a:solidFill>
-                <a:srgbClr val="000000"/>
-              </a:solidFill>
-              <a:latin typeface="+mn-lt"/>
-            </a:endParaRPr>
-          </a:p>
-          <a:p>
-            <a:pPr indent="205704" algn="l" defTabSz="908920" rtl="0">
-              <a:defRPr/>
-            </a:pPr>
-            <a:endParaRPr lang="en-US" sz="2800" kern="0" dirty="0">
-              <a:solidFill>
-                <a:srgbClr val="000000"/>
-              </a:solidFill>
-              <a:latin typeface="+mn-lt"/>
-            </a:endParaRPr>
-          </a:p>
-          <a:p>
-            <a:pPr indent="205704" algn="l" defTabSz="908920" rtl="0">
-              <a:defRPr/>
-            </a:pPr>
-            <a:endParaRPr lang="en-US" sz="2800" kern="0" dirty="0" smtClean="0">
-              <a:solidFill>
-                <a:srgbClr val="000000"/>
-              </a:solidFill>
-              <a:latin typeface="+mn-lt"/>
-            </a:endParaRPr>
-          </a:p>
-          <a:p>
-            <a:pPr indent="205704" algn="l" defTabSz="908920" rtl="0">
-              <a:defRPr/>
-            </a:pPr>
-            <a:endParaRPr lang="en-US" sz="2800" kern="0" dirty="0">
-              <a:solidFill>
-                <a:srgbClr val="000000"/>
-              </a:solidFill>
-              <a:latin typeface="+mn-lt"/>
-            </a:endParaRPr>
-          </a:p>
-          <a:p>
-            <a:pPr indent="205704" algn="l" defTabSz="908920" rtl="0">
-              <a:defRPr/>
-            </a:pPr>
-            <a:endParaRPr lang="en-US" sz="2800" kern="0" dirty="0" smtClean="0">
-              <a:solidFill>
-                <a:srgbClr val="000000"/>
-              </a:solidFill>
-              <a:latin typeface="+mn-lt"/>
-            </a:endParaRPr>
-          </a:p>
-          <a:p>
-            <a:pPr indent="205704" algn="l" defTabSz="908920" rtl="0">
-              <a:defRPr/>
-            </a:pPr>
-            <a:endParaRPr lang="en-US" sz="2800" kern="0" dirty="0">
-              <a:solidFill>
-                <a:srgbClr val="000000"/>
-              </a:solidFill>
-              <a:latin typeface="+mn-lt"/>
-            </a:endParaRPr>
-          </a:p>
-          <a:p>
-            <a:pPr indent="205704" algn="l" defTabSz="908920" rtl="0">
-              <a:defRPr/>
-            </a:pPr>
-            <a:endParaRPr lang="en-US" sz="2800" b="1" kern="0" dirty="0" smtClean="0">
-              <a:solidFill>
-                <a:schemeClr val="accent2"/>
-              </a:solidFill>
-            </a:endParaRPr>
-          </a:p>
-          <a:p>
-            <a:pPr indent="205704" algn="l" defTabSz="908920" rtl="0">
-              <a:defRPr/>
-            </a:pPr>
-            <a:r>
-              <a:rPr lang="en-US" b="1" kern="0" dirty="0" smtClean="0">
-                <a:solidFill>
-                  <a:schemeClr val="accent2"/>
-                </a:solidFill>
-                <a:latin typeface="+mj-lt"/>
-              </a:rPr>
-              <a:t>Stress-Induced Mutagenesis</a:t>
-            </a:r>
-          </a:p>
-          <a:p>
-            <a:pPr indent="205704" algn="l" defTabSz="908920" rtl="0">
-              <a:defRPr/>
-            </a:pPr>
-            <a:r>
-              <a:rPr lang="en-US" sz="2800" kern="0" dirty="0" smtClean="0">
-                <a:solidFill>
-                  <a:srgbClr val="000000"/>
-                </a:solidFill>
-                <a:latin typeface="+mn-lt"/>
-              </a:rPr>
-              <a:t>The </a:t>
-            </a:r>
-            <a:r>
-              <a:rPr lang="en-US" sz="2800" kern="0" dirty="0">
-                <a:solidFill>
-                  <a:srgbClr val="000000"/>
-                </a:solidFill>
-                <a:latin typeface="+mn-lt"/>
-              </a:rPr>
-              <a:t>mutation rate is induced by stress </a:t>
-            </a:r>
-            <a:r>
-              <a:rPr lang="en-US" sz="2800" kern="0" dirty="0" smtClean="0">
-                <a:solidFill>
-                  <a:srgbClr val="000000"/>
-                </a:solidFill>
-                <a:latin typeface="+mn-lt"/>
-              </a:rPr>
-              <a:t>responses</a:t>
-            </a:r>
-            <a:r>
-              <a:rPr lang="en-US" sz="2800" kern="0" dirty="0">
-                <a:solidFill>
-                  <a:srgbClr val="000000"/>
-                </a:solidFill>
-                <a:latin typeface="+mn-lt"/>
-              </a:rPr>
-              <a:t> </a:t>
-            </a:r>
-            <a:r>
-              <a:rPr lang="en-US" sz="2800" kern="0" dirty="0" smtClean="0">
-                <a:solidFill>
-                  <a:srgbClr val="000000"/>
-                </a:solidFill>
-                <a:latin typeface="+mn-lt"/>
-              </a:rPr>
-              <a:t>in various species </a:t>
-            </a:r>
-            <a:r>
-              <a:rPr lang="en-US" sz="2800" kern="0" dirty="0">
-                <a:solidFill>
-                  <a:srgbClr val="000000"/>
-                </a:solidFill>
-                <a:latin typeface="+mn-lt"/>
-              </a:rPr>
-              <a:t>of bacteria (2-3) </a:t>
-            </a:r>
-            <a:r>
-              <a:rPr lang="en-US" sz="2800" kern="0" dirty="0" smtClean="0">
-                <a:solidFill>
-                  <a:srgbClr val="000000"/>
-                </a:solidFill>
-                <a:latin typeface="+mn-lt"/>
-              </a:rPr>
-              <a:t>and yeast, and may also be induced by stress in algae, flies and human cancer cells.</a:t>
-            </a:r>
-          </a:p>
-          <a:p>
-            <a:pPr indent="205704" algn="l" defTabSz="908920" rtl="0">
-              <a:defRPr/>
-            </a:pPr>
-            <a:r>
-              <a:rPr lang="en-US" sz="2800" kern="0" dirty="0" smtClean="0">
-                <a:solidFill>
-                  <a:srgbClr val="000000"/>
-                </a:solidFill>
-                <a:latin typeface="+mn-lt"/>
-              </a:rPr>
-              <a:t>In a previous work (4) we modeled the evolution of stress-induced mutagenesis in asexual population in constant and changing environments. Our results showed that </a:t>
-            </a:r>
-            <a:r>
-              <a:rPr lang="en-US" sz="2800" b="1" kern="0" dirty="0" smtClean="0">
-                <a:solidFill>
-                  <a:srgbClr val="000000"/>
-                </a:solidFill>
-                <a:latin typeface="+mn-lt"/>
-              </a:rPr>
-              <a:t>stress-induced mutagenesis is favored by selection</a:t>
-            </a:r>
-            <a:r>
-              <a:rPr lang="en-US" sz="2800" kern="0" dirty="0" smtClean="0">
-                <a:solidFill>
-                  <a:srgbClr val="000000"/>
-                </a:solidFill>
-                <a:latin typeface="+mn-lt"/>
-              </a:rPr>
-              <a:t> over constant rate mutagenesis  because of the beneficial mutations it generates when they are most needed.</a:t>
+              <a:t>over constant rate mutagenesis  because of the beneficial mutations it generates when they are most needed.</a:t>
             </a:r>
           </a:p>
           <a:p>
@@ -5881,7 +6967,7 @@
           </a:ln>
         </p:spPr>
         <p:txBody>
-          <a:bodyPr lIns="908920" tIns="454461" rIns="908920" bIns="908920"/>
+          <a:bodyPr lIns="910800" tIns="454461" rIns="6120000" bIns="908920"/>
           <a:lstStyle>
             <a:lvl1pPr eaLnBrk="0" hangingPunct="0">
               <a:tabLst>
@@ -6043,137 +7129,388 @@
             </a:endParaRPr>
           </a:p>
           <a:p>
+            <a:pPr algn="l" rtl="0"/>
+            <a:r>
+              <a:rPr lang="en-GB" sz="2800" kern="0" dirty="0">
+                <a:solidFill>
+                  <a:srgbClr val="000000"/>
+                </a:solidFill>
+                <a:latin typeface="+mn-lt"/>
+              </a:rPr>
+              <a:t>We model two loci, </a:t>
+            </a:r>
+            <a:r>
+              <a:rPr lang="en-GB" sz="2800" i="1" kern="0" dirty="0">
+                <a:solidFill>
+                  <a:srgbClr val="000000"/>
+                </a:solidFill>
+                <a:latin typeface="+mn-lt"/>
+              </a:rPr>
+              <a:t>A/a</a:t>
+            </a:r>
+            <a:r>
+              <a:rPr lang="en-GB" sz="2800" kern="0" dirty="0">
+                <a:solidFill>
+                  <a:srgbClr val="000000"/>
+                </a:solidFill>
+                <a:latin typeface="+mn-lt"/>
+              </a:rPr>
+              <a:t> and </a:t>
+            </a:r>
+            <a:r>
+              <a:rPr lang="en-GB" sz="2800" i="1" kern="0" dirty="0" smtClean="0">
+                <a:solidFill>
+                  <a:srgbClr val="000000"/>
+                </a:solidFill>
+                <a:latin typeface="+mn-lt"/>
+              </a:rPr>
+              <a:t>B/b</a:t>
+            </a:r>
+            <a:r>
+              <a:rPr lang="en-GB" sz="2800" kern="0" dirty="0" smtClean="0">
+                <a:solidFill>
+                  <a:srgbClr val="000000"/>
+                </a:solidFill>
+                <a:latin typeface="+mn-lt"/>
+              </a:rPr>
+              <a:t>. The genotype </a:t>
+            </a:r>
+            <a:r>
+              <a:rPr lang="en-GB" sz="2800" i="1" kern="0" dirty="0" err="1" smtClean="0">
+                <a:solidFill>
+                  <a:srgbClr val="000000"/>
+                </a:solidFill>
+                <a:latin typeface="+mn-lt"/>
+              </a:rPr>
+              <a:t>ab</a:t>
+            </a:r>
+            <a:r>
+              <a:rPr lang="en-GB" sz="2800" kern="0" dirty="0" smtClean="0">
+                <a:solidFill>
+                  <a:srgbClr val="000000"/>
+                </a:solidFill>
+                <a:latin typeface="+mn-lt"/>
+              </a:rPr>
+              <a:t> </a:t>
+            </a:r>
+            <a:r>
+              <a:rPr lang="en-GB" sz="2800" kern="0" dirty="0">
+                <a:solidFill>
+                  <a:srgbClr val="000000"/>
+                </a:solidFill>
+                <a:latin typeface="+mn-lt"/>
+              </a:rPr>
+              <a:t>is the low peak and </a:t>
+            </a:r>
+            <a:r>
+              <a:rPr lang="en-GB" sz="2800" i="1" kern="0" dirty="0">
+                <a:solidFill>
+                  <a:srgbClr val="000000"/>
+                </a:solidFill>
+                <a:latin typeface="+mn-lt"/>
+              </a:rPr>
+              <a:t>AB </a:t>
+            </a:r>
+            <a:r>
+              <a:rPr lang="en-GB" sz="2800" kern="0" dirty="0">
+                <a:solidFill>
+                  <a:srgbClr val="000000"/>
+                </a:solidFill>
+                <a:latin typeface="+mn-lt"/>
+              </a:rPr>
+              <a:t>is the higher peak (see Fig. 3).</a:t>
+            </a:r>
+          </a:p>
+          <a:p>
+            <a:pPr algn="l" rtl="0"/>
+            <a:endParaRPr lang="en-GB" sz="2800" kern="0" dirty="0">
+              <a:solidFill>
+                <a:srgbClr val="000000"/>
+              </a:solidFill>
+              <a:latin typeface="+mn-lt"/>
+            </a:endParaRPr>
+          </a:p>
+          <a:p>
+            <a:pPr algn="l" rtl="0"/>
+            <a:r>
+              <a:rPr lang="en-GB" sz="2800" kern="0" dirty="0">
+                <a:solidFill>
+                  <a:srgbClr val="000000"/>
+                </a:solidFill>
+                <a:latin typeface="+mn-lt"/>
+              </a:rPr>
+              <a:t>Fig. 4 shows described the model. </a:t>
+            </a:r>
+            <a:r>
+              <a:rPr lang="en-GB" sz="2800" b="1" kern="0" dirty="0">
+                <a:solidFill>
+                  <a:srgbClr val="000000"/>
+                </a:solidFill>
+                <a:latin typeface="+mn-lt"/>
+              </a:rPr>
+              <a:t>E</a:t>
+            </a:r>
+            <a:r>
+              <a:rPr lang="en-US" sz="2800" b="1" kern="0" dirty="0">
+                <a:solidFill>
+                  <a:srgbClr val="000000"/>
+                </a:solidFill>
+                <a:latin typeface="+mn-lt"/>
+              </a:rPr>
+              <a:t>ach node represent a specific genotype</a:t>
+            </a:r>
+            <a:r>
+              <a:rPr lang="en-US" sz="2800" kern="0" dirty="0">
+                <a:solidFill>
+                  <a:srgbClr val="000000"/>
+                </a:solidFill>
+                <a:latin typeface="+mn-lt"/>
+              </a:rPr>
+              <a:t>. Node labels specify the alleles at the </a:t>
+            </a:r>
+            <a:r>
+              <a:rPr lang="en-US" sz="2800" i="1" kern="0" dirty="0">
+                <a:solidFill>
+                  <a:srgbClr val="000000"/>
+                </a:solidFill>
+                <a:latin typeface="+mn-lt"/>
+              </a:rPr>
+              <a:t>A/a </a:t>
+            </a:r>
+            <a:r>
+              <a:rPr lang="en-US" sz="2800" kern="0" dirty="0">
+                <a:solidFill>
+                  <a:srgbClr val="000000"/>
+                </a:solidFill>
+                <a:latin typeface="+mn-lt"/>
+              </a:rPr>
+              <a:t>and </a:t>
+            </a:r>
+            <a:r>
+              <a:rPr lang="en-US" sz="2800" i="1" kern="0" dirty="0">
+                <a:solidFill>
+                  <a:srgbClr val="000000"/>
+                </a:solidFill>
+                <a:latin typeface="+mn-lt"/>
+              </a:rPr>
+              <a:t>B/b </a:t>
+            </a:r>
+            <a:r>
+              <a:rPr lang="en-US" sz="2800" kern="0" dirty="0">
+                <a:solidFill>
+                  <a:srgbClr val="000000"/>
+                </a:solidFill>
+                <a:latin typeface="+mn-lt"/>
+              </a:rPr>
+              <a:t>loci. The “</a:t>
+            </a:r>
+            <a:r>
+              <a:rPr lang="en-US" sz="2800" i="1" kern="0" dirty="0">
+                <a:solidFill>
+                  <a:srgbClr val="000000"/>
+                </a:solidFill>
+                <a:latin typeface="+mn-lt"/>
+              </a:rPr>
+              <a:t>RIP</a:t>
+            </a:r>
+            <a:r>
+              <a:rPr lang="en-US" sz="2800" kern="0" dirty="0">
+                <a:solidFill>
+                  <a:srgbClr val="000000"/>
+                </a:solidFill>
+                <a:latin typeface="+mn-lt"/>
+              </a:rPr>
+              <a:t>” node represents genotypes with deleterious mutations that will not contribute to adaptation. Arrows define the </a:t>
+            </a:r>
+            <a:r>
+              <a:rPr lang="en-US" sz="2800" kern="0" dirty="0" smtClean="0">
+                <a:solidFill>
+                  <a:srgbClr val="000000"/>
+                </a:solidFill>
+                <a:latin typeface="+mn-lt"/>
+              </a:rPr>
+              <a:t>direction </a:t>
+            </a:r>
+            <a:r>
+              <a:rPr lang="en-US" sz="2800" kern="0" dirty="0">
+                <a:solidFill>
+                  <a:srgbClr val="000000"/>
+                </a:solidFill>
+                <a:latin typeface="+mn-lt"/>
+              </a:rPr>
+              <a:t>of mutation and their labels denote the relevant mutation </a:t>
+            </a:r>
+            <a:r>
+              <a:rPr lang="en-US" sz="2800" kern="0" dirty="0" smtClean="0">
+                <a:solidFill>
+                  <a:srgbClr val="000000"/>
+                </a:solidFill>
+                <a:latin typeface="+mn-lt"/>
+              </a:rPr>
+              <a:t>rate: </a:t>
+            </a:r>
+            <a:r>
+              <a:rPr lang="en-US" sz="2800" b="1" i="1" kern="0" dirty="0">
+                <a:solidFill>
+                  <a:srgbClr val="000000"/>
+                </a:solidFill>
+                <a:latin typeface="+mn-lt"/>
+              </a:rPr>
+              <a:t>U </a:t>
+            </a:r>
+            <a:r>
+              <a:rPr lang="en-US" sz="2800" b="1" kern="0" dirty="0">
+                <a:solidFill>
+                  <a:srgbClr val="000000"/>
+                </a:solidFill>
+                <a:latin typeface="+mn-lt"/>
+              </a:rPr>
+              <a:t>for deleterious mutation and </a:t>
+            </a:r>
+            <a:r>
+              <a:rPr lang="en-US" sz="2800" b="1" i="1" kern="0" dirty="0">
+                <a:solidFill>
+                  <a:srgbClr val="000000"/>
+                </a:solidFill>
+                <a:latin typeface="+mn-lt"/>
+              </a:rPr>
+              <a:t>µ</a:t>
+            </a:r>
+            <a:r>
+              <a:rPr lang="en-US" sz="2800" b="1" kern="0" dirty="0">
+                <a:solidFill>
+                  <a:srgbClr val="000000"/>
+                </a:solidFill>
+                <a:latin typeface="+mn-lt"/>
+              </a:rPr>
+              <a:t> for beneficial mutation</a:t>
+            </a:r>
+            <a:r>
+              <a:rPr lang="en-US" sz="2800" kern="0" dirty="0">
+                <a:solidFill>
+                  <a:srgbClr val="000000"/>
+                </a:solidFill>
+                <a:latin typeface="+mn-lt"/>
+              </a:rPr>
+              <a:t>. Node </a:t>
+            </a:r>
+            <a:r>
+              <a:rPr lang="en-US" sz="2800" b="1" kern="0" dirty="0" err="1">
+                <a:solidFill>
+                  <a:srgbClr val="000000"/>
+                </a:solidFill>
+                <a:latin typeface="+mn-lt"/>
+              </a:rPr>
+              <a:t>colour</a:t>
+            </a:r>
+            <a:r>
+              <a:rPr lang="en-US" sz="2800" b="1" kern="0" dirty="0">
+                <a:solidFill>
+                  <a:srgbClr val="000000"/>
+                </a:solidFill>
+                <a:latin typeface="+mn-lt"/>
+              </a:rPr>
+              <a:t> indicates the fitness</a:t>
+            </a:r>
+            <a:r>
+              <a:rPr lang="en-US" sz="2800" kern="0" dirty="0">
+                <a:solidFill>
+                  <a:srgbClr val="000000"/>
+                </a:solidFill>
+                <a:latin typeface="+mn-lt"/>
+              </a:rPr>
+              <a:t> of a genotype, from pale brown for optimal fitness to dark brown for lower fitness.</a:t>
+            </a:r>
+            <a:endParaRPr lang="en-US" sz="2000" b="1" kern="0" dirty="0">
+              <a:solidFill>
+                <a:sysClr val="windowText" lastClr="000000"/>
+              </a:solidFill>
+              <a:latin typeface="+mn-lt"/>
+              <a:cs typeface="Helvetica" pitchFamily="34" charset="0"/>
+            </a:endParaRPr>
+          </a:p>
+          <a:p>
             <a:pPr indent="205704" algn="l" defTabSz="908920" rtl="0">
               <a:defRPr/>
             </a:pPr>
-            <a:r>
-              <a:rPr lang="en-US" sz="2800" kern="0" dirty="0">
-                <a:solidFill>
-                  <a:srgbClr val="000000"/>
-                </a:solidFill>
-                <a:latin typeface="+mn-lt"/>
-              </a:rPr>
-              <a:t>Consider an asexual population with two bi-allelic loci, </a:t>
-            </a:r>
-            <a:r>
-              <a:rPr lang="en-US" sz="2800" i="1" kern="0" dirty="0">
-                <a:solidFill>
-                  <a:srgbClr val="000000"/>
-                </a:solidFill>
-                <a:latin typeface="+mn-lt"/>
-              </a:rPr>
-              <a:t>a/A</a:t>
-            </a:r>
-            <a:r>
-              <a:rPr lang="en-US" sz="2800" kern="0" dirty="0">
-                <a:solidFill>
-                  <a:srgbClr val="000000"/>
-                </a:solidFill>
-                <a:latin typeface="+mn-lt"/>
-              </a:rPr>
-              <a:t> and </a:t>
-            </a:r>
-            <a:r>
-              <a:rPr lang="en-US" sz="2800" i="1" kern="0" dirty="0">
-                <a:solidFill>
-                  <a:srgbClr val="000000"/>
-                </a:solidFill>
-                <a:latin typeface="+mn-lt"/>
-              </a:rPr>
-              <a:t>b/B</a:t>
-            </a:r>
-            <a:r>
-              <a:rPr lang="en-US" sz="2800" kern="0" dirty="0">
-                <a:solidFill>
-                  <a:srgbClr val="000000"/>
-                </a:solidFill>
-                <a:latin typeface="+mn-lt"/>
-              </a:rPr>
-              <a:t> at a mutation-selection balance. An environmental change causes the previously deleterious combination </a:t>
-            </a:r>
-            <a:r>
-              <a:rPr lang="en-US" sz="2800" i="1" kern="0" dirty="0">
-                <a:solidFill>
-                  <a:srgbClr val="000000"/>
-                </a:solidFill>
-                <a:latin typeface="+mn-lt"/>
-              </a:rPr>
-              <a:t>AB</a:t>
-            </a:r>
-            <a:r>
-              <a:rPr lang="en-US" sz="2800" kern="0" dirty="0">
-                <a:solidFill>
-                  <a:srgbClr val="000000"/>
-                </a:solidFill>
-                <a:latin typeface="+mn-lt"/>
-              </a:rPr>
-              <a:t> to be favorable, but the intermediate types </a:t>
-            </a:r>
-            <a:r>
-              <a:rPr lang="en-US" sz="2800" i="1" kern="0" dirty="0" err="1">
-                <a:solidFill>
-                  <a:srgbClr val="000000"/>
-                </a:solidFill>
-                <a:latin typeface="+mn-lt"/>
-              </a:rPr>
-              <a:t>Ab</a:t>
-            </a:r>
-            <a:r>
-              <a:rPr lang="en-US" sz="2800" kern="0" dirty="0">
-                <a:solidFill>
-                  <a:srgbClr val="000000"/>
-                </a:solidFill>
-                <a:latin typeface="+mn-lt"/>
-              </a:rPr>
-              <a:t> and </a:t>
-            </a:r>
-            <a:r>
-              <a:rPr lang="en-US" sz="2800" i="1" kern="0" dirty="0" err="1">
-                <a:solidFill>
-                  <a:srgbClr val="000000"/>
-                </a:solidFill>
-                <a:latin typeface="+mn-lt"/>
-              </a:rPr>
-              <a:t>aB</a:t>
-            </a:r>
-            <a:r>
-              <a:rPr lang="en-US" sz="2800" kern="0" dirty="0">
-                <a:solidFill>
-                  <a:srgbClr val="000000"/>
-                </a:solidFill>
-                <a:latin typeface="+mn-lt"/>
-              </a:rPr>
-              <a:t> are still deleterious</a:t>
-            </a:r>
-            <a:r>
-              <a:rPr lang="en-US" sz="2800" kern="0" dirty="0" smtClean="0">
-                <a:solidFill>
-                  <a:srgbClr val="000000"/>
-                </a:solidFill>
-                <a:latin typeface="+mn-lt"/>
-              </a:rPr>
-              <a:t>. </a:t>
-            </a:r>
+            <a:endParaRPr lang="en-GB" sz="2800" kern="0" dirty="0">
+              <a:solidFill>
+                <a:srgbClr val="000000"/>
+              </a:solidFill>
+              <a:latin typeface="+mn-lt"/>
+            </a:endParaRPr>
           </a:p>
           <a:p>
             <a:pPr indent="205704" algn="l" defTabSz="908920" rtl="0">
               <a:defRPr/>
             </a:pPr>
-            <a:r>
-              <a:rPr lang="en-US" sz="2800" kern="0" dirty="0" smtClean="0">
-                <a:solidFill>
-                  <a:srgbClr val="000000"/>
-                </a:solidFill>
-                <a:latin typeface="+mn-lt"/>
-              </a:rPr>
-              <a:t>In addition to adaptation, the population must also cope with deleterious mutations, so we assumed that individuals with deleterious mutations will not contribute to the adaptation process.</a:t>
-            </a:r>
+            <a:endParaRPr lang="en-GB" sz="2800" kern="0" dirty="0" smtClean="0">
+              <a:solidFill>
+                <a:srgbClr val="000000"/>
+              </a:solidFill>
+              <a:latin typeface="+mn-lt"/>
+            </a:endParaRPr>
           </a:p>
           <a:p>
             <a:pPr indent="205704" algn="l" defTabSz="908920" rtl="0">
               <a:defRPr/>
             </a:pPr>
-            <a:endParaRPr lang="en-US" sz="2800" kern="0" dirty="0" smtClean="0">
+            <a:endParaRPr lang="en-GB" sz="2800" kern="0" dirty="0">
+              <a:solidFill>
+                <a:srgbClr val="000000"/>
+              </a:solidFill>
+              <a:latin typeface="+mn-lt"/>
+            </a:endParaRPr>
+          </a:p>
+          <a:p>
+            <a:pPr indent="205704" algn="l" defTabSz="908920" rtl="0">
+              <a:defRPr/>
+            </a:pPr>
+            <a:endParaRPr lang="en-GB" sz="2800" kern="0" dirty="0" smtClean="0">
+              <a:solidFill>
+                <a:srgbClr val="000000"/>
+              </a:solidFill>
+              <a:latin typeface="+mn-lt"/>
+            </a:endParaRPr>
+          </a:p>
+          <a:p>
+            <a:pPr indent="205704" algn="l" defTabSz="908920" rtl="0">
+              <a:defRPr/>
+            </a:pPr>
+            <a:endParaRPr lang="en-GB" sz="2800" kern="0" dirty="0">
+              <a:solidFill>
+                <a:srgbClr val="000000"/>
+              </a:solidFill>
+              <a:latin typeface="+mn-lt"/>
+            </a:endParaRPr>
+          </a:p>
+          <a:p>
+            <a:pPr indent="205704" algn="l" defTabSz="908920" rtl="0">
+              <a:defRPr/>
+            </a:pPr>
+            <a:endParaRPr lang="en-GB" sz="2800" kern="0" dirty="0" smtClean="0">
+              <a:solidFill>
+                <a:srgbClr val="000000"/>
+              </a:solidFill>
+              <a:latin typeface="+mn-lt"/>
+            </a:endParaRPr>
+          </a:p>
+          <a:p>
+            <a:pPr indent="205704" algn="l" defTabSz="908920" rtl="0">
+              <a:defRPr/>
+            </a:pPr>
+            <a:endParaRPr lang="en-GB" sz="2800" kern="0" dirty="0">
+              <a:solidFill>
+                <a:srgbClr val="000000"/>
+              </a:solidFill>
+              <a:latin typeface="+mn-lt"/>
+            </a:endParaRPr>
+          </a:p>
+          <a:p>
+            <a:pPr indent="205704" algn="l" defTabSz="908920" rtl="0">
+              <a:defRPr/>
+            </a:pPr>
+            <a:endParaRPr lang="en-GB" sz="2800" kern="0" dirty="0" smtClean="0">
               <a:solidFill>
                 <a:srgbClr val="000000"/>
               </a:solidFill>
@@ -6182,8 +7519,8 @@
           </a:p>
         </p:txBody>
       </p:sp>
-      <mc:AlternateContent xmlns:mc="http://schemas.openxmlformats.org/markup-compatibility/2006" xmlns:a14="http://schemas.microsoft.com/office/drawing/2010/main">
-        <mc:Choice Requires="a14">
+      <mc:AlternateContent xmlns:mc="http://schemas.openxmlformats.org/markup-compatibility/2006">
+        <mc:Choice xmlns:a14="http://schemas.microsoft.com/office/drawing/2010/main" Requires="a14">
           <p:sp>
             <p:nvSpPr>
               <p:cNvPr id="101" name="Text Box 13"/>
@@ -6437,7 +7774,7 @@
                       <m:r>
                         <a:rPr lang="en-US" sz="2800" b="0" i="1" kern="0" smtClean="0">
                           <a:solidFill>
-                            <a:srgbClr val="000000"/>
+                            <a:schemeClr val="tx1"/>
                           </a:solidFill>
                           <a:latin typeface="Cambria Math"/>
                         </a:rPr>
@@ -6446,7 +7783,7 @@
                       <m:r>
                         <a:rPr lang="en-US" sz="2800" b="0" i="1" kern="0" smtClean="0">
                           <a:solidFill>
-                            <a:srgbClr val="000000"/>
+                            <a:schemeClr val="tx1"/>
                           </a:solidFill>
                           <a:latin typeface="Cambria Math"/>
                         </a:rPr>
@@ -6457,7 +7794,7 @@
                           <m:ctrlPr>
                             <a:rPr lang="en-US" sz="2800" b="0" i="1" kern="0" smtClean="0">
                               <a:solidFill>
-                                <a:srgbClr val="000000"/>
+                                <a:schemeClr val="tx1"/>
                               </a:solidFill>
                               <a:latin typeface="Cambria Math"/>
                             </a:rPr>
@@ -6467,7 +7804,7 @@
                           <m:r>
                             <a:rPr lang="en-US" sz="2800" b="0" i="1" kern="0" smtClean="0">
                               <a:solidFill>
-                                <a:srgbClr val="000000"/>
+                                <a:schemeClr val="tx1"/>
                               </a:solidFill>
                               <a:latin typeface="Cambria Math"/>
                             </a:rPr>
@@ -6476,7 +7813,7 @@
                           <m:r>
                             <a:rPr lang="en-US" sz="2800" b="0" i="1" kern="0" smtClean="0">
                               <a:solidFill>
-                                <a:srgbClr val="000000"/>
+                                <a:schemeClr val="tx1"/>
                               </a:solidFill>
                               <a:latin typeface="Cambria Math"/>
                             </a:rPr>
@@ -6485,7 +7822,7 @@
                           <m:r>
                             <a:rPr lang="en-US" sz="2800" b="0" i="1" kern="0" smtClean="0">
                               <a:solidFill>
-                                <a:schemeClr val="accent2"/>
+                                <a:schemeClr val="tx1"/>
                               </a:solidFill>
                               <a:latin typeface="Cambria Math"/>
                             </a:rPr>
@@ -6498,7 +7835,7 @@
                           <m:ctrlPr>
                             <a:rPr lang="en-US" sz="2800" b="0" i="1" kern="0" smtClean="0">
                               <a:solidFill>
-                                <a:srgbClr val="000000"/>
+                                <a:schemeClr val="tx1"/>
                               </a:solidFill>
                               <a:latin typeface="Cambria Math"/>
                             </a:rPr>
@@ -6508,7 +7845,7 @@
                           <m:r>
                             <a:rPr lang="en-US" sz="2800" b="0" i="1" kern="0" smtClean="0">
                               <a:solidFill>
-                                <a:srgbClr val="000000"/>
+                                <a:schemeClr val="tx1"/>
                               </a:solidFill>
                               <a:latin typeface="Cambria Math"/>
                             </a:rPr>
@@ -6517,7 +7854,7 @@
                           <m:r>
                             <a:rPr lang="en-US" sz="2800" b="0" i="1" kern="0" smtClean="0">
                               <a:solidFill>
-                                <a:srgbClr val="000000"/>
+                                <a:schemeClr val="tx1"/>
                               </a:solidFill>
                               <a:latin typeface="Cambria Math"/>
                             </a:rPr>
@@ -6526,7 +7863,7 @@
                           <m:r>
                             <a:rPr lang="en-US" sz="2800" b="0" i="1" kern="0" smtClean="0">
                               <a:solidFill>
-                                <a:schemeClr val="accent2"/>
+                                <a:schemeClr val="tx1"/>
                               </a:solidFill>
                               <a:latin typeface="Cambria Math"/>
                             </a:rPr>
@@ -6539,7 +7876,7 @@
                           <m:ctrlPr>
                             <a:rPr lang="en-US" sz="2800" b="0" i="1" kern="0" smtClean="0">
                               <a:solidFill>
-                                <a:srgbClr val="000000"/>
+                                <a:schemeClr val="tx1"/>
                               </a:solidFill>
                               <a:latin typeface="Cambria Math"/>
                             </a:rPr>
@@ -6551,7 +7888,7 @@
                               <m:ctrlPr>
                                 <a:rPr lang="en-US" sz="2800" b="0" i="1" kern="0" smtClean="0">
                                   <a:solidFill>
-                                    <a:srgbClr val="000000"/>
+                                    <a:schemeClr val="tx1"/>
                                   </a:solidFill>
                                   <a:latin typeface="Cambria Math"/>
                                 </a:rPr>
@@ -6561,7 +7898,7 @@
                               <m:r>
                                 <a:rPr lang="en-US" sz="2800" b="0" i="1" kern="0" smtClean="0">
                                   <a:solidFill>
-                                    <a:schemeClr val="accent1"/>
+                                    <a:schemeClr val="tx1"/>
                                   </a:solidFill>
                                   <a:latin typeface="Cambria Math"/>
                                 </a:rPr>
@@ -6572,7 +7909,7 @@
                               <m:r>
                                 <a:rPr lang="en-US" sz="2800" b="0" i="1" kern="0" smtClean="0">
                                   <a:solidFill>
-                                    <a:srgbClr val="000000"/>
+                                    <a:schemeClr val="tx1"/>
                                   </a:solidFill>
                                   <a:latin typeface="Cambria Math"/>
                                 </a:rPr>
@@ -6585,7 +7922,7 @@
                           <m:r>
                             <a:rPr lang="en-US" sz="2800" i="1" kern="0">
                               <a:solidFill>
-                                <a:schemeClr val="accent3"/>
+                                <a:schemeClr val="tx1"/>
                               </a:solidFill>
                               <a:latin typeface="Cambria Math"/>
                             </a:rPr>
@@ -6598,7 +7935,7 @@
                 </a14:m>
                 <a:endParaRPr lang="en-US" sz="2800" b="0" kern="0" dirty="0" smtClean="0">
                   <a:solidFill>
-                    <a:srgbClr val="000000"/>
+                    <a:schemeClr val="tx1"/>
                   </a:solidFill>
                   <a:latin typeface="+mn-lt"/>
                 </a:endParaRPr>
@@ -6618,7 +7955,7 @@
                           <m:ctrlPr>
                             <a:rPr lang="en-US" sz="2800" b="0" i="1" kern="0" smtClean="0">
                               <a:solidFill>
-                                <a:srgbClr val="000000"/>
+                                <a:schemeClr val="tx1"/>
                               </a:solidFill>
                               <a:latin typeface="Cambria Math"/>
                             </a:rPr>
@@ -6628,7 +7965,7 @@
                           <m:r>
                             <a:rPr lang="en-US" sz="2800" b="0" i="1" kern="0" smtClean="0">
                               <a:solidFill>
-                                <a:srgbClr val="000000"/>
+                                <a:schemeClr val="tx1"/>
                               </a:solidFill>
                               <a:latin typeface="Cambria Math"/>
                             </a:rPr>
@@ -6639,7 +7976,7 @@
                           <m:r>
                             <a:rPr lang="en-US" sz="2800" b="0" i="1" kern="0" smtClean="0">
                               <a:solidFill>
-                                <a:srgbClr val="000000"/>
+                                <a:schemeClr val="tx1"/>
                               </a:solidFill>
                               <a:latin typeface="Cambria Math"/>
                             </a:rPr>
@@ -6650,7 +7987,7 @@
                       <m:r>
                         <a:rPr lang="en-US" sz="2800" b="0" i="1" kern="0" smtClean="0">
                           <a:solidFill>
-                            <a:srgbClr val="000000"/>
+                            <a:schemeClr val="tx1"/>
                           </a:solidFill>
                           <a:latin typeface="Cambria Math"/>
                         </a:rPr>
@@ -6661,7 +7998,7 @@
                           <m:ctrlPr>
                             <a:rPr lang="en-US" sz="2800" b="0" i="1" kern="0" smtClean="0">
                               <a:solidFill>
-                                <a:srgbClr val="000000"/>
+                                <a:schemeClr val="tx1"/>
                               </a:solidFill>
                               <a:latin typeface="Cambria Math"/>
                             </a:rPr>
@@ -6671,7 +8008,7 @@
                           <m:r>
                             <a:rPr lang="en-US" sz="2800" b="0" i="1" kern="0" smtClean="0">
                               <a:solidFill>
-                                <a:srgbClr val="000000"/>
+                                <a:schemeClr val="tx1"/>
                               </a:solidFill>
                               <a:latin typeface="Cambria Math"/>
                             </a:rPr>
@@ -6680,7 +8017,7 @@
                           <m:r>
                             <a:rPr lang="en-US" sz="2800" b="0" i="1" kern="0" smtClean="0">
                               <a:solidFill>
-                                <a:srgbClr val="000000"/>
+                                <a:schemeClr val="tx1"/>
                               </a:solidFill>
                               <a:latin typeface="Cambria Math"/>
                             </a:rPr>
@@ -6689,7 +8026,7 @@
                           <m:r>
                             <a:rPr lang="en-US" sz="2800" b="0" i="1" kern="0" smtClean="0">
                               <a:solidFill>
-                                <a:schemeClr val="accent6"/>
+                                <a:schemeClr val="tx1"/>
                               </a:solidFill>
                               <a:latin typeface="Cambria Math"/>
                             </a:rPr>
@@ -6698,7 +8035,7 @@
                           <m:r>
                             <a:rPr lang="en-US" sz="2800" b="0" i="1" kern="0" smtClean="0">
                               <a:solidFill>
-                                <a:schemeClr val="accent2"/>
+                                <a:schemeClr val="tx1"/>
                               </a:solidFill>
                               <a:latin typeface="Cambria Math"/>
                             </a:rPr>
@@ -6709,7 +8046,7 @@
                       <m:r>
                         <a:rPr lang="en-US" sz="2800" b="0" i="1" kern="0" smtClean="0">
                           <a:solidFill>
-                            <a:srgbClr val="000000"/>
+                            <a:schemeClr val="tx1"/>
                           </a:solidFill>
                           <a:latin typeface="Cambria Math"/>
                         </a:rPr>
@@ -6718,7 +8055,7 @@
                       <m:r>
                         <a:rPr lang="en-US" sz="2800" b="0" i="1" kern="0" smtClean="0">
                           <a:solidFill>
-                            <a:schemeClr val="accent6"/>
+                            <a:schemeClr val="tx1"/>
                           </a:solidFill>
                           <a:latin typeface="Cambria Math"/>
                         </a:rPr>
@@ -6729,7 +8066,7 @@
                           <m:ctrlPr>
                             <a:rPr lang="en-US" sz="2800" b="0" i="1" kern="0" smtClean="0">
                               <a:solidFill>
-                                <a:srgbClr val="000000"/>
+                                <a:schemeClr val="tx1"/>
                               </a:solidFill>
                               <a:latin typeface="Cambria Math"/>
                             </a:rPr>
@@ -6741,7 +8078,7 @@
                               <m:ctrlPr>
                                 <a:rPr lang="en-US" sz="2800" b="0" i="1" kern="0" smtClean="0">
                                   <a:solidFill>
-                                    <a:srgbClr val="000000"/>
+                                    <a:schemeClr val="tx1"/>
                                   </a:solidFill>
                                   <a:latin typeface="Cambria Math"/>
                                 </a:rPr>
@@ -6751,7 +8088,7 @@
                               <m:r>
                                 <a:rPr lang="en-US" sz="2800" b="0" i="1" kern="0" smtClean="0">
                                   <a:solidFill>
-                                    <a:schemeClr val="accent1"/>
+                                    <a:schemeClr val="tx1"/>
                                   </a:solidFill>
                                   <a:latin typeface="Cambria Math"/>
                                 </a:rPr>
@@ -6762,7 +8099,7 @@
                               <m:r>
                                 <a:rPr lang="en-US" sz="2800" b="0" i="1" kern="0" smtClean="0">
                                   <a:solidFill>
-                                    <a:srgbClr val="000000"/>
+                                    <a:schemeClr val="tx1"/>
                                   </a:solidFill>
                                   <a:latin typeface="Cambria Math"/>
                                 </a:rPr>
@@ -6775,7 +8112,7 @@
                           <m:r>
                             <a:rPr lang="en-US" sz="2800" b="0" i="1" kern="0" smtClean="0">
                               <a:solidFill>
-                                <a:schemeClr val="accent3"/>
+                                <a:schemeClr val="tx1"/>
                               </a:solidFill>
                               <a:latin typeface="Cambria Math"/>
                             </a:rPr>
@@ -6788,7 +8125,7 @@
                 </a14:m>
                 <a:endParaRPr lang="en-US" sz="2800" kern="0" dirty="0" smtClean="0">
                   <a:solidFill>
-                    <a:srgbClr val="000000"/>
+                    <a:schemeClr val="tx1"/>
                   </a:solidFill>
                   <a:latin typeface="+mn-lt"/>
                 </a:endParaRPr>
@@ -6800,7 +8137,7 @@
                 <a:r>
                   <a:rPr lang="en-US" sz="2800" kern="0" dirty="0" smtClean="0">
                     <a:solidFill>
-                      <a:srgbClr val="000000"/>
+                      <a:schemeClr val="tx1"/>
                     </a:solidFill>
                     <a:latin typeface="+mn-lt"/>
                   </a:rPr>
@@ -6809,7 +8146,7 @@
                 <a:r>
                   <a:rPr lang="en-US" sz="2800" b="1" i="1" kern="0" dirty="0" smtClean="0">
                     <a:solidFill>
-                      <a:schemeClr val="accent2"/>
+                      <a:schemeClr val="tx1"/>
                     </a:solidFill>
                     <a:latin typeface="+mn-lt"/>
                   </a:rPr>
@@ -6818,7 +8155,7 @@
                 <a:r>
                   <a:rPr lang="en-US" sz="2800" kern="0" dirty="0" smtClean="0">
                     <a:solidFill>
-                      <a:srgbClr val="000000"/>
+                      <a:schemeClr val="tx1"/>
                     </a:solidFill>
                     <a:latin typeface="+mn-lt"/>
                   </a:rPr>
@@ -6827,7 +8164,7 @@
                 <a:r>
                   <a:rPr lang="en-US" sz="2800" b="1" i="1" kern="0" dirty="0" smtClean="0">
                     <a:solidFill>
-                      <a:schemeClr val="accent1"/>
+                      <a:schemeClr val="tx1"/>
                     </a:solidFill>
                     <a:latin typeface="+mn-lt"/>
                   </a:rPr>
@@ -6836,7 +8173,7 @@
                 <a:r>
                   <a:rPr lang="en-US" sz="2800" kern="0" dirty="0" smtClean="0">
                     <a:solidFill>
-                      <a:srgbClr val="000000"/>
+                      <a:schemeClr val="tx1"/>
                     </a:solidFill>
                     <a:latin typeface="+mn-lt"/>
                   </a:rPr>
@@ -6845,7 +8182,7 @@
                 <a:r>
                   <a:rPr lang="en-US" sz="2800" i="1" kern="0" dirty="0" smtClean="0">
                     <a:solidFill>
-                      <a:srgbClr val="000000"/>
+                      <a:schemeClr val="tx1"/>
                     </a:solidFill>
                     <a:latin typeface="+mn-lt"/>
                   </a:rPr>
@@ -6854,7 +8191,7 @@
                 <a:r>
                   <a:rPr lang="en-US" sz="2800" kern="0" dirty="0" smtClean="0">
                     <a:solidFill>
-                      <a:srgbClr val="000000"/>
+                      <a:schemeClr val="tx1"/>
                     </a:solidFill>
                     <a:latin typeface="+mn-lt"/>
                   </a:rPr>
@@ -6863,7 +8200,7 @@
                 <a:r>
                   <a:rPr lang="en-US" sz="2800" i="1" kern="0" dirty="0" smtClean="0">
                     <a:solidFill>
-                      <a:srgbClr val="000000"/>
+                      <a:schemeClr val="tx1"/>
                     </a:solidFill>
                     <a:latin typeface="+mn-lt"/>
                   </a:rPr>
@@ -6872,7 +8209,7 @@
                 <a:r>
                   <a:rPr lang="en-US" sz="2800" kern="0" dirty="0" smtClean="0">
                     <a:solidFill>
-                      <a:srgbClr val="000000"/>
+                      <a:schemeClr val="tx1"/>
                     </a:solidFill>
                     <a:latin typeface="+mn-lt"/>
                   </a:rPr>
@@ -6881,7 +8218,7 @@
                 <a:r>
                   <a:rPr lang="el-GR" sz="2800" b="1" i="1" kern="0" dirty="0" smtClean="0">
                     <a:solidFill>
-                      <a:schemeClr val="accent6"/>
+                      <a:schemeClr val="tx1"/>
                     </a:solidFill>
                     <a:latin typeface="+mn-lt"/>
                   </a:rPr>
@@ -6890,7 +8227,7 @@
                 <a:r>
                   <a:rPr lang="en-US" sz="2800" kern="0" dirty="0" smtClean="0">
                     <a:solidFill>
-                      <a:srgbClr val="000000"/>
+                      <a:schemeClr val="tx1"/>
                     </a:solidFill>
                     <a:latin typeface="+mn-lt"/>
                   </a:rPr>
@@ -6899,7 +8236,7 @@
                 <a:r>
                   <a:rPr lang="en-US" sz="2800" b="1" i="1" kern="0" dirty="0" smtClean="0">
                     <a:solidFill>
-                      <a:schemeClr val="accent3"/>
+                      <a:schemeClr val="tx1"/>
                     </a:solidFill>
                     <a:latin typeface="+mn-lt"/>
                   </a:rPr>
@@ -6908,7 +8245,7 @@
                 <a:r>
                   <a:rPr lang="en-US" sz="2800" kern="0" dirty="0">
                     <a:solidFill>
-                      <a:srgbClr val="000000"/>
+                      <a:schemeClr val="tx1"/>
                     </a:solidFill>
                     <a:latin typeface="+mn-lt"/>
                   </a:rPr>
@@ -6917,7 +8254,7 @@
                 <a:r>
                   <a:rPr lang="en-US" sz="2800" kern="0" dirty="0" smtClean="0">
                     <a:solidFill>
-                      <a:srgbClr val="000000"/>
+                      <a:schemeClr val="tx1"/>
                     </a:solidFill>
                     <a:latin typeface="+mn-lt"/>
                   </a:rPr>
@@ -6935,7 +8272,16 @@
                     </a:solidFill>
                     <a:latin typeface="+mn-lt"/>
                   </a:rPr>
-                  <a:t>It can be shown that </a:t>
+                  <a:t>It can be </a:t>
+                </a:r>
+                <a:r>
+                  <a:rPr lang="en-US" sz="2800" kern="0" dirty="0" smtClean="0">
+                    <a:solidFill>
+                      <a:schemeClr val="tx1"/>
+                    </a:solidFill>
+                    <a:latin typeface="+mn-lt"/>
+                  </a:rPr>
+                  <a:t>shown that </a:t>
                 </a:r>
                 <a14:m>
                   <m:oMath xmlns:m="http://schemas.openxmlformats.org/officeDocument/2006/math">
@@ -6944,7 +8290,7 @@
                         <m:ctrlPr>
                           <a:rPr lang="en-US" sz="2800" i="1" kern="0">
                             <a:solidFill>
-                              <a:srgbClr val="000000"/>
+                              <a:schemeClr val="tx1"/>
                             </a:solidFill>
                             <a:latin typeface="Cambria Math"/>
                           </a:rPr>
@@ -6954,7 +8300,7 @@
                         <m:r>
                           <a:rPr lang="en-US" sz="2800" i="1" kern="0">
                             <a:solidFill>
-                              <a:srgbClr val="000000"/>
+                              <a:schemeClr val="tx1"/>
                             </a:solidFill>
                             <a:latin typeface="Cambria Math"/>
                           </a:rPr>
@@ -6965,7 +8311,7 @@
                         <m:r>
                           <a:rPr lang="en-US" sz="2800" i="1" kern="0">
                             <a:solidFill>
-                              <a:srgbClr val="000000"/>
+                              <a:schemeClr val="tx1"/>
                             </a:solidFill>
                             <a:latin typeface="Cambria Math"/>
                           </a:rPr>
@@ -6973,107 +8319,6 @@
                         </m:r>
                       </m:sub>
                     </m:sSub>
-                    <m:r>
-                      <a:rPr lang="en-US" sz="2800" b="0" i="1" kern="0" smtClean="0">
-                        <a:solidFill>
-                          <a:srgbClr val="000000"/>
-                        </a:solidFill>
-                        <a:latin typeface="Cambria Math"/>
-                      </a:rPr>
-                      <m:t>&gt;</m:t>
-                    </m:r>
-                    <m:r>
-                      <a:rPr lang="en-US" sz="2800" b="0" i="1" kern="0" smtClean="0">
-                        <a:solidFill>
-                          <a:srgbClr val="000000"/>
-                        </a:solidFill>
-                        <a:latin typeface="Cambria Math"/>
-                      </a:rPr>
-                      <m:t>𝑞</m:t>
-                    </m:r>
-                  </m:oMath>
-                </a14:m>
-                <a:r>
-                  <a:rPr lang="en-US" sz="2800" kern="0" dirty="0">
-                    <a:solidFill>
-                      <a:srgbClr val="000000"/>
-                    </a:solidFill>
-                    <a:latin typeface="+mn-lt"/>
-                  </a:rPr>
-                  <a:t> </a:t>
-                </a:r>
-                <a:r>
-                  <a:rPr lang="en-US" sz="2800" kern="0" dirty="0" smtClean="0">
-                    <a:solidFill>
-                      <a:srgbClr val="000000"/>
-                    </a:solidFill>
-                    <a:latin typeface="+mn-lt"/>
-                  </a:rPr>
-                  <a:t>if </a:t>
-                </a:r>
-                <a14:m>
-                  <m:oMath xmlns:m="http://schemas.openxmlformats.org/officeDocument/2006/math">
-                    <m:sSup>
-                      <m:sSupPr>
-                        <m:ctrlPr>
-                          <a:rPr lang="en-US" sz="2800" b="0" i="1" kern="0" smtClean="0">
-                            <a:solidFill>
-                              <a:schemeClr val="accent2"/>
-                            </a:solidFill>
-                            <a:latin typeface="Cambria Math"/>
-                          </a:rPr>
-                        </m:ctrlPr>
-                      </m:sSupPr>
-                      <m:e>
-                        <m:r>
-                          <a:rPr lang="en-US" sz="2800" i="1" kern="0">
-                            <a:solidFill>
-                              <a:schemeClr val="accent2"/>
-                            </a:solidFill>
-                            <a:latin typeface="Cambria Math"/>
-                          </a:rPr>
-                          <m:t>𝑈</m:t>
-                        </m:r>
-                      </m:e>
-                      <m:sup>
-                        <m:r>
-                          <a:rPr lang="en-US" sz="2800" b="0" i="1" kern="0" smtClean="0">
-                            <a:solidFill>
-                              <a:schemeClr val="tx1"/>
-                            </a:solidFill>
-                            <a:latin typeface="Cambria Math"/>
-                          </a:rPr>
-                          <m:t>−</m:t>
-                        </m:r>
-                        <m:r>
-                          <a:rPr lang="en-US" sz="2800" b="0" i="1" kern="0" smtClean="0">
-                            <a:solidFill>
-                              <a:schemeClr val="tx1"/>
-                            </a:solidFill>
-                            <a:latin typeface="Cambria Math"/>
-                          </a:rPr>
-                          <m:t>1</m:t>
-                        </m:r>
-                      </m:sup>
-                    </m:sSup>
-                    <m:r>
-                      <a:rPr lang="en-US" sz="2800" b="0" i="1" kern="0" smtClean="0">
-                        <a:solidFill>
-                          <a:schemeClr val="tx1"/>
-                        </a:solidFill>
-                        <a:latin typeface="Cambria Math"/>
-                      </a:rPr>
-                      <m:t>/</m:t>
-                    </m:r>
-                    <m:r>
-                      <a:rPr lang="en-US" sz="2800" b="0" i="1" kern="0" smtClean="0">
-                        <a:solidFill>
-                          <a:schemeClr val="tx1"/>
-                        </a:solidFill>
-                        <a:latin typeface="Cambria Math"/>
-                      </a:rPr>
-                      <m:t>2</m:t>
-                    </m:r>
                     <m:r>
                       <a:rPr lang="en-US" sz="2800" b="0" i="1" kern="0" smtClean="0">
                         <a:solidFill>
@@ -7086,11 +8331,60 @@
                     <m:r>
                       <a:rPr lang="en-US" sz="2800" b="0" i="1" kern="0" smtClean="0">
                         <a:solidFill>
-                          <a:schemeClr val="accent6"/>
+                          <a:schemeClr val="tx1"/>
                         </a:solidFill>
                         <a:latin typeface="Cambria Math"/>
                       </a:rPr>
-                      <m:t>𝜏</m:t>
+                      <m:t>𝑞</m:t>
+                    </m:r>
+                  </m:oMath>
+                </a14:m>
+                <a:r>
+                  <a:rPr lang="en-US" sz="2800" kern="0" dirty="0">
+                    <a:solidFill>
+                      <a:schemeClr val="tx1"/>
+                    </a:solidFill>
+                    <a:latin typeface="+mn-lt"/>
+                  </a:rPr>
+                  <a:t> </a:t>
+                </a:r>
+                <a:r>
+                  <a:rPr lang="en-US" sz="2800" kern="0" dirty="0" smtClean="0">
+                    <a:solidFill>
+                      <a:schemeClr val="tx1"/>
+                    </a:solidFill>
+                    <a:latin typeface="+mn-lt"/>
+                  </a:rPr>
+                  <a:t>if </a:t>
+                </a:r>
+                <a14:m>
+                  <m:oMath xmlns:m="http://schemas.openxmlformats.org/officeDocument/2006/math">
+                    <m:r>
+                      <a:rPr lang="en-US" sz="2800" b="0" i="1" kern="0" smtClean="0">
+                        <a:solidFill>
+                          <a:schemeClr val="tx1"/>
+                        </a:solidFill>
+                        <a:latin typeface="Cambria Math"/>
+                      </a:rPr>
+                      <m:t>0</m:t>
+                    </m:r>
+                    <m:r>
+                      <a:rPr lang="en-US" sz="2800" b="0" i="1" kern="0" smtClean="0">
+                        <a:solidFill>
+                          <a:schemeClr val="tx1"/>
+                        </a:solidFill>
+                        <a:latin typeface="Cambria Math"/>
+                      </a:rPr>
+                      <m:t>.</m:t>
+                    </m:r>
+                    <m:r>
+                      <a:rPr lang="en-US" sz="2800" b="0" i="1" kern="0" smtClean="0">
+                        <a:solidFill>
+                          <a:schemeClr val="tx1"/>
+                        </a:solidFill>
+                        <a:latin typeface="Cambria Math"/>
+                      </a:rPr>
+                      <m:t>5</m:t>
                     </m:r>
                     <m:r>
                       <a:rPr lang="en-US" sz="2800" b="0" i="1" kern="0" smtClean="0">
@@ -7108,7 +8402,7 @@
                         </a:solidFill>
                         <a:latin typeface="Cambria Math"/>
                       </a:rPr>
-                      <m:t>1</m:t>
+                      <m:t>𝜏</m:t>
                     </m:r>
                     <m:r>
                       <a:rPr lang="en-US" sz="2800" b="0" i="1" kern="0" smtClean="0">
@@ -7117,13 +8411,58 @@
                         </a:solidFill>
                         <a:latin typeface="Cambria Math"/>
                       </a:rPr>
-                      <m:t>.</m:t>
+                      <m:t>𝑈</m:t>
+                    </m:r>
+                    <m:r>
+                      <a:rPr lang="en-US" sz="2800" b="0" i="1" kern="0" smtClean="0">
+                        <a:solidFill>
+                          <a:schemeClr val="tx1"/>
+                        </a:solidFill>
+                        <a:latin typeface="Cambria Math"/>
+                      </a:rPr>
+                      <m:t>&gt;</m:t>
+                    </m:r>
+                    <m:r>
+                      <a:rPr lang="en-US" sz="2800" b="0" i="1" kern="0" smtClean="0">
+                        <a:solidFill>
+                          <a:schemeClr val="tx1"/>
+                        </a:solidFill>
+                        <a:latin typeface="Cambria Math"/>
+                      </a:rPr>
+                      <m:t>𝑈</m:t>
                     </m:r>
                   </m:oMath>
                 </a14:m>
-                <a:endParaRPr lang="en-US" sz="2800" kern="0" dirty="0">
+                <a:r>
+                  <a:rPr lang="en-US" sz="2800" kern="0" dirty="0" smtClean="0">
+                    <a:solidFill>
+                      <a:schemeClr val="tx1"/>
+                    </a:solidFill>
+                    <a:latin typeface="+mn-lt"/>
+                  </a:rPr>
+                  <a:t> – </a:t>
+                </a:r>
+                <a:r>
+                  <a:rPr lang="en-US" sz="2800" b="1" kern="0" dirty="0">
+                    <a:solidFill>
+                      <a:schemeClr val="tx2"/>
+                    </a:solidFill>
+                    <a:latin typeface="+mn-lt"/>
+                  </a:rPr>
+                  <a:t>SIM increases the appearance probability q if the increased mutation rate is below </a:t>
+                </a:r>
+                <a:r>
+                  <a:rPr lang="en-US" sz="2800" b="1" kern="0" dirty="0" smtClean="0">
+                    <a:solidFill>
+                      <a:schemeClr val="tx2"/>
+                    </a:solidFill>
+                    <a:latin typeface="+mn-lt"/>
+                  </a:rPr>
+                  <a:t>0.5.</a:t>
+                </a:r>
+                <a:endParaRPr lang="en-US" sz="2800" b="1" kern="0" dirty="0">
                   <a:solidFill>
-                    <a:srgbClr val="000000"/>
+                    <a:schemeClr val="tx2"/>
                   </a:solidFill>
                   <a:latin typeface="+mn-lt"/>
                 </a:endParaRPr>
@@ -7319,7 +8658,7 @@
                       <m:r>
                         <a:rPr lang="en-US" sz="2800" b="0" i="1" kern="0" smtClean="0">
                           <a:solidFill>
-                            <a:srgbClr val="000000"/>
+                            <a:schemeClr val="tx1"/>
                           </a:solidFill>
                           <a:latin typeface="Cambria Math"/>
                         </a:rPr>
@@ -7328,25 +8667,16 @@
                       <m:r>
                         <a:rPr lang="en-US" sz="2800" b="0" i="1" kern="0" smtClean="0">
                           <a:solidFill>
-                            <a:schemeClr val="accent3"/>
+                            <a:schemeClr val="tx1"/>
                           </a:solidFill>
                           <a:latin typeface="Cambria Math"/>
                         </a:rPr>
-                        <m:t>𝑠</m:t>
+                        <m:t>𝑠𝐻</m:t>
                       </m:r>
                       <m:r>
                         <a:rPr lang="en-US" sz="2800" b="0" i="1" kern="0" smtClean="0">
                           <a:solidFill>
-                            <a:schemeClr val="accent4"/>
-                          </a:solidFill>
-                          <a:latin typeface="Cambria Math"/>
-                        </a:rPr>
-                        <m:t>𝐻</m:t>
-                      </m:r>
-                      <m:r>
-                        <a:rPr lang="en-US" sz="2800" b="0" i="1" kern="0" smtClean="0">
-                          <a:solidFill>
-                            <a:srgbClr val="000000"/>
+                            <a:schemeClr val="tx1"/>
                           </a:solidFill>
                           <a:latin typeface="Cambria Math"/>
                         </a:rPr>
@@ -7355,7 +8685,7 @@
                       <m:r>
                         <a:rPr lang="en-US" sz="2800" b="0" i="1" kern="0" smtClean="0">
                           <a:solidFill>
-                            <a:srgbClr val="000000"/>
+                            <a:schemeClr val="tx1"/>
                           </a:solidFill>
                           <a:latin typeface="Cambria Math"/>
                         </a:rPr>
@@ -7366,7 +8696,7 @@
                           <m:ctrlPr>
                             <a:rPr lang="en-US" sz="2800" b="0" i="1" kern="0" smtClean="0">
                               <a:solidFill>
-                                <a:srgbClr val="000000"/>
+                                <a:schemeClr val="tx1"/>
                               </a:solidFill>
                               <a:latin typeface="Cambria Math"/>
                             </a:rPr>
@@ -7378,7 +8708,7 @@
                               <m:ctrlPr>
                                 <a:rPr lang="en-US" sz="2800" b="0" i="1" kern="0" smtClean="0">
                                   <a:solidFill>
-                                    <a:srgbClr val="000000"/>
+                                    <a:schemeClr val="tx1"/>
                                   </a:solidFill>
                                   <a:latin typeface="Cambria Math"/>
                                 </a:rPr>
@@ -7388,7 +8718,7 @@
                               <m:r>
                                 <a:rPr lang="en-US" sz="2800" b="0" i="1" kern="0" smtClean="0">
                                   <a:solidFill>
-                                    <a:schemeClr val="accent2"/>
+                                    <a:schemeClr val="tx1"/>
                                   </a:solidFill>
                                   <a:latin typeface="Cambria Math"/>
                                 </a:rPr>
@@ -7399,7 +8729,7 @@
                               <m:r>
                                 <a:rPr lang="en-US" sz="2800" b="0" i="1" kern="0" smtClean="0">
                                   <a:solidFill>
-                                    <a:srgbClr val="000000"/>
+                                    <a:schemeClr val="tx1"/>
                                   </a:solidFill>
                                   <a:latin typeface="Cambria Math"/>
                                 </a:rPr>
@@ -7412,7 +8742,7 @@
                           <m:r>
                             <a:rPr lang="en-US" sz="2800" b="0" i="1" kern="0" smtClean="0">
                               <a:solidFill>
-                                <a:schemeClr val="accent3"/>
+                                <a:schemeClr val="tx1"/>
                               </a:solidFill>
                               <a:latin typeface="Cambria Math"/>
                             </a:rPr>
@@ -7425,7 +8755,7 @@
                           <m:ctrlPr>
                             <a:rPr lang="en-US" sz="2800" b="0" i="1" kern="0" smtClean="0">
                               <a:solidFill>
-                                <a:srgbClr val="000000"/>
+                                <a:schemeClr val="tx1"/>
                               </a:solidFill>
                               <a:latin typeface="Cambria Math"/>
                             </a:rPr>
@@ -7435,7 +8765,7 @@
                           <m:r>
                             <a:rPr lang="en-US" sz="2800" b="0" i="1" kern="0" smtClean="0">
                               <a:solidFill>
-                                <a:srgbClr val="000000"/>
+                                <a:schemeClr val="tx1"/>
                               </a:solidFill>
                               <a:latin typeface="Cambria Math"/>
                             </a:rPr>
@@ -7444,7 +8774,7 @@
                           <m:r>
                             <a:rPr lang="en-US" sz="2800" b="0" i="1" kern="0" smtClean="0">
                               <a:solidFill>
-                                <a:srgbClr val="000000"/>
+                                <a:schemeClr val="tx1"/>
                               </a:solidFill>
                               <a:latin typeface="Cambria Math"/>
                             </a:rPr>
@@ -7453,7 +8783,7 @@
                           <m:r>
                             <a:rPr lang="en-US" sz="2800" b="0" i="1" kern="0" smtClean="0">
                               <a:solidFill>
-                                <a:schemeClr val="accent3"/>
+                                <a:schemeClr val="tx1"/>
                               </a:solidFill>
                               <a:latin typeface="Cambria Math"/>
                             </a:rPr>
@@ -7466,7 +8796,7 @@
                           <m:ctrlPr>
                             <a:rPr lang="en-US" sz="2800" b="0" i="1" kern="0" smtClean="0">
                               <a:solidFill>
-                                <a:srgbClr val="000000"/>
+                                <a:schemeClr val="tx1"/>
                               </a:solidFill>
                               <a:latin typeface="Cambria Math"/>
                             </a:rPr>
@@ -7476,7 +8806,7 @@
                           <m:r>
                             <a:rPr lang="en-US" sz="2800" b="0" i="1" kern="0" smtClean="0">
                               <a:solidFill>
-                                <a:schemeClr val="accent6"/>
+                                <a:schemeClr val="tx1"/>
                               </a:solidFill>
                               <a:latin typeface="Cambria Math"/>
                             </a:rPr>
@@ -7485,7 +8815,7 @@
                           <m:r>
                             <a:rPr lang="en-US" sz="2800" b="0" i="1" kern="0" smtClean="0">
                               <a:solidFill>
-                                <a:srgbClr val="000000"/>
+                                <a:schemeClr val="tx1"/>
                               </a:solidFill>
                               <a:latin typeface="Cambria Math"/>
                             </a:rPr>
@@ -7494,7 +8824,7 @@
                           <m:r>
                             <a:rPr lang="en-US" sz="2800" b="0" i="1" kern="0" smtClean="0">
                               <a:solidFill>
-                                <a:srgbClr val="000000"/>
+                                <a:schemeClr val="tx1"/>
                               </a:solidFill>
                               <a:latin typeface="Cambria Math"/>
                             </a:rPr>
@@ -7518,21 +8848,21 @@
                 </a:pPr>
                 <a:r>
                   <a:rPr lang="en-US" sz="2800" kern="0" dirty="0" smtClean="0">
-                    <a:solidFill>
-                      <a:srgbClr val="000000"/>
-                    </a:solidFill>
                     <a:latin typeface="+mn-lt"/>
                   </a:rPr>
                   <a:t>where </a:t>
                 </a:r>
                 <a:r>
                   <a:rPr lang="en-US" sz="2800" i="1" kern="0" dirty="0" smtClean="0">
-                    <a:solidFill>
-                      <a:schemeClr val="accent4"/>
-                    </a:solidFill>
                     <a:latin typeface="+mn-lt"/>
                   </a:rPr>
                   <a:t>H</a:t>
+                </a:r>
+                <a:r>
+                  <a:rPr lang="en-US" sz="2800" kern="0" dirty="0" smtClean="0">
+                    <a:latin typeface="+mn-lt"/>
+                  </a:rPr>
+                  <a:t> is the </a:t>
                 </a:r>
                 <a:r>
                   <a:rPr lang="en-US" sz="2800" kern="0" dirty="0" smtClean="0">
@@ -7541,7 +8871,7 @@
                     </a:solidFill>
                     <a:latin typeface="+mn-lt"/>
                   </a:rPr>
-                  <a:t> is the relative selective advantage of the double mutant. </a:t>
+                  <a:t>relative selective advantage of the double mutant. </a:t>
                 </a:r>
               </a:p>
               <a:p>
@@ -7555,7 +8885,7 @@
                     </a:solidFill>
                     <a:latin typeface="+mn-lt"/>
                   </a:rPr>
-                  <a:t>It is easy to see that </a:t>
+                  <a:t>This means that </a:t>
                 </a:r>
                 <a14:m>
                   <m:oMath xmlns:m="http://schemas.openxmlformats.org/officeDocument/2006/math">
@@ -7605,7 +8935,7 @@
                     <m:r>
                       <a:rPr lang="en-US" sz="2800" b="0" i="1" kern="0" smtClean="0">
                         <a:solidFill>
-                          <a:srgbClr val="000000"/>
+                          <a:schemeClr val="tx1"/>
                         </a:solidFill>
                         <a:latin typeface="Cambria Math"/>
                       </a:rPr>
@@ -7616,7 +8946,7 @@
                 <a:r>
                   <a:rPr lang="en-US" sz="2800" kern="0" dirty="0" smtClean="0">
                     <a:solidFill>
-                      <a:srgbClr val="000000"/>
+                      <a:schemeClr val="tx1"/>
                     </a:solidFill>
                     <a:latin typeface="+mn-lt"/>
                   </a:rPr>
@@ -7625,9 +8955,9 @@
                 <a14:m>
                   <m:oMath xmlns:m="http://schemas.openxmlformats.org/officeDocument/2006/math">
                     <m:r>
-                      <a:rPr lang="en-US" sz="2800" i="1" kern="0">
+                      <a:rPr lang="en-US" sz="2800" b="0" i="1" kern="0">
                         <a:solidFill>
-                          <a:schemeClr val="accent6"/>
+                          <a:schemeClr val="tx1"/>
                         </a:solidFill>
                         <a:latin typeface="Cambria Math"/>
                       </a:rPr>
@@ -7636,7 +8966,7 @@
                     <m:r>
                       <a:rPr lang="en-US" sz="2800" b="0" i="1" kern="0" smtClean="0">
                         <a:solidFill>
-                          <a:srgbClr val="000000"/>
+                          <a:schemeClr val="tx1"/>
                         </a:solidFill>
                         <a:latin typeface="Cambria Math"/>
                       </a:rPr>
@@ -7645,7 +8975,7 @@
                     <m:r>
                       <a:rPr lang="en-US" sz="2800" b="0" i="1" kern="0" smtClean="0">
                         <a:solidFill>
-                          <a:srgbClr val="000000"/>
+                          <a:schemeClr val="tx1"/>
                         </a:solidFill>
                         <a:latin typeface="Cambria Math"/>
                       </a:rPr>
@@ -7656,12 +8986,36 @@
                 <a:r>
                   <a:rPr lang="en-US" sz="2800" kern="0" dirty="0" smtClean="0">
                     <a:solidFill>
-                      <a:srgbClr val="000000"/>
+                      <a:schemeClr val="tx1"/>
+                    </a:solidFill>
+                    <a:latin typeface="+mn-lt"/>
+                  </a:rPr>
+                  <a:t> – </a:t>
+                </a:r>
+                <a:r>
+                  <a:rPr lang="en-US" sz="2800" b="1" kern="0" dirty="0" smtClean="0">
+                    <a:solidFill>
+                      <a:schemeClr val="tx2"/>
+                    </a:solidFill>
+                    <a:latin typeface="+mn-lt"/>
+                  </a:rPr>
+                  <a:t>SIM increases the fixation probability</a:t>
+                </a:r>
+                <a:r>
+                  <a:rPr lang="en-US" sz="2800" kern="0" dirty="0" smtClean="0">
+                    <a:solidFill>
+                      <a:schemeClr val="tx1"/>
                     </a:solidFill>
                     <a:latin typeface="+mn-lt"/>
                   </a:rPr>
                   <a:t>.</a:t>
                 </a:r>
+                <a:endParaRPr lang="en-US" sz="2800" kern="0" dirty="0" smtClean="0">
+                  <a:solidFill>
+                    <a:schemeClr val="tx1"/>
+                  </a:solidFill>
+                  <a:latin typeface="+mn-lt"/>
+                </a:endParaRPr>
               </a:p>
               <a:p>
                 <a:pPr indent="205704" algn="l" defTabSz="908920" rtl="0">
@@ -7721,62 +9075,46 @@
                     </a:solidFill>
                     <a:latin typeface="+mn-lt"/>
                   </a:rPr>
-                  <a:t>can be approximated by a geometric distribution with </a:t>
+                  <a:t>can be approximated by a geometric distribution </a:t>
+                </a:r>
+                <a:r>
+                  <a:rPr lang="en-US" sz="2800" kern="0" dirty="0" smtClean="0">
+                    <a:latin typeface="+mn-lt"/>
+                  </a:rPr>
+                  <a:t>with </a:t>
                 </a:r>
                 <a:r>
                   <a:rPr lang="en-US" sz="2800" i="1" kern="0" dirty="0" smtClean="0">
-                    <a:solidFill>
-                      <a:srgbClr val="000000"/>
-                    </a:solidFill>
                     <a:latin typeface="+mn-lt"/>
                   </a:rPr>
                   <a:t>1/</a:t>
                 </a:r>
                 <a:r>
                   <a:rPr lang="en-US" sz="2800" i="1" kern="0" dirty="0" err="1" smtClean="0">
-                    <a:solidFill>
-                      <a:schemeClr val="accent6">
-                        <a:lumMod val="50000"/>
-                      </a:schemeClr>
-                    </a:solidFill>
                     <a:latin typeface="+mn-lt"/>
                   </a:rPr>
-                  <a:t>N</a:t>
-                </a:r>
-                <a:r>
-                  <a:rPr lang="en-US" sz="2800" i="1" kern="0" dirty="0" err="1" smtClean="0">
-                    <a:solidFill>
-                      <a:srgbClr val="000000"/>
-                    </a:solidFill>
-                    <a:latin typeface="+mn-lt"/>
-                  </a:rPr>
-                  <a:t>q</a:t>
+                  <a:t>Nq</a:t>
                 </a:r>
                 <a:r>
                   <a:rPr lang="el-GR" sz="2800" i="1" kern="0" dirty="0" smtClean="0">
-                    <a:solidFill>
-                      <a:srgbClr val="000000"/>
-                    </a:solidFill>
                     <a:latin typeface="+mn-lt"/>
                   </a:rPr>
                   <a:t>ρ</a:t>
                 </a:r>
                 <a:r>
                   <a:rPr lang="en-US" sz="2800" kern="0" dirty="0" smtClean="0">
-                    <a:solidFill>
-                      <a:srgbClr val="000000"/>
-                    </a:solidFill>
                     <a:latin typeface="+mn-lt"/>
                   </a:rPr>
-                  <a:t> as the probability, with </a:t>
+                  <a:t> as the </a:t>
+                </a:r>
+                <a:r>
+                  <a:rPr lang="en-US" sz="2800" kern="0" dirty="0" smtClean="0">
+                    <a:latin typeface="+mn-lt"/>
+                  </a:rPr>
+                  <a:t>probability and </a:t>
                 </a:r>
                 <a:r>
                   <a:rPr lang="en-US" sz="2800" i="1" kern="0" dirty="0" smtClean="0">
-                    <a:solidFill>
-                      <a:schemeClr val="accent6">
-                        <a:lumMod val="50000"/>
-                      </a:schemeClr>
-                    </a:solidFill>
                     <a:latin typeface="+mn-lt"/>
                   </a:rPr>
                   <a:t>N </a:t>
@@ -7813,7 +9151,7 @@
                       <m:r>
                         <a:rPr lang="en-US" sz="2800" b="0" i="1" kern="0" smtClean="0">
                           <a:solidFill>
-                            <a:srgbClr val="000000"/>
+                            <a:schemeClr val="tx1"/>
                           </a:solidFill>
                           <a:latin typeface="Cambria Math"/>
                         </a:rPr>
@@ -7822,7 +9160,7 @@
                       <m:r>
                         <a:rPr lang="en-US" sz="2800" b="0" i="1" kern="0" smtClean="0">
                           <a:solidFill>
-                            <a:srgbClr val="000000"/>
+                            <a:schemeClr val="tx1"/>
                           </a:solidFill>
                           <a:latin typeface="Cambria Math"/>
                         </a:rPr>
@@ -7831,29 +9169,18 @@
                       <m:r>
                         <a:rPr lang="en-US" sz="2800" b="0" i="1" kern="0" smtClean="0">
                           <a:solidFill>
-                            <a:schemeClr val="accent6">
-                              <a:lumMod val="50000"/>
-                            </a:schemeClr>
+                            <a:schemeClr val="tx1"/>
                           </a:solidFill>
                           <a:latin typeface="Cambria Math"/>
                         </a:rPr>
-                        <m:t>𝑁</m:t>
-                      </m:r>
-                      <m:r>
-                        <a:rPr lang="en-US" sz="2800" b="0" i="1" kern="0" smtClean="0">
-                          <a:solidFill>
-                            <a:schemeClr val="accent4"/>
-                          </a:solidFill>
-                          <a:latin typeface="Cambria Math"/>
-                        </a:rPr>
-                        <m:t>𝐻</m:t>
+                        <m:t>𝑁𝐻</m:t>
                       </m:r>
                       <m:sSup>
                         <m:sSupPr>
                           <m:ctrlPr>
                             <a:rPr lang="en-US" sz="2800" b="0" i="1" kern="0" smtClean="0">
                               <a:solidFill>
-                                <a:srgbClr val="000000"/>
+                                <a:schemeClr val="tx1"/>
                               </a:solidFill>
                               <a:latin typeface="Cambria Math"/>
                             </a:rPr>
@@ -7863,7 +9190,7 @@
                           <m:r>
                             <a:rPr lang="en-US" sz="2800" b="0" i="1" kern="0" smtClean="0">
                               <a:solidFill>
-                                <a:schemeClr val="accent1"/>
+                                <a:schemeClr val="tx1"/>
                               </a:solidFill>
                               <a:latin typeface="Cambria Math"/>
                             </a:rPr>
@@ -7874,7 +9201,7 @@
                           <m:r>
                             <a:rPr lang="en-US" sz="2800" b="0" i="1" kern="0" smtClean="0">
                               <a:solidFill>
-                                <a:srgbClr val="000000"/>
+                                <a:schemeClr val="tx1"/>
                               </a:solidFill>
                               <a:latin typeface="Cambria Math"/>
                             </a:rPr>
@@ -7887,7 +9214,7 @@
                           <m:ctrlPr>
                             <a:rPr lang="en-US" sz="2800" b="0" i="1" kern="0" smtClean="0">
                               <a:solidFill>
-                                <a:srgbClr val="000000"/>
+                                <a:schemeClr val="tx1"/>
                               </a:solidFill>
                               <a:latin typeface="Cambria Math"/>
                             </a:rPr>
@@ -7897,7 +9224,7 @@
                           <m:r>
                             <a:rPr lang="en-US" sz="2800" b="0" i="1" kern="0" smtClean="0">
                               <a:solidFill>
-                                <a:srgbClr val="000000"/>
+                                <a:schemeClr val="tx1"/>
                               </a:solidFill>
                               <a:latin typeface="Cambria Math"/>
                             </a:rPr>
@@ -7906,7 +9233,7 @@
                           <m:r>
                             <a:rPr lang="en-US" sz="2800" b="0" i="1" kern="0" smtClean="0">
                               <a:solidFill>
-                                <a:srgbClr val="000000"/>
+                                <a:schemeClr val="tx1"/>
                               </a:solidFill>
                               <a:latin typeface="Cambria Math"/>
                             </a:rPr>
@@ -7915,7 +9242,7 @@
                           <m:r>
                             <a:rPr lang="en-US" sz="2800" b="0" i="1" kern="0" smtClean="0">
                               <a:solidFill>
-                                <a:schemeClr val="accent2"/>
+                                <a:schemeClr val="tx1"/>
                               </a:solidFill>
                               <a:latin typeface="Cambria Math"/>
                             </a:rPr>
@@ -7928,7 +9255,7 @@
                           <m:ctrlPr>
                             <a:rPr lang="en-US" sz="2800" b="0" i="1" kern="0" smtClean="0">
                               <a:solidFill>
-                                <a:srgbClr val="000000"/>
+                                <a:schemeClr val="tx1"/>
                               </a:solidFill>
                               <a:latin typeface="Cambria Math"/>
                             </a:rPr>
@@ -7938,7 +9265,7 @@
                           <m:r>
                             <a:rPr lang="en-US" sz="2800" b="0" i="1" kern="0" smtClean="0">
                               <a:solidFill>
-                                <a:srgbClr val="000000"/>
+                                <a:schemeClr val="tx1"/>
                               </a:solidFill>
                               <a:latin typeface="Cambria Math"/>
                             </a:rPr>
@@ -7947,7 +9274,7 @@
                           <m:r>
                             <a:rPr lang="en-US" sz="2800" b="0" i="1" kern="0" smtClean="0">
                               <a:solidFill>
-                                <a:srgbClr val="000000"/>
+                                <a:schemeClr val="tx1"/>
                               </a:solidFill>
                               <a:latin typeface="Cambria Math"/>
                             </a:rPr>
@@ -7956,7 +9283,7 @@
                           <m:r>
                             <a:rPr lang="en-US" sz="2800" b="0" i="1" kern="0" smtClean="0">
                               <a:solidFill>
-                                <a:schemeClr val="accent2"/>
+                                <a:schemeClr val="tx1"/>
                               </a:solidFill>
                               <a:latin typeface="Cambria Math"/>
                             </a:rPr>
@@ -8030,7 +9357,7 @@
                       <m:r>
                         <a:rPr lang="en-US" sz="2800" b="0" i="1" kern="0" smtClean="0">
                           <a:solidFill>
-                            <a:srgbClr val="000000"/>
+                            <a:schemeClr val="tx1"/>
                           </a:solidFill>
                           <a:latin typeface="Cambria Math"/>
                         </a:rPr>
@@ -8039,9 +9366,7 @@
                       <m:r>
                         <a:rPr lang="en-US" sz="2800" b="0" i="1" kern="0" smtClean="0">
                           <a:solidFill>
-                            <a:schemeClr val="accent6">
-                              <a:lumMod val="50000"/>
-                            </a:schemeClr>
+                            <a:schemeClr val="tx1"/>
                           </a:solidFill>
                           <a:latin typeface="Cambria Math"/>
                         </a:rPr>
@@ -8050,7 +9375,7 @@
                       <m:r>
                         <a:rPr lang="en-US" sz="2800" b="0" i="1" kern="0" smtClean="0">
                           <a:solidFill>
-                            <a:schemeClr val="accent6"/>
+                            <a:schemeClr val="tx1"/>
                           </a:solidFill>
                           <a:latin typeface="Cambria Math"/>
                         </a:rPr>
@@ -8061,7 +9386,7 @@
                           <m:ctrlPr>
                             <a:rPr lang="en-US" sz="2800" b="0" i="1" kern="0" smtClean="0">
                               <a:solidFill>
-                                <a:srgbClr val="000000"/>
+                                <a:schemeClr val="tx1"/>
                               </a:solidFill>
                               <a:latin typeface="Cambria Math"/>
                             </a:rPr>
@@ -8071,7 +9396,7 @@
                           <m:r>
                             <a:rPr lang="en-US" sz="2800" b="0" i="1" kern="0" smtClean="0">
                               <a:solidFill>
-                                <a:schemeClr val="accent1"/>
+                                <a:schemeClr val="tx1"/>
                               </a:solidFill>
                               <a:latin typeface="Cambria Math"/>
                             </a:rPr>
@@ -8082,7 +9407,7 @@
                           <m:r>
                             <a:rPr lang="en-US" sz="2800" b="0" i="1" kern="0" smtClean="0">
                               <a:solidFill>
-                                <a:srgbClr val="000000"/>
+                                <a:schemeClr val="tx1"/>
                               </a:solidFill>
                               <a:latin typeface="Cambria Math"/>
                             </a:rPr>
@@ -8095,7 +9420,7 @@
                           <m:ctrlPr>
                             <a:rPr lang="en-US" sz="2800" b="0" i="1" kern="0" smtClean="0">
                               <a:solidFill>
-                                <a:srgbClr val="000000"/>
+                                <a:schemeClr val="tx1"/>
                               </a:solidFill>
                               <a:latin typeface="Cambria Math"/>
                             </a:rPr>
@@ -8105,7 +9430,7 @@
                           <m:r>
                             <a:rPr lang="en-US" sz="2800" b="0" i="1" kern="0" smtClean="0">
                               <a:solidFill>
-                                <a:srgbClr val="000000"/>
+                                <a:schemeClr val="tx1"/>
                               </a:solidFill>
                               <a:latin typeface="Cambria Math"/>
                             </a:rPr>
@@ -8114,7 +9439,7 @@
                           <m:r>
                             <a:rPr lang="en-US" sz="2800" b="0" i="1" kern="0" smtClean="0">
                               <a:solidFill>
-                                <a:srgbClr val="000000"/>
+                                <a:schemeClr val="tx1"/>
                               </a:solidFill>
                               <a:latin typeface="Cambria Math"/>
                             </a:rPr>
@@ -8123,7 +9448,7 @@
                           <m:r>
                             <a:rPr lang="en-US" sz="2800" b="0" i="1" kern="0" smtClean="0">
                               <a:solidFill>
-                                <a:schemeClr val="accent6"/>
+                                <a:schemeClr val="tx1"/>
                               </a:solidFill>
                               <a:latin typeface="Cambria Math"/>
                             </a:rPr>
@@ -8132,7 +9457,7 @@
                           <m:r>
                             <a:rPr lang="en-US" sz="2800" b="0" i="1" kern="0" smtClean="0">
                               <a:solidFill>
-                                <a:schemeClr val="accent2"/>
+                                <a:schemeClr val="tx1"/>
                               </a:solidFill>
                               <a:latin typeface="Cambria Math"/>
                             </a:rPr>
@@ -8145,7 +9470,7 @@
                           <m:ctrlPr>
                             <a:rPr lang="en-US" sz="2800" b="0" i="1" kern="0" smtClean="0">
                               <a:solidFill>
-                                <a:srgbClr val="000000"/>
+                                <a:schemeClr val="tx1"/>
                               </a:solidFill>
                               <a:latin typeface="Cambria Math"/>
                             </a:rPr>
@@ -8155,7 +9480,7 @@
                           <m:r>
                             <a:rPr lang="en-US" sz="2800" b="0" i="1" kern="0" smtClean="0">
                               <a:solidFill>
-                                <a:schemeClr val="accent4"/>
+                                <a:schemeClr val="tx1"/>
                               </a:solidFill>
                               <a:latin typeface="Cambria Math"/>
                             </a:rPr>
@@ -8164,7 +9489,7 @@
                           <m:r>
                             <a:rPr lang="en-US" sz="2800" b="0" i="1" kern="0" smtClean="0">
                               <a:solidFill>
-                                <a:srgbClr val="000000"/>
+                                <a:schemeClr val="tx1"/>
                               </a:solidFill>
                               <a:latin typeface="Cambria Math"/>
                             </a:rPr>
@@ -8175,7 +9500,7 @@
                               <m:ctrlPr>
                                 <a:rPr lang="en-US" sz="2800" b="0" i="1" kern="0" smtClean="0">
                                   <a:solidFill>
-                                    <a:srgbClr val="000000"/>
+                                    <a:schemeClr val="tx1"/>
                                   </a:solidFill>
                                   <a:latin typeface="Cambria Math"/>
                                 </a:rPr>
@@ -8187,7 +9512,7 @@
                                   <m:ctrlPr>
                                     <a:rPr lang="en-US" sz="2800" b="0" i="1" kern="0" smtClean="0">
                                       <a:solidFill>
-                                        <a:srgbClr val="000000"/>
+                                        <a:schemeClr val="tx1"/>
                                       </a:solidFill>
                                       <a:latin typeface="Cambria Math"/>
                                     </a:rPr>
@@ -8197,7 +9522,7 @@
                                   <m:r>
                                     <a:rPr lang="en-US" sz="2800" b="0" i="1" kern="0" smtClean="0">
                                       <a:solidFill>
-                                        <a:schemeClr val="accent2"/>
+                                        <a:schemeClr val="tx1"/>
                                       </a:solidFill>
                                       <a:latin typeface="Cambria Math"/>
                                     </a:rPr>
@@ -8208,7 +9533,7 @@
                                   <m:r>
                                     <a:rPr lang="en-US" sz="2800" b="0" i="1" kern="0" smtClean="0">
                                       <a:solidFill>
-                                        <a:srgbClr val="000000"/>
+                                        <a:schemeClr val="tx1"/>
                                       </a:solidFill>
                                       <a:latin typeface="Cambria Math"/>
                                     </a:rPr>
@@ -8223,7 +9548,7 @@
                                   <m:ctrlPr>
                                     <a:rPr lang="en-US" sz="2800" b="0" i="1" kern="0" smtClean="0">
                                       <a:solidFill>
-                                        <a:srgbClr val="000000"/>
+                                        <a:schemeClr val="tx1"/>
                                       </a:solidFill>
                                       <a:latin typeface="Cambria Math"/>
                                     </a:rPr>
@@ -8233,7 +9558,7 @@
                                   <m:r>
                                     <a:rPr lang="en-US" sz="2800" b="0" i="1" kern="0" smtClean="0">
                                       <a:solidFill>
-                                        <a:schemeClr val="accent3"/>
+                                        <a:schemeClr val="tx1"/>
                                       </a:solidFill>
                                       <a:latin typeface="Cambria Math"/>
                                     </a:rPr>
@@ -8244,7 +9569,7 @@
                                   <m:r>
                                     <a:rPr lang="en-US" sz="2800" b="0" i="1" kern="0" smtClean="0">
                                       <a:solidFill>
-                                        <a:srgbClr val="000000"/>
+                                        <a:schemeClr val="tx1"/>
                                       </a:solidFill>
                                       <a:latin typeface="Cambria Math"/>
                                     </a:rPr>
@@ -8259,7 +9584,7 @@
                               <m:ctrlPr>
                                 <a:rPr lang="en-US" sz="2800" b="0" i="1" kern="0" smtClean="0">
                                   <a:solidFill>
-                                    <a:srgbClr val="000000"/>
+                                    <a:schemeClr val="tx1"/>
                                   </a:solidFill>
                                   <a:latin typeface="Cambria Math"/>
                                 </a:rPr>
@@ -8269,7 +9594,7 @@
                               <m:r>
                                 <a:rPr lang="en-US" sz="2800" b="0" i="1" kern="0" smtClean="0">
                                   <a:solidFill>
-                                    <a:srgbClr val="000000"/>
+                                    <a:schemeClr val="tx1"/>
                                   </a:solidFill>
                                   <a:latin typeface="Cambria Math"/>
                                 </a:rPr>
@@ -8278,7 +9603,7 @@
                               <m:r>
                                 <a:rPr lang="en-US" sz="2800" b="0" i="1" kern="0" smtClean="0">
                                   <a:solidFill>
-                                    <a:srgbClr val="000000"/>
+                                    <a:schemeClr val="tx1"/>
                                   </a:solidFill>
                                   <a:latin typeface="Cambria Math"/>
                                 </a:rPr>
@@ -8287,7 +9612,7 @@
                               <m:r>
                                 <a:rPr lang="en-US" sz="2800" b="0" i="1" kern="0" smtClean="0">
                                   <a:solidFill>
-                                    <a:schemeClr val="accent3"/>
+                                    <a:schemeClr val="tx1"/>
                                   </a:solidFill>
                                   <a:latin typeface="Cambria Math"/>
                                 </a:rPr>
@@ -8300,7 +9625,7 @@
                               <m:ctrlPr>
                                 <a:rPr lang="en-US" sz="2800" b="0" i="1" kern="0" smtClean="0">
                                   <a:solidFill>
-                                    <a:srgbClr val="000000"/>
+                                    <a:schemeClr val="tx1"/>
                                   </a:solidFill>
                                   <a:latin typeface="Cambria Math"/>
                                 </a:rPr>
@@ -8310,7 +9635,7 @@
                               <m:r>
                                 <a:rPr lang="en-US" sz="2800" b="0" i="1" kern="0" smtClean="0">
                                   <a:solidFill>
-                                    <a:schemeClr val="accent6"/>
+                                    <a:schemeClr val="tx1"/>
                                   </a:solidFill>
                                   <a:latin typeface="Cambria Math"/>
                                 </a:rPr>
@@ -8319,7 +9644,7 @@
                               <m:r>
                                 <a:rPr lang="en-US" sz="2800" b="0" i="1" kern="0" smtClean="0">
                                   <a:solidFill>
-                                    <a:srgbClr val="000000"/>
+                                    <a:schemeClr val="tx1"/>
                                   </a:solidFill>
                                   <a:latin typeface="Cambria Math"/>
                                 </a:rPr>
@@ -8328,7 +9653,7 @@
                               <m:r>
                                 <a:rPr lang="en-US" sz="2800" b="0" i="1" kern="0" smtClean="0">
                                   <a:solidFill>
-                                    <a:srgbClr val="000000"/>
+                                    <a:schemeClr val="tx1"/>
                                   </a:solidFill>
                                   <a:latin typeface="Cambria Math"/>
                                 </a:rPr>
@@ -8343,7 +9668,7 @@
                 </a14:m>
                 <a:endParaRPr lang="en-US" sz="2800" kern="0" dirty="0" smtClean="0">
                   <a:solidFill>
-                    <a:srgbClr val="000000"/>
+                    <a:schemeClr val="tx1"/>
                   </a:solidFill>
                   <a:latin typeface="+mn-lt"/>
                 </a:endParaRPr>
@@ -8355,7 +9680,7 @@
                 <a:r>
                   <a:rPr lang="en-US" sz="2800" kern="0" dirty="0" smtClean="0">
                     <a:solidFill>
-                      <a:srgbClr val="000000"/>
+                      <a:schemeClr val="tx1"/>
                     </a:solidFill>
                     <a:latin typeface="+mn-lt"/>
                   </a:rPr>
@@ -8368,7 +9693,7 @@
                         <m:ctrlPr>
                           <a:rPr lang="en-US" sz="2800" i="1" kern="0">
                             <a:solidFill>
-                              <a:srgbClr val="000000"/>
+                              <a:schemeClr val="tx1"/>
                             </a:solidFill>
                             <a:latin typeface="Cambria Math"/>
                           </a:rPr>
@@ -8378,7 +9703,7 @@
                         <m:r>
                           <a:rPr lang="en-US" sz="2800" i="1" kern="0">
                             <a:solidFill>
-                              <a:srgbClr val="000000"/>
+                              <a:schemeClr val="tx1"/>
                             </a:solidFill>
                             <a:latin typeface="Cambria Math"/>
                           </a:rPr>
@@ -8389,7 +9714,7 @@
                         <m:r>
                           <a:rPr lang="en-US" sz="2800" i="1" kern="0">
                             <a:solidFill>
-                              <a:srgbClr val="000000"/>
+                              <a:schemeClr val="tx1"/>
                             </a:solidFill>
                             <a:latin typeface="Cambria Math"/>
                           </a:rPr>
@@ -8400,7 +9725,7 @@
                     <m:r>
                       <a:rPr lang="en-US" sz="2800" b="0" i="1" kern="0" smtClean="0">
                         <a:solidFill>
-                          <a:srgbClr val="000000"/>
+                          <a:schemeClr val="tx1"/>
                         </a:solidFill>
                         <a:latin typeface="Cambria Math"/>
                       </a:rPr>
@@ -8409,7 +9734,7 @@
                     <m:r>
                       <a:rPr lang="en-US" sz="2800" b="0" i="1" kern="0" smtClean="0">
                         <a:solidFill>
-                          <a:srgbClr val="000000"/>
+                          <a:schemeClr val="tx1"/>
                         </a:solidFill>
                         <a:latin typeface="Cambria Math"/>
                       </a:rPr>
@@ -8420,7 +9745,7 @@
                 <a:r>
                   <a:rPr lang="en-US" sz="2800" kern="0" dirty="0" smtClean="0">
                     <a:solidFill>
-                      <a:srgbClr val="000000"/>
+                      <a:schemeClr val="tx1"/>
                     </a:solidFill>
                     <a:latin typeface="+mn-lt"/>
                   </a:rPr>
@@ -8428,53 +9753,19 @@
                 </a:r>
                 <a14:m>
                   <m:oMath xmlns:m="http://schemas.openxmlformats.org/officeDocument/2006/math">
-                    <m:sSup>
-                      <m:sSupPr>
-                        <m:ctrlPr>
-                          <a:rPr lang="en-US" sz="2800" b="0" i="1" kern="0" smtClean="0">
-                            <a:solidFill>
-                              <a:srgbClr val="000000"/>
-                            </a:solidFill>
-                            <a:latin typeface="Cambria Math"/>
-                          </a:rPr>
-                        </m:ctrlPr>
-                      </m:sSupPr>
-                      <m:e>
-                        <m:r>
-                          <a:rPr lang="en-US" sz="2800" b="0" i="1" kern="0" smtClean="0">
-                            <a:solidFill>
-                              <a:schemeClr val="accent2"/>
-                            </a:solidFill>
-                            <a:latin typeface="Cambria Math"/>
-                          </a:rPr>
-                          <m:t>𝑈</m:t>
-                        </m:r>
-                      </m:e>
-                      <m:sup>
-                        <m:r>
-                          <a:rPr lang="en-US" sz="2800" b="0" i="1" kern="0" smtClean="0">
-                            <a:solidFill>
-                              <a:srgbClr val="000000"/>
-                            </a:solidFill>
-                            <a:latin typeface="Cambria Math"/>
-                          </a:rPr>
-                          <m:t>−</m:t>
-                        </m:r>
-                        <m:r>
-                          <a:rPr lang="en-US" sz="2800" b="0" i="1" kern="0" smtClean="0">
-                            <a:solidFill>
-                              <a:srgbClr val="000000"/>
-                            </a:solidFill>
-                            <a:latin typeface="Cambria Math"/>
-                          </a:rPr>
-                          <m:t>1</m:t>
-                        </m:r>
-                      </m:sup>
-                    </m:sSup>
                     <m:r>
                       <a:rPr lang="en-US" sz="2800" b="0" i="1" kern="0" smtClean="0">
                         <a:solidFill>
-                          <a:srgbClr val="000000"/>
+                          <a:schemeClr val="tx1"/>
+                        </a:solidFill>
+                        <a:latin typeface="Cambria Math"/>
+                      </a:rPr>
+                      <m:t>1</m:t>
+                    </m:r>
+                    <m:r>
+                      <a:rPr lang="en-US" sz="2800" b="0" i="1" kern="0" smtClean="0">
+                        <a:solidFill>
+                          <a:schemeClr val="tx1"/>
                         </a:solidFill>
                         <a:latin typeface="Cambria Math"/>
                       </a:rPr>
@@ -8483,7 +9774,7 @@
                     <m:r>
                       <a:rPr lang="en-US" sz="2800" b="0" i="1" kern="0" smtClean="0">
                         <a:solidFill>
-                          <a:schemeClr val="accent6"/>
+                          <a:schemeClr val="tx1"/>
                         </a:solidFill>
                         <a:latin typeface="Cambria Math"/>
                       </a:rPr>
@@ -8492,7 +9783,16 @@
                     <m:r>
                       <a:rPr lang="en-US" sz="2800" b="0" i="1" kern="0" smtClean="0">
                         <a:solidFill>
-                          <a:srgbClr val="000000"/>
+                          <a:schemeClr val="tx1"/>
+                        </a:solidFill>
+                        <a:latin typeface="Cambria Math"/>
+                      </a:rPr>
+                      <m:t>𝑈</m:t>
+                    </m:r>
+                    <m:r>
+                      <a:rPr lang="en-US" sz="2800" b="0" i="1" kern="0" smtClean="0">
+                        <a:solidFill>
+                          <a:schemeClr val="tx1"/>
                         </a:solidFill>
                         <a:latin typeface="Cambria Math"/>
                       </a:rPr>
@@ -8501,11 +9801,11 @@
                     <m:r>
                       <a:rPr lang="en-US" sz="2800" b="0" i="1" kern="0" smtClean="0">
                         <a:solidFill>
-                          <a:srgbClr val="000000"/>
+                          <a:schemeClr val="tx1"/>
                         </a:solidFill>
                         <a:latin typeface="Cambria Math"/>
                       </a:rPr>
-                      <m:t>1</m:t>
+                      <m:t>𝑈</m:t>
                     </m:r>
                   </m:oMath>
                 </a14:m>
@@ -8516,8 +9816,32 @@
                     </a:solidFill>
                     <a:latin typeface="+mn-lt"/>
                   </a:rPr>
-                  <a:t>. </a:t>
+                  <a:t> – </a:t>
                 </a:r>
+                <a:r>
+                  <a:rPr lang="en-US" sz="2800" b="1" kern="0" dirty="0" smtClean="0">
+                    <a:solidFill>
+                      <a:schemeClr val="tx2"/>
+                    </a:solidFill>
+                    <a:latin typeface="+mn-lt"/>
+                  </a:rPr>
+                  <a:t>SIM increases the adaption rate if the increased mutation rate is below 1</a:t>
+                </a:r>
+                <a:r>
+                  <a:rPr lang="en-US" sz="2800" kern="0" dirty="0" smtClean="0">
+                    <a:solidFill>
+                      <a:srgbClr val="000000"/>
+                    </a:solidFill>
+                    <a:latin typeface="+mn-lt"/>
+                  </a:rPr>
+                  <a:t>.</a:t>
+                </a:r>
+                <a:endParaRPr lang="en-US" sz="2800" kern="0" dirty="0" smtClean="0">
+                  <a:solidFill>
+                    <a:srgbClr val="000000"/>
+                  </a:solidFill>
+                  <a:latin typeface="+mn-lt"/>
+                </a:endParaRPr>
               </a:p>
               <a:p>
                 <a:pPr indent="205704" algn="l" defTabSz="908920" rtl="0">
@@ -8555,7 +9879,7 @@
             </p:txBody>
           </p:sp>
         </mc:Choice>
-        <mc:Fallback xmlns="">
+        <mc:Fallback>
           <p:sp>
             <p:nvSpPr>
               <p:cNvPr id="101" name="Text Box 13"/>
@@ -8835,22 +10159,31 @@
               <a:t>suggest that </a:t>
             </a:r>
             <a:r>
-              <a:rPr lang="en-US" sz="2800" kern="0" dirty="0" smtClean="0">
+              <a:rPr lang="en-US" sz="2800" b="1" kern="0" dirty="0" smtClean="0">
+                <a:solidFill>
+                  <a:schemeClr val="tx2"/>
+                </a:solidFill>
+                <a:latin typeface="+mn-lt"/>
+              </a:rPr>
+              <a:t>stress-induced </a:t>
+            </a:r>
+            <a:r>
+              <a:rPr lang="en-US" sz="2800" b="1" kern="0" dirty="0">
+                <a:solidFill>
+                  <a:schemeClr val="tx2"/>
+                </a:solidFill>
+                <a:latin typeface="+mn-lt"/>
+              </a:rPr>
+              <a:t>mutagenesis can resolve the problem of adaptive peak shifts </a:t>
+            </a:r>
+            <a:r>
+              <a:rPr lang="en-US" sz="2800" kern="0" dirty="0">
                 <a:solidFill>
                   <a:srgbClr val="000000"/>
                 </a:solidFill>
                 <a:latin typeface="+mn-lt"/>
               </a:rPr>
-              <a:t>stress-induced </a:t>
-            </a:r>
-            <a:r>
-              <a:rPr lang="en-US" sz="2800" kern="0" dirty="0">
-                <a:solidFill>
-                  <a:srgbClr val="000000"/>
-                </a:solidFill>
-                <a:latin typeface="+mn-lt"/>
-              </a:rPr>
-              <a:t>mutagenesis can resolve the problem of adaptive peak shifts by increasing the capacity </a:t>
+              <a:t>by increasing the capacity </a:t>
             </a:r>
             <a:r>
               <a:rPr lang="en-US" sz="2800" kern="0" dirty="0" smtClean="0">
@@ -9132,94 +10465,6 @@
       </p:sp>
       <p:sp>
         <p:nvSpPr>
-          <p:cNvPr id="59" name="TextBox 58"/>
-          <p:cNvSpPr txBox="1"/>
-          <p:nvPr/>
-        </p:nvSpPr>
-        <p:spPr>
-          <a:xfrm>
-            <a:off x="3027946" y="19750633"/>
-            <a:ext cx="10409860" cy="2140099"/>
-          </a:xfrm>
-          <a:prstGeom prst="rect">
-            <a:avLst/>
-          </a:prstGeom>
-          <a:noFill/>
-          <a:ln>
-            <a:noFill/>
-          </a:ln>
-        </p:spPr>
-        <p:txBody>
-          <a:bodyPr wrap="square" lIns="104498" tIns="52249" rIns="104498" bIns="52249" rtlCol="0">
-            <a:noAutofit/>
-          </a:bodyPr>
-          <a:lstStyle/>
-          <a:p>
-            <a:pPr algn="ctr" defTabSz="1044976" rtl="0">
-              <a:defRPr/>
-            </a:pPr>
-            <a:r>
-              <a:rPr lang="en-US" sz="2000" b="1" kern="0" dirty="0">
-                <a:solidFill>
-                  <a:sysClr val="windowText" lastClr="000000"/>
-                </a:solidFill>
-                <a:latin typeface="Helvetica" pitchFamily="34" charset="0"/>
-                <a:cs typeface="Helvetica" pitchFamily="34" charset="0"/>
-              </a:rPr>
-              <a:t>Figure 1. </a:t>
-            </a:r>
-            <a:r>
-              <a:rPr lang="en-US" sz="2000" b="1" kern="0" dirty="0" smtClean="0">
-                <a:solidFill>
-                  <a:sysClr val="windowText" lastClr="000000"/>
-                </a:solidFill>
-                <a:latin typeface="Helvetica" pitchFamily="34" charset="0"/>
-                <a:cs typeface="Helvetica" pitchFamily="34" charset="0"/>
-              </a:rPr>
-              <a:t>Fitness landscape metaphor.</a:t>
-            </a:r>
-            <a:r>
-              <a:rPr lang="en-US" sz="2000" kern="0" dirty="0" smtClean="0">
-                <a:solidFill>
-                  <a:sysClr val="windowText" lastClr="000000"/>
-                </a:solidFill>
-                <a:latin typeface="Helvetica" pitchFamily="34" charset="0"/>
-                <a:cs typeface="Helvetica" pitchFamily="34" charset="0"/>
-              </a:rPr>
-              <a:t> </a:t>
-            </a:r>
-            <a:r>
-              <a:rPr lang="en-US" sz="2000" kern="0" dirty="0">
-                <a:solidFill>
-                  <a:sysClr val="windowText" lastClr="000000"/>
-                </a:solidFill>
-                <a:latin typeface="Helvetica" pitchFamily="34" charset="0"/>
-                <a:cs typeface="Helvetica" pitchFamily="34" charset="0"/>
-              </a:rPr>
-              <a:t>Height represents fitness and  different geographic coordinates represent different genotypes. Mutation and drift move the population in all directions whereas selection drives the population uphill</a:t>
-            </a:r>
-            <a:r>
-              <a:rPr lang="en-US" sz="2000" kern="0" dirty="0" smtClean="0">
-                <a:solidFill>
-                  <a:sysClr val="windowText" lastClr="000000"/>
-                </a:solidFill>
-                <a:latin typeface="Helvetica" pitchFamily="34" charset="0"/>
-                <a:cs typeface="Helvetica" pitchFamily="34" charset="0"/>
-              </a:rPr>
-              <a:t>. (A) A single-peak fitness landscape. Selection drives the population uphill towards the global maximum. (B) A multi-peak rugged fitness landscape. Selection drives the population uphill towards the closest peak – the global or local maximum.</a:t>
-            </a:r>
-            <a:endParaRPr lang="en-US" sz="2000" b="1" kern="0" dirty="0">
-              <a:solidFill>
-                <a:sysClr val="windowText" lastClr="000000"/>
-              </a:solidFill>
-              <a:latin typeface="Helvetica" pitchFamily="34" charset="0"/>
-              <a:cs typeface="Helvetica" pitchFamily="34" charset="0"/>
-            </a:endParaRPr>
-          </a:p>
-        </p:txBody>
-      </p:sp>
-      <p:sp>
-        <p:nvSpPr>
           <p:cNvPr id="151" name="Text Box 15"/>
           <p:cNvSpPr txBox="1">
             <a:spLocks noChangeArrowheads="1"/>
@@ -9814,7 +11059,7 @@
         </p:nvGrpSpPr>
         <p:grpSpPr>
           <a:xfrm>
-            <a:off x="4384661" y="11809612"/>
+            <a:off x="4384661" y="11593588"/>
             <a:ext cx="7687277" cy="3114674"/>
             <a:chOff x="4296747" y="14687552"/>
             <a:chExt cx="7687277" cy="3114674"/>
@@ -10139,522 +11384,13 @@
       </p:grpSp>
       <p:grpSp>
         <p:nvGrpSpPr>
-          <p:cNvPr id="7" name="Group 6"/>
-          <p:cNvGrpSpPr/>
-          <p:nvPr/>
-        </p:nvGrpSpPr>
-        <p:grpSpPr>
-          <a:xfrm>
-            <a:off x="4393814" y="15522569"/>
-            <a:ext cx="7678124" cy="3132413"/>
-            <a:chOff x="12139982" y="22166642"/>
-            <a:chExt cx="7678124" cy="3132413"/>
-          </a:xfrm>
-          <a:effectLst>
-            <a:outerShdw blurRad="50800" dist="38100" dir="2700000" algn="tl" rotWithShape="0">
-              <a:prstClr val="black">
-                <a:alpha val="40000"/>
-              </a:prstClr>
-            </a:outerShdw>
-          </a:effectLst>
-        </p:grpSpPr>
-        <p:grpSp>
-          <p:nvGrpSpPr>
-            <p:cNvPr id="2" name="Group 1"/>
-            <p:cNvGrpSpPr/>
-            <p:nvPr/>
-          </p:nvGrpSpPr>
-          <p:grpSpPr>
-            <a:xfrm>
-              <a:off x="12139982" y="22166642"/>
-              <a:ext cx="7678124" cy="3132413"/>
-              <a:chOff x="4300513" y="20870586"/>
-              <a:chExt cx="7678124" cy="3132413"/>
-            </a:xfrm>
-          </p:grpSpPr>
-          <p:pic>
-            <p:nvPicPr>
-              <p:cNvPr id="21" name="Picture 2" descr="http://upload.wikimedia.org/wikipedia/commons/2/29/Le_Dorje_Lakpa_(Himalaya,_N%C3%A9pal)_(8449549937).jpg"/>
-              <p:cNvPicPr>
-                <a:picLocks noChangeAspect="1" noChangeArrowheads="1"/>
-              </p:cNvPicPr>
-              <p:nvPr/>
-            </p:nvPicPr>
-            <p:blipFill rotWithShape="1">
-              <a:blip r:embed="rId4">
-                <a:extLst>
-                  <a:ext uri="{28A0092B-C50C-407E-A947-70E740481C1C}">
-                    <a14:useLocalDpi xmlns:a14="http://schemas.microsoft.com/office/drawing/2010/main" val="0"/>
-                  </a:ext>
-                </a:extLst>
-              </a:blip>
-              <a:srcRect t="23545" b="22073"/>
-              <a:stretch/>
-            </p:blipFill>
-            <p:spPr bwMode="auto">
-              <a:xfrm>
-                <a:off x="4300513" y="20870586"/>
-                <a:ext cx="7678124" cy="3132413"/>
-              </a:xfrm>
-              <a:prstGeom prst="rect">
-                <a:avLst/>
-              </a:prstGeom>
-              <a:ln>
-                <a:noFill/>
-              </a:ln>
-              <a:effectLst>
-                <a:outerShdw blurRad="292100" dist="139700" dir="2700000" algn="tl" rotWithShape="0">
-                  <a:srgbClr val="333333">
-                    <a:alpha val="65000"/>
-                  </a:srgbClr>
-                </a:outerShdw>
-              </a:effectLst>
-              <a:extLst>
-                <a:ext uri="{909E8E84-426E-40DD-AFC4-6F175D3DCCD1}">
-                  <a14:hiddenFill xmlns:a14="http://schemas.microsoft.com/office/drawing/2010/main">
-                    <a:solidFill>
-                      <a:srgbClr val="FFFFFF"/>
-                    </a:solidFill>
-                  </a14:hiddenFill>
-                </a:ext>
-              </a:extLst>
-            </p:spPr>
-          </p:pic>
-          <p:sp>
-            <p:nvSpPr>
-              <p:cNvPr id="22" name="Oval 21"/>
-              <p:cNvSpPr/>
-              <p:nvPr/>
-            </p:nvSpPr>
-            <p:spPr>
-              <a:xfrm>
-                <a:off x="8594781" y="21239112"/>
-                <a:ext cx="469216" cy="469216"/>
-              </a:xfrm>
-              <a:prstGeom prst="ellipse">
-                <a:avLst/>
-              </a:prstGeom>
-              <a:noFill/>
-              <a:ln w="76200">
-                <a:solidFill>
-                  <a:schemeClr val="tx1"/>
-                </a:solidFill>
-              </a:ln>
-              <a:effectLst>
-                <a:glow rad="101600">
-                  <a:schemeClr val="accent4">
-                    <a:satMod val="175000"/>
-                    <a:alpha val="40000"/>
-                  </a:schemeClr>
-                </a:glow>
-              </a:effectLst>
-            </p:spPr>
-            <p:style>
-              <a:lnRef idx="2">
-                <a:schemeClr val="accent4"/>
-              </a:lnRef>
-              <a:fillRef idx="1">
-                <a:schemeClr val="lt1"/>
-              </a:fillRef>
-              <a:effectRef idx="0">
-                <a:schemeClr val="accent4"/>
-              </a:effectRef>
-              <a:fontRef idx="minor">
-                <a:schemeClr val="dk1"/>
-              </a:fontRef>
-            </p:style>
-            <p:txBody>
-              <a:bodyPr rtlCol="1" anchor="ctr"/>
-              <a:lstStyle/>
-              <a:p>
-                <a:pPr algn="ctr"/>
-                <a:endParaRPr lang="he-IL"/>
-              </a:p>
-            </p:txBody>
-          </p:sp>
-          <p:cxnSp>
-            <p:nvCxnSpPr>
-              <p:cNvPr id="24" name="Straight Arrow Connector 23"/>
-              <p:cNvCxnSpPr/>
-              <p:nvPr/>
-            </p:nvCxnSpPr>
-            <p:spPr>
-              <a:xfrm flipV="1">
-                <a:off x="4440120" y="22152238"/>
-                <a:ext cx="1054784" cy="836230"/>
-              </a:xfrm>
-              <a:prstGeom prst="straightConnector1">
-                <a:avLst/>
-              </a:prstGeom>
-              <a:ln w="38100">
-                <a:solidFill>
-                  <a:schemeClr val="tx1"/>
-                </a:solidFill>
-                <a:tailEnd type="arrow"/>
-              </a:ln>
-            </p:spPr>
-            <p:style>
-              <a:lnRef idx="1">
-                <a:schemeClr val="accent1"/>
-              </a:lnRef>
-              <a:fillRef idx="0">
-                <a:schemeClr val="accent1"/>
-              </a:fillRef>
-              <a:effectRef idx="0">
-                <a:schemeClr val="accent1"/>
-              </a:effectRef>
-              <a:fontRef idx="minor">
-                <a:schemeClr val="tx1"/>
-              </a:fontRef>
-            </p:style>
-          </p:cxnSp>
-          <p:cxnSp>
-            <p:nvCxnSpPr>
-              <p:cNvPr id="26" name="Straight Arrow Connector 25"/>
-              <p:cNvCxnSpPr/>
-              <p:nvPr/>
-            </p:nvCxnSpPr>
-            <p:spPr>
-              <a:xfrm flipH="1" flipV="1">
-                <a:off x="9083315" y="21473721"/>
-                <a:ext cx="609600" cy="600347"/>
-              </a:xfrm>
-              <a:prstGeom prst="straightConnector1">
-                <a:avLst/>
-              </a:prstGeom>
-              <a:ln w="38100">
-                <a:solidFill>
-                  <a:schemeClr val="tx1"/>
-                </a:solidFill>
-                <a:tailEnd type="arrow"/>
-              </a:ln>
-            </p:spPr>
-            <p:style>
-              <a:lnRef idx="1">
-                <a:schemeClr val="accent1"/>
-              </a:lnRef>
-              <a:fillRef idx="0">
-                <a:schemeClr val="accent1"/>
-              </a:fillRef>
-              <a:effectRef idx="0">
-                <a:schemeClr val="accent1"/>
-              </a:effectRef>
-              <a:fontRef idx="minor">
-                <a:schemeClr val="tx1"/>
-              </a:fontRef>
-            </p:style>
-          </p:cxnSp>
-          <p:cxnSp>
-            <p:nvCxnSpPr>
-              <p:cNvPr id="27" name="Straight Arrow Connector 26"/>
-              <p:cNvCxnSpPr/>
-              <p:nvPr/>
-            </p:nvCxnSpPr>
-            <p:spPr>
-              <a:xfrm flipH="1" flipV="1">
-                <a:off x="11020783" y="22029332"/>
-                <a:ext cx="429737" cy="489632"/>
-              </a:xfrm>
-              <a:prstGeom prst="straightConnector1">
-                <a:avLst/>
-              </a:prstGeom>
-              <a:ln w="38100">
-                <a:solidFill>
-                  <a:schemeClr val="tx1"/>
-                </a:solidFill>
-                <a:tailEnd type="arrow"/>
-              </a:ln>
-            </p:spPr>
-            <p:style>
-              <a:lnRef idx="1">
-                <a:schemeClr val="accent1"/>
-              </a:lnRef>
-              <a:fillRef idx="0">
-                <a:schemeClr val="accent1"/>
-              </a:fillRef>
-              <a:effectRef idx="0">
-                <a:schemeClr val="accent1"/>
-              </a:effectRef>
-              <a:fontRef idx="minor">
-                <a:schemeClr val="tx1"/>
-              </a:fontRef>
-            </p:style>
-          </p:cxnSp>
-          <p:sp>
-            <p:nvSpPr>
-              <p:cNvPr id="28" name="Oval 27"/>
-              <p:cNvSpPr/>
-              <p:nvPr/>
-            </p:nvSpPr>
-            <p:spPr>
-              <a:xfrm>
-                <a:off x="5571104" y="21932034"/>
-                <a:ext cx="469216" cy="469216"/>
-              </a:xfrm>
-              <a:prstGeom prst="ellipse">
-                <a:avLst/>
-              </a:prstGeom>
-              <a:noFill/>
-              <a:ln w="76200">
-                <a:solidFill>
-                  <a:schemeClr val="tx1"/>
-                </a:solidFill>
-              </a:ln>
-              <a:effectLst>
-                <a:glow rad="101600">
-                  <a:schemeClr val="accent4">
-                    <a:satMod val="175000"/>
-                    <a:alpha val="40000"/>
-                  </a:schemeClr>
-                </a:glow>
-              </a:effectLst>
-            </p:spPr>
-            <p:style>
-              <a:lnRef idx="2">
-                <a:schemeClr val="accent4"/>
-              </a:lnRef>
-              <a:fillRef idx="1">
-                <a:schemeClr val="lt1"/>
-              </a:fillRef>
-              <a:effectRef idx="0">
-                <a:schemeClr val="accent4"/>
-              </a:effectRef>
-              <a:fontRef idx="minor">
-                <a:schemeClr val="dk1"/>
-              </a:fontRef>
-            </p:style>
-            <p:txBody>
-              <a:bodyPr rtlCol="1" anchor="ctr"/>
-              <a:lstStyle/>
-              <a:p>
-                <a:pPr algn="ctr"/>
-                <a:endParaRPr lang="he-IL"/>
-              </a:p>
-            </p:txBody>
-          </p:sp>
-          <p:cxnSp>
-            <p:nvCxnSpPr>
-              <p:cNvPr id="29" name="Straight Arrow Connector 28"/>
-              <p:cNvCxnSpPr/>
-              <p:nvPr/>
-            </p:nvCxnSpPr>
-            <p:spPr>
-              <a:xfrm flipH="1" flipV="1">
-                <a:off x="6088187" y="22278060"/>
-                <a:ext cx="1018933" cy="481808"/>
-              </a:xfrm>
-              <a:prstGeom prst="straightConnector1">
-                <a:avLst/>
-              </a:prstGeom>
-              <a:ln w="38100">
-                <a:solidFill>
-                  <a:schemeClr val="tx1"/>
-                </a:solidFill>
-                <a:tailEnd type="arrow"/>
-              </a:ln>
-            </p:spPr>
-            <p:style>
-              <a:lnRef idx="1">
-                <a:schemeClr val="accent1"/>
-              </a:lnRef>
-              <a:fillRef idx="0">
-                <a:schemeClr val="accent1"/>
-              </a:fillRef>
-              <a:effectRef idx="0">
-                <a:schemeClr val="accent1"/>
-              </a:effectRef>
-              <a:fontRef idx="minor">
-                <a:schemeClr val="tx1"/>
-              </a:fontRef>
-            </p:style>
-          </p:cxnSp>
-          <p:sp>
-            <p:nvSpPr>
-              <p:cNvPr id="30" name="Oval 29"/>
-              <p:cNvSpPr/>
-              <p:nvPr/>
-            </p:nvSpPr>
-            <p:spPr>
-              <a:xfrm>
-                <a:off x="10002720" y="21539286"/>
-                <a:ext cx="469216" cy="469216"/>
-              </a:xfrm>
-              <a:prstGeom prst="ellipse">
-                <a:avLst/>
-              </a:prstGeom>
-              <a:noFill/>
-              <a:ln w="76200">
-                <a:solidFill>
-                  <a:schemeClr val="tx1"/>
-                </a:solidFill>
-              </a:ln>
-              <a:effectLst>
-                <a:glow rad="101600">
-                  <a:schemeClr val="accent4">
-                    <a:satMod val="175000"/>
-                    <a:alpha val="40000"/>
-                  </a:schemeClr>
-                </a:glow>
-              </a:effectLst>
-            </p:spPr>
-            <p:style>
-              <a:lnRef idx="2">
-                <a:schemeClr val="accent4"/>
-              </a:lnRef>
-              <a:fillRef idx="1">
-                <a:schemeClr val="lt1"/>
-              </a:fillRef>
-              <a:effectRef idx="0">
-                <a:schemeClr val="accent4"/>
-              </a:effectRef>
-              <a:fontRef idx="minor">
-                <a:schemeClr val="dk1"/>
-              </a:fontRef>
-            </p:style>
-            <p:txBody>
-              <a:bodyPr rtlCol="1" anchor="ctr"/>
-              <a:lstStyle/>
-              <a:p>
-                <a:pPr algn="ctr"/>
-                <a:endParaRPr lang="he-IL"/>
-              </a:p>
-            </p:txBody>
-          </p:sp>
-          <p:sp>
-            <p:nvSpPr>
-              <p:cNvPr id="31" name="Oval 30"/>
-              <p:cNvSpPr/>
-              <p:nvPr/>
-            </p:nvSpPr>
-            <p:spPr>
-              <a:xfrm>
-                <a:off x="10551566" y="21616868"/>
-                <a:ext cx="469216" cy="469216"/>
-              </a:xfrm>
-              <a:prstGeom prst="ellipse">
-                <a:avLst/>
-              </a:prstGeom>
-              <a:noFill/>
-              <a:ln w="76200">
-                <a:solidFill>
-                  <a:schemeClr val="tx1"/>
-                </a:solidFill>
-              </a:ln>
-              <a:effectLst>
-                <a:glow rad="101600">
-                  <a:schemeClr val="accent4">
-                    <a:satMod val="175000"/>
-                    <a:alpha val="40000"/>
-                  </a:schemeClr>
-                </a:glow>
-              </a:effectLst>
-            </p:spPr>
-            <p:style>
-              <a:lnRef idx="2">
-                <a:schemeClr val="accent4"/>
-              </a:lnRef>
-              <a:fillRef idx="1">
-                <a:schemeClr val="lt1"/>
-              </a:fillRef>
-              <a:effectRef idx="0">
-                <a:schemeClr val="accent4"/>
-              </a:effectRef>
-              <a:fontRef idx="minor">
-                <a:schemeClr val="dk1"/>
-              </a:fontRef>
-            </p:style>
-            <p:txBody>
-              <a:bodyPr rtlCol="1" anchor="ctr"/>
-              <a:lstStyle/>
-              <a:p>
-                <a:pPr algn="ctr"/>
-                <a:endParaRPr lang="he-IL"/>
-              </a:p>
-            </p:txBody>
-          </p:sp>
-          <p:cxnSp>
-            <p:nvCxnSpPr>
-              <p:cNvPr id="32" name="Straight Arrow Connector 31"/>
-              <p:cNvCxnSpPr/>
-              <p:nvPr/>
-            </p:nvCxnSpPr>
-            <p:spPr>
-              <a:xfrm flipV="1">
-                <a:off x="9692915" y="21851476"/>
-                <a:ext cx="214868" cy="234608"/>
-              </a:xfrm>
-              <a:prstGeom prst="straightConnector1">
-                <a:avLst/>
-              </a:prstGeom>
-              <a:ln w="38100">
-                <a:solidFill>
-                  <a:schemeClr val="tx1"/>
-                </a:solidFill>
-                <a:tailEnd type="arrow"/>
-              </a:ln>
-            </p:spPr>
-            <p:style>
-              <a:lnRef idx="1">
-                <a:schemeClr val="accent1"/>
-              </a:lnRef>
-              <a:fillRef idx="0">
-                <a:schemeClr val="accent1"/>
-              </a:fillRef>
-              <a:effectRef idx="0">
-                <a:schemeClr val="accent1"/>
-              </a:effectRef>
-              <a:fontRef idx="minor">
-                <a:schemeClr val="tx1"/>
-              </a:fontRef>
-            </p:style>
-          </p:cxnSp>
-        </p:grpSp>
-        <p:cxnSp>
-          <p:nvCxnSpPr>
-            <p:cNvPr id="25" name="Straight Arrow Connector 24"/>
-            <p:cNvCxnSpPr/>
-            <p:nvPr/>
-          </p:nvCxnSpPr>
-          <p:spPr>
-            <a:xfrm flipV="1">
-              <a:off x="14902219" y="22964409"/>
-              <a:ext cx="1445376" cy="1091515"/>
-            </a:xfrm>
-            <a:prstGeom prst="straightConnector1">
-              <a:avLst/>
-            </a:prstGeom>
-            <a:ln w="38100">
-              <a:solidFill>
-                <a:schemeClr val="tx1"/>
-              </a:solidFill>
-              <a:tailEnd type="arrow"/>
-            </a:ln>
-          </p:spPr>
-          <p:style>
-            <a:lnRef idx="1">
-              <a:schemeClr val="accent1"/>
-            </a:lnRef>
-            <a:fillRef idx="0">
-              <a:schemeClr val="accent1"/>
-            </a:fillRef>
-            <a:effectRef idx="0">
-              <a:schemeClr val="accent1"/>
-            </a:effectRef>
-            <a:fontRef idx="minor">
-              <a:schemeClr val="tx1"/>
-            </a:fontRef>
-          </p:style>
-        </p:cxnSp>
-      </p:grpSp>
-      <p:grpSp>
-        <p:nvGrpSpPr>
           <p:cNvPr id="13" name="Group 12"/>
           <p:cNvGrpSpPr/>
           <p:nvPr/>
         </p:nvGrpSpPr>
         <p:grpSpPr>
           <a:xfrm>
-            <a:off x="3273049" y="12777051"/>
+            <a:off x="3273049" y="12561027"/>
             <a:ext cx="689086" cy="4863401"/>
             <a:chOff x="3199646" y="19239441"/>
             <a:chExt cx="689086" cy="4863401"/>
@@ -10739,7 +11475,7 @@
         </p:nvGrpSpPr>
         <p:grpSpPr>
           <a:xfrm>
-            <a:off x="5906379" y="19010412"/>
+            <a:off x="5906379" y="18794388"/>
             <a:ext cx="4863401" cy="646331"/>
             <a:chOff x="5832976" y="24915068"/>
             <a:chExt cx="4863401" cy="646331"/>
@@ -10817,258 +11553,6 @@
           </p:txBody>
         </p:sp>
       </p:grpSp>
-      <p:sp>
-        <p:nvSpPr>
-          <p:cNvPr id="15" name="Rectangle 14"/>
-          <p:cNvSpPr/>
-          <p:nvPr/>
-        </p:nvSpPr>
-        <p:spPr>
-          <a:xfrm>
-            <a:off x="16742664" y="38878990"/>
-            <a:ext cx="9584690" cy="2246769"/>
-          </a:xfrm>
-          <a:prstGeom prst="rect">
-            <a:avLst/>
-          </a:prstGeom>
-        </p:spPr>
-        <p:txBody>
-          <a:bodyPr wrap="square">
-            <a:spAutoFit/>
-          </a:bodyPr>
-          <a:lstStyle/>
-          <a:p>
-            <a:pPr algn="ctr" rtl="0"/>
-            <a:r>
-              <a:rPr lang="en-GB" sz="2000" b="1" kern="0" dirty="0">
-                <a:solidFill>
-                  <a:sysClr val="windowText" lastClr="000000"/>
-                </a:solidFill>
-                <a:latin typeface="Helvetica" pitchFamily="34" charset="0"/>
-                <a:cs typeface="Helvetica" pitchFamily="34" charset="0"/>
-              </a:rPr>
-              <a:t>Figure </a:t>
-            </a:r>
-            <a:r>
-              <a:rPr lang="en-GB" sz="2000" b="1" kern="0" dirty="0" smtClean="0">
-                <a:solidFill>
-                  <a:sysClr val="windowText" lastClr="000000"/>
-                </a:solidFill>
-                <a:latin typeface="Helvetica" pitchFamily="34" charset="0"/>
-                <a:cs typeface="Helvetica" pitchFamily="34" charset="0"/>
-              </a:rPr>
-              <a:t>3 </a:t>
-            </a:r>
-            <a:r>
-              <a:rPr lang="en-GB" sz="2000" b="1" kern="0" dirty="0">
-                <a:solidFill>
-                  <a:sysClr val="windowText" lastClr="000000"/>
-                </a:solidFill>
-                <a:latin typeface="Helvetica" pitchFamily="34" charset="0"/>
-                <a:cs typeface="Helvetica" pitchFamily="34" charset="0"/>
-              </a:rPr>
-              <a:t>– Fitness landscape </a:t>
-            </a:r>
-            <a:r>
-              <a:rPr lang="en-GB" sz="2000" b="1" kern="0" dirty="0" smtClean="0">
-                <a:solidFill>
-                  <a:sysClr val="windowText" lastClr="000000"/>
-                </a:solidFill>
-                <a:latin typeface="Helvetica" pitchFamily="34" charset="0"/>
-                <a:cs typeface="Helvetica" pitchFamily="34" charset="0"/>
-              </a:rPr>
-              <a:t>illustration for simulations.</a:t>
-            </a:r>
-            <a:r>
-              <a:rPr lang="en-GB" sz="2000" kern="0" dirty="0" smtClean="0">
-                <a:solidFill>
-                  <a:sysClr val="windowText" lastClr="000000"/>
-                </a:solidFill>
-                <a:latin typeface="Helvetica" pitchFamily="34" charset="0"/>
-                <a:cs typeface="Helvetica" pitchFamily="34" charset="0"/>
-              </a:rPr>
-              <a:t> </a:t>
-            </a:r>
-            <a:r>
-              <a:rPr lang="en-GB" sz="2000" kern="0" dirty="0">
-                <a:solidFill>
-                  <a:sysClr val="windowText" lastClr="000000"/>
-                </a:solidFill>
-                <a:latin typeface="Helvetica" pitchFamily="34" charset="0"/>
-                <a:cs typeface="Helvetica" pitchFamily="34" charset="0"/>
-              </a:rPr>
-              <a:t>Each node represent a specific genotype. Node labels specify the alleles at the</a:t>
-            </a:r>
-            <a:r>
-              <a:rPr lang="en-GB" sz="2000" i="1" kern="0" dirty="0">
-                <a:solidFill>
-                  <a:sysClr val="windowText" lastClr="000000"/>
-                </a:solidFill>
-                <a:latin typeface="Helvetica" pitchFamily="34" charset="0"/>
-                <a:cs typeface="Helvetica" pitchFamily="34" charset="0"/>
-              </a:rPr>
-              <a:t> A/a </a:t>
-            </a:r>
-            <a:r>
-              <a:rPr lang="en-GB" sz="2000" kern="0" dirty="0">
-                <a:solidFill>
-                  <a:sysClr val="windowText" lastClr="000000"/>
-                </a:solidFill>
-                <a:latin typeface="Helvetica" pitchFamily="34" charset="0"/>
-                <a:cs typeface="Helvetica" pitchFamily="34" charset="0"/>
-              </a:rPr>
-              <a:t>and </a:t>
-            </a:r>
-            <a:r>
-              <a:rPr lang="en-GB" sz="2000" i="1" kern="0" dirty="0">
-                <a:solidFill>
-                  <a:sysClr val="windowText" lastClr="000000"/>
-                </a:solidFill>
-                <a:latin typeface="Helvetica" pitchFamily="34" charset="0"/>
-                <a:cs typeface="Helvetica" pitchFamily="34" charset="0"/>
-              </a:rPr>
-              <a:t>B/b</a:t>
-            </a:r>
-            <a:r>
-              <a:rPr lang="en-GB" sz="2000" kern="0" dirty="0">
-                <a:solidFill>
-                  <a:sysClr val="windowText" lastClr="000000"/>
-                </a:solidFill>
-                <a:latin typeface="Helvetica" pitchFamily="34" charset="0"/>
-                <a:cs typeface="Helvetica" pitchFamily="34" charset="0"/>
-              </a:rPr>
-              <a:t> loci and the number of additional deleterious alleles after the forward slash, but only as much as 3 deleterious mutations are shown to keep the figure simple. Arrows define the direction of mutation and their labels denote the relevant mutation rate. Node </a:t>
-            </a:r>
-            <a:r>
-              <a:rPr lang="en-GB" sz="2000" kern="0" dirty="0" smtClean="0">
-                <a:solidFill>
-                  <a:sysClr val="windowText" lastClr="000000"/>
-                </a:solidFill>
-                <a:latin typeface="Helvetica" pitchFamily="34" charset="0"/>
-                <a:cs typeface="Helvetica" pitchFamily="34" charset="0"/>
-              </a:rPr>
-              <a:t>colour </a:t>
-            </a:r>
-            <a:r>
-              <a:rPr lang="en-GB" sz="2000" kern="0" dirty="0">
-                <a:solidFill>
-                  <a:sysClr val="windowText" lastClr="000000"/>
-                </a:solidFill>
-                <a:latin typeface="Helvetica" pitchFamily="34" charset="0"/>
-                <a:cs typeface="Helvetica" pitchFamily="34" charset="0"/>
-              </a:rPr>
-              <a:t>indicates the fitness of a genotype, from pale brown for optimal fitness (</a:t>
-            </a:r>
-            <a:r>
-              <a:rPr lang="en-GB" sz="2000" i="1" kern="0" dirty="0">
-                <a:solidFill>
-                  <a:sysClr val="windowText" lastClr="000000"/>
-                </a:solidFill>
-                <a:latin typeface="Helvetica" pitchFamily="34" charset="0"/>
-                <a:cs typeface="Helvetica" pitchFamily="34" charset="0"/>
-              </a:rPr>
-              <a:t>1+sH</a:t>
-            </a:r>
-            <a:r>
-              <a:rPr lang="en-GB" sz="2000" kern="0" dirty="0">
-                <a:solidFill>
-                  <a:sysClr val="windowText" lastClr="000000"/>
-                </a:solidFill>
-                <a:latin typeface="Helvetica" pitchFamily="34" charset="0"/>
-                <a:cs typeface="Helvetica" pitchFamily="34" charset="0"/>
-              </a:rPr>
-              <a:t>) to dark brown for lower fitness (</a:t>
-            </a:r>
-            <a:r>
-              <a:rPr lang="en-GB" sz="2000" i="1" kern="0" dirty="0">
-                <a:solidFill>
-                  <a:sysClr val="windowText" lastClr="000000"/>
-                </a:solidFill>
-                <a:latin typeface="Helvetica" pitchFamily="34" charset="0"/>
-                <a:cs typeface="Helvetica" pitchFamily="34" charset="0"/>
-              </a:rPr>
-              <a:t>(1-s)</a:t>
-            </a:r>
-            <a:r>
-              <a:rPr lang="en-GB" sz="2000" i="1" kern="0" baseline="30000" dirty="0">
-                <a:solidFill>
-                  <a:sysClr val="windowText" lastClr="000000"/>
-                </a:solidFill>
-                <a:latin typeface="Helvetica" pitchFamily="34" charset="0"/>
-                <a:cs typeface="Helvetica" pitchFamily="34" charset="0"/>
-              </a:rPr>
-              <a:t>3</a:t>
-            </a:r>
-            <a:r>
-              <a:rPr lang="en-GB" sz="2000" i="1" kern="0" dirty="0">
-                <a:solidFill>
-                  <a:sysClr val="windowText" lastClr="000000"/>
-                </a:solidFill>
-                <a:latin typeface="Helvetica" pitchFamily="34" charset="0"/>
-                <a:cs typeface="Helvetica" pitchFamily="34" charset="0"/>
-              </a:rPr>
-              <a:t>)</a:t>
-            </a:r>
-            <a:r>
-              <a:rPr lang="en-GB" sz="2000" kern="0" dirty="0">
-                <a:solidFill>
-                  <a:sysClr val="windowText" lastClr="000000"/>
-                </a:solidFill>
-                <a:latin typeface="Helvetica" pitchFamily="34" charset="0"/>
-                <a:cs typeface="Helvetica" pitchFamily="34" charset="0"/>
-              </a:rPr>
-              <a:t> – see the </a:t>
-            </a:r>
-            <a:r>
-              <a:rPr lang="en-GB" sz="2000" kern="0" dirty="0" err="1" smtClean="0">
-                <a:solidFill>
-                  <a:sysClr val="windowText" lastClr="000000"/>
-                </a:solidFill>
-                <a:latin typeface="Helvetica" pitchFamily="34" charset="0"/>
-                <a:cs typeface="Helvetica" pitchFamily="34" charset="0"/>
-              </a:rPr>
-              <a:t>colourbar</a:t>
-            </a:r>
-            <a:r>
-              <a:rPr lang="en-GB" sz="2000" kern="0" dirty="0">
-                <a:solidFill>
-                  <a:sysClr val="windowText" lastClr="000000"/>
-                </a:solidFill>
-                <a:latin typeface="Helvetica" pitchFamily="34" charset="0"/>
-                <a:cs typeface="Helvetica" pitchFamily="34" charset="0"/>
-              </a:rPr>
-              <a:t>. </a:t>
-            </a:r>
-            <a:r>
-              <a:rPr lang="en-GB" sz="2000" kern="0" dirty="0" smtClean="0">
-                <a:solidFill>
-                  <a:sysClr val="windowText" lastClr="000000"/>
-                </a:solidFill>
-                <a:latin typeface="Helvetica" pitchFamily="34" charset="0"/>
-                <a:cs typeface="Helvetica" pitchFamily="34" charset="0"/>
-              </a:rPr>
-              <a:t>Parameters: </a:t>
-            </a:r>
-            <a:r>
-              <a:rPr lang="en-GB" sz="2000" kern="0" dirty="0">
-                <a:solidFill>
-                  <a:sysClr val="windowText" lastClr="000000"/>
-                </a:solidFill>
-                <a:latin typeface="Helvetica" pitchFamily="34" charset="0"/>
-                <a:cs typeface="Helvetica" pitchFamily="34" charset="0"/>
-              </a:rPr>
-              <a:t>s=0.01, H=2.</a:t>
-            </a:r>
-            <a:endParaRPr lang="he-IL" sz="2000" kern="0" dirty="0">
-              <a:solidFill>
-                <a:sysClr val="windowText" lastClr="000000"/>
-              </a:solidFill>
-              <a:latin typeface="Helvetica" pitchFamily="34" charset="0"/>
-              <a:cs typeface="Helvetica" pitchFamily="34" charset="0"/>
-            </a:endParaRPr>
-          </a:p>
-        </p:txBody>
-      </p:sp>
       <p:graphicFrame>
         <p:nvGraphicFramePr>
           <p:cNvPr id="19" name="Table 18"/>
@@ -11078,13 +11562,13 @@
           <p:nvPr>
             <p:extLst>
               <p:ext uri="{D42A27DB-BD31-4B8C-83A1-F6EECF244321}">
-                <p14:modId xmlns:p14="http://schemas.microsoft.com/office/powerpoint/2010/main" val="379019925"/>
+                <p14:modId xmlns:p14="http://schemas.microsoft.com/office/powerpoint/2010/main" val="537653272"/>
               </p:ext>
             </p:extLst>
           </p:nvPr>
         </p:nvGraphicFramePr>
         <p:xfrm>
-          <a:off x="16572877" y="21215940"/>
+          <a:off x="16574400" y="21864012"/>
           <a:ext cx="9900000" cy="3627120"/>
         </p:xfrm>
         <a:graphic>
@@ -11753,7 +12237,7 @@
         </p:nvSpPr>
         <p:spPr>
           <a:xfrm>
-            <a:off x="16377416" y="25213169"/>
+            <a:off x="16378939" y="25861241"/>
             <a:ext cx="10409860" cy="1070051"/>
           </a:xfrm>
           <a:prstGeom prst="rect">
@@ -11774,272 +12258,36 @@
               <a:defRPr/>
             </a:pPr>
             <a:r>
-              <a:rPr lang="en-US" sz="2000" b="1" kern="0" dirty="0" smtClean="0">
+              <a:rPr lang="en-US" sz="2800" b="1" kern="0" dirty="0" smtClean="0">
                 <a:solidFill>
                   <a:sysClr val="windowText" lastClr="000000"/>
                 </a:solidFill>
-                <a:latin typeface="Helvetica" pitchFamily="34" charset="0"/>
                 <a:cs typeface="Helvetica" pitchFamily="34" charset="0"/>
               </a:rPr>
               <a:t>Table 1</a:t>
             </a:r>
             <a:r>
-              <a:rPr lang="en-US" sz="2000" b="1" kern="0" dirty="0">
+              <a:rPr lang="en-US" sz="2800" b="1" kern="0" dirty="0">
                 <a:solidFill>
                   <a:sysClr val="windowText" lastClr="000000"/>
                 </a:solidFill>
-                <a:latin typeface="Helvetica" pitchFamily="34" charset="0"/>
                 <a:cs typeface="Helvetica" pitchFamily="34" charset="0"/>
               </a:rPr>
               <a:t>. </a:t>
             </a:r>
             <a:r>
-              <a:rPr lang="en-US" sz="2000" b="1" kern="0" dirty="0" smtClean="0">
+              <a:rPr lang="en-US" sz="2800" b="1" kern="0" dirty="0" smtClean="0">
                 <a:solidFill>
                   <a:sysClr val="windowText" lastClr="000000"/>
                 </a:solidFill>
-                <a:latin typeface="Helvetica" pitchFamily="34" charset="0"/>
                 <a:cs typeface="Helvetica" pitchFamily="34" charset="0"/>
               </a:rPr>
               <a:t>Model parameters and estimated values for bacteria.</a:t>
             </a:r>
-            <a:endParaRPr lang="en-US" sz="2000" b="1" kern="0" dirty="0">
+            <a:endParaRPr lang="en-US" sz="2800" b="1" kern="0" dirty="0">
               <a:solidFill>
                 <a:sysClr val="windowText" lastClr="000000"/>
               </a:solidFill>
-              <a:latin typeface="Helvetica" pitchFamily="34" charset="0"/>
-              <a:cs typeface="Helvetica" pitchFamily="34" charset="0"/>
-            </a:endParaRPr>
-          </a:p>
-        </p:txBody>
-      </p:sp>
-      <p:sp>
-        <p:nvSpPr>
-          <p:cNvPr id="64" name="Rectangle 63"/>
-          <p:cNvSpPr/>
-          <p:nvPr/>
-        </p:nvSpPr>
-        <p:spPr>
-          <a:xfrm>
-            <a:off x="3384676" y="38980108"/>
-            <a:ext cx="9584690" cy="2246769"/>
-          </a:xfrm>
-          <a:prstGeom prst="rect">
-            <a:avLst/>
-          </a:prstGeom>
-        </p:spPr>
-        <p:txBody>
-          <a:bodyPr wrap="square">
-            <a:spAutoFit/>
-          </a:bodyPr>
-          <a:lstStyle/>
-          <a:p>
-            <a:pPr algn="ctr" rtl="0"/>
-            <a:r>
-              <a:rPr lang="en-GB" sz="2000" b="1" kern="0" dirty="0">
-                <a:solidFill>
-                  <a:sysClr val="windowText" lastClr="000000"/>
-                </a:solidFill>
-                <a:latin typeface="Helvetica" pitchFamily="34" charset="0"/>
-                <a:cs typeface="Helvetica" pitchFamily="34" charset="0"/>
-              </a:rPr>
-              <a:t>Figure </a:t>
-            </a:r>
-            <a:r>
-              <a:rPr lang="en-GB" sz="2000" b="1" kern="0" dirty="0" smtClean="0">
-                <a:solidFill>
-                  <a:sysClr val="windowText" lastClr="000000"/>
-                </a:solidFill>
-                <a:latin typeface="Helvetica" pitchFamily="34" charset="0"/>
-                <a:cs typeface="Helvetica" pitchFamily="34" charset="0"/>
-              </a:rPr>
-              <a:t>2 </a:t>
-            </a:r>
-            <a:r>
-              <a:rPr lang="en-GB" sz="2000" b="1" kern="0" dirty="0">
-                <a:solidFill>
-                  <a:sysClr val="windowText" lastClr="000000"/>
-                </a:solidFill>
-                <a:latin typeface="Helvetica" pitchFamily="34" charset="0"/>
-                <a:cs typeface="Helvetica" pitchFamily="34" charset="0"/>
-              </a:rPr>
-              <a:t>– Fitness landscape </a:t>
-            </a:r>
-            <a:r>
-              <a:rPr lang="en-GB" sz="2000" b="1" kern="0" dirty="0" smtClean="0">
-                <a:solidFill>
-                  <a:sysClr val="windowText" lastClr="000000"/>
-                </a:solidFill>
-                <a:latin typeface="Helvetica" pitchFamily="34" charset="0"/>
-                <a:cs typeface="Helvetica" pitchFamily="34" charset="0"/>
-              </a:rPr>
-              <a:t>illustration for analytical model.</a:t>
-            </a:r>
-            <a:r>
-              <a:rPr lang="en-GB" sz="2000" kern="0" dirty="0" smtClean="0">
-                <a:solidFill>
-                  <a:sysClr val="windowText" lastClr="000000"/>
-                </a:solidFill>
-                <a:latin typeface="Helvetica" pitchFamily="34" charset="0"/>
-                <a:cs typeface="Helvetica" pitchFamily="34" charset="0"/>
-              </a:rPr>
-              <a:t> </a:t>
-            </a:r>
-            <a:r>
-              <a:rPr lang="en-GB" sz="2000" kern="0" dirty="0">
-                <a:solidFill>
-                  <a:sysClr val="windowText" lastClr="000000"/>
-                </a:solidFill>
-                <a:latin typeface="Helvetica" pitchFamily="34" charset="0"/>
-                <a:cs typeface="Helvetica" pitchFamily="34" charset="0"/>
-              </a:rPr>
-              <a:t>Each node represent a specific genotype. Node labels specify the alleles at the</a:t>
-            </a:r>
-            <a:r>
-              <a:rPr lang="en-GB" sz="2000" i="1" kern="0" dirty="0">
-                <a:solidFill>
-                  <a:sysClr val="windowText" lastClr="000000"/>
-                </a:solidFill>
-                <a:latin typeface="Helvetica" pitchFamily="34" charset="0"/>
-                <a:cs typeface="Helvetica" pitchFamily="34" charset="0"/>
-              </a:rPr>
-              <a:t> A/a </a:t>
-            </a:r>
-            <a:r>
-              <a:rPr lang="en-GB" sz="2000" kern="0" dirty="0">
-                <a:solidFill>
-                  <a:sysClr val="windowText" lastClr="000000"/>
-                </a:solidFill>
-                <a:latin typeface="Helvetica" pitchFamily="34" charset="0"/>
-                <a:cs typeface="Helvetica" pitchFamily="34" charset="0"/>
-              </a:rPr>
-              <a:t>and </a:t>
-            </a:r>
-            <a:r>
-              <a:rPr lang="en-GB" sz="2000" i="1" kern="0" dirty="0">
-                <a:solidFill>
-                  <a:sysClr val="windowText" lastClr="000000"/>
-                </a:solidFill>
-                <a:latin typeface="Helvetica" pitchFamily="34" charset="0"/>
-                <a:cs typeface="Helvetica" pitchFamily="34" charset="0"/>
-              </a:rPr>
-              <a:t>B/b</a:t>
-            </a:r>
-            <a:r>
-              <a:rPr lang="en-GB" sz="2000" kern="0" dirty="0">
-                <a:solidFill>
-                  <a:sysClr val="windowText" lastClr="000000"/>
-                </a:solidFill>
-                <a:latin typeface="Helvetica" pitchFamily="34" charset="0"/>
-                <a:cs typeface="Helvetica" pitchFamily="34" charset="0"/>
-              </a:rPr>
-              <a:t> </a:t>
-            </a:r>
-            <a:r>
-              <a:rPr lang="en-GB" sz="2000" kern="0" dirty="0" smtClean="0">
-                <a:solidFill>
-                  <a:sysClr val="windowText" lastClr="000000"/>
-                </a:solidFill>
-                <a:latin typeface="Helvetica" pitchFamily="34" charset="0"/>
-                <a:cs typeface="Helvetica" pitchFamily="34" charset="0"/>
-              </a:rPr>
-              <a:t>loci. The “RIP” node represents genotypes with deleterious mutations that will not contribute to adaptation. Arrows </a:t>
-            </a:r>
-            <a:r>
-              <a:rPr lang="en-GB" sz="2000" kern="0" dirty="0">
-                <a:solidFill>
-                  <a:sysClr val="windowText" lastClr="000000"/>
-                </a:solidFill>
-                <a:latin typeface="Helvetica" pitchFamily="34" charset="0"/>
-                <a:cs typeface="Helvetica" pitchFamily="34" charset="0"/>
-              </a:rPr>
-              <a:t>define the direction of mutation and their labels denote the relevant mutation rate. Node </a:t>
-            </a:r>
-            <a:r>
-              <a:rPr lang="en-GB" sz="2000" kern="0" dirty="0" smtClean="0">
-                <a:solidFill>
-                  <a:sysClr val="windowText" lastClr="000000"/>
-                </a:solidFill>
-                <a:latin typeface="Helvetica" pitchFamily="34" charset="0"/>
-                <a:cs typeface="Helvetica" pitchFamily="34" charset="0"/>
-              </a:rPr>
-              <a:t>colour </a:t>
-            </a:r>
-            <a:r>
-              <a:rPr lang="en-GB" sz="2000" kern="0" dirty="0">
-                <a:solidFill>
-                  <a:sysClr val="windowText" lastClr="000000"/>
-                </a:solidFill>
-                <a:latin typeface="Helvetica" pitchFamily="34" charset="0"/>
-                <a:cs typeface="Helvetica" pitchFamily="34" charset="0"/>
-              </a:rPr>
-              <a:t>indicates the fitness of a genotype, from pale brown for optimal fitness (</a:t>
-            </a:r>
-            <a:r>
-              <a:rPr lang="en-GB" sz="2000" i="1" kern="0" dirty="0">
-                <a:solidFill>
-                  <a:sysClr val="windowText" lastClr="000000"/>
-                </a:solidFill>
-                <a:latin typeface="Helvetica" pitchFamily="34" charset="0"/>
-                <a:cs typeface="Helvetica" pitchFamily="34" charset="0"/>
-              </a:rPr>
-              <a:t>1+sH</a:t>
-            </a:r>
-            <a:r>
-              <a:rPr lang="en-GB" sz="2000" kern="0" dirty="0">
-                <a:solidFill>
-                  <a:sysClr val="windowText" lastClr="000000"/>
-                </a:solidFill>
-                <a:latin typeface="Helvetica" pitchFamily="34" charset="0"/>
-                <a:cs typeface="Helvetica" pitchFamily="34" charset="0"/>
-              </a:rPr>
-              <a:t>) to dark brown for lower fitness </a:t>
-            </a:r>
-            <a:r>
-              <a:rPr lang="en-GB" sz="2000" kern="0" dirty="0" smtClean="0">
-                <a:solidFill>
-                  <a:sysClr val="windowText" lastClr="000000"/>
-                </a:solidFill>
-                <a:latin typeface="Helvetica" pitchFamily="34" charset="0"/>
-                <a:cs typeface="Helvetica" pitchFamily="34" charset="0"/>
-              </a:rPr>
-              <a:t>(</a:t>
-            </a:r>
-            <a:r>
-              <a:rPr lang="en-GB" sz="2000" i="1" kern="0" dirty="0" smtClean="0">
-                <a:solidFill>
-                  <a:sysClr val="windowText" lastClr="000000"/>
-                </a:solidFill>
-                <a:latin typeface="Helvetica" pitchFamily="34" charset="0"/>
-                <a:cs typeface="Helvetica" pitchFamily="34" charset="0"/>
-              </a:rPr>
-              <a:t>1-s)</a:t>
-            </a:r>
-            <a:r>
-              <a:rPr lang="en-GB" sz="2000" kern="0" dirty="0" smtClean="0">
-                <a:solidFill>
-                  <a:sysClr val="windowText" lastClr="000000"/>
-                </a:solidFill>
-                <a:latin typeface="Helvetica" pitchFamily="34" charset="0"/>
-                <a:cs typeface="Helvetica" pitchFamily="34" charset="0"/>
-              </a:rPr>
-              <a:t>. Parameters: </a:t>
-            </a:r>
-            <a:r>
-              <a:rPr lang="en-GB" sz="2000" kern="0" dirty="0">
-                <a:solidFill>
-                  <a:sysClr val="windowText" lastClr="000000"/>
-                </a:solidFill>
-                <a:latin typeface="Helvetica" pitchFamily="34" charset="0"/>
-                <a:cs typeface="Helvetica" pitchFamily="34" charset="0"/>
-              </a:rPr>
-              <a:t>s=0.01, H=2.</a:t>
-            </a:r>
-            <a:endParaRPr lang="he-IL" sz="2000" kern="0" dirty="0">
-              <a:solidFill>
-                <a:sysClr val="windowText" lastClr="000000"/>
-              </a:solidFill>
-              <a:latin typeface="Helvetica" pitchFamily="34" charset="0"/>
               <a:cs typeface="Helvetica" pitchFamily="34" charset="0"/>
             </a:endParaRPr>
           </a:p>
@@ -12054,7 +12302,7 @@
           <p:nvPr/>
         </p:nvPicPr>
         <p:blipFill>
-          <a:blip r:embed="rId5">
+          <a:blip r:embed="rId4">
             <a:extLst>
               <a:ext uri="{28A0092B-C50C-407E-A947-70E740481C1C}">
                 <a14:useLocalDpi xmlns:a14="http://schemas.microsoft.com/office/drawing/2010/main" val="0"/>
@@ -12158,7 +12406,7 @@
           <p:nvPr/>
         </p:nvPicPr>
         <p:blipFill>
-          <a:blip r:embed="rId6">
+          <a:blip r:embed="rId5">
             <a:extLst>
               <a:ext uri="{28A0092B-C50C-407E-A947-70E740481C1C}">
                 <a14:useLocalDpi xmlns:a14="http://schemas.microsoft.com/office/drawing/2010/main" val="0"/>
@@ -12213,244 +12461,6 @@
           </a:extLst>
         </p:spPr>
       </p:pic>
-      <p:sp>
-        <p:nvSpPr>
-          <p:cNvPr id="78" name="TextBox 77"/>
-          <p:cNvSpPr txBox="1"/>
-          <p:nvPr/>
-        </p:nvSpPr>
-        <p:spPr>
-          <a:xfrm>
-            <a:off x="35481015" y="7988860"/>
-            <a:ext cx="5203805" cy="4054957"/>
-          </a:xfrm>
-          <a:prstGeom prst="rect">
-            <a:avLst/>
-          </a:prstGeom>
-          <a:noFill/>
-          <a:ln>
-            <a:noFill/>
-          </a:ln>
-        </p:spPr>
-        <p:txBody>
-          <a:bodyPr wrap="square" lIns="104498" tIns="52249" rIns="104498" bIns="52249" rtlCol="0" anchor="ctr">
-            <a:noAutofit/>
-          </a:bodyPr>
-          <a:lstStyle/>
-          <a:p>
-            <a:pPr algn="ctr" defTabSz="1044976" rtl="0">
-              <a:defRPr/>
-            </a:pPr>
-            <a:r>
-              <a:rPr lang="en-US" sz="2000" b="1" kern="0" dirty="0">
-                <a:solidFill>
-                  <a:sysClr val="windowText" lastClr="000000"/>
-                </a:solidFill>
-                <a:latin typeface="Helvetica" pitchFamily="34" charset="0"/>
-                <a:cs typeface="Helvetica" pitchFamily="34" charset="0"/>
-              </a:rPr>
-              <a:t>Figure 5. </a:t>
-            </a:r>
-            <a:r>
-              <a:rPr lang="en-US" sz="2000" b="1" kern="0" dirty="0" smtClean="0">
-                <a:solidFill>
-                  <a:sysClr val="windowText" lastClr="000000"/>
-                </a:solidFill>
-                <a:latin typeface="Helvetica" pitchFamily="34" charset="0"/>
-                <a:cs typeface="Helvetica" pitchFamily="34" charset="0"/>
-              </a:rPr>
-              <a:t>Waiting time for appearance of double mutant. </a:t>
-            </a:r>
-            <a:r>
-              <a:rPr lang="en-US" sz="2000" kern="0" dirty="0">
-                <a:solidFill>
-                  <a:sysClr val="windowText" lastClr="000000"/>
-                </a:solidFill>
-                <a:latin typeface="Helvetica" pitchFamily="34" charset="0"/>
-                <a:cs typeface="Helvetica" pitchFamily="34" charset="0"/>
-              </a:rPr>
-              <a:t>The number of </a:t>
-            </a:r>
-            <a:r>
-              <a:rPr lang="en-US" sz="2000" kern="0" dirty="0" smtClean="0">
-                <a:solidFill>
-                  <a:sysClr val="windowText" lastClr="000000"/>
-                </a:solidFill>
-                <a:latin typeface="Helvetica" pitchFamily="34" charset="0"/>
-                <a:cs typeface="Helvetica" pitchFamily="34" charset="0"/>
-              </a:rPr>
-              <a:t> generations before the appearance of a double mutant. Approximated by </a:t>
-            </a:r>
-            <a:r>
-              <a:rPr lang="en-US" sz="2000" i="1" kern="0" dirty="0" smtClean="0">
-                <a:solidFill>
-                  <a:sysClr val="windowText" lastClr="000000"/>
-                </a:solidFill>
-                <a:latin typeface="Helvetica" pitchFamily="34" charset="0"/>
-                <a:cs typeface="Helvetica" pitchFamily="34" charset="0"/>
-              </a:rPr>
-              <a:t>1/</a:t>
-            </a:r>
-            <a:r>
-              <a:rPr lang="en-US" sz="2000" i="1" kern="0" dirty="0" err="1" smtClean="0">
-                <a:solidFill>
-                  <a:sysClr val="windowText" lastClr="000000"/>
-                </a:solidFill>
-                <a:latin typeface="Helvetica" pitchFamily="34" charset="0"/>
-                <a:cs typeface="Helvetica" pitchFamily="34" charset="0"/>
-              </a:rPr>
-              <a:t>Nq</a:t>
-            </a:r>
-            <a:r>
-              <a:rPr lang="en-US" sz="2000" kern="0" dirty="0" smtClean="0">
-                <a:solidFill>
-                  <a:sysClr val="windowText" lastClr="000000"/>
-                </a:solidFill>
-                <a:latin typeface="Helvetica" pitchFamily="34" charset="0"/>
-                <a:cs typeface="Helvetica" pitchFamily="34" charset="0"/>
-              </a:rPr>
-              <a:t>. </a:t>
-            </a:r>
-            <a:r>
-              <a:rPr lang="en-US" sz="2000" kern="0" dirty="0">
-                <a:solidFill>
-                  <a:sysClr val="windowText" lastClr="000000"/>
-                </a:solidFill>
-                <a:latin typeface="Helvetica" pitchFamily="34" charset="0"/>
-                <a:cs typeface="Helvetica" pitchFamily="34" charset="0"/>
-              </a:rPr>
-              <a:t>Parameters used: </a:t>
-            </a:r>
-            <a:r>
-              <a:rPr lang="en-US" sz="2000" i="1" kern="0" dirty="0">
-                <a:solidFill>
-                  <a:sysClr val="windowText" lastClr="000000"/>
-                </a:solidFill>
-                <a:latin typeface="Helvetica" pitchFamily="34" charset="0"/>
-                <a:cs typeface="Helvetica" pitchFamily="34" charset="0"/>
-              </a:rPr>
-              <a:t>U</a:t>
-            </a:r>
-            <a:r>
-              <a:rPr lang="en-US" sz="2000" kern="0" dirty="0">
-                <a:solidFill>
-                  <a:sysClr val="windowText" lastClr="000000"/>
-                </a:solidFill>
-                <a:latin typeface="Helvetica" pitchFamily="34" charset="0"/>
-                <a:cs typeface="Helvetica" pitchFamily="34" charset="0"/>
-              </a:rPr>
-              <a:t>=0.0004, </a:t>
-            </a:r>
-            <a:r>
-              <a:rPr lang="en-US" sz="2000" i="1" kern="0" dirty="0">
-                <a:solidFill>
-                  <a:sysClr val="windowText" lastClr="000000"/>
-                </a:solidFill>
-                <a:latin typeface="Helvetica" pitchFamily="34" charset="0"/>
-                <a:cs typeface="Helvetica" pitchFamily="34" charset="0"/>
-              </a:rPr>
-              <a:t>µ</a:t>
-            </a:r>
-            <a:r>
-              <a:rPr lang="en-US" sz="2000" kern="0" dirty="0">
-                <a:solidFill>
-                  <a:sysClr val="windowText" lastClr="000000"/>
-                </a:solidFill>
-                <a:latin typeface="Helvetica" pitchFamily="34" charset="0"/>
-                <a:cs typeface="Helvetica" pitchFamily="34" charset="0"/>
-              </a:rPr>
-              <a:t>=</a:t>
-            </a:r>
-            <a:r>
-              <a:rPr lang="en-US" sz="2000" i="1" kern="0" dirty="0">
-                <a:solidFill>
-                  <a:sysClr val="windowText" lastClr="000000"/>
-                </a:solidFill>
-                <a:latin typeface="Helvetica" pitchFamily="34" charset="0"/>
-                <a:cs typeface="Helvetica" pitchFamily="34" charset="0"/>
-              </a:rPr>
-              <a:t>U</a:t>
-            </a:r>
-            <a:r>
-              <a:rPr lang="en-US" sz="2000" kern="0" dirty="0">
-                <a:solidFill>
-                  <a:sysClr val="windowText" lastClr="000000"/>
-                </a:solidFill>
-                <a:latin typeface="Helvetica" pitchFamily="34" charset="0"/>
-                <a:cs typeface="Helvetica" pitchFamily="34" charset="0"/>
-              </a:rPr>
-              <a:t>/5000, </a:t>
-            </a:r>
-            <a:r>
-              <a:rPr lang="en-US" sz="2000" i="1" kern="0" dirty="0">
-                <a:solidFill>
-                  <a:sysClr val="windowText" lastClr="000000"/>
-                </a:solidFill>
-                <a:latin typeface="Helvetica" pitchFamily="34" charset="0"/>
-                <a:cs typeface="Helvetica" pitchFamily="34" charset="0"/>
-              </a:rPr>
-              <a:t>s</a:t>
-            </a:r>
-            <a:r>
-              <a:rPr lang="en-US" sz="2000" kern="0" dirty="0">
-                <a:solidFill>
-                  <a:sysClr val="windowText" lastClr="000000"/>
-                </a:solidFill>
-                <a:latin typeface="Helvetica" pitchFamily="34" charset="0"/>
-                <a:cs typeface="Helvetica" pitchFamily="34" charset="0"/>
-              </a:rPr>
-              <a:t>=0.05, </a:t>
-            </a:r>
-            <a:r>
-              <a:rPr lang="en-US" sz="2000" i="1" kern="0" dirty="0" smtClean="0">
-                <a:solidFill>
-                  <a:sysClr val="windowText" lastClr="000000"/>
-                </a:solidFill>
-                <a:latin typeface="Helvetica" pitchFamily="34" charset="0"/>
-                <a:cs typeface="Helvetica" pitchFamily="34" charset="0"/>
-              </a:rPr>
-              <a:t>N</a:t>
-            </a:r>
-            <a:r>
-              <a:rPr lang="en-US" sz="2000" kern="0" dirty="0" smtClean="0">
-                <a:solidFill>
-                  <a:sysClr val="windowText" lastClr="000000"/>
-                </a:solidFill>
-                <a:latin typeface="Helvetica" pitchFamily="34" charset="0"/>
-                <a:cs typeface="Helvetica" pitchFamily="34" charset="0"/>
-              </a:rPr>
-              <a:t>=10</a:t>
-            </a:r>
-            <a:r>
-              <a:rPr lang="en-US" sz="2000" kern="0" baseline="30000" dirty="0" smtClean="0">
-                <a:solidFill>
-                  <a:sysClr val="windowText" lastClr="000000"/>
-                </a:solidFill>
-                <a:latin typeface="Helvetica" pitchFamily="34" charset="0"/>
-                <a:cs typeface="Helvetica" pitchFamily="34" charset="0"/>
-              </a:rPr>
-              <a:t>8</a:t>
-            </a:r>
-            <a:r>
-              <a:rPr lang="en-US" sz="2000" kern="0" dirty="0">
-                <a:solidFill>
-                  <a:sysClr val="windowText" lastClr="000000"/>
-                </a:solidFill>
-                <a:latin typeface="Helvetica" pitchFamily="34" charset="0"/>
-                <a:cs typeface="Helvetica" pitchFamily="34" charset="0"/>
-              </a:rPr>
-              <a:t>, see Table 1 for refs.</a:t>
-            </a:r>
-            <a:endParaRPr lang="en-US" sz="2000" b="1" kern="0" dirty="0">
-              <a:solidFill>
-                <a:sysClr val="windowText" lastClr="000000"/>
-              </a:solidFill>
-              <a:latin typeface="Helvetica" pitchFamily="34" charset="0"/>
-              <a:cs typeface="Helvetica" pitchFamily="34" charset="0"/>
-            </a:endParaRPr>
-          </a:p>
-        </p:txBody>
-      </p:sp>
       <p:pic>
         <p:nvPicPr>
           <p:cNvPr id="1031" name="Picture 7" descr="D:\university\confrences\GRC2013\adaptation_time_s_0.05_logN_6.png"/>
@@ -12460,7 +12470,7 @@
           <p:nvPr/>
         </p:nvPicPr>
         <p:blipFill>
-          <a:blip r:embed="rId7">
+          <a:blip r:embed="rId6">
             <a:extLst>
               <a:ext uri="{28A0092B-C50C-407E-A947-70E740481C1C}">
                 <a14:useLocalDpi xmlns:a14="http://schemas.microsoft.com/office/drawing/2010/main" val="0"/>
@@ -12474,7 +12484,7 @@
         </p:blipFill>
         <p:spPr bwMode="auto">
           <a:xfrm>
-            <a:off x="30459112" y="17498244"/>
+            <a:off x="30459112" y="18290332"/>
             <a:ext cx="9145588" cy="7316788"/>
           </a:xfrm>
           <a:prstGeom prst="rect">
@@ -12492,264 +12502,6 @@
           </a:extLst>
         </p:spPr>
       </p:pic>
-      <p:sp>
-        <p:nvSpPr>
-          <p:cNvPr id="77" name="TextBox 76"/>
-          <p:cNvSpPr txBox="1"/>
-          <p:nvPr/>
-        </p:nvSpPr>
-        <p:spPr>
-          <a:xfrm>
-            <a:off x="29862781" y="24719185"/>
-            <a:ext cx="10409860" cy="2140099"/>
-          </a:xfrm>
-          <a:prstGeom prst="rect">
-            <a:avLst/>
-          </a:prstGeom>
-          <a:noFill/>
-          <a:ln>
-            <a:noFill/>
-          </a:ln>
-        </p:spPr>
-        <p:txBody>
-          <a:bodyPr wrap="square" lIns="104498" tIns="52249" rIns="104498" bIns="52249" rtlCol="0">
-            <a:noAutofit/>
-          </a:bodyPr>
-          <a:lstStyle/>
-          <a:p>
-            <a:pPr algn="ctr" defTabSz="1044976" rtl="0">
-              <a:defRPr/>
-            </a:pPr>
-            <a:r>
-              <a:rPr lang="en-US" sz="2000" b="1" kern="0" dirty="0">
-                <a:solidFill>
-                  <a:sysClr val="windowText" lastClr="000000"/>
-                </a:solidFill>
-                <a:latin typeface="Helvetica" pitchFamily="34" charset="0"/>
-                <a:cs typeface="Helvetica" pitchFamily="34" charset="0"/>
-              </a:rPr>
-              <a:t>Figure 6</a:t>
-            </a:r>
-            <a:r>
-              <a:rPr lang="en-US" sz="2000" b="1" kern="0" dirty="0" smtClean="0">
-                <a:solidFill>
-                  <a:sysClr val="windowText" lastClr="000000"/>
-                </a:solidFill>
-                <a:latin typeface="Helvetica" pitchFamily="34" charset="0"/>
-                <a:cs typeface="Helvetica" pitchFamily="34" charset="0"/>
-              </a:rPr>
-              <a:t>. Adaptation time. </a:t>
-            </a:r>
-            <a:r>
-              <a:rPr lang="en-US" sz="2000" kern="0" dirty="0" smtClean="0">
-                <a:solidFill>
-                  <a:sysClr val="windowText" lastClr="000000"/>
-                </a:solidFill>
-                <a:latin typeface="Helvetica" pitchFamily="34" charset="0"/>
-                <a:cs typeface="Helvetica" pitchFamily="34" charset="0"/>
-              </a:rPr>
-              <a:t>The number of generations before fixation of a double mutant. The simulation results verify the analytical results: </a:t>
-            </a:r>
-            <a:r>
-              <a:rPr lang="en-US" sz="2000" b="1" i="1" kern="0" dirty="0" smtClean="0">
-                <a:solidFill>
-                  <a:sysClr val="windowText" lastClr="000000"/>
-                </a:solidFill>
-                <a:latin typeface="Helvetica" pitchFamily="34" charset="0"/>
-                <a:cs typeface="Helvetica" pitchFamily="34" charset="0"/>
-              </a:rPr>
-              <a:t>stress-induced </a:t>
-            </a:r>
-            <a:r>
-              <a:rPr lang="en-US" sz="2000" b="1" i="1" kern="0" dirty="0">
-                <a:solidFill>
-                  <a:sysClr val="windowText" lastClr="000000"/>
-                </a:solidFill>
-                <a:latin typeface="Helvetica" pitchFamily="34" charset="0"/>
-                <a:cs typeface="Helvetica" pitchFamily="34" charset="0"/>
-              </a:rPr>
-              <a:t>mutagenesis increases the adaptation </a:t>
-            </a:r>
-            <a:r>
-              <a:rPr lang="en-US" sz="2000" b="1" i="1" kern="0" dirty="0" smtClean="0">
-                <a:solidFill>
-                  <a:sysClr val="windowText" lastClr="000000"/>
-                </a:solidFill>
-                <a:latin typeface="Helvetica" pitchFamily="34" charset="0"/>
-                <a:cs typeface="Helvetica" pitchFamily="34" charset="0"/>
-              </a:rPr>
-              <a:t>rate</a:t>
-            </a:r>
-            <a:r>
-              <a:rPr lang="en-US" sz="2000" kern="0" dirty="0" smtClean="0">
-                <a:solidFill>
-                  <a:sysClr val="windowText" lastClr="000000"/>
-                </a:solidFill>
-                <a:latin typeface="Helvetica" pitchFamily="34" charset="0"/>
-                <a:cs typeface="Helvetica" pitchFamily="34" charset="0"/>
-              </a:rPr>
-              <a:t>. Parameters used: </a:t>
-            </a:r>
-            <a:r>
-              <a:rPr lang="en-US" sz="2000" i="1" kern="0" dirty="0" smtClean="0">
-                <a:solidFill>
-                  <a:sysClr val="windowText" lastClr="000000"/>
-                </a:solidFill>
-                <a:latin typeface="Helvetica" pitchFamily="34" charset="0"/>
-                <a:cs typeface="Helvetica" pitchFamily="34" charset="0"/>
-              </a:rPr>
-              <a:t>U</a:t>
-            </a:r>
-            <a:r>
-              <a:rPr lang="en-US" sz="2000" kern="0" dirty="0" smtClean="0">
-                <a:solidFill>
-                  <a:sysClr val="windowText" lastClr="000000"/>
-                </a:solidFill>
-                <a:latin typeface="Helvetica" pitchFamily="34" charset="0"/>
-                <a:cs typeface="Helvetica" pitchFamily="34" charset="0"/>
-              </a:rPr>
-              <a:t>=0.0004, </a:t>
-            </a:r>
-            <a:r>
-              <a:rPr lang="en-US" sz="2000" i="1" kern="0" dirty="0" smtClean="0">
-                <a:solidFill>
-                  <a:sysClr val="windowText" lastClr="000000"/>
-                </a:solidFill>
-                <a:latin typeface="Helvetica" pitchFamily="34" charset="0"/>
-                <a:cs typeface="Helvetica" pitchFamily="34" charset="0"/>
-              </a:rPr>
-              <a:t>µ</a:t>
-            </a:r>
-            <a:r>
-              <a:rPr lang="en-US" sz="2000" kern="0" dirty="0" smtClean="0">
-                <a:solidFill>
-                  <a:sysClr val="windowText" lastClr="000000"/>
-                </a:solidFill>
-                <a:latin typeface="Helvetica" pitchFamily="34" charset="0"/>
-                <a:cs typeface="Helvetica" pitchFamily="34" charset="0"/>
-              </a:rPr>
-              <a:t>=</a:t>
-            </a:r>
-            <a:r>
-              <a:rPr lang="en-US" sz="2000" i="1" kern="0" dirty="0" smtClean="0">
-                <a:solidFill>
-                  <a:sysClr val="windowText" lastClr="000000"/>
-                </a:solidFill>
-                <a:latin typeface="Helvetica" pitchFamily="34" charset="0"/>
-                <a:cs typeface="Helvetica" pitchFamily="34" charset="0"/>
-              </a:rPr>
-              <a:t>U</a:t>
-            </a:r>
-            <a:r>
-              <a:rPr lang="en-US" sz="2000" kern="0" dirty="0" smtClean="0">
-                <a:solidFill>
-                  <a:sysClr val="windowText" lastClr="000000"/>
-                </a:solidFill>
-                <a:latin typeface="Helvetica" pitchFamily="34" charset="0"/>
-                <a:cs typeface="Helvetica" pitchFamily="34" charset="0"/>
-              </a:rPr>
-              <a:t>/5000, </a:t>
-            </a:r>
-            <a:r>
-              <a:rPr lang="en-US" sz="2000" i="1" kern="0" dirty="0" smtClean="0">
-                <a:solidFill>
-                  <a:sysClr val="windowText" lastClr="000000"/>
-                </a:solidFill>
-                <a:latin typeface="Helvetica" pitchFamily="34" charset="0"/>
-                <a:cs typeface="Helvetica" pitchFamily="34" charset="0"/>
-              </a:rPr>
-              <a:t>s</a:t>
-            </a:r>
-            <a:r>
-              <a:rPr lang="en-US" sz="2000" kern="0" dirty="0" smtClean="0">
-                <a:solidFill>
-                  <a:sysClr val="windowText" lastClr="000000"/>
-                </a:solidFill>
-                <a:latin typeface="Helvetica" pitchFamily="34" charset="0"/>
-                <a:cs typeface="Helvetica" pitchFamily="34" charset="0"/>
-              </a:rPr>
-              <a:t>=0.05, </a:t>
-            </a:r>
-            <a:r>
-              <a:rPr lang="en-US" sz="2000" i="1" kern="0" dirty="0">
-                <a:solidFill>
-                  <a:sysClr val="windowText" lastClr="000000"/>
-                </a:solidFill>
-                <a:latin typeface="Helvetica" pitchFamily="34" charset="0"/>
-                <a:cs typeface="Helvetica" pitchFamily="34" charset="0"/>
-              </a:rPr>
-              <a:t>H</a:t>
-            </a:r>
-            <a:r>
-              <a:rPr lang="en-US" sz="2000" kern="0" dirty="0">
-                <a:solidFill>
-                  <a:sysClr val="windowText" lastClr="000000"/>
-                </a:solidFill>
-                <a:latin typeface="Helvetica" pitchFamily="34" charset="0"/>
-                <a:cs typeface="Helvetica" pitchFamily="34" charset="0"/>
-              </a:rPr>
-              <a:t>=2</a:t>
-            </a:r>
-            <a:r>
-              <a:rPr lang="en-US" sz="2000" kern="0" dirty="0" smtClean="0">
-                <a:solidFill>
-                  <a:sysClr val="windowText" lastClr="000000"/>
-                </a:solidFill>
-                <a:latin typeface="Helvetica" pitchFamily="34" charset="0"/>
-                <a:cs typeface="Helvetica" pitchFamily="34" charset="0"/>
-              </a:rPr>
-              <a:t>, </a:t>
-            </a:r>
-            <a:r>
-              <a:rPr lang="en-US" sz="2000" i="1" kern="0" dirty="0" smtClean="0">
-                <a:solidFill>
-                  <a:sysClr val="windowText" lastClr="000000"/>
-                </a:solidFill>
-                <a:latin typeface="Helvetica" pitchFamily="34" charset="0"/>
-                <a:cs typeface="Helvetica" pitchFamily="34" charset="0"/>
-              </a:rPr>
-              <a:t>N</a:t>
-            </a:r>
-            <a:r>
-              <a:rPr lang="en-US" sz="2000" kern="0" dirty="0" smtClean="0">
-                <a:solidFill>
-                  <a:sysClr val="windowText" lastClr="000000"/>
-                </a:solidFill>
-                <a:latin typeface="Helvetica" pitchFamily="34" charset="0"/>
-                <a:cs typeface="Helvetica" pitchFamily="34" charset="0"/>
-              </a:rPr>
-              <a:t>=10</a:t>
-            </a:r>
-            <a:r>
-              <a:rPr lang="en-US" sz="2000" kern="0" baseline="30000" dirty="0" smtClean="0">
-                <a:solidFill>
-                  <a:sysClr val="windowText" lastClr="000000"/>
-                </a:solidFill>
-                <a:latin typeface="Helvetica" pitchFamily="34" charset="0"/>
-                <a:cs typeface="Helvetica" pitchFamily="34" charset="0"/>
-              </a:rPr>
-              <a:t>8</a:t>
-            </a:r>
-            <a:r>
-              <a:rPr lang="en-US" sz="2000" kern="0" dirty="0" smtClean="0">
-                <a:solidFill>
-                  <a:sysClr val="windowText" lastClr="000000"/>
-                </a:solidFill>
-                <a:latin typeface="Helvetica" pitchFamily="34" charset="0"/>
-                <a:cs typeface="Helvetica" pitchFamily="34" charset="0"/>
-              </a:rPr>
-              <a:t>, see Table 1 for refs.</a:t>
-            </a:r>
-            <a:endParaRPr lang="en-US" sz="2000" kern="0" dirty="0">
-              <a:solidFill>
-                <a:sysClr val="windowText" lastClr="000000"/>
-              </a:solidFill>
-              <a:latin typeface="Helvetica" pitchFamily="34" charset="0"/>
-              <a:cs typeface="Helvetica" pitchFamily="34" charset="0"/>
-            </a:endParaRPr>
-          </a:p>
-        </p:txBody>
-      </p:sp>
       <p:pic>
         <p:nvPicPr>
           <p:cNvPr id="9" name="Picture 6" descr="D:\university\confrences\GRC2013\app_fix_probs_s_0.05_logN_6.png"/>
@@ -12759,7 +12511,7 @@
           <p:nvPr/>
         </p:nvPicPr>
         <p:blipFill>
-          <a:blip r:embed="rId8">
+          <a:blip r:embed="rId7">
             <a:extLst>
               <a:ext uri="{28A0092B-C50C-407E-A947-70E740481C1C}">
                 <a14:useLocalDpi xmlns:a14="http://schemas.microsoft.com/office/drawing/2010/main" val="0"/>
@@ -12793,29 +12545,27 @@
       </p:pic>
       <p:pic>
         <p:nvPicPr>
-          <p:cNvPr id="1035" name="Picture 11" descr="D:\university\confrences\GRC2013\fitness_landscape_stochastic_model.png"/>
+          <p:cNvPr id="17" name="Picture 13" descr="D:\university\confrences\GRC2013\fitness_landscape_analytic_model.png"/>
           <p:cNvPicPr>
             <a:picLocks noChangeAspect="1" noChangeArrowheads="1"/>
           </p:cNvPicPr>
           <p:nvPr/>
         </p:nvPicPr>
-        <p:blipFill>
-          <a:blip r:embed="rId9">
+        <p:blipFill rotWithShape="1">
+          <a:blip r:embed="rId8">
             <a:extLst>
               <a:ext uri="{28A0092B-C50C-407E-A947-70E740481C1C}">
                 <a14:useLocalDpi xmlns:a14="http://schemas.microsoft.com/office/drawing/2010/main" val="0"/>
               </a:ext>
             </a:extLst>
           </a:blip>
-          <a:srcRect/>
-          <a:stretch>
-            <a:fillRect/>
-          </a:stretch>
+          <a:srcRect l="11765" r="6304"/>
+          <a:stretch/>
         </p:blipFill>
         <p:spPr bwMode="auto">
           <a:xfrm>
-            <a:off x="17426236" y="30937690"/>
-            <a:ext cx="7562850" cy="7562850"/>
+            <a:off x="7638138" y="35001818"/>
+            <a:ext cx="5010120" cy="6115050"/>
           </a:xfrm>
           <a:prstGeom prst="rect">
             <a:avLst/>
@@ -12832,94 +12582,443 @@
           </a:extLst>
         </p:spPr>
       </p:pic>
+      <p:pic>
+        <p:nvPicPr>
+          <p:cNvPr id="62" name="Picture 2" descr="D:\workspace\ruggedsim\manuscript\fitness_landscape_colorbar.png"/>
+          <p:cNvPicPr>
+            <a:picLocks noChangeAspect="1" noChangeArrowheads="1"/>
+          </p:cNvPicPr>
+          <p:nvPr/>
+        </p:nvPicPr>
+        <p:blipFill rotWithShape="1">
+          <a:blip r:embed="rId9">
+            <a:extLst>
+              <a:ext uri="{28A0092B-C50C-407E-A947-70E740481C1C}">
+                <a14:useLocalDpi xmlns:a14="http://schemas.microsoft.com/office/drawing/2010/main" val="0"/>
+              </a:ext>
+            </a:extLst>
+          </a:blip>
+          <a:srcRect l="77619" t="5537" r="16198" b="8115"/>
+          <a:stretch/>
+        </p:blipFill>
+        <p:spPr bwMode="auto">
+          <a:xfrm>
+            <a:off x="12648258" y="34951089"/>
+            <a:ext cx="879668" cy="6381803"/>
+          </a:xfrm>
+          <a:prstGeom prst="rect">
+            <a:avLst/>
+          </a:prstGeom>
+          <a:noFill/>
+          <a:extLst>
+            <a:ext uri="{909E8E84-426E-40DD-AFC4-6F175D3DCCD1}">
+              <a14:hiddenFill xmlns:a14="http://schemas.microsoft.com/office/drawing/2010/main">
+                <a:solidFill>
+                  <a:srgbClr val="FFFFFF"/>
+                </a:solidFill>
+              </a14:hiddenFill>
+            </a:ext>
+          </a:extLst>
+        </p:spPr>
+      </p:pic>
+      <p:sp>
+        <p:nvSpPr>
+          <p:cNvPr id="63" name="TextBox 62"/>
+          <p:cNvSpPr txBox="1"/>
+          <p:nvPr/>
+        </p:nvSpPr>
+        <p:spPr>
+          <a:xfrm>
+            <a:off x="11414936" y="34708156"/>
+            <a:ext cx="2986964" cy="523220"/>
+          </a:xfrm>
+          <a:prstGeom prst="rect">
+            <a:avLst/>
+          </a:prstGeom>
+          <a:noFill/>
+        </p:spPr>
+        <p:txBody>
+          <a:bodyPr wrap="square" rtlCol="1">
+            <a:spAutoFit/>
+          </a:bodyPr>
+          <a:lstStyle/>
+          <a:p>
+            <a:pPr algn="ctr"/>
+            <a:r>
+              <a:rPr lang="en-US" sz="2800" dirty="0" smtClean="0"/>
+              <a:t>fitness</a:t>
+            </a:r>
+            <a:endParaRPr lang="he-IL" sz="2800" dirty="0"/>
+          </a:p>
+        </p:txBody>
+      </p:sp>
       <p:grpSp>
         <p:nvGrpSpPr>
-          <p:cNvPr id="18" name="Group 17"/>
+          <p:cNvPr id="58" name="Group 57"/>
           <p:cNvGrpSpPr/>
           <p:nvPr/>
         </p:nvGrpSpPr>
         <p:grpSpPr>
           <a:xfrm>
-            <a:off x="23301795" y="30649658"/>
-            <a:ext cx="3629497" cy="7946930"/>
-            <a:chOff x="8755658" y="31870227"/>
-            <a:chExt cx="3269978" cy="7159749"/>
+            <a:off x="4393814" y="15306545"/>
+            <a:ext cx="7678124" cy="3132413"/>
+            <a:chOff x="4393814" y="15306545"/>
+            <a:chExt cx="7678124" cy="3132413"/>
           </a:xfrm>
         </p:grpSpPr>
-        <p:pic>
-          <p:nvPicPr>
-            <p:cNvPr id="16" name="Picture 2" descr="D:\workspace\ruggedsim\manuscript\fitness_landscape_colorbar.png"/>
-            <p:cNvPicPr>
-              <a:picLocks noChangeAspect="1" noChangeArrowheads="1"/>
-            </p:cNvPicPr>
+        <p:grpSp>
+          <p:nvGrpSpPr>
+            <p:cNvPr id="2" name="Group 1"/>
+            <p:cNvGrpSpPr/>
             <p:nvPr/>
-          </p:nvPicPr>
-          <p:blipFill rotWithShape="1">
-            <a:blip r:embed="rId10">
+          </p:nvGrpSpPr>
+          <p:grpSpPr>
+            <a:xfrm>
+              <a:off x="4393814" y="15306545"/>
+              <a:ext cx="7678124" cy="3132413"/>
+              <a:chOff x="4300513" y="20870586"/>
+              <a:chExt cx="7678124" cy="3132413"/>
+            </a:xfrm>
+          </p:grpSpPr>
+          <p:pic>
+            <p:nvPicPr>
+              <p:cNvPr id="21" name="Picture 2" descr="http://upload.wikimedia.org/wikipedia/commons/2/29/Le_Dorje_Lakpa_(Himalaya,_N%C3%A9pal)_(8449549937).jpg"/>
+              <p:cNvPicPr>
+                <a:picLocks noChangeAspect="1" noChangeArrowheads="1"/>
+              </p:cNvPicPr>
+              <p:nvPr/>
+            </p:nvPicPr>
+            <p:blipFill rotWithShape="1">
+              <a:blip r:embed="rId10">
+                <a:extLst>
+                  <a:ext uri="{28A0092B-C50C-407E-A947-70E740481C1C}">
+                    <a14:useLocalDpi xmlns:a14="http://schemas.microsoft.com/office/drawing/2010/main" val="0"/>
+                  </a:ext>
+                </a:extLst>
+              </a:blip>
+              <a:srcRect t="23545" b="22073"/>
+              <a:stretch/>
+            </p:blipFill>
+            <p:spPr bwMode="auto">
+              <a:xfrm>
+                <a:off x="4300513" y="20870586"/>
+                <a:ext cx="7678124" cy="3132413"/>
+              </a:xfrm>
+              <a:prstGeom prst="rect">
+                <a:avLst/>
+              </a:prstGeom>
+              <a:ln>
+                <a:noFill/>
+              </a:ln>
+              <a:effectLst>
+                <a:outerShdw blurRad="292100" dist="139700" dir="2700000" algn="tl" rotWithShape="0">
+                  <a:srgbClr val="333333">
+                    <a:alpha val="65000"/>
+                  </a:srgbClr>
+                </a:outerShdw>
+              </a:effectLst>
               <a:extLst>
-                <a:ext uri="{28A0092B-C50C-407E-A947-70E740481C1C}">
-                  <a14:useLocalDpi xmlns:a14="http://schemas.microsoft.com/office/drawing/2010/main" val="0"/>
+                <a:ext uri="{909E8E84-426E-40DD-AFC4-6F175D3DCCD1}">
+                  <a14:hiddenFill xmlns:a14="http://schemas.microsoft.com/office/drawing/2010/main">
+                    <a:solidFill>
+                      <a:srgbClr val="FFFFFF"/>
+                    </a:solidFill>
+                  </a14:hiddenFill>
                 </a:ext>
               </a:extLst>
-            </a:blip>
-            <a:srcRect l="77619" t="5537" r="16198" b="8115"/>
-            <a:stretch/>
-          </p:blipFill>
-          <p:spPr bwMode="auto">
-            <a:xfrm>
-              <a:off x="10027006" y="32043498"/>
-              <a:ext cx="963016" cy="6986478"/>
+            </p:spPr>
+          </p:pic>
+          <p:sp>
+            <p:nvSpPr>
+              <p:cNvPr id="22" name="Oval 21"/>
+              <p:cNvSpPr/>
+              <p:nvPr/>
+            </p:nvSpPr>
+            <p:spPr>
+              <a:xfrm>
+                <a:off x="8594781" y="21239112"/>
+                <a:ext cx="469216" cy="469216"/>
+              </a:xfrm>
+              <a:prstGeom prst="ellipse">
+                <a:avLst/>
+              </a:prstGeom>
+              <a:noFill/>
+              <a:ln w="76200">
+                <a:solidFill>
+                  <a:schemeClr val="tx1"/>
+                </a:solidFill>
+              </a:ln>
+              <a:effectLst>
+                <a:glow rad="101600">
+                  <a:schemeClr val="accent4">
+                    <a:satMod val="175000"/>
+                    <a:alpha val="40000"/>
+                  </a:schemeClr>
+                </a:glow>
+              </a:effectLst>
+            </p:spPr>
+            <p:style>
+              <a:lnRef idx="2">
+                <a:schemeClr val="accent4"/>
+              </a:lnRef>
+              <a:fillRef idx="1">
+                <a:schemeClr val="lt1"/>
+              </a:fillRef>
+              <a:effectRef idx="0">
+                <a:schemeClr val="accent4"/>
+              </a:effectRef>
+              <a:fontRef idx="minor">
+                <a:schemeClr val="dk1"/>
+              </a:fontRef>
+            </p:style>
+            <p:txBody>
+              <a:bodyPr rtlCol="1" anchor="ctr"/>
+              <a:lstStyle/>
+              <a:p>
+                <a:pPr algn="ctr"/>
+                <a:endParaRPr lang="he-IL"/>
+              </a:p>
+            </p:txBody>
+          </p:sp>
+          <p:cxnSp>
+            <p:nvCxnSpPr>
+              <p:cNvPr id="26" name="Straight Arrow Connector 25"/>
+              <p:cNvCxnSpPr/>
+              <p:nvPr/>
+            </p:nvCxnSpPr>
+            <p:spPr>
+              <a:xfrm flipV="1">
+                <a:off x="6105654" y="21539286"/>
+                <a:ext cx="2402472" cy="487890"/>
+              </a:xfrm>
+              <a:prstGeom prst="straightConnector1">
+                <a:avLst/>
+              </a:prstGeom>
+              <a:ln w="38100">
+                <a:solidFill>
+                  <a:schemeClr val="tx1"/>
+                </a:solidFill>
+                <a:prstDash val="dash"/>
+                <a:tailEnd type="arrow"/>
+              </a:ln>
+            </p:spPr>
+            <p:style>
+              <a:lnRef idx="1">
+                <a:schemeClr val="accent1"/>
+              </a:lnRef>
+              <a:fillRef idx="0">
+                <a:schemeClr val="accent1"/>
+              </a:fillRef>
+              <a:effectRef idx="0">
+                <a:schemeClr val="accent1"/>
+              </a:effectRef>
+              <a:fontRef idx="minor">
+                <a:schemeClr val="tx1"/>
+              </a:fontRef>
+            </p:style>
+          </p:cxnSp>
+          <p:sp>
+            <p:nvSpPr>
+              <p:cNvPr id="28" name="Oval 27"/>
+              <p:cNvSpPr/>
+              <p:nvPr/>
+            </p:nvSpPr>
+            <p:spPr>
+              <a:xfrm>
+                <a:off x="5571104" y="21932034"/>
+                <a:ext cx="469216" cy="469216"/>
+              </a:xfrm>
+              <a:prstGeom prst="ellipse">
+                <a:avLst/>
+              </a:prstGeom>
+              <a:noFill/>
+              <a:ln w="76200">
+                <a:solidFill>
+                  <a:schemeClr val="tx1"/>
+                </a:solidFill>
+              </a:ln>
+              <a:effectLst>
+                <a:glow rad="101600">
+                  <a:schemeClr val="accent4">
+                    <a:satMod val="175000"/>
+                    <a:alpha val="40000"/>
+                  </a:schemeClr>
+                </a:glow>
+              </a:effectLst>
+            </p:spPr>
+            <p:style>
+              <a:lnRef idx="2">
+                <a:schemeClr val="accent4"/>
+              </a:lnRef>
+              <a:fillRef idx="1">
+                <a:schemeClr val="lt1"/>
+              </a:fillRef>
+              <a:effectRef idx="0">
+                <a:schemeClr val="accent4"/>
+              </a:effectRef>
+              <a:fontRef idx="minor">
+                <a:schemeClr val="dk1"/>
+              </a:fontRef>
+            </p:style>
+            <p:txBody>
+              <a:bodyPr rtlCol="1" anchor="ctr"/>
+              <a:lstStyle/>
+              <a:p>
+                <a:pPr algn="ctr"/>
+                <a:endParaRPr lang="he-IL"/>
+              </a:p>
+            </p:txBody>
+          </p:sp>
+          <p:cxnSp>
+            <p:nvCxnSpPr>
+              <p:cNvPr id="29" name="Straight Arrow Connector 28"/>
+              <p:cNvCxnSpPr/>
+              <p:nvPr/>
+            </p:nvCxnSpPr>
+            <p:spPr>
+              <a:xfrm>
+                <a:off x="6114210" y="22288527"/>
+                <a:ext cx="961111" cy="544589"/>
+              </a:xfrm>
+              <a:prstGeom prst="straightConnector1">
+                <a:avLst/>
+              </a:prstGeom>
+              <a:ln w="38100">
+                <a:solidFill>
+                  <a:schemeClr val="tx1"/>
+                </a:solidFill>
+                <a:headEnd type="arrow"/>
+                <a:tailEnd type="none"/>
+              </a:ln>
+            </p:spPr>
+            <p:style>
+              <a:lnRef idx="1">
+                <a:schemeClr val="accent1"/>
+              </a:lnRef>
+              <a:fillRef idx="0">
+                <a:schemeClr val="accent1"/>
+              </a:fillRef>
+              <a:effectRef idx="0">
+                <a:schemeClr val="accent1"/>
+              </a:effectRef>
+              <a:fontRef idx="minor">
+                <a:schemeClr val="tx1"/>
+              </a:fontRef>
+            </p:style>
+          </p:cxnSp>
+        </p:grpSp>
+        <p:cxnSp>
+          <p:nvCxnSpPr>
+            <p:cNvPr id="25" name="Straight Arrow Connector 24"/>
+            <p:cNvCxnSpPr/>
+            <p:nvPr/>
+          </p:nvCxnSpPr>
+          <p:spPr>
+            <a:xfrm flipV="1">
+              <a:off x="7168622" y="16104313"/>
+              <a:ext cx="1432805" cy="1164762"/>
             </a:xfrm>
-            <a:prstGeom prst="rect">
+            <a:prstGeom prst="straightConnector1">
               <a:avLst/>
             </a:prstGeom>
-            <a:noFill/>
-            <a:extLst>
-              <a:ext uri="{909E8E84-426E-40DD-AFC4-6F175D3DCCD1}">
-                <a14:hiddenFill xmlns:a14="http://schemas.microsoft.com/office/drawing/2010/main">
-                  <a:solidFill>
-                    <a:srgbClr val="FFFFFF"/>
-                  </a:solidFill>
-                </a14:hiddenFill>
-              </a:ext>
-            </a:extLst>
+            <a:ln w="38100">
+              <a:solidFill>
+                <a:schemeClr val="tx1"/>
+              </a:solidFill>
+              <a:tailEnd type="arrow"/>
+            </a:ln>
           </p:spPr>
-        </p:pic>
-        <p:sp>
-          <p:nvSpPr>
-            <p:cNvPr id="56" name="TextBox 55"/>
-            <p:cNvSpPr txBox="1"/>
+          <p:style>
+            <a:lnRef idx="1">
+              <a:schemeClr val="accent1"/>
+            </a:lnRef>
+            <a:fillRef idx="0">
+              <a:schemeClr val="accent1"/>
+            </a:fillRef>
+            <a:effectRef idx="0">
+              <a:schemeClr val="accent1"/>
+            </a:effectRef>
+            <a:fontRef idx="minor">
+              <a:schemeClr val="tx1"/>
+            </a:fontRef>
+          </p:style>
+        </p:cxnSp>
+        <p:cxnSp>
+          <p:nvCxnSpPr>
+            <p:cNvPr id="85" name="Straight Arrow Connector 84"/>
+            <p:cNvCxnSpPr/>
             <p:nvPr/>
-          </p:nvSpPr>
+          </p:nvCxnSpPr>
           <p:spPr>
-            <a:xfrm>
-              <a:off x="8755658" y="31870227"/>
-              <a:ext cx="3269978" cy="461665"/>
+            <a:xfrm flipV="1">
+              <a:off x="4393814" y="16669238"/>
+              <a:ext cx="1174206" cy="973022"/>
             </a:xfrm>
-            <a:prstGeom prst="rect">
+            <a:prstGeom prst="straightConnector1">
               <a:avLst/>
             </a:prstGeom>
-            <a:noFill/>
+            <a:ln w="38100">
+              <a:solidFill>
+                <a:schemeClr val="tx1"/>
+              </a:solidFill>
+              <a:tailEnd type="arrow"/>
+            </a:ln>
           </p:spPr>
-          <p:txBody>
-            <a:bodyPr wrap="square" rtlCol="1">
-              <a:spAutoFit/>
-            </a:bodyPr>
-            <a:lstStyle/>
-            <a:p>
-              <a:pPr algn="ctr"/>
-              <a:r>
-                <a:rPr lang="en-US" sz="2400" dirty="0" smtClean="0"/>
-                <a:t>fitness</a:t>
-              </a:r>
-              <a:endParaRPr lang="he-IL" sz="2400" dirty="0"/>
-            </a:p>
-          </p:txBody>
-        </p:sp>
+          <p:style>
+            <a:lnRef idx="1">
+              <a:schemeClr val="accent1"/>
+            </a:lnRef>
+            <a:fillRef idx="0">
+              <a:schemeClr val="accent1"/>
+            </a:fillRef>
+            <a:effectRef idx="0">
+              <a:schemeClr val="accent1"/>
+            </a:effectRef>
+            <a:fontRef idx="minor">
+              <a:schemeClr val="tx1"/>
+            </a:fontRef>
+          </p:style>
+        </p:cxnSp>
+        <p:cxnSp>
+          <p:nvCxnSpPr>
+            <p:cNvPr id="87" name="Straight Arrow Connector 86"/>
+            <p:cNvCxnSpPr/>
+            <p:nvPr/>
+          </p:nvCxnSpPr>
+          <p:spPr>
+            <a:xfrm flipH="1" flipV="1">
+              <a:off x="9277601" y="15975246"/>
+              <a:ext cx="598699" cy="693166"/>
+            </a:xfrm>
+            <a:prstGeom prst="straightConnector1">
+              <a:avLst/>
+            </a:prstGeom>
+            <a:ln w="38100">
+              <a:solidFill>
+                <a:schemeClr val="tx1"/>
+              </a:solidFill>
+              <a:tailEnd type="arrow"/>
+            </a:ln>
+          </p:spPr>
+          <p:style>
+            <a:lnRef idx="1">
+              <a:schemeClr val="accent1"/>
+            </a:lnRef>
+            <a:fillRef idx="0">
+              <a:schemeClr val="accent1"/>
+            </a:fillRef>
+            <a:effectRef idx="0">
+              <a:schemeClr val="accent1"/>
+            </a:effectRef>
+            <a:fontRef idx="minor">
+              <a:schemeClr val="tx1"/>
+            </a:fontRef>
+          </p:style>
+        </p:cxnSp>
       </p:grpSp>
       <p:pic>
         <p:nvPicPr>
-          <p:cNvPr id="17" name="Picture 13" descr="D:\university\confrences\GRC2013\fitness_landscape_analytic_model.png"/>
+          <p:cNvPr id="1044" name="Picture 20" descr="D:\university\confrences\GRC2013\fitness_bars.png"/>
           <p:cNvPicPr>
             <a:picLocks noChangeAspect="1" noChangeArrowheads="1"/>
           </p:cNvPicPr>
@@ -12940,8 +13039,8 @@
         </p:blipFill>
         <p:spPr bwMode="auto">
           <a:xfrm>
-            <a:off x="4176764" y="32553546"/>
-            <a:ext cx="6115051" cy="6115050"/>
+            <a:off x="8041109" y="28785216"/>
+            <a:ext cx="5487988" cy="5487988"/>
           </a:xfrm>
           <a:prstGeom prst="rect">
             <a:avLst/>
@@ -12958,91 +13057,365 @@
           </a:extLst>
         </p:spPr>
       </p:pic>
-      <p:grpSp>
-        <p:nvGrpSpPr>
-          <p:cNvPr id="61" name="Group 60"/>
-          <p:cNvGrpSpPr/>
+      <p:sp>
+        <p:nvSpPr>
+          <p:cNvPr id="68" name="TextBox 67"/>
+          <p:cNvSpPr txBox="1"/>
           <p:nvPr/>
-        </p:nvGrpSpPr>
-        <p:grpSpPr>
+        </p:nvSpPr>
+        <p:spPr>
           <a:xfrm>
-            <a:off x="9321075" y="32344543"/>
-            <a:ext cx="2986964" cy="6540077"/>
-            <a:chOff x="8755658" y="31870227"/>
-            <a:chExt cx="3269978" cy="7159749"/>
+            <a:off x="8418245" y="28836599"/>
+            <a:ext cx="1519159" cy="830997"/>
           </a:xfrm>
-        </p:grpSpPr>
-        <p:pic>
-          <p:nvPicPr>
-            <p:cNvPr id="62" name="Picture 2" descr="D:\workspace\ruggedsim\manuscript\fitness_landscape_colorbar.png"/>
-            <p:cNvPicPr>
-              <a:picLocks noChangeAspect="1" noChangeArrowheads="1"/>
-            </p:cNvPicPr>
-            <p:nvPr/>
-          </p:nvPicPr>
-          <p:blipFill rotWithShape="1">
-            <a:blip r:embed="rId10">
-              <a:extLst>
-                <a:ext uri="{28A0092B-C50C-407E-A947-70E740481C1C}">
-                  <a14:useLocalDpi xmlns:a14="http://schemas.microsoft.com/office/drawing/2010/main" val="0"/>
-                </a:ext>
-              </a:extLst>
-            </a:blip>
-            <a:srcRect l="77619" t="5537" r="16198" b="8115"/>
-            <a:stretch/>
-          </p:blipFill>
-          <p:spPr bwMode="auto">
-            <a:xfrm>
-              <a:off x="10027006" y="32043498"/>
-              <a:ext cx="963016" cy="6986478"/>
-            </a:xfrm>
-            <a:prstGeom prst="rect">
-              <a:avLst/>
-            </a:prstGeom>
-            <a:noFill/>
+          <a:prstGeom prst="rect">
+            <a:avLst/>
+          </a:prstGeom>
+          <a:noFill/>
+        </p:spPr>
+        <p:txBody>
+          <a:bodyPr wrap="square" rtlCol="1">
+            <a:spAutoFit/>
+          </a:bodyPr>
+          <a:lstStyle/>
+          <a:p>
+            <a:pPr algn="ctr" rtl="0"/>
+            <a:r>
+              <a:rPr lang="en-US" sz="4800" dirty="0" smtClean="0"/>
+              <a:t>[3]</a:t>
+            </a:r>
+            <a:endParaRPr lang="he-IL" sz="4800" dirty="0"/>
+          </a:p>
+        </p:txBody>
+      </p:sp>
+      <p:sp>
+        <p:nvSpPr>
+          <p:cNvPr id="103" name="TextBox 102"/>
+          <p:cNvSpPr txBox="1"/>
+          <p:nvPr/>
+        </p:nvSpPr>
+        <p:spPr>
+          <a:xfrm>
+            <a:off x="8418245" y="35066861"/>
+            <a:ext cx="1519159" cy="830997"/>
+          </a:xfrm>
+          <a:prstGeom prst="rect">
+            <a:avLst/>
+          </a:prstGeom>
+          <a:noFill/>
+        </p:spPr>
+        <p:txBody>
+          <a:bodyPr wrap="square" rtlCol="1">
+            <a:spAutoFit/>
+          </a:bodyPr>
+          <a:lstStyle/>
+          <a:p>
+            <a:pPr algn="ctr" rtl="0"/>
+            <a:r>
+              <a:rPr lang="en-US" sz="4800" dirty="0" smtClean="0"/>
+              <a:t>[4]</a:t>
+            </a:r>
+            <a:endParaRPr lang="he-IL" sz="4800" dirty="0"/>
+          </a:p>
+        </p:txBody>
+      </p:sp>
+      <p:sp>
+        <p:nvSpPr>
+          <p:cNvPr id="105" name="TextBox 104"/>
+          <p:cNvSpPr txBox="1"/>
+          <p:nvPr/>
+        </p:nvSpPr>
+        <p:spPr>
+          <a:xfrm>
+            <a:off x="10552779" y="11558620"/>
+            <a:ext cx="1519159" cy="830997"/>
+          </a:xfrm>
+          <a:prstGeom prst="rect">
+            <a:avLst/>
+          </a:prstGeom>
+          <a:noFill/>
+        </p:spPr>
+        <p:txBody>
+          <a:bodyPr wrap="square" rtlCol="1">
+            <a:spAutoFit/>
+          </a:bodyPr>
+          <a:lstStyle/>
+          <a:p>
+            <a:pPr rtl="0"/>
+            <a:r>
+              <a:rPr lang="en-US" sz="4800" dirty="0" smtClean="0"/>
+              <a:t>[1]</a:t>
+            </a:r>
+            <a:endParaRPr lang="he-IL" sz="4800" dirty="0"/>
+          </a:p>
+        </p:txBody>
+      </p:sp>
+      <p:sp>
+        <p:nvSpPr>
+          <p:cNvPr id="106" name="TextBox 105"/>
+          <p:cNvSpPr txBox="1"/>
+          <p:nvPr/>
+        </p:nvSpPr>
+        <p:spPr>
+          <a:xfrm>
+            <a:off x="10533206" y="15283597"/>
+            <a:ext cx="1519159" cy="830997"/>
+          </a:xfrm>
+          <a:prstGeom prst="rect">
+            <a:avLst/>
+          </a:prstGeom>
+          <a:noFill/>
+        </p:spPr>
+        <p:txBody>
+          <a:bodyPr wrap="square" rtlCol="1">
+            <a:spAutoFit/>
+          </a:bodyPr>
+          <a:lstStyle/>
+          <a:p>
+            <a:pPr rtl="0"/>
+            <a:r>
+              <a:rPr lang="en-US" sz="4800" dirty="0" smtClean="0"/>
+              <a:t>[2]</a:t>
+            </a:r>
+            <a:endParaRPr lang="he-IL" sz="4800" dirty="0"/>
+          </a:p>
+        </p:txBody>
+      </p:sp>
+      <p:pic>
+        <p:nvPicPr>
+          <p:cNvPr id="1046" name="Picture 22" descr="D:\university\confrences\GRC2013\fitness_landscape_stochastic_model.png"/>
+          <p:cNvPicPr>
+            <a:picLocks noChangeAspect="1" noChangeArrowheads="1"/>
+          </p:cNvPicPr>
+          <p:nvPr/>
+        </p:nvPicPr>
+        <p:blipFill>
+          <a:blip r:embed="rId12">
             <a:extLst>
-              <a:ext uri="{909E8E84-426E-40DD-AFC4-6F175D3DCCD1}">
-                <a14:hiddenFill xmlns:a14="http://schemas.microsoft.com/office/drawing/2010/main">
-                  <a:solidFill>
-                    <a:srgbClr val="FFFFFF"/>
-                  </a:solidFill>
-                </a14:hiddenFill>
+              <a:ext uri="{28A0092B-C50C-407E-A947-70E740481C1C}">
+                <a14:useLocalDpi xmlns:a14="http://schemas.microsoft.com/office/drawing/2010/main" val="0"/>
               </a:ext>
             </a:extLst>
-          </p:spPr>
-        </p:pic>
-        <p:sp>
-          <p:nvSpPr>
-            <p:cNvPr id="63" name="TextBox 62"/>
-            <p:cNvSpPr txBox="1"/>
-            <p:nvPr/>
-          </p:nvSpPr>
-          <p:spPr>
-            <a:xfrm>
-              <a:off x="8755658" y="31870227"/>
-              <a:ext cx="3269978" cy="461665"/>
-            </a:xfrm>
-            <a:prstGeom prst="rect">
-              <a:avLst/>
-            </a:prstGeom>
-            <a:noFill/>
-          </p:spPr>
-          <p:txBody>
-            <a:bodyPr wrap="square" rtlCol="1">
-              <a:spAutoFit/>
-            </a:bodyPr>
-            <a:lstStyle/>
-            <a:p>
-              <a:pPr algn="ctr"/>
-              <a:r>
-                <a:rPr lang="en-US" sz="2400" dirty="0" smtClean="0"/>
-                <a:t>fitness</a:t>
-              </a:r>
-              <a:endParaRPr lang="he-IL" sz="2400" dirty="0"/>
-            </a:p>
-          </p:txBody>
-        </p:sp>
-      </p:grpSp>
+          </a:blip>
+          <a:srcRect/>
+          <a:stretch>
+            <a:fillRect/>
+          </a:stretch>
+        </p:blipFill>
+        <p:spPr bwMode="auto">
+          <a:xfrm>
+            <a:off x="16634148" y="31683820"/>
+            <a:ext cx="9629651" cy="9629651"/>
+          </a:xfrm>
+          <a:prstGeom prst="rect">
+            <a:avLst/>
+          </a:prstGeom>
+          <a:noFill/>
+          <a:extLst>
+            <a:ext uri="{909E8E84-426E-40DD-AFC4-6F175D3DCCD1}">
+              <a14:hiddenFill xmlns:a14="http://schemas.microsoft.com/office/drawing/2010/main">
+                <a:solidFill>
+                  <a:srgbClr val="FFFFFF"/>
+                </a:solidFill>
+              </a14:hiddenFill>
+            </a:ext>
+          </a:extLst>
+        </p:spPr>
+      </p:pic>
+      <p:sp>
+        <p:nvSpPr>
+          <p:cNvPr id="104" name="TextBox 103"/>
+          <p:cNvSpPr txBox="1"/>
+          <p:nvPr/>
+        </p:nvSpPr>
+        <p:spPr>
+          <a:xfrm>
+            <a:off x="16638077" y="31695573"/>
+            <a:ext cx="1519159" cy="830997"/>
+          </a:xfrm>
+          <a:prstGeom prst="rect">
+            <a:avLst/>
+          </a:prstGeom>
+          <a:noFill/>
+        </p:spPr>
+        <p:txBody>
+          <a:bodyPr wrap="square" rtlCol="1">
+            <a:spAutoFit/>
+          </a:bodyPr>
+          <a:lstStyle/>
+          <a:p>
+            <a:pPr rtl="0"/>
+            <a:r>
+              <a:rPr lang="en-US" sz="4800" dirty="0" smtClean="0"/>
+              <a:t>[5]</a:t>
+            </a:r>
+            <a:endParaRPr lang="he-IL" sz="4800" dirty="0"/>
+          </a:p>
+        </p:txBody>
+      </p:sp>
+      <p:sp>
+        <p:nvSpPr>
+          <p:cNvPr id="112" name="TextBox 111"/>
+          <p:cNvSpPr txBox="1"/>
+          <p:nvPr/>
+        </p:nvSpPr>
+        <p:spPr>
+          <a:xfrm>
+            <a:off x="30171652" y="8137204"/>
+            <a:ext cx="1519159" cy="830997"/>
+          </a:xfrm>
+          <a:prstGeom prst="rect">
+            <a:avLst/>
+          </a:prstGeom>
+          <a:noFill/>
+        </p:spPr>
+        <p:txBody>
+          <a:bodyPr wrap="square" rtlCol="1">
+            <a:spAutoFit/>
+          </a:bodyPr>
+          <a:lstStyle/>
+          <a:p>
+            <a:pPr rtl="0"/>
+            <a:r>
+              <a:rPr lang="en-US" sz="4800" dirty="0" smtClean="0"/>
+              <a:t>[6]</a:t>
+            </a:r>
+            <a:endParaRPr lang="he-IL" sz="4800" dirty="0"/>
+          </a:p>
+        </p:txBody>
+      </p:sp>
+      <p:sp>
+        <p:nvSpPr>
+          <p:cNvPr id="113" name="TextBox 112"/>
+          <p:cNvSpPr txBox="1"/>
+          <p:nvPr/>
+        </p:nvSpPr>
+        <p:spPr>
+          <a:xfrm>
+            <a:off x="30171651" y="12706807"/>
+            <a:ext cx="1519159" cy="830997"/>
+          </a:xfrm>
+          <a:prstGeom prst="rect">
+            <a:avLst/>
+          </a:prstGeom>
+          <a:noFill/>
+        </p:spPr>
+        <p:txBody>
+          <a:bodyPr wrap="square" rtlCol="1">
+            <a:spAutoFit/>
+          </a:bodyPr>
+          <a:lstStyle/>
+          <a:p>
+            <a:pPr rtl="0"/>
+            <a:r>
+              <a:rPr lang="en-US" sz="4800" dirty="0" smtClean="0"/>
+              <a:t>[7]</a:t>
+            </a:r>
+            <a:endParaRPr lang="he-IL" sz="4800" dirty="0"/>
+          </a:p>
+        </p:txBody>
+      </p:sp>
+      <p:sp>
+        <p:nvSpPr>
+          <p:cNvPr id="114" name="TextBox 113"/>
+          <p:cNvSpPr txBox="1"/>
+          <p:nvPr/>
+        </p:nvSpPr>
+        <p:spPr>
+          <a:xfrm>
+            <a:off x="30884741" y="18899495"/>
+            <a:ext cx="1519159" cy="830997"/>
+          </a:xfrm>
+          <a:prstGeom prst="rect">
+            <a:avLst/>
+          </a:prstGeom>
+          <a:noFill/>
+        </p:spPr>
+        <p:txBody>
+          <a:bodyPr wrap="square" rtlCol="1">
+            <a:spAutoFit/>
+          </a:bodyPr>
+          <a:lstStyle/>
+          <a:p>
+            <a:pPr rtl="0"/>
+            <a:r>
+              <a:rPr lang="en-US" sz="4800" dirty="0" smtClean="0"/>
+              <a:t>[8]</a:t>
+            </a:r>
+            <a:endParaRPr lang="he-IL" sz="4800" dirty="0"/>
+          </a:p>
+        </p:txBody>
+      </p:sp>
+      <p:pic>
+        <p:nvPicPr>
+          <p:cNvPr id="1047" name="Picture 23" descr="D:\university\confrences\GRC2013\fitness_landscape_colorbar.png"/>
+          <p:cNvPicPr>
+            <a:picLocks noChangeAspect="1" noChangeArrowheads="1"/>
+          </p:cNvPicPr>
+          <p:nvPr/>
+        </p:nvPicPr>
+        <p:blipFill rotWithShape="1">
+          <a:blip r:embed="rId13">
+            <a:extLst>
+              <a:ext uri="{28A0092B-C50C-407E-A947-70E740481C1C}">
+                <a14:useLocalDpi xmlns:a14="http://schemas.microsoft.com/office/drawing/2010/main" val="0"/>
+              </a:ext>
+            </a:extLst>
+          </a:blip>
+          <a:srcRect l="77438" t="8590" r="15914" b="8599"/>
+          <a:stretch/>
+        </p:blipFill>
+        <p:spPr bwMode="auto">
+          <a:xfrm>
+            <a:off x="25923180" y="32874221"/>
+            <a:ext cx="1215997" cy="7573529"/>
+          </a:xfrm>
+          <a:prstGeom prst="rect">
+            <a:avLst/>
+          </a:prstGeom>
+          <a:noFill/>
+          <a:extLst>
+            <a:ext uri="{909E8E84-426E-40DD-AFC4-6F175D3DCCD1}">
+              <a14:hiddenFill xmlns:a14="http://schemas.microsoft.com/office/drawing/2010/main">
+                <a:solidFill>
+                  <a:srgbClr val="FFFFFF"/>
+                </a:solidFill>
+              </a14:hiddenFill>
+            </a:ext>
+          </a:extLst>
+        </p:spPr>
+      </p:pic>
+      <p:sp>
+        <p:nvSpPr>
+          <p:cNvPr id="116" name="TextBox 115"/>
+          <p:cNvSpPr txBox="1"/>
+          <p:nvPr/>
+        </p:nvSpPr>
+        <p:spPr>
+          <a:xfrm>
+            <a:off x="24808424" y="32384736"/>
+            <a:ext cx="2986964" cy="523220"/>
+          </a:xfrm>
+          <a:prstGeom prst="rect">
+            <a:avLst/>
+          </a:prstGeom>
+          <a:noFill/>
+        </p:spPr>
+        <p:txBody>
+          <a:bodyPr wrap="square" rtlCol="1">
+            <a:spAutoFit/>
+          </a:bodyPr>
+          <a:lstStyle/>
+          <a:p>
+            <a:pPr algn="ctr"/>
+            <a:r>
+              <a:rPr lang="en-US" sz="2800" dirty="0" smtClean="0"/>
+              <a:t>fitness</a:t>
+            </a:r>
+            <a:endParaRPr lang="he-IL" sz="2800" dirty="0"/>
+          </a:p>
+        </p:txBody>
+      </p:sp>
     </p:spTree>
     <p:extLst>
       <p:ext uri="{BB962C8B-B14F-4D97-AF65-F5344CB8AC3E}">

--- a/poster.pptx
+++ b/poster.pptx
@@ -4097,6 +4097,34 @@
               </a:tabLst>
               <a:defRPr/>
             </a:pPr>
+            <a:endParaRPr lang="en-US" sz="2800" kern="0" dirty="0" smtClean="0">
+              <a:latin typeface="+mn-lt"/>
+            </a:endParaRPr>
+          </a:p>
+          <a:p>
+            <a:pPr indent="205704" algn="just" defTabSz="908920" rtl="0" eaLnBrk="1" hangingPunct="1">
+              <a:spcBef>
+                <a:spcPct val="50000"/>
+              </a:spcBef>
+              <a:tabLst>
+                <a:tab pos="497067" algn="l"/>
+              </a:tabLst>
+              <a:defRPr/>
+            </a:pPr>
+            <a:endParaRPr lang="en-US" sz="2800" kern="0" dirty="0">
+              <a:latin typeface="+mn-lt"/>
+            </a:endParaRPr>
+          </a:p>
+          <a:p>
+            <a:pPr indent="205704" algn="just" defTabSz="908920" rtl="0" eaLnBrk="1" hangingPunct="1">
+              <a:spcBef>
+                <a:spcPct val="50000"/>
+              </a:spcBef>
+              <a:tabLst>
+                <a:tab pos="497067" algn="l"/>
+              </a:tabLst>
+              <a:defRPr/>
+            </a:pPr>
             <a:r>
               <a:rPr lang="en-US" sz="2800" kern="0" dirty="0" smtClean="0">
                 <a:latin typeface="+mn-lt"/>
@@ -7699,7 +7727,7 @@
                     </a:solidFill>
                     <a:latin typeface="+mj-lt"/>
                   </a:rPr>
-                  <a:t>Analytic approximations</a:t>
+                  <a:t>Analytic Approximations</a:t>
                 </a:r>
               </a:p>
               <a:p>
@@ -9936,8 +9964,8 @@
         </p:nvSpPr>
         <p:spPr bwMode="auto">
           <a:xfrm>
-            <a:off x="29308836" y="28062000"/>
-            <a:ext cx="11520000" cy="5430861"/>
+            <a:off x="29308836" y="28062001"/>
+            <a:ext cx="11520000" cy="4845956"/>
           </a:xfrm>
           <a:prstGeom prst="rect">
             <a:avLst/>
@@ -10231,8 +10259,8 @@
         </p:nvSpPr>
         <p:spPr bwMode="auto">
           <a:xfrm>
-            <a:off x="29308836" y="39029975"/>
-            <a:ext cx="11520000" cy="2398487"/>
+            <a:off x="29308836" y="38870073"/>
+            <a:ext cx="11520000" cy="2558389"/>
           </a:xfrm>
           <a:prstGeom prst="rect">
             <a:avLst/>
@@ -10473,7 +10501,7 @@
         </p:nvSpPr>
         <p:spPr bwMode="auto">
           <a:xfrm>
-            <a:off x="29308836" y="34291996"/>
+            <a:off x="29308836" y="34132092"/>
             <a:ext cx="11520000" cy="4737981"/>
           </a:xfrm>
           <a:prstGeom prst="rect">
@@ -10743,19 +10771,7 @@
               <a:rPr lang="en-US" sz="2400" dirty="0">
                 <a:latin typeface="+mn-lt"/>
               </a:rPr>
-              <a:t> I, </a:t>
-            </a:r>
-            <a:r>
-              <a:rPr lang="en-US" sz="2400" i="1" dirty="0">
-                <a:latin typeface="+mn-lt"/>
-              </a:rPr>
-              <a:t>et al</a:t>
-            </a:r>
-            <a:r>
-              <a:rPr lang="en-US" sz="2400" i="1" dirty="0" smtClean="0">
-                <a:latin typeface="+mn-lt"/>
-              </a:rPr>
-              <a:t>.</a:t>
+              <a:t> I, et al</a:t>
             </a:r>
             <a:r>
               <a:rPr lang="en-US" sz="2400" dirty="0" smtClean="0">
@@ -11025,19 +11041,37 @@
               <a:rPr lang="en-US" sz="2400" dirty="0">
                 <a:latin typeface="+mn-lt"/>
               </a:rPr>
-              <a:t> 2006, 152(</a:t>
-            </a:r>
-            <a:r>
-              <a:rPr lang="en-US" sz="2400" dirty="0" err="1">
+              <a:t> 2006, </a:t>
+            </a:r>
+            <a:endParaRPr lang="en-US" sz="2400" dirty="0" smtClean="0">
+              <a:latin typeface="+mn-lt"/>
+            </a:endParaRPr>
+          </a:p>
+          <a:p>
+            <a:pPr marL="0" lvl="0" indent="0" algn="l" rtl="0"/>
+            <a:r>
+              <a:rPr lang="en-US" sz="2400" dirty="0" smtClean="0">
+                <a:latin typeface="+mn-lt"/>
+              </a:rPr>
+              <a:t>       152(</a:t>
+            </a:r>
+            <a:r>
+              <a:rPr lang="en-US" sz="2400" dirty="0" err="1" smtClean="0">
                 <a:latin typeface="+mn-lt"/>
               </a:rPr>
               <a:t>Pt</a:t>
             </a:r>
             <a:r>
+              <a:rPr lang="en-US" sz="2400" dirty="0" smtClean="0">
+                <a:latin typeface="+mn-lt"/>
+              </a:rPr>
+              <a:t> </a:t>
+            </a:r>
+            <a:r>
               <a:rPr lang="en-US" sz="2400" dirty="0">
                 <a:latin typeface="+mn-lt"/>
               </a:rPr>
-              <a:t> 9):2505–14</a:t>
+              <a:t>9):2505–14</a:t>
             </a:r>
             <a:r>
               <a:rPr lang="en-US" sz="2400" dirty="0" smtClean="0">
@@ -11562,7 +11596,7 @@
           <p:nvPr>
             <p:extLst>
               <p:ext uri="{D42A27DB-BD31-4B8C-83A1-F6EECF244321}">
-                <p14:modId xmlns:p14="http://schemas.microsoft.com/office/powerpoint/2010/main" val="537653272"/>
+                <p14:modId xmlns:p14="http://schemas.microsoft.com/office/powerpoint/2010/main" val="1670391130"/>
               </p:ext>
             </p:extLst>
           </p:nvPr>
@@ -11592,13 +11626,13 @@
                       <a:pPr algn="ctr" rtl="0"/>
                       <a:r>
                         <a:rPr lang="en-US" sz="2800" dirty="0" smtClean="0">
-                          <a:latin typeface="Helvetica" pitchFamily="34" charset="0"/>
+                          <a:latin typeface="+mn-lt"/>
                           <a:cs typeface="Helvetica" pitchFamily="34" charset="0"/>
                         </a:rPr>
                         <a:t>Citation</a:t>
                       </a:r>
                       <a:endParaRPr lang="he-IL" sz="2800" dirty="0">
-                        <a:latin typeface="Helvetica" pitchFamily="34" charset="0"/>
+                        <a:latin typeface="+mn-lt"/>
                         <a:cs typeface="Helvetica" pitchFamily="34" charset="0"/>
                       </a:endParaRPr>
                     </a:p>
@@ -11613,13 +11647,13 @@
                       <a:pPr algn="ctr" rtl="0"/>
                       <a:r>
                         <a:rPr lang="en-US" sz="2800" dirty="0" smtClean="0">
-                          <a:latin typeface="Helvetica" pitchFamily="34" charset="0"/>
+                          <a:latin typeface="+mn-lt"/>
                           <a:cs typeface="Helvetica" pitchFamily="34" charset="0"/>
                         </a:rPr>
                         <a:t>Estimate</a:t>
                       </a:r>
                       <a:endParaRPr lang="he-IL" sz="2800" dirty="0">
-                        <a:latin typeface="Helvetica" pitchFamily="34" charset="0"/>
+                        <a:latin typeface="+mn-lt"/>
                         <a:cs typeface="Helvetica" pitchFamily="34" charset="0"/>
                       </a:endParaRPr>
                     </a:p>
@@ -11634,13 +11668,13 @@
                       <a:pPr algn="ctr" rtl="0"/>
                       <a:r>
                         <a:rPr lang="en-US" sz="2800" dirty="0" smtClean="0">
-                          <a:latin typeface="Helvetica" pitchFamily="34" charset="0"/>
+                          <a:latin typeface="+mn-lt"/>
                           <a:cs typeface="Helvetica" pitchFamily="34" charset="0"/>
                         </a:rPr>
                         <a:t>Name</a:t>
                       </a:r>
                       <a:endParaRPr lang="he-IL" sz="2800" dirty="0">
-                        <a:latin typeface="Helvetica" pitchFamily="34" charset="0"/>
+                        <a:latin typeface="+mn-lt"/>
                         <a:cs typeface="Helvetica" pitchFamily="34" charset="0"/>
                       </a:endParaRPr>
                     </a:p>
@@ -11655,13 +11689,13 @@
                       <a:pPr algn="ctr" rtl="0"/>
                       <a:r>
                         <a:rPr lang="en-US" sz="2800" dirty="0" smtClean="0">
-                          <a:latin typeface="Helvetica" pitchFamily="34" charset="0"/>
+                          <a:latin typeface="+mn-lt"/>
                           <a:cs typeface="Helvetica" pitchFamily="34" charset="0"/>
                         </a:rPr>
                         <a:t>Sign</a:t>
                       </a:r>
                       <a:endParaRPr lang="he-IL" sz="2800" dirty="0">
-                        <a:latin typeface="Helvetica" pitchFamily="34" charset="0"/>
+                        <a:latin typeface="+mn-lt"/>
                         <a:cs typeface="Helvetica" pitchFamily="34" charset="0"/>
                       </a:endParaRPr>
                     </a:p>
@@ -11678,13 +11712,13 @@
                       <a:pPr algn="ctr" rtl="0"/>
                       <a:r>
                         <a:rPr lang="en-US" sz="2800" dirty="0" smtClean="0">
-                          <a:latin typeface="Helvetica" pitchFamily="34" charset="0"/>
+                          <a:latin typeface="+mn-lt"/>
                           <a:cs typeface="Helvetica" pitchFamily="34" charset="0"/>
                         </a:rPr>
                         <a:t>5, 6</a:t>
                       </a:r>
                       <a:endParaRPr lang="he-IL" sz="2800" dirty="0">
-                        <a:latin typeface="Helvetica" pitchFamily="34" charset="0"/>
+                        <a:latin typeface="+mn-lt"/>
                         <a:cs typeface="Helvetica" pitchFamily="34" charset="0"/>
                       </a:endParaRPr>
                     </a:p>
@@ -11699,13 +11733,13 @@
                       <a:pPr algn="ctr" rtl="0"/>
                       <a:r>
                         <a:rPr lang="en-US" sz="2800" dirty="0" smtClean="0">
-                          <a:latin typeface="Helvetica" pitchFamily="34" charset="0"/>
+                          <a:latin typeface="+mn-lt"/>
                           <a:cs typeface="Helvetica" pitchFamily="34" charset="0"/>
                         </a:rPr>
                         <a:t>0.001-0.01</a:t>
                       </a:r>
                       <a:endParaRPr lang="he-IL" sz="2800" dirty="0">
-                        <a:latin typeface="Helvetica" pitchFamily="34" charset="0"/>
+                        <a:latin typeface="+mn-lt"/>
                         <a:cs typeface="Helvetica" pitchFamily="34" charset="0"/>
                       </a:endParaRPr>
                     </a:p>
@@ -11720,13 +11754,13 @@
                       <a:pPr algn="ctr" rtl="0"/>
                       <a:r>
                         <a:rPr lang="en-US" sz="2800" dirty="0" smtClean="0">
-                          <a:latin typeface="Helvetica" pitchFamily="34" charset="0"/>
+                          <a:latin typeface="+mn-lt"/>
                           <a:cs typeface="Helvetica" pitchFamily="34" charset="0"/>
                         </a:rPr>
                         <a:t>Selection coefficient</a:t>
                       </a:r>
                       <a:endParaRPr lang="he-IL" sz="2800" dirty="0">
-                        <a:latin typeface="Helvetica" pitchFamily="34" charset="0"/>
+                        <a:latin typeface="+mn-lt"/>
                         <a:cs typeface="Helvetica" pitchFamily="34" charset="0"/>
                       </a:endParaRPr>
                     </a:p>
@@ -11741,13 +11775,13 @@
                       <a:pPr algn="ctr" rtl="0"/>
                       <a:r>
                         <a:rPr lang="en-US" sz="2800" i="1" dirty="0" smtClean="0">
-                          <a:latin typeface="Helvetica" pitchFamily="34" charset="0"/>
+                          <a:latin typeface="+mn-lt"/>
                           <a:cs typeface="Helvetica" pitchFamily="34" charset="0"/>
                         </a:rPr>
                         <a:t>s</a:t>
                       </a:r>
                       <a:endParaRPr lang="he-IL" sz="2800" i="1" dirty="0">
-                        <a:latin typeface="Helvetica" pitchFamily="34" charset="0"/>
+                        <a:latin typeface="+mn-lt"/>
                         <a:cs typeface="Helvetica" pitchFamily="34" charset="0"/>
                       </a:endParaRPr>
                     </a:p>
@@ -11780,13 +11814,13 @@
                       </a:pPr>
                       <a:r>
                         <a:rPr lang="en-US" sz="2800" baseline="0" dirty="0" smtClean="0">
-                          <a:latin typeface="Helvetica" pitchFamily="34" charset="0"/>
+                          <a:latin typeface="+mn-lt"/>
                           <a:cs typeface="Helvetica" pitchFamily="34" charset="0"/>
                         </a:rPr>
                         <a:t>6</a:t>
                       </a:r>
                       <a:endParaRPr lang="he-IL" sz="2800" dirty="0" smtClean="0">
-                        <a:latin typeface="Helvetica" pitchFamily="34" charset="0"/>
+                        <a:latin typeface="+mn-lt"/>
                         <a:cs typeface="Helvetica" pitchFamily="34" charset="0"/>
                       </a:endParaRPr>
                     </a:p>
@@ -11801,13 +11835,13 @@
                       <a:pPr algn="ctr" rtl="0"/>
                       <a:r>
                         <a:rPr lang="en-US" sz="2800" dirty="0" smtClean="0">
-                          <a:latin typeface="Helvetica" pitchFamily="34" charset="0"/>
+                          <a:latin typeface="+mn-lt"/>
                           <a:cs typeface="Helvetica" pitchFamily="34" charset="0"/>
                         </a:rPr>
                         <a:t>1-10</a:t>
                       </a:r>
                       <a:endParaRPr lang="he-IL" sz="2800" dirty="0">
-                        <a:latin typeface="Helvetica" pitchFamily="34" charset="0"/>
+                        <a:latin typeface="+mn-lt"/>
                         <a:cs typeface="Helvetica" pitchFamily="34" charset="0"/>
                       </a:endParaRPr>
                     </a:p>
@@ -11822,13 +11856,13 @@
                       <a:pPr algn="ctr" rtl="0"/>
                       <a:r>
                         <a:rPr lang="en-US" sz="2800" dirty="0" smtClean="0">
-                          <a:latin typeface="Helvetica" pitchFamily="34" charset="0"/>
+                          <a:latin typeface="+mn-lt"/>
                           <a:cs typeface="Helvetica" pitchFamily="34" charset="0"/>
                         </a:rPr>
                         <a:t>Double mutant advantage</a:t>
                       </a:r>
                       <a:endParaRPr lang="he-IL" sz="2800" dirty="0">
-                        <a:latin typeface="Helvetica" pitchFamily="34" charset="0"/>
+                        <a:latin typeface="+mn-lt"/>
                         <a:cs typeface="Helvetica" pitchFamily="34" charset="0"/>
                       </a:endParaRPr>
                     </a:p>
@@ -11843,13 +11877,13 @@
                       <a:pPr algn="ctr" rtl="0"/>
                       <a:r>
                         <a:rPr lang="en-US" sz="2800" i="1" dirty="0" smtClean="0">
-                          <a:latin typeface="Helvetica" pitchFamily="34" charset="0"/>
+                          <a:latin typeface="+mn-lt"/>
                           <a:cs typeface="Helvetica" pitchFamily="34" charset="0"/>
                         </a:rPr>
                         <a:t>H</a:t>
                       </a:r>
                       <a:endParaRPr lang="he-IL" sz="2800" i="1" dirty="0">
-                        <a:latin typeface="Helvetica" pitchFamily="34" charset="0"/>
+                        <a:latin typeface="+mn-lt"/>
                         <a:cs typeface="Helvetica" pitchFamily="34" charset="0"/>
                       </a:endParaRPr>
                     </a:p>
@@ -11866,7 +11900,7 @@
                       <a:pPr algn="ctr" rtl="0"/>
                       <a:r>
                         <a:rPr lang="en-US" sz="2800" dirty="0" smtClean="0">
-                          <a:latin typeface="Helvetica" pitchFamily="34" charset="0"/>
+                          <a:latin typeface="+mn-lt"/>
                           <a:cs typeface="Helvetica" pitchFamily="34" charset="0"/>
                         </a:rPr>
                         <a:t>7, 8</a:t>
@@ -11883,13 +11917,13 @@
                       <a:pPr algn="ctr" rtl="0"/>
                       <a:r>
                         <a:rPr lang="en-US" sz="2800" dirty="0" smtClean="0">
-                          <a:latin typeface="Helvetica" pitchFamily="34" charset="0"/>
+                          <a:latin typeface="+mn-lt"/>
                           <a:cs typeface="Helvetica" pitchFamily="34" charset="0"/>
                         </a:rPr>
                         <a:t>0.003-0.0004</a:t>
                       </a:r>
                       <a:endParaRPr lang="he-IL" sz="2800" dirty="0">
-                        <a:latin typeface="Helvetica" pitchFamily="34" charset="0"/>
+                        <a:latin typeface="+mn-lt"/>
                         <a:cs typeface="Helvetica" pitchFamily="34" charset="0"/>
                       </a:endParaRPr>
                     </a:p>
@@ -11904,13 +11938,13 @@
                       <a:pPr algn="ctr" rtl="0"/>
                       <a:r>
                         <a:rPr lang="en-US" sz="2800" dirty="0" smtClean="0">
-                          <a:latin typeface="Helvetica" pitchFamily="34" charset="0"/>
+                          <a:latin typeface="+mn-lt"/>
                           <a:cs typeface="Helvetica" pitchFamily="34" charset="0"/>
                         </a:rPr>
                         <a:t>Genomic mutation rate</a:t>
                       </a:r>
                       <a:endParaRPr lang="he-IL" sz="2800" dirty="0">
-                        <a:latin typeface="Helvetica" pitchFamily="34" charset="0"/>
+                        <a:latin typeface="+mn-lt"/>
                         <a:cs typeface="Helvetica" pitchFamily="34" charset="0"/>
                       </a:endParaRPr>
                     </a:p>
@@ -11925,13 +11959,13 @@
                       <a:pPr algn="ctr" rtl="0"/>
                       <a:r>
                         <a:rPr lang="en-US" sz="2800" i="1" dirty="0" smtClean="0">
-                          <a:latin typeface="Helvetica" pitchFamily="34" charset="0"/>
+                          <a:latin typeface="+mn-lt"/>
                           <a:cs typeface="Helvetica" pitchFamily="34" charset="0"/>
                         </a:rPr>
                         <a:t>U</a:t>
                       </a:r>
                       <a:endParaRPr lang="he-IL" sz="2800" i="1" dirty="0">
-                        <a:latin typeface="Helvetica" pitchFamily="34" charset="0"/>
+                        <a:latin typeface="+mn-lt"/>
                         <a:cs typeface="Helvetica" pitchFamily="34" charset="0"/>
                       </a:endParaRPr>
                     </a:p>
@@ -11948,13 +11982,13 @@
                       <a:pPr algn="ctr" rtl="0"/>
                       <a:r>
                         <a:rPr lang="en-US" sz="2800" dirty="0" smtClean="0">
-                          <a:latin typeface="Helvetica" pitchFamily="34" charset="0"/>
+                          <a:latin typeface="+mn-lt"/>
                           <a:cs typeface="Helvetica" pitchFamily="34" charset="0"/>
                         </a:rPr>
                         <a:t>6</a:t>
                       </a:r>
                       <a:endParaRPr lang="he-IL" sz="2800" dirty="0">
-                        <a:latin typeface="Helvetica" pitchFamily="34" charset="0"/>
+                        <a:latin typeface="+mn-lt"/>
                         <a:cs typeface="Helvetica" pitchFamily="34" charset="0"/>
                       </a:endParaRPr>
                     </a:p>
@@ -11969,20 +12003,20 @@
                       <a:pPr algn="ctr" rtl="0"/>
                       <a:r>
                         <a:rPr lang="en-US" sz="2800" i="1" dirty="0" smtClean="0">
-                          <a:latin typeface="Helvetica" pitchFamily="34" charset="0"/>
+                          <a:latin typeface="+mn-lt"/>
                           <a:cs typeface="Helvetica" pitchFamily="34" charset="0"/>
                         </a:rPr>
                         <a:t>U</a:t>
                       </a:r>
                       <a:r>
                         <a:rPr lang="en-US" sz="2800" dirty="0" smtClean="0">
-                          <a:latin typeface="Helvetica" pitchFamily="34" charset="0"/>
+                          <a:latin typeface="+mn-lt"/>
                           <a:cs typeface="Helvetica" pitchFamily="34" charset="0"/>
                         </a:rPr>
                         <a:t>/5000</a:t>
                       </a:r>
                       <a:endParaRPr lang="he-IL" sz="2800" dirty="0">
-                        <a:latin typeface="Helvetica" pitchFamily="34" charset="0"/>
+                        <a:latin typeface="+mn-lt"/>
                         <a:cs typeface="Helvetica" pitchFamily="34" charset="0"/>
                       </a:endParaRPr>
                     </a:p>
@@ -11997,13 +12031,13 @@
                       <a:pPr algn="ctr" rtl="0"/>
                       <a:r>
                         <a:rPr lang="en-US" sz="2800" dirty="0" smtClean="0">
-                          <a:latin typeface="Helvetica" pitchFamily="34" charset="0"/>
+                          <a:latin typeface="+mn-lt"/>
                           <a:cs typeface="Helvetica" pitchFamily="34" charset="0"/>
                         </a:rPr>
                         <a:t>Beneficial site mutation rate</a:t>
                       </a:r>
                       <a:endParaRPr lang="he-IL" sz="2800" dirty="0">
-                        <a:latin typeface="Helvetica" pitchFamily="34" charset="0"/>
+                        <a:latin typeface="+mn-lt"/>
                         <a:cs typeface="Helvetica" pitchFamily="34" charset="0"/>
                       </a:endParaRPr>
                     </a:p>
@@ -12018,13 +12052,13 @@
                       <a:pPr algn="ctr" rtl="0"/>
                       <a:r>
                         <a:rPr lang="he-IL" sz="2800" i="1" dirty="0" smtClean="0">
-                          <a:latin typeface="Helvetica" pitchFamily="34" charset="0"/>
+                          <a:latin typeface="+mn-lt"/>
                           <a:cs typeface="Helvetica" pitchFamily="34" charset="0"/>
                         </a:rPr>
                         <a:t>µ</a:t>
                       </a:r>
                       <a:endParaRPr lang="he-IL" sz="2800" i="1" dirty="0">
-                        <a:latin typeface="Helvetica" pitchFamily="34" charset="0"/>
+                        <a:latin typeface="+mn-lt"/>
                         <a:cs typeface="Helvetica" pitchFamily="34" charset="0"/>
                       </a:endParaRPr>
                     </a:p>
@@ -12041,13 +12075,13 @@
                       <a:pPr algn="ctr" rtl="0"/>
                       <a:r>
                         <a:rPr lang="en-US" sz="2800" dirty="0" smtClean="0">
-                          <a:latin typeface="Helvetica" pitchFamily="34" charset="0"/>
+                          <a:latin typeface="+mn-lt"/>
                           <a:cs typeface="Helvetica" pitchFamily="34" charset="0"/>
                         </a:rPr>
                         <a:t>9</a:t>
                       </a:r>
                       <a:endParaRPr lang="he-IL" sz="2800" dirty="0">
-                        <a:latin typeface="Helvetica" pitchFamily="34" charset="0"/>
+                        <a:latin typeface="+mn-lt"/>
                         <a:cs typeface="Helvetica" pitchFamily="34" charset="0"/>
                       </a:endParaRPr>
                     </a:p>
@@ -12062,13 +12096,13 @@
                       <a:pPr algn="ctr" rtl="0"/>
                       <a:r>
                         <a:rPr lang="en-US" sz="2800" dirty="0" smtClean="0">
-                          <a:latin typeface="Helvetica" pitchFamily="34" charset="0"/>
+                          <a:latin typeface="+mn-lt"/>
                           <a:cs typeface="Helvetica" pitchFamily="34" charset="0"/>
                         </a:rPr>
                         <a:t>1-100</a:t>
                       </a:r>
                       <a:endParaRPr lang="he-IL" sz="2800" dirty="0">
-                        <a:latin typeface="Helvetica" pitchFamily="34" charset="0"/>
+                        <a:latin typeface="+mn-lt"/>
                         <a:cs typeface="Helvetica" pitchFamily="34" charset="0"/>
                       </a:endParaRPr>
                     </a:p>
@@ -12083,13 +12117,13 @@
                       <a:pPr algn="ctr" rtl="0"/>
                       <a:r>
                         <a:rPr lang="en-US" sz="2800" dirty="0" smtClean="0">
-                          <a:latin typeface="Helvetica" pitchFamily="34" charset="0"/>
+                          <a:latin typeface="+mn-lt"/>
                           <a:cs typeface="Helvetica" pitchFamily="34" charset="0"/>
                         </a:rPr>
                         <a:t>Mutation rate increase</a:t>
                       </a:r>
                       <a:endParaRPr lang="he-IL" sz="2800" dirty="0">
-                        <a:latin typeface="Helvetica" pitchFamily="34" charset="0"/>
+                        <a:latin typeface="+mn-lt"/>
                         <a:cs typeface="Helvetica" pitchFamily="34" charset="0"/>
                       </a:endParaRPr>
                     </a:p>
@@ -12104,13 +12138,13 @@
                       <a:pPr algn="ctr" rtl="0"/>
                       <a:r>
                         <a:rPr lang="el-GR" sz="2800" i="1" dirty="0" smtClean="0">
-                          <a:latin typeface="Helvetica" pitchFamily="34" charset="0"/>
+                          <a:latin typeface="+mn-lt"/>
                           <a:cs typeface="Helvetica" pitchFamily="34" charset="0"/>
                         </a:rPr>
                         <a:t>τ</a:t>
                       </a:r>
                       <a:endParaRPr lang="he-IL" sz="2800" i="1" dirty="0">
-                        <a:latin typeface="Helvetica" pitchFamily="34" charset="0"/>
+                        <a:latin typeface="+mn-lt"/>
                         <a:cs typeface="Helvetica" pitchFamily="34" charset="0"/>
                       </a:endParaRPr>
                     </a:p>
@@ -12127,13 +12161,13 @@
                       <a:pPr algn="ctr" rtl="0"/>
                       <a:r>
                         <a:rPr lang="en-US" sz="2800" dirty="0" smtClean="0">
-                          <a:latin typeface="Helvetica" pitchFamily="34" charset="0"/>
+                          <a:latin typeface="+mn-lt"/>
                           <a:cs typeface="Helvetica" pitchFamily="34" charset="0"/>
                         </a:rPr>
                         <a:t>-</a:t>
                       </a:r>
                       <a:endParaRPr lang="he-IL" sz="2800" dirty="0">
-                        <a:latin typeface="Helvetica" pitchFamily="34" charset="0"/>
+                        <a:latin typeface="+mn-lt"/>
                         <a:cs typeface="Helvetica" pitchFamily="34" charset="0"/>
                       </a:endParaRPr>
                     </a:p>
@@ -12148,34 +12182,34 @@
                       <a:pPr algn="ctr" rtl="0"/>
                       <a:r>
                         <a:rPr lang="en-US" sz="2800" dirty="0" smtClean="0">
-                          <a:latin typeface="Helvetica" pitchFamily="34" charset="0"/>
+                          <a:latin typeface="+mn-lt"/>
                           <a:cs typeface="Helvetica" pitchFamily="34" charset="0"/>
                         </a:rPr>
                         <a:t>10</a:t>
                       </a:r>
                       <a:r>
                         <a:rPr lang="en-US" sz="2800" baseline="30000" dirty="0" smtClean="0">
-                          <a:latin typeface="Helvetica" pitchFamily="34" charset="0"/>
+                          <a:latin typeface="+mn-lt"/>
                           <a:cs typeface="Helvetica" pitchFamily="34" charset="0"/>
                         </a:rPr>
                         <a:t>4</a:t>
                       </a:r>
                       <a:r>
                         <a:rPr lang="en-US" sz="2800" baseline="0" dirty="0" smtClean="0">
-                          <a:latin typeface="Helvetica" pitchFamily="34" charset="0"/>
+                          <a:latin typeface="+mn-lt"/>
                           <a:cs typeface="Helvetica" pitchFamily="34" charset="0"/>
                         </a:rPr>
                         <a:t>-10</a:t>
                       </a:r>
                       <a:r>
                         <a:rPr lang="en-US" sz="2800" baseline="30000" dirty="0" smtClean="0">
-                          <a:latin typeface="Helvetica" pitchFamily="34" charset="0"/>
+                          <a:latin typeface="+mn-lt"/>
                           <a:cs typeface="Helvetica" pitchFamily="34" charset="0"/>
                         </a:rPr>
                         <a:t>10</a:t>
                       </a:r>
                       <a:endParaRPr lang="he-IL" sz="2800" dirty="0">
-                        <a:latin typeface="Helvetica" pitchFamily="34" charset="0"/>
+                        <a:latin typeface="+mn-lt"/>
                         <a:cs typeface="Helvetica" pitchFamily="34" charset="0"/>
                       </a:endParaRPr>
                     </a:p>
@@ -12190,13 +12224,13 @@
                       <a:pPr algn="ctr" rtl="0"/>
                       <a:r>
                         <a:rPr lang="en-US" sz="2800" dirty="0" smtClean="0">
-                          <a:latin typeface="Helvetica" pitchFamily="34" charset="0"/>
+                          <a:latin typeface="+mn-lt"/>
                           <a:cs typeface="Helvetica" pitchFamily="34" charset="0"/>
                         </a:rPr>
                         <a:t>Population size</a:t>
                       </a:r>
                       <a:endParaRPr lang="he-IL" sz="2800" dirty="0">
-                        <a:latin typeface="Helvetica" pitchFamily="34" charset="0"/>
+                        <a:latin typeface="+mn-lt"/>
                         <a:cs typeface="Helvetica" pitchFamily="34" charset="0"/>
                       </a:endParaRPr>
                     </a:p>
@@ -12211,13 +12245,13 @@
                       <a:pPr algn="ctr" rtl="0"/>
                       <a:r>
                         <a:rPr lang="en-US" sz="2800" i="1" dirty="0" smtClean="0">
-                          <a:latin typeface="Helvetica" pitchFamily="34" charset="0"/>
+                          <a:latin typeface="+mn-lt"/>
                           <a:cs typeface="Helvetica" pitchFamily="34" charset="0"/>
                         </a:rPr>
                         <a:t>N</a:t>
                       </a:r>
                       <a:endParaRPr lang="he-IL" sz="2800" i="1" dirty="0">
-                        <a:latin typeface="Helvetica" pitchFamily="34" charset="0"/>
+                        <a:latin typeface="+mn-lt"/>
                         <a:cs typeface="Helvetica" pitchFamily="34" charset="0"/>
                       </a:endParaRPr>
                     </a:p>
@@ -12276,7 +12310,7 @@
               <a:t>. </a:t>
             </a:r>
             <a:r>
-              <a:rPr lang="en-US" sz="2800" b="1" kern="0" dirty="0" smtClean="0">
+              <a:rPr lang="en-US" sz="2800" kern="0" dirty="0" smtClean="0">
                 <a:solidFill>
                   <a:sysClr val="windowText" lastClr="000000"/>
                 </a:solidFill>
@@ -12284,7 +12318,7 @@
               </a:rPr>
               <a:t>Model parameters and estimated values for bacteria.</a:t>
             </a:r>
-            <a:endParaRPr lang="en-US" sz="2800" b="1" kern="0" dirty="0">
+            <a:endParaRPr lang="en-US" sz="2800" kern="0" dirty="0">
               <a:solidFill>
                 <a:sysClr val="windowText" lastClr="000000"/>
               </a:solidFill>
@@ -12293,47 +12327,6 @@
           </a:p>
         </p:txBody>
       </p:sp>
-      <p:pic>
-        <p:nvPicPr>
-          <p:cNvPr id="1033" name="Picture 9" descr="C:\Users\yoavram\Pictures\yoav_mypictr_Facebook.jpg"/>
-          <p:cNvPicPr>
-            <a:picLocks noChangeAspect="1" noChangeArrowheads="1"/>
-          </p:cNvPicPr>
-          <p:nvPr/>
-        </p:nvPicPr>
-        <p:blipFill>
-          <a:blip r:embed="rId4">
-            <a:extLst>
-              <a:ext uri="{28A0092B-C50C-407E-A947-70E740481C1C}">
-                <a14:useLocalDpi xmlns:a14="http://schemas.microsoft.com/office/drawing/2010/main" val="0"/>
-              </a:ext>
-            </a:extLst>
-          </a:blip>
-          <a:srcRect/>
-          <a:stretch>
-            <a:fillRect/>
-          </a:stretch>
-        </p:blipFill>
-        <p:spPr bwMode="auto">
-          <a:xfrm>
-            <a:off x="38956628" y="39172652"/>
-            <a:ext cx="1679338" cy="2099173"/>
-          </a:xfrm>
-          <a:prstGeom prst="rect">
-            <a:avLst/>
-          </a:prstGeom>
-          <a:noFill/>
-          <a:extLst>
-            <a:ext uri="{909E8E84-426E-40DD-AFC4-6F175D3DCCD1}">
-              <a14:hiddenFill xmlns:a14="http://schemas.microsoft.com/office/drawing/2010/main">
-                <a:solidFill>
-                  <a:srgbClr val="FFFFFF"/>
-                </a:solidFill>
-              </a14:hiddenFill>
-            </a:ext>
-          </a:extLst>
-        </p:spPr>
-      </p:pic>
       <p:sp>
         <p:nvSpPr>
           <p:cNvPr id="44" name="Rectangle 11"/>
@@ -12406,7 +12399,7 @@
           <p:nvPr/>
         </p:nvPicPr>
         <p:blipFill>
-          <a:blip r:embed="rId5">
+          <a:blip r:embed="rId4">
             <a:extLst>
               <a:ext uri="{28A0092B-C50C-407E-A947-70E740481C1C}">
                 <a14:useLocalDpi xmlns:a14="http://schemas.microsoft.com/office/drawing/2010/main" val="0"/>
@@ -12420,7 +12413,7 @@
         </p:blipFill>
         <p:spPr bwMode="auto">
           <a:xfrm>
-            <a:off x="33110324" y="40756828"/>
+            <a:off x="33110324" y="40785775"/>
             <a:ext cx="3914775" cy="619125"/>
           </a:xfrm>
           <a:prstGeom prst="rect">
@@ -12470,6 +12463,47 @@
           <p:nvPr/>
         </p:nvPicPr>
         <p:blipFill>
+          <a:blip r:embed="rId5">
+            <a:extLst>
+              <a:ext uri="{28A0092B-C50C-407E-A947-70E740481C1C}">
+                <a14:useLocalDpi xmlns:a14="http://schemas.microsoft.com/office/drawing/2010/main" val="0"/>
+              </a:ext>
+            </a:extLst>
+          </a:blip>
+          <a:srcRect/>
+          <a:stretch>
+            <a:fillRect/>
+          </a:stretch>
+        </p:blipFill>
+        <p:spPr bwMode="auto">
+          <a:xfrm>
+            <a:off x="30459112" y="18938404"/>
+            <a:ext cx="9145588" cy="7316788"/>
+          </a:xfrm>
+          <a:prstGeom prst="rect">
+            <a:avLst/>
+          </a:prstGeom>
+          <a:noFill/>
+          <a:extLst>
+            <a:ext uri="{909E8E84-426E-40DD-AFC4-6F175D3DCCD1}">
+              <a14:hiddenFill xmlns:a14="http://schemas.microsoft.com/office/drawing/2010/main">
+                <a:solidFill>
+                  <a:srgbClr val="FFFFFF"/>
+                </a:solidFill>
+              </a14:hiddenFill>
+            </a:ext>
+          </a:extLst>
+        </p:spPr>
+      </p:pic>
+      <p:pic>
+        <p:nvPicPr>
+          <p:cNvPr id="9" name="Picture 6" descr="D:\university\confrences\GRC2013\app_fix_probs_s_0.05_logN_6.png"/>
+          <p:cNvPicPr>
+            <a:picLocks noChangeAspect="1" noChangeArrowheads="1"/>
+          </p:cNvPicPr>
+          <p:nvPr/>
+        </p:nvPicPr>
+        <p:blipFill>
           <a:blip r:embed="rId6">
             <a:extLst>
               <a:ext uri="{28A0092B-C50C-407E-A947-70E740481C1C}">
@@ -12484,48 +12518,7 @@
         </p:blipFill>
         <p:spPr bwMode="auto">
           <a:xfrm>
-            <a:off x="30459112" y="18290332"/>
-            <a:ext cx="9145588" cy="7316788"/>
-          </a:xfrm>
-          <a:prstGeom prst="rect">
-            <a:avLst/>
-          </a:prstGeom>
-          <a:noFill/>
-          <a:extLst>
-            <a:ext uri="{909E8E84-426E-40DD-AFC4-6F175D3DCCD1}">
-              <a14:hiddenFill xmlns:a14="http://schemas.microsoft.com/office/drawing/2010/main">
-                <a:solidFill>
-                  <a:srgbClr val="FFFFFF"/>
-                </a:solidFill>
-              </a14:hiddenFill>
-            </a:ext>
-          </a:extLst>
-        </p:spPr>
-      </p:pic>
-      <p:pic>
-        <p:nvPicPr>
-          <p:cNvPr id="9" name="Picture 6" descr="D:\university\confrences\GRC2013\app_fix_probs_s_0.05_logN_6.png"/>
-          <p:cNvPicPr>
-            <a:picLocks noChangeAspect="1" noChangeArrowheads="1"/>
-          </p:cNvPicPr>
-          <p:nvPr/>
-        </p:nvPicPr>
-        <p:blipFill>
-          <a:blip r:embed="rId7">
-            <a:extLst>
-              <a:ext uri="{28A0092B-C50C-407E-A947-70E740481C1C}">
-                <a14:useLocalDpi xmlns:a14="http://schemas.microsoft.com/office/drawing/2010/main" val="0"/>
-              </a:ext>
-            </a:extLst>
-          </a:blip>
-          <a:srcRect/>
-          <a:stretch>
-            <a:fillRect/>
-          </a:stretch>
-        </p:blipFill>
-        <p:spPr bwMode="auto">
-          <a:xfrm>
-            <a:off x="29451572" y="7921180"/>
+            <a:off x="29451572" y="8281220"/>
             <a:ext cx="6084888" cy="9742487"/>
           </a:xfrm>
           <a:prstGeom prst="rect">
@@ -12552,7 +12545,7 @@
           <p:nvPr/>
         </p:nvPicPr>
         <p:blipFill rotWithShape="1">
-          <a:blip r:embed="rId8">
+          <a:blip r:embed="rId7">
             <a:extLst>
               <a:ext uri="{28A0092B-C50C-407E-A947-70E740481C1C}">
                 <a14:useLocalDpi xmlns:a14="http://schemas.microsoft.com/office/drawing/2010/main" val="0"/>
@@ -12591,7 +12584,7 @@
           <p:nvPr/>
         </p:nvPicPr>
         <p:blipFill rotWithShape="1">
-          <a:blip r:embed="rId9">
+          <a:blip r:embed="rId8">
             <a:extLst>
               <a:ext uri="{28A0092B-C50C-407E-A947-70E740481C1C}">
                 <a14:useLocalDpi xmlns:a14="http://schemas.microsoft.com/office/drawing/2010/main" val="0"/>
@@ -12689,7 +12682,7 @@
               <p:nvPr/>
             </p:nvPicPr>
             <p:blipFill rotWithShape="1">
-              <a:blip r:embed="rId10">
+              <a:blip r:embed="rId9">
                 <a:extLst>
                   <a:ext uri="{28A0092B-C50C-407E-A947-70E740481C1C}">
                     <a14:useLocalDpi xmlns:a14="http://schemas.microsoft.com/office/drawing/2010/main" val="0"/>
@@ -13025,7 +13018,7 @@
           <p:nvPr/>
         </p:nvPicPr>
         <p:blipFill>
-          <a:blip r:embed="rId11">
+          <a:blip r:embed="rId10">
             <a:extLst>
               <a:ext uri="{28A0092B-C50C-407E-A947-70E740481C1C}">
                 <a14:useLocalDpi xmlns:a14="http://schemas.microsoft.com/office/drawing/2010/main" val="0"/>
@@ -13190,7 +13183,7 @@
           <p:nvPr/>
         </p:nvPicPr>
         <p:blipFill>
-          <a:blip r:embed="rId12">
+          <a:blip r:embed="rId11">
             <a:extLst>
               <a:ext uri="{28A0092B-C50C-407E-A947-70E740481C1C}">
                 <a14:useLocalDpi xmlns:a14="http://schemas.microsoft.com/office/drawing/2010/main" val="0"/>
@@ -13204,7 +13197,7 @@
         </p:blipFill>
         <p:spPr bwMode="auto">
           <a:xfrm>
-            <a:off x="16634148" y="31683820"/>
+            <a:off x="16634148" y="31611812"/>
             <a:ext cx="9629651" cy="9629651"/>
           </a:xfrm>
           <a:prstGeom prst="rect">
@@ -13261,7 +13254,7 @@
         </p:nvSpPr>
         <p:spPr>
           <a:xfrm>
-            <a:off x="30171652" y="8137204"/>
+            <a:off x="30171652" y="8497244"/>
             <a:ext cx="1519159" cy="830997"/>
           </a:xfrm>
           <a:prstGeom prst="rect">
@@ -13292,7 +13285,7 @@
         </p:nvSpPr>
         <p:spPr>
           <a:xfrm>
-            <a:off x="30171651" y="12706807"/>
+            <a:off x="30171651" y="13066847"/>
             <a:ext cx="1519159" cy="830997"/>
           </a:xfrm>
           <a:prstGeom prst="rect">
@@ -13323,7 +13316,7 @@
         </p:nvSpPr>
         <p:spPr>
           <a:xfrm>
-            <a:off x="30884741" y="18899495"/>
+            <a:off x="30884741" y="19519539"/>
             <a:ext cx="1519159" cy="830997"/>
           </a:xfrm>
           <a:prstGeom prst="rect">
@@ -13355,7 +13348,7 @@
           <p:nvPr/>
         </p:nvPicPr>
         <p:blipFill rotWithShape="1">
-          <a:blip r:embed="rId13">
+          <a:blip r:embed="rId12">
             <a:extLst>
               <a:ext uri="{28A0092B-C50C-407E-A947-70E740481C1C}">
                 <a14:useLocalDpi xmlns:a14="http://schemas.microsoft.com/office/drawing/2010/main" val="0"/>
@@ -13416,6 +13409,95 @@
           </a:p>
         </p:txBody>
       </p:sp>
+      <p:pic>
+        <p:nvPicPr>
+          <p:cNvPr id="1052" name="Picture 28" descr="D:\university\confrences\GRC2013\qrcode.png"/>
+          <p:cNvPicPr>
+            <a:picLocks noChangeAspect="1" noChangeArrowheads="1"/>
+          </p:cNvPicPr>
+          <p:nvPr/>
+        </p:nvPicPr>
+        <p:blipFill>
+          <a:blip r:embed="rId13">
+            <a:extLst>
+              <a:ext uri="{28A0092B-C50C-407E-A947-70E740481C1C}">
+                <a14:useLocalDpi xmlns:a14="http://schemas.microsoft.com/office/drawing/2010/main" val="0"/>
+              </a:ext>
+            </a:extLst>
+          </a:blip>
+          <a:srcRect/>
+          <a:stretch>
+            <a:fillRect/>
+          </a:stretch>
+        </p:blipFill>
+        <p:spPr bwMode="auto">
+          <a:xfrm>
+            <a:off x="38452572" y="39051084"/>
+            <a:ext cx="2209800" cy="2209800"/>
+          </a:xfrm>
+          <a:prstGeom prst="rect">
+            <a:avLst/>
+          </a:prstGeom>
+          <a:noFill/>
+          <a:extLst>
+            <a:ext uri="{909E8E84-426E-40DD-AFC4-6F175D3DCCD1}">
+              <a14:hiddenFill xmlns:a14="http://schemas.microsoft.com/office/drawing/2010/main">
+                <a:solidFill>
+                  <a:srgbClr val="FFFFFF"/>
+                </a:solidFill>
+              </a14:hiddenFill>
+            </a:ext>
+          </a:extLst>
+        </p:spPr>
+      </p:pic>
+      <p:pic>
+        <p:nvPicPr>
+          <p:cNvPr id="1053" name="Picture 29" descr="D:\university\confrences\GRC2013\yoav_mypictr_Facebook.jpg"/>
+          <p:cNvPicPr>
+            <a:picLocks noChangeAspect="1" noChangeArrowheads="1"/>
+          </p:cNvPicPr>
+          <p:nvPr/>
+        </p:nvPicPr>
+        <p:blipFill>
+          <a:blip r:embed="rId14">
+            <a:extLst>
+              <a:ext uri="{28A0092B-C50C-407E-A947-70E740481C1C}">
+                <a14:useLocalDpi xmlns:a14="http://schemas.microsoft.com/office/drawing/2010/main" val="0"/>
+              </a:ext>
+            </a:extLst>
+          </a:blip>
+          <a:srcRect/>
+          <a:stretch>
+            <a:fillRect/>
+          </a:stretch>
+        </p:blipFill>
+        <p:spPr bwMode="auto">
+          <a:xfrm>
+            <a:off x="38563796" y="36292332"/>
+            <a:ext cx="1905000" cy="2381250"/>
+          </a:xfrm>
+          <a:prstGeom prst="rect">
+            <a:avLst/>
+          </a:prstGeom>
+          <a:noFill/>
+          <a:effectLst>
+            <a:outerShdw blurRad="50800" dist="38100" dir="2700000" algn="tl" rotWithShape="0">
+              <a:prstClr val="black">
+                <a:alpha val="40000"/>
+              </a:prstClr>
+            </a:outerShdw>
+          </a:effectLst>
+          <a:extLst>
+            <a:ext uri="{909E8E84-426E-40DD-AFC4-6F175D3DCCD1}">
+              <a14:hiddenFill xmlns:a14="http://schemas.microsoft.com/office/drawing/2010/main">
+                <a:solidFill>
+                  <a:srgbClr val="FFFFFF"/>
+                </a:solidFill>
+              </a14:hiddenFill>
+            </a:ext>
+          </a:extLst>
+        </p:spPr>
+      </p:pic>
     </p:spTree>
     <p:extLst>
       <p:ext uri="{BB962C8B-B14F-4D97-AF65-F5344CB8AC3E}">

--- a/poster.pptx
+++ b/poster.pptx
@@ -3278,7 +3278,7 @@
         </p:nvSpPr>
         <p:spPr bwMode="auto">
           <a:xfrm>
-            <a:off x="1224436" y="1368452"/>
+            <a:off x="1224436" y="648372"/>
             <a:ext cx="40800000" cy="41680575"/>
           </a:xfrm>
           <a:prstGeom prst="rect">

--- a/poster.pptx
+++ b/poster.pptx
@@ -192,7 +192,7 @@
           <a:p>
             <a:fld id="{444624E0-9A66-4D44-B307-289A2C88DCD3}" type="datetimeFigureOut">
               <a:rPr lang="en-US" smtClean="0"/>
-              <a:t>5/22/2013</a:t>
+              <a:t>5/27/2013</a:t>
             </a:fld>
             <a:endParaRPr lang="en-US"/>
           </a:p>
@@ -456,7 +456,7 @@
           <a:p>
             <a:fld id="{26B2CB66-D8CA-45D3-A759-098C2835DC5E}" type="datetimeFigureOut">
               <a:rPr lang="he-IL" smtClean="0"/>
-              <a:t>י"ג/סיון/תשע"ג</a:t>
+              <a:t>י"ח/סיון/תשע"ג</a:t>
             </a:fld>
             <a:endParaRPr lang="he-IL"/>
           </a:p>
@@ -626,7 +626,7 @@
           <a:p>
             <a:fld id="{26B2CB66-D8CA-45D3-A759-098C2835DC5E}" type="datetimeFigureOut">
               <a:rPr lang="he-IL" smtClean="0"/>
-              <a:t>י"ג/סיון/תשע"ג</a:t>
+              <a:t>י"ח/סיון/תשע"ג</a:t>
             </a:fld>
             <a:endParaRPr lang="he-IL"/>
           </a:p>
@@ -806,7 +806,7 @@
           <a:p>
             <a:fld id="{26B2CB66-D8CA-45D3-A759-098C2835DC5E}" type="datetimeFigureOut">
               <a:rPr lang="he-IL" smtClean="0"/>
-              <a:t>י"ג/סיון/תשע"ג</a:t>
+              <a:t>י"ח/סיון/תשע"ג</a:t>
             </a:fld>
             <a:endParaRPr lang="he-IL"/>
           </a:p>
@@ -976,7 +976,7 @@
           <a:p>
             <a:fld id="{26B2CB66-D8CA-45D3-A759-098C2835DC5E}" type="datetimeFigureOut">
               <a:rPr lang="he-IL" smtClean="0"/>
-              <a:t>י"ג/סיון/תשע"ג</a:t>
+              <a:t>י"ח/סיון/תשע"ג</a:t>
             </a:fld>
             <a:endParaRPr lang="he-IL"/>
           </a:p>
@@ -1222,7 +1222,7 @@
           <a:p>
             <a:fld id="{26B2CB66-D8CA-45D3-A759-098C2835DC5E}" type="datetimeFigureOut">
               <a:rPr lang="he-IL" smtClean="0"/>
-              <a:t>י"ג/סיון/תשע"ג</a:t>
+              <a:t>י"ח/סיון/תשע"ג</a:t>
             </a:fld>
             <a:endParaRPr lang="he-IL"/>
           </a:p>
@@ -1510,7 +1510,7 @@
           <a:p>
             <a:fld id="{26B2CB66-D8CA-45D3-A759-098C2835DC5E}" type="datetimeFigureOut">
               <a:rPr lang="he-IL" smtClean="0"/>
-              <a:t>י"ג/סיון/תשע"ג</a:t>
+              <a:t>י"ח/סיון/תשע"ג</a:t>
             </a:fld>
             <a:endParaRPr lang="he-IL"/>
           </a:p>
@@ -1937,7 +1937,7 @@
           <a:p>
             <a:fld id="{26B2CB66-D8CA-45D3-A759-098C2835DC5E}" type="datetimeFigureOut">
               <a:rPr lang="he-IL" smtClean="0"/>
-              <a:t>י"ג/סיון/תשע"ג</a:t>
+              <a:t>י"ח/סיון/תשע"ג</a:t>
             </a:fld>
             <a:endParaRPr lang="he-IL"/>
           </a:p>
@@ -2055,7 +2055,7 @@
           <a:p>
             <a:fld id="{26B2CB66-D8CA-45D3-A759-098C2835DC5E}" type="datetimeFigureOut">
               <a:rPr lang="he-IL" smtClean="0"/>
-              <a:t>י"ג/סיון/תשע"ג</a:t>
+              <a:t>י"ח/סיון/תשע"ג</a:t>
             </a:fld>
             <a:endParaRPr lang="he-IL"/>
           </a:p>
@@ -2150,7 +2150,7 @@
           <a:p>
             <a:fld id="{26B2CB66-D8CA-45D3-A759-098C2835DC5E}" type="datetimeFigureOut">
               <a:rPr lang="he-IL" smtClean="0"/>
-              <a:t>י"ג/סיון/תשע"ג</a:t>
+              <a:t>י"ח/סיון/תשע"ג</a:t>
             </a:fld>
             <a:endParaRPr lang="he-IL"/>
           </a:p>
@@ -2427,7 +2427,7 @@
           <a:p>
             <a:fld id="{26B2CB66-D8CA-45D3-A759-098C2835DC5E}" type="datetimeFigureOut">
               <a:rPr lang="he-IL" smtClean="0"/>
-              <a:t>י"ג/סיון/תשע"ג</a:t>
+              <a:t>י"ח/סיון/תשע"ג</a:t>
             </a:fld>
             <a:endParaRPr lang="he-IL"/>
           </a:p>
@@ -2680,7 +2680,7 @@
           <a:p>
             <a:fld id="{26B2CB66-D8CA-45D3-A759-098C2835DC5E}" type="datetimeFigureOut">
               <a:rPr lang="he-IL" smtClean="0"/>
-              <a:t>י"ג/סיון/תשע"ג</a:t>
+              <a:t>י"ח/סיון/תשע"ג</a:t>
             </a:fld>
             <a:endParaRPr lang="he-IL"/>
           </a:p>
@@ -2893,7 +2893,7 @@
           <a:p>
             <a:fld id="{26B2CB66-D8CA-45D3-A759-098C2835DC5E}" type="datetimeFigureOut">
               <a:rPr lang="he-IL" smtClean="0"/>
-              <a:t>י"ג/סיון/תשע"ג</a:t>
+              <a:t>י"ח/סיון/תשע"ג</a:t>
             </a:fld>
             <a:endParaRPr lang="he-IL"/>
           </a:p>
@@ -3318,7 +3318,7 @@
         </p:nvSpPr>
         <p:spPr bwMode="auto">
           <a:xfrm>
-            <a:off x="29115966" y="6655388"/>
+            <a:off x="29307600" y="6721200"/>
             <a:ext cx="11520000" cy="19894425"/>
           </a:xfrm>
           <a:prstGeom prst="rect">
@@ -4054,7 +4054,7 @@
             </a:endParaRPr>
           </a:p>
           <a:p>
-            <a:pPr indent="205704" algn="just" defTabSz="908920" rtl="0" eaLnBrk="1" hangingPunct="1">
+            <a:pPr indent="205704" algn="l" defTabSz="908920" rtl="0" eaLnBrk="1" hangingPunct="1">
               <a:spcBef>
                 <a:spcPct val="50000"/>
               </a:spcBef>
@@ -4193,9 +4193,6 @@
               </a:rPr>
               <a:t>the simulation (black).</a:t>
             </a:r>
-            <a:endParaRPr lang="en-US" sz="2800" kern="0" dirty="0" smtClean="0">
-              <a:latin typeface="+mn-lt"/>
-            </a:endParaRPr>
           </a:p>
           <a:p>
             <a:pPr indent="205704" algn="just" defTabSz="908920" rtl="0" eaLnBrk="1" hangingPunct="1">
@@ -5286,7 +5283,16 @@
                 </a:solidFill>
                 <a:latin typeface="+mn-lt"/>
               </a:rPr>
-              <a:t>Fig. 5 describes the model in a similar way to Fig. 4, only node </a:t>
+              <a:t>Fig. 5 describes the model in a similar way to Fig. 4, only node labels specify both the alleles at the A/a and B/b loci </a:t>
+            </a:r>
+            <a:r>
+              <a:rPr lang="en-GB" sz="2800" b="1" kern="0" dirty="0">
+                <a:solidFill>
+                  <a:srgbClr val="000000"/>
+                </a:solidFill>
+                <a:latin typeface="+mn-lt"/>
+              </a:rPr>
+              <a:t>and the number of deleterious mutations</a:t>
             </a:r>
             <a:r>
               <a:rPr lang="en-GB" sz="2800" kern="0" dirty="0">
@@ -5295,70 +5301,7 @@
                 </a:solidFill>
                 <a:latin typeface="+mn-lt"/>
               </a:rPr>
-              <a:t>labels specify </a:t>
-            </a:r>
-            <a:r>
-              <a:rPr lang="en-GB" sz="2800" kern="0" dirty="0">
-                <a:solidFill>
-                  <a:srgbClr val="000000"/>
-                </a:solidFill>
-                <a:latin typeface="+mn-lt"/>
-              </a:rPr>
-              <a:t>both the </a:t>
-            </a:r>
-            <a:r>
-              <a:rPr lang="en-GB" sz="2800" kern="0" dirty="0">
-                <a:solidFill>
-                  <a:srgbClr val="000000"/>
-                </a:solidFill>
-                <a:latin typeface="+mn-lt"/>
-              </a:rPr>
-              <a:t>alleles at the A/a and B/b loci </a:t>
-            </a:r>
-            <a:r>
-              <a:rPr lang="en-GB" sz="2800" b="1" kern="0" dirty="0">
-                <a:solidFill>
-                  <a:srgbClr val="000000"/>
-                </a:solidFill>
-                <a:latin typeface="+mn-lt"/>
-              </a:rPr>
-              <a:t>and the number of deleterious </a:t>
-            </a:r>
-            <a:r>
-              <a:rPr lang="en-GB" sz="2800" b="1" kern="0" dirty="0">
-                <a:solidFill>
-                  <a:srgbClr val="000000"/>
-                </a:solidFill>
-                <a:latin typeface="+mn-lt"/>
-              </a:rPr>
-              <a:t>mutations</a:t>
-            </a:r>
-            <a:r>
-              <a:rPr lang="en-GB" sz="2800" kern="0" dirty="0">
-                <a:solidFill>
-                  <a:srgbClr val="000000"/>
-                </a:solidFill>
-                <a:latin typeface="+mn-lt"/>
-              </a:rPr>
-              <a:t>, </a:t>
-            </a:r>
-            <a:r>
-              <a:rPr lang="en-GB" sz="2800" kern="0" dirty="0">
-                <a:solidFill>
-                  <a:srgbClr val="000000"/>
-                </a:solidFill>
-                <a:latin typeface="+mn-lt"/>
-              </a:rPr>
-              <a:t>but only as much as 3 deleterious mutations are </a:t>
-            </a:r>
-            <a:r>
-              <a:rPr lang="en-GB" sz="2800" kern="0" dirty="0">
-                <a:solidFill>
-                  <a:srgbClr val="000000"/>
-                </a:solidFill>
-                <a:latin typeface="+mn-lt"/>
-              </a:rPr>
-              <a:t>shown to keep the figure simple. </a:t>
+              <a:t>, but only as much as 3 deleterious mutations are shown to keep the figure simple. </a:t>
             </a:r>
             <a:endParaRPr lang="en-US" sz="2800" kern="0" dirty="0">
               <a:solidFill>
@@ -5837,7 +5780,336 @@
                 </a:solidFill>
                 <a:latin typeface="+mn-lt"/>
               </a:rPr>
-              <a:t>if different alleles are separately deleterious but </a:t>
+              <a:t>if different alleles are separately deleterious but jointly advantageous, how can a population evolve from one co-adapted gene complex to a better one? </a:t>
+            </a:r>
+          </a:p>
+          <a:p>
+            <a:pPr indent="205704" algn="l" defTabSz="908920" rtl="0">
+              <a:defRPr/>
+            </a:pPr>
+            <a:r>
+              <a:rPr lang="en-US" sz="2800" kern="0" dirty="0" smtClean="0">
+                <a:solidFill>
+                  <a:srgbClr val="000000"/>
+                </a:solidFill>
+                <a:latin typeface="+mn-lt"/>
+              </a:rPr>
+              <a:t>The problem is illustrated using the </a:t>
+            </a:r>
+            <a:r>
+              <a:rPr lang="en-US" sz="2800" i="1" kern="0" dirty="0" smtClean="0">
+                <a:solidFill>
+                  <a:srgbClr val="000000"/>
+                </a:solidFill>
+                <a:latin typeface="+mn-lt"/>
+              </a:rPr>
+              <a:t>fitness landscape </a:t>
+            </a:r>
+            <a:r>
+              <a:rPr lang="en-US" sz="2800" kern="0" dirty="0" smtClean="0">
+                <a:solidFill>
+                  <a:srgbClr val="000000"/>
+                </a:solidFill>
+                <a:latin typeface="+mn-lt"/>
+              </a:rPr>
+              <a:t>metaphor:</a:t>
+            </a:r>
+          </a:p>
+          <a:p>
+            <a:pPr indent="205704" algn="l" defTabSz="908920" rtl="0">
+              <a:defRPr/>
+            </a:pPr>
+            <a:endParaRPr lang="en-US" sz="2800" kern="0" dirty="0" smtClean="0">
+              <a:solidFill>
+                <a:srgbClr val="000000"/>
+              </a:solidFill>
+              <a:latin typeface="+mn-lt"/>
+            </a:endParaRPr>
+          </a:p>
+          <a:p>
+            <a:pPr indent="205704" algn="l" defTabSz="908920" rtl="0">
+              <a:defRPr/>
+            </a:pPr>
+            <a:endParaRPr lang="en-US" sz="2800" kern="0" dirty="0">
+              <a:solidFill>
+                <a:srgbClr val="000000"/>
+              </a:solidFill>
+              <a:latin typeface="+mn-lt"/>
+            </a:endParaRPr>
+          </a:p>
+          <a:p>
+            <a:pPr indent="205704" algn="l" defTabSz="908920" rtl="0">
+              <a:defRPr/>
+            </a:pPr>
+            <a:endParaRPr lang="en-US" sz="2800" kern="0" dirty="0" smtClean="0">
+              <a:solidFill>
+                <a:srgbClr val="000000"/>
+              </a:solidFill>
+              <a:latin typeface="+mn-lt"/>
+            </a:endParaRPr>
+          </a:p>
+          <a:p>
+            <a:pPr indent="205704" algn="l" defTabSz="908920" rtl="0">
+              <a:defRPr/>
+            </a:pPr>
+            <a:endParaRPr lang="en-US" sz="2800" kern="0" dirty="0">
+              <a:solidFill>
+                <a:srgbClr val="000000"/>
+              </a:solidFill>
+              <a:latin typeface="+mn-lt"/>
+            </a:endParaRPr>
+          </a:p>
+          <a:p>
+            <a:pPr indent="205704" algn="l" defTabSz="908920" rtl="0">
+              <a:defRPr/>
+            </a:pPr>
+            <a:endParaRPr lang="en-US" sz="2800" kern="0" dirty="0" smtClean="0">
+              <a:solidFill>
+                <a:srgbClr val="000000"/>
+              </a:solidFill>
+              <a:latin typeface="+mn-lt"/>
+            </a:endParaRPr>
+          </a:p>
+          <a:p>
+            <a:pPr indent="205704" algn="l" defTabSz="908920" rtl="0">
+              <a:defRPr/>
+            </a:pPr>
+            <a:endParaRPr lang="en-US" sz="2800" kern="0" dirty="0">
+              <a:solidFill>
+                <a:srgbClr val="000000"/>
+              </a:solidFill>
+              <a:latin typeface="+mn-lt"/>
+            </a:endParaRPr>
+          </a:p>
+          <a:p>
+            <a:pPr indent="205704" algn="l" defTabSz="908920" rtl="0">
+              <a:defRPr/>
+            </a:pPr>
+            <a:endParaRPr lang="en-US" sz="2800" kern="0" dirty="0" smtClean="0">
+              <a:solidFill>
+                <a:srgbClr val="000000"/>
+              </a:solidFill>
+              <a:latin typeface="+mn-lt"/>
+            </a:endParaRPr>
+          </a:p>
+          <a:p>
+            <a:pPr indent="205704" algn="l" defTabSz="908920" rtl="0">
+              <a:defRPr/>
+            </a:pPr>
+            <a:endParaRPr lang="en-US" sz="2800" kern="0" dirty="0">
+              <a:solidFill>
+                <a:srgbClr val="000000"/>
+              </a:solidFill>
+              <a:latin typeface="+mn-lt"/>
+            </a:endParaRPr>
+          </a:p>
+          <a:p>
+            <a:pPr indent="205704" algn="l" defTabSz="908920" rtl="0">
+              <a:defRPr/>
+            </a:pPr>
+            <a:endParaRPr lang="en-US" sz="2800" kern="0" dirty="0" smtClean="0">
+              <a:solidFill>
+                <a:srgbClr val="000000"/>
+              </a:solidFill>
+              <a:latin typeface="+mn-lt"/>
+            </a:endParaRPr>
+          </a:p>
+          <a:p>
+            <a:pPr indent="205704" algn="l" defTabSz="908920" rtl="0">
+              <a:defRPr/>
+            </a:pPr>
+            <a:endParaRPr lang="en-US" sz="2800" kern="0" dirty="0">
+              <a:solidFill>
+                <a:srgbClr val="000000"/>
+              </a:solidFill>
+              <a:latin typeface="+mn-lt"/>
+            </a:endParaRPr>
+          </a:p>
+          <a:p>
+            <a:pPr indent="205704" algn="l" defTabSz="908920" rtl="0">
+              <a:defRPr/>
+            </a:pPr>
+            <a:endParaRPr lang="en-US" sz="2800" kern="0" dirty="0" smtClean="0">
+              <a:solidFill>
+                <a:srgbClr val="000000"/>
+              </a:solidFill>
+              <a:latin typeface="+mn-lt"/>
+            </a:endParaRPr>
+          </a:p>
+          <a:p>
+            <a:pPr indent="205704" algn="l" defTabSz="908920" rtl="0">
+              <a:defRPr/>
+            </a:pPr>
+            <a:endParaRPr lang="en-US" sz="2800" kern="0" dirty="0">
+              <a:solidFill>
+                <a:srgbClr val="000000"/>
+              </a:solidFill>
+              <a:latin typeface="+mn-lt"/>
+            </a:endParaRPr>
+          </a:p>
+          <a:p>
+            <a:pPr indent="205704" algn="l" defTabSz="908920" rtl="0">
+              <a:defRPr/>
+            </a:pPr>
+            <a:endParaRPr lang="en-US" sz="2800" kern="0" dirty="0" smtClean="0">
+              <a:solidFill>
+                <a:srgbClr val="000000"/>
+              </a:solidFill>
+              <a:latin typeface="+mn-lt"/>
+            </a:endParaRPr>
+          </a:p>
+          <a:p>
+            <a:pPr indent="205704" algn="l" defTabSz="908920" rtl="0">
+              <a:defRPr/>
+            </a:pPr>
+            <a:endParaRPr lang="en-US" sz="2800" kern="0" dirty="0">
+              <a:solidFill>
+                <a:srgbClr val="000000"/>
+              </a:solidFill>
+              <a:latin typeface="+mn-lt"/>
+            </a:endParaRPr>
+          </a:p>
+          <a:p>
+            <a:pPr indent="205704" algn="l" defTabSz="908920" rtl="0">
+              <a:defRPr/>
+            </a:pPr>
+            <a:endParaRPr lang="en-US" sz="2800" kern="0" dirty="0" smtClean="0">
+              <a:solidFill>
+                <a:srgbClr val="000000"/>
+              </a:solidFill>
+              <a:latin typeface="+mn-lt"/>
+            </a:endParaRPr>
+          </a:p>
+          <a:p>
+            <a:pPr indent="205704" algn="l" defTabSz="908920" rtl="0">
+              <a:defRPr/>
+            </a:pPr>
+            <a:endParaRPr lang="en-US" sz="2800" kern="0" dirty="0">
+              <a:solidFill>
+                <a:srgbClr val="000000"/>
+              </a:solidFill>
+              <a:latin typeface="+mn-lt"/>
+            </a:endParaRPr>
+          </a:p>
+          <a:p>
+            <a:pPr indent="205704" algn="l" defTabSz="908920" rtl="0">
+              <a:defRPr/>
+            </a:pPr>
+            <a:endParaRPr lang="en-US" sz="2800" kern="0" dirty="0" smtClean="0">
+              <a:solidFill>
+                <a:srgbClr val="000000"/>
+              </a:solidFill>
+              <a:latin typeface="+mn-lt"/>
+            </a:endParaRPr>
+          </a:p>
+          <a:p>
+            <a:pPr indent="205704" algn="l" defTabSz="908920" rtl="0">
+              <a:defRPr/>
+            </a:pPr>
+            <a:endParaRPr lang="en-US" sz="2800" kern="0" dirty="0">
+              <a:solidFill>
+                <a:srgbClr val="000000"/>
+              </a:solidFill>
+              <a:latin typeface="+mn-lt"/>
+            </a:endParaRPr>
+          </a:p>
+          <a:p>
+            <a:pPr indent="205704" algn="l" defTabSz="908920" rtl="0">
+              <a:defRPr/>
+            </a:pPr>
+            <a:endParaRPr lang="en-US" sz="2800" kern="0" dirty="0" smtClean="0">
+              <a:solidFill>
+                <a:srgbClr val="000000"/>
+              </a:solidFill>
+              <a:latin typeface="+mn-lt"/>
+            </a:endParaRPr>
+          </a:p>
+          <a:p>
+            <a:pPr indent="205704" algn="l" defTabSz="908920" rtl="0">
+              <a:defRPr/>
+            </a:pPr>
+            <a:endParaRPr lang="en-US" sz="2800" kern="0" dirty="0">
+              <a:solidFill>
+                <a:srgbClr val="000000"/>
+              </a:solidFill>
+              <a:latin typeface="+mn-lt"/>
+            </a:endParaRPr>
+          </a:p>
+          <a:p>
+            <a:pPr indent="205704" algn="l" defTabSz="908920" rtl="0">
+              <a:defRPr/>
+            </a:pPr>
+            <a:r>
+              <a:rPr lang="en-US" sz="2800" kern="0" dirty="0" smtClean="0">
+                <a:solidFill>
+                  <a:srgbClr val="000000"/>
+                </a:solidFill>
+                <a:latin typeface="+mn-lt"/>
+              </a:rPr>
+              <a:t>In a </a:t>
+            </a:r>
+            <a:r>
+              <a:rPr lang="en-US" sz="2800" kern="0" dirty="0">
+                <a:solidFill>
+                  <a:srgbClr val="000000"/>
+                </a:solidFill>
+                <a:latin typeface="+mn-lt"/>
+              </a:rPr>
+              <a:t>single-peak fitness </a:t>
+            </a:r>
+            <a:r>
+              <a:rPr lang="en-US" sz="2800" kern="0" dirty="0" smtClean="0">
+                <a:solidFill>
+                  <a:srgbClr val="000000"/>
+                </a:solidFill>
+                <a:latin typeface="+mn-lt"/>
+              </a:rPr>
+              <a:t>landscape selection </a:t>
+            </a:r>
+            <a:r>
+              <a:rPr lang="en-US" sz="2800" kern="0" dirty="0">
+                <a:solidFill>
+                  <a:srgbClr val="000000"/>
+                </a:solidFill>
+                <a:latin typeface="+mn-lt"/>
+              </a:rPr>
+              <a:t>drives the population uphill towards the global maximum (Fig. 1). In </a:t>
+            </a:r>
+            <a:r>
+              <a:rPr lang="en-US" sz="2800" kern="0" dirty="0" smtClean="0">
+                <a:solidFill>
+                  <a:srgbClr val="000000"/>
+                </a:solidFill>
+                <a:latin typeface="+mn-lt"/>
+              </a:rPr>
+              <a:t>a </a:t>
+            </a:r>
+            <a:r>
+              <a:rPr lang="en-US" sz="2800" kern="0" dirty="0">
+                <a:solidFill>
+                  <a:srgbClr val="000000"/>
+                </a:solidFill>
+                <a:latin typeface="+mn-lt"/>
+              </a:rPr>
+              <a:t>multi-peak rugged fitness </a:t>
+            </a:r>
+            <a:r>
+              <a:rPr lang="en-US" sz="2800" kern="0" dirty="0" smtClean="0">
+                <a:solidFill>
+                  <a:srgbClr val="000000"/>
+                </a:solidFill>
+                <a:latin typeface="+mn-lt"/>
+              </a:rPr>
+              <a:t>landscape selection </a:t>
+            </a:r>
+            <a:r>
+              <a:rPr lang="en-US" sz="2800" kern="0" dirty="0">
+                <a:solidFill>
+                  <a:srgbClr val="000000"/>
+                </a:solidFill>
+                <a:latin typeface="+mn-lt"/>
+              </a:rPr>
+              <a:t>drives the population uphill towards the closest peak, </a:t>
             </a:r>
             <a:r>
               <a:rPr lang="en-US" sz="2800" b="1" kern="0" dirty="0">
@@ -5846,8 +6118,47 @@
                 </a:solidFill>
                 <a:latin typeface="+mn-lt"/>
               </a:rPr>
-              <a:t>jointly advantageous</a:t>
-            </a:r>
+              <a:t>preventing it from shifting to the higher peak </a:t>
+            </a:r>
+            <a:r>
+              <a:rPr lang="en-US" sz="2800" kern="0" dirty="0">
+                <a:solidFill>
+                  <a:srgbClr val="000000"/>
+                </a:solidFill>
+                <a:latin typeface="+mn-lt"/>
+              </a:rPr>
+              <a:t>(Fig. 2).</a:t>
+            </a:r>
+          </a:p>
+          <a:p>
+            <a:pPr indent="205704" algn="l" defTabSz="908920" rtl="0">
+              <a:defRPr/>
+            </a:pPr>
+            <a:endParaRPr lang="en-US" b="1" kern="0" dirty="0" smtClean="0">
+              <a:solidFill>
+                <a:schemeClr val="accent2"/>
+              </a:solidFill>
+              <a:latin typeface="+mj-lt"/>
+            </a:endParaRPr>
+          </a:p>
+          <a:p>
+            <a:pPr indent="205704" algn="l" defTabSz="908920" rtl="0">
+              <a:defRPr/>
+            </a:pPr>
+            <a:r>
+              <a:rPr lang="en-US" b="1" kern="0" dirty="0" smtClean="0">
+                <a:solidFill>
+                  <a:schemeClr val="accent2"/>
+                </a:solidFill>
+                <a:latin typeface="+mj-lt"/>
+              </a:rPr>
+              <a:t>Stress-Induced Mutagenesis</a:t>
+            </a:r>
+          </a:p>
+          <a:p>
+            <a:pPr indent="205704" algn="l" defTabSz="908920" rtl="0">
+              <a:defRPr/>
+            </a:pPr>
             <a:r>
               <a:rPr lang="en-US" sz="2800" b="1" kern="0" dirty="0">
                 <a:solidFill>
@@ -5855,17 +6166,32 @@
                 </a:solidFill>
                 <a:latin typeface="+mn-lt"/>
               </a:rPr>
-              <a:t>, how can a population evolve from one co-adapted gene complex to a better one</a:t>
-            </a:r>
-            <a:r>
-              <a:rPr lang="en-US" sz="2800" b="1" kern="0" dirty="0">
-                <a:solidFill>
-                  <a:schemeClr val="tx2"/>
-                </a:solidFill>
-                <a:latin typeface="+mn-lt"/>
-              </a:rPr>
-              <a:t>? </a:t>
-            </a:r>
+              <a:t>The mutation rate is induced by stress responses in various species </a:t>
+            </a:r>
+            <a:r>
+              <a:rPr lang="en-US" sz="2800" kern="0" dirty="0">
+                <a:solidFill>
+                  <a:srgbClr val="000000"/>
+                </a:solidFill>
+                <a:latin typeface="+mn-lt"/>
+              </a:rPr>
+              <a:t>of bacteria (</a:t>
+            </a:r>
+            <a:r>
+              <a:rPr lang="en-US" sz="2800" kern="0" dirty="0" smtClean="0">
+                <a:solidFill>
+                  <a:srgbClr val="000000"/>
+                </a:solidFill>
+                <a:latin typeface="+mn-lt"/>
+              </a:rPr>
+              <a:t>2-4).</a:t>
+            </a:r>
+            <a:endParaRPr lang="en-US" sz="2800" kern="0" dirty="0" smtClean="0">
+              <a:solidFill>
+                <a:srgbClr val="000000"/>
+              </a:solidFill>
+              <a:latin typeface="+mn-lt"/>
+            </a:endParaRPr>
           </a:p>
           <a:p>
             <a:pPr indent="205704" algn="l" defTabSz="908920" rtl="0">
@@ -5878,7 +6204,7 @@
                 </a:solidFill>
                 <a:latin typeface="+mn-lt"/>
               </a:rPr>
-              <a:t>The problem is illustrated using </a:t>
+              <a:t>In a previous work </a:t>
             </a:r>
             <a:r>
               <a:rPr lang="en-US" sz="2800" kern="0" dirty="0" smtClean="0">
@@ -5887,537 +6213,16 @@
                 </a:solidFill>
                 <a:latin typeface="+mn-lt"/>
               </a:rPr>
-              <a:t>the </a:t>
-            </a:r>
-            <a:r>
-              <a:rPr lang="en-US" sz="2800" i="1" kern="0" dirty="0" smtClean="0">
+              <a:t>(5) </a:t>
+            </a:r>
+            <a:r>
+              <a:rPr lang="en-US" sz="2800" kern="0" dirty="0" smtClean="0">
                 <a:solidFill>
                   <a:srgbClr val="000000"/>
                 </a:solidFill>
                 <a:latin typeface="+mn-lt"/>
               </a:rPr>
-              <a:t>fitness landscape </a:t>
-            </a:r>
-            <a:r>
-              <a:rPr lang="en-US" sz="2800" kern="0" dirty="0" smtClean="0">
-                <a:solidFill>
-                  <a:srgbClr val="000000"/>
-                </a:solidFill>
-                <a:latin typeface="+mn-lt"/>
-              </a:rPr>
-              <a:t>metaphor:</a:t>
-            </a:r>
-            <a:endParaRPr lang="en-US" sz="2800" kern="0" dirty="0" smtClean="0">
-              <a:solidFill>
-                <a:srgbClr val="000000"/>
-              </a:solidFill>
-              <a:latin typeface="+mn-lt"/>
-            </a:endParaRPr>
-          </a:p>
-          <a:p>
-            <a:pPr indent="205704" algn="l" defTabSz="908920" rtl="0">
-              <a:defRPr/>
-            </a:pPr>
-            <a:endParaRPr lang="en-US" sz="2800" kern="0" dirty="0" smtClean="0">
-              <a:solidFill>
-                <a:srgbClr val="000000"/>
-              </a:solidFill>
-              <a:latin typeface="+mn-lt"/>
-            </a:endParaRPr>
-          </a:p>
-          <a:p>
-            <a:pPr indent="205704" algn="l" defTabSz="908920" rtl="0">
-              <a:defRPr/>
-            </a:pPr>
-            <a:endParaRPr lang="en-US" sz="2800" kern="0" dirty="0">
-              <a:solidFill>
-                <a:srgbClr val="000000"/>
-              </a:solidFill>
-              <a:latin typeface="+mn-lt"/>
-            </a:endParaRPr>
-          </a:p>
-          <a:p>
-            <a:pPr indent="205704" algn="l" defTabSz="908920" rtl="0">
-              <a:defRPr/>
-            </a:pPr>
-            <a:endParaRPr lang="en-US" sz="2800" kern="0" dirty="0" smtClean="0">
-              <a:solidFill>
-                <a:srgbClr val="000000"/>
-              </a:solidFill>
-              <a:latin typeface="+mn-lt"/>
-            </a:endParaRPr>
-          </a:p>
-          <a:p>
-            <a:pPr indent="205704" algn="l" defTabSz="908920" rtl="0">
-              <a:defRPr/>
-            </a:pPr>
-            <a:endParaRPr lang="en-US" sz="2800" kern="0" dirty="0">
-              <a:solidFill>
-                <a:srgbClr val="000000"/>
-              </a:solidFill>
-              <a:latin typeface="+mn-lt"/>
-            </a:endParaRPr>
-          </a:p>
-          <a:p>
-            <a:pPr indent="205704" algn="l" defTabSz="908920" rtl="0">
-              <a:defRPr/>
-            </a:pPr>
-            <a:endParaRPr lang="en-US" sz="2800" kern="0" dirty="0" smtClean="0">
-              <a:solidFill>
-                <a:srgbClr val="000000"/>
-              </a:solidFill>
-              <a:latin typeface="+mn-lt"/>
-            </a:endParaRPr>
-          </a:p>
-          <a:p>
-            <a:pPr indent="205704" algn="l" defTabSz="908920" rtl="0">
-              <a:defRPr/>
-            </a:pPr>
-            <a:endParaRPr lang="en-US" sz="2800" kern="0" dirty="0">
-              <a:solidFill>
-                <a:srgbClr val="000000"/>
-              </a:solidFill>
-              <a:latin typeface="+mn-lt"/>
-            </a:endParaRPr>
-          </a:p>
-          <a:p>
-            <a:pPr indent="205704" algn="l" defTabSz="908920" rtl="0">
-              <a:defRPr/>
-            </a:pPr>
-            <a:endParaRPr lang="en-US" sz="2800" kern="0" dirty="0" smtClean="0">
-              <a:solidFill>
-                <a:srgbClr val="000000"/>
-              </a:solidFill>
-              <a:latin typeface="+mn-lt"/>
-            </a:endParaRPr>
-          </a:p>
-          <a:p>
-            <a:pPr indent="205704" algn="l" defTabSz="908920" rtl="0">
-              <a:defRPr/>
-            </a:pPr>
-            <a:endParaRPr lang="en-US" sz="2800" kern="0" dirty="0">
-              <a:solidFill>
-                <a:srgbClr val="000000"/>
-              </a:solidFill>
-              <a:latin typeface="+mn-lt"/>
-            </a:endParaRPr>
-          </a:p>
-          <a:p>
-            <a:pPr indent="205704" algn="l" defTabSz="908920" rtl="0">
-              <a:defRPr/>
-            </a:pPr>
-            <a:endParaRPr lang="en-US" sz="2800" kern="0" dirty="0" smtClean="0">
-              <a:solidFill>
-                <a:srgbClr val="000000"/>
-              </a:solidFill>
-              <a:latin typeface="+mn-lt"/>
-            </a:endParaRPr>
-          </a:p>
-          <a:p>
-            <a:pPr indent="205704" algn="l" defTabSz="908920" rtl="0">
-              <a:defRPr/>
-            </a:pPr>
-            <a:endParaRPr lang="en-US" sz="2800" kern="0" dirty="0">
-              <a:solidFill>
-                <a:srgbClr val="000000"/>
-              </a:solidFill>
-              <a:latin typeface="+mn-lt"/>
-            </a:endParaRPr>
-          </a:p>
-          <a:p>
-            <a:pPr indent="205704" algn="l" defTabSz="908920" rtl="0">
-              <a:defRPr/>
-            </a:pPr>
-            <a:endParaRPr lang="en-US" sz="2800" kern="0" dirty="0" smtClean="0">
-              <a:solidFill>
-                <a:srgbClr val="000000"/>
-              </a:solidFill>
-              <a:latin typeface="+mn-lt"/>
-            </a:endParaRPr>
-          </a:p>
-          <a:p>
-            <a:pPr indent="205704" algn="l" defTabSz="908920" rtl="0">
-              <a:defRPr/>
-            </a:pPr>
-            <a:endParaRPr lang="en-US" sz="2800" kern="0" dirty="0">
-              <a:solidFill>
-                <a:srgbClr val="000000"/>
-              </a:solidFill>
-              <a:latin typeface="+mn-lt"/>
-            </a:endParaRPr>
-          </a:p>
-          <a:p>
-            <a:pPr indent="205704" algn="l" defTabSz="908920" rtl="0">
-              <a:defRPr/>
-            </a:pPr>
-            <a:endParaRPr lang="en-US" sz="2800" kern="0" dirty="0" smtClean="0">
-              <a:solidFill>
-                <a:srgbClr val="000000"/>
-              </a:solidFill>
-              <a:latin typeface="+mn-lt"/>
-            </a:endParaRPr>
-          </a:p>
-          <a:p>
-            <a:pPr indent="205704" algn="l" defTabSz="908920" rtl="0">
-              <a:defRPr/>
-            </a:pPr>
-            <a:endParaRPr lang="en-US" sz="2800" kern="0" dirty="0">
-              <a:solidFill>
-                <a:srgbClr val="000000"/>
-              </a:solidFill>
-              <a:latin typeface="+mn-lt"/>
-            </a:endParaRPr>
-          </a:p>
-          <a:p>
-            <a:pPr indent="205704" algn="l" defTabSz="908920" rtl="0">
-              <a:defRPr/>
-            </a:pPr>
-            <a:endParaRPr lang="en-US" sz="2800" kern="0" dirty="0" smtClean="0">
-              <a:solidFill>
-                <a:srgbClr val="000000"/>
-              </a:solidFill>
-              <a:latin typeface="+mn-lt"/>
-            </a:endParaRPr>
-          </a:p>
-          <a:p>
-            <a:pPr indent="205704" algn="l" defTabSz="908920" rtl="0">
-              <a:defRPr/>
-            </a:pPr>
-            <a:endParaRPr lang="en-US" sz="2800" kern="0" dirty="0">
-              <a:solidFill>
-                <a:srgbClr val="000000"/>
-              </a:solidFill>
-              <a:latin typeface="+mn-lt"/>
-            </a:endParaRPr>
-          </a:p>
-          <a:p>
-            <a:pPr indent="205704" algn="l" defTabSz="908920" rtl="0">
-              <a:defRPr/>
-            </a:pPr>
-            <a:endParaRPr lang="en-US" sz="2800" kern="0" dirty="0" smtClean="0">
-              <a:solidFill>
-                <a:srgbClr val="000000"/>
-              </a:solidFill>
-              <a:latin typeface="+mn-lt"/>
-            </a:endParaRPr>
-          </a:p>
-          <a:p>
-            <a:pPr indent="205704" algn="l" defTabSz="908920" rtl="0">
-              <a:defRPr/>
-            </a:pPr>
-            <a:endParaRPr lang="en-US" sz="2800" kern="0" dirty="0">
-              <a:solidFill>
-                <a:srgbClr val="000000"/>
-              </a:solidFill>
-              <a:latin typeface="+mn-lt"/>
-            </a:endParaRPr>
-          </a:p>
-          <a:p>
-            <a:pPr indent="205704" algn="l" defTabSz="908920" rtl="0">
-              <a:defRPr/>
-            </a:pPr>
-            <a:endParaRPr lang="en-US" sz="2800" kern="0" dirty="0" smtClean="0">
-              <a:solidFill>
-                <a:srgbClr val="000000"/>
-              </a:solidFill>
-              <a:latin typeface="+mn-lt"/>
-            </a:endParaRPr>
-          </a:p>
-          <a:p>
-            <a:pPr indent="205704" algn="l" defTabSz="908920" rtl="0">
-              <a:defRPr/>
-            </a:pPr>
-            <a:endParaRPr lang="en-US" sz="2800" kern="0" dirty="0">
-              <a:solidFill>
-                <a:srgbClr val="000000"/>
-              </a:solidFill>
-              <a:latin typeface="+mn-lt"/>
-            </a:endParaRPr>
-          </a:p>
-          <a:p>
-            <a:pPr indent="205704" algn="l" defTabSz="908920" rtl="0">
-              <a:defRPr/>
-            </a:pPr>
-            <a:r>
-              <a:rPr lang="en-US" sz="2800" kern="0" dirty="0" smtClean="0">
-                <a:solidFill>
-                  <a:srgbClr val="000000"/>
-                </a:solidFill>
-                <a:latin typeface="+mn-lt"/>
-              </a:rPr>
-              <a:t>In a </a:t>
-            </a:r>
-            <a:r>
-              <a:rPr lang="en-US" sz="2800" kern="0" dirty="0">
-                <a:solidFill>
-                  <a:srgbClr val="000000"/>
-                </a:solidFill>
-                <a:latin typeface="+mn-lt"/>
-              </a:rPr>
-              <a:t>single-peak fitness </a:t>
-            </a:r>
-            <a:r>
-              <a:rPr lang="en-US" sz="2800" kern="0" dirty="0" smtClean="0">
-                <a:solidFill>
-                  <a:srgbClr val="000000"/>
-                </a:solidFill>
-                <a:latin typeface="+mn-lt"/>
-              </a:rPr>
-              <a:t>landscape selection </a:t>
-            </a:r>
-            <a:r>
-              <a:rPr lang="en-US" sz="2800" kern="0" dirty="0">
-                <a:solidFill>
-                  <a:srgbClr val="000000"/>
-                </a:solidFill>
-                <a:latin typeface="+mn-lt"/>
-              </a:rPr>
-              <a:t>drives the population uphill towards the global </a:t>
-            </a:r>
-            <a:r>
-              <a:rPr lang="en-US" sz="2800" kern="0" dirty="0">
-                <a:solidFill>
-                  <a:srgbClr val="000000"/>
-                </a:solidFill>
-                <a:latin typeface="+mn-lt"/>
-              </a:rPr>
-              <a:t>maximum (</a:t>
-            </a:r>
-            <a:r>
-              <a:rPr lang="en-US" sz="2800" kern="0" dirty="0">
-                <a:solidFill>
-                  <a:srgbClr val="000000"/>
-                </a:solidFill>
-                <a:latin typeface="+mn-lt"/>
-              </a:rPr>
-              <a:t>Fig. 1</a:t>
-            </a:r>
-            <a:r>
-              <a:rPr lang="en-US" sz="2800" kern="0" dirty="0">
-                <a:solidFill>
-                  <a:srgbClr val="000000"/>
-                </a:solidFill>
-                <a:latin typeface="+mn-lt"/>
-              </a:rPr>
-              <a:t>). In </a:t>
-            </a:r>
-            <a:r>
-              <a:rPr lang="en-US" sz="2800" kern="0" dirty="0" smtClean="0">
-                <a:solidFill>
-                  <a:srgbClr val="000000"/>
-                </a:solidFill>
-                <a:latin typeface="+mn-lt"/>
-              </a:rPr>
-              <a:t>a </a:t>
-            </a:r>
-            <a:r>
-              <a:rPr lang="en-US" sz="2800" kern="0" dirty="0">
-                <a:solidFill>
-                  <a:srgbClr val="000000"/>
-                </a:solidFill>
-                <a:latin typeface="+mn-lt"/>
-              </a:rPr>
-              <a:t>multi-peak rugged fitness </a:t>
-            </a:r>
-            <a:r>
-              <a:rPr lang="en-US" sz="2800" kern="0" dirty="0" smtClean="0">
-                <a:solidFill>
-                  <a:srgbClr val="000000"/>
-                </a:solidFill>
-                <a:latin typeface="+mn-lt"/>
-              </a:rPr>
-              <a:t>landscape selection </a:t>
-            </a:r>
-            <a:r>
-              <a:rPr lang="en-US" sz="2800" kern="0" dirty="0">
-                <a:solidFill>
-                  <a:srgbClr val="000000"/>
-                </a:solidFill>
-                <a:latin typeface="+mn-lt"/>
-              </a:rPr>
-              <a:t>drives the population uphill towards the closest peak, </a:t>
-            </a:r>
-            <a:r>
-              <a:rPr lang="en-US" sz="2800" b="1" kern="0" dirty="0">
-                <a:solidFill>
-                  <a:schemeClr val="tx2"/>
-                </a:solidFill>
-                <a:latin typeface="+mn-lt"/>
-              </a:rPr>
-              <a:t>preventing it from shifting to the higher peak </a:t>
-            </a:r>
-            <a:r>
-              <a:rPr lang="en-US" sz="2800" kern="0" dirty="0">
-                <a:solidFill>
-                  <a:srgbClr val="000000"/>
-                </a:solidFill>
-                <a:latin typeface="+mn-lt"/>
-              </a:rPr>
-              <a:t>(</a:t>
-            </a:r>
-            <a:r>
-              <a:rPr lang="en-US" sz="2800" kern="0" dirty="0">
-                <a:solidFill>
-                  <a:srgbClr val="000000"/>
-                </a:solidFill>
-                <a:latin typeface="+mn-lt"/>
-              </a:rPr>
-              <a:t>Fig. 2</a:t>
-            </a:r>
-            <a:r>
-              <a:rPr lang="en-US" sz="2800" kern="0" dirty="0">
-                <a:solidFill>
-                  <a:srgbClr val="000000"/>
-                </a:solidFill>
-                <a:latin typeface="+mn-lt"/>
-              </a:rPr>
-              <a:t>).</a:t>
-            </a:r>
-            <a:endParaRPr lang="en-US" sz="2800" kern="0" dirty="0">
-              <a:solidFill>
-                <a:srgbClr val="000000"/>
-              </a:solidFill>
-              <a:latin typeface="+mn-lt"/>
-            </a:endParaRPr>
-          </a:p>
-          <a:p>
-            <a:pPr indent="205704" algn="l" defTabSz="908920" rtl="0">
-              <a:defRPr/>
-            </a:pPr>
-            <a:endParaRPr lang="en-US" b="1" kern="0" dirty="0" smtClean="0">
-              <a:solidFill>
-                <a:schemeClr val="accent2"/>
-              </a:solidFill>
-              <a:latin typeface="+mj-lt"/>
-            </a:endParaRPr>
-          </a:p>
-          <a:p>
-            <a:pPr indent="205704" algn="l" defTabSz="908920" rtl="0">
-              <a:defRPr/>
-            </a:pPr>
-            <a:r>
-              <a:rPr lang="en-US" b="1" kern="0" dirty="0" smtClean="0">
-                <a:solidFill>
-                  <a:schemeClr val="accent2"/>
-                </a:solidFill>
-                <a:latin typeface="+mj-lt"/>
-              </a:rPr>
-              <a:t>Stress-Induced </a:t>
-            </a:r>
-            <a:r>
-              <a:rPr lang="en-US" b="1" kern="0" dirty="0" smtClean="0">
-                <a:solidFill>
-                  <a:schemeClr val="accent2"/>
-                </a:solidFill>
-                <a:latin typeface="+mj-lt"/>
-              </a:rPr>
-              <a:t>Mutagenesis</a:t>
-            </a:r>
-          </a:p>
-          <a:p>
-            <a:pPr indent="205704" algn="l" defTabSz="908920" rtl="0">
-              <a:defRPr/>
-            </a:pPr>
-            <a:r>
-              <a:rPr lang="en-US" sz="2800" b="1" kern="0" dirty="0">
-                <a:solidFill>
-                  <a:schemeClr val="tx2"/>
-                </a:solidFill>
-                <a:latin typeface="+mn-lt"/>
-              </a:rPr>
-              <a:t>The mutation rate is induced by stress responses in various species </a:t>
-            </a:r>
-            <a:r>
-              <a:rPr lang="en-US" sz="2800" kern="0" dirty="0">
-                <a:solidFill>
-                  <a:srgbClr val="000000"/>
-                </a:solidFill>
-                <a:latin typeface="+mn-lt"/>
-              </a:rPr>
-              <a:t>of bacteria (</a:t>
-            </a:r>
-            <a:r>
-              <a:rPr lang="en-US" sz="2800" kern="0" dirty="0" smtClean="0">
-                <a:solidFill>
-                  <a:srgbClr val="000000"/>
-                </a:solidFill>
-                <a:latin typeface="+mn-lt"/>
-              </a:rPr>
-              <a:t>2-3).</a:t>
-            </a:r>
-            <a:endParaRPr lang="en-US" sz="2800" kern="0" dirty="0" smtClean="0">
-              <a:solidFill>
-                <a:srgbClr val="000000"/>
-              </a:solidFill>
-              <a:latin typeface="+mn-lt"/>
-            </a:endParaRPr>
-          </a:p>
-          <a:p>
-            <a:pPr indent="205704" algn="l" defTabSz="908920" rtl="0">
-              <a:defRPr/>
-            </a:pPr>
-            <a:r>
-              <a:rPr lang="en-US" sz="2800" kern="0" dirty="0" smtClean="0">
-                <a:solidFill>
-                  <a:srgbClr val="000000"/>
-                </a:solidFill>
-                <a:latin typeface="+mn-lt"/>
-              </a:rPr>
-              <a:t>In a previous work (4) we </a:t>
-            </a:r>
-            <a:r>
-              <a:rPr lang="en-US" sz="2800" kern="0" dirty="0" smtClean="0">
-                <a:solidFill>
-                  <a:srgbClr val="000000"/>
-                </a:solidFill>
-                <a:latin typeface="+mn-lt"/>
-              </a:rPr>
-              <a:t>studied the </a:t>
-            </a:r>
-            <a:r>
-              <a:rPr lang="en-US" sz="2800" kern="0" dirty="0" smtClean="0">
-                <a:solidFill>
-                  <a:srgbClr val="000000"/>
-                </a:solidFill>
-                <a:latin typeface="+mn-lt"/>
-              </a:rPr>
-              <a:t>evolution of stress-induced mutagenesis in </a:t>
-            </a:r>
-            <a:r>
-              <a:rPr lang="en-US" sz="2800" kern="0" dirty="0" smtClean="0">
-                <a:solidFill>
-                  <a:srgbClr val="000000"/>
-                </a:solidFill>
-                <a:latin typeface="+mn-lt"/>
-              </a:rPr>
-              <a:t>constant </a:t>
-            </a:r>
-            <a:r>
-              <a:rPr lang="en-US" sz="2800" kern="0" dirty="0" smtClean="0">
-                <a:solidFill>
-                  <a:srgbClr val="000000"/>
-                </a:solidFill>
-                <a:latin typeface="+mn-lt"/>
-              </a:rPr>
-              <a:t>and changing environments. </a:t>
-            </a:r>
-            <a:r>
-              <a:rPr lang="en-US" sz="2800" kern="0" dirty="0" smtClean="0">
-                <a:solidFill>
-                  <a:srgbClr val="000000"/>
-                </a:solidFill>
-                <a:latin typeface="+mn-lt"/>
-              </a:rPr>
-              <a:t>We showed </a:t>
-            </a:r>
-            <a:r>
-              <a:rPr lang="en-US" sz="2800" kern="0" dirty="0" smtClean="0">
-                <a:solidFill>
-                  <a:srgbClr val="000000"/>
-                </a:solidFill>
-                <a:latin typeface="+mn-lt"/>
-              </a:rPr>
-              <a:t>that</a:t>
+              <a:t>we studied the evolution of stress-induced mutagenesis in constant and changing environments. We showed that</a:t>
             </a:r>
             <a:r>
               <a:rPr lang="en-US" sz="2800" b="1" kern="0" dirty="0" smtClean="0">
@@ -7547,8 +7352,8 @@
           </a:p>
         </p:txBody>
       </p:sp>
-      <mc:AlternateContent xmlns:mc="http://schemas.openxmlformats.org/markup-compatibility/2006">
-        <mc:Choice xmlns:a14="http://schemas.microsoft.com/office/drawing/2010/main" Requires="a14">
+      <mc:AlternateContent xmlns:mc="http://schemas.openxmlformats.org/markup-compatibility/2006" xmlns:a14="http://schemas.microsoft.com/office/drawing/2010/main">
+        <mc:Choice Requires="a14">
           <p:sp>
             <p:nvSpPr>
               <p:cNvPr id="101" name="Text Box 13"/>
@@ -9038,12 +8843,6 @@
                   </a:rPr>
                   <a:t>.</a:t>
                 </a:r>
-                <a:endParaRPr lang="en-US" sz="2800" kern="0" dirty="0" smtClean="0">
-                  <a:solidFill>
-                    <a:schemeClr val="tx1"/>
-                  </a:solidFill>
-                  <a:latin typeface="+mn-lt"/>
-                </a:endParaRPr>
               </a:p>
               <a:p>
                 <a:pPr indent="205704" algn="l" defTabSz="908920" rtl="0">
@@ -9133,13 +8932,7 @@
                   <a:rPr lang="en-US" sz="2800" kern="0" dirty="0" smtClean="0">
                     <a:latin typeface="+mn-lt"/>
                   </a:rPr>
-                  <a:t> as the </a:t>
-                </a:r>
-                <a:r>
-                  <a:rPr lang="en-US" sz="2800" kern="0" dirty="0" smtClean="0">
-                    <a:latin typeface="+mn-lt"/>
-                  </a:rPr>
-                  <a:t>probability and </a:t>
+                  <a:t> as the probability and </a:t>
                 </a:r>
                 <a:r>
                   <a:rPr lang="en-US" sz="2800" i="1" kern="0" dirty="0" smtClean="0">
@@ -9864,12 +9657,6 @@
                   </a:rPr>
                   <a:t>.</a:t>
                 </a:r>
-                <a:endParaRPr lang="en-US" sz="2800" kern="0" dirty="0" smtClean="0">
-                  <a:solidFill>
-                    <a:srgbClr val="000000"/>
-                  </a:solidFill>
-                  <a:latin typeface="+mn-lt"/>
-                </a:endParaRPr>
               </a:p>
               <a:p>
                 <a:pPr indent="205704" algn="l" defTabSz="908920" rtl="0">
@@ -9907,7 +9694,7 @@
             </p:txBody>
           </p:sp>
         </mc:Choice>
-        <mc:Fallback>
+        <mc:Fallback xmlns="">
           <p:sp>
             <p:nvSpPr>
               <p:cNvPr id="101" name="Text Box 13"/>
@@ -9964,7 +9751,7 @@
         </p:nvSpPr>
         <p:spPr bwMode="auto">
           <a:xfrm>
-            <a:off x="29308836" y="28062001"/>
+            <a:off x="29307600" y="28062001"/>
             <a:ext cx="11520000" cy="4845956"/>
           </a:xfrm>
           <a:prstGeom prst="rect">
@@ -10397,14 +10184,20 @@
               <a:defRPr/>
             </a:pPr>
             <a:r>
-              <a:rPr lang="en-US" sz="4400" b="1" kern="0" dirty="0">
+              <a:rPr lang="en-US" sz="4400" b="1" kern="0" dirty="0" smtClean="0">
                 <a:solidFill>
                   <a:schemeClr val="accent2"/>
                 </a:solidFill>
                 <a:latin typeface="+mj-lt"/>
               </a:rPr>
-              <a:t>For more information</a:t>
-            </a:r>
+              <a:t>Contact information</a:t>
+            </a:r>
+            <a:endParaRPr lang="en-US" sz="4400" b="1" kern="0" dirty="0">
+              <a:solidFill>
+                <a:schemeClr val="accent2"/>
+              </a:solidFill>
+              <a:latin typeface="+mj-lt"/>
+            </a:endParaRPr>
           </a:p>
           <a:p>
             <a:pPr indent="205704" algn="l" defTabSz="908920" rtl="0" eaLnBrk="1" fontAlgn="base" hangingPunct="1">
@@ -10415,79 +10208,12 @@
                 <a:spcPct val="0"/>
               </a:spcAft>
             </a:pPr>
-            <a:r>
-              <a:rPr lang="en-US" sz="2800" dirty="0">
-                <a:solidFill>
-                  <a:srgbClr val="000000"/>
-                </a:solidFill>
-                <a:latin typeface="+mn-lt"/>
-              </a:rPr>
-              <a:t>Please contact Yoav Ram at </a:t>
-            </a:r>
-            <a:r>
-              <a:rPr lang="en-US" sz="2800" i="1" dirty="0">
-                <a:solidFill>
-                  <a:srgbClr val="000000"/>
-                </a:solidFill>
-                <a:latin typeface="+mn-lt"/>
-              </a:rPr>
-              <a:t>yoavram@post.tau.ac.il</a:t>
-            </a:r>
-            <a:r>
-              <a:rPr lang="en-US" sz="2800" dirty="0">
-                <a:solidFill>
-                  <a:srgbClr val="000000"/>
-                </a:solidFill>
-                <a:latin typeface="+mn-lt"/>
-              </a:rPr>
-              <a:t> </a:t>
-            </a:r>
-          </a:p>
-          <a:p>
-            <a:pPr indent="205704" algn="l" defTabSz="908920" rtl="0" eaLnBrk="1" fontAlgn="base" hangingPunct="1">
-              <a:spcBef>
-                <a:spcPct val="10000"/>
-              </a:spcBef>
-              <a:spcAft>
-                <a:spcPct val="0"/>
-              </a:spcAft>
-            </a:pPr>
-            <a:r>
-              <a:rPr lang="en-US" sz="2800" dirty="0">
-                <a:solidFill>
-                  <a:srgbClr val="000000"/>
-                </a:solidFill>
-                <a:latin typeface="+mn-lt"/>
-              </a:rPr>
-              <a:t>or </a:t>
-            </a:r>
-            <a:r>
-              <a:rPr lang="en-US" sz="2800" i="1" dirty="0">
-                <a:solidFill>
-                  <a:srgbClr val="000000"/>
-                </a:solidFill>
-                <a:latin typeface="+mn-lt"/>
-              </a:rPr>
-              <a:t>+972-545-383136 </a:t>
-            </a:r>
-            <a:r>
-              <a:rPr lang="en-US" sz="2800" dirty="0">
-                <a:solidFill>
-                  <a:srgbClr val="000000"/>
-                </a:solidFill>
-                <a:latin typeface="+mn-lt"/>
-              </a:rPr>
-              <a:t>or visit </a:t>
-            </a:r>
-            <a:r>
-              <a:rPr lang="en-US" sz="2800" i="1" dirty="0">
-                <a:solidFill>
-                  <a:srgbClr val="000000"/>
-                </a:solidFill>
-                <a:latin typeface="+mn-lt"/>
-              </a:rPr>
-              <a:t>www.yoavram.com</a:t>
-            </a:r>
+            <a:endParaRPr lang="en-US" sz="2800" i="1" dirty="0">
+              <a:solidFill>
+                <a:srgbClr val="000000"/>
+              </a:solidFill>
+              <a:latin typeface="+mn-lt"/>
+            </a:endParaRPr>
           </a:p>
         </p:txBody>
       </p:sp>
@@ -10501,7 +10227,7 @@
         </p:nvSpPr>
         <p:spPr bwMode="auto">
           <a:xfrm>
-            <a:off x="29308836" y="34132092"/>
+            <a:off x="29307600" y="34132092"/>
             <a:ext cx="11520000" cy="4737981"/>
           </a:xfrm>
           <a:prstGeom prst="rect">
@@ -10675,7 +10401,13 @@
               <a:rPr lang="en-US" sz="2400" dirty="0">
                 <a:latin typeface="+mn-lt"/>
               </a:rPr>
-              <a:t> 1988, 131:115–123.</a:t>
+              <a:t> 1988, </a:t>
+            </a:r>
+            <a:r>
+              <a:rPr lang="en-US" sz="2400" dirty="0" smtClean="0">
+                <a:latin typeface="+mn-lt"/>
+              </a:rPr>
+              <a:t>131:115–123</a:t>
             </a:r>
           </a:p>
           <a:p>
@@ -10684,77 +10416,32 @@
               <a:buAutoNum type="arabicPeriod"/>
             </a:pPr>
             <a:r>
-              <a:rPr lang="en-US" sz="2400" dirty="0" err="1">
-                <a:latin typeface="+mn-lt"/>
-              </a:rPr>
-              <a:t>Galhardo</a:t>
+              <a:rPr lang="en-US" sz="2400" dirty="0" smtClean="0">
+                <a:latin typeface="+mn-lt"/>
+              </a:rPr>
+              <a:t>Rosenberg SM, et al. </a:t>
+            </a:r>
+            <a:r>
+              <a:rPr lang="en-US" sz="2400" i="1" dirty="0">
+                <a:latin typeface="+mn-lt"/>
+              </a:rPr>
+              <a:t>Genetics </a:t>
             </a:r>
             <a:r>
               <a:rPr lang="en-US" sz="2400" dirty="0">
                 <a:latin typeface="+mn-lt"/>
               </a:rPr>
-              <a:t> RS, </a:t>
+              <a:t>1998, </a:t>
             </a:r>
             <a:r>
               <a:rPr lang="en-US" sz="2400" dirty="0" smtClean="0">
                 <a:latin typeface="+mn-lt"/>
               </a:rPr>
-              <a:t>et al. </a:t>
-            </a:r>
-            <a:r>
-              <a:rPr lang="en-US" sz="2400" i="1" dirty="0" err="1" smtClean="0">
-                <a:latin typeface="+mn-lt"/>
-              </a:rPr>
-              <a:t>Crit</a:t>
-            </a:r>
-            <a:r>
-              <a:rPr lang="en-US" sz="2400" i="1" dirty="0" smtClean="0">
-                <a:latin typeface="+mn-lt"/>
-              </a:rPr>
-              <a:t> </a:t>
-            </a:r>
-            <a:r>
-              <a:rPr lang="en-US" sz="2400" i="1" dirty="0">
-                <a:latin typeface="+mn-lt"/>
-              </a:rPr>
-              <a:t>Rev </a:t>
-            </a:r>
-            <a:r>
-              <a:rPr lang="en-US" sz="2400" i="1" dirty="0" err="1">
-                <a:latin typeface="+mn-lt"/>
-              </a:rPr>
-              <a:t>Biochem</a:t>
-            </a:r>
-            <a:r>
-              <a:rPr lang="en-US" sz="2400" i="1" dirty="0">
-                <a:latin typeface="+mn-lt"/>
-              </a:rPr>
-              <a:t> </a:t>
-            </a:r>
-            <a:r>
-              <a:rPr lang="en-US" sz="2400" i="1" dirty="0" err="1">
-                <a:latin typeface="+mn-lt"/>
-              </a:rPr>
-              <a:t>Mol</a:t>
-            </a:r>
-            <a:r>
-              <a:rPr lang="en-US" sz="2400" i="1" dirty="0">
-                <a:latin typeface="+mn-lt"/>
-              </a:rPr>
-              <a:t> </a:t>
-            </a:r>
-            <a:r>
-              <a:rPr lang="en-US" sz="2400" i="1" dirty="0" err="1">
-                <a:latin typeface="+mn-lt"/>
-              </a:rPr>
-              <a:t>Biol</a:t>
-            </a:r>
-            <a:r>
-              <a:rPr lang="en-US" sz="2400" dirty="0">
-                <a:latin typeface="+mn-lt"/>
-              </a:rPr>
-              <a:t> 2007, 42:399–435.</a:t>
-            </a:r>
+              <a:t>148:1559–66</a:t>
+            </a:r>
+            <a:endParaRPr lang="en-US" sz="2400" dirty="0">
+              <a:latin typeface="+mn-lt"/>
+            </a:endParaRPr>
           </a:p>
           <a:p>
             <a:pPr lvl="0" algn="l" rtl="0">
@@ -10765,32 +10452,83 @@
               <a:rPr lang="en-US" sz="2400" dirty="0" err="1">
                 <a:latin typeface="+mn-lt"/>
               </a:rPr>
-              <a:t>Bjedov</a:t>
+              <a:t>Galhardo</a:t>
             </a:r>
             <a:r>
               <a:rPr lang="en-US" sz="2400" dirty="0">
                 <a:latin typeface="+mn-lt"/>
               </a:rPr>
-              <a:t> I, et al</a:t>
+              <a:t> RS, </a:t>
             </a:r>
             <a:r>
               <a:rPr lang="en-US" sz="2400" dirty="0" smtClean="0">
                 <a:latin typeface="+mn-lt"/>
               </a:rPr>
-              <a:t>. </a:t>
+              <a:t>et al. </a:t>
+            </a:r>
+            <a:r>
+              <a:rPr lang="en-US" sz="2400" i="1" dirty="0" err="1" smtClean="0">
+                <a:latin typeface="+mn-lt"/>
+              </a:rPr>
+              <a:t>Crit</a:t>
+            </a:r>
+            <a:r>
+              <a:rPr lang="en-US" sz="2400" i="1" dirty="0" smtClean="0">
+                <a:latin typeface="+mn-lt"/>
+              </a:rPr>
+              <a:t> </a:t>
             </a:r>
             <a:r>
               <a:rPr lang="en-US" sz="2400" i="1" dirty="0">
                 <a:latin typeface="+mn-lt"/>
               </a:rPr>
-              <a:t>Science</a:t>
+              <a:t>Rev </a:t>
+            </a:r>
+            <a:r>
+              <a:rPr lang="en-US" sz="2400" i="1" dirty="0" err="1">
+                <a:latin typeface="+mn-lt"/>
+              </a:rPr>
+              <a:t>Biochem</a:t>
+            </a:r>
+            <a:r>
+              <a:rPr lang="en-US" sz="2400" i="1" dirty="0">
+                <a:latin typeface="+mn-lt"/>
+              </a:rPr>
+              <a:t> </a:t>
+            </a:r>
+            <a:r>
+              <a:rPr lang="en-US" sz="2400" i="1" dirty="0" err="1">
+                <a:latin typeface="+mn-lt"/>
+              </a:rPr>
+              <a:t>Mol</a:t>
+            </a:r>
+            <a:r>
+              <a:rPr lang="en-US" sz="2400" i="1" dirty="0">
+                <a:latin typeface="+mn-lt"/>
+              </a:rPr>
+              <a:t> </a:t>
+            </a:r>
+            <a:r>
+              <a:rPr lang="en-US" sz="2400" i="1" dirty="0" err="1">
+                <a:latin typeface="+mn-lt"/>
+              </a:rPr>
+              <a:t>Biol</a:t>
             </a:r>
             <a:r>
               <a:rPr lang="en-US" sz="2400" dirty="0">
                 <a:latin typeface="+mn-lt"/>
               </a:rPr>
-              <a:t> 2003, 300:1404–9.</a:t>
-            </a:r>
+              <a:t> 2007, </a:t>
+            </a:r>
+            <a:r>
+              <a:rPr lang="en-US" sz="2400" dirty="0" smtClean="0">
+                <a:latin typeface="+mn-lt"/>
+              </a:rPr>
+              <a:t>42:399–435</a:t>
+            </a:r>
+            <a:endParaRPr lang="en-US" sz="2400" dirty="0">
+              <a:latin typeface="+mn-lt"/>
+            </a:endParaRPr>
           </a:p>
           <a:p>
             <a:pPr lvl="0" algn="l" rtl="0">
@@ -10798,47 +10536,44 @@
               <a:buAutoNum type="arabicPeriod"/>
             </a:pPr>
             <a:r>
+              <a:rPr lang="en-US" sz="2400" dirty="0" err="1">
+                <a:latin typeface="+mn-lt"/>
+              </a:rPr>
+              <a:t>Bjedov</a:t>
+            </a:r>
+            <a:r>
               <a:rPr lang="en-US" sz="2400" dirty="0">
                 <a:latin typeface="+mn-lt"/>
               </a:rPr>
-              <a:t>Ram Y, </a:t>
-            </a:r>
-            <a:r>
-              <a:rPr lang="en-US" sz="2400" dirty="0" err="1">
-                <a:latin typeface="+mn-lt"/>
-              </a:rPr>
-              <a:t>Hadany</a:t>
+              <a:t> I, et al</a:t>
+            </a:r>
+            <a:r>
+              <a:rPr lang="en-US" sz="2400" dirty="0" smtClean="0">
+                <a:latin typeface="+mn-lt"/>
+              </a:rPr>
+              <a:t>. </a:t>
+            </a:r>
+            <a:r>
+              <a:rPr lang="en-US" sz="2400" i="1" dirty="0">
+                <a:latin typeface="+mn-lt"/>
+              </a:rPr>
+              <a:t>Science</a:t>
             </a:r>
             <a:r>
               <a:rPr lang="en-US" sz="2400" dirty="0">
                 <a:latin typeface="+mn-lt"/>
               </a:rPr>
-              <a:t> </a:t>
+              <a:t> 2003, </a:t>
             </a:r>
             <a:r>
               <a:rPr lang="en-US" sz="2400" dirty="0" smtClean="0">
                 <a:latin typeface="+mn-lt"/>
               </a:rPr>
-              <a:t>L. </a:t>
-            </a:r>
-            <a:r>
-              <a:rPr lang="en-US" sz="2400" i="1" dirty="0" smtClean="0">
-                <a:latin typeface="+mn-lt"/>
-              </a:rPr>
-              <a:t>Evolution</a:t>
-            </a:r>
-            <a:r>
-              <a:rPr lang="en-US" sz="2400" dirty="0" smtClean="0">
-                <a:latin typeface="+mn-lt"/>
-              </a:rPr>
-              <a:t> </a:t>
-            </a:r>
-            <a:r>
-              <a:rPr lang="en-US" sz="2400" dirty="0">
-                <a:latin typeface="+mn-lt"/>
-              </a:rPr>
-              <a:t>2012, 66:2315–28.</a:t>
-            </a:r>
+              <a:t>300:1404–9</a:t>
+            </a:r>
+            <a:endParaRPr lang="en-US" sz="2400" dirty="0">
+              <a:latin typeface="+mn-lt"/>
+            </a:endParaRPr>
           </a:p>
           <a:p>
             <a:pPr lvl="0" algn="l" rtl="0">
@@ -10846,35 +10581,56 @@
               <a:buAutoNum type="arabicPeriod"/>
             </a:pPr>
             <a:r>
+              <a:rPr lang="en-US" sz="2400" dirty="0">
+                <a:latin typeface="+mn-lt"/>
+              </a:rPr>
+              <a:t>Ram Y, </a:t>
+            </a:r>
+            <a:r>
               <a:rPr lang="en-US" sz="2400" dirty="0" err="1">
                 <a:latin typeface="+mn-lt"/>
               </a:rPr>
-              <a:t>Kibota</a:t>
+              <a:t>Hadany</a:t>
             </a:r>
             <a:r>
               <a:rPr lang="en-US" sz="2400" dirty="0">
                 <a:latin typeface="+mn-lt"/>
               </a:rPr>
-              <a:t> TT, Lynch </a:t>
+              <a:t> </a:t>
             </a:r>
             <a:r>
               <a:rPr lang="en-US" sz="2400" dirty="0" smtClean="0">
                 <a:latin typeface="+mn-lt"/>
               </a:rPr>
-              <a:t>M. </a:t>
-            </a:r>
-            <a:r>
-              <a:rPr lang="en-US" sz="2400" i="1" dirty="0">
-                <a:latin typeface="+mn-lt"/>
-              </a:rPr>
-              <a:t>Nature</a:t>
+              <a:t>L. </a:t>
+            </a:r>
+            <a:r>
+              <a:rPr lang="en-US" sz="2400" i="1" dirty="0" smtClean="0">
+                <a:latin typeface="+mn-lt"/>
+              </a:rPr>
+              <a:t>Evolution</a:t>
+            </a:r>
+            <a:r>
+              <a:rPr lang="en-US" sz="2400" dirty="0" smtClean="0">
+                <a:latin typeface="+mn-lt"/>
+              </a:rPr>
+              <a:t> </a:t>
             </a:r>
             <a:r>
               <a:rPr lang="en-US" sz="2400" dirty="0">
                 <a:latin typeface="+mn-lt"/>
               </a:rPr>
-              <a:t> 1996, 381:694–6.</a:t>
-            </a:r>
+              <a:t>2012, </a:t>
+            </a:r>
+            <a:r>
+              <a:rPr lang="en-US" sz="2400" dirty="0" smtClean="0">
+                <a:latin typeface="+mn-lt"/>
+              </a:rPr>
+              <a:t>66:2315–28</a:t>
+            </a:r>
+            <a:endParaRPr lang="en-US" sz="2400" dirty="0">
+              <a:latin typeface="+mn-lt"/>
+            </a:endParaRPr>
           </a:p>
           <a:p>
             <a:pPr lvl="0" algn="l" rtl="0">
@@ -10882,53 +10638,44 @@
               <a:buAutoNum type="arabicPeriod"/>
             </a:pPr>
             <a:r>
+              <a:rPr lang="en-US" sz="2400" dirty="0" err="1">
+                <a:latin typeface="+mn-lt"/>
+              </a:rPr>
+              <a:t>Kibota</a:t>
+            </a:r>
+            <a:r>
               <a:rPr lang="en-US" sz="2400" dirty="0">
                 <a:latin typeface="+mn-lt"/>
               </a:rPr>
-              <a:t>Gordo </a:t>
+              <a:t> TT, Lynch </a:t>
             </a:r>
             <a:r>
               <a:rPr lang="en-US" sz="2400" dirty="0" smtClean="0">
                 <a:latin typeface="+mn-lt"/>
               </a:rPr>
-              <a:t>I, et al. </a:t>
+              <a:t>M. </a:t>
             </a:r>
             <a:r>
               <a:rPr lang="en-US" sz="2400" i="1" dirty="0">
                 <a:latin typeface="+mn-lt"/>
               </a:rPr>
-              <a:t>J </a:t>
-            </a:r>
-            <a:r>
-              <a:rPr lang="en-US" sz="2400" i="1" dirty="0" err="1">
-                <a:latin typeface="+mn-lt"/>
-              </a:rPr>
-              <a:t>Mol</a:t>
-            </a:r>
-            <a:r>
-              <a:rPr lang="en-US" sz="2400" i="1" dirty="0">
-                <a:latin typeface="+mn-lt"/>
-              </a:rPr>
-              <a:t> </a:t>
-            </a:r>
-            <a:r>
-              <a:rPr lang="en-US" sz="2400" i="1" dirty="0" err="1">
-                <a:latin typeface="+mn-lt"/>
-              </a:rPr>
-              <a:t>Microbiol</a:t>
-            </a:r>
-            <a:r>
-              <a:rPr lang="en-US" sz="2400" i="1" dirty="0">
-                <a:latin typeface="+mn-lt"/>
-              </a:rPr>
-              <a:t> Biotech</a:t>
+              <a:t>Nature</a:t>
             </a:r>
             <a:r>
               <a:rPr lang="en-US" sz="2400" dirty="0">
                 <a:latin typeface="+mn-lt"/>
               </a:rPr>
-              <a:t> 2011, 21:20–35.</a:t>
-            </a:r>
+              <a:t> 1996, </a:t>
+            </a:r>
+            <a:r>
+              <a:rPr lang="en-US" sz="2400" dirty="0" smtClean="0">
+                <a:latin typeface="+mn-lt"/>
+              </a:rPr>
+              <a:t>381:694–6</a:t>
+            </a:r>
+            <a:endParaRPr lang="en-US" sz="2400" dirty="0">
+              <a:latin typeface="+mn-lt"/>
+            </a:endParaRPr>
           </a:p>
           <a:p>
             <a:pPr lvl="0" algn="l" rtl="0">
@@ -10939,26 +10686,59 @@
               <a:rPr lang="en-US" sz="2400" dirty="0">
                 <a:latin typeface="+mn-lt"/>
               </a:rPr>
-              <a:t>Drake JW, et al</a:t>
+              <a:t>Gordo </a:t>
             </a:r>
             <a:r>
               <a:rPr lang="en-US" sz="2400" dirty="0" smtClean="0">
                 <a:latin typeface="+mn-lt"/>
               </a:rPr>
-              <a:t>. </a:t>
+              <a:t>I, et al. </a:t>
             </a:r>
             <a:r>
               <a:rPr lang="en-US" sz="2400" i="1" dirty="0">
                 <a:latin typeface="+mn-lt"/>
               </a:rPr>
-              <a:t>Genetics</a:t>
+              <a:t>J </a:t>
+            </a:r>
+            <a:r>
+              <a:rPr lang="en-US" sz="2400" i="1" dirty="0" err="1">
+                <a:latin typeface="+mn-lt"/>
+              </a:rPr>
+              <a:t>Mol</a:t>
+            </a:r>
+            <a:r>
+              <a:rPr lang="en-US" sz="2400" i="1" dirty="0">
+                <a:latin typeface="+mn-lt"/>
+              </a:rPr>
+              <a:t> </a:t>
+            </a:r>
+            <a:r>
+              <a:rPr lang="en-US" sz="2400" i="1" dirty="0" err="1">
+                <a:latin typeface="+mn-lt"/>
+              </a:rPr>
+              <a:t>Microbiol</a:t>
+            </a:r>
+            <a:r>
+              <a:rPr lang="en-US" sz="2400" i="1" dirty="0">
+                <a:latin typeface="+mn-lt"/>
+              </a:rPr>
+              <a:t> Biotech</a:t>
             </a:r>
             <a:r>
               <a:rPr lang="en-US" sz="2400" dirty="0">
                 <a:latin typeface="+mn-lt"/>
               </a:rPr>
-              <a:t> 1998, 148:1667–86.</a:t>
-            </a:r>
+              <a:t> 2011, </a:t>
+            </a:r>
+            <a:r>
+              <a:rPr lang="en-US" sz="2400" dirty="0" smtClean="0">
+                <a:latin typeface="+mn-lt"/>
+              </a:rPr>
+              <a:t>21:20–35</a:t>
+            </a:r>
+            <a:endParaRPr lang="en-US" sz="2400" dirty="0">
+              <a:latin typeface="+mn-lt"/>
+            </a:endParaRPr>
           </a:p>
           <a:p>
             <a:pPr lvl="0" algn="l" rtl="0">
@@ -10966,35 +10746,38 @@
               <a:buAutoNum type="arabicPeriod"/>
             </a:pPr>
             <a:r>
-              <a:rPr lang="en-US" sz="2400" dirty="0" err="1">
-                <a:latin typeface="+mn-lt"/>
-              </a:rPr>
-              <a:t>Wielgoss</a:t>
-            </a:r>
-            <a:r>
               <a:rPr lang="en-US" sz="2400" dirty="0">
                 <a:latin typeface="+mn-lt"/>
               </a:rPr>
-              <a:t> S, et </a:t>
+              <a:t>Drake JW, et al</a:t>
             </a:r>
             <a:r>
               <a:rPr lang="en-US" sz="2400" dirty="0" smtClean="0">
                 <a:latin typeface="+mn-lt"/>
               </a:rPr>
-              <a:t>al. </a:t>
+              <a:t>. </a:t>
             </a:r>
             <a:r>
               <a:rPr lang="en-US" sz="2400" i="1" dirty="0">
                 <a:latin typeface="+mn-lt"/>
               </a:rPr>
-              <a:t>G3</a:t>
+              <a:t>Genetics</a:t>
             </a:r>
             <a:r>
               <a:rPr lang="en-US" sz="2400" dirty="0">
                 <a:latin typeface="+mn-lt"/>
               </a:rPr>
-              <a:t> 2011, 1:183.</a:t>
-            </a:r>
+              <a:t> 1998, </a:t>
+            </a:r>
+            <a:r>
+              <a:rPr lang="en-US" sz="2400" dirty="0" smtClean="0">
+                <a:latin typeface="+mn-lt"/>
+              </a:rPr>
+              <a:t>148:1667–86</a:t>
+            </a:r>
+            <a:endParaRPr lang="en-US" sz="2400" dirty="0">
+              <a:latin typeface="+mn-lt"/>
+            </a:endParaRPr>
           </a:p>
           <a:p>
             <a:pPr lvl="0" algn="l" rtl="0">
@@ -11002,9 +10785,54 @@
               <a:buAutoNum type="arabicPeriod"/>
             </a:pPr>
             <a:r>
+              <a:rPr lang="en-US" sz="2400" dirty="0" err="1">
+                <a:latin typeface="+mn-lt"/>
+              </a:rPr>
+              <a:t>Wielgoss</a:t>
+            </a:r>
+            <a:r>
               <a:rPr lang="en-US" sz="2400" dirty="0">
                 <a:latin typeface="+mn-lt"/>
               </a:rPr>
+              <a:t> S, et </a:t>
+            </a:r>
+            <a:r>
+              <a:rPr lang="en-US" sz="2400" dirty="0" smtClean="0">
+                <a:latin typeface="+mn-lt"/>
+              </a:rPr>
+              <a:t>al. </a:t>
+            </a:r>
+            <a:r>
+              <a:rPr lang="en-US" sz="2400" i="1" dirty="0">
+                <a:latin typeface="+mn-lt"/>
+              </a:rPr>
+              <a:t>G3</a:t>
+            </a:r>
+            <a:r>
+              <a:rPr lang="en-US" sz="2400" dirty="0">
+                <a:latin typeface="+mn-lt"/>
+              </a:rPr>
+              <a:t> 2011, </a:t>
+            </a:r>
+            <a:r>
+              <a:rPr lang="en-US" sz="2400" dirty="0" smtClean="0">
+                <a:latin typeface="+mn-lt"/>
+              </a:rPr>
+              <a:t>1:183</a:t>
+            </a:r>
+            <a:endParaRPr lang="en-US" sz="2400" dirty="0">
+              <a:latin typeface="+mn-lt"/>
+            </a:endParaRPr>
+          </a:p>
+          <a:p>
+            <a:pPr lvl="0" algn="l" rtl="0">
+              <a:buFont typeface="+mj-lt"/>
+              <a:buAutoNum type="arabicPeriod"/>
+            </a:pPr>
+            <a:r>
+              <a:rPr lang="en-US" sz="2400" dirty="0">
+                <a:latin typeface="+mn-lt"/>
+              </a:rPr>
               <a:t>Hall LMC, Henderson-</a:t>
             </a:r>
             <a:r>
@@ -11041,19 +10869,13 @@
               <a:rPr lang="en-US" sz="2400" dirty="0">
                 <a:latin typeface="+mn-lt"/>
               </a:rPr>
-              <a:t> 2006, </a:t>
-            </a:r>
-            <a:endParaRPr lang="en-US" sz="2400" dirty="0" smtClean="0">
-              <a:latin typeface="+mn-lt"/>
-            </a:endParaRPr>
-          </a:p>
-          <a:p>
-            <a:pPr marL="0" lvl="0" indent="0" algn="l" rtl="0"/>
+              <a:t> </a:t>
+            </a:r>
             <a:r>
               <a:rPr lang="en-US" sz="2400" dirty="0" smtClean="0">
                 <a:latin typeface="+mn-lt"/>
               </a:rPr>
-              <a:t>       152(</a:t>
+              <a:t>2006, 152(</a:t>
             </a:r>
             <a:r>
               <a:rPr lang="en-US" sz="2400" dirty="0" err="1" smtClean="0">
@@ -11071,15 +10893,15 @@
               <a:rPr lang="en-US" sz="2400" dirty="0">
                 <a:latin typeface="+mn-lt"/>
               </a:rPr>
-              <a:t>9):2505–14</a:t>
+              <a:t>9):</a:t>
             </a:r>
             <a:r>
               <a:rPr lang="en-US" sz="2400" dirty="0" smtClean="0">
                 <a:latin typeface="+mn-lt"/>
               </a:rPr>
-              <a:t>.</a:t>
-            </a:r>
-            <a:endParaRPr lang="en-US" sz="2400" dirty="0">
+              <a:t>2505–14</a:t>
+            </a:r>
+            <a:endParaRPr lang="en-US" sz="2200" dirty="0">
               <a:latin typeface="+mn-lt"/>
             </a:endParaRPr>
           </a:p>
@@ -11596,7 +11418,7 @@
           <p:nvPr>
             <p:extLst>
               <p:ext uri="{D42A27DB-BD31-4B8C-83A1-F6EECF244321}">
-                <p14:modId xmlns:p14="http://schemas.microsoft.com/office/powerpoint/2010/main" val="1670391130"/>
+                <p14:modId xmlns:p14="http://schemas.microsoft.com/office/powerpoint/2010/main" val="3356670333"/>
               </p:ext>
             </p:extLst>
           </p:nvPr>
@@ -11715,7 +11537,7 @@
                           <a:latin typeface="+mn-lt"/>
                           <a:cs typeface="Helvetica" pitchFamily="34" charset="0"/>
                         </a:rPr>
-                        <a:t>5, 6</a:t>
+                        <a:t>6,7</a:t>
                       </a:r>
                       <a:endParaRPr lang="he-IL" sz="2800" dirty="0">
                         <a:latin typeface="+mn-lt"/>
@@ -11817,7 +11639,7 @@
                           <a:latin typeface="+mn-lt"/>
                           <a:cs typeface="Helvetica" pitchFamily="34" charset="0"/>
                         </a:rPr>
-                        <a:t>6</a:t>
+                        <a:t>8</a:t>
                       </a:r>
                       <a:endParaRPr lang="he-IL" sz="2800" dirty="0" smtClean="0">
                         <a:latin typeface="+mn-lt"/>
@@ -11903,8 +11725,12 @@
                           <a:latin typeface="+mn-lt"/>
                           <a:cs typeface="Helvetica" pitchFamily="34" charset="0"/>
                         </a:rPr>
-                        <a:t>7, 8</a:t>
+                        <a:t>8,9</a:t>
                       </a:r>
+                      <a:endParaRPr lang="en-US" sz="2800" dirty="0" smtClean="0">
+                        <a:latin typeface="+mn-lt"/>
+                        <a:cs typeface="Helvetica" pitchFamily="34" charset="0"/>
+                      </a:endParaRPr>
                     </a:p>
                   </a:txBody>
                   <a:tcPr/>
@@ -11985,7 +11811,7 @@
                           <a:latin typeface="+mn-lt"/>
                           <a:cs typeface="Helvetica" pitchFamily="34" charset="0"/>
                         </a:rPr>
-                        <a:t>6</a:t>
+                        <a:t>7</a:t>
                       </a:r>
                       <a:endParaRPr lang="he-IL" sz="2800" dirty="0">
                         <a:latin typeface="+mn-lt"/>
@@ -12074,11 +11900,11 @@
                     <a:p>
                       <a:pPr algn="ctr" rtl="0"/>
                       <a:r>
-                        <a:rPr lang="en-US" sz="2800" dirty="0" smtClean="0">
+                        <a:rPr lang="en-US" sz="2800" smtClean="0">
                           <a:latin typeface="+mn-lt"/>
                           <a:cs typeface="Helvetica" pitchFamily="34" charset="0"/>
                         </a:rPr>
-                        <a:t>9</a:t>
+                        <a:t>10</a:t>
                       </a:r>
                       <a:endParaRPr lang="he-IL" sz="2800" dirty="0">
                         <a:latin typeface="+mn-lt"/>
@@ -12392,7 +12218,7 @@
       </p:sp>
       <p:pic>
         <p:nvPicPr>
-          <p:cNvPr id="1036" name="Picture 12"/>
+          <p:cNvPr id="1031" name="Picture 7" descr="D:\university\confrences\GRC2013\adaptation_time_s_0.05_logN_6.png"/>
           <p:cNvPicPr>
             <a:picLocks noChangeAspect="1" noChangeArrowheads="1"/>
           </p:cNvPicPr>
@@ -12400,70 +12226,6 @@
         </p:nvPicPr>
         <p:blipFill>
           <a:blip r:embed="rId4">
-            <a:extLst>
-              <a:ext uri="{28A0092B-C50C-407E-A947-70E740481C1C}">
-                <a14:useLocalDpi xmlns:a14="http://schemas.microsoft.com/office/drawing/2010/main" val="0"/>
-              </a:ext>
-            </a:extLst>
-          </a:blip>
-          <a:srcRect/>
-          <a:stretch>
-            <a:fillRect/>
-          </a:stretch>
-        </p:blipFill>
-        <p:spPr bwMode="auto">
-          <a:xfrm>
-            <a:off x="33110324" y="40785775"/>
-            <a:ext cx="3914775" cy="619125"/>
-          </a:xfrm>
-          <a:prstGeom prst="rect">
-            <a:avLst/>
-          </a:prstGeom>
-          <a:noFill/>
-          <a:ln>
-            <a:noFill/>
-          </a:ln>
-          <a:effectLst/>
-          <a:extLst>
-            <a:ext uri="{909E8E84-426E-40DD-AFC4-6F175D3DCCD1}">
-              <a14:hiddenFill xmlns:a14="http://schemas.microsoft.com/office/drawing/2010/main">
-                <a:solidFill>
-                  <a:schemeClr val="accent1"/>
-                </a:solidFill>
-              </a14:hiddenFill>
-            </a:ext>
-            <a:ext uri="{91240B29-F687-4F45-9708-019B960494DF}">
-              <a14:hiddenLine xmlns:a14="http://schemas.microsoft.com/office/drawing/2010/main" w="9525">
-                <a:solidFill>
-                  <a:schemeClr val="tx1"/>
-                </a:solidFill>
-                <a:miter lim="800000"/>
-                <a:headEnd/>
-                <a:tailEnd/>
-              </a14:hiddenLine>
-            </a:ext>
-            <a:ext uri="{AF507438-7753-43E0-B8FC-AC1667EBCBE1}">
-              <a14:hiddenEffects xmlns:a14="http://schemas.microsoft.com/office/drawing/2010/main">
-                <a:effectLst>
-                  <a:outerShdw dist="35921" dir="2700000" algn="ctr" rotWithShape="0">
-                    <a:schemeClr val="bg2"/>
-                  </a:outerShdw>
-                </a:effectLst>
-              </a14:hiddenEffects>
-            </a:ext>
-          </a:extLst>
-        </p:spPr>
-      </p:pic>
-      <p:pic>
-        <p:nvPicPr>
-          <p:cNvPr id="1031" name="Picture 7" descr="D:\university\confrences\GRC2013\adaptation_time_s_0.05_logN_6.png"/>
-          <p:cNvPicPr>
-            <a:picLocks noChangeAspect="1" noChangeArrowheads="1"/>
-          </p:cNvPicPr>
-          <p:nvPr/>
-        </p:nvPicPr>
-        <p:blipFill>
-          <a:blip r:embed="rId5">
             <a:extLst>
               <a:ext uri="{28A0092B-C50C-407E-A947-70E740481C1C}">
                 <a14:useLocalDpi xmlns:a14="http://schemas.microsoft.com/office/drawing/2010/main" val="0"/>
@@ -12504,7 +12266,7 @@
           <p:nvPr/>
         </p:nvPicPr>
         <p:blipFill>
-          <a:blip r:embed="rId6">
+          <a:blip r:embed="rId5">
             <a:extLst>
               <a:ext uri="{28A0092B-C50C-407E-A947-70E740481C1C}">
                 <a14:useLocalDpi xmlns:a14="http://schemas.microsoft.com/office/drawing/2010/main" val="0"/>
@@ -12545,7 +12307,7 @@
           <p:nvPr/>
         </p:nvPicPr>
         <p:blipFill rotWithShape="1">
-          <a:blip r:embed="rId7">
+          <a:blip r:embed="rId6">
             <a:extLst>
               <a:ext uri="{28A0092B-C50C-407E-A947-70E740481C1C}">
                 <a14:useLocalDpi xmlns:a14="http://schemas.microsoft.com/office/drawing/2010/main" val="0"/>
@@ -12584,7 +12346,7 @@
           <p:nvPr/>
         </p:nvPicPr>
         <p:blipFill rotWithShape="1">
-          <a:blip r:embed="rId8">
+          <a:blip r:embed="rId7">
             <a:extLst>
               <a:ext uri="{28A0092B-C50C-407E-A947-70E740481C1C}">
                 <a14:useLocalDpi xmlns:a14="http://schemas.microsoft.com/office/drawing/2010/main" val="0"/>
@@ -12682,7 +12444,7 @@
               <p:nvPr/>
             </p:nvPicPr>
             <p:blipFill rotWithShape="1">
-              <a:blip r:embed="rId9">
+              <a:blip r:embed="rId8">
                 <a:extLst>
                   <a:ext uri="{28A0092B-C50C-407E-A947-70E740481C1C}">
                     <a14:useLocalDpi xmlns:a14="http://schemas.microsoft.com/office/drawing/2010/main" val="0"/>
@@ -13018,7 +12780,7 @@
           <p:nvPr/>
         </p:nvPicPr>
         <p:blipFill>
-          <a:blip r:embed="rId10">
+          <a:blip r:embed="rId9">
             <a:extLst>
               <a:ext uri="{28A0092B-C50C-407E-A947-70E740481C1C}">
                 <a14:useLocalDpi xmlns:a14="http://schemas.microsoft.com/office/drawing/2010/main" val="0"/>
@@ -13183,7 +12945,7 @@
           <p:nvPr/>
         </p:nvPicPr>
         <p:blipFill>
-          <a:blip r:embed="rId11">
+          <a:blip r:embed="rId10">
             <a:extLst>
               <a:ext uri="{28A0092B-C50C-407E-A947-70E740481C1C}">
                 <a14:useLocalDpi xmlns:a14="http://schemas.microsoft.com/office/drawing/2010/main" val="0"/>
@@ -13348,7 +13110,7 @@
           <p:nvPr/>
         </p:nvPicPr>
         <p:blipFill rotWithShape="1">
-          <a:blip r:embed="rId12">
+          <a:blip r:embed="rId11">
             <a:extLst>
               <a:ext uri="{28A0092B-C50C-407E-A947-70E740481C1C}">
                 <a14:useLocalDpi xmlns:a14="http://schemas.microsoft.com/office/drawing/2010/main" val="0"/>
@@ -13418,6 +13180,47 @@
           <p:nvPr/>
         </p:nvPicPr>
         <p:blipFill>
+          <a:blip r:embed="rId12">
+            <a:extLst>
+              <a:ext uri="{28A0092B-C50C-407E-A947-70E740481C1C}">
+                <a14:useLocalDpi xmlns:a14="http://schemas.microsoft.com/office/drawing/2010/main" val="0"/>
+              </a:ext>
+            </a:extLst>
+          </a:blip>
+          <a:srcRect/>
+          <a:stretch>
+            <a:fillRect/>
+          </a:stretch>
+        </p:blipFill>
+        <p:spPr bwMode="auto">
+          <a:xfrm>
+            <a:off x="36467974" y="39056533"/>
+            <a:ext cx="1760984" cy="1760984"/>
+          </a:xfrm>
+          <a:prstGeom prst="rect">
+            <a:avLst/>
+          </a:prstGeom>
+          <a:noFill/>
+          <a:extLst>
+            <a:ext uri="{909E8E84-426E-40DD-AFC4-6F175D3DCCD1}">
+              <a14:hiddenFill xmlns:a14="http://schemas.microsoft.com/office/drawing/2010/main">
+                <a:solidFill>
+                  <a:srgbClr val="FFFFFF"/>
+                </a:solidFill>
+              </a14:hiddenFill>
+            </a:ext>
+          </a:extLst>
+        </p:spPr>
+      </p:pic>
+      <p:pic>
+        <p:nvPicPr>
+          <p:cNvPr id="1053" name="Picture 29" descr="D:\university\confrences\GRC2013\yoav_mypictr_Facebook.jpg"/>
+          <p:cNvPicPr>
+            <a:picLocks noChangeAspect="1" noChangeArrowheads="1"/>
+          </p:cNvPicPr>
+          <p:nvPr/>
+        </p:nvPicPr>
+        <p:blipFill>
           <a:blip r:embed="rId13">
             <a:extLst>
               <a:ext uri="{28A0092B-C50C-407E-A947-70E740481C1C}">
@@ -13432,13 +13235,20 @@
         </p:blipFill>
         <p:spPr bwMode="auto">
           <a:xfrm>
-            <a:off x="38452572" y="39051084"/>
-            <a:ext cx="2209800" cy="2209800"/>
+            <a:off x="38740604" y="38958642"/>
+            <a:ext cx="1905000" cy="2381250"/>
           </a:xfrm>
           <a:prstGeom prst="rect">
             <a:avLst/>
           </a:prstGeom>
           <a:noFill/>
+          <a:effectLst>
+            <a:outerShdw blurRad="50800" dist="38100" dir="2700000" algn="tl" rotWithShape="0">
+              <a:prstClr val="black">
+                <a:alpha val="40000"/>
+              </a:prstClr>
+            </a:outerShdw>
+          </a:effectLst>
           <a:extLst>
             <a:ext uri="{909E8E84-426E-40DD-AFC4-6F175D3DCCD1}">
               <a14:hiddenFill xmlns:a14="http://schemas.microsoft.com/office/drawing/2010/main">
@@ -13450,16 +13260,276 @@
           </a:extLst>
         </p:spPr>
       </p:pic>
+      <p:grpSp>
+        <p:nvGrpSpPr>
+          <p:cNvPr id="69" name="Group 68"/>
+          <p:cNvGrpSpPr/>
+          <p:nvPr/>
+        </p:nvGrpSpPr>
+        <p:grpSpPr>
+          <a:xfrm>
+            <a:off x="30243660" y="39803881"/>
+            <a:ext cx="4913312" cy="1384995"/>
+            <a:chOff x="1026840" y="5356373"/>
+            <a:chExt cx="4913312" cy="1384995"/>
+          </a:xfrm>
+        </p:grpSpPr>
+        <p:pic>
+          <p:nvPicPr>
+            <p:cNvPr id="70" name="Picture 1"/>
+            <p:cNvPicPr>
+              <a:picLocks noChangeAspect="1" noChangeArrowheads="1"/>
+            </p:cNvPicPr>
+            <p:nvPr/>
+          </p:nvPicPr>
+          <p:blipFill>
+            <a:blip r:embed="rId14">
+              <a:extLst>
+                <a:ext uri="{28A0092B-C50C-407E-A947-70E740481C1C}">
+                  <a14:useLocalDpi xmlns:a14="http://schemas.microsoft.com/office/drawing/2010/main" val="0"/>
+                </a:ext>
+              </a:extLst>
+            </a:blip>
+            <a:srcRect/>
+            <a:stretch>
+              <a:fillRect/>
+            </a:stretch>
+          </p:blipFill>
+          <p:spPr bwMode="auto">
+            <a:xfrm>
+              <a:off x="1026840" y="5932512"/>
+              <a:ext cx="304800" cy="304800"/>
+            </a:xfrm>
+            <a:prstGeom prst="rect">
+              <a:avLst/>
+            </a:prstGeom>
+            <a:noFill/>
+            <a:ln>
+              <a:noFill/>
+            </a:ln>
+            <a:effectLst/>
+            <a:extLst>
+              <a:ext uri="{909E8E84-426E-40DD-AFC4-6F175D3DCCD1}">
+                <a14:hiddenFill xmlns:a14="http://schemas.microsoft.com/office/drawing/2010/main">
+                  <a:solidFill>
+                    <a:schemeClr val="accent1"/>
+                  </a:solidFill>
+                </a14:hiddenFill>
+              </a:ext>
+              <a:ext uri="{91240B29-F687-4F45-9708-019B960494DF}">
+                <a14:hiddenLine xmlns:a14="http://schemas.microsoft.com/office/drawing/2010/main" w="9525">
+                  <a:solidFill>
+                    <a:schemeClr val="tx1"/>
+                  </a:solidFill>
+                  <a:miter lim="800000"/>
+                  <a:headEnd/>
+                  <a:tailEnd/>
+                </a14:hiddenLine>
+              </a:ext>
+              <a:ext uri="{AF507438-7753-43E0-B8FC-AC1667EBCBE1}">
+                <a14:hiddenEffects xmlns:a14="http://schemas.microsoft.com/office/drawing/2010/main">
+                  <a:effectLst>
+                    <a:outerShdw dist="35921" dir="2700000" algn="ctr" rotWithShape="0">
+                      <a:schemeClr val="bg2"/>
+                    </a:outerShdw>
+                  </a:effectLst>
+                </a14:hiddenEffects>
+              </a:ext>
+            </a:extLst>
+          </p:spPr>
+        </p:pic>
+        <p:pic>
+          <p:nvPicPr>
+            <p:cNvPr id="71" name="Picture 2"/>
+            <p:cNvPicPr>
+              <a:picLocks noChangeAspect="1" noChangeArrowheads="1"/>
+            </p:cNvPicPr>
+            <p:nvPr/>
+          </p:nvPicPr>
+          <p:blipFill>
+            <a:blip r:embed="rId15">
+              <a:extLst>
+                <a:ext uri="{28A0092B-C50C-407E-A947-70E740481C1C}">
+                  <a14:useLocalDpi xmlns:a14="http://schemas.microsoft.com/office/drawing/2010/main" val="0"/>
+                </a:ext>
+              </a:extLst>
+            </a:blip>
+            <a:srcRect/>
+            <a:stretch>
+              <a:fillRect/>
+            </a:stretch>
+          </p:blipFill>
+          <p:spPr bwMode="auto">
+            <a:xfrm>
+              <a:off x="1026840" y="5500464"/>
+              <a:ext cx="304800" cy="304800"/>
+            </a:xfrm>
+            <a:prstGeom prst="rect">
+              <a:avLst/>
+            </a:prstGeom>
+            <a:noFill/>
+            <a:ln>
+              <a:noFill/>
+            </a:ln>
+            <a:effectLst/>
+            <a:extLst>
+              <a:ext uri="{909E8E84-426E-40DD-AFC4-6F175D3DCCD1}">
+                <a14:hiddenFill xmlns:a14="http://schemas.microsoft.com/office/drawing/2010/main">
+                  <a:solidFill>
+                    <a:schemeClr val="accent1"/>
+                  </a:solidFill>
+                </a14:hiddenFill>
+              </a:ext>
+              <a:ext uri="{91240B29-F687-4F45-9708-019B960494DF}">
+                <a14:hiddenLine xmlns:a14="http://schemas.microsoft.com/office/drawing/2010/main" w="9525">
+                  <a:solidFill>
+                    <a:schemeClr val="tx1"/>
+                  </a:solidFill>
+                  <a:miter lim="800000"/>
+                  <a:headEnd/>
+                  <a:tailEnd/>
+                </a14:hiddenLine>
+              </a:ext>
+              <a:ext uri="{AF507438-7753-43E0-B8FC-AC1667EBCBE1}">
+                <a14:hiddenEffects xmlns:a14="http://schemas.microsoft.com/office/drawing/2010/main">
+                  <a:effectLst>
+                    <a:outerShdw dist="35921" dir="2700000" algn="ctr" rotWithShape="0">
+                      <a:schemeClr val="bg2"/>
+                    </a:outerShdw>
+                  </a:effectLst>
+                </a14:hiddenEffects>
+              </a:ext>
+            </a:extLst>
+          </p:spPr>
+        </p:pic>
+        <p:pic>
+          <p:nvPicPr>
+            <p:cNvPr id="73" name="Picture 3"/>
+            <p:cNvPicPr>
+              <a:picLocks noChangeAspect="1" noChangeArrowheads="1"/>
+            </p:cNvPicPr>
+            <p:nvPr/>
+          </p:nvPicPr>
+          <p:blipFill>
+            <a:blip r:embed="rId16">
+              <a:extLst>
+                <a:ext uri="{28A0092B-C50C-407E-A947-70E740481C1C}">
+                  <a14:useLocalDpi xmlns:a14="http://schemas.microsoft.com/office/drawing/2010/main" val="0"/>
+                </a:ext>
+              </a:extLst>
+            </a:blip>
+            <a:srcRect/>
+            <a:stretch>
+              <a:fillRect/>
+            </a:stretch>
+          </p:blipFill>
+          <p:spPr bwMode="auto">
+            <a:xfrm>
+              <a:off x="1026840" y="6309320"/>
+              <a:ext cx="304800" cy="304800"/>
+            </a:xfrm>
+            <a:prstGeom prst="rect">
+              <a:avLst/>
+            </a:prstGeom>
+            <a:noFill/>
+            <a:ln>
+              <a:noFill/>
+            </a:ln>
+            <a:effectLst/>
+            <a:extLst>
+              <a:ext uri="{909E8E84-426E-40DD-AFC4-6F175D3DCCD1}">
+                <a14:hiddenFill xmlns:a14="http://schemas.microsoft.com/office/drawing/2010/main">
+                  <a:solidFill>
+                    <a:schemeClr val="accent1"/>
+                  </a:solidFill>
+                </a14:hiddenFill>
+              </a:ext>
+              <a:ext uri="{91240B29-F687-4F45-9708-019B960494DF}">
+                <a14:hiddenLine xmlns:a14="http://schemas.microsoft.com/office/drawing/2010/main" w="9525">
+                  <a:solidFill>
+                    <a:schemeClr val="tx1"/>
+                  </a:solidFill>
+                  <a:miter lim="800000"/>
+                  <a:headEnd/>
+                  <a:tailEnd/>
+                </a14:hiddenLine>
+              </a:ext>
+              <a:ext uri="{AF507438-7753-43E0-B8FC-AC1667EBCBE1}">
+                <a14:hiddenEffects xmlns:a14="http://schemas.microsoft.com/office/drawing/2010/main">
+                  <a:effectLst>
+                    <a:outerShdw dist="35921" dir="2700000" algn="ctr" rotWithShape="0">
+                      <a:schemeClr val="bg2"/>
+                    </a:outerShdw>
+                  </a:effectLst>
+                </a14:hiddenEffects>
+              </a:ext>
+            </a:extLst>
+          </p:spPr>
+        </p:pic>
+        <p:sp>
+          <p:nvSpPr>
+            <p:cNvPr id="74" name="Rectangle 73"/>
+            <p:cNvSpPr/>
+            <p:nvPr/>
+          </p:nvSpPr>
+          <p:spPr>
+            <a:xfrm>
+              <a:off x="1368152" y="5356373"/>
+              <a:ext cx="4572000" cy="1384995"/>
+            </a:xfrm>
+            <a:prstGeom prst="rect">
+              <a:avLst/>
+            </a:prstGeom>
+          </p:spPr>
+          <p:txBody>
+            <a:bodyPr>
+              <a:spAutoFit/>
+            </a:bodyPr>
+            <a:lstStyle/>
+            <a:p>
+              <a:pPr algn="l" rtl="0"/>
+              <a:r>
+                <a:rPr lang="en-US" sz="2800" b="1" dirty="0"/>
+                <a:t>yoavram@post.tau.ac.il</a:t>
+              </a:r>
+            </a:p>
+            <a:p>
+              <a:pPr algn="l" rtl="0"/>
+              <a:r>
+                <a:rPr lang="en-US" sz="2800" b="1" dirty="0" smtClean="0"/>
+                <a:t>@</a:t>
+              </a:r>
+              <a:r>
+                <a:rPr lang="en-US" sz="2800" b="1" dirty="0"/>
+                <a:t>yoavram</a:t>
+              </a:r>
+            </a:p>
+            <a:p>
+              <a:pPr algn="l" rtl="0"/>
+              <a:r>
+                <a:rPr lang="en-US" sz="2800" b="1" dirty="0" smtClean="0"/>
+                <a:t>http</a:t>
+              </a:r>
+              <a:r>
+                <a:rPr lang="en-US" sz="2800" b="1" dirty="0"/>
+                <a:t>://www.yoavram.com</a:t>
+              </a:r>
+              <a:endParaRPr lang="he-IL" sz="2800" b="1" dirty="0"/>
+            </a:p>
+          </p:txBody>
+        </p:sp>
+      </p:grpSp>
       <p:pic>
         <p:nvPicPr>
-          <p:cNvPr id="1053" name="Picture 29" descr="D:\university\confrences\GRC2013\yoav_mypictr_Facebook.jpg"/>
+          <p:cNvPr id="1032" name="Picture 8" descr="http://english.tau.ac.il/sites/default/files/TAU_Logo_HomePage_Eng.png"/>
           <p:cNvPicPr>
             <a:picLocks noChangeAspect="1" noChangeArrowheads="1"/>
           </p:cNvPicPr>
           <p:nvPr/>
         </p:nvPicPr>
         <p:blipFill>
-          <a:blip r:embed="rId14">
+          <a:blip r:embed="rId17">
+            <a:biLevel thresh="75000"/>
             <a:extLst>
               <a:ext uri="{28A0092B-C50C-407E-A947-70E740481C1C}">
                 <a14:useLocalDpi xmlns:a14="http://schemas.microsoft.com/office/drawing/2010/main" val="0"/>
@@ -13473,20 +13543,13 @@
         </p:blipFill>
         <p:spPr bwMode="auto">
           <a:xfrm>
-            <a:off x="38563796" y="36292332"/>
-            <a:ext cx="1905000" cy="2381250"/>
+            <a:off x="36148316" y="40847117"/>
+            <a:ext cx="2400300" cy="485775"/>
           </a:xfrm>
           <a:prstGeom prst="rect">
             <a:avLst/>
           </a:prstGeom>
           <a:noFill/>
-          <a:effectLst>
-            <a:outerShdw blurRad="50800" dist="38100" dir="2700000" algn="tl" rotWithShape="0">
-              <a:prstClr val="black">
-                <a:alpha val="40000"/>
-              </a:prstClr>
-            </a:outerShdw>
-          </a:effectLst>
           <a:extLst>
             <a:ext uri="{909E8E84-426E-40DD-AFC4-6F175D3DCCD1}">
               <a14:hiddenFill xmlns:a14="http://schemas.microsoft.com/office/drawing/2010/main">
@@ -13511,7 +13574,75 @@
   <p:timing>
     <p:tnLst>
       <p:par>
-        <p:cTn id="1" dur="indefinite" restart="never" nodeType="tmRoot"/>
+        <p:cTn id="1" dur="indefinite" restart="never" nodeType="tmRoot">
+          <p:childTnLst>
+            <p:seq concurrent="1" nextAc="seek">
+              <p:cTn id="2" dur="indefinite" nodeType="mainSeq">
+                <p:childTnLst>
+                  <p:par>
+                    <p:cTn id="3" fill="hold">
+                      <p:stCondLst>
+                        <p:cond delay="indefinite"/>
+                      </p:stCondLst>
+                      <p:childTnLst>
+                        <p:par>
+                          <p:cTn id="4" fill="hold">
+                            <p:stCondLst>
+                              <p:cond delay="0"/>
+                            </p:stCondLst>
+                            <p:childTnLst>
+                              <p:par>
+                                <p:cTn id="5" presetID="1" presetClass="entr" presetSubtype="0" fill="hold" nodeType="clickEffect">
+                                  <p:stCondLst>
+                                    <p:cond delay="0"/>
+                                  </p:stCondLst>
+                                  <p:childTnLst>
+                                    <p:set>
+                                      <p:cBhvr>
+                                        <p:cTn id="6" dur="1" fill="hold">
+                                          <p:stCondLst>
+                                            <p:cond delay="0"/>
+                                          </p:stCondLst>
+                                        </p:cTn>
+                                        <p:tgtEl>
+                                          <p:spTgt spid="69"/>
+                                        </p:tgtEl>
+                                        <p:attrNameLst>
+                                          <p:attrName>style.visibility</p:attrName>
+                                        </p:attrNameLst>
+                                      </p:cBhvr>
+                                      <p:to>
+                                        <p:strVal val="visible"/>
+                                      </p:to>
+                                    </p:set>
+                                  </p:childTnLst>
+                                </p:cTn>
+                              </p:par>
+                            </p:childTnLst>
+                          </p:cTn>
+                        </p:par>
+                      </p:childTnLst>
+                    </p:cTn>
+                  </p:par>
+                </p:childTnLst>
+              </p:cTn>
+              <p:prevCondLst>
+                <p:cond evt="onPrev" delay="0">
+                  <p:tgtEl>
+                    <p:sldTgt/>
+                  </p:tgtEl>
+                </p:cond>
+              </p:prevCondLst>
+              <p:nextCondLst>
+                <p:cond evt="onNext" delay="0">
+                  <p:tgtEl>
+                    <p:sldTgt/>
+                  </p:tgtEl>
+                </p:cond>
+              </p:nextCondLst>
+            </p:seq>
+          </p:childTnLst>
+        </p:cTn>
       </p:par>
     </p:tnLst>
   </p:timing>

--- a/poster.pptx
+++ b/poster.pptx
@@ -5250,13 +5250,22 @@
               <a:defRPr/>
             </a:pPr>
             <a:r>
-              <a:rPr lang="en-US" sz="2800" kern="0" dirty="0">
+              <a:rPr lang="en-US" sz="2800" kern="0" dirty="0" smtClean="0">
                 <a:solidFill>
                   <a:srgbClr val="000000"/>
                 </a:solidFill>
                 <a:latin typeface="+mn-lt"/>
               </a:rPr>
-              <a:t>We used </a:t>
+              <a:t>Figure 5 describes our </a:t>
+            </a:r>
+            <a:r>
+              <a:rPr lang="en-US" sz="2800" b="1" kern="0" dirty="0" smtClean="0">
+                <a:solidFill>
+                  <a:srgbClr val="000000"/>
+                </a:solidFill>
+                <a:latin typeface="+mn-lt"/>
+              </a:rPr>
+              <a:t>multi-locus </a:t>
             </a:r>
             <a:r>
               <a:rPr lang="en-US" sz="2800" b="1" kern="0" dirty="0">
@@ -5265,25 +5274,61 @@
                 </a:solidFill>
                 <a:latin typeface="+mn-lt"/>
               </a:rPr>
-              <a:t>multi-locus Wright-Fisher simulations</a:t>
-            </a:r>
-            <a:r>
-              <a:rPr lang="en-US" sz="2800" kern="0" dirty="0">
+              <a:t>Wright-Fisher </a:t>
+            </a:r>
+            <a:r>
+              <a:rPr lang="en-US" sz="2800" b="1" kern="0" dirty="0" smtClean="0">
                 <a:solidFill>
                   <a:srgbClr val="000000"/>
                 </a:solidFill>
                 <a:latin typeface="+mn-lt"/>
               </a:rPr>
-              <a:t>. </a:t>
-            </a:r>
-            <a:r>
-              <a:rPr lang="en-GB" sz="2800" kern="0" dirty="0">
+              <a:t>simulations</a:t>
+            </a:r>
+            <a:r>
+              <a:rPr lang="en-US" sz="2800" kern="0" dirty="0" smtClean="0">
                 <a:solidFill>
                   <a:srgbClr val="000000"/>
                 </a:solidFill>
                 <a:latin typeface="+mn-lt"/>
               </a:rPr>
-              <a:t>Fig. 5 describes the model in a similar way to Fig. 4, only node labels specify both the alleles at the A/a and B/b loci </a:t>
+              <a:t>.</a:t>
+            </a:r>
+            <a:r>
+              <a:rPr lang="en-US" sz="2800" kern="0" dirty="0" smtClean="0">
+                <a:solidFill>
+                  <a:srgbClr val="000000"/>
+                </a:solidFill>
+                <a:latin typeface="+mn-lt"/>
+              </a:rPr>
+              <a:t> </a:t>
+            </a:r>
+            <a:r>
+              <a:rPr lang="en-US" sz="2800" kern="0" dirty="0" smtClean="0">
+                <a:solidFill>
+                  <a:srgbClr val="000000"/>
+                </a:solidFill>
+                <a:latin typeface="+mn-lt"/>
+              </a:rPr>
+              <a:t>The major difference from </a:t>
+            </a:r>
+            <a:r>
+              <a:rPr lang="en-GB" sz="2800" kern="0" dirty="0" smtClean="0">
+                <a:solidFill>
+                  <a:srgbClr val="000000"/>
+                </a:solidFill>
+                <a:latin typeface="+mn-lt"/>
+              </a:rPr>
+              <a:t>Figure 4 is that nodes also specify the  </a:t>
+            </a:r>
+            <a:r>
+              <a:rPr lang="en-GB" sz="2800" b="1" kern="0" dirty="0" smtClean="0">
+                <a:solidFill>
+                  <a:srgbClr val="000000"/>
+                </a:solidFill>
+                <a:latin typeface="+mn-lt"/>
+              </a:rPr>
+              <a:t>number </a:t>
             </a:r>
             <a:r>
               <a:rPr lang="en-GB" sz="2800" b="1" kern="0" dirty="0">
@@ -5292,16 +5337,25 @@
                 </a:solidFill>
                 <a:latin typeface="+mn-lt"/>
               </a:rPr>
-              <a:t>and the number of deleterious mutations</a:t>
-            </a:r>
-            <a:r>
-              <a:rPr lang="en-GB" sz="2800" kern="0" dirty="0">
+              <a:t>of deleterious </a:t>
+            </a:r>
+            <a:r>
+              <a:rPr lang="en-GB" sz="2800" b="1" kern="0" dirty="0" smtClean="0">
                 <a:solidFill>
                   <a:srgbClr val="000000"/>
                 </a:solidFill>
                 <a:latin typeface="+mn-lt"/>
               </a:rPr>
-              <a:t>, but only as much as 3 deleterious mutations are shown to keep the figure simple. </a:t>
+              <a:t>mutations after the forward slash</a:t>
+            </a:r>
+            <a:r>
+              <a:rPr lang="en-GB" sz="2800" kern="0" dirty="0" smtClean="0">
+                <a:solidFill>
+                  <a:srgbClr val="000000"/>
+                </a:solidFill>
+                <a:latin typeface="+mn-lt"/>
+              </a:rPr>
+              <a:t>. The figure shows as much as three mutations for simplicity; the simulations had as much as 25.</a:t>
             </a:r>
             <a:endParaRPr lang="en-US" sz="2800" kern="0" dirty="0">
               <a:solidFill>
@@ -6049,13 +6103,40 @@
               <a:t>In a </a:t>
             </a:r>
             <a:r>
+              <a:rPr lang="en-US" sz="2800" b="1" kern="0" dirty="0">
+                <a:solidFill>
+                  <a:srgbClr val="000000"/>
+                </a:solidFill>
+                <a:latin typeface="+mn-lt"/>
+              </a:rPr>
+              <a:t>single-peak fitness </a:t>
+            </a:r>
+            <a:r>
+              <a:rPr lang="en-US" sz="2800" b="1" kern="0" dirty="0" smtClean="0">
+                <a:solidFill>
+                  <a:srgbClr val="000000"/>
+                </a:solidFill>
+                <a:latin typeface="+mn-lt"/>
+              </a:rPr>
+              <a:t>landscape </a:t>
+            </a:r>
+            <a:r>
+              <a:rPr lang="en-US" sz="2800" kern="0" dirty="0" smtClean="0">
+                <a:solidFill>
+                  <a:srgbClr val="000000"/>
+                </a:solidFill>
+                <a:latin typeface="+mn-lt"/>
+              </a:rPr>
+              <a:t>selection </a:t>
+            </a:r>
+            <a:r>
               <a:rPr lang="en-US" sz="2800" kern="0" dirty="0">
                 <a:solidFill>
                   <a:srgbClr val="000000"/>
                 </a:solidFill>
                 <a:latin typeface="+mn-lt"/>
               </a:rPr>
-              <a:t>single-peak fitness </a:t>
+              <a:t>drives the population uphill towards the global maximum (</a:t>
             </a:r>
             <a:r>
               <a:rPr lang="en-US" sz="2800" kern="0" dirty="0" smtClean="0">
@@ -6064,7 +6145,7 @@
                 </a:solidFill>
                 <a:latin typeface="+mn-lt"/>
               </a:rPr>
-              <a:t>landscape selection </a:t>
+              <a:t>Figure </a:t>
             </a:r>
             <a:r>
               <a:rPr lang="en-US" sz="2800" kern="0" dirty="0">
@@ -6073,7 +6154,7 @@
                 </a:solidFill>
                 <a:latin typeface="+mn-lt"/>
               </a:rPr>
-              <a:t>drives the population uphill towards the global maximum (Fig. 1). In </a:t>
+              <a:t>1). In </a:t>
             </a:r>
             <a:r>
               <a:rPr lang="en-US" sz="2800" kern="0" dirty="0" smtClean="0">
@@ -6085,13 +6166,58 @@
               <a:t>a </a:t>
             </a:r>
             <a:r>
+              <a:rPr lang="en-US" sz="2800" b="1" kern="0" dirty="0">
+                <a:solidFill>
+                  <a:srgbClr val="000000"/>
+                </a:solidFill>
+                <a:latin typeface="+mn-lt"/>
+              </a:rPr>
+              <a:t>multi-peak rugged fitness </a:t>
+            </a:r>
+            <a:r>
+              <a:rPr lang="en-US" sz="2800" b="1" kern="0" dirty="0" smtClean="0">
+                <a:solidFill>
+                  <a:srgbClr val="000000"/>
+                </a:solidFill>
+                <a:latin typeface="+mn-lt"/>
+              </a:rPr>
+              <a:t>landscape</a:t>
+            </a:r>
+            <a:r>
+              <a:rPr lang="en-US" sz="2800" kern="0" dirty="0" smtClean="0">
+                <a:solidFill>
+                  <a:srgbClr val="000000"/>
+                </a:solidFill>
+                <a:latin typeface="+mn-lt"/>
+              </a:rPr>
+              <a:t> selection </a:t>
+            </a:r>
+            <a:r>
               <a:rPr lang="en-US" sz="2800" kern="0" dirty="0">
                 <a:solidFill>
                   <a:srgbClr val="000000"/>
                 </a:solidFill>
                 <a:latin typeface="+mn-lt"/>
               </a:rPr>
-              <a:t>multi-peak rugged fitness </a:t>
+              <a:t>drives the population uphill towards the closest peak, </a:t>
+            </a:r>
+            <a:r>
+              <a:rPr lang="en-US" sz="2800" b="1" kern="0" dirty="0">
+                <a:solidFill>
+                  <a:schemeClr val="tx2"/>
+                </a:solidFill>
+                <a:latin typeface="+mn-lt"/>
+              </a:rPr>
+              <a:t>preventing it from shifting to the higher peak </a:t>
+            </a:r>
+            <a:r>
+              <a:rPr lang="en-US" sz="2800" kern="0" dirty="0">
+                <a:solidFill>
+                  <a:srgbClr val="000000"/>
+                </a:solidFill>
+                <a:latin typeface="+mn-lt"/>
+              </a:rPr>
+              <a:t>(</a:t>
             </a:r>
             <a:r>
               <a:rPr lang="en-US" sz="2800" kern="0" dirty="0" smtClean="0">
@@ -6100,7 +6226,7 @@
                 </a:solidFill>
                 <a:latin typeface="+mn-lt"/>
               </a:rPr>
-              <a:t>landscape selection </a:t>
+              <a:t>Figure </a:t>
             </a:r>
             <a:r>
               <a:rPr lang="en-US" sz="2800" kern="0" dirty="0">
@@ -6109,7 +6235,46 @@
                 </a:solidFill>
                 <a:latin typeface="+mn-lt"/>
               </a:rPr>
-              <a:t>drives the population uphill towards the closest peak, </a:t>
+              <a:t>2).</a:t>
+            </a:r>
+          </a:p>
+          <a:p>
+            <a:pPr indent="205704" algn="l" defTabSz="908920" rtl="0">
+              <a:defRPr/>
+            </a:pPr>
+            <a:endParaRPr lang="en-US" b="1" kern="0" dirty="0" smtClean="0">
+              <a:solidFill>
+                <a:schemeClr val="accent2"/>
+              </a:solidFill>
+              <a:latin typeface="+mj-lt"/>
+            </a:endParaRPr>
+          </a:p>
+          <a:p>
+            <a:pPr indent="205704" algn="l" defTabSz="908920" rtl="0">
+              <a:defRPr/>
+            </a:pPr>
+            <a:r>
+              <a:rPr lang="en-US" b="1" kern="0" dirty="0" smtClean="0">
+                <a:solidFill>
+                  <a:schemeClr val="accent2"/>
+                </a:solidFill>
+                <a:latin typeface="+mj-lt"/>
+              </a:rPr>
+              <a:t>Stress-Induced Mutagenesis</a:t>
+            </a:r>
+          </a:p>
+          <a:p>
+            <a:pPr indent="205704" algn="l" defTabSz="908920" rtl="0">
+              <a:defRPr/>
+            </a:pPr>
+            <a:r>
+              <a:rPr lang="en-US" sz="2800" b="1" kern="0" dirty="0" smtClean="0">
+                <a:solidFill>
+                  <a:schemeClr val="tx2"/>
+                </a:solidFill>
+                <a:latin typeface="+mn-lt"/>
+              </a:rPr>
+              <a:t>Mutagenesis is </a:t>
             </a:r>
             <a:r>
               <a:rPr lang="en-US" sz="2800" b="1" kern="0" dirty="0">
@@ -6118,7 +6283,7 @@
                 </a:solidFill>
                 <a:latin typeface="+mn-lt"/>
               </a:rPr>
-              <a:t>preventing it from shifting to the higher peak </a:t>
+              <a:t>induced by stress responses in various species </a:t>
             </a:r>
             <a:r>
               <a:rPr lang="en-US" sz="2800" kern="0" dirty="0">
@@ -6127,38 +6292,64 @@
                 </a:solidFill>
                 <a:latin typeface="+mn-lt"/>
               </a:rPr>
-              <a:t>(Fig. 2).</a:t>
-            </a:r>
+              <a:t>of bacteria (</a:t>
+            </a:r>
+            <a:r>
+              <a:rPr lang="en-US" sz="2800" kern="0" dirty="0" smtClean="0">
+                <a:solidFill>
+                  <a:srgbClr val="000000"/>
+                </a:solidFill>
+                <a:latin typeface="+mn-lt"/>
+              </a:rPr>
+              <a:t>2-4).</a:t>
+            </a:r>
+            <a:endParaRPr lang="en-US" sz="2800" kern="0" dirty="0" smtClean="0">
+              <a:solidFill>
+                <a:srgbClr val="000000"/>
+              </a:solidFill>
+              <a:latin typeface="+mn-lt"/>
+            </a:endParaRPr>
           </a:p>
           <a:p>
             <a:pPr indent="205704" algn="l" defTabSz="908920" rtl="0">
               <a:defRPr/>
             </a:pPr>
-            <a:endParaRPr lang="en-US" b="1" kern="0" dirty="0" smtClean="0">
-              <a:solidFill>
-                <a:schemeClr val="accent2"/>
-              </a:solidFill>
-              <a:latin typeface="+mj-lt"/>
-            </a:endParaRPr>
-          </a:p>
-          <a:p>
-            <a:pPr indent="205704" algn="l" defTabSz="908920" rtl="0">
-              <a:defRPr/>
-            </a:pPr>
-            <a:r>
-              <a:rPr lang="en-US" b="1" kern="0" dirty="0" smtClean="0">
-                <a:solidFill>
-                  <a:schemeClr val="accent2"/>
-                </a:solidFill>
-                <a:latin typeface="+mj-lt"/>
-              </a:rPr>
-              <a:t>Stress-Induced Mutagenesis</a:t>
-            </a:r>
-          </a:p>
-          <a:p>
-            <a:pPr indent="205704" algn="l" defTabSz="908920" rtl="0">
-              <a:defRPr/>
-            </a:pPr>
+            <a:r>
+              <a:rPr lang="en-US" sz="2800" kern="0" dirty="0" smtClean="0">
+                <a:solidFill>
+                  <a:srgbClr val="000000"/>
+                </a:solidFill>
+                <a:latin typeface="+mn-lt"/>
+              </a:rPr>
+              <a:t>In a previous work </a:t>
+            </a:r>
+            <a:r>
+              <a:rPr lang="en-US" sz="2800" kern="0" dirty="0" smtClean="0">
+                <a:solidFill>
+                  <a:srgbClr val="000000"/>
+                </a:solidFill>
+                <a:latin typeface="+mn-lt"/>
+              </a:rPr>
+              <a:t>(5) </a:t>
+            </a:r>
+            <a:r>
+              <a:rPr lang="en-US" sz="2800" kern="0" dirty="0" smtClean="0">
+                <a:solidFill>
+                  <a:srgbClr val="000000"/>
+                </a:solidFill>
+                <a:latin typeface="+mn-lt"/>
+              </a:rPr>
+              <a:t>we studied the evolution of stress-induced mutagenesis in constant and changing environments. We showed that</a:t>
+            </a:r>
+            <a:r>
+              <a:rPr lang="en-US" sz="2800" b="1" kern="0" dirty="0" smtClean="0">
+                <a:solidFill>
+                  <a:schemeClr val="accent1"/>
+                </a:solidFill>
+                <a:latin typeface="+mn-lt"/>
+              </a:rPr>
+              <a:t> </a:t>
+            </a:r>
             <a:r>
               <a:rPr lang="en-US" sz="2800" b="1" kern="0" dirty="0">
                 <a:solidFill>
@@ -6166,16 +6357,16 @@
                 </a:solidFill>
                 <a:latin typeface="+mn-lt"/>
               </a:rPr>
-              <a:t>The mutation rate is induced by stress responses in various species </a:t>
-            </a:r>
-            <a:r>
-              <a:rPr lang="en-US" sz="2800" kern="0" dirty="0">
+              <a:t>stress-induced mutagenesis is favored by selection </a:t>
+            </a:r>
+            <a:r>
+              <a:rPr lang="en-US" sz="2800" kern="0" dirty="0" smtClean="0">
                 <a:solidFill>
                   <a:srgbClr val="000000"/>
                 </a:solidFill>
                 <a:latin typeface="+mn-lt"/>
               </a:rPr>
-              <a:t>of bacteria (</a:t>
+              <a:t>over constant rate mutagenesis  because </a:t>
             </a:r>
             <a:r>
               <a:rPr lang="en-US" sz="2800" kern="0" dirty="0" smtClean="0">
@@ -6184,19 +6375,26 @@
                 </a:solidFill>
                 <a:latin typeface="+mn-lt"/>
               </a:rPr>
-              <a:t>2-4).</a:t>
-            </a:r>
-            <a:endParaRPr lang="en-US" sz="2800" kern="0" dirty="0" smtClean="0">
-              <a:solidFill>
-                <a:srgbClr val="000000"/>
-              </a:solidFill>
-              <a:latin typeface="+mn-lt"/>
-            </a:endParaRPr>
-          </a:p>
-          <a:p>
-            <a:pPr indent="205704" algn="l" defTabSz="908920" rtl="0">
-              <a:defRPr/>
-            </a:pPr>
+              <a:t>it generates beneficial </a:t>
+            </a:r>
+            <a:r>
+              <a:rPr lang="en-US" sz="2800" kern="0" smtClean="0">
+                <a:solidFill>
+                  <a:srgbClr val="000000"/>
+                </a:solidFill>
+                <a:latin typeface="+mn-lt"/>
+              </a:rPr>
+              <a:t>mutations </a:t>
+            </a:r>
+            <a:r>
+              <a:rPr lang="en-US" sz="2800" kern="0" smtClean="0">
+                <a:solidFill>
+                  <a:srgbClr val="000000"/>
+                </a:solidFill>
+                <a:latin typeface="+mn-lt"/>
+              </a:rPr>
+              <a:t>when </a:t>
+            </a:r>
             <a:r>
               <a:rPr lang="en-US" sz="2800" kern="0" dirty="0" smtClean="0">
                 <a:solidFill>
@@ -6204,52 +6402,7 @@
                 </a:solidFill>
                 <a:latin typeface="+mn-lt"/>
               </a:rPr>
-              <a:t>In a previous work </a:t>
-            </a:r>
-            <a:r>
-              <a:rPr lang="en-US" sz="2800" kern="0" dirty="0" smtClean="0">
-                <a:solidFill>
-                  <a:srgbClr val="000000"/>
-                </a:solidFill>
-                <a:latin typeface="+mn-lt"/>
-              </a:rPr>
-              <a:t>(5) </a:t>
-            </a:r>
-            <a:r>
-              <a:rPr lang="en-US" sz="2800" kern="0" dirty="0" smtClean="0">
-                <a:solidFill>
-                  <a:srgbClr val="000000"/>
-                </a:solidFill>
-                <a:latin typeface="+mn-lt"/>
-              </a:rPr>
-              <a:t>we studied the evolution of stress-induced mutagenesis in constant and changing environments. We showed that</a:t>
-            </a:r>
-            <a:r>
-              <a:rPr lang="en-US" sz="2800" b="1" kern="0" dirty="0" smtClean="0">
-                <a:solidFill>
-                  <a:schemeClr val="accent1"/>
-                </a:solidFill>
-                <a:latin typeface="+mn-lt"/>
-              </a:rPr>
-              <a:t> </a:t>
-            </a:r>
-            <a:r>
-              <a:rPr lang="en-US" sz="2800" b="1" kern="0" dirty="0">
-                <a:solidFill>
-                  <a:schemeClr val="tx2"/>
-                </a:solidFill>
-                <a:latin typeface="+mn-lt"/>
-              </a:rPr>
-              <a:t>stress-induced mutagenesis is favored by selection </a:t>
-            </a:r>
-            <a:r>
-              <a:rPr lang="en-US" sz="2800" kern="0" dirty="0" smtClean="0">
-                <a:solidFill>
-                  <a:srgbClr val="000000"/>
-                </a:solidFill>
-                <a:latin typeface="+mn-lt"/>
-              </a:rPr>
-              <a:t>over constant rate mutagenesis  because of the beneficial mutations it generates when they are most needed.</a:t>
+              <a:t>they are most needed.</a:t>
             </a:r>
           </a:p>
           <a:p>
@@ -7006,7 +7159,16 @@
                 </a:solidFill>
                 <a:latin typeface="+mn-lt"/>
               </a:rPr>
-              <a:t>. The genotype </a:t>
+              <a:t>. </a:t>
+            </a:r>
+            <a:r>
+              <a:rPr lang="en-GB" sz="2800" kern="0" dirty="0" smtClean="0">
+                <a:solidFill>
+                  <a:srgbClr val="000000"/>
+                </a:solidFill>
+                <a:latin typeface="+mn-lt"/>
+              </a:rPr>
+              <a:t>Genotype </a:t>
             </a:r>
             <a:r>
               <a:rPr lang="en-GB" sz="2800" i="1" kern="0" dirty="0" err="1" smtClean="0">
@@ -7051,8 +7213,23 @@
                 </a:solidFill>
                 <a:latin typeface="+mn-lt"/>
               </a:rPr>
-              <a:t>is the higher peak (see Fig. 3).</a:t>
-            </a:r>
+              <a:t>is the higher </a:t>
+            </a:r>
+            <a:r>
+              <a:rPr lang="en-GB" sz="2800" kern="0" dirty="0" smtClean="0">
+                <a:solidFill>
+                  <a:srgbClr val="000000"/>
+                </a:solidFill>
+                <a:latin typeface="+mn-lt"/>
+              </a:rPr>
+              <a:t>peak.</a:t>
+            </a:r>
+            <a:endParaRPr lang="en-GB" sz="2800" kern="0" dirty="0">
+              <a:solidFill>
+                <a:srgbClr val="000000"/>
+              </a:solidFill>
+              <a:latin typeface="+mn-lt"/>
+            </a:endParaRPr>
           </a:p>
           <a:p>
             <a:pPr algn="l" rtl="0"/>
@@ -7066,21 +7243,57 @@
           <a:p>
             <a:pPr algn="l" rtl="0"/>
             <a:r>
+              <a:rPr lang="en-GB" sz="2800" kern="0" dirty="0" smtClean="0">
+                <a:solidFill>
+                  <a:srgbClr val="000000"/>
+                </a:solidFill>
+                <a:latin typeface="+mn-lt"/>
+              </a:rPr>
+              <a:t>Figure </a:t>
+            </a:r>
+            <a:r>
               <a:rPr lang="en-GB" sz="2800" kern="0" dirty="0">
                 <a:solidFill>
                   <a:srgbClr val="000000"/>
                 </a:solidFill>
                 <a:latin typeface="+mn-lt"/>
               </a:rPr>
-              <a:t>Fig. 4 shows described the model. </a:t>
-            </a:r>
-            <a:r>
-              <a:rPr lang="en-GB" sz="2800" b="1" kern="0" dirty="0">
+              <a:t>4 </a:t>
+            </a:r>
+            <a:r>
+              <a:rPr lang="en-GB" sz="2800" kern="0" dirty="0" smtClean="0">
                 <a:solidFill>
                   <a:srgbClr val="000000"/>
                 </a:solidFill>
                 <a:latin typeface="+mn-lt"/>
               </a:rPr>
+              <a:t>described </a:t>
+            </a:r>
+            <a:r>
+              <a:rPr lang="en-GB" sz="2800" kern="0" dirty="0">
+                <a:solidFill>
+                  <a:srgbClr val="000000"/>
+                </a:solidFill>
+                <a:latin typeface="+mn-lt"/>
+              </a:rPr>
+              <a:t>the model. </a:t>
+            </a:r>
+            <a:endParaRPr lang="en-GB" sz="2800" kern="0" dirty="0" smtClean="0">
+              <a:solidFill>
+                <a:srgbClr val="000000"/>
+              </a:solidFill>
+              <a:latin typeface="+mn-lt"/>
+            </a:endParaRPr>
+          </a:p>
+          <a:p>
+            <a:pPr algn="l" rtl="0"/>
+            <a:r>
+              <a:rPr lang="en-GB" sz="2800" b="1" kern="0" dirty="0" smtClean="0">
+                <a:solidFill>
+                  <a:srgbClr val="000000"/>
+                </a:solidFill>
+                <a:latin typeface="+mn-lt"/>
+              </a:rPr>
               <a:t>E</a:t>
             </a:r>
             <a:r>
@@ -7090,7 +7303,34 @@
                 </a:solidFill>
                 <a:latin typeface="+mn-lt"/>
               </a:rPr>
-              <a:t>ach node represent a specific genotype</a:t>
+              <a:t>ach node </a:t>
+            </a:r>
+            <a:r>
+              <a:rPr lang="en-US" sz="2800" b="1" kern="0" dirty="0" smtClean="0">
+                <a:solidFill>
+                  <a:srgbClr val="000000"/>
+                </a:solidFill>
+                <a:latin typeface="+mn-lt"/>
+              </a:rPr>
+              <a:t>represents </a:t>
+            </a:r>
+            <a:r>
+              <a:rPr lang="en-US" sz="2800" b="1" kern="0" dirty="0">
+                <a:solidFill>
+                  <a:srgbClr val="000000"/>
+                </a:solidFill>
+                <a:latin typeface="+mn-lt"/>
+              </a:rPr>
+              <a:t>a </a:t>
+            </a:r>
+            <a:r>
+              <a:rPr lang="en-US" sz="2800" b="1" kern="0" dirty="0" smtClean="0">
+                <a:solidFill>
+                  <a:srgbClr val="000000"/>
+                </a:solidFill>
+                <a:latin typeface="+mn-lt"/>
+              </a:rPr>
+              <a:t>genotype</a:t>
             </a:r>
             <a:r>
               <a:rPr lang="en-US" sz="2800" kern="0" dirty="0">
@@ -7099,16 +7339,43 @@
                 </a:solidFill>
                 <a:latin typeface="+mn-lt"/>
               </a:rPr>
-              <a:t>. Node labels specify the alleles at the </a:t>
-            </a:r>
-            <a:r>
-              <a:rPr lang="en-US" sz="2800" i="1" kern="0" dirty="0">
+              <a:t>. </a:t>
+            </a:r>
+            <a:r>
+              <a:rPr lang="en-US" sz="2800" kern="0" dirty="0" smtClean="0">
                 <a:solidFill>
                   <a:srgbClr val="000000"/>
                 </a:solidFill>
                 <a:latin typeface="+mn-lt"/>
               </a:rPr>
-              <a:t>A/a </a:t>
+              <a:t>The </a:t>
+            </a:r>
+            <a:r>
+              <a:rPr lang="en-US" sz="2800" b="1" kern="0" dirty="0">
+                <a:solidFill>
+                  <a:srgbClr val="000000"/>
+                </a:solidFill>
+                <a:latin typeface="+mn-lt"/>
+              </a:rPr>
+              <a:t>“</a:t>
+            </a:r>
+            <a:r>
+              <a:rPr lang="en-US" sz="2800" b="1" i="1" kern="0" dirty="0">
+                <a:solidFill>
+                  <a:srgbClr val="000000"/>
+                </a:solidFill>
+                <a:latin typeface="+mn-lt"/>
+              </a:rPr>
+              <a:t>RIP</a:t>
+            </a:r>
+            <a:r>
+              <a:rPr lang="en-US" sz="2800" b="1" kern="0" dirty="0">
+                <a:solidFill>
+                  <a:srgbClr val="000000"/>
+                </a:solidFill>
+                <a:latin typeface="+mn-lt"/>
+              </a:rPr>
+              <a:t>” </a:t>
             </a:r>
             <a:r>
               <a:rPr lang="en-US" sz="2800" kern="0" dirty="0">
@@ -7117,16 +7384,34 @@
                 </a:solidFill>
                 <a:latin typeface="+mn-lt"/>
               </a:rPr>
-              <a:t>and </a:t>
-            </a:r>
-            <a:r>
-              <a:rPr lang="en-US" sz="2800" i="1" kern="0" dirty="0">
+              <a:t>node represents genotypes with deleterious mutations that will not contribute to adaptation. </a:t>
+            </a:r>
+            <a:endParaRPr lang="en-US" sz="2800" kern="0" dirty="0" smtClean="0">
+              <a:solidFill>
+                <a:srgbClr val="000000"/>
+              </a:solidFill>
+              <a:latin typeface="+mn-lt"/>
+            </a:endParaRPr>
+          </a:p>
+          <a:p>
+            <a:pPr algn="l" rtl="0"/>
+            <a:endParaRPr lang="en-US" sz="2800" kern="0" dirty="0" smtClean="0">
+              <a:solidFill>
+                <a:srgbClr val="000000"/>
+              </a:solidFill>
+              <a:latin typeface="+mn-lt"/>
+            </a:endParaRPr>
+          </a:p>
+          <a:p>
+            <a:pPr algn="l" rtl="0"/>
+            <a:r>
+              <a:rPr lang="en-US" sz="2800" kern="0" dirty="0" smtClean="0">
                 <a:solidFill>
                   <a:srgbClr val="000000"/>
                 </a:solidFill>
                 <a:latin typeface="+mn-lt"/>
               </a:rPr>
-              <a:t>B/b </a:t>
+              <a:t>Arrows </a:t>
             </a:r>
             <a:r>
               <a:rPr lang="en-US" sz="2800" kern="0" dirty="0">
@@ -7135,16 +7420,16 @@
                 </a:solidFill>
                 <a:latin typeface="+mn-lt"/>
               </a:rPr>
-              <a:t>loci. The “</a:t>
-            </a:r>
-            <a:r>
-              <a:rPr lang="en-US" sz="2800" i="1" kern="0" dirty="0">
+              <a:t>define the </a:t>
+            </a:r>
+            <a:r>
+              <a:rPr lang="en-US" sz="2800" kern="0" dirty="0" smtClean="0">
                 <a:solidFill>
                   <a:srgbClr val="000000"/>
                 </a:solidFill>
                 <a:latin typeface="+mn-lt"/>
               </a:rPr>
-              <a:t>RIP</a:t>
+              <a:t>direction </a:t>
             </a:r>
             <a:r>
               <a:rPr lang="en-US" sz="2800" kern="0" dirty="0">
@@ -7153,7 +7438,7 @@
                 </a:solidFill>
                 <a:latin typeface="+mn-lt"/>
               </a:rPr>
-              <a:t>” node represents genotypes with deleterious mutations that will not contribute to adaptation. Arrows define the </a:t>
+              <a:t>of mutation and </a:t>
             </a:r>
             <a:r>
               <a:rPr lang="en-US" sz="2800" kern="0" dirty="0" smtClean="0">
@@ -7162,7 +7447,7 @@
                 </a:solidFill>
                 <a:latin typeface="+mn-lt"/>
               </a:rPr>
-              <a:t>direction </a:t>
+              <a:t>denote </a:t>
             </a:r>
             <a:r>
               <a:rPr lang="en-US" sz="2800" kern="0" dirty="0">
@@ -7171,7 +7456,7 @@
                 </a:solidFill>
                 <a:latin typeface="+mn-lt"/>
               </a:rPr>
-              <a:t>of mutation and their labels denote the relevant mutation </a:t>
+              <a:t>the relevant mutation </a:t>
             </a:r>
             <a:r>
               <a:rPr lang="en-US" sz="2800" kern="0" dirty="0" smtClean="0">
@@ -7192,22 +7477,40 @@
               <a:t>U </a:t>
             </a:r>
             <a:r>
+              <a:rPr lang="en-US" sz="2800" b="1" kern="0" dirty="0" smtClean="0">
+                <a:solidFill>
+                  <a:srgbClr val="000000"/>
+                </a:solidFill>
+                <a:latin typeface="+mn-lt"/>
+              </a:rPr>
+              <a:t>(dashed lines) for </a:t>
+            </a:r>
+            <a:r>
               <a:rPr lang="en-US" sz="2800" b="1" kern="0" dirty="0">
                 <a:solidFill>
                   <a:srgbClr val="000000"/>
                 </a:solidFill>
                 <a:latin typeface="+mn-lt"/>
               </a:rPr>
-              <a:t>for deleterious mutation and </a:t>
-            </a:r>
-            <a:r>
-              <a:rPr lang="en-US" sz="2800" b="1" i="1" kern="0" dirty="0">
+              <a:t>deleterious mutation and </a:t>
+            </a:r>
+            <a:r>
+              <a:rPr lang="en-US" sz="2800" b="1" i="1" kern="0" dirty="0" smtClean="0">
                 <a:solidFill>
                   <a:srgbClr val="000000"/>
                 </a:solidFill>
                 <a:latin typeface="+mn-lt"/>
               </a:rPr>
-              <a:t>µ</a:t>
+              <a:t>µ </a:t>
+            </a:r>
+            <a:r>
+              <a:rPr lang="en-US" sz="2800" b="1" kern="0" dirty="0" smtClean="0">
+                <a:solidFill>
+                  <a:srgbClr val="000000"/>
+                </a:solidFill>
+                <a:latin typeface="+mn-lt"/>
+              </a:rPr>
+              <a:t>(solid lines) </a:t>
             </a:r>
             <a:r>
               <a:rPr lang="en-US" sz="2800" b="1" kern="0" dirty="0">
@@ -7216,7 +7519,64 @@
                 </a:solidFill>
                 <a:latin typeface="+mn-lt"/>
               </a:rPr>
-              <a:t> for beneficial mutation</a:t>
+              <a:t>for beneficial </a:t>
+            </a:r>
+            <a:r>
+              <a:rPr lang="en-US" sz="2800" b="1" kern="0" dirty="0" smtClean="0">
+                <a:solidFill>
+                  <a:srgbClr val="000000"/>
+                </a:solidFill>
+                <a:latin typeface="+mn-lt"/>
+              </a:rPr>
+              <a:t>mutations</a:t>
+            </a:r>
+            <a:r>
+              <a:rPr lang="en-US" sz="2800" kern="0" dirty="0" smtClean="0">
+                <a:solidFill>
+                  <a:srgbClr val="000000"/>
+                </a:solidFill>
+                <a:latin typeface="+mn-lt"/>
+              </a:rPr>
+              <a:t>. </a:t>
+            </a:r>
+          </a:p>
+          <a:p>
+            <a:pPr algn="l" rtl="0"/>
+            <a:endParaRPr lang="en-US" sz="2800" kern="0" dirty="0">
+              <a:solidFill>
+                <a:srgbClr val="000000"/>
+              </a:solidFill>
+              <a:latin typeface="+mn-lt"/>
+            </a:endParaRPr>
+          </a:p>
+          <a:p>
+            <a:pPr algn="l" rtl="0"/>
+            <a:r>
+              <a:rPr lang="en-US" sz="2800" kern="0" dirty="0" smtClean="0">
+                <a:solidFill>
+                  <a:srgbClr val="000000"/>
+                </a:solidFill>
+                <a:latin typeface="+mn-lt"/>
+              </a:rPr>
+              <a:t>Node </a:t>
+            </a:r>
+            <a:r>
+              <a:rPr lang="en-US" sz="2800" b="1" kern="0" dirty="0" smtClean="0">
+                <a:solidFill>
+                  <a:srgbClr val="000000"/>
+                </a:solidFill>
+                <a:latin typeface="+mn-lt"/>
+              </a:rPr>
+              <a:t>color </a:t>
+            </a:r>
+            <a:r>
+              <a:rPr lang="en-US" sz="2800" b="1" kern="0" dirty="0">
+                <a:solidFill>
+                  <a:srgbClr val="000000"/>
+                </a:solidFill>
+                <a:latin typeface="+mn-lt"/>
+              </a:rPr>
+              <a:t>indicates the fitness</a:t>
             </a:r>
             <a:r>
               <a:rPr lang="en-US" sz="2800" kern="0" dirty="0">
@@ -7225,25 +7585,34 @@
                 </a:solidFill>
                 <a:latin typeface="+mn-lt"/>
               </a:rPr>
-              <a:t>. Node </a:t>
-            </a:r>
-            <a:r>
-              <a:rPr lang="en-US" sz="2800" b="1" kern="0" dirty="0" err="1">
+              <a:t> of a genotype, from pale brown for </a:t>
+            </a:r>
+            <a:r>
+              <a:rPr lang="en-US" sz="2800" kern="0" dirty="0" smtClean="0">
                 <a:solidFill>
                   <a:srgbClr val="000000"/>
                 </a:solidFill>
                 <a:latin typeface="+mn-lt"/>
               </a:rPr>
-              <a:t>colour</a:t>
-            </a:r>
-            <a:r>
-              <a:rPr lang="en-US" sz="2800" b="1" kern="0" dirty="0">
+              <a:t>high fitness </a:t>
+            </a:r>
+            <a:r>
+              <a:rPr lang="en-US" sz="2800" kern="0" dirty="0">
                 <a:solidFill>
                   <a:srgbClr val="000000"/>
                 </a:solidFill>
                 <a:latin typeface="+mn-lt"/>
               </a:rPr>
-              <a:t> indicates the fitness</a:t>
+              <a:t>to dark brown for </a:t>
+            </a:r>
+            <a:r>
+              <a:rPr lang="en-US" sz="2800" kern="0" dirty="0" smtClean="0">
+                <a:solidFill>
+                  <a:srgbClr val="000000"/>
+                </a:solidFill>
+                <a:latin typeface="+mn-lt"/>
+              </a:rPr>
+              <a:t>low </a:t>
             </a:r>
             <a:r>
               <a:rPr lang="en-US" sz="2800" kern="0" dirty="0">
@@ -7252,7 +7621,7 @@
                 </a:solidFill>
                 <a:latin typeface="+mn-lt"/>
               </a:rPr>
-              <a:t> of a genotype, from pale brown for optimal fitness to dark brown for lower fitness.</a:t>
+              <a:t>fitness.</a:t>
             </a:r>
             <a:endParaRPr lang="en-US" sz="2000" b="1" kern="0" dirty="0">
               <a:solidFill>
@@ -11331,10 +11700,10 @@
         </p:nvGrpSpPr>
         <p:grpSpPr>
           <a:xfrm>
-            <a:off x="5906379" y="18794388"/>
-            <a:ext cx="4863401" cy="646331"/>
-            <a:chOff x="5832976" y="24915068"/>
-            <a:chExt cx="4863401" cy="646331"/>
+            <a:off x="5906379" y="18794389"/>
+            <a:ext cx="4863401" cy="720079"/>
+            <a:chOff x="5832976" y="24915069"/>
+            <a:chExt cx="4863401" cy="720079"/>
           </a:xfrm>
         </p:grpSpPr>
         <p:cxnSp>
@@ -11379,7 +11748,7 @@
           </p:nvSpPr>
           <p:spPr>
             <a:xfrm>
-              <a:off x="6532919" y="24915068"/>
+              <a:off x="6532919" y="24988817"/>
               <a:ext cx="3269978" cy="646331"/>
             </a:xfrm>
             <a:prstGeom prst="rect">
@@ -11900,7 +12269,7 @@
                     <a:p>
                       <a:pPr algn="ctr" rtl="0"/>
                       <a:r>
-                        <a:rPr lang="en-US" sz="2800" smtClean="0">
+                        <a:rPr lang="en-US" sz="2800" dirty="0" smtClean="0">
                           <a:latin typeface="+mn-lt"/>
                           <a:cs typeface="Helvetica" pitchFamily="34" charset="0"/>
                         </a:rPr>
@@ -12820,7 +13189,7 @@
         </p:nvSpPr>
         <p:spPr>
           <a:xfrm>
-            <a:off x="8418245" y="28836599"/>
+            <a:off x="8497244" y="28836599"/>
             <a:ext cx="1519159" cy="830997"/>
           </a:xfrm>
           <a:prstGeom prst="rect">

--- a/poster.pptx
+++ b/poster.pptx
@@ -6378,7 +6378,7 @@
               <a:t>it generates beneficial </a:t>
             </a:r>
             <a:r>
-              <a:rPr lang="en-US" sz="2800" kern="0" smtClean="0">
+              <a:rPr lang="en-US" sz="2800" kern="0" dirty="0" smtClean="0">
                 <a:solidFill>
                   <a:srgbClr val="000000"/>
                 </a:solidFill>
@@ -6387,7 +6387,7 @@
               <a:t>mutations </a:t>
             </a:r>
             <a:r>
-              <a:rPr lang="en-US" sz="2800" kern="0" smtClean="0">
+              <a:rPr lang="en-US" sz="2800" kern="0" dirty="0" smtClean="0">
                 <a:solidFill>
                   <a:srgbClr val="000000"/>
                 </a:solidFill>
@@ -7721,8 +7721,8 @@
           </a:p>
         </p:txBody>
       </p:sp>
-      <mc:AlternateContent xmlns:mc="http://schemas.openxmlformats.org/markup-compatibility/2006" xmlns:a14="http://schemas.microsoft.com/office/drawing/2010/main">
-        <mc:Choice Requires="a14">
+      <mc:AlternateContent xmlns:mc="http://schemas.openxmlformats.org/markup-compatibility/2006">
+        <mc:Choice xmlns:a14="http://schemas.microsoft.com/office/drawing/2010/main" Requires="a14">
           <p:sp>
             <p:nvSpPr>
               <p:cNvPr id="101" name="Text Box 13"/>
@@ -7960,7 +7960,25 @@
                     </a:solidFill>
                     <a:latin typeface="+mn-lt"/>
                   </a:rPr>
-                  <a:t> can be approximated with or without stress-induced mutagenesis (SIM):</a:t>
+                  <a:t> </a:t>
+                </a:r>
+                <a:r>
+                  <a:rPr lang="en-US" sz="2800" kern="0" dirty="0" smtClean="0">
+                    <a:solidFill>
+                      <a:srgbClr val="000000"/>
+                    </a:solidFill>
+                    <a:latin typeface="+mn-lt"/>
+                  </a:rPr>
+                  <a:t>is </a:t>
+                </a:r>
+                <a:r>
+                  <a:rPr lang="en-US" sz="2800" kern="0" dirty="0" smtClean="0">
+                    <a:solidFill>
+                      <a:srgbClr val="000000"/>
+                    </a:solidFill>
+                    <a:latin typeface="+mn-lt"/>
+                  </a:rPr>
+                  <a:t>approximated with or without stress-induced mutagenesis (SIM):</a:t>
                 </a:r>
               </a:p>
               <a:p>
@@ -8460,8 +8478,14 @@
                     </a:solidFill>
                     <a:latin typeface="+mn-lt"/>
                   </a:rPr>
-                  <a:t>selection.</a:t>
+                  <a:t>selection coefficient.</a:t>
                 </a:r>
+                <a:endParaRPr lang="en-US" sz="2800" kern="0" dirty="0" smtClean="0">
+                  <a:solidFill>
+                    <a:schemeClr val="tx1"/>
+                  </a:solidFill>
+                  <a:latin typeface="+mn-lt"/>
+                </a:endParaRPr>
               </a:p>
               <a:p>
                 <a:pPr indent="205704" algn="l" defTabSz="908920" rtl="0">
@@ -8645,13 +8669,40 @@
                   <a:t> – </a:t>
                 </a:r>
                 <a:r>
+                  <a:rPr lang="en-US" sz="2800" b="1" kern="0" dirty="0" smtClean="0">
+                    <a:solidFill>
+                      <a:schemeClr val="tx2"/>
+                    </a:solidFill>
+                    <a:latin typeface="+mn-lt"/>
+                  </a:rPr>
+                  <a:t>SIM </a:t>
+                </a:r>
+                <a:r>
                   <a:rPr lang="en-US" sz="2800" b="1" kern="0" dirty="0">
                     <a:solidFill>
                       <a:schemeClr val="tx2"/>
                     </a:solidFill>
                     <a:latin typeface="+mn-lt"/>
                   </a:rPr>
-                  <a:t>SIM increases the appearance probability q if the increased mutation rate is below </a:t>
+                  <a:t>increases the appearance probability </a:t>
+                </a:r>
+                <a:r>
+                  <a:rPr lang="en-US" sz="2800" b="1" i="1" kern="0" dirty="0">
+                    <a:solidFill>
+                      <a:schemeClr val="tx2"/>
+                    </a:solidFill>
+                    <a:latin typeface="+mn-lt"/>
+                  </a:rPr>
+                  <a:t>q</a:t>
+                </a:r>
+                <a:r>
+                  <a:rPr lang="en-US" sz="2800" b="1" kern="0" dirty="0">
+                    <a:solidFill>
+                      <a:schemeClr val="tx2"/>
+                    </a:solidFill>
+                    <a:latin typeface="+mn-lt"/>
+                  </a:rPr>
+                  <a:t> if the increased mutation rate is below </a:t>
                 </a:r>
                 <a:r>
                   <a:rPr lang="en-US" sz="2800" b="1" kern="0" dirty="0" smtClean="0">
@@ -8736,8 +8787,23 @@
                     </a:solidFill>
                     <a:latin typeface="+mn-lt"/>
                   </a:rPr>
-                  <a:t> can be approximated as well:</a:t>
+                  <a:t> </a:t>
                 </a:r>
+                <a:r>
+                  <a:rPr lang="en-US" sz="2800" kern="0" dirty="0" smtClean="0">
+                    <a:solidFill>
+                      <a:srgbClr val="000000"/>
+                    </a:solidFill>
+                    <a:latin typeface="+mn-lt"/>
+                  </a:rPr>
+                  <a:t>is approximated by:</a:t>
+                </a:r>
+                <a:endParaRPr lang="en-US" sz="2800" kern="0" dirty="0" smtClean="0">
+                  <a:solidFill>
+                    <a:srgbClr val="000000"/>
+                  </a:solidFill>
+                  <a:latin typeface="+mn-lt"/>
+                </a:endParaRPr>
               </a:p>
               <a:p>
                 <a:pPr indent="205704" algn="l" defTabSz="908920" rtl="0">
@@ -8779,27 +8845,18 @@
                       <m:r>
                         <a:rPr lang="en-US" sz="2800" b="0" i="1" kern="0" smtClean="0">
                           <a:solidFill>
-                            <a:schemeClr val="accent3"/>
+                            <a:schemeClr val="tx1"/>
                           </a:solidFill>
                           <a:latin typeface="Cambria Math"/>
                         </a:rPr>
-                        <m:t>𝑠</m:t>
-                      </m:r>
-                      <m:r>
-                        <a:rPr lang="en-US" sz="2800" b="0" i="1" kern="0" smtClean="0">
-                          <a:solidFill>
-                            <a:schemeClr val="accent4"/>
-                          </a:solidFill>
-                          <a:latin typeface="Cambria Math"/>
-                        </a:rPr>
-                        <m:t>𝐻</m:t>
+                        <m:t>𝑠𝐻</m:t>
                       </m:r>
                     </m:oMath>
                   </m:oMathPara>
                 </a14:m>
                 <a:endParaRPr lang="en-US" sz="2800" b="0" kern="0" dirty="0" smtClean="0">
                   <a:solidFill>
-                    <a:srgbClr val="000000"/>
+                    <a:schemeClr val="tx1"/>
                   </a:solidFill>
                   <a:latin typeface="+mn-lt"/>
                 </a:endParaRPr>
@@ -9201,7 +9258,43 @@
                     </a:solidFill>
                     <a:latin typeface="+mn-lt"/>
                   </a:rPr>
-                  <a:t>SIM increases the fixation probability</a:t>
+                  <a:t>SIM </a:t>
+                </a:r>
+                <a:r>
+                  <a:rPr lang="en-US" sz="2800" b="1" kern="0" dirty="0" smtClean="0">
+                    <a:solidFill>
+                      <a:schemeClr val="tx2"/>
+                    </a:solidFill>
+                    <a:latin typeface="+mn-lt"/>
+                  </a:rPr>
+                  <a:t>always increases </a:t>
+                </a:r>
+                <a:r>
+                  <a:rPr lang="en-US" sz="2800" b="1" kern="0" dirty="0" smtClean="0">
+                    <a:solidFill>
+                      <a:schemeClr val="tx2"/>
+                    </a:solidFill>
+                    <a:latin typeface="+mn-lt"/>
+                  </a:rPr>
+                  <a:t>the fixation </a:t>
+                </a:r>
+                <a:r>
+                  <a:rPr lang="en-US" sz="2800" b="1" kern="0" dirty="0" smtClean="0">
+                    <a:solidFill>
+                      <a:schemeClr val="tx2"/>
+                    </a:solidFill>
+                    <a:latin typeface="+mn-lt"/>
+                  </a:rPr>
+                  <a:t>probability </a:t>
+                </a:r>
+                <a:r>
+                  <a:rPr lang="el-GR" sz="2800" b="1" i="1" kern="0" dirty="0" smtClean="0">
+                    <a:solidFill>
+                      <a:schemeClr val="tx2"/>
+                    </a:solidFill>
+                    <a:latin typeface="+mn-lt"/>
+                  </a:rPr>
+                  <a:t>ρ</a:t>
                 </a:r>
                 <a:r>
                   <a:rPr lang="en-US" sz="2800" kern="0" dirty="0" smtClean="0">
@@ -9212,6 +9305,12 @@
                   </a:rPr>
                   <a:t>.</a:t>
                 </a:r>
+                <a:endParaRPr lang="en-US" sz="2800" kern="0" dirty="0" smtClean="0">
+                  <a:solidFill>
+                    <a:schemeClr val="tx1"/>
+                  </a:solidFill>
+                  <a:latin typeface="+mn-lt"/>
+                </a:endParaRPr>
               </a:p>
               <a:p>
                 <a:pPr indent="205704" algn="l" defTabSz="908920" rtl="0">
@@ -9271,7 +9370,16 @@
                     </a:solidFill>
                     <a:latin typeface="+mn-lt"/>
                   </a:rPr>
-                  <a:t>can be approximated by a geometric distribution </a:t>
+                  <a:t>is approximated </a:t>
+                </a:r>
+                <a:r>
+                  <a:rPr lang="en-US" sz="2800" kern="0" dirty="0" smtClean="0">
+                    <a:solidFill>
+                      <a:srgbClr val="000000"/>
+                    </a:solidFill>
+                    <a:latin typeface="+mn-lt"/>
+                  </a:rPr>
+                  <a:t>by a geometric distribution </a:t>
                 </a:r>
                 <a:r>
                   <a:rPr lang="en-US" sz="2800" kern="0" dirty="0" smtClean="0">
@@ -9874,7 +9982,7 @@
                     </a:solidFill>
                     <a:latin typeface="+mn-lt"/>
                   </a:rPr>
-                  <a:t>Now </a:t>
+                  <a:t>Here </a:t>
                 </a:r>
                 <a14:m>
                   <m:oMath xmlns:m="http://schemas.openxmlformats.org/officeDocument/2006/math">
@@ -10015,7 +10123,43 @@
                     </a:solidFill>
                     <a:latin typeface="+mn-lt"/>
                   </a:rPr>
-                  <a:t>SIM increases the adaption rate if the increased mutation rate is below 1</a:t>
+                  <a:t>SIM increases the adaption </a:t>
+                </a:r>
+                <a:r>
+                  <a:rPr lang="en-US" sz="2800" b="1" kern="0" dirty="0" smtClean="0">
+                    <a:solidFill>
+                      <a:schemeClr val="tx2"/>
+                    </a:solidFill>
+                    <a:latin typeface="+mn-lt"/>
+                  </a:rPr>
+                  <a:t>rate </a:t>
+                </a:r>
+                <a:r>
+                  <a:rPr lang="el-GR" sz="2800" b="1" i="1" kern="0" dirty="0">
+                    <a:solidFill>
+                      <a:schemeClr val="tx2"/>
+                    </a:solidFill>
+                    <a:latin typeface="+mn-lt"/>
+                  </a:rPr>
+                  <a:t>ν</a:t>
+                </a:r>
+                <a:r>
+                  <a:rPr lang="en-US" sz="2800" b="1" kern="0" dirty="0" smtClean="0">
+                    <a:solidFill>
+                      <a:schemeClr val="tx2"/>
+                    </a:solidFill>
+                    <a:latin typeface="+mn-lt"/>
+                  </a:rPr>
+                  <a:t> </a:t>
+                </a:r>
+                <a:r>
+                  <a:rPr lang="en-US" sz="2800" b="1" kern="0" dirty="0" smtClean="0">
+                    <a:solidFill>
+                      <a:schemeClr val="tx2"/>
+                    </a:solidFill>
+                    <a:latin typeface="+mn-lt"/>
+                  </a:rPr>
+                  <a:t>if the increased mutation rate is below 1</a:t>
                 </a:r>
                 <a:r>
                   <a:rPr lang="en-US" sz="2800" kern="0" dirty="0" smtClean="0">
@@ -10063,7 +10207,7 @@
             </p:txBody>
           </p:sp>
         </mc:Choice>
-        <mc:Fallback xmlns="">
+        <mc:Fallback>
           <p:sp>
             <p:nvSpPr>
               <p:cNvPr id="101" name="Text Box 13"/>

--- a/poster.pptx
+++ b/poster.pptx
@@ -3491,6 +3491,12 @@
               </a:rPr>
               <a:t>Results</a:t>
             </a:r>
+            <a:endParaRPr lang="en-US" sz="4400" b="1" kern="0" dirty="0" smtClean="0">
+              <a:solidFill>
+                <a:schemeClr val="accent2"/>
+              </a:solidFill>
+              <a:latin typeface="+mj-lt"/>
+            </a:endParaRPr>
           </a:p>
           <a:p>
             <a:pPr indent="205704" algn="just" defTabSz="908920" rtl="0" eaLnBrk="1" hangingPunct="1">
@@ -9334,28 +9340,28 @@
                     </a:solidFill>
                     <a:latin typeface="+mj-lt"/>
                   </a:rPr>
-                  <a:t>The population </a:t>
+                  <a:t>The </a:t>
                 </a:r>
                 <a:r>
-                  <a:rPr lang="en-US" b="1" kern="0" dirty="0">
+                  <a:rPr lang="en-US" b="1" kern="0" dirty="0" smtClean="0">
                     <a:solidFill>
                       <a:schemeClr val="accent2"/>
                     </a:solidFill>
                     <a:latin typeface="+mj-lt"/>
                   </a:rPr>
-                  <a:t>adaptation rate </a:t>
+                  <a:t>adaptation time </a:t>
                 </a:r>
                 <a:r>
-                  <a:rPr lang="el-GR" b="1" i="1" kern="0" dirty="0">
+                  <a:rPr lang="en-US" b="1" i="1" kern="0" dirty="0" smtClean="0">
                     <a:solidFill>
                       <a:schemeClr val="accent2"/>
                     </a:solidFill>
                     <a:latin typeface="+mj-lt"/>
                   </a:rPr>
-                  <a:t>ν</a:t>
+                  <a:t>T</a:t>
                 </a:r>
                 <a:r>
-                  <a:rPr lang="en-US" b="1" kern="0" dirty="0">
+                  <a:rPr lang="en-US" b="1" kern="0" dirty="0" smtClean="0">
                     <a:solidFill>
                       <a:schemeClr val="accent2"/>
                     </a:solidFill>
@@ -9444,7 +9450,7 @@
                           </a:solidFill>
                           <a:latin typeface="Cambria Math"/>
                         </a:rPr>
-                        <m:t>𝜈</m:t>
+                        <m:t>𝑇</m:t>
                       </m:r>
                       <m:r>
                         <a:rPr lang="en-US" sz="2800" b="0" i="1" kern="0" smtClean="0">
@@ -9454,6 +9460,24 @@
                           <a:latin typeface="Cambria Math"/>
                         </a:rPr>
                         <m:t>≈</m:t>
+                      </m:r>
+                      <m:r>
+                        <a:rPr lang="en-US" sz="2800" b="0" i="1" kern="0" smtClean="0">
+                          <a:solidFill>
+                            <a:schemeClr val="tx1"/>
+                          </a:solidFill>
+                          <a:latin typeface="Cambria Math"/>
+                        </a:rPr>
+                        <m:t>1</m:t>
+                      </m:r>
+                      <m:r>
+                        <a:rPr lang="en-US" sz="2800" b="0" i="1" kern="0" smtClean="0">
+                          <a:solidFill>
+                            <a:schemeClr val="tx1"/>
+                          </a:solidFill>
+                          <a:latin typeface="Cambria Math"/>
+                        </a:rPr>
+                        <m:t>/</m:t>
                       </m:r>
                       <m:r>
                         <a:rPr lang="en-US" sz="2800" b="0" i="1" kern="0" smtClean="0">
@@ -9628,7 +9652,7 @@
                               </a:solidFill>
                               <a:latin typeface="Cambria Math"/>
                             </a:rPr>
-                            <m:t>𝜈</m:t>
+                            <m:t>𝑇</m:t>
                           </m:r>
                         </m:e>
                         <m:sub>
@@ -9651,6 +9675,24 @@
                           <a:latin typeface="Cambria Math"/>
                         </a:rPr>
                         <m:t>≈</m:t>
+                      </m:r>
+                      <m:r>
+                        <a:rPr lang="en-US" sz="2800" b="0" i="1" kern="0" smtClean="0">
+                          <a:solidFill>
+                            <a:srgbClr val="000000"/>
+                          </a:solidFill>
+                          <a:latin typeface="Cambria Math"/>
+                        </a:rPr>
+                        <m:t>1</m:t>
+                      </m:r>
+                      <m:r>
+                        <a:rPr lang="en-US" sz="2800" b="0" i="1" kern="0" smtClean="0">
+                          <a:solidFill>
+                            <a:srgbClr val="000000"/>
+                          </a:solidFill>
+                          <a:latin typeface="Cambria Math"/>
+                        </a:rPr>
+                        <m:t>/</m:t>
                       </m:r>
                       <m:r>
                         <a:rPr lang="en-US" sz="2800" b="0" i="1" kern="0" smtClean="0">
@@ -9999,13 +10041,13 @@
                       </m:sSubPr>
                       <m:e>
                         <m:r>
-                          <a:rPr lang="en-US" sz="2800" i="1" kern="0">
+                          <a:rPr lang="en-US" sz="2800" b="0" i="1" kern="0" smtClean="0">
                             <a:solidFill>
                               <a:schemeClr val="tx1"/>
                             </a:solidFill>
                             <a:latin typeface="Cambria Math"/>
                           </a:rPr>
-                          <m:t>𝜈</m:t>
+                          <m:t>𝑇</m:t>
                         </m:r>
                       </m:e>
                       <m:sub>
@@ -10027,7 +10069,7 @@
                         </a:solidFill>
                         <a:latin typeface="Cambria Math"/>
                       </a:rPr>
-                      <m:t>&gt;</m:t>
+                      <m:t>&lt;</m:t>
                     </m:r>
                     <m:r>
                       <a:rPr lang="en-US" sz="2800" b="0" i="1" kern="0" smtClean="0">
@@ -10036,7 +10078,7 @@
                         </a:solidFill>
                         <a:latin typeface="Cambria Math"/>
                       </a:rPr>
-                      <m:t>𝜈</m:t>
+                      <m:t>𝑇</m:t>
                     </m:r>
                   </m:oMath>
                 </a14:m>
@@ -10123,7 +10165,7 @@
                     </a:solidFill>
                     <a:latin typeface="+mn-lt"/>
                   </a:rPr>
-                  <a:t>SIM increases the adaption </a:t>
+                  <a:t>SIM </a:t>
                 </a:r>
                 <a:r>
                   <a:rPr lang="en-US" sz="2800" b="1" kern="0" dirty="0" smtClean="0">
@@ -10132,16 +10174,34 @@
                     </a:solidFill>
                     <a:latin typeface="+mn-lt"/>
                   </a:rPr>
-                  <a:t>rate </a:t>
+                  <a:t>decreases </a:t>
                 </a:r>
                 <a:r>
-                  <a:rPr lang="el-GR" sz="2800" b="1" i="1" kern="0" dirty="0">
+                  <a:rPr lang="en-US" sz="2800" b="1" kern="0" dirty="0" smtClean="0">
                     <a:solidFill>
                       <a:schemeClr val="tx2"/>
                     </a:solidFill>
                     <a:latin typeface="+mn-lt"/>
                   </a:rPr>
-                  <a:t>ν</a:t>
+                  <a:t>the </a:t>
+                </a:r>
+                <a:r>
+                  <a:rPr lang="en-US" sz="2800" b="1" kern="0" dirty="0" smtClean="0">
+                    <a:solidFill>
+                      <a:schemeClr val="tx2"/>
+                    </a:solidFill>
+                    <a:latin typeface="+mn-lt"/>
+                  </a:rPr>
+                  <a:t>waiting time for adaptation </a:t>
+                </a:r>
+                <a:r>
+                  <a:rPr lang="en-US" sz="2800" b="1" i="1" kern="0" dirty="0" smtClean="0">
+                    <a:solidFill>
+                      <a:schemeClr val="tx2"/>
+                    </a:solidFill>
+                    <a:latin typeface="+mn-lt"/>
+                  </a:rPr>
+                  <a:t>T</a:t>
                 </a:r>
                 <a:r>
                   <a:rPr lang="en-US" sz="2800" b="1" kern="0" dirty="0" smtClean="0">
@@ -12731,88 +12791,6 @@
       </p:sp>
       <p:pic>
         <p:nvPicPr>
-          <p:cNvPr id="1031" name="Picture 7" descr="D:\university\confrences\GRC2013\adaptation_time_s_0.05_logN_6.png"/>
-          <p:cNvPicPr>
-            <a:picLocks noChangeAspect="1" noChangeArrowheads="1"/>
-          </p:cNvPicPr>
-          <p:nvPr/>
-        </p:nvPicPr>
-        <p:blipFill>
-          <a:blip r:embed="rId4">
-            <a:extLst>
-              <a:ext uri="{28A0092B-C50C-407E-A947-70E740481C1C}">
-                <a14:useLocalDpi xmlns:a14="http://schemas.microsoft.com/office/drawing/2010/main" val="0"/>
-              </a:ext>
-            </a:extLst>
-          </a:blip>
-          <a:srcRect/>
-          <a:stretch>
-            <a:fillRect/>
-          </a:stretch>
-        </p:blipFill>
-        <p:spPr bwMode="auto">
-          <a:xfrm>
-            <a:off x="30459112" y="18938404"/>
-            <a:ext cx="9145588" cy="7316788"/>
-          </a:xfrm>
-          <a:prstGeom prst="rect">
-            <a:avLst/>
-          </a:prstGeom>
-          <a:noFill/>
-          <a:extLst>
-            <a:ext uri="{909E8E84-426E-40DD-AFC4-6F175D3DCCD1}">
-              <a14:hiddenFill xmlns:a14="http://schemas.microsoft.com/office/drawing/2010/main">
-                <a:solidFill>
-                  <a:srgbClr val="FFFFFF"/>
-                </a:solidFill>
-              </a14:hiddenFill>
-            </a:ext>
-          </a:extLst>
-        </p:spPr>
-      </p:pic>
-      <p:pic>
-        <p:nvPicPr>
-          <p:cNvPr id="9" name="Picture 6" descr="D:\university\confrences\GRC2013\app_fix_probs_s_0.05_logN_6.png"/>
-          <p:cNvPicPr>
-            <a:picLocks noChangeAspect="1" noChangeArrowheads="1"/>
-          </p:cNvPicPr>
-          <p:nvPr/>
-        </p:nvPicPr>
-        <p:blipFill>
-          <a:blip r:embed="rId5">
-            <a:extLst>
-              <a:ext uri="{28A0092B-C50C-407E-A947-70E740481C1C}">
-                <a14:useLocalDpi xmlns:a14="http://schemas.microsoft.com/office/drawing/2010/main" val="0"/>
-              </a:ext>
-            </a:extLst>
-          </a:blip>
-          <a:srcRect/>
-          <a:stretch>
-            <a:fillRect/>
-          </a:stretch>
-        </p:blipFill>
-        <p:spPr bwMode="auto">
-          <a:xfrm>
-            <a:off x="29451572" y="8281220"/>
-            <a:ext cx="6084888" cy="9742487"/>
-          </a:xfrm>
-          <a:prstGeom prst="rect">
-            <a:avLst/>
-          </a:prstGeom>
-          <a:noFill/>
-          <a:extLst>
-            <a:ext uri="{909E8E84-426E-40DD-AFC4-6F175D3DCCD1}">
-              <a14:hiddenFill xmlns:a14="http://schemas.microsoft.com/office/drawing/2010/main">
-                <a:solidFill>
-                  <a:srgbClr val="FFFFFF"/>
-                </a:solidFill>
-              </a14:hiddenFill>
-            </a:ext>
-          </a:extLst>
-        </p:spPr>
-      </p:pic>
-      <p:pic>
-        <p:nvPicPr>
           <p:cNvPr id="17" name="Picture 13" descr="D:\university\confrences\GRC2013\fitness_landscape_analytic_model.png"/>
           <p:cNvPicPr>
             <a:picLocks noChangeAspect="1" noChangeArrowheads="1"/>
@@ -12820,7 +12798,7 @@
           <p:nvPr/>
         </p:nvPicPr>
         <p:blipFill rotWithShape="1">
-          <a:blip r:embed="rId6">
+          <a:blip r:embed="rId4">
             <a:extLst>
               <a:ext uri="{28A0092B-C50C-407E-A947-70E740481C1C}">
                 <a14:useLocalDpi xmlns:a14="http://schemas.microsoft.com/office/drawing/2010/main" val="0"/>
@@ -12859,7 +12837,7 @@
           <p:nvPr/>
         </p:nvPicPr>
         <p:blipFill rotWithShape="1">
-          <a:blip r:embed="rId7">
+          <a:blip r:embed="rId5">
             <a:extLst>
               <a:ext uri="{28A0092B-C50C-407E-A947-70E740481C1C}">
                 <a14:useLocalDpi xmlns:a14="http://schemas.microsoft.com/office/drawing/2010/main" val="0"/>
@@ -12957,7 +12935,7 @@
               <p:nvPr/>
             </p:nvPicPr>
             <p:blipFill rotWithShape="1">
-              <a:blip r:embed="rId8">
+              <a:blip r:embed="rId6">
                 <a:extLst>
                   <a:ext uri="{28A0092B-C50C-407E-A947-70E740481C1C}">
                     <a14:useLocalDpi xmlns:a14="http://schemas.microsoft.com/office/drawing/2010/main" val="0"/>
@@ -13293,7 +13271,7 @@
           <p:nvPr/>
         </p:nvPicPr>
         <p:blipFill>
-          <a:blip r:embed="rId9">
+          <a:blip r:embed="rId7">
             <a:extLst>
               <a:ext uri="{28A0092B-C50C-407E-A947-70E740481C1C}">
                 <a14:useLocalDpi xmlns:a14="http://schemas.microsoft.com/office/drawing/2010/main" val="0"/>
@@ -13458,7 +13436,7 @@
           <p:nvPr/>
         </p:nvPicPr>
         <p:blipFill>
-          <a:blip r:embed="rId10">
+          <a:blip r:embed="rId8">
             <a:extLst>
               <a:ext uri="{28A0092B-C50C-407E-A947-70E740481C1C}">
                 <a14:useLocalDpi xmlns:a14="http://schemas.microsoft.com/office/drawing/2010/main" val="0"/>
@@ -13529,7 +13507,7 @@
         </p:nvSpPr>
         <p:spPr>
           <a:xfrm>
-            <a:off x="30171652" y="8497244"/>
+            <a:off x="32259884" y="6841060"/>
             <a:ext cx="1519159" cy="830997"/>
           </a:xfrm>
           <a:prstGeom prst="rect">
@@ -13560,7 +13538,7 @@
         </p:nvSpPr>
         <p:spPr>
           <a:xfrm>
-            <a:off x="30171651" y="13066847"/>
+            <a:off x="34060084" y="6985076"/>
             <a:ext cx="1519159" cy="830997"/>
           </a:xfrm>
           <a:prstGeom prst="rect">
@@ -13583,37 +13561,6 @@
           </a:p>
         </p:txBody>
       </p:sp>
-      <p:sp>
-        <p:nvSpPr>
-          <p:cNvPr id="114" name="TextBox 113"/>
-          <p:cNvSpPr txBox="1"/>
-          <p:nvPr/>
-        </p:nvSpPr>
-        <p:spPr>
-          <a:xfrm>
-            <a:off x="30884741" y="19519539"/>
-            <a:ext cx="1519159" cy="830997"/>
-          </a:xfrm>
-          <a:prstGeom prst="rect">
-            <a:avLst/>
-          </a:prstGeom>
-          <a:noFill/>
-        </p:spPr>
-        <p:txBody>
-          <a:bodyPr wrap="square" rtlCol="1">
-            <a:spAutoFit/>
-          </a:bodyPr>
-          <a:lstStyle/>
-          <a:p>
-            <a:pPr rtl="0"/>
-            <a:r>
-              <a:rPr lang="en-US" sz="4800" dirty="0" smtClean="0"/>
-              <a:t>[8]</a:t>
-            </a:r>
-            <a:endParaRPr lang="he-IL" sz="4800" dirty="0"/>
-          </a:p>
-        </p:txBody>
-      </p:sp>
       <p:pic>
         <p:nvPicPr>
           <p:cNvPr id="1047" name="Picture 23" descr="D:\university\confrences\GRC2013\fitness_landscape_colorbar.png"/>
@@ -13623,7 +13570,7 @@
           <p:nvPr/>
         </p:nvPicPr>
         <p:blipFill rotWithShape="1">
-          <a:blip r:embed="rId11">
+          <a:blip r:embed="rId9">
             <a:extLst>
               <a:ext uri="{28A0092B-C50C-407E-A947-70E740481C1C}">
                 <a14:useLocalDpi xmlns:a14="http://schemas.microsoft.com/office/drawing/2010/main" val="0"/>
@@ -13693,7 +13640,7 @@
           <p:nvPr/>
         </p:nvPicPr>
         <p:blipFill>
-          <a:blip r:embed="rId12">
+          <a:blip r:embed="rId10">
             <a:extLst>
               <a:ext uri="{28A0092B-C50C-407E-A947-70E740481C1C}">
                 <a14:useLocalDpi xmlns:a14="http://schemas.microsoft.com/office/drawing/2010/main" val="0"/>
@@ -13734,7 +13681,7 @@
           <p:nvPr/>
         </p:nvPicPr>
         <p:blipFill>
-          <a:blip r:embed="rId13">
+          <a:blip r:embed="rId11">
             <a:extLst>
               <a:ext uri="{28A0092B-C50C-407E-A947-70E740481C1C}">
                 <a14:useLocalDpi xmlns:a14="http://schemas.microsoft.com/office/drawing/2010/main" val="0"/>
@@ -13796,7 +13743,7 @@
             <p:nvPr/>
           </p:nvPicPr>
           <p:blipFill>
-            <a:blip r:embed="rId14">
+            <a:blip r:embed="rId12">
               <a:extLst>
                 <a:ext uri="{28A0092B-C50C-407E-A947-70E740481C1C}">
                   <a14:useLocalDpi xmlns:a14="http://schemas.microsoft.com/office/drawing/2010/main" val="0"/>
@@ -13860,7 +13807,7 @@
             <p:nvPr/>
           </p:nvPicPr>
           <p:blipFill>
-            <a:blip r:embed="rId15">
+            <a:blip r:embed="rId13">
               <a:extLst>
                 <a:ext uri="{28A0092B-C50C-407E-A947-70E740481C1C}">
                   <a14:useLocalDpi xmlns:a14="http://schemas.microsoft.com/office/drawing/2010/main" val="0"/>
@@ -13924,7 +13871,7 @@
             <p:nvPr/>
           </p:nvPicPr>
           <p:blipFill>
-            <a:blip r:embed="rId16">
+            <a:blip r:embed="rId14">
               <a:extLst>
                 <a:ext uri="{28A0092B-C50C-407E-A947-70E740481C1C}">
                   <a14:useLocalDpi xmlns:a14="http://schemas.microsoft.com/office/drawing/2010/main" val="0"/>
@@ -14041,7 +13988,7 @@
           <p:nvPr/>
         </p:nvPicPr>
         <p:blipFill>
-          <a:blip r:embed="rId17">
+          <a:blip r:embed="rId15">
             <a:biLevel thresh="75000"/>
             <a:extLst>
               <a:ext uri="{28A0092B-C50C-407E-A947-70E740481C1C}">
@@ -14074,6 +14021,115 @@
           </a:extLst>
         </p:spPr>
       </p:pic>
+      <p:pic>
+        <p:nvPicPr>
+          <p:cNvPr id="1035" name="Picture 11" descr="D:\university\confrences\GRC2013\adaptation_time_s_0.05_logN_6.png"/>
+          <p:cNvPicPr>
+            <a:picLocks noChangeAspect="1" noChangeArrowheads="1"/>
+          </p:cNvPicPr>
+          <p:nvPr/>
+        </p:nvPicPr>
+        <p:blipFill>
+          <a:blip r:embed="rId16">
+            <a:extLst>
+              <a:ext uri="{28A0092B-C50C-407E-A947-70E740481C1C}">
+                <a14:useLocalDpi xmlns:a14="http://schemas.microsoft.com/office/drawing/2010/main" val="0"/>
+              </a:ext>
+            </a:extLst>
+          </a:blip>
+          <a:srcRect/>
+          <a:stretch>
+            <a:fillRect/>
+          </a:stretch>
+        </p:blipFill>
+        <p:spPr bwMode="auto">
+          <a:xfrm>
+            <a:off x="30494806" y="19182457"/>
+            <a:ext cx="9145588" cy="7316787"/>
+          </a:xfrm>
+          <a:prstGeom prst="rect">
+            <a:avLst/>
+          </a:prstGeom>
+          <a:noFill/>
+          <a:extLst>
+            <a:ext uri="{909E8E84-426E-40DD-AFC4-6F175D3DCCD1}">
+              <a14:hiddenFill xmlns:a14="http://schemas.microsoft.com/office/drawing/2010/main">
+                <a:solidFill>
+                  <a:srgbClr val="FFFFFF"/>
+                </a:solidFill>
+              </a14:hiddenFill>
+            </a:ext>
+          </a:extLst>
+        </p:spPr>
+      </p:pic>
+      <p:sp>
+        <p:nvSpPr>
+          <p:cNvPr id="114" name="TextBox 113"/>
+          <p:cNvSpPr txBox="1"/>
+          <p:nvPr/>
+        </p:nvSpPr>
+        <p:spPr>
+          <a:xfrm>
+            <a:off x="30963740" y="19835599"/>
+            <a:ext cx="1519159" cy="830997"/>
+          </a:xfrm>
+          <a:prstGeom prst="rect">
+            <a:avLst/>
+          </a:prstGeom>
+          <a:noFill/>
+        </p:spPr>
+        <p:txBody>
+          <a:bodyPr wrap="square" rtlCol="1">
+            <a:spAutoFit/>
+          </a:bodyPr>
+          <a:lstStyle/>
+          <a:p>
+            <a:pPr rtl="0"/>
+            <a:r>
+              <a:rPr lang="en-US" sz="4800" dirty="0" smtClean="0"/>
+              <a:t>[8]</a:t>
+            </a:r>
+            <a:endParaRPr lang="he-IL" sz="4800" dirty="0"/>
+          </a:p>
+        </p:txBody>
+      </p:sp>
+      <p:sp>
+        <p:nvSpPr>
+          <p:cNvPr id="7" name="Rectangle 6"/>
+          <p:cNvSpPr/>
+          <p:nvPr/>
+        </p:nvSpPr>
+        <p:spPr>
+          <a:xfrm>
+            <a:off x="32333518" y="19151384"/>
+            <a:ext cx="5468164" cy="584775"/>
+          </a:xfrm>
+          <a:prstGeom prst="rect">
+            <a:avLst/>
+          </a:prstGeom>
+        </p:spPr>
+        <p:txBody>
+          <a:bodyPr wrap="none">
+            <a:spAutoFit/>
+          </a:bodyPr>
+          <a:lstStyle/>
+          <a:p>
+            <a:pPr algn="ctr" rtl="0"/>
+            <a:r>
+              <a:rPr lang="en-US" sz="3200" b="1" kern="0" dirty="0" smtClean="0">
+                <a:solidFill>
+                  <a:schemeClr val="accent2"/>
+                </a:solidFill>
+                <a:latin typeface="+mj-lt"/>
+              </a:rPr>
+              <a:t>SIM decreases adaptation time</a:t>
+            </a:r>
+            <a:endParaRPr lang="he-IL" sz="3200" dirty="0">
+              <a:latin typeface="+mj-lt"/>
+            </a:endParaRPr>
+          </a:p>
+        </p:txBody>
+      </p:sp>
     </p:spTree>
     <p:extLst>
       <p:ext uri="{BB962C8B-B14F-4D97-AF65-F5344CB8AC3E}">

--- a/poster.pptx
+++ b/poster.pptx
@@ -3337,7 +3337,7 @@
           </a:ln>
         </p:spPr>
         <p:txBody>
-          <a:bodyPr lIns="360000" tIns="454461" rIns="908920" bIns="908920" numCol="2" spcCol="2232000"/>
+          <a:bodyPr lIns="910800" tIns="454461" rIns="908920" bIns="908920" numCol="1" spcCol="2232000"/>
           <a:lstStyle>
             <a:lvl1pPr eaLnBrk="0" hangingPunct="0">
               <a:tabLst>
@@ -3491,12 +3491,6 @@
               </a:rPr>
               <a:t>Results</a:t>
             </a:r>
-            <a:endParaRPr lang="en-US" sz="4400" b="1" kern="0" dirty="0" smtClean="0">
-              <a:solidFill>
-                <a:schemeClr val="accent2"/>
-              </a:solidFill>
-              <a:latin typeface="+mj-lt"/>
-            </a:endParaRPr>
           </a:p>
           <a:p>
             <a:pPr indent="205704" algn="just" defTabSz="908920" rtl="0" eaLnBrk="1" hangingPunct="1">
@@ -3508,11 +3502,56 @@
               </a:tabLst>
               <a:defRPr/>
             </a:pPr>
-            <a:endParaRPr lang="en-US" sz="4400" b="1" kern="0" dirty="0">
-              <a:solidFill>
-                <a:schemeClr val="accent2"/>
-              </a:solidFill>
-              <a:latin typeface="+mj-lt"/>
+            <a:r>
+              <a:rPr lang="en-US" b="1" kern="0" dirty="0">
+                <a:solidFill>
+                  <a:schemeClr val="accent2"/>
+                </a:solidFill>
+                <a:latin typeface="+mj-lt"/>
+              </a:rPr>
+              <a:t>SIM decreases the waiting time for appearance </a:t>
+            </a:r>
+            <a:r>
+              <a:rPr lang="en-US" sz="2800" kern="0" dirty="0">
+                <a:solidFill>
+                  <a:srgbClr val="000000"/>
+                </a:solidFill>
+                <a:latin typeface="+mn-lt"/>
+              </a:rPr>
+              <a:t>of the double </a:t>
+            </a:r>
+            <a:r>
+              <a:rPr lang="en-US" sz="2800" kern="0" dirty="0" smtClean="0">
+                <a:solidFill>
+                  <a:srgbClr val="000000"/>
+                </a:solidFill>
+                <a:latin typeface="+mn-lt"/>
+              </a:rPr>
+              <a:t>mutant and </a:t>
+            </a:r>
+            <a:r>
+              <a:rPr lang="en-US" sz="2800" kern="0" dirty="0">
+                <a:solidFill>
+                  <a:srgbClr val="000000"/>
+                </a:solidFill>
+                <a:latin typeface="+mn-lt"/>
+              </a:rPr>
+              <a:t>slightly decreases the number of appearances until </a:t>
+            </a:r>
+            <a:r>
+              <a:rPr lang="en-US" sz="2800" kern="0" dirty="0" smtClean="0">
+                <a:solidFill>
+                  <a:srgbClr val="000000"/>
+                </a:solidFill>
+                <a:latin typeface="+mn-lt"/>
+              </a:rPr>
+              <a:t>fixation.</a:t>
+            </a:r>
+            <a:endParaRPr lang="en-US" sz="2800" kern="0" dirty="0">
+              <a:solidFill>
+                <a:srgbClr val="000000"/>
+              </a:solidFill>
+              <a:latin typeface="+mn-lt"/>
             </a:endParaRPr>
           </a:p>
           <a:p>
@@ -3525,7 +3564,7 @@
               </a:tabLst>
               <a:defRPr/>
             </a:pPr>
-            <a:endParaRPr lang="en-US" sz="4400" b="1" kern="0" dirty="0" smtClean="0">
+            <a:endParaRPr lang="en-US" sz="4400" b="1" kern="0" dirty="0">
               <a:solidFill>
                 <a:schemeClr val="accent2"/>
               </a:solidFill>
@@ -3542,7 +3581,7 @@
               </a:tabLst>
               <a:defRPr/>
             </a:pPr>
-            <a:endParaRPr lang="en-US" sz="4400" b="1" kern="0" dirty="0">
+            <a:endParaRPr lang="en-US" sz="4400" b="1" kern="0" dirty="0" smtClean="0">
               <a:solidFill>
                 <a:schemeClr val="accent2"/>
               </a:solidFill>
@@ -3559,7 +3598,7 @@
               </a:tabLst>
               <a:defRPr/>
             </a:pPr>
-            <a:endParaRPr lang="en-US" sz="4400" b="1" kern="0" dirty="0" smtClean="0">
+            <a:endParaRPr lang="en-US" sz="4400" b="1" kern="0" dirty="0">
               <a:solidFill>
                 <a:schemeClr val="accent2"/>
               </a:solidFill>
@@ -3678,7 +3717,7 @@
               </a:tabLst>
               <a:defRPr/>
             </a:pPr>
-            <a:endParaRPr lang="en-US" sz="4400" b="1" kern="0" dirty="0">
+            <a:endParaRPr lang="en-US" b="1" kern="0" dirty="0">
               <a:solidFill>
                 <a:schemeClr val="accent2"/>
               </a:solidFill>
@@ -3695,12 +3734,24 @@
               </a:tabLst>
               <a:defRPr/>
             </a:pPr>
-            <a:endParaRPr lang="en-US" sz="4400" b="1" kern="0" dirty="0" smtClean="0">
-              <a:solidFill>
-                <a:schemeClr val="accent2"/>
-              </a:solidFill>
-              <a:latin typeface="+mj-lt"/>
-            </a:endParaRPr>
+            <a:r>
+              <a:rPr lang="en-US" b="1" kern="0" dirty="0">
+                <a:solidFill>
+                  <a:schemeClr val="accent2"/>
+                </a:solidFill>
+                <a:latin typeface="+mj-lt"/>
+              </a:rPr>
+              <a:t>SIM </a:t>
+            </a:r>
+            <a:r>
+              <a:rPr lang="en-US" b="1" kern="0" dirty="0">
+                <a:solidFill>
+                  <a:schemeClr val="accent2"/>
+                </a:solidFill>
+                <a:latin typeface="+mj-lt"/>
+              </a:rPr>
+              <a:t>decreases adaptation time</a:t>
+            </a:r>
           </a:p>
           <a:p>
             <a:pPr indent="205704" algn="just" defTabSz="908920" rtl="0" eaLnBrk="1" hangingPunct="1">
@@ -3712,7 +3763,7 @@
               </a:tabLst>
               <a:defRPr/>
             </a:pPr>
-            <a:endParaRPr lang="en-US" sz="4400" b="1" kern="0" dirty="0">
+            <a:endParaRPr lang="en-US" sz="4400" b="1" kern="0" dirty="0" smtClean="0">
               <a:solidFill>
                 <a:schemeClr val="accent2"/>
               </a:solidFill>
@@ -3729,7 +3780,7 @@
               </a:tabLst>
               <a:defRPr/>
             </a:pPr>
-            <a:endParaRPr lang="en-US" sz="4400" b="1" kern="0" dirty="0" smtClean="0">
+            <a:endParaRPr lang="en-US" sz="4400" b="1" kern="0" dirty="0">
               <a:solidFill>
                 <a:schemeClr val="accent2"/>
               </a:solidFill>
@@ -3746,7 +3797,7 @@
               </a:tabLst>
               <a:defRPr/>
             </a:pPr>
-            <a:endParaRPr lang="en-US" sz="4400" b="1" kern="0" dirty="0">
+            <a:endParaRPr lang="en-US" sz="4400" b="1" kern="0" dirty="0" smtClean="0">
               <a:solidFill>
                 <a:schemeClr val="accent2"/>
               </a:solidFill>
@@ -3763,7 +3814,7 @@
               </a:tabLst>
               <a:defRPr/>
             </a:pPr>
-            <a:endParaRPr lang="en-US" sz="4400" b="1" kern="0" dirty="0" smtClean="0">
+            <a:endParaRPr lang="en-US" sz="4400" b="1" kern="0" dirty="0">
               <a:solidFill>
                 <a:schemeClr val="accent2"/>
               </a:solidFill>
@@ -3780,7 +3831,7 @@
               </a:tabLst>
               <a:defRPr/>
             </a:pPr>
-            <a:endParaRPr lang="en-US" sz="4400" b="1" kern="0" dirty="0">
+            <a:endParaRPr lang="en-US" sz="4400" b="1" kern="0" dirty="0" smtClean="0">
               <a:solidFill>
                 <a:schemeClr val="accent2"/>
               </a:solidFill>
@@ -3797,7 +3848,7 @@
               </a:tabLst>
               <a:defRPr/>
             </a:pPr>
-            <a:endParaRPr lang="en-US" sz="4400" b="1" kern="0" dirty="0" smtClean="0">
+            <a:endParaRPr lang="en-US" sz="4400" b="1" kern="0" dirty="0">
               <a:solidFill>
                 <a:schemeClr val="accent2"/>
               </a:solidFill>
@@ -3814,7 +3865,7 @@
               </a:tabLst>
               <a:defRPr/>
             </a:pPr>
-            <a:endParaRPr lang="en-US" sz="4400" b="1" kern="0" dirty="0">
+            <a:endParaRPr lang="en-US" sz="4400" b="1" kern="0" dirty="0" smtClean="0">
               <a:solidFill>
                 <a:schemeClr val="accent2"/>
               </a:solidFill>
@@ -3831,7 +3882,7 @@
               </a:tabLst>
               <a:defRPr/>
             </a:pPr>
-            <a:endParaRPr lang="en-US" sz="4400" b="1" kern="0" dirty="0" smtClean="0">
+            <a:endParaRPr lang="en-US" sz="4400" b="1" kern="0" dirty="0">
               <a:solidFill>
                 <a:schemeClr val="accent2"/>
               </a:solidFill>
@@ -3848,7 +3899,7 @@
               </a:tabLst>
               <a:defRPr/>
             </a:pPr>
-            <a:endParaRPr lang="en-US" sz="4400" b="1" kern="0" dirty="0">
+            <a:endParaRPr lang="en-US" sz="4400" b="1" kern="0" dirty="0" smtClean="0">
               <a:solidFill>
                 <a:schemeClr val="accent2"/>
               </a:solidFill>
@@ -3865,7 +3916,7 @@
               </a:tabLst>
               <a:defRPr/>
             </a:pPr>
-            <a:endParaRPr lang="en-US" sz="4400" b="1" kern="0" dirty="0" smtClean="0">
+            <a:endParaRPr lang="en-US" sz="4400" b="1" kern="0" dirty="0">
               <a:solidFill>
                 <a:schemeClr val="accent2"/>
               </a:solidFill>
@@ -3882,7 +3933,7 @@
               </a:tabLst>
               <a:defRPr/>
             </a:pPr>
-            <a:endParaRPr lang="en-US" sz="4400" b="1" kern="0" dirty="0">
+            <a:endParaRPr lang="en-US" sz="4400" b="1" kern="0" dirty="0" smtClean="0">
               <a:solidFill>
                 <a:schemeClr val="accent2"/>
               </a:solidFill>
@@ -3899,7 +3950,7 @@
               </a:tabLst>
               <a:defRPr/>
             </a:pPr>
-            <a:endParaRPr lang="en-US" sz="4400" b="1" kern="0" dirty="0" smtClean="0">
+            <a:endParaRPr lang="en-US" sz="4400" b="1" kern="0" dirty="0">
               <a:solidFill>
                 <a:schemeClr val="accent2"/>
               </a:solidFill>
@@ -3916,7 +3967,7 @@
               </a:tabLst>
               <a:defRPr/>
             </a:pPr>
-            <a:endParaRPr lang="en-US" sz="4400" b="1" kern="0" dirty="0">
+            <a:endParaRPr lang="en-US" sz="4400" b="1" kern="0" dirty="0" smtClean="0">
               <a:solidFill>
                 <a:schemeClr val="accent2"/>
               </a:solidFill>
@@ -3933,7 +3984,7 @@
               </a:tabLst>
               <a:defRPr/>
             </a:pPr>
-            <a:endParaRPr lang="en-US" sz="4400" b="1" kern="0" dirty="0" smtClean="0">
+            <a:endParaRPr lang="en-US" sz="4400" b="1" kern="0" dirty="0">
               <a:solidFill>
                 <a:schemeClr val="accent2"/>
               </a:solidFill>
@@ -3950,7 +4001,7 @@
               </a:tabLst>
               <a:defRPr/>
             </a:pPr>
-            <a:endParaRPr lang="en-US" sz="4400" b="1" kern="0" dirty="0">
+            <a:endParaRPr lang="en-US" sz="4400" b="1" kern="0" dirty="0" smtClean="0">
               <a:solidFill>
                 <a:schemeClr val="accent2"/>
               </a:solidFill>
@@ -3967,7 +4018,7 @@
               </a:tabLst>
               <a:defRPr/>
             </a:pPr>
-            <a:endParaRPr lang="en-US" sz="4400" b="1" kern="0" dirty="0" smtClean="0">
+            <a:endParaRPr lang="en-US" sz="4400" b="1" kern="0" dirty="0">
               <a:solidFill>
                 <a:schemeClr val="accent2"/>
               </a:solidFill>
@@ -3984,7 +4035,7 @@
               </a:tabLst>
               <a:defRPr/>
             </a:pPr>
-            <a:endParaRPr lang="en-US" sz="4400" b="1" kern="0" dirty="0">
+            <a:endParaRPr lang="en-US" sz="4400" b="1" kern="0" dirty="0" smtClean="0">
               <a:solidFill>
                 <a:schemeClr val="accent2"/>
               </a:solidFill>
@@ -4001,7 +4052,7 @@
               </a:tabLst>
               <a:defRPr/>
             </a:pPr>
-            <a:endParaRPr lang="en-US" sz="4400" b="1" kern="0" dirty="0" smtClean="0">
+            <a:endParaRPr lang="en-US" sz="4400" b="1" kern="0" dirty="0">
               <a:solidFill>
                 <a:schemeClr val="accent2"/>
               </a:solidFill>
@@ -4018,7 +4069,7 @@
               </a:tabLst>
               <a:defRPr/>
             </a:pPr>
-            <a:endParaRPr lang="en-US" sz="4400" b="1" kern="0" dirty="0">
+            <a:endParaRPr lang="en-US" sz="4400" b="1" kern="0" dirty="0" smtClean="0">
               <a:solidFill>
                 <a:schemeClr val="accent2"/>
               </a:solidFill>
@@ -4052,6 +4103,91 @@
               </a:tabLst>
               <a:defRPr/>
             </a:pPr>
+            <a:endParaRPr lang="en-US" sz="4400" b="1" kern="0" dirty="0" smtClean="0">
+              <a:solidFill>
+                <a:schemeClr val="accent2"/>
+              </a:solidFill>
+              <a:latin typeface="+mj-lt"/>
+            </a:endParaRPr>
+          </a:p>
+          <a:p>
+            <a:pPr indent="205704" algn="just" defTabSz="908920" rtl="0" eaLnBrk="1" hangingPunct="1">
+              <a:spcBef>
+                <a:spcPct val="50000"/>
+              </a:spcBef>
+              <a:tabLst>
+                <a:tab pos="497067" algn="l"/>
+              </a:tabLst>
+              <a:defRPr/>
+            </a:pPr>
+            <a:endParaRPr lang="en-US" sz="4400" b="1" kern="0" dirty="0">
+              <a:solidFill>
+                <a:schemeClr val="accent2"/>
+              </a:solidFill>
+              <a:latin typeface="+mj-lt"/>
+            </a:endParaRPr>
+          </a:p>
+          <a:p>
+            <a:pPr indent="205704" algn="just" defTabSz="908920" rtl="0" eaLnBrk="1" hangingPunct="1">
+              <a:spcBef>
+                <a:spcPct val="50000"/>
+              </a:spcBef>
+              <a:tabLst>
+                <a:tab pos="497067" algn="l"/>
+              </a:tabLst>
+              <a:defRPr/>
+            </a:pPr>
+            <a:endParaRPr lang="en-US" sz="4400" b="1" kern="0" dirty="0" smtClean="0">
+              <a:solidFill>
+                <a:schemeClr val="accent2"/>
+              </a:solidFill>
+              <a:latin typeface="+mj-lt"/>
+            </a:endParaRPr>
+          </a:p>
+          <a:p>
+            <a:pPr indent="205704" algn="just" defTabSz="908920" rtl="0" eaLnBrk="1" hangingPunct="1">
+              <a:spcBef>
+                <a:spcPct val="50000"/>
+              </a:spcBef>
+              <a:tabLst>
+                <a:tab pos="497067" algn="l"/>
+              </a:tabLst>
+              <a:defRPr/>
+            </a:pPr>
+            <a:endParaRPr lang="en-US" sz="4400" b="1" kern="0" dirty="0">
+              <a:solidFill>
+                <a:schemeClr val="accent2"/>
+              </a:solidFill>
+              <a:latin typeface="+mj-lt"/>
+            </a:endParaRPr>
+          </a:p>
+          <a:p>
+            <a:pPr indent="205704" algn="just" defTabSz="908920" rtl="0" eaLnBrk="1" hangingPunct="1">
+              <a:spcBef>
+                <a:spcPct val="50000"/>
+              </a:spcBef>
+              <a:tabLst>
+                <a:tab pos="497067" algn="l"/>
+              </a:tabLst>
+              <a:defRPr/>
+            </a:pPr>
+            <a:endParaRPr lang="en-US" sz="4400" b="1" kern="0" dirty="0" smtClean="0">
+              <a:solidFill>
+                <a:schemeClr val="accent2"/>
+              </a:solidFill>
+              <a:latin typeface="+mj-lt"/>
+            </a:endParaRPr>
+          </a:p>
+          <a:p>
+            <a:pPr indent="205704" algn="just" defTabSz="908920" rtl="0" eaLnBrk="1" hangingPunct="1">
+              <a:spcBef>
+                <a:spcPct val="50000"/>
+              </a:spcBef>
+              <a:tabLst>
+                <a:tab pos="497067" algn="l"/>
+              </a:tabLst>
+              <a:defRPr/>
+            </a:pPr>
             <a:endParaRPr lang="en-US" sz="4400" b="1" kern="0" dirty="0">
               <a:solidFill>
                 <a:schemeClr val="accent2"/>
@@ -4120,102 +4256,6 @@
             <a:endParaRPr lang="en-US" sz="2800" kern="0" dirty="0">
               <a:latin typeface="+mn-lt"/>
             </a:endParaRPr>
-          </a:p>
-          <a:p>
-            <a:pPr indent="205704" algn="just" defTabSz="908920" rtl="0" eaLnBrk="1" hangingPunct="1">
-              <a:spcBef>
-                <a:spcPct val="50000"/>
-              </a:spcBef>
-              <a:tabLst>
-                <a:tab pos="497067" algn="l"/>
-              </a:tabLst>
-              <a:defRPr/>
-            </a:pPr>
-            <a:r>
-              <a:rPr lang="en-US" sz="2800" kern="0" dirty="0" smtClean="0">
-                <a:latin typeface="+mn-lt"/>
-              </a:rPr>
-              <a:t>Figs. 6 and 7 show that as the mutation rate of stressed individuals increases, the appearance probability (Fig. 6) and fixation probability (Fig .7) of the double mutant </a:t>
-            </a:r>
-            <a:r>
-              <a:rPr lang="en-US" sz="2800" i="1" kern="0" dirty="0" smtClean="0">
-                <a:latin typeface="+mn-lt"/>
-              </a:rPr>
-              <a:t>AB</a:t>
-            </a:r>
-            <a:r>
-              <a:rPr lang="en-US" sz="2800" kern="0" dirty="0" smtClean="0">
-                <a:latin typeface="+mn-lt"/>
-              </a:rPr>
-              <a:t> increase. Note that the lines begin at X1 increase – equivalent to constant low mutation rate. </a:t>
-            </a:r>
-          </a:p>
-          <a:p>
-            <a:pPr indent="205704" algn="just" defTabSz="908920" rtl="0" eaLnBrk="1" hangingPunct="1">
-              <a:spcBef>
-                <a:spcPct val="50000"/>
-              </a:spcBef>
-              <a:tabLst>
-                <a:tab pos="497067" algn="l"/>
-              </a:tabLst>
-              <a:defRPr/>
-            </a:pPr>
-            <a:r>
-              <a:rPr lang="en-US" sz="2800" kern="0" dirty="0" smtClean="0">
-                <a:latin typeface="+mn-lt"/>
-              </a:rPr>
-              <a:t>Fig. 8 shows that </a:t>
-            </a:r>
-            <a:r>
-              <a:rPr lang="en-US" sz="2800" b="1" kern="0" dirty="0" smtClean="0">
-                <a:solidFill>
-                  <a:schemeClr val="tx2"/>
-                </a:solidFill>
-                <a:latin typeface="+mn-lt"/>
-              </a:rPr>
-              <a:t>the expected adaptation time decreases with the increase in the mutation rate of stressed individuals</a:t>
-            </a:r>
-            <a:r>
-              <a:rPr lang="en-US" sz="2800" kern="0" dirty="0">
-                <a:latin typeface="+mn-lt"/>
-              </a:rPr>
-              <a:t>, </a:t>
-            </a:r>
-            <a:r>
-              <a:rPr lang="en-US" sz="2800" kern="0" dirty="0" smtClean="0">
-                <a:latin typeface="+mn-lt"/>
-              </a:rPr>
-              <a:t>both in the approximation </a:t>
-            </a:r>
-            <a:r>
-              <a:rPr lang="en-US" sz="2800" kern="0" dirty="0">
-                <a:latin typeface="+mn-lt"/>
-              </a:rPr>
-              <a:t>(blue) and </a:t>
-            </a:r>
-            <a:r>
-              <a:rPr lang="en-US" sz="2800" kern="0" dirty="0" smtClean="0">
-                <a:latin typeface="+mn-lt"/>
-              </a:rPr>
-              <a:t>the simulation (black).</a:t>
-            </a:r>
-          </a:p>
-          <a:p>
-            <a:pPr indent="205704" algn="just" defTabSz="908920" rtl="0" eaLnBrk="1" hangingPunct="1">
-              <a:spcBef>
-                <a:spcPct val="50000"/>
-              </a:spcBef>
-              <a:tabLst>
-                <a:tab pos="497067" algn="l"/>
-              </a:tabLst>
-              <a:defRPr/>
-            </a:pPr>
-            <a:r>
-              <a:rPr lang="en-US" sz="2800" kern="0" dirty="0" smtClean="0">
-                <a:latin typeface="+mn-lt"/>
-              </a:rPr>
-              <a:t>The difference between the approximation and the simulation estimation can be accounted to co-occurring double mutants.</a:t>
-            </a:r>
           </a:p>
           <a:p>
             <a:pPr indent="205704" algn="just" defTabSz="908920" rtl="0" eaLnBrk="1" hangingPunct="1">
@@ -13499,68 +13539,6 @@
           </a:p>
         </p:txBody>
       </p:sp>
-      <p:sp>
-        <p:nvSpPr>
-          <p:cNvPr id="112" name="TextBox 111"/>
-          <p:cNvSpPr txBox="1"/>
-          <p:nvPr/>
-        </p:nvSpPr>
-        <p:spPr>
-          <a:xfrm>
-            <a:off x="32259884" y="6841060"/>
-            <a:ext cx="1519159" cy="830997"/>
-          </a:xfrm>
-          <a:prstGeom prst="rect">
-            <a:avLst/>
-          </a:prstGeom>
-          <a:noFill/>
-        </p:spPr>
-        <p:txBody>
-          <a:bodyPr wrap="square" rtlCol="1">
-            <a:spAutoFit/>
-          </a:bodyPr>
-          <a:lstStyle/>
-          <a:p>
-            <a:pPr rtl="0"/>
-            <a:r>
-              <a:rPr lang="en-US" sz="4800" dirty="0" smtClean="0"/>
-              <a:t>[6]</a:t>
-            </a:r>
-            <a:endParaRPr lang="he-IL" sz="4800" dirty="0"/>
-          </a:p>
-        </p:txBody>
-      </p:sp>
-      <p:sp>
-        <p:nvSpPr>
-          <p:cNvPr id="113" name="TextBox 112"/>
-          <p:cNvSpPr txBox="1"/>
-          <p:nvPr/>
-        </p:nvSpPr>
-        <p:spPr>
-          <a:xfrm>
-            <a:off x="34060084" y="6985076"/>
-            <a:ext cx="1519159" cy="830997"/>
-          </a:xfrm>
-          <a:prstGeom prst="rect">
-            <a:avLst/>
-          </a:prstGeom>
-          <a:noFill/>
-        </p:spPr>
-        <p:txBody>
-          <a:bodyPr wrap="square" rtlCol="1">
-            <a:spAutoFit/>
-          </a:bodyPr>
-          <a:lstStyle/>
-          <a:p>
-            <a:pPr rtl="0"/>
-            <a:r>
-              <a:rPr lang="en-US" sz="4800" dirty="0" smtClean="0"/>
-              <a:t>[7]</a:t>
-            </a:r>
-            <a:endParaRPr lang="he-IL" sz="4800" dirty="0"/>
-          </a:p>
-        </p:txBody>
-      </p:sp>
       <p:pic>
         <p:nvPicPr>
           <p:cNvPr id="1047" name="Picture 23" descr="D:\university\confrences\GRC2013\fitness_landscape_colorbar.png"/>
@@ -14021,115 +13999,209 @@
           </a:extLst>
         </p:spPr>
       </p:pic>
-      <p:pic>
-        <p:nvPicPr>
-          <p:cNvPr id="1035" name="Picture 11" descr="D:\university\confrences\GRC2013\adaptation_time_s_0.05_logN_6.png"/>
-          <p:cNvPicPr>
-            <a:picLocks noChangeAspect="1" noChangeArrowheads="1"/>
-          </p:cNvPicPr>
+      <p:grpSp>
+        <p:nvGrpSpPr>
+          <p:cNvPr id="11" name="Group 10"/>
+          <p:cNvGrpSpPr/>
           <p:nvPr/>
-        </p:nvPicPr>
-        <p:blipFill>
-          <a:blip r:embed="rId16">
+        </p:nvGrpSpPr>
+        <p:grpSpPr>
+          <a:xfrm>
+            <a:off x="31524206" y="9577364"/>
+            <a:ext cx="7089260" cy="9439528"/>
+            <a:chOff x="31161269" y="8929292"/>
+            <a:chExt cx="7316788" cy="9742487"/>
+          </a:xfrm>
+        </p:grpSpPr>
+        <p:pic>
+          <p:nvPicPr>
+            <p:cNvPr id="1038" name="Picture 14" descr="D:\university\confrences\GRC2013\app_fix_times_s_0.05_logN_6.png"/>
+            <p:cNvPicPr>
+              <a:picLocks noChangeAspect="1" noChangeArrowheads="1"/>
+            </p:cNvPicPr>
+            <p:nvPr/>
+          </p:nvPicPr>
+          <p:blipFill>
+            <a:blip r:embed="rId16">
+              <a:extLst>
+                <a:ext uri="{28A0092B-C50C-407E-A947-70E740481C1C}">
+                  <a14:useLocalDpi xmlns:a14="http://schemas.microsoft.com/office/drawing/2010/main" val="0"/>
+                </a:ext>
+              </a:extLst>
+            </a:blip>
+            <a:srcRect/>
+            <a:stretch>
+              <a:fillRect/>
+            </a:stretch>
+          </p:blipFill>
+          <p:spPr bwMode="auto">
+            <a:xfrm>
+              <a:off x="31161269" y="8929292"/>
+              <a:ext cx="7316788" cy="9742487"/>
+            </a:xfrm>
+            <a:prstGeom prst="rect">
+              <a:avLst/>
+            </a:prstGeom>
+            <a:noFill/>
             <a:extLst>
-              <a:ext uri="{28A0092B-C50C-407E-A947-70E740481C1C}">
-                <a14:useLocalDpi xmlns:a14="http://schemas.microsoft.com/office/drawing/2010/main" val="0"/>
+              <a:ext uri="{909E8E84-426E-40DD-AFC4-6F175D3DCCD1}">
+                <a14:hiddenFill xmlns:a14="http://schemas.microsoft.com/office/drawing/2010/main">
+                  <a:solidFill>
+                    <a:srgbClr val="FFFFFF"/>
+                  </a:solidFill>
+                </a14:hiddenFill>
               </a:ext>
             </a:extLst>
-          </a:blip>
-          <a:srcRect/>
-          <a:stretch>
-            <a:fillRect/>
-          </a:stretch>
-        </p:blipFill>
-        <p:spPr bwMode="auto">
+          </p:spPr>
+        </p:pic>
+        <p:sp>
+          <p:nvSpPr>
+            <p:cNvPr id="112" name="TextBox 111"/>
+            <p:cNvSpPr txBox="1"/>
+            <p:nvPr/>
+          </p:nvSpPr>
+          <p:spPr>
+            <a:xfrm>
+              <a:off x="32115868" y="9106407"/>
+              <a:ext cx="1519159" cy="830997"/>
+            </a:xfrm>
+            <a:prstGeom prst="rect">
+              <a:avLst/>
+            </a:prstGeom>
+            <a:noFill/>
+          </p:spPr>
+          <p:txBody>
+            <a:bodyPr wrap="square" rtlCol="1">
+              <a:spAutoFit/>
+            </a:bodyPr>
+            <a:lstStyle/>
+            <a:p>
+              <a:pPr rtl="0"/>
+              <a:r>
+                <a:rPr lang="en-US" sz="4800" dirty="0" smtClean="0"/>
+                <a:t>[6]</a:t>
+              </a:r>
+              <a:endParaRPr lang="he-IL" sz="4800" dirty="0"/>
+            </a:p>
+          </p:txBody>
+        </p:sp>
+        <p:sp>
+          <p:nvSpPr>
+            <p:cNvPr id="113" name="TextBox 112"/>
+            <p:cNvSpPr txBox="1"/>
+            <p:nvPr/>
+          </p:nvSpPr>
+          <p:spPr>
+            <a:xfrm>
+              <a:off x="32036869" y="17243311"/>
+              <a:ext cx="1519159" cy="830997"/>
+            </a:xfrm>
+            <a:prstGeom prst="rect">
+              <a:avLst/>
+            </a:prstGeom>
+            <a:noFill/>
+          </p:spPr>
+          <p:txBody>
+            <a:bodyPr wrap="square" rtlCol="1">
+              <a:spAutoFit/>
+            </a:bodyPr>
+            <a:lstStyle/>
+            <a:p>
+              <a:pPr rtl="0"/>
+              <a:r>
+                <a:rPr lang="en-US" sz="4800" dirty="0" smtClean="0"/>
+                <a:t>[7]</a:t>
+              </a:r>
+              <a:endParaRPr lang="he-IL" sz="4800" dirty="0"/>
+            </a:p>
+          </p:txBody>
+        </p:sp>
+      </p:grpSp>
+      <p:grpSp>
+        <p:nvGrpSpPr>
+          <p:cNvPr id="14" name="Group 13"/>
+          <p:cNvGrpSpPr/>
+          <p:nvPr/>
+        </p:nvGrpSpPr>
+        <p:grpSpPr>
           <a:xfrm>
-            <a:off x="30494806" y="19182457"/>
-            <a:ext cx="9145588" cy="7316787"/>
+            <a:off x="31118206" y="19909095"/>
+            <a:ext cx="7898787" cy="6488659"/>
+            <a:chOff x="30675136" y="19514468"/>
+            <a:chExt cx="8377364" cy="6881798"/>
           </a:xfrm>
-          <a:prstGeom prst="rect">
-            <a:avLst/>
-          </a:prstGeom>
-          <a:noFill/>
-          <a:extLst>
-            <a:ext uri="{909E8E84-426E-40DD-AFC4-6F175D3DCCD1}">
-              <a14:hiddenFill xmlns:a14="http://schemas.microsoft.com/office/drawing/2010/main">
-                <a:solidFill>
-                  <a:srgbClr val="FFFFFF"/>
-                </a:solidFill>
-              </a14:hiddenFill>
-            </a:ext>
-          </a:extLst>
-        </p:spPr>
-      </p:pic>
-      <p:sp>
-        <p:nvSpPr>
-          <p:cNvPr id="114" name="TextBox 113"/>
-          <p:cNvSpPr txBox="1"/>
-          <p:nvPr/>
-        </p:nvSpPr>
-        <p:spPr>
-          <a:xfrm>
-            <a:off x="30963740" y="19835599"/>
-            <a:ext cx="1519159" cy="830997"/>
-          </a:xfrm>
-          <a:prstGeom prst="rect">
-            <a:avLst/>
-          </a:prstGeom>
-          <a:noFill/>
-        </p:spPr>
-        <p:txBody>
-          <a:bodyPr wrap="square" rtlCol="1">
-            <a:spAutoFit/>
-          </a:bodyPr>
-          <a:lstStyle/>
-          <a:p>
-            <a:pPr rtl="0"/>
-            <a:r>
-              <a:rPr lang="en-US" sz="4800" dirty="0" smtClean="0"/>
-              <a:t>[8]</a:t>
-            </a:r>
-            <a:endParaRPr lang="he-IL" sz="4800" dirty="0"/>
-          </a:p>
-        </p:txBody>
-      </p:sp>
-      <p:sp>
-        <p:nvSpPr>
-          <p:cNvPr id="7" name="Rectangle 6"/>
-          <p:cNvSpPr/>
-          <p:nvPr/>
-        </p:nvSpPr>
-        <p:spPr>
-          <a:xfrm>
-            <a:off x="32333518" y="19151384"/>
-            <a:ext cx="5468164" cy="584775"/>
-          </a:xfrm>
-          <a:prstGeom prst="rect">
-            <a:avLst/>
-          </a:prstGeom>
-        </p:spPr>
-        <p:txBody>
-          <a:bodyPr wrap="none">
-            <a:spAutoFit/>
-          </a:bodyPr>
-          <a:lstStyle/>
-          <a:p>
-            <a:pPr algn="ctr" rtl="0"/>
-            <a:r>
-              <a:rPr lang="en-US" sz="3200" b="1" kern="0" dirty="0" smtClean="0">
-                <a:solidFill>
-                  <a:schemeClr val="accent2"/>
-                </a:solidFill>
-                <a:latin typeface="+mj-lt"/>
-              </a:rPr>
-              <a:t>SIM decreases adaptation time</a:t>
-            </a:r>
-            <a:endParaRPr lang="he-IL" sz="3200" dirty="0">
-              <a:latin typeface="+mj-lt"/>
-            </a:endParaRPr>
-          </a:p>
-        </p:txBody>
-      </p:sp>
+        </p:grpSpPr>
+        <p:pic>
+          <p:nvPicPr>
+            <p:cNvPr id="1037" name="Picture 13" descr="D:\university\confrences\GRC2013\adaptation_time_s_0.05_logN_6.png"/>
+            <p:cNvPicPr>
+              <a:picLocks noChangeAspect="1" noChangeArrowheads="1"/>
+            </p:cNvPicPr>
+            <p:nvPr/>
+          </p:nvPicPr>
+          <p:blipFill rotWithShape="1">
+            <a:blip r:embed="rId17">
+              <a:extLst>
+                <a:ext uri="{28A0092B-C50C-407E-A947-70E740481C1C}">
+                  <a14:useLocalDpi xmlns:a14="http://schemas.microsoft.com/office/drawing/2010/main" val="0"/>
+                </a:ext>
+              </a:extLst>
+            </a:blip>
+            <a:srcRect t="5521" r="8400" b="424"/>
+            <a:stretch/>
+          </p:blipFill>
+          <p:spPr bwMode="auto">
+            <a:xfrm>
+              <a:off x="30675136" y="19514468"/>
+              <a:ext cx="8377364" cy="6881798"/>
+            </a:xfrm>
+            <a:prstGeom prst="rect">
+              <a:avLst/>
+            </a:prstGeom>
+            <a:noFill/>
+            <a:extLst>
+              <a:ext uri="{909E8E84-426E-40DD-AFC4-6F175D3DCCD1}">
+                <a14:hiddenFill xmlns:a14="http://schemas.microsoft.com/office/drawing/2010/main">
+                  <a:solidFill>
+                    <a:srgbClr val="FFFFFF"/>
+                  </a:solidFill>
+                </a14:hiddenFill>
+              </a:ext>
+            </a:extLst>
+          </p:spPr>
+        </p:pic>
+        <p:sp>
+          <p:nvSpPr>
+            <p:cNvPr id="114" name="TextBox 113"/>
+            <p:cNvSpPr txBox="1"/>
+            <p:nvPr/>
+          </p:nvSpPr>
+          <p:spPr>
+            <a:xfrm>
+              <a:off x="31388797" y="19907607"/>
+              <a:ext cx="1519159" cy="830997"/>
+            </a:xfrm>
+            <a:prstGeom prst="rect">
+              <a:avLst/>
+            </a:prstGeom>
+            <a:noFill/>
+          </p:spPr>
+          <p:txBody>
+            <a:bodyPr wrap="square" rtlCol="1">
+              <a:spAutoFit/>
+            </a:bodyPr>
+            <a:lstStyle/>
+            <a:p>
+              <a:pPr rtl="0"/>
+              <a:r>
+                <a:rPr lang="en-US" sz="4800" dirty="0" smtClean="0"/>
+                <a:t>[8]</a:t>
+              </a:r>
+              <a:endParaRPr lang="he-IL" sz="4800" dirty="0"/>
+            </a:p>
+          </p:txBody>
+        </p:sp>
+      </p:grpSp>
     </p:spTree>
     <p:extLst>
       <p:ext uri="{BB962C8B-B14F-4D97-AF65-F5344CB8AC3E}">

--- a/poster.pptx
+++ b/poster.pptx
@@ -3319,7 +3319,7 @@
         <p:spPr bwMode="auto">
           <a:xfrm>
             <a:off x="29307600" y="6721200"/>
-            <a:ext cx="11520000" cy="19894425"/>
+            <a:ext cx="11520000" cy="19921181"/>
           </a:xfrm>
           <a:prstGeom prst="rect">
             <a:avLst/>
@@ -3509,16 +3509,34 @@
                 </a:solidFill>
                 <a:latin typeface="+mj-lt"/>
               </a:rPr>
-              <a:t>SIM decreases the waiting time for appearance </a:t>
-            </a:r>
-            <a:r>
-              <a:rPr lang="en-US" sz="2800" kern="0" dirty="0">
+              <a:t>SIM decreases the waiting time for </a:t>
+            </a:r>
+            <a:r>
+              <a:rPr lang="en-US" b="1" kern="0" dirty="0" smtClean="0">
+                <a:solidFill>
+                  <a:schemeClr val="accent2"/>
+                </a:solidFill>
+                <a:latin typeface="+mj-lt"/>
+              </a:rPr>
+              <a:t>the appearance </a:t>
+            </a:r>
+            <a:r>
+              <a:rPr lang="en-US" sz="2800" kern="0">
                 <a:solidFill>
                   <a:srgbClr val="000000"/>
                 </a:solidFill>
                 <a:latin typeface="+mn-lt"/>
               </a:rPr>
-              <a:t>of the double </a:t>
+              <a:t>of </a:t>
+            </a:r>
+            <a:r>
+              <a:rPr lang="en-US" sz="2800" kern="0" smtClean="0">
+                <a:solidFill>
+                  <a:srgbClr val="000000"/>
+                </a:solidFill>
+                <a:latin typeface="+mn-lt"/>
+              </a:rPr>
+              <a:t>a double </a:t>
             </a:r>
             <a:r>
               <a:rPr lang="en-US" sz="2800" kern="0" dirty="0" smtClean="0">
@@ -3832,23 +3850,6 @@
               <a:defRPr/>
             </a:pPr>
             <a:endParaRPr lang="en-US" sz="4400" b="1" kern="0" dirty="0" smtClean="0">
-              <a:solidFill>
-                <a:schemeClr val="accent2"/>
-              </a:solidFill>
-              <a:latin typeface="+mj-lt"/>
-            </a:endParaRPr>
-          </a:p>
-          <a:p>
-            <a:pPr indent="205704" algn="just" defTabSz="908920" rtl="0" eaLnBrk="1" hangingPunct="1">
-              <a:spcBef>
-                <a:spcPct val="50000"/>
-              </a:spcBef>
-              <a:tabLst>
-                <a:tab pos="497067" algn="l"/>
-              </a:tabLst>
-              <a:defRPr/>
-            </a:pPr>
-            <a:endParaRPr lang="en-US" sz="4400" b="1" kern="0" dirty="0">
               <a:solidFill>
                 <a:schemeClr val="accent2"/>
               </a:solidFill>
@@ -10555,7 +10556,25 @@
                 </a:solidFill>
                 <a:latin typeface="+mn-lt"/>
               </a:rPr>
-              <a:t>We analyzed  the adaption time on a rugged fitness landscape with and without stress-induced mutagenesis. </a:t>
+              <a:t>We analyzed </a:t>
+            </a:r>
+            <a:r>
+              <a:rPr lang="en-US" sz="2800" kern="0" dirty="0" smtClean="0">
+                <a:solidFill>
+                  <a:srgbClr val="000000"/>
+                </a:solidFill>
+                <a:latin typeface="+mn-lt"/>
+              </a:rPr>
+              <a:t>the </a:t>
+            </a:r>
+            <a:r>
+              <a:rPr lang="en-US" sz="2800" kern="0" dirty="0" smtClean="0">
+                <a:solidFill>
+                  <a:srgbClr val="000000"/>
+                </a:solidFill>
+                <a:latin typeface="+mn-lt"/>
+              </a:rPr>
+              <a:t>adaption time on a rugged fitness landscape with and without stress-induced mutagenesis. </a:t>
             </a:r>
           </a:p>
           <a:p>
@@ -10602,16 +10621,61 @@
                 </a:solidFill>
                 <a:latin typeface="+mn-lt"/>
               </a:rPr>
-              <a:t>mutagenesis can resolve the problem of adaptive peak shifts </a:t>
-            </a:r>
-            <a:r>
-              <a:rPr lang="en-US" sz="2800" kern="0" dirty="0">
+              <a:t>mutagenesis can </a:t>
+            </a:r>
+            <a:r>
+              <a:rPr lang="en-US" sz="2800" b="1" kern="0" dirty="0" smtClean="0">
+                <a:solidFill>
+                  <a:schemeClr val="tx2"/>
+                </a:solidFill>
+                <a:latin typeface="+mn-lt"/>
+              </a:rPr>
+              <a:t>help to resolve </a:t>
+            </a:r>
+            <a:r>
+              <a:rPr lang="en-US" sz="2800" b="1" kern="0" dirty="0">
+                <a:solidFill>
+                  <a:schemeClr val="tx2"/>
+                </a:solidFill>
+                <a:latin typeface="+mn-lt"/>
+              </a:rPr>
+              <a:t>the </a:t>
+            </a:r>
+            <a:r>
+              <a:rPr lang="en-US" sz="2800" b="1" kern="0" dirty="0">
+                <a:solidFill>
+                  <a:schemeClr val="tx2"/>
+                </a:solidFill>
+                <a:latin typeface="+mn-lt"/>
+              </a:rPr>
+              <a:t>problem of adaptive peak shifts by </a:t>
+            </a:r>
+            <a:r>
+              <a:rPr lang="en-US" sz="2800" b="1" kern="0" dirty="0">
+                <a:solidFill>
+                  <a:schemeClr val="tx2"/>
+                </a:solidFill>
+                <a:latin typeface="+mn-lt"/>
+              </a:rPr>
+              <a:t>facilitating complex </a:t>
+            </a:r>
+            <a:r>
+              <a:rPr lang="en-US" sz="2800" b="1" kern="0" dirty="0" smtClean="0">
+                <a:solidFill>
+                  <a:schemeClr val="tx2"/>
+                </a:solidFill>
+                <a:latin typeface="+mn-lt"/>
+              </a:rPr>
+              <a:t>adaptation</a:t>
+            </a:r>
+            <a:r>
+              <a:rPr lang="en-US" sz="2800" kern="0" dirty="0" smtClean="0">
                 <a:solidFill>
                   <a:srgbClr val="000000"/>
                 </a:solidFill>
                 <a:latin typeface="+mn-lt"/>
               </a:rPr>
-              <a:t>by increasing the capacity </a:t>
+              <a:t>. This is achieved </a:t>
             </a:r>
             <a:r>
               <a:rPr lang="en-US" sz="2800" kern="0" dirty="0" smtClean="0">
@@ -10620,25 +10684,16 @@
                 </a:solidFill>
                 <a:latin typeface="+mn-lt"/>
               </a:rPr>
-              <a:t>of populations </a:t>
-            </a:r>
-            <a:r>
-              <a:rPr lang="en-US" sz="2800" kern="0" dirty="0">
+              <a:t>without the burden of deleterious mutations that is </a:t>
+            </a:r>
+            <a:r>
+              <a:rPr lang="en-US" sz="2800" kern="0" dirty="0" smtClean="0">
                 <a:solidFill>
                   <a:srgbClr val="000000"/>
                 </a:solidFill>
                 <a:latin typeface="+mn-lt"/>
               </a:rPr>
-              <a:t>to adapt, in particular in the case of complex </a:t>
-            </a:r>
-            <a:r>
-              <a:rPr lang="en-US" sz="2800" kern="0" dirty="0" smtClean="0">
-                <a:solidFill>
-                  <a:srgbClr val="000000"/>
-                </a:solidFill>
-                <a:latin typeface="+mn-lt"/>
-              </a:rPr>
-              <a:t>adaptation, without the burden of deleterious mutations that is created by constitutive mutagenesis in asexual populations.</a:t>
+              <a:t>created by constitutive mutagenesis in asexual populations.</a:t>
             </a:r>
             <a:endParaRPr lang="en-US" sz="2800" kern="0" dirty="0">
               <a:solidFill>
